--- a/森本皓斗.pptx
+++ b/森本皓斗.pptx
@@ -11,8 +11,8 @@
     <p:sldId id="256" r:id="rId2"/>
     <p:sldId id="258" r:id="rId3"/>
     <p:sldId id="257" r:id="rId4"/>
-    <p:sldId id="259" r:id="rId5"/>
-    <p:sldId id="260" r:id="rId6"/>
+    <p:sldId id="260" r:id="rId5"/>
+    <p:sldId id="259" r:id="rId6"/>
     <p:sldId id="261" r:id="rId7"/>
     <p:sldId id="262" r:id="rId8"/>
     <p:sldId id="263" r:id="rId9"/>
@@ -1817,93 +1817,93 @@
             <a:lvl1pPr marL="228600" indent="-228600">
               <a:buFont typeface="Wingdings" panose="05000000000000000000" pitchFamily="2" charset="2"/>
               <a:buChar char="p"/>
-              <a:defRPr/>
+              <a:defRPr sz="2400"/>
             </a:lvl1pPr>
             <a:lvl2pPr marL="685800" indent="-228600">
               <a:buFont typeface="Wingdings" panose="05000000000000000000" pitchFamily="2" charset="2"/>
               <a:buChar char="p"/>
-              <a:defRPr/>
+              <a:defRPr sz="2000"/>
             </a:lvl2pPr>
             <a:lvl3pPr marL="1143000" indent="-228600">
               <a:buFont typeface="Wingdings" panose="05000000000000000000" pitchFamily="2" charset="2"/>
               <a:buChar char="p"/>
-              <a:defRPr/>
+              <a:defRPr sz="1800"/>
             </a:lvl3pPr>
             <a:lvl4pPr marL="1600200" indent="-228600">
               <a:buFont typeface="Wingdings" panose="05000000000000000000" pitchFamily="2" charset="2"/>
               <a:buChar char="p"/>
-              <a:defRPr/>
+              <a:defRPr sz="1600"/>
             </a:lvl4pPr>
             <a:lvl5pPr marL="2057400" indent="-228600">
               <a:buFont typeface="Wingdings" panose="05000000000000000000" pitchFamily="2" charset="2"/>
               <a:buChar char="p"/>
-              <a:defRPr/>
+              <a:defRPr sz="1400"/>
             </a:lvl5pPr>
           </a:lstStyle>
           <a:p>
             <a:pPr lvl="0"/>
             <a:r>
-              <a:rPr lang="ja-JP" altLang="en-US"/>
+              <a:rPr lang="ja-JP" altLang="en-US" dirty="0"/>
               <a:t>マスター テキストの書式設定</a:t>
             </a:r>
           </a:p>
           <a:p>
             <a:pPr lvl="1"/>
             <a:r>
-              <a:rPr lang="ja-JP" altLang="en-US"/>
+              <a:rPr lang="ja-JP" altLang="en-US" dirty="0"/>
               <a:t>第 </a:t>
             </a:r>
             <a:r>
-              <a:rPr lang="en-US" altLang="ja-JP"/>
+              <a:rPr lang="en-US" altLang="ja-JP" dirty="0"/>
               <a:t>2 </a:t>
             </a:r>
             <a:r>
-              <a:rPr lang="ja-JP" altLang="en-US"/>
+              <a:rPr lang="ja-JP" altLang="en-US" dirty="0"/>
               <a:t>レベル</a:t>
             </a:r>
           </a:p>
           <a:p>
             <a:pPr lvl="2"/>
             <a:r>
-              <a:rPr lang="ja-JP" altLang="en-US"/>
+              <a:rPr lang="ja-JP" altLang="en-US" dirty="0"/>
               <a:t>第 </a:t>
             </a:r>
             <a:r>
-              <a:rPr lang="en-US" altLang="ja-JP"/>
+              <a:rPr lang="en-US" altLang="ja-JP" dirty="0"/>
               <a:t>3 </a:t>
             </a:r>
             <a:r>
-              <a:rPr lang="ja-JP" altLang="en-US"/>
+              <a:rPr lang="ja-JP" altLang="en-US" dirty="0"/>
               <a:t>レベル</a:t>
             </a:r>
           </a:p>
           <a:p>
             <a:pPr lvl="3"/>
             <a:r>
-              <a:rPr lang="ja-JP" altLang="en-US"/>
+              <a:rPr lang="ja-JP" altLang="en-US" dirty="0"/>
               <a:t>第 </a:t>
             </a:r>
             <a:r>
-              <a:rPr lang="en-US" altLang="ja-JP"/>
+              <a:rPr lang="en-US" altLang="ja-JP" dirty="0"/>
               <a:t>4 </a:t>
             </a:r>
             <a:r>
-              <a:rPr lang="ja-JP" altLang="en-US"/>
+              <a:rPr lang="ja-JP" altLang="en-US" dirty="0"/>
               <a:t>レベル</a:t>
             </a:r>
           </a:p>
           <a:p>
             <a:pPr lvl="4"/>
             <a:r>
-              <a:rPr lang="ja-JP" altLang="en-US"/>
+              <a:rPr lang="ja-JP" altLang="en-US" dirty="0"/>
               <a:t>第 </a:t>
             </a:r>
             <a:r>
-              <a:rPr lang="en-US" altLang="ja-JP"/>
+              <a:rPr lang="en-US" altLang="ja-JP" dirty="0"/>
               <a:t>5 </a:t>
             </a:r>
             <a:r>
-              <a:rPr lang="ja-JP" altLang="en-US"/>
+              <a:rPr lang="ja-JP" altLang="en-US" dirty="0"/>
               <a:t>レベル</a:t>
             </a:r>
             <a:endParaRPr lang="en-US" dirty="0"/>
@@ -2178,93 +2178,93 @@
             <a:lvl1pPr marL="228600" indent="-228600">
               <a:buFont typeface="Wingdings" panose="05000000000000000000" pitchFamily="2" charset="2"/>
               <a:buChar char="p"/>
-              <a:defRPr/>
+              <a:defRPr sz="2400"/>
             </a:lvl1pPr>
             <a:lvl2pPr marL="685800" indent="-228600">
               <a:buFont typeface="Wingdings" panose="05000000000000000000" pitchFamily="2" charset="2"/>
               <a:buChar char="p"/>
-              <a:defRPr/>
+              <a:defRPr sz="2000"/>
             </a:lvl2pPr>
             <a:lvl3pPr marL="1143000" indent="-228600">
               <a:buFont typeface="Wingdings" panose="05000000000000000000" pitchFamily="2" charset="2"/>
               <a:buChar char="p"/>
-              <a:defRPr/>
+              <a:defRPr sz="1800"/>
             </a:lvl3pPr>
             <a:lvl4pPr marL="1600200" indent="-228600">
               <a:buFont typeface="Wingdings" panose="05000000000000000000" pitchFamily="2" charset="2"/>
               <a:buChar char="p"/>
-              <a:defRPr/>
+              <a:defRPr sz="1600"/>
             </a:lvl4pPr>
             <a:lvl5pPr marL="2057400" indent="-228600">
               <a:buFont typeface="Wingdings" panose="05000000000000000000" pitchFamily="2" charset="2"/>
               <a:buChar char="p"/>
-              <a:defRPr/>
+              <a:defRPr sz="1400"/>
             </a:lvl5pPr>
           </a:lstStyle>
           <a:p>
             <a:pPr lvl="0"/>
             <a:r>
-              <a:rPr lang="ja-JP" altLang="en-US"/>
+              <a:rPr lang="ja-JP" altLang="en-US" dirty="0"/>
               <a:t>マスター テキストの書式設定</a:t>
             </a:r>
           </a:p>
           <a:p>
             <a:pPr lvl="1"/>
             <a:r>
-              <a:rPr lang="ja-JP" altLang="en-US"/>
+              <a:rPr lang="ja-JP" altLang="en-US" dirty="0"/>
               <a:t>第 </a:t>
             </a:r>
             <a:r>
-              <a:rPr lang="en-US" altLang="ja-JP"/>
+              <a:rPr lang="en-US" altLang="ja-JP" dirty="0"/>
               <a:t>2 </a:t>
             </a:r>
             <a:r>
-              <a:rPr lang="ja-JP" altLang="en-US"/>
+              <a:rPr lang="ja-JP" altLang="en-US" dirty="0"/>
               <a:t>レベル</a:t>
             </a:r>
           </a:p>
           <a:p>
             <a:pPr lvl="2"/>
             <a:r>
-              <a:rPr lang="ja-JP" altLang="en-US"/>
+              <a:rPr lang="ja-JP" altLang="en-US" dirty="0"/>
               <a:t>第 </a:t>
             </a:r>
             <a:r>
-              <a:rPr lang="en-US" altLang="ja-JP"/>
+              <a:rPr lang="en-US" altLang="ja-JP" dirty="0"/>
               <a:t>3 </a:t>
             </a:r>
             <a:r>
-              <a:rPr lang="ja-JP" altLang="en-US"/>
+              <a:rPr lang="ja-JP" altLang="en-US" dirty="0"/>
               <a:t>レベル</a:t>
             </a:r>
           </a:p>
           <a:p>
             <a:pPr lvl="3"/>
             <a:r>
-              <a:rPr lang="ja-JP" altLang="en-US"/>
+              <a:rPr lang="ja-JP" altLang="en-US" dirty="0"/>
               <a:t>第 </a:t>
             </a:r>
             <a:r>
-              <a:rPr lang="en-US" altLang="ja-JP"/>
+              <a:rPr lang="en-US" altLang="ja-JP" dirty="0"/>
               <a:t>4 </a:t>
             </a:r>
             <a:r>
-              <a:rPr lang="ja-JP" altLang="en-US"/>
+              <a:rPr lang="ja-JP" altLang="en-US" dirty="0"/>
               <a:t>レベル</a:t>
             </a:r>
           </a:p>
           <a:p>
             <a:pPr lvl="4"/>
             <a:r>
-              <a:rPr lang="ja-JP" altLang="en-US"/>
+              <a:rPr lang="ja-JP" altLang="en-US" dirty="0"/>
               <a:t>第 </a:t>
             </a:r>
             <a:r>
-              <a:rPr lang="en-US" altLang="ja-JP"/>
+              <a:rPr lang="en-US" altLang="ja-JP" dirty="0"/>
               <a:t>5 </a:t>
             </a:r>
             <a:r>
-              <a:rPr lang="ja-JP" altLang="en-US"/>
+              <a:rPr lang="ja-JP" altLang="en-US" dirty="0"/>
               <a:t>レベル</a:t>
             </a:r>
             <a:endParaRPr lang="en-US" dirty="0"/>
@@ -4970,21 +4970,7 @@
             </a:br>
             <a:r>
               <a:rPr kumimoji="1" lang="ja-JP" altLang="en-US" sz="2400" dirty="0"/>
-              <a:t>開発環境の導入に関する技術調査を行った．今後は，卒論の</a:t>
-            </a:r>
-            <a:br>
-              <a:rPr kumimoji="1" lang="en-US" altLang="ja-JP" sz="2400" dirty="0"/>
-            </a:br>
-            <a:r>
-              <a:rPr kumimoji="1" lang="ja-JP" altLang="en-US" sz="2400" dirty="0"/>
-              <a:t>内容そのものは研究テーマを実現するのに不十分だと判明</a:t>
-            </a:r>
-            <a:br>
-              <a:rPr lang="en-US" altLang="ja-JP" sz="2400" dirty="0"/>
-            </a:br>
-            <a:r>
-              <a:rPr kumimoji="1" lang="ja-JP" altLang="en-US" sz="2400" dirty="0"/>
-              <a:t>したため，別の文献を参考に</a:t>
+              <a:t>開発環境の導入に関する技術調査を行った．以上の取り組みを通して，本研究テーマには卒論の内容そのものを扱うことは技術的に厳しいことが判明した．今後は，別の文献を参考に</a:t>
             </a:r>
             <a:r>
               <a:rPr kumimoji="1" lang="en-US" altLang="ja-JP" sz="2400" dirty="0" err="1"/>
@@ -4992,14 +4978,7 @@
             </a:r>
             <a:r>
               <a:rPr kumimoji="1" lang="ja-JP" altLang="en-US" sz="2400" dirty="0"/>
-              <a:t>上でシミュレータ環境</a:t>
-            </a:r>
-            <a:br>
-              <a:rPr kumimoji="1" lang="en-US" altLang="ja-JP" sz="2400" dirty="0"/>
-            </a:br>
-            <a:r>
-              <a:rPr kumimoji="1" lang="ja-JP" altLang="en-US" sz="2400" dirty="0"/>
-              <a:t>を実現することを試みる．</a:t>
+              <a:t>上でシミュレータ環境を実現することを試みる．</a:t>
             </a:r>
           </a:p>
         </p:txBody>
@@ -5269,7 +5248,7 @@
           <a:p>
             <a:r>
               <a:rPr kumimoji="1" lang="ja-JP" altLang="en-US" dirty="0"/>
-              <a:t>研究テーマについて</a:t>
+              <a:t>背景</a:t>
             </a:r>
           </a:p>
         </p:txBody>
@@ -5297,18 +5276,63 @@
           <a:p>
             <a:r>
               <a:rPr kumimoji="1" lang="ja-JP" altLang="en-US" dirty="0"/>
-              <a:t>限定のない環境での小型無人機群による自立的</a:t>
+              <a:t>災害現場などの救援補助や，工場などの管理が難しい屋内</a:t>
+            </a:r>
+            <a:r>
+              <a:rPr lang="ja-JP" altLang="en-US" dirty="0"/>
+              <a:t>環境においてクワッドロータの群制御の活用が期待される</a:t>
+            </a:r>
+            <a:endParaRPr lang="en-US" altLang="ja-JP" dirty="0"/>
+          </a:p>
+          <a:p>
+            <a:endParaRPr kumimoji="1" lang="en-US" altLang="ja-JP" dirty="0"/>
+          </a:p>
+          <a:p>
+            <a:r>
+              <a:rPr kumimoji="1" lang="en-US" altLang="ja-JP" dirty="0"/>
+              <a:t>GPS</a:t>
+            </a:r>
+            <a:r>
+              <a:rPr kumimoji="1" lang="ja-JP" altLang="en-US" dirty="0"/>
+              <a:t>や</a:t>
+            </a:r>
+            <a:r>
+              <a:rPr lang="en-US" altLang="ja-JP" dirty="0"/>
+              <a:t>QZSS</a:t>
+            </a:r>
+            <a:r>
+              <a:rPr lang="ja-JP" altLang="en-US" dirty="0"/>
+              <a:t>などの</a:t>
+            </a:r>
+            <a:r>
+              <a:rPr lang="en-US" altLang="ja-JP" dirty="0"/>
+              <a:t>GNSS</a:t>
+            </a:r>
+            <a:r>
+              <a:rPr lang="ja-JP" altLang="en-US" dirty="0"/>
+              <a:t>が使用できない環境においては</a:t>
             </a:r>
             <a:br>
-              <a:rPr kumimoji="1" lang="en-US" altLang="ja-JP" dirty="0"/>
+              <a:rPr lang="en-US" altLang="ja-JP" dirty="0"/>
             </a:br>
             <a:r>
-              <a:rPr kumimoji="1" lang="ja-JP" altLang="en-US" dirty="0"/>
-              <a:t>かつ様々な協調・協働作業の実現に向けて，特に</a:t>
-            </a:r>
-            <a:br>
-              <a:rPr kumimoji="1" lang="en-US" altLang="ja-JP" dirty="0"/>
-            </a:br>
+              <a:rPr lang="ja-JP" altLang="en-US" dirty="0"/>
+              <a:t>クワッドロータ群の遠隔制御が困難</a:t>
+            </a:r>
+            <a:endParaRPr lang="en-US" altLang="ja-JP" dirty="0"/>
+          </a:p>
+          <a:p>
+            <a:endParaRPr kumimoji="1" lang="en-US" altLang="ja-JP" dirty="0"/>
+          </a:p>
+          <a:p>
+            <a:r>
+              <a:rPr lang="en-US" altLang="ja-JP" dirty="0"/>
+              <a:t>GNSS</a:t>
+            </a:r>
+            <a:r>
+              <a:rPr lang="ja-JP" altLang="en-US" dirty="0"/>
+              <a:t>に頼ることなく各機体間がそれぞれ相対位置を把握し，クワッドロータ群がフォーメーション制御できることが望ましい</a:t>
+            </a:r>
             <a:endParaRPr kumimoji="1" lang="ja-JP" altLang="en-US" dirty="0"/>
           </a:p>
         </p:txBody>
@@ -5346,7 +5370,7 @@
     </p:spTree>
     <p:extLst>
       <p:ext uri="{BB962C8B-B14F-4D97-AF65-F5344CB8AC3E}">
-        <p14:creationId xmlns:p14="http://schemas.microsoft.com/office/powerpoint/2010/main" val="1619065103"/>
+        <p14:creationId xmlns:p14="http://schemas.microsoft.com/office/powerpoint/2010/main" val="4042288125"/>
       </p:ext>
     </p:extLst>
   </p:cSld>
@@ -5394,7 +5418,11 @@
           <a:bodyPr/>
           <a:lstStyle/>
           <a:p>
-            <a:endParaRPr kumimoji="1" lang="ja-JP" altLang="en-US"/>
+            <a:r>
+              <a:rPr lang="ja-JP" altLang="en-US" dirty="0"/>
+              <a:t>目的</a:t>
+            </a:r>
+            <a:endParaRPr kumimoji="1" lang="ja-JP" altLang="en-US" dirty="0"/>
           </a:p>
         </p:txBody>
       </p:sp>
@@ -5414,12 +5442,47 @@
             <p:ph idx="1"/>
           </p:nvPr>
         </p:nvSpPr>
-        <p:spPr/>
-        <p:txBody>
-          <a:bodyPr/>
-          <a:lstStyle/>
-          <a:p>
-            <a:endParaRPr kumimoji="1" lang="ja-JP" altLang="en-US"/>
+        <p:spPr>
+          <a:xfrm>
+            <a:off x="258159" y="1475909"/>
+            <a:ext cx="8625709" cy="1732655"/>
+          </a:xfrm>
+        </p:spPr>
+        <p:txBody>
+          <a:bodyPr>
+            <a:normAutofit/>
+          </a:bodyPr>
+          <a:lstStyle/>
+          <a:p>
+            <a:r>
+              <a:rPr lang="ja-JP" altLang="en-US" dirty="0"/>
+              <a:t>非</a:t>
+            </a:r>
+            <a:r>
+              <a:rPr lang="en-US" altLang="ja-JP" dirty="0"/>
+              <a:t>GNSS</a:t>
+            </a:r>
+            <a:r>
+              <a:rPr lang="ja-JP" altLang="en-US" dirty="0"/>
+              <a:t>環境においてクワッドロータ群の協調的な相対</a:t>
+            </a:r>
+            <a:br>
+              <a:rPr lang="en-US" altLang="ja-JP" dirty="0"/>
+            </a:br>
+            <a:r>
+              <a:rPr lang="ja-JP" altLang="en-US" dirty="0"/>
+              <a:t>位置関係を測位する手法を模索</a:t>
+            </a:r>
+            <a:br>
+              <a:rPr lang="en-US" altLang="ja-JP" dirty="0"/>
+            </a:br>
+            <a:endParaRPr lang="en-US" altLang="ja-JP" dirty="0"/>
+          </a:p>
+          <a:p>
+            <a:r>
+              <a:rPr kumimoji="1" lang="ja-JP" altLang="en-US" dirty="0"/>
+              <a:t>上記手法をもとにフォーメーション制御を実現</a:t>
+            </a:r>
           </a:p>
         </p:txBody>
       </p:sp>
@@ -5453,16 +5516,776 @@
           </a:p>
         </p:txBody>
       </p:sp>
+      <p:sp>
+        <p:nvSpPr>
+          <p:cNvPr id="5" name="四角形: 角を丸くする 4">
+            <a:extLst>
+              <a:ext uri="{FF2B5EF4-FFF2-40B4-BE49-F238E27FC236}">
+                <a16:creationId xmlns:a16="http://schemas.microsoft.com/office/drawing/2014/main" id="{730982D1-A70D-712B-9FC8-1D41946684B8}"/>
+              </a:ext>
+            </a:extLst>
+          </p:cNvPr>
+          <p:cNvSpPr/>
+          <p:nvPr/>
+        </p:nvSpPr>
+        <p:spPr>
+          <a:xfrm>
+            <a:off x="1971675" y="3619671"/>
+            <a:ext cx="5200650" cy="2911757"/>
+          </a:xfrm>
+          <a:prstGeom prst="roundRect">
+            <a:avLst/>
+          </a:prstGeom>
+          <a:noFill/>
+          <a:ln w="57150" cap="flat" cmpd="sng" algn="ctr">
+            <a:solidFill>
+              <a:schemeClr val="tx1"/>
+            </a:solidFill>
+            <a:prstDash val="solid"/>
+            <a:round/>
+            <a:headEnd type="none" w="med" len="med"/>
+            <a:tailEnd type="none" w="med" len="med"/>
+          </a:ln>
+        </p:spPr>
+        <p:style>
+          <a:lnRef idx="0">
+            <a:scrgbClr r="0" g="0" b="0"/>
+          </a:lnRef>
+          <a:fillRef idx="0">
+            <a:scrgbClr r="0" g="0" b="0"/>
+          </a:fillRef>
+          <a:effectRef idx="0">
+            <a:scrgbClr r="0" g="0" b="0"/>
+          </a:effectRef>
+          <a:fontRef idx="minor">
+            <a:schemeClr val="dk1"/>
+          </a:fontRef>
+        </p:style>
+        <p:txBody>
+          <a:bodyPr rtlCol="0" anchor="ctr"/>
+          <a:lstStyle/>
+          <a:p>
+            <a:pPr algn="ctr"/>
+            <a:endParaRPr kumimoji="1" lang="ja-JP" altLang="en-US"/>
+          </a:p>
+        </p:txBody>
+      </p:sp>
+      <p:sp>
+        <p:nvSpPr>
+          <p:cNvPr id="13" name="フローチャート: 結合子 12">
+            <a:extLst>
+              <a:ext uri="{FF2B5EF4-FFF2-40B4-BE49-F238E27FC236}">
+                <a16:creationId xmlns:a16="http://schemas.microsoft.com/office/drawing/2014/main" id="{2AD7B5D2-CDE5-113F-EC0B-1DB6DF71E5E9}"/>
+              </a:ext>
+            </a:extLst>
+          </p:cNvPr>
+          <p:cNvSpPr/>
+          <p:nvPr/>
+        </p:nvSpPr>
+        <p:spPr>
+          <a:xfrm>
+            <a:off x="2344136" y="3960741"/>
+            <a:ext cx="277586" cy="285750"/>
+          </a:xfrm>
+          <a:prstGeom prst="flowChartConnector">
+            <a:avLst/>
+          </a:prstGeom>
+          <a:solidFill>
+            <a:schemeClr val="accent2"/>
+          </a:solidFill>
+          <a:ln>
+            <a:noFill/>
+          </a:ln>
+        </p:spPr>
+        <p:style>
+          <a:lnRef idx="2">
+            <a:schemeClr val="accent1">
+              <a:shade val="15000"/>
+            </a:schemeClr>
+          </a:lnRef>
+          <a:fillRef idx="1">
+            <a:schemeClr val="accent1"/>
+          </a:fillRef>
+          <a:effectRef idx="0">
+            <a:schemeClr val="accent1"/>
+          </a:effectRef>
+          <a:fontRef idx="minor">
+            <a:schemeClr val="lt1"/>
+          </a:fontRef>
+        </p:style>
+        <p:txBody>
+          <a:bodyPr rtlCol="0" anchor="ctr"/>
+          <a:lstStyle/>
+          <a:p>
+            <a:pPr algn="ctr"/>
+            <a:endParaRPr kumimoji="1" lang="ja-JP" altLang="en-US"/>
+          </a:p>
+        </p:txBody>
+      </p:sp>
+      <p:sp>
+        <p:nvSpPr>
+          <p:cNvPr id="14" name="フローチャート: 結合子 13">
+            <a:extLst>
+              <a:ext uri="{FF2B5EF4-FFF2-40B4-BE49-F238E27FC236}">
+                <a16:creationId xmlns:a16="http://schemas.microsoft.com/office/drawing/2014/main" id="{F6015602-7540-F270-978A-EC7CCB5DDC71}"/>
+              </a:ext>
+            </a:extLst>
+          </p:cNvPr>
+          <p:cNvSpPr/>
+          <p:nvPr/>
+        </p:nvSpPr>
+        <p:spPr>
+          <a:xfrm>
+            <a:off x="4050283" y="5722749"/>
+            <a:ext cx="277586" cy="285750"/>
+          </a:xfrm>
+          <a:prstGeom prst="flowChartConnector">
+            <a:avLst/>
+          </a:prstGeom>
+          <a:solidFill>
+            <a:schemeClr val="accent2"/>
+          </a:solidFill>
+          <a:ln>
+            <a:noFill/>
+          </a:ln>
+        </p:spPr>
+        <p:style>
+          <a:lnRef idx="2">
+            <a:schemeClr val="accent1">
+              <a:shade val="15000"/>
+            </a:schemeClr>
+          </a:lnRef>
+          <a:fillRef idx="1">
+            <a:schemeClr val="accent1"/>
+          </a:fillRef>
+          <a:effectRef idx="0">
+            <a:schemeClr val="accent1"/>
+          </a:effectRef>
+          <a:fontRef idx="minor">
+            <a:schemeClr val="lt1"/>
+          </a:fontRef>
+        </p:style>
+        <p:txBody>
+          <a:bodyPr rtlCol="0" anchor="ctr"/>
+          <a:lstStyle/>
+          <a:p>
+            <a:pPr algn="ctr"/>
+            <a:endParaRPr kumimoji="1" lang="ja-JP" altLang="en-US"/>
+          </a:p>
+        </p:txBody>
+      </p:sp>
+      <p:sp>
+        <p:nvSpPr>
+          <p:cNvPr id="15" name="フローチャート: 結合子 14">
+            <a:extLst>
+              <a:ext uri="{FF2B5EF4-FFF2-40B4-BE49-F238E27FC236}">
+                <a16:creationId xmlns:a16="http://schemas.microsoft.com/office/drawing/2014/main" id="{3974BC1F-9050-60F0-6DE0-B0123F50FA74}"/>
+              </a:ext>
+            </a:extLst>
+          </p:cNvPr>
+          <p:cNvSpPr/>
+          <p:nvPr/>
+        </p:nvSpPr>
+        <p:spPr>
+          <a:xfrm>
+            <a:off x="4308020" y="3882267"/>
+            <a:ext cx="277586" cy="285750"/>
+          </a:xfrm>
+          <a:prstGeom prst="flowChartConnector">
+            <a:avLst/>
+          </a:prstGeom>
+          <a:solidFill>
+            <a:schemeClr val="accent2"/>
+          </a:solidFill>
+          <a:ln>
+            <a:noFill/>
+          </a:ln>
+        </p:spPr>
+        <p:style>
+          <a:lnRef idx="2">
+            <a:schemeClr val="accent1">
+              <a:shade val="15000"/>
+            </a:schemeClr>
+          </a:lnRef>
+          <a:fillRef idx="1">
+            <a:schemeClr val="accent1"/>
+          </a:fillRef>
+          <a:effectRef idx="0">
+            <a:schemeClr val="accent1"/>
+          </a:effectRef>
+          <a:fontRef idx="minor">
+            <a:schemeClr val="lt1"/>
+          </a:fontRef>
+        </p:style>
+        <p:txBody>
+          <a:bodyPr rtlCol="0" anchor="ctr"/>
+          <a:lstStyle/>
+          <a:p>
+            <a:pPr algn="ctr"/>
+            <a:endParaRPr kumimoji="1" lang="ja-JP" altLang="en-US"/>
+          </a:p>
+        </p:txBody>
+      </p:sp>
+      <p:sp>
+        <p:nvSpPr>
+          <p:cNvPr id="16" name="フローチャート: 結合子 15">
+            <a:extLst>
+              <a:ext uri="{FF2B5EF4-FFF2-40B4-BE49-F238E27FC236}">
+                <a16:creationId xmlns:a16="http://schemas.microsoft.com/office/drawing/2014/main" id="{F32860E5-09B5-F86A-217D-0E74B1ACD26E}"/>
+              </a:ext>
+            </a:extLst>
+          </p:cNvPr>
+          <p:cNvSpPr/>
+          <p:nvPr/>
+        </p:nvSpPr>
+        <p:spPr>
+          <a:xfrm>
+            <a:off x="2065563" y="5199820"/>
+            <a:ext cx="277586" cy="285750"/>
+          </a:xfrm>
+          <a:prstGeom prst="flowChartConnector">
+            <a:avLst/>
+          </a:prstGeom>
+          <a:solidFill>
+            <a:schemeClr val="accent2"/>
+          </a:solidFill>
+          <a:ln>
+            <a:noFill/>
+          </a:ln>
+        </p:spPr>
+        <p:style>
+          <a:lnRef idx="2">
+            <a:schemeClr val="accent1">
+              <a:shade val="15000"/>
+            </a:schemeClr>
+          </a:lnRef>
+          <a:fillRef idx="1">
+            <a:schemeClr val="accent1"/>
+          </a:fillRef>
+          <a:effectRef idx="0">
+            <a:schemeClr val="accent1"/>
+          </a:effectRef>
+          <a:fontRef idx="minor">
+            <a:schemeClr val="lt1"/>
+          </a:fontRef>
+        </p:style>
+        <p:txBody>
+          <a:bodyPr rtlCol="0" anchor="ctr"/>
+          <a:lstStyle/>
+          <a:p>
+            <a:pPr algn="ctr"/>
+            <a:endParaRPr kumimoji="1" lang="ja-JP" altLang="en-US"/>
+          </a:p>
+        </p:txBody>
+      </p:sp>
+      <p:sp>
+        <p:nvSpPr>
+          <p:cNvPr id="17" name="フローチャート: 結合子 16">
+            <a:extLst>
+              <a:ext uri="{FF2B5EF4-FFF2-40B4-BE49-F238E27FC236}">
+                <a16:creationId xmlns:a16="http://schemas.microsoft.com/office/drawing/2014/main" id="{3D34A706-179C-2ACD-6BD5-1890FBE67C27}"/>
+              </a:ext>
+            </a:extLst>
+          </p:cNvPr>
+          <p:cNvSpPr/>
+          <p:nvPr/>
+        </p:nvSpPr>
+        <p:spPr>
+          <a:xfrm>
+            <a:off x="5243210" y="4628320"/>
+            <a:ext cx="277586" cy="285750"/>
+          </a:xfrm>
+          <a:prstGeom prst="flowChartConnector">
+            <a:avLst/>
+          </a:prstGeom>
+          <a:solidFill>
+            <a:schemeClr val="accent2"/>
+          </a:solidFill>
+          <a:ln>
+            <a:noFill/>
+          </a:ln>
+        </p:spPr>
+        <p:style>
+          <a:lnRef idx="2">
+            <a:schemeClr val="accent1">
+              <a:shade val="15000"/>
+            </a:schemeClr>
+          </a:lnRef>
+          <a:fillRef idx="1">
+            <a:schemeClr val="accent1"/>
+          </a:fillRef>
+          <a:effectRef idx="0">
+            <a:schemeClr val="accent1"/>
+          </a:effectRef>
+          <a:fontRef idx="minor">
+            <a:schemeClr val="lt1"/>
+          </a:fontRef>
+        </p:style>
+        <p:txBody>
+          <a:bodyPr rtlCol="0" anchor="ctr"/>
+          <a:lstStyle/>
+          <a:p>
+            <a:pPr algn="ctr"/>
+            <a:endParaRPr kumimoji="1" lang="ja-JP" altLang="en-US"/>
+          </a:p>
+        </p:txBody>
+      </p:sp>
+      <p:grpSp>
+        <p:nvGrpSpPr>
+          <p:cNvPr id="18" name="グループ化 17">
+            <a:extLst>
+              <a:ext uri="{FF2B5EF4-FFF2-40B4-BE49-F238E27FC236}">
+                <a16:creationId xmlns:a16="http://schemas.microsoft.com/office/drawing/2014/main" id="{7565D9A0-C868-4D7B-62F0-E79762C366C0}"/>
+              </a:ext>
+            </a:extLst>
+          </p:cNvPr>
+          <p:cNvGrpSpPr/>
+          <p:nvPr/>
+        </p:nvGrpSpPr>
+        <p:grpSpPr>
+          <a:xfrm>
+            <a:off x="2844878" y="4274535"/>
+            <a:ext cx="1504950" cy="1602027"/>
+            <a:chOff x="2696560" y="4269921"/>
+            <a:chExt cx="1504950" cy="1602027"/>
+          </a:xfrm>
+        </p:grpSpPr>
+        <p:sp>
+          <p:nvSpPr>
+            <p:cNvPr id="19" name="フローチャート: 結合子 18">
+              <a:extLst>
+                <a:ext uri="{FF2B5EF4-FFF2-40B4-BE49-F238E27FC236}">
+                  <a16:creationId xmlns:a16="http://schemas.microsoft.com/office/drawing/2014/main" id="{FCC8FFFC-ED98-472F-7F0A-A80E6B12B6A8}"/>
+                </a:ext>
+              </a:extLst>
+            </p:cNvPr>
+            <p:cNvSpPr/>
+            <p:nvPr/>
+          </p:nvSpPr>
+          <p:spPr>
+            <a:xfrm>
+              <a:off x="3336095" y="4561580"/>
+              <a:ext cx="277586" cy="285750"/>
+            </a:xfrm>
+            <a:prstGeom prst="flowChartConnector">
+              <a:avLst/>
+            </a:prstGeom>
+            <a:solidFill>
+              <a:schemeClr val="accent2"/>
+            </a:solidFill>
+            <a:ln>
+              <a:noFill/>
+            </a:ln>
+          </p:spPr>
+          <p:style>
+            <a:lnRef idx="2">
+              <a:schemeClr val="accent1">
+                <a:shade val="15000"/>
+              </a:schemeClr>
+            </a:lnRef>
+            <a:fillRef idx="1">
+              <a:schemeClr val="accent1"/>
+            </a:fillRef>
+            <a:effectRef idx="0">
+              <a:schemeClr val="accent1"/>
+            </a:effectRef>
+            <a:fontRef idx="minor">
+              <a:schemeClr val="lt1"/>
+            </a:fontRef>
+          </p:style>
+          <p:txBody>
+            <a:bodyPr rtlCol="0" anchor="ctr"/>
+            <a:lstStyle/>
+            <a:p>
+              <a:pPr algn="ctr"/>
+              <a:endParaRPr kumimoji="1" lang="ja-JP" altLang="en-US" dirty="0"/>
+            </a:p>
+          </p:txBody>
+        </p:sp>
+        <p:sp>
+          <p:nvSpPr>
+            <p:cNvPr id="20" name="フローチャート: 結合子 19">
+              <a:extLst>
+                <a:ext uri="{FF2B5EF4-FFF2-40B4-BE49-F238E27FC236}">
+                  <a16:creationId xmlns:a16="http://schemas.microsoft.com/office/drawing/2014/main" id="{C2D78081-EBC8-ED2B-4E66-6957C3377563}"/>
+                </a:ext>
+              </a:extLst>
+            </p:cNvPr>
+            <p:cNvSpPr/>
+            <p:nvPr/>
+          </p:nvSpPr>
+          <p:spPr>
+            <a:xfrm>
+              <a:off x="3336095" y="5299382"/>
+              <a:ext cx="277586" cy="285750"/>
+            </a:xfrm>
+            <a:prstGeom prst="flowChartConnector">
+              <a:avLst/>
+            </a:prstGeom>
+            <a:solidFill>
+              <a:schemeClr val="accent2"/>
+            </a:solidFill>
+            <a:ln>
+              <a:noFill/>
+            </a:ln>
+          </p:spPr>
+          <p:style>
+            <a:lnRef idx="2">
+              <a:schemeClr val="accent1">
+                <a:shade val="15000"/>
+              </a:schemeClr>
+            </a:lnRef>
+            <a:fillRef idx="1">
+              <a:schemeClr val="accent1"/>
+            </a:fillRef>
+            <a:effectRef idx="0">
+              <a:schemeClr val="accent1"/>
+            </a:effectRef>
+            <a:fontRef idx="minor">
+              <a:schemeClr val="lt1"/>
+            </a:fontRef>
+          </p:style>
+          <p:txBody>
+            <a:bodyPr rtlCol="0" anchor="ctr"/>
+            <a:lstStyle/>
+            <a:p>
+              <a:pPr algn="ctr"/>
+              <a:endParaRPr kumimoji="1" lang="ja-JP" altLang="en-US"/>
+            </a:p>
+          </p:txBody>
+        </p:sp>
+        <p:sp>
+          <p:nvSpPr>
+            <p:cNvPr id="21" name="フローチャート: 結合子 20">
+              <a:extLst>
+                <a:ext uri="{FF2B5EF4-FFF2-40B4-BE49-F238E27FC236}">
+                  <a16:creationId xmlns:a16="http://schemas.microsoft.com/office/drawing/2014/main" id="{FD9D9968-08FD-293B-9F7A-27E0ACCD2A12}"/>
+                </a:ext>
+              </a:extLst>
+            </p:cNvPr>
+            <p:cNvSpPr/>
+            <p:nvPr/>
+          </p:nvSpPr>
+          <p:spPr>
+            <a:xfrm>
+              <a:off x="3923924" y="4909456"/>
+              <a:ext cx="277586" cy="285750"/>
+            </a:xfrm>
+            <a:prstGeom prst="flowChartConnector">
+              <a:avLst/>
+            </a:prstGeom>
+            <a:solidFill>
+              <a:schemeClr val="accent2"/>
+            </a:solidFill>
+            <a:ln>
+              <a:noFill/>
+            </a:ln>
+          </p:spPr>
+          <p:style>
+            <a:lnRef idx="2">
+              <a:schemeClr val="accent1">
+                <a:shade val="15000"/>
+              </a:schemeClr>
+            </a:lnRef>
+            <a:fillRef idx="1">
+              <a:schemeClr val="accent1"/>
+            </a:fillRef>
+            <a:effectRef idx="0">
+              <a:schemeClr val="accent1"/>
+            </a:effectRef>
+            <a:fontRef idx="minor">
+              <a:schemeClr val="lt1"/>
+            </a:fontRef>
+          </p:style>
+          <p:txBody>
+            <a:bodyPr rtlCol="0" anchor="ctr"/>
+            <a:lstStyle/>
+            <a:p>
+              <a:pPr algn="ctr"/>
+              <a:endParaRPr kumimoji="1" lang="ja-JP" altLang="en-US"/>
+            </a:p>
+          </p:txBody>
+        </p:sp>
+        <p:sp>
+          <p:nvSpPr>
+            <p:cNvPr id="22" name="フローチャート: 結合子 21">
+              <a:extLst>
+                <a:ext uri="{FF2B5EF4-FFF2-40B4-BE49-F238E27FC236}">
+                  <a16:creationId xmlns:a16="http://schemas.microsoft.com/office/drawing/2014/main" id="{517C9726-2729-0075-04BB-3D447FD39F6C}"/>
+                </a:ext>
+              </a:extLst>
+            </p:cNvPr>
+            <p:cNvSpPr/>
+            <p:nvPr/>
+          </p:nvSpPr>
+          <p:spPr>
+            <a:xfrm>
+              <a:off x="2696560" y="5586198"/>
+              <a:ext cx="277586" cy="285750"/>
+            </a:xfrm>
+            <a:prstGeom prst="flowChartConnector">
+              <a:avLst/>
+            </a:prstGeom>
+            <a:solidFill>
+              <a:schemeClr val="accent2"/>
+            </a:solidFill>
+            <a:ln>
+              <a:noFill/>
+            </a:ln>
+          </p:spPr>
+          <p:style>
+            <a:lnRef idx="2">
+              <a:schemeClr val="accent1">
+                <a:shade val="15000"/>
+              </a:schemeClr>
+            </a:lnRef>
+            <a:fillRef idx="1">
+              <a:schemeClr val="accent1"/>
+            </a:fillRef>
+            <a:effectRef idx="0">
+              <a:schemeClr val="accent1"/>
+            </a:effectRef>
+            <a:fontRef idx="minor">
+              <a:schemeClr val="lt1"/>
+            </a:fontRef>
+          </p:style>
+          <p:txBody>
+            <a:bodyPr rtlCol="0" anchor="ctr"/>
+            <a:lstStyle/>
+            <a:p>
+              <a:pPr algn="ctr"/>
+              <a:endParaRPr kumimoji="1" lang="ja-JP" altLang="en-US"/>
+            </a:p>
+          </p:txBody>
+        </p:sp>
+        <p:sp>
+          <p:nvSpPr>
+            <p:cNvPr id="23" name="フローチャート: 結合子 22">
+              <a:extLst>
+                <a:ext uri="{FF2B5EF4-FFF2-40B4-BE49-F238E27FC236}">
+                  <a16:creationId xmlns:a16="http://schemas.microsoft.com/office/drawing/2014/main" id="{166B7E26-0C0E-85D2-B766-5BD63BACABF4}"/>
+                </a:ext>
+              </a:extLst>
+            </p:cNvPr>
+            <p:cNvSpPr/>
+            <p:nvPr/>
+          </p:nvSpPr>
+          <p:spPr>
+            <a:xfrm>
+              <a:off x="2696560" y="4269921"/>
+              <a:ext cx="277586" cy="285750"/>
+            </a:xfrm>
+            <a:prstGeom prst="flowChartConnector">
+              <a:avLst/>
+            </a:prstGeom>
+            <a:solidFill>
+              <a:schemeClr val="accent2"/>
+            </a:solidFill>
+            <a:ln>
+              <a:noFill/>
+            </a:ln>
+          </p:spPr>
+          <p:style>
+            <a:lnRef idx="2">
+              <a:schemeClr val="accent1">
+                <a:shade val="15000"/>
+              </a:schemeClr>
+            </a:lnRef>
+            <a:fillRef idx="1">
+              <a:schemeClr val="accent1"/>
+            </a:fillRef>
+            <a:effectRef idx="0">
+              <a:schemeClr val="accent1"/>
+            </a:effectRef>
+            <a:fontRef idx="minor">
+              <a:schemeClr val="lt1"/>
+            </a:fontRef>
+          </p:style>
+          <p:txBody>
+            <a:bodyPr rtlCol="0" anchor="ctr"/>
+            <a:lstStyle/>
+            <a:p>
+              <a:pPr algn="ctr"/>
+              <a:endParaRPr kumimoji="1" lang="ja-JP" altLang="en-US"/>
+            </a:p>
+          </p:txBody>
+        </p:sp>
+      </p:grpSp>
     </p:spTree>
     <p:extLst>
       <p:ext uri="{BB962C8B-B14F-4D97-AF65-F5344CB8AC3E}">
-        <p14:creationId xmlns:p14="http://schemas.microsoft.com/office/powerpoint/2010/main" val="4042288125"/>
+        <p14:creationId xmlns:p14="http://schemas.microsoft.com/office/powerpoint/2010/main" val="1619065103"/>
       </p:ext>
     </p:extLst>
   </p:cSld>
   <p:clrMapOvr>
     <a:masterClrMapping/>
   </p:clrMapOvr>
+  <p:timing>
+    <p:tnLst>
+      <p:par>
+        <p:cTn id="1" dur="indefinite" restart="never" nodeType="tmRoot">
+          <p:childTnLst>
+            <p:seq concurrent="1" nextAc="seek">
+              <p:cTn id="2" dur="indefinite" nodeType="mainSeq">
+                <p:childTnLst>
+                  <p:par>
+                    <p:cTn id="3" fill="hold">
+                      <p:stCondLst>
+                        <p:cond delay="indefinite"/>
+                      </p:stCondLst>
+                      <p:childTnLst>
+                        <p:par>
+                          <p:cTn id="4" fill="hold">
+                            <p:stCondLst>
+                              <p:cond delay="0"/>
+                            </p:stCondLst>
+                            <p:childTnLst>
+                              <p:par>
+                                <p:cTn id="5" presetID="37" presetClass="path" presetSubtype="0" accel="50000" decel="50000" fill="hold" grpId="0" nodeType="clickEffect">
+                                  <p:stCondLst>
+                                    <p:cond delay="0"/>
+                                  </p:stCondLst>
+                                  <p:childTnLst>
+                                    <p:animMotion origin="layout" path="M -0.00052 3.7037E-7 C 0.02222 0.00995 -0.01459 -0.01111 -0.03195 0.02268 C -0.0441 0.06018 -0.02709 0.1044 -0.03004 0.09861 C -0.03299 0.09306 -0.00538 0.13403 0.00903 0.125 C 0.04219 0.10671 0.071 0.05764 0.05225 0.04329 " pathEditMode="relative" rAng="0" ptsTypes="AAAAA">
+                                      <p:cBhvr>
+                                        <p:cTn id="6" dur="2000" fill="hold"/>
+                                        <p:tgtEl>
+                                          <p:spTgt spid="13"/>
+                                        </p:tgtEl>
+                                        <p:attrNameLst>
+                                          <p:attrName>ppt_x</p:attrName>
+                                          <p:attrName>ppt_y</p:attrName>
+                                        </p:attrNameLst>
+                                      </p:cBhvr>
+                                      <p:rCtr x="1146" y="6319"/>
+                                    </p:animMotion>
+                                  </p:childTnLst>
+                                </p:cTn>
+                              </p:par>
+                              <p:par>
+                                <p:cTn id="7" presetID="37" presetClass="path" presetSubtype="0" accel="50000" decel="50000" fill="hold" grpId="0" nodeType="withEffect">
+                                  <p:stCondLst>
+                                    <p:cond delay="0"/>
+                                  </p:stCondLst>
+                                  <p:childTnLst>
+                                    <p:animMotion origin="layout" path="M -0.00018 -0.00023 C 0.02257 0.00996 -0.02587 -0.0324 -0.04323 0.00232 C -0.05539 0.03959 -0.0566 0.05232 -0.10157 0.06042 C -0.11129 0.05695 -0.13403 0.0676 -0.15816 0.03195 C -0.16598 -0.00439 -0.11493 -0.00926 -0.13264 -0.02245 " pathEditMode="relative" rAng="0" ptsTypes="AAAAA">
+                                      <p:cBhvr>
+                                        <p:cTn id="8" dur="2000" fill="hold"/>
+                                        <p:tgtEl>
+                                          <p:spTgt spid="14"/>
+                                        </p:tgtEl>
+                                        <p:attrNameLst>
+                                          <p:attrName>ppt_x</p:attrName>
+                                          <p:attrName>ppt_y</p:attrName>
+                                        </p:attrNameLst>
+                                      </p:cBhvr>
+                                      <p:rCtr x="-7639" y="1921"/>
+                                    </p:animMotion>
+                                  </p:childTnLst>
+                                </p:cTn>
+                              </p:par>
+                              <p:par>
+                                <p:cTn id="9" presetID="37" presetClass="path" presetSubtype="0" accel="50000" decel="50000" fill="hold" grpId="0" nodeType="withEffect">
+                                  <p:stCondLst>
+                                    <p:cond delay="0"/>
+                                  </p:stCondLst>
+                                  <p:childTnLst>
+                                    <p:animMotion origin="layout" path="M -0.00034 2.96296E-6 C 0.02188 0.00995 -0.04791 -0.04792 -0.0651 -0.01412 C -0.07743 0.02338 -0.10399 0.00463 -0.1059 0.04606 C -0.12586 0.07708 -0.12725 0.15324 -0.11284 0.14421 C -0.08003 0.12592 -0.07309 0.11574 -0.09184 0.10162 " pathEditMode="relative" rAng="0" ptsTypes="AAAAA">
+                                      <p:cBhvr>
+                                        <p:cTn id="10" dur="2000" fill="hold"/>
+                                        <p:tgtEl>
+                                          <p:spTgt spid="15"/>
+                                        </p:tgtEl>
+                                        <p:attrNameLst>
+                                          <p:attrName>ppt_x</p:attrName>
+                                          <p:attrName>ppt_y</p:attrName>
+                                        </p:attrNameLst>
+                                      </p:cBhvr>
+                                      <p:rCtr x="-5885" y="6019"/>
+                                    </p:animMotion>
+                                  </p:childTnLst>
+                                </p:cTn>
+                              </p:par>
+                              <p:par>
+                                <p:cTn id="11" presetID="37" presetClass="path" presetSubtype="0" accel="50000" decel="50000" fill="hold" grpId="0" nodeType="withEffect">
+                                  <p:stCondLst>
+                                    <p:cond delay="0"/>
+                                  </p:stCondLst>
+                                  <p:childTnLst>
+                                    <p:animMotion origin="layout" path="M -0.00052 -0.00047 C 0.01771 0.00949 0.00018 0.04351 0.01493 0.06134 C 0.04584 0.07615 0.05087 0.03981 0.04983 0.00995 C 0.04184 -0.02755 0.04653 -0.01551 0.07656 -0.0301 C 0.1092 -0.04838 0.16962 0.02662 0.15087 0.01296 " pathEditMode="relative" rAng="0" ptsTypes="AAAAA">
+                                      <p:cBhvr>
+                                        <p:cTn id="12" dur="2000" fill="hold"/>
+                                        <p:tgtEl>
+                                          <p:spTgt spid="16"/>
+                                        </p:tgtEl>
+                                        <p:attrNameLst>
+                                          <p:attrName>ppt_x</p:attrName>
+                                          <p:attrName>ppt_y</p:attrName>
+                                        </p:attrNameLst>
+                                      </p:cBhvr>
+                                      <p:rCtr x="7743" y="1644"/>
+                                    </p:animMotion>
+                                  </p:childTnLst>
+                                </p:cTn>
+                              </p:par>
+                              <p:par>
+                                <p:cTn id="13" presetID="37" presetClass="path" presetSubtype="0" accel="50000" decel="50000" fill="hold" grpId="0" nodeType="withEffect">
+                                  <p:stCondLst>
+                                    <p:cond delay="0"/>
+                                  </p:stCondLst>
+                                  <p:childTnLst>
+                                    <p:animMotion origin="layout" path="M -0.00035 -0.00046 C 0.02188 0.00949 -0.04791 -0.04838 -0.0651 -0.01458 C -0.0776 0.02315 -0.03906 0.00648 -0.04097 0.04769 C -0.02448 0.08658 -0.09913 0.12176 -0.07465 0.08171 C -0.08594 0.02246 -0.10989 0.05764 -0.12847 0.04352 " pathEditMode="relative" rAng="0" ptsTypes="AAAAA">
+                                      <p:cBhvr>
+                                        <p:cTn id="14" dur="2000" fill="hold"/>
+                                        <p:tgtEl>
+                                          <p:spTgt spid="17"/>
+                                        </p:tgtEl>
+                                        <p:attrNameLst>
+                                          <p:attrName>ppt_x</p:attrName>
+                                          <p:attrName>ppt_y</p:attrName>
+                                        </p:attrNameLst>
+                                      </p:cBhvr>
+                                      <p:rCtr x="-6198" y="3750"/>
+                                    </p:animMotion>
+                                  </p:childTnLst>
+                                </p:cTn>
+                              </p:par>
+                            </p:childTnLst>
+                          </p:cTn>
+                        </p:par>
+                      </p:childTnLst>
+                    </p:cTn>
+                  </p:par>
+                </p:childTnLst>
+              </p:cTn>
+              <p:prevCondLst>
+                <p:cond evt="onPrev" delay="0">
+                  <p:tgtEl>
+                    <p:sldTgt/>
+                  </p:tgtEl>
+                </p:cond>
+              </p:prevCondLst>
+              <p:nextCondLst>
+                <p:cond evt="onNext" delay="0">
+                  <p:tgtEl>
+                    <p:sldTgt/>
+                  </p:tgtEl>
+                </p:cond>
+              </p:nextCondLst>
+            </p:seq>
+          </p:childTnLst>
+        </p:cTn>
+      </p:par>
+    </p:tnLst>
+    <p:bldLst>
+      <p:bldP spid="13" grpId="0" animBg="1"/>
+      <p:bldP spid="14" grpId="0" animBg="1"/>
+      <p:bldP spid="15" grpId="0" animBg="1"/>
+      <p:bldP spid="16" grpId="0" animBg="1"/>
+      <p:bldP spid="17" grpId="0" animBg="1"/>
+    </p:bldLst>
+  </p:timing>
 </p:sld>
 </file>
 

--- a/森本皓斗.pptx
+++ b/森本皓斗.pptx
@@ -5,7 +5,7 @@
     <p:sldMasterId id="2147483660" r:id="rId1"/>
   </p:sldMasterIdLst>
   <p:notesMasterIdLst>
-    <p:notesMasterId r:id="rId13"/>
+    <p:notesMasterId r:id="rId15"/>
   </p:notesMasterIdLst>
   <p:sldIdLst>
     <p:sldId id="256" r:id="rId2"/>
@@ -13,12 +13,14 @@
     <p:sldId id="257" r:id="rId4"/>
     <p:sldId id="260" r:id="rId5"/>
     <p:sldId id="259" r:id="rId6"/>
-    <p:sldId id="261" r:id="rId7"/>
-    <p:sldId id="262" r:id="rId8"/>
-    <p:sldId id="263" r:id="rId9"/>
-    <p:sldId id="264" r:id="rId10"/>
-    <p:sldId id="265" r:id="rId11"/>
-    <p:sldId id="266" r:id="rId12"/>
+    <p:sldId id="267" r:id="rId7"/>
+    <p:sldId id="268" r:id="rId8"/>
+    <p:sldId id="261" r:id="rId9"/>
+    <p:sldId id="262" r:id="rId10"/>
+    <p:sldId id="263" r:id="rId11"/>
+    <p:sldId id="264" r:id="rId12"/>
+    <p:sldId id="265" r:id="rId13"/>
+    <p:sldId id="266" r:id="rId14"/>
   </p:sldIdLst>
   <p:sldSz cx="9144000" cy="6858000" type="screen4x3"/>
   <p:notesSz cx="6858000" cy="9144000"/>
@@ -4738,7 +4740,7 @@
     </p:spTree>
     <p:extLst>
       <p:ext uri="{BB962C8B-B14F-4D97-AF65-F5344CB8AC3E}">
-        <p14:creationId xmlns:p14="http://schemas.microsoft.com/office/powerpoint/2010/main" val="4196265059"/>
+        <p14:creationId xmlns:p14="http://schemas.microsoft.com/office/powerpoint/2010/main" val="841919574"/>
       </p:ext>
     </p:extLst>
   </p:cSld>
@@ -4840,6 +4842,226 @@
               <a:rPr kumimoji="1" lang="ja-JP" altLang="en-US" smtClean="0"/>
               <a:pPr/>
               <a:t>10</a:t>
+            </a:fld>
+            <a:endParaRPr kumimoji="1" lang="ja-JP" altLang="en-US" dirty="0"/>
+          </a:p>
+        </p:txBody>
+      </p:sp>
+    </p:spTree>
+    <p:extLst>
+      <p:ext uri="{BB962C8B-B14F-4D97-AF65-F5344CB8AC3E}">
+        <p14:creationId xmlns:p14="http://schemas.microsoft.com/office/powerpoint/2010/main" val="2693909009"/>
+      </p:ext>
+    </p:extLst>
+  </p:cSld>
+  <p:clrMapOvr>
+    <a:masterClrMapping/>
+  </p:clrMapOvr>
+</p:sld>
+</file>
+
+<file path=ppt/slides/slide12.xml><?xml version="1.0" encoding="utf-8"?>
+<p:sld xmlns:a="http://schemas.openxmlformats.org/drawingml/2006/main" xmlns:r="http://schemas.openxmlformats.org/officeDocument/2006/relationships" xmlns:p="http://schemas.openxmlformats.org/presentationml/2006/main">
+  <p:cSld>
+    <p:spTree>
+      <p:nvGrpSpPr>
+        <p:cNvPr id="1" name=""/>
+        <p:cNvGrpSpPr/>
+        <p:nvPr/>
+      </p:nvGrpSpPr>
+      <p:grpSpPr>
+        <a:xfrm>
+          <a:off x="0" y="0"/>
+          <a:ext cx="0" cy="0"/>
+          <a:chOff x="0" y="0"/>
+          <a:chExt cx="0" cy="0"/>
+        </a:xfrm>
+      </p:grpSpPr>
+      <p:sp>
+        <p:nvSpPr>
+          <p:cNvPr id="2" name="タイトル 1">
+            <a:extLst>
+              <a:ext uri="{FF2B5EF4-FFF2-40B4-BE49-F238E27FC236}">
+                <a16:creationId xmlns:a16="http://schemas.microsoft.com/office/drawing/2014/main" id="{DCE94847-9F9B-6193-17BC-2F7AE31F8E37}"/>
+              </a:ext>
+            </a:extLst>
+          </p:cNvPr>
+          <p:cNvSpPr>
+            <a:spLocks noGrp="1"/>
+          </p:cNvSpPr>
+          <p:nvPr>
+            <p:ph type="title"/>
+          </p:nvPr>
+        </p:nvSpPr>
+        <p:spPr/>
+        <p:txBody>
+          <a:bodyPr/>
+          <a:lstStyle/>
+          <a:p>
+            <a:endParaRPr kumimoji="1" lang="ja-JP" altLang="en-US"/>
+          </a:p>
+        </p:txBody>
+      </p:sp>
+      <p:sp>
+        <p:nvSpPr>
+          <p:cNvPr id="3" name="コンテンツ プレースホルダー 2">
+            <a:extLst>
+              <a:ext uri="{FF2B5EF4-FFF2-40B4-BE49-F238E27FC236}">
+                <a16:creationId xmlns:a16="http://schemas.microsoft.com/office/drawing/2014/main" id="{9E1A1E01-A3A5-94AB-8DFE-9E5367FE5E69}"/>
+              </a:ext>
+            </a:extLst>
+          </p:cNvPr>
+          <p:cNvSpPr>
+            <a:spLocks noGrp="1"/>
+          </p:cNvSpPr>
+          <p:nvPr>
+            <p:ph idx="1"/>
+          </p:nvPr>
+        </p:nvSpPr>
+        <p:spPr/>
+        <p:txBody>
+          <a:bodyPr/>
+          <a:lstStyle/>
+          <a:p>
+            <a:endParaRPr kumimoji="1" lang="ja-JP" altLang="en-US"/>
+          </a:p>
+        </p:txBody>
+      </p:sp>
+      <p:sp>
+        <p:nvSpPr>
+          <p:cNvPr id="4" name="スライド番号プレースホルダー 3">
+            <a:extLst>
+              <a:ext uri="{FF2B5EF4-FFF2-40B4-BE49-F238E27FC236}">
+                <a16:creationId xmlns:a16="http://schemas.microsoft.com/office/drawing/2014/main" id="{277B23C4-05B3-54A3-480E-1C5B9643FEA6}"/>
+              </a:ext>
+            </a:extLst>
+          </p:cNvPr>
+          <p:cNvSpPr>
+            <a:spLocks noGrp="1"/>
+          </p:cNvSpPr>
+          <p:nvPr>
+            <p:ph type="sldNum" sz="quarter" idx="12"/>
+          </p:nvPr>
+        </p:nvSpPr>
+        <p:spPr/>
+        <p:txBody>
+          <a:bodyPr/>
+          <a:lstStyle/>
+          <a:p>
+            <a:fld id="{55407BB7-92F5-4977-AA44-396FA1CF315E}" type="slidenum">
+              <a:rPr kumimoji="1" lang="ja-JP" altLang="en-US" smtClean="0"/>
+              <a:pPr/>
+              <a:t>11</a:t>
+            </a:fld>
+            <a:endParaRPr kumimoji="1" lang="ja-JP" altLang="en-US" dirty="0"/>
+          </a:p>
+        </p:txBody>
+      </p:sp>
+    </p:spTree>
+    <p:extLst>
+      <p:ext uri="{BB962C8B-B14F-4D97-AF65-F5344CB8AC3E}">
+        <p14:creationId xmlns:p14="http://schemas.microsoft.com/office/powerpoint/2010/main" val="4196265059"/>
+      </p:ext>
+    </p:extLst>
+  </p:cSld>
+  <p:clrMapOvr>
+    <a:masterClrMapping/>
+  </p:clrMapOvr>
+</p:sld>
+</file>
+
+<file path=ppt/slides/slide13.xml><?xml version="1.0" encoding="utf-8"?>
+<p:sld xmlns:a="http://schemas.openxmlformats.org/drawingml/2006/main" xmlns:r="http://schemas.openxmlformats.org/officeDocument/2006/relationships" xmlns:p="http://schemas.openxmlformats.org/presentationml/2006/main">
+  <p:cSld>
+    <p:spTree>
+      <p:nvGrpSpPr>
+        <p:cNvPr id="1" name=""/>
+        <p:cNvGrpSpPr/>
+        <p:nvPr/>
+      </p:nvGrpSpPr>
+      <p:grpSpPr>
+        <a:xfrm>
+          <a:off x="0" y="0"/>
+          <a:ext cx="0" cy="0"/>
+          <a:chOff x="0" y="0"/>
+          <a:chExt cx="0" cy="0"/>
+        </a:xfrm>
+      </p:grpSpPr>
+      <p:sp>
+        <p:nvSpPr>
+          <p:cNvPr id="2" name="タイトル 1">
+            <a:extLst>
+              <a:ext uri="{FF2B5EF4-FFF2-40B4-BE49-F238E27FC236}">
+                <a16:creationId xmlns:a16="http://schemas.microsoft.com/office/drawing/2014/main" id="{DCE94847-9F9B-6193-17BC-2F7AE31F8E37}"/>
+              </a:ext>
+            </a:extLst>
+          </p:cNvPr>
+          <p:cNvSpPr>
+            <a:spLocks noGrp="1"/>
+          </p:cNvSpPr>
+          <p:nvPr>
+            <p:ph type="title"/>
+          </p:nvPr>
+        </p:nvSpPr>
+        <p:spPr/>
+        <p:txBody>
+          <a:bodyPr/>
+          <a:lstStyle/>
+          <a:p>
+            <a:endParaRPr kumimoji="1" lang="ja-JP" altLang="en-US"/>
+          </a:p>
+        </p:txBody>
+      </p:sp>
+      <p:sp>
+        <p:nvSpPr>
+          <p:cNvPr id="3" name="コンテンツ プレースホルダー 2">
+            <a:extLst>
+              <a:ext uri="{FF2B5EF4-FFF2-40B4-BE49-F238E27FC236}">
+                <a16:creationId xmlns:a16="http://schemas.microsoft.com/office/drawing/2014/main" id="{9E1A1E01-A3A5-94AB-8DFE-9E5367FE5E69}"/>
+              </a:ext>
+            </a:extLst>
+          </p:cNvPr>
+          <p:cNvSpPr>
+            <a:spLocks noGrp="1"/>
+          </p:cNvSpPr>
+          <p:nvPr>
+            <p:ph idx="1"/>
+          </p:nvPr>
+        </p:nvSpPr>
+        <p:spPr/>
+        <p:txBody>
+          <a:bodyPr/>
+          <a:lstStyle/>
+          <a:p>
+            <a:endParaRPr kumimoji="1" lang="ja-JP" altLang="en-US"/>
+          </a:p>
+        </p:txBody>
+      </p:sp>
+      <p:sp>
+        <p:nvSpPr>
+          <p:cNvPr id="4" name="スライド番号プレースホルダー 3">
+            <a:extLst>
+              <a:ext uri="{FF2B5EF4-FFF2-40B4-BE49-F238E27FC236}">
+                <a16:creationId xmlns:a16="http://schemas.microsoft.com/office/drawing/2014/main" id="{277B23C4-05B3-54A3-480E-1C5B9643FEA6}"/>
+              </a:ext>
+            </a:extLst>
+          </p:cNvPr>
+          <p:cNvSpPr>
+            <a:spLocks noGrp="1"/>
+          </p:cNvSpPr>
+          <p:nvPr>
+            <p:ph type="sldNum" sz="quarter" idx="12"/>
+          </p:nvPr>
+        </p:nvSpPr>
+        <p:spPr/>
+        <p:txBody>
+          <a:bodyPr/>
+          <a:lstStyle/>
+          <a:p>
+            <a:fld id="{55407BB7-92F5-4977-AA44-396FA1CF315E}" type="slidenum">
+              <a:rPr kumimoji="1" lang="ja-JP" altLang="en-US" smtClean="0"/>
+              <a:pPr/>
+              <a:t>12</a:t>
             </a:fld>
             <a:endParaRPr kumimoji="1" lang="ja-JP" altLang="en-US" dirty="0"/>
           </a:p>
@@ -5819,6 +6041,464 @@
           </a:effectRef>
           <a:fontRef idx="minor">
             <a:schemeClr val="lt1"/>
+          </a:fontRef>
+        </p:style>
+        <p:txBody>
+          <a:bodyPr rtlCol="0" anchor="ctr"/>
+          <a:lstStyle/>
+          <a:p>
+            <a:pPr algn="ctr"/>
+            <a:endParaRPr kumimoji="1" lang="ja-JP" altLang="en-US"/>
+          </a:p>
+        </p:txBody>
+      </p:sp>
+      <p:sp>
+        <p:nvSpPr>
+          <p:cNvPr id="24" name="稲妻 23">
+            <a:extLst>
+              <a:ext uri="{FF2B5EF4-FFF2-40B4-BE49-F238E27FC236}">
+                <a16:creationId xmlns:a16="http://schemas.microsoft.com/office/drawing/2014/main" id="{C27F0A09-5815-9896-1491-EA3BA7A3F6C2}"/>
+              </a:ext>
+            </a:extLst>
+          </p:cNvPr>
+          <p:cNvSpPr/>
+          <p:nvPr/>
+        </p:nvSpPr>
+        <p:spPr>
+          <a:xfrm rot="656461">
+            <a:off x="6963147" y="3187834"/>
+            <a:ext cx="861530" cy="863674"/>
+          </a:xfrm>
+          <a:prstGeom prst="lightningBolt">
+            <a:avLst/>
+          </a:prstGeom>
+          <a:solidFill>
+            <a:srgbClr val="FFFF00"/>
+          </a:solidFill>
+          <a:ln>
+            <a:solidFill>
+              <a:schemeClr val="tx1"/>
+            </a:solidFill>
+          </a:ln>
+        </p:spPr>
+        <p:style>
+          <a:lnRef idx="2">
+            <a:schemeClr val="accent1">
+              <a:shade val="15000"/>
+            </a:schemeClr>
+          </a:lnRef>
+          <a:fillRef idx="1">
+            <a:schemeClr val="accent1"/>
+          </a:fillRef>
+          <a:effectRef idx="0">
+            <a:schemeClr val="accent1"/>
+          </a:effectRef>
+          <a:fontRef idx="minor">
+            <a:schemeClr val="lt1"/>
+          </a:fontRef>
+        </p:style>
+        <p:txBody>
+          <a:bodyPr rtlCol="0" anchor="ctr"/>
+          <a:lstStyle/>
+          <a:p>
+            <a:pPr algn="ctr"/>
+            <a:endParaRPr kumimoji="1" lang="ja-JP" altLang="en-US"/>
+          </a:p>
+        </p:txBody>
+      </p:sp>
+      <p:pic>
+        <p:nvPicPr>
+          <p:cNvPr id="26" name="グラフィックス 25">
+            <a:extLst>
+              <a:ext uri="{FF2B5EF4-FFF2-40B4-BE49-F238E27FC236}">
+                <a16:creationId xmlns:a16="http://schemas.microsoft.com/office/drawing/2014/main" id="{591330C6-BE13-B698-4A22-FD4DB4C90226}"/>
+              </a:ext>
+            </a:extLst>
+          </p:cNvPr>
+          <p:cNvPicPr>
+            <a:picLocks noChangeAspect="1"/>
+          </p:cNvPicPr>
+          <p:nvPr/>
+        </p:nvPicPr>
+        <p:blipFill>
+          <a:blip r:embed="rId2">
+            <a:extLst>
+              <a:ext uri="{96DAC541-7B7A-43D3-8B79-37D633B846F1}">
+                <asvg:svgBlip xmlns:asvg="http://schemas.microsoft.com/office/drawing/2016/SVG/main" r:embed="rId3"/>
+              </a:ext>
+            </a:extLst>
+          </a:blip>
+          <a:stretch>
+            <a:fillRect/>
+          </a:stretch>
+        </p:blipFill>
+        <p:spPr>
+          <a:xfrm>
+            <a:off x="7544744" y="4091931"/>
+            <a:ext cx="1200232" cy="1200232"/>
+          </a:xfrm>
+          <a:prstGeom prst="rect">
+            <a:avLst/>
+          </a:prstGeom>
+        </p:spPr>
+      </p:pic>
+    </p:spTree>
+    <p:extLst>
+      <p:ext uri="{BB962C8B-B14F-4D97-AF65-F5344CB8AC3E}">
+        <p14:creationId xmlns:p14="http://schemas.microsoft.com/office/powerpoint/2010/main" val="1619065103"/>
+      </p:ext>
+    </p:extLst>
+  </p:cSld>
+  <p:clrMapOvr>
+    <a:masterClrMapping/>
+  </p:clrMapOvr>
+  <p:timing>
+    <p:tnLst>
+      <p:par>
+        <p:cTn id="1" dur="indefinite" restart="never" nodeType="tmRoot">
+          <p:childTnLst>
+            <p:seq concurrent="1" nextAc="seek">
+              <p:cTn id="2" dur="indefinite" nodeType="mainSeq">
+                <p:childTnLst>
+                  <p:par>
+                    <p:cTn id="3" fill="hold">
+                      <p:stCondLst>
+                        <p:cond delay="indefinite"/>
+                      </p:stCondLst>
+                      <p:childTnLst>
+                        <p:par>
+                          <p:cTn id="4" fill="hold">
+                            <p:stCondLst>
+                              <p:cond delay="0"/>
+                            </p:stCondLst>
+                            <p:childTnLst>
+                              <p:par>
+                                <p:cTn id="5" presetID="37" presetClass="path" presetSubtype="0" accel="50000" decel="50000" fill="hold" grpId="0" nodeType="clickEffect">
+                                  <p:stCondLst>
+                                    <p:cond delay="0"/>
+                                  </p:stCondLst>
+                                  <p:childTnLst>
+                                    <p:animMotion origin="layout" path="M -0.00052 3.7037E-7 C 0.02222 0.00995 -0.01459 -0.01111 -0.03195 0.02268 C -0.0441 0.06018 -0.02709 0.1044 -0.03004 0.09861 C -0.03299 0.09306 -0.00538 0.13403 0.00903 0.125 C 0.04219 0.10671 0.071 0.05764 0.05225 0.04329 " pathEditMode="relative" rAng="0" ptsTypes="AAAAA">
+                                      <p:cBhvr>
+                                        <p:cTn id="6" dur="2000" fill="hold"/>
+                                        <p:tgtEl>
+                                          <p:spTgt spid="13"/>
+                                        </p:tgtEl>
+                                        <p:attrNameLst>
+                                          <p:attrName>ppt_x</p:attrName>
+                                          <p:attrName>ppt_y</p:attrName>
+                                        </p:attrNameLst>
+                                      </p:cBhvr>
+                                      <p:rCtr x="1146" y="6319"/>
+                                    </p:animMotion>
+                                  </p:childTnLst>
+                                </p:cTn>
+                              </p:par>
+                              <p:par>
+                                <p:cTn id="7" presetID="37" presetClass="path" presetSubtype="0" accel="50000" decel="50000" fill="hold" grpId="0" nodeType="withEffect">
+                                  <p:stCondLst>
+                                    <p:cond delay="0"/>
+                                  </p:stCondLst>
+                                  <p:childTnLst>
+                                    <p:animMotion origin="layout" path="M -0.00018 -0.00023 C 0.02257 0.00996 -0.02587 -0.0324 -0.04323 0.00232 C -0.05539 0.03959 -0.0566 0.05232 -0.10157 0.06042 C -0.11129 0.05695 -0.13403 0.0676 -0.15816 0.03195 C -0.16598 -0.00439 -0.11493 -0.00926 -0.13264 -0.02245 " pathEditMode="relative" rAng="0" ptsTypes="AAAAA">
+                                      <p:cBhvr>
+                                        <p:cTn id="8" dur="2000" fill="hold"/>
+                                        <p:tgtEl>
+                                          <p:spTgt spid="14"/>
+                                        </p:tgtEl>
+                                        <p:attrNameLst>
+                                          <p:attrName>ppt_x</p:attrName>
+                                          <p:attrName>ppt_y</p:attrName>
+                                        </p:attrNameLst>
+                                      </p:cBhvr>
+                                      <p:rCtr x="-7639" y="1921"/>
+                                    </p:animMotion>
+                                  </p:childTnLst>
+                                </p:cTn>
+                              </p:par>
+                              <p:par>
+                                <p:cTn id="9" presetID="37" presetClass="path" presetSubtype="0" accel="50000" decel="50000" fill="hold" grpId="0" nodeType="withEffect">
+                                  <p:stCondLst>
+                                    <p:cond delay="0"/>
+                                  </p:stCondLst>
+                                  <p:childTnLst>
+                                    <p:animMotion origin="layout" path="M -0.00034 2.96296E-6 C 0.02188 0.00995 -0.04791 -0.04792 -0.0651 -0.01412 C -0.07743 0.02338 -0.10399 0.00463 -0.1059 0.04606 C -0.12586 0.07708 -0.12725 0.15324 -0.11284 0.14421 C -0.08003 0.12592 -0.07309 0.11574 -0.09184 0.10162 " pathEditMode="relative" rAng="0" ptsTypes="AAAAA">
+                                      <p:cBhvr>
+                                        <p:cTn id="10" dur="2000" fill="hold"/>
+                                        <p:tgtEl>
+                                          <p:spTgt spid="15"/>
+                                        </p:tgtEl>
+                                        <p:attrNameLst>
+                                          <p:attrName>ppt_x</p:attrName>
+                                          <p:attrName>ppt_y</p:attrName>
+                                        </p:attrNameLst>
+                                      </p:cBhvr>
+                                      <p:rCtr x="-5885" y="6019"/>
+                                    </p:animMotion>
+                                  </p:childTnLst>
+                                </p:cTn>
+                              </p:par>
+                              <p:par>
+                                <p:cTn id="11" presetID="37" presetClass="path" presetSubtype="0" accel="50000" decel="50000" fill="hold" grpId="0" nodeType="withEffect">
+                                  <p:stCondLst>
+                                    <p:cond delay="0"/>
+                                  </p:stCondLst>
+                                  <p:childTnLst>
+                                    <p:animMotion origin="layout" path="M -0.00052 -0.00047 C 0.01771 0.00949 0.00018 0.04351 0.01493 0.06134 C 0.04584 0.07615 0.05087 0.03981 0.04983 0.00995 C 0.04184 -0.02755 0.04653 -0.01551 0.07656 -0.0301 C 0.1092 -0.04838 0.16962 0.02662 0.15087 0.01296 " pathEditMode="relative" rAng="0" ptsTypes="AAAAA">
+                                      <p:cBhvr>
+                                        <p:cTn id="12" dur="2000" fill="hold"/>
+                                        <p:tgtEl>
+                                          <p:spTgt spid="16"/>
+                                        </p:tgtEl>
+                                        <p:attrNameLst>
+                                          <p:attrName>ppt_x</p:attrName>
+                                          <p:attrName>ppt_y</p:attrName>
+                                        </p:attrNameLst>
+                                      </p:cBhvr>
+                                      <p:rCtr x="7743" y="1644"/>
+                                    </p:animMotion>
+                                  </p:childTnLst>
+                                </p:cTn>
+                              </p:par>
+                              <p:par>
+                                <p:cTn id="13" presetID="37" presetClass="path" presetSubtype="0" accel="50000" decel="50000" fill="hold" grpId="0" nodeType="withEffect">
+                                  <p:stCondLst>
+                                    <p:cond delay="0"/>
+                                  </p:stCondLst>
+                                  <p:childTnLst>
+                                    <p:animMotion origin="layout" path="M -0.00035 -0.00046 C 0.02188 0.00949 -0.04791 -0.04838 -0.0651 -0.01458 C -0.0776 0.02315 -0.03906 0.00648 -0.04097 0.04769 C -0.02448 0.08658 -0.09913 0.12176 -0.07465 0.08171 C -0.08594 0.02246 -0.10989 0.05764 -0.12847 0.04352 " pathEditMode="relative" rAng="0" ptsTypes="AAAAA">
+                                      <p:cBhvr>
+                                        <p:cTn id="14" dur="2000" fill="hold"/>
+                                        <p:tgtEl>
+                                          <p:spTgt spid="17"/>
+                                        </p:tgtEl>
+                                        <p:attrNameLst>
+                                          <p:attrName>ppt_x</p:attrName>
+                                          <p:attrName>ppt_y</p:attrName>
+                                        </p:attrNameLst>
+                                      </p:cBhvr>
+                                      <p:rCtr x="-6198" y="3750"/>
+                                    </p:animMotion>
+                                  </p:childTnLst>
+                                </p:cTn>
+                              </p:par>
+                            </p:childTnLst>
+                          </p:cTn>
+                        </p:par>
+                      </p:childTnLst>
+                    </p:cTn>
+                  </p:par>
+                </p:childTnLst>
+              </p:cTn>
+              <p:prevCondLst>
+                <p:cond evt="onPrev" delay="0">
+                  <p:tgtEl>
+                    <p:sldTgt/>
+                  </p:tgtEl>
+                </p:cond>
+              </p:prevCondLst>
+              <p:nextCondLst>
+                <p:cond evt="onNext" delay="0">
+                  <p:tgtEl>
+                    <p:sldTgt/>
+                  </p:tgtEl>
+                </p:cond>
+              </p:nextCondLst>
+            </p:seq>
+          </p:childTnLst>
+        </p:cTn>
+      </p:par>
+    </p:tnLst>
+    <p:bldLst>
+      <p:bldP spid="13" grpId="0" animBg="1"/>
+      <p:bldP spid="14" grpId="0" animBg="1"/>
+      <p:bldP spid="15" grpId="0" animBg="1"/>
+      <p:bldP spid="16" grpId="0" animBg="1"/>
+      <p:bldP spid="17" grpId="0" animBg="1"/>
+    </p:bldLst>
+  </p:timing>
+</p:sld>
+</file>
+
+<file path=ppt/slides/slide6.xml><?xml version="1.0" encoding="utf-8"?>
+<p:sld xmlns:a="http://schemas.openxmlformats.org/drawingml/2006/main" xmlns:r="http://schemas.openxmlformats.org/officeDocument/2006/relationships" xmlns:p="http://schemas.openxmlformats.org/presentationml/2006/main">
+  <p:cSld>
+    <p:spTree>
+      <p:nvGrpSpPr>
+        <p:cNvPr id="1" name=""/>
+        <p:cNvGrpSpPr/>
+        <p:nvPr/>
+      </p:nvGrpSpPr>
+      <p:grpSpPr>
+        <a:xfrm>
+          <a:off x="0" y="0"/>
+          <a:ext cx="0" cy="0"/>
+          <a:chOff x="0" y="0"/>
+          <a:chExt cx="0" cy="0"/>
+        </a:xfrm>
+      </p:grpSpPr>
+      <p:sp>
+        <p:nvSpPr>
+          <p:cNvPr id="2" name="タイトル 1">
+            <a:extLst>
+              <a:ext uri="{FF2B5EF4-FFF2-40B4-BE49-F238E27FC236}">
+                <a16:creationId xmlns:a16="http://schemas.microsoft.com/office/drawing/2014/main" id="{DCE94847-9F9B-6193-17BC-2F7AE31F8E37}"/>
+              </a:ext>
+            </a:extLst>
+          </p:cNvPr>
+          <p:cNvSpPr>
+            <a:spLocks noGrp="1"/>
+          </p:cNvSpPr>
+          <p:nvPr>
+            <p:ph type="title"/>
+          </p:nvPr>
+        </p:nvSpPr>
+        <p:spPr/>
+        <p:txBody>
+          <a:bodyPr/>
+          <a:lstStyle/>
+          <a:p>
+            <a:r>
+              <a:rPr lang="ja-JP" altLang="en-US" dirty="0"/>
+              <a:t>目的</a:t>
+            </a:r>
+            <a:endParaRPr kumimoji="1" lang="ja-JP" altLang="en-US" dirty="0"/>
+          </a:p>
+        </p:txBody>
+      </p:sp>
+      <p:sp>
+        <p:nvSpPr>
+          <p:cNvPr id="3" name="コンテンツ プレースホルダー 2">
+            <a:extLst>
+              <a:ext uri="{FF2B5EF4-FFF2-40B4-BE49-F238E27FC236}">
+                <a16:creationId xmlns:a16="http://schemas.microsoft.com/office/drawing/2014/main" id="{9E1A1E01-A3A5-94AB-8DFE-9E5367FE5E69}"/>
+              </a:ext>
+            </a:extLst>
+          </p:cNvPr>
+          <p:cNvSpPr>
+            <a:spLocks noGrp="1"/>
+          </p:cNvSpPr>
+          <p:nvPr>
+            <p:ph idx="1"/>
+          </p:nvPr>
+        </p:nvSpPr>
+        <p:spPr>
+          <a:xfrm>
+            <a:off x="258159" y="1475909"/>
+            <a:ext cx="8625709" cy="1732655"/>
+          </a:xfrm>
+        </p:spPr>
+        <p:txBody>
+          <a:bodyPr>
+            <a:normAutofit/>
+          </a:bodyPr>
+          <a:lstStyle/>
+          <a:p>
+            <a:r>
+              <a:rPr lang="ja-JP" altLang="en-US" dirty="0"/>
+              <a:t>非</a:t>
+            </a:r>
+            <a:r>
+              <a:rPr lang="en-US" altLang="ja-JP" dirty="0"/>
+              <a:t>GNSS</a:t>
+            </a:r>
+            <a:r>
+              <a:rPr lang="ja-JP" altLang="en-US" dirty="0"/>
+              <a:t>環境においてクワッドロータ群の協調的な相対</a:t>
+            </a:r>
+            <a:br>
+              <a:rPr lang="en-US" altLang="ja-JP" dirty="0"/>
+            </a:br>
+            <a:r>
+              <a:rPr lang="ja-JP" altLang="en-US" dirty="0"/>
+              <a:t>位置関係を測位する手法を模索</a:t>
+            </a:r>
+            <a:br>
+              <a:rPr lang="en-US" altLang="ja-JP" dirty="0"/>
+            </a:br>
+            <a:endParaRPr lang="en-US" altLang="ja-JP" dirty="0"/>
+          </a:p>
+          <a:p>
+            <a:r>
+              <a:rPr kumimoji="1" lang="ja-JP" altLang="en-US" dirty="0"/>
+              <a:t>上記手法をもとにフォーメーション制御を実現</a:t>
+            </a:r>
+          </a:p>
+        </p:txBody>
+      </p:sp>
+      <p:sp>
+        <p:nvSpPr>
+          <p:cNvPr id="4" name="スライド番号プレースホルダー 3">
+            <a:extLst>
+              <a:ext uri="{FF2B5EF4-FFF2-40B4-BE49-F238E27FC236}">
+                <a16:creationId xmlns:a16="http://schemas.microsoft.com/office/drawing/2014/main" id="{277B23C4-05B3-54A3-480E-1C5B9643FEA6}"/>
+              </a:ext>
+            </a:extLst>
+          </p:cNvPr>
+          <p:cNvSpPr>
+            <a:spLocks noGrp="1"/>
+          </p:cNvSpPr>
+          <p:nvPr>
+            <p:ph type="sldNum" sz="quarter" idx="12"/>
+          </p:nvPr>
+        </p:nvSpPr>
+        <p:spPr/>
+        <p:txBody>
+          <a:bodyPr/>
+          <a:lstStyle/>
+          <a:p>
+            <a:fld id="{55407BB7-92F5-4977-AA44-396FA1CF315E}" type="slidenum">
+              <a:rPr kumimoji="1" lang="ja-JP" altLang="en-US" smtClean="0"/>
+              <a:pPr/>
+              <a:t>5</a:t>
+            </a:fld>
+            <a:endParaRPr kumimoji="1" lang="ja-JP" altLang="en-US" dirty="0"/>
+          </a:p>
+        </p:txBody>
+      </p:sp>
+      <p:sp>
+        <p:nvSpPr>
+          <p:cNvPr id="5" name="四角形: 角を丸くする 4">
+            <a:extLst>
+              <a:ext uri="{FF2B5EF4-FFF2-40B4-BE49-F238E27FC236}">
+                <a16:creationId xmlns:a16="http://schemas.microsoft.com/office/drawing/2014/main" id="{730982D1-A70D-712B-9FC8-1D41946684B8}"/>
+              </a:ext>
+            </a:extLst>
+          </p:cNvPr>
+          <p:cNvSpPr/>
+          <p:nvPr/>
+        </p:nvSpPr>
+        <p:spPr>
+          <a:xfrm>
+            <a:off x="1971675" y="3619671"/>
+            <a:ext cx="5200650" cy="2911757"/>
+          </a:xfrm>
+          <a:prstGeom prst="roundRect">
+            <a:avLst/>
+          </a:prstGeom>
+          <a:noFill/>
+          <a:ln w="57150" cap="flat" cmpd="sng" algn="ctr">
+            <a:solidFill>
+              <a:schemeClr val="tx1"/>
+            </a:solidFill>
+            <a:prstDash val="solid"/>
+            <a:round/>
+            <a:headEnd type="none" w="med" len="med"/>
+            <a:tailEnd type="none" w="med" len="med"/>
+          </a:ln>
+        </p:spPr>
+        <p:style>
+          <a:lnRef idx="0">
+            <a:scrgbClr r="0" g="0" b="0"/>
+          </a:lnRef>
+          <a:fillRef idx="0">
+            <a:scrgbClr r="0" g="0" b="0"/>
+          </a:fillRef>
+          <a:effectRef idx="0">
+            <a:scrgbClr r="0" g="0" b="0"/>
+          </a:effectRef>
+          <a:fontRef idx="minor">
+            <a:schemeClr val="dk1"/>
           </a:fontRef>
         </p:style>
         <p:txBody>
@@ -6111,10 +6791,185 @@
           </p:txBody>
         </p:sp>
       </p:grpSp>
+      <p:sp>
+        <p:nvSpPr>
+          <p:cNvPr id="6" name="稲妻 5">
+            <a:extLst>
+              <a:ext uri="{FF2B5EF4-FFF2-40B4-BE49-F238E27FC236}">
+                <a16:creationId xmlns:a16="http://schemas.microsoft.com/office/drawing/2014/main" id="{AD3EE78E-962D-471B-7617-BAD8CE76DAB4}"/>
+              </a:ext>
+            </a:extLst>
+          </p:cNvPr>
+          <p:cNvSpPr/>
+          <p:nvPr/>
+        </p:nvSpPr>
+        <p:spPr>
+          <a:xfrm rot="656461">
+            <a:off x="6963147" y="3187834"/>
+            <a:ext cx="861530" cy="863674"/>
+          </a:xfrm>
+          <a:prstGeom prst="lightningBolt">
+            <a:avLst/>
+          </a:prstGeom>
+          <a:solidFill>
+            <a:srgbClr val="FFFF00"/>
+          </a:solidFill>
+          <a:ln>
+            <a:solidFill>
+              <a:schemeClr val="tx1"/>
+            </a:solidFill>
+          </a:ln>
+        </p:spPr>
+        <p:style>
+          <a:lnRef idx="2">
+            <a:schemeClr val="accent1">
+              <a:shade val="15000"/>
+            </a:schemeClr>
+          </a:lnRef>
+          <a:fillRef idx="1">
+            <a:schemeClr val="accent1"/>
+          </a:fillRef>
+          <a:effectRef idx="0">
+            <a:schemeClr val="accent1"/>
+          </a:effectRef>
+          <a:fontRef idx="minor">
+            <a:schemeClr val="lt1"/>
+          </a:fontRef>
+        </p:style>
+        <p:txBody>
+          <a:bodyPr rtlCol="0" anchor="ctr"/>
+          <a:lstStyle/>
+          <a:p>
+            <a:pPr algn="ctr"/>
+            <a:endParaRPr kumimoji="1" lang="ja-JP" altLang="en-US"/>
+          </a:p>
+        </p:txBody>
+      </p:sp>
+      <p:pic>
+        <p:nvPicPr>
+          <p:cNvPr id="7" name="グラフィックス 6">
+            <a:extLst>
+              <a:ext uri="{FF2B5EF4-FFF2-40B4-BE49-F238E27FC236}">
+                <a16:creationId xmlns:a16="http://schemas.microsoft.com/office/drawing/2014/main" id="{2C1AD1D8-AF24-A561-6F9F-024B6CB4F999}"/>
+              </a:ext>
+            </a:extLst>
+          </p:cNvPr>
+          <p:cNvPicPr>
+            <a:picLocks noChangeAspect="1"/>
+          </p:cNvPicPr>
+          <p:nvPr/>
+        </p:nvPicPr>
+        <p:blipFill>
+          <a:blip r:embed="rId2">
+            <a:extLst>
+              <a:ext uri="{96DAC541-7B7A-43D3-8B79-37D633B846F1}">
+                <asvg:svgBlip xmlns:asvg="http://schemas.microsoft.com/office/drawing/2016/SVG/main" r:embed="rId3"/>
+              </a:ext>
+            </a:extLst>
+          </a:blip>
+          <a:stretch>
+            <a:fillRect/>
+          </a:stretch>
+        </p:blipFill>
+        <p:spPr>
+          <a:xfrm>
+            <a:off x="7544744" y="4091931"/>
+            <a:ext cx="1200232" cy="1200232"/>
+          </a:xfrm>
+          <a:prstGeom prst="rect">
+            <a:avLst/>
+          </a:prstGeom>
+        </p:spPr>
+      </p:pic>
+      <p:sp>
+        <p:nvSpPr>
+          <p:cNvPr id="8" name="四角形: 角を丸くする 7">
+            <a:extLst>
+              <a:ext uri="{FF2B5EF4-FFF2-40B4-BE49-F238E27FC236}">
+                <a16:creationId xmlns:a16="http://schemas.microsoft.com/office/drawing/2014/main" id="{7309010C-D1B0-79A8-141F-D1EF38BA8774}"/>
+              </a:ext>
+            </a:extLst>
+          </p:cNvPr>
+          <p:cNvSpPr/>
+          <p:nvPr/>
+        </p:nvSpPr>
+        <p:spPr>
+          <a:xfrm>
+            <a:off x="6155871" y="4618349"/>
+            <a:ext cx="390722" cy="914400"/>
+          </a:xfrm>
+          <a:prstGeom prst="roundRect">
+            <a:avLst/>
+          </a:prstGeom>
+          <a:solidFill>
+            <a:schemeClr val="accent4"/>
+          </a:solidFill>
+          <a:ln>
+            <a:noFill/>
+          </a:ln>
+        </p:spPr>
+        <p:style>
+          <a:lnRef idx="1">
+            <a:schemeClr val="accent4"/>
+          </a:lnRef>
+          <a:fillRef idx="3">
+            <a:schemeClr val="accent4"/>
+          </a:fillRef>
+          <a:effectRef idx="2">
+            <a:schemeClr val="accent4"/>
+          </a:effectRef>
+          <a:fontRef idx="minor">
+            <a:schemeClr val="lt1"/>
+          </a:fontRef>
+        </p:style>
+        <p:txBody>
+          <a:bodyPr rtlCol="0" anchor="ctr"/>
+          <a:lstStyle/>
+          <a:p>
+            <a:pPr algn="ctr"/>
+            <a:endParaRPr kumimoji="1" lang="ja-JP" altLang="en-US"/>
+          </a:p>
+        </p:txBody>
+      </p:sp>
+      <p:sp>
+        <p:nvSpPr>
+          <p:cNvPr id="9" name="テキスト ボックス 8">
+            <a:extLst>
+              <a:ext uri="{FF2B5EF4-FFF2-40B4-BE49-F238E27FC236}">
+                <a16:creationId xmlns:a16="http://schemas.microsoft.com/office/drawing/2014/main" id="{395FF505-EE13-C563-2A62-929AB82D7552}"/>
+              </a:ext>
+            </a:extLst>
+          </p:cNvPr>
+          <p:cNvSpPr txBox="1"/>
+          <p:nvPr/>
+        </p:nvSpPr>
+        <p:spPr>
+          <a:xfrm>
+            <a:off x="5797234" y="4190953"/>
+            <a:ext cx="1107996" cy="369332"/>
+          </a:xfrm>
+          <a:prstGeom prst="rect">
+            <a:avLst/>
+          </a:prstGeom>
+          <a:noFill/>
+        </p:spPr>
+        <p:txBody>
+          <a:bodyPr wrap="none" rtlCol="0">
+            <a:spAutoFit/>
+          </a:bodyPr>
+          <a:lstStyle/>
+          <a:p>
+            <a:r>
+              <a:rPr kumimoji="1" lang="ja-JP" altLang="en-US" dirty="0"/>
+              <a:t>目標地点</a:t>
+            </a:r>
+          </a:p>
+        </p:txBody>
+      </p:sp>
     </p:spTree>
     <p:extLst>
       <p:ext uri="{BB962C8B-B14F-4D97-AF65-F5344CB8AC3E}">
-        <p14:creationId xmlns:p14="http://schemas.microsoft.com/office/powerpoint/2010/main" val="1619065103"/>
+        <p14:creationId xmlns:p14="http://schemas.microsoft.com/office/powerpoint/2010/main" val="867236193"/>
       </p:ext>
     </p:extLst>
   </p:cSld>
@@ -6142,111 +6997,23 @@
                             </p:stCondLst>
                             <p:childTnLst>
                               <p:par>
-                                <p:cTn id="5" presetID="37" presetClass="path" presetSubtype="0" accel="50000" decel="50000" fill="hold" grpId="0" nodeType="clickEffect">
+                                <p:cTn id="5" presetID="42" presetClass="path" presetSubtype="0" accel="50000" decel="50000" fill="hold" nodeType="clickEffect">
                                   <p:stCondLst>
                                     <p:cond delay="0"/>
                                   </p:stCondLst>
                                   <p:childTnLst>
-                                    <p:animMotion origin="layout" path="M -0.00052 3.7037E-7 C 0.02222 0.00995 -0.01459 -0.01111 -0.03195 0.02268 C -0.0441 0.06018 -0.02709 0.1044 -0.03004 0.09861 C -0.03299 0.09306 -0.00538 0.13403 0.00903 0.125 C 0.04219 0.10671 0.071 0.05764 0.05225 0.04329 " pathEditMode="relative" rAng="0" ptsTypes="AAAAA">
+                                    <p:animMotion origin="layout" path="M -2.77778E-6 3.7037E-6 L 0.1415 0.00046 " pathEditMode="relative" rAng="0" ptsTypes="AA">
                                       <p:cBhvr>
                                         <p:cTn id="6" dur="2000" fill="hold"/>
                                         <p:tgtEl>
-                                          <p:spTgt spid="13"/>
+                                          <p:spTgt spid="18"/>
                                         </p:tgtEl>
                                         <p:attrNameLst>
                                           <p:attrName>ppt_x</p:attrName>
                                           <p:attrName>ppt_y</p:attrName>
                                         </p:attrNameLst>
                                       </p:cBhvr>
-                                      <p:rCtr x="1146" y="6319"/>
-                                    </p:animMotion>
-                                  </p:childTnLst>
-                                </p:cTn>
-                              </p:par>
-                              <p:par>
-                                <p:cTn id="7" presetID="37" presetClass="path" presetSubtype="0" accel="50000" decel="50000" fill="hold" grpId="0" nodeType="withEffect">
-                                  <p:stCondLst>
-                                    <p:cond delay="0"/>
-                                  </p:stCondLst>
-                                  <p:childTnLst>
-                                    <p:animMotion origin="layout" path="M -0.00018 -0.00023 C 0.02257 0.00996 -0.02587 -0.0324 -0.04323 0.00232 C -0.05539 0.03959 -0.0566 0.05232 -0.10157 0.06042 C -0.11129 0.05695 -0.13403 0.0676 -0.15816 0.03195 C -0.16598 -0.00439 -0.11493 -0.00926 -0.13264 -0.02245 " pathEditMode="relative" rAng="0" ptsTypes="AAAAA">
-                                      <p:cBhvr>
-                                        <p:cTn id="8" dur="2000" fill="hold"/>
-                                        <p:tgtEl>
-                                          <p:spTgt spid="14"/>
-                                        </p:tgtEl>
-                                        <p:attrNameLst>
-                                          <p:attrName>ppt_x</p:attrName>
-                                          <p:attrName>ppt_y</p:attrName>
-                                        </p:attrNameLst>
-                                      </p:cBhvr>
-                                      <p:rCtr x="-7639" y="1921"/>
-                                    </p:animMotion>
-                                  </p:childTnLst>
-                                </p:cTn>
-                              </p:par>
-                              <p:par>
-                                <p:cTn id="9" presetID="37" presetClass="path" presetSubtype="0" accel="50000" decel="50000" fill="hold" grpId="0" nodeType="withEffect">
-                                  <p:stCondLst>
-                                    <p:cond delay="0"/>
-                                  </p:stCondLst>
-                                  <p:childTnLst>
-                                    <p:animMotion origin="layout" path="M -0.00034 2.96296E-6 C 0.02188 0.00995 -0.04791 -0.04792 -0.0651 -0.01412 C -0.07743 0.02338 -0.10399 0.00463 -0.1059 0.04606 C -0.12586 0.07708 -0.12725 0.15324 -0.11284 0.14421 C -0.08003 0.12592 -0.07309 0.11574 -0.09184 0.10162 " pathEditMode="relative" rAng="0" ptsTypes="AAAAA">
-                                      <p:cBhvr>
-                                        <p:cTn id="10" dur="2000" fill="hold"/>
-                                        <p:tgtEl>
-                                          <p:spTgt spid="15"/>
-                                        </p:tgtEl>
-                                        <p:attrNameLst>
-                                          <p:attrName>ppt_x</p:attrName>
-                                          <p:attrName>ppt_y</p:attrName>
-                                        </p:attrNameLst>
-                                      </p:cBhvr>
-                                      <p:rCtr x="-5885" y="6019"/>
-                                    </p:animMotion>
-                                  </p:childTnLst>
-                                </p:cTn>
-                              </p:par>
-                              <p:par>
-                                <p:cTn id="11" presetID="37" presetClass="path" presetSubtype="0" accel="50000" decel="50000" fill="hold" grpId="0" nodeType="withEffect">
-                                  <p:stCondLst>
-                                    <p:cond delay="0"/>
-                                  </p:stCondLst>
-                                  <p:childTnLst>
-                                    <p:animMotion origin="layout" path="M -0.00052 -0.00047 C 0.01771 0.00949 0.00018 0.04351 0.01493 0.06134 C 0.04584 0.07615 0.05087 0.03981 0.04983 0.00995 C 0.04184 -0.02755 0.04653 -0.01551 0.07656 -0.0301 C 0.1092 -0.04838 0.16962 0.02662 0.15087 0.01296 " pathEditMode="relative" rAng="0" ptsTypes="AAAAA">
-                                      <p:cBhvr>
-                                        <p:cTn id="12" dur="2000" fill="hold"/>
-                                        <p:tgtEl>
-                                          <p:spTgt spid="16"/>
-                                        </p:tgtEl>
-                                        <p:attrNameLst>
-                                          <p:attrName>ppt_x</p:attrName>
-                                          <p:attrName>ppt_y</p:attrName>
-                                        </p:attrNameLst>
-                                      </p:cBhvr>
-                                      <p:rCtr x="7743" y="1644"/>
-                                    </p:animMotion>
-                                  </p:childTnLst>
-                                </p:cTn>
-                              </p:par>
-                              <p:par>
-                                <p:cTn id="13" presetID="37" presetClass="path" presetSubtype="0" accel="50000" decel="50000" fill="hold" grpId="0" nodeType="withEffect">
-                                  <p:stCondLst>
-                                    <p:cond delay="0"/>
-                                  </p:stCondLst>
-                                  <p:childTnLst>
-                                    <p:animMotion origin="layout" path="M -0.00035 -0.00046 C 0.02188 0.00949 -0.04791 -0.04838 -0.0651 -0.01458 C -0.0776 0.02315 -0.03906 0.00648 -0.04097 0.04769 C -0.02448 0.08658 -0.09913 0.12176 -0.07465 0.08171 C -0.08594 0.02246 -0.10989 0.05764 -0.12847 0.04352 " pathEditMode="relative" rAng="0" ptsTypes="AAAAA">
-                                      <p:cBhvr>
-                                        <p:cTn id="14" dur="2000" fill="hold"/>
-                                        <p:tgtEl>
-                                          <p:spTgt spid="17"/>
-                                        </p:tgtEl>
-                                        <p:attrNameLst>
-                                          <p:attrName>ppt_x</p:attrName>
-                                          <p:attrName>ppt_y</p:attrName>
-                                        </p:attrNameLst>
-                                      </p:cBhvr>
-                                      <p:rCtr x="-6198" y="3750"/>
+                                      <p:rCtr x="7066" y="23"/>
                                     </p:animMotion>
                                   </p:childTnLst>
                                 </p:cTn>
@@ -6278,124 +7045,7 @@
         </p:cTn>
       </p:par>
     </p:tnLst>
-    <p:bldLst>
-      <p:bldP spid="13" grpId="0" animBg="1"/>
-      <p:bldP spid="14" grpId="0" animBg="1"/>
-      <p:bldP spid="15" grpId="0" animBg="1"/>
-      <p:bldP spid="16" grpId="0" animBg="1"/>
-      <p:bldP spid="17" grpId="0" animBg="1"/>
-    </p:bldLst>
   </p:timing>
-</p:sld>
-</file>
-
-<file path=ppt/slides/slide6.xml><?xml version="1.0" encoding="utf-8"?>
-<p:sld xmlns:a="http://schemas.openxmlformats.org/drawingml/2006/main" xmlns:r="http://schemas.openxmlformats.org/officeDocument/2006/relationships" xmlns:p="http://schemas.openxmlformats.org/presentationml/2006/main">
-  <p:cSld>
-    <p:spTree>
-      <p:nvGrpSpPr>
-        <p:cNvPr id="1" name=""/>
-        <p:cNvGrpSpPr/>
-        <p:nvPr/>
-      </p:nvGrpSpPr>
-      <p:grpSpPr>
-        <a:xfrm>
-          <a:off x="0" y="0"/>
-          <a:ext cx="0" cy="0"/>
-          <a:chOff x="0" y="0"/>
-          <a:chExt cx="0" cy="0"/>
-        </a:xfrm>
-      </p:grpSpPr>
-      <p:sp>
-        <p:nvSpPr>
-          <p:cNvPr id="2" name="タイトル 1">
-            <a:extLst>
-              <a:ext uri="{FF2B5EF4-FFF2-40B4-BE49-F238E27FC236}">
-                <a16:creationId xmlns:a16="http://schemas.microsoft.com/office/drawing/2014/main" id="{DCE94847-9F9B-6193-17BC-2F7AE31F8E37}"/>
-              </a:ext>
-            </a:extLst>
-          </p:cNvPr>
-          <p:cNvSpPr>
-            <a:spLocks noGrp="1"/>
-          </p:cNvSpPr>
-          <p:nvPr>
-            <p:ph type="title"/>
-          </p:nvPr>
-        </p:nvSpPr>
-        <p:spPr/>
-        <p:txBody>
-          <a:bodyPr/>
-          <a:lstStyle/>
-          <a:p>
-            <a:endParaRPr kumimoji="1" lang="ja-JP" altLang="en-US"/>
-          </a:p>
-        </p:txBody>
-      </p:sp>
-      <p:sp>
-        <p:nvSpPr>
-          <p:cNvPr id="3" name="コンテンツ プレースホルダー 2">
-            <a:extLst>
-              <a:ext uri="{FF2B5EF4-FFF2-40B4-BE49-F238E27FC236}">
-                <a16:creationId xmlns:a16="http://schemas.microsoft.com/office/drawing/2014/main" id="{9E1A1E01-A3A5-94AB-8DFE-9E5367FE5E69}"/>
-              </a:ext>
-            </a:extLst>
-          </p:cNvPr>
-          <p:cNvSpPr>
-            <a:spLocks noGrp="1"/>
-          </p:cNvSpPr>
-          <p:nvPr>
-            <p:ph idx="1"/>
-          </p:nvPr>
-        </p:nvSpPr>
-        <p:spPr/>
-        <p:txBody>
-          <a:bodyPr/>
-          <a:lstStyle/>
-          <a:p>
-            <a:endParaRPr kumimoji="1" lang="ja-JP" altLang="en-US"/>
-          </a:p>
-        </p:txBody>
-      </p:sp>
-      <p:sp>
-        <p:nvSpPr>
-          <p:cNvPr id="4" name="スライド番号プレースホルダー 3">
-            <a:extLst>
-              <a:ext uri="{FF2B5EF4-FFF2-40B4-BE49-F238E27FC236}">
-                <a16:creationId xmlns:a16="http://schemas.microsoft.com/office/drawing/2014/main" id="{277B23C4-05B3-54A3-480E-1C5B9643FEA6}"/>
-              </a:ext>
-            </a:extLst>
-          </p:cNvPr>
-          <p:cNvSpPr>
-            <a:spLocks noGrp="1"/>
-          </p:cNvSpPr>
-          <p:nvPr>
-            <p:ph type="sldNum" sz="quarter" idx="12"/>
-          </p:nvPr>
-        </p:nvSpPr>
-        <p:spPr/>
-        <p:txBody>
-          <a:bodyPr/>
-          <a:lstStyle/>
-          <a:p>
-            <a:fld id="{55407BB7-92F5-4977-AA44-396FA1CF315E}" type="slidenum">
-              <a:rPr kumimoji="1" lang="ja-JP" altLang="en-US" smtClean="0"/>
-              <a:pPr/>
-              <a:t>5</a:t>
-            </a:fld>
-            <a:endParaRPr kumimoji="1" lang="ja-JP" altLang="en-US" dirty="0"/>
-          </a:p>
-        </p:txBody>
-      </p:sp>
-    </p:spTree>
-    <p:extLst>
-      <p:ext uri="{BB962C8B-B14F-4D97-AF65-F5344CB8AC3E}">
-        <p14:creationId xmlns:p14="http://schemas.microsoft.com/office/powerpoint/2010/main" val="590749959"/>
-      </p:ext>
-    </p:extLst>
-  </p:cSld>
-  <p:clrMapOvr>
-    <a:masterClrMapping/>
-  </p:clrMapOvr>
 </p:sld>
 </file>
 
@@ -6421,7 +7071,7 @@
           <p:cNvPr id="2" name="タイトル 1">
             <a:extLst>
               <a:ext uri="{FF2B5EF4-FFF2-40B4-BE49-F238E27FC236}">
-                <a16:creationId xmlns:a16="http://schemas.microsoft.com/office/drawing/2014/main" id="{DCE94847-9F9B-6193-17BC-2F7AE31F8E37}"/>
+                <a16:creationId xmlns:a16="http://schemas.microsoft.com/office/drawing/2014/main" id="{2050BE79-B88F-FF8B-6BA5-D26B97DBDD5A}"/>
               </a:ext>
             </a:extLst>
           </p:cNvPr>
@@ -6437,7 +7087,10 @@
           <a:bodyPr/>
           <a:lstStyle/>
           <a:p>
-            <a:endParaRPr kumimoji="1" lang="ja-JP" altLang="en-US"/>
+            <a:r>
+              <a:rPr kumimoji="1" lang="ja-JP" altLang="en-US" dirty="0"/>
+              <a:t>目次</a:t>
+            </a:r>
           </a:p>
         </p:txBody>
       </p:sp>
@@ -6446,7 +7099,7 @@
           <p:cNvPr id="3" name="コンテンツ プレースホルダー 2">
             <a:extLst>
               <a:ext uri="{FF2B5EF4-FFF2-40B4-BE49-F238E27FC236}">
-                <a16:creationId xmlns:a16="http://schemas.microsoft.com/office/drawing/2014/main" id="{9E1A1E01-A3A5-94AB-8DFE-9E5367FE5E69}"/>
+                <a16:creationId xmlns:a16="http://schemas.microsoft.com/office/drawing/2014/main" id="{B65B5EFB-27E8-7C48-B344-8691626E7FC9}"/>
               </a:ext>
             </a:extLst>
           </p:cNvPr>
@@ -6462,7 +7115,84 @@
           <a:bodyPr/>
           <a:lstStyle/>
           <a:p>
-            <a:endParaRPr kumimoji="1" lang="ja-JP" altLang="en-US"/>
+            <a:r>
+              <a:rPr kumimoji="1" lang="ja-JP" altLang="en-US" dirty="0"/>
+              <a:t>研究テーマについて</a:t>
+            </a:r>
+            <a:endParaRPr kumimoji="1" lang="en-US" altLang="ja-JP" dirty="0"/>
+          </a:p>
+          <a:p>
+            <a:r>
+              <a:rPr lang="ja-JP" altLang="en-US" dirty="0"/>
+              <a:t>これまで取り組んだこと</a:t>
+            </a:r>
+            <a:endParaRPr lang="en-US" altLang="ja-JP" dirty="0"/>
+          </a:p>
+          <a:p>
+            <a:pPr lvl="1"/>
+            <a:r>
+              <a:rPr lang="en-US" altLang="ja-JP" dirty="0"/>
+              <a:t>LOS</a:t>
+            </a:r>
+            <a:r>
+              <a:rPr lang="ja-JP" altLang="en-US" dirty="0"/>
+              <a:t>誘導に基づくリーダーフォロワー制御の解析</a:t>
+            </a:r>
+            <a:endParaRPr lang="en-US" altLang="ja-JP" dirty="0"/>
+          </a:p>
+          <a:p>
+            <a:pPr lvl="1"/>
+            <a:r>
+              <a:rPr lang="en-US" altLang="ja-JP" dirty="0"/>
+              <a:t>LOS</a:t>
+            </a:r>
+            <a:r>
+              <a:rPr lang="ja-JP" altLang="en-US" dirty="0"/>
+              <a:t>誘導に基づくリーダーフォロワー制御の追試</a:t>
+            </a:r>
+            <a:endParaRPr lang="en-US" altLang="ja-JP" dirty="0"/>
+          </a:p>
+          <a:p>
+            <a:pPr lvl="1"/>
+            <a:r>
+              <a:rPr lang="en-US" altLang="ja-JP" dirty="0"/>
+              <a:t>Python</a:t>
+            </a:r>
+            <a:r>
+              <a:rPr lang="ja-JP" altLang="en-US" dirty="0"/>
+              <a:t>仮想環境の技術調査</a:t>
+            </a:r>
+            <a:endParaRPr lang="en-US" altLang="ja-JP" dirty="0"/>
+          </a:p>
+          <a:p>
+            <a:pPr lvl="1"/>
+            <a:r>
+              <a:rPr lang="en-US" altLang="ja-JP" dirty="0"/>
+              <a:t>Python +</a:t>
+            </a:r>
+            <a:r>
+              <a:rPr lang="en-US" altLang="ja-JP" dirty="0" err="1"/>
+              <a:t>CoppeliaSim</a:t>
+            </a:r>
+            <a:r>
+              <a:rPr lang="ja-JP" altLang="en-US" dirty="0"/>
+              <a:t>の技術調査</a:t>
+            </a:r>
+            <a:endParaRPr lang="en-US" altLang="ja-JP" dirty="0"/>
+          </a:p>
+          <a:p>
+            <a:r>
+              <a:rPr kumimoji="1" lang="ja-JP" altLang="en-US" dirty="0"/>
+              <a:t>課題</a:t>
+            </a:r>
+            <a:endParaRPr kumimoji="1" lang="en-US" altLang="ja-JP" dirty="0"/>
+          </a:p>
+          <a:p>
+            <a:r>
+              <a:rPr lang="ja-JP" altLang="en-US" dirty="0"/>
+              <a:t>今後の方針</a:t>
+            </a:r>
+            <a:endParaRPr kumimoji="1" lang="ja-JP" altLang="en-US" dirty="0"/>
           </a:p>
         </p:txBody>
       </p:sp>
@@ -6471,7 +7201,7 @@
           <p:cNvPr id="4" name="スライド番号プレースホルダー 3">
             <a:extLst>
               <a:ext uri="{FF2B5EF4-FFF2-40B4-BE49-F238E27FC236}">
-                <a16:creationId xmlns:a16="http://schemas.microsoft.com/office/drawing/2014/main" id="{277B23C4-05B3-54A3-480E-1C5B9643FEA6}"/>
+                <a16:creationId xmlns:a16="http://schemas.microsoft.com/office/drawing/2014/main" id="{FC33E576-600A-683F-DC96-8544A310B7BF}"/>
               </a:ext>
             </a:extLst>
           </p:cNvPr>
@@ -6499,7 +7229,7 @@
     </p:spTree>
     <p:extLst>
       <p:ext uri="{BB962C8B-B14F-4D97-AF65-F5344CB8AC3E}">
-        <p14:creationId xmlns:p14="http://schemas.microsoft.com/office/powerpoint/2010/main" val="2406728295"/>
+        <p14:creationId xmlns:p14="http://schemas.microsoft.com/office/powerpoint/2010/main" val="4118011875"/>
       </p:ext>
     </p:extLst>
   </p:cSld>
@@ -6544,10 +7274,19 @@
         </p:nvSpPr>
         <p:spPr/>
         <p:txBody>
-          <a:bodyPr/>
-          <a:lstStyle/>
-          <a:p>
-            <a:endParaRPr kumimoji="1" lang="ja-JP" altLang="en-US"/>
+          <a:bodyPr>
+            <a:normAutofit fontScale="90000"/>
+          </a:bodyPr>
+          <a:lstStyle/>
+          <a:p>
+            <a:r>
+              <a:rPr kumimoji="1" lang="en-US" altLang="ja-JP" dirty="0"/>
+              <a:t>LOS</a:t>
+            </a:r>
+            <a:r>
+              <a:rPr kumimoji="1" lang="ja-JP" altLang="en-US" dirty="0"/>
+              <a:t>誘導によるリーダフォロワ制御</a:t>
+            </a:r>
           </a:p>
         </p:txBody>
       </p:sp>
@@ -6572,7 +7311,66 @@
           <a:bodyPr/>
           <a:lstStyle/>
           <a:p>
-            <a:endParaRPr kumimoji="1" lang="ja-JP" altLang="en-US"/>
+            <a:pPr marL="0" indent="0">
+              <a:buNone/>
+            </a:pPr>
+            <a:r>
+              <a:rPr lang="ja-JP" altLang="en-US" dirty="0"/>
+              <a:t>概要；</a:t>
+            </a:r>
+            <a:endParaRPr kumimoji="1" lang="en-US" altLang="ja-JP" dirty="0"/>
+          </a:p>
+          <a:p>
+            <a:r>
+              <a:rPr lang="ja-JP" altLang="en-US" dirty="0"/>
+              <a:t>複数のクワッドロータを管制塔で一括制御するのではなく，局所的な情報のみを利用して群れとしてどうさすることを目指す</a:t>
+            </a:r>
+            <a:endParaRPr lang="en-US" altLang="ja-JP" dirty="0"/>
+          </a:p>
+          <a:p>
+            <a:endParaRPr lang="en-US" altLang="ja-JP" dirty="0"/>
+          </a:p>
+          <a:p>
+            <a:r>
+              <a:rPr kumimoji="1" lang="ja-JP" altLang="en-US" dirty="0"/>
+              <a:t>フォーメーション制御に</a:t>
+            </a:r>
+            <a:r>
+              <a:rPr kumimoji="1" lang="en-US" altLang="ja-JP" dirty="0"/>
+              <a:t>LOS</a:t>
+            </a:r>
+            <a:r>
+              <a:rPr kumimoji="1" lang="ja-JP" altLang="en-US" dirty="0"/>
+              <a:t>誘導に基づくリーダー</a:t>
+            </a:r>
+            <a:br>
+              <a:rPr kumimoji="1" lang="en-US" altLang="ja-JP" dirty="0"/>
+            </a:br>
+            <a:r>
+              <a:rPr kumimoji="1" lang="ja-JP" altLang="en-US" dirty="0"/>
+              <a:t>フォロワー制御を採用</a:t>
+            </a:r>
+            <a:endParaRPr kumimoji="1" lang="en-US" altLang="ja-JP" dirty="0"/>
+          </a:p>
+          <a:p>
+            <a:endParaRPr lang="en-US" altLang="ja-JP" dirty="0"/>
+          </a:p>
+          <a:p>
+            <a:r>
+              <a:rPr kumimoji="1" lang="ja-JP" altLang="en-US" dirty="0"/>
+              <a:t>フォロワーの制御器を設計，リーダーの動きに併せて</a:t>
+            </a:r>
+            <a:br>
+              <a:rPr kumimoji="1" lang="en-US" altLang="ja-JP" dirty="0"/>
+            </a:br>
+            <a:r>
+              <a:rPr kumimoji="1" lang="ja-JP" altLang="en-US" dirty="0"/>
+              <a:t>フォーメーションを組む</a:t>
+            </a:r>
+            <a:endParaRPr kumimoji="1" lang="en-US" altLang="ja-JP" dirty="0"/>
+          </a:p>
+          <a:p>
+            <a:endParaRPr kumimoji="1" lang="ja-JP" altLang="en-US" dirty="0"/>
           </a:p>
         </p:txBody>
       </p:sp>
@@ -6609,7 +7407,7 @@
     </p:spTree>
     <p:extLst>
       <p:ext uri="{BB962C8B-B14F-4D97-AF65-F5344CB8AC3E}">
-        <p14:creationId xmlns:p14="http://schemas.microsoft.com/office/powerpoint/2010/main" val="841919574"/>
+        <p14:creationId xmlns:p14="http://schemas.microsoft.com/office/powerpoint/2010/main" val="590749959"/>
       </p:ext>
     </p:extLst>
   </p:cSld>
@@ -6719,7 +7517,7 @@
     </p:spTree>
     <p:extLst>
       <p:ext uri="{BB962C8B-B14F-4D97-AF65-F5344CB8AC3E}">
-        <p14:creationId xmlns:p14="http://schemas.microsoft.com/office/powerpoint/2010/main" val="2693909009"/>
+        <p14:creationId xmlns:p14="http://schemas.microsoft.com/office/powerpoint/2010/main" val="2406728295"/>
       </p:ext>
     </p:extLst>
   </p:cSld>

--- a/森本皓斗.pptx
+++ b/森本皓斗.pptx
@@ -5150,6 +5150,9 @@
           <a:lstStyle/>
           <a:p>
             <a:pPr marL="0" indent="0">
+              <a:lnSpc>
+                <a:spcPct val="150000"/>
+              </a:lnSpc>
               <a:buNone/>
             </a:pPr>
             <a:r>
@@ -5752,7 +5755,7 @@
         </p:nvSpPr>
         <p:spPr>
           <a:xfrm>
-            <a:off x="1971675" y="3619671"/>
+            <a:off x="1245191" y="3629369"/>
             <a:ext cx="5200650" cy="2911757"/>
           </a:xfrm>
           <a:prstGeom prst="roundRect">
@@ -5806,7 +5809,7 @@
         </p:nvSpPr>
         <p:spPr>
           <a:xfrm>
-            <a:off x="2344136" y="3960741"/>
+            <a:off x="1617652" y="3970439"/>
             <a:ext cx="277586" cy="285750"/>
           </a:xfrm>
           <a:prstGeom prst="flowChartConnector">
@@ -5858,7 +5861,7 @@
         </p:nvSpPr>
         <p:spPr>
           <a:xfrm>
-            <a:off x="4050283" y="5722749"/>
+            <a:off x="3323799" y="5732447"/>
             <a:ext cx="277586" cy="285750"/>
           </a:xfrm>
           <a:prstGeom prst="flowChartConnector">
@@ -5910,7 +5913,7 @@
         </p:nvSpPr>
         <p:spPr>
           <a:xfrm>
-            <a:off x="4308020" y="3882267"/>
+            <a:off x="3581536" y="3891965"/>
             <a:ext cx="277586" cy="285750"/>
           </a:xfrm>
           <a:prstGeom prst="flowChartConnector">
@@ -5962,7 +5965,7 @@
         </p:nvSpPr>
         <p:spPr>
           <a:xfrm>
-            <a:off x="2065563" y="5199820"/>
+            <a:off x="1339079" y="5209518"/>
             <a:ext cx="277586" cy="285750"/>
           </a:xfrm>
           <a:prstGeom prst="flowChartConnector">
@@ -6014,7 +6017,7 @@
         </p:nvSpPr>
         <p:spPr>
           <a:xfrm>
-            <a:off x="5243210" y="4628320"/>
+            <a:off x="4516726" y="4638018"/>
             <a:ext cx="277586" cy="285750"/>
           </a:xfrm>
           <a:prstGeom prst="flowChartConnector">
@@ -6052,96 +6055,173 @@
           </a:p>
         </p:txBody>
       </p:sp>
-      <p:sp>
-        <p:nvSpPr>
-          <p:cNvPr id="24" name="稲妻 23">
+      <p:grpSp>
+        <p:nvGrpSpPr>
+          <p:cNvPr id="31" name="グループ化 30">
             <a:extLst>
               <a:ext uri="{FF2B5EF4-FFF2-40B4-BE49-F238E27FC236}">
-                <a16:creationId xmlns:a16="http://schemas.microsoft.com/office/drawing/2014/main" id="{C27F0A09-5815-9896-1491-EA3BA7A3F6C2}"/>
+                <a16:creationId xmlns:a16="http://schemas.microsoft.com/office/drawing/2014/main" id="{41C6308A-6462-872E-76AB-B35A39FEFC10}"/>
               </a:ext>
             </a:extLst>
           </p:cNvPr>
-          <p:cNvSpPr/>
+          <p:cNvGrpSpPr/>
           <p:nvPr/>
-        </p:nvSpPr>
-        <p:spPr>
-          <a:xfrm rot="656461">
-            <a:off x="6963147" y="3187834"/>
-            <a:ext cx="861530" cy="863674"/>
+        </p:nvGrpSpPr>
+        <p:grpSpPr>
+          <a:xfrm>
+            <a:off x="6688942" y="4251832"/>
+            <a:ext cx="1781829" cy="2104329"/>
+            <a:chOff x="6963147" y="3187834"/>
+            <a:chExt cx="1781829" cy="2104329"/>
           </a:xfrm>
-          <a:prstGeom prst="lightningBolt">
-            <a:avLst/>
-          </a:prstGeom>
-          <a:solidFill>
-            <a:srgbClr val="FFFF00"/>
-          </a:solidFill>
-          <a:ln>
+        </p:grpSpPr>
+        <p:sp>
+          <p:nvSpPr>
+            <p:cNvPr id="32" name="稲妻 31">
+              <a:extLst>
+                <a:ext uri="{FF2B5EF4-FFF2-40B4-BE49-F238E27FC236}">
+                  <a16:creationId xmlns:a16="http://schemas.microsoft.com/office/drawing/2014/main" id="{961D2593-E594-284A-F5EE-D22827ACC38D}"/>
+                </a:ext>
+              </a:extLst>
+            </p:cNvPr>
+            <p:cNvSpPr/>
+            <p:nvPr/>
+          </p:nvSpPr>
+          <p:spPr>
+            <a:xfrm rot="656461">
+              <a:off x="6963147" y="3187834"/>
+              <a:ext cx="861530" cy="863674"/>
+            </a:xfrm>
+            <a:prstGeom prst="lightningBolt">
+              <a:avLst/>
+            </a:prstGeom>
             <a:solidFill>
-              <a:schemeClr val="tx1"/>
+              <a:srgbClr val="FFFF00"/>
             </a:solidFill>
-          </a:ln>
-        </p:spPr>
-        <p:style>
-          <a:lnRef idx="2">
-            <a:schemeClr val="accent1">
-              <a:shade val="15000"/>
-            </a:schemeClr>
-          </a:lnRef>
-          <a:fillRef idx="1">
-            <a:schemeClr val="accent1"/>
-          </a:fillRef>
-          <a:effectRef idx="0">
-            <a:schemeClr val="accent1"/>
-          </a:effectRef>
-          <a:fontRef idx="minor">
-            <a:schemeClr val="lt1"/>
-          </a:fontRef>
-        </p:style>
-        <p:txBody>
-          <a:bodyPr rtlCol="0" anchor="ctr"/>
-          <a:lstStyle/>
-          <a:p>
-            <a:pPr algn="ctr"/>
-            <a:endParaRPr kumimoji="1" lang="ja-JP" altLang="en-US"/>
-          </a:p>
-        </p:txBody>
-      </p:sp>
-      <p:pic>
-        <p:nvPicPr>
-          <p:cNvPr id="26" name="グラフィックス 25">
-            <a:extLst>
-              <a:ext uri="{FF2B5EF4-FFF2-40B4-BE49-F238E27FC236}">
-                <a16:creationId xmlns:a16="http://schemas.microsoft.com/office/drawing/2014/main" id="{591330C6-BE13-B698-4A22-FD4DB4C90226}"/>
-              </a:ext>
-            </a:extLst>
-          </p:cNvPr>
-          <p:cNvPicPr>
-            <a:picLocks noChangeAspect="1"/>
-          </p:cNvPicPr>
-          <p:nvPr/>
-        </p:nvPicPr>
-        <p:blipFill>
-          <a:blip r:embed="rId2">
-            <a:extLst>
-              <a:ext uri="{96DAC541-7B7A-43D3-8B79-37D633B846F1}">
-                <asvg:svgBlip xmlns:asvg="http://schemas.microsoft.com/office/drawing/2016/SVG/main" r:embed="rId3"/>
-              </a:ext>
-            </a:extLst>
-          </a:blip>
-          <a:stretch>
-            <a:fillRect/>
-          </a:stretch>
-        </p:blipFill>
-        <p:spPr>
-          <a:xfrm>
-            <a:off x="7544744" y="4091931"/>
-            <a:ext cx="1200232" cy="1200232"/>
-          </a:xfrm>
-          <a:prstGeom prst="rect">
-            <a:avLst/>
-          </a:prstGeom>
-        </p:spPr>
-      </p:pic>
+            <a:ln>
+              <a:solidFill>
+                <a:schemeClr val="tx1"/>
+              </a:solidFill>
+            </a:ln>
+          </p:spPr>
+          <p:style>
+            <a:lnRef idx="2">
+              <a:schemeClr val="accent1">
+                <a:shade val="15000"/>
+              </a:schemeClr>
+            </a:lnRef>
+            <a:fillRef idx="1">
+              <a:schemeClr val="accent1"/>
+            </a:fillRef>
+            <a:effectRef idx="0">
+              <a:schemeClr val="accent1"/>
+            </a:effectRef>
+            <a:fontRef idx="minor">
+              <a:schemeClr val="lt1"/>
+            </a:fontRef>
+          </p:style>
+          <p:txBody>
+            <a:bodyPr rtlCol="0" anchor="ctr"/>
+            <a:lstStyle/>
+            <a:p>
+              <a:pPr algn="ctr"/>
+              <a:endParaRPr kumimoji="1" lang="ja-JP" altLang="en-US"/>
+            </a:p>
+          </p:txBody>
+        </p:sp>
+        <p:pic>
+          <p:nvPicPr>
+            <p:cNvPr id="33" name="グラフィックス 32">
+              <a:extLst>
+                <a:ext uri="{FF2B5EF4-FFF2-40B4-BE49-F238E27FC236}">
+                  <a16:creationId xmlns:a16="http://schemas.microsoft.com/office/drawing/2014/main" id="{062C6BC4-BC37-A8D1-0B0A-22AAF7C6CB63}"/>
+                </a:ext>
+              </a:extLst>
+            </p:cNvPr>
+            <p:cNvPicPr>
+              <a:picLocks noChangeAspect="1"/>
+            </p:cNvPicPr>
+            <p:nvPr/>
+          </p:nvPicPr>
+          <p:blipFill>
+            <a:blip r:embed="rId2">
+              <a:extLst>
+                <a:ext uri="{96DAC541-7B7A-43D3-8B79-37D633B846F1}">
+                  <asvg:svgBlip xmlns:asvg="http://schemas.microsoft.com/office/drawing/2016/SVG/main" r:embed="rId3"/>
+                </a:ext>
+              </a:extLst>
+            </a:blip>
+            <a:stretch>
+              <a:fillRect/>
+            </a:stretch>
+          </p:blipFill>
+          <p:spPr>
+            <a:xfrm>
+              <a:off x="7544744" y="4091931"/>
+              <a:ext cx="1200232" cy="1200232"/>
+            </a:xfrm>
+            <a:prstGeom prst="rect">
+              <a:avLst/>
+            </a:prstGeom>
+          </p:spPr>
+        </p:pic>
+        <p:sp>
+          <p:nvSpPr>
+            <p:cNvPr id="34" name="&quot;禁止&quot;マーク 33">
+              <a:extLst>
+                <a:ext uri="{FF2B5EF4-FFF2-40B4-BE49-F238E27FC236}">
+                  <a16:creationId xmlns:a16="http://schemas.microsoft.com/office/drawing/2014/main" id="{A0D5E121-ADA8-4510-C275-B9C03F02DDAC}"/>
+                </a:ext>
+              </a:extLst>
+            </p:cNvPr>
+            <p:cNvSpPr/>
+            <p:nvPr/>
+          </p:nvSpPr>
+          <p:spPr>
+            <a:xfrm>
+              <a:off x="7376225" y="3681306"/>
+              <a:ext cx="1045167" cy="1027763"/>
+            </a:xfrm>
+            <a:prstGeom prst="noSmoking">
+              <a:avLst/>
+            </a:prstGeom>
+            <a:solidFill>
+              <a:srgbClr val="FF0000"/>
+            </a:solidFill>
+            <a:ln>
+              <a:noFill/>
+            </a:ln>
+          </p:spPr>
+          <p:style>
+            <a:lnRef idx="2">
+              <a:schemeClr val="accent1">
+                <a:shade val="15000"/>
+              </a:schemeClr>
+            </a:lnRef>
+            <a:fillRef idx="1">
+              <a:schemeClr val="accent1"/>
+            </a:fillRef>
+            <a:effectRef idx="0">
+              <a:schemeClr val="accent1"/>
+            </a:effectRef>
+            <a:fontRef idx="minor">
+              <a:schemeClr val="lt1"/>
+            </a:fontRef>
+          </p:style>
+          <p:txBody>
+            <a:bodyPr rtlCol="0" anchor="ctr"/>
+            <a:lstStyle/>
+            <a:p>
+              <a:pPr algn="ctr"/>
+              <a:endParaRPr kumimoji="1" lang="ja-JP" altLang="en-US">
+                <a:solidFill>
+                  <a:schemeClr val="tx1"/>
+                </a:solidFill>
+              </a:endParaRPr>
+            </a:p>
+          </p:txBody>
+        </p:sp>
+      </p:grpSp>
     </p:spTree>
     <p:extLst>
       <p:ext uri="{BB962C8B-B14F-4D97-AF65-F5344CB8AC3E}">
@@ -6178,7 +6258,7 @@
                                     <p:cond delay="0"/>
                                   </p:stCondLst>
                                   <p:childTnLst>
-                                    <p:animMotion origin="layout" path="M -0.00052 3.7037E-7 C 0.02222 0.00995 -0.01459 -0.01111 -0.03195 0.02268 C -0.0441 0.06018 -0.02709 0.1044 -0.03004 0.09861 C -0.03299 0.09306 -0.00538 0.13403 0.00903 0.125 C 0.04219 0.10671 0.071 0.05764 0.05225 0.04329 " pathEditMode="relative" rAng="0" ptsTypes="AAAAA">
+                                    <p:animMotion origin="layout" path="M -0.00052 1.48148E-6 C 0.02223 0.00995 -0.01458 -0.01111 -0.03194 0.02268 C -0.04409 0.06018 -0.02708 0.1044 -0.03003 0.09861 C -0.03298 0.09305 -0.00538 0.13403 0.00903 0.125 C 0.04219 0.10671 0.07101 0.05764 0.05226 0.04329 " pathEditMode="relative" rAng="0" ptsTypes="AAAAA">
                                       <p:cBhvr>
                                         <p:cTn id="6" dur="2000" fill="hold"/>
                                         <p:tgtEl>
@@ -6189,7 +6269,7 @@
                                           <p:attrName>ppt_y</p:attrName>
                                         </p:attrNameLst>
                                       </p:cBhvr>
-                                      <p:rCtr x="1146" y="6319"/>
+                                      <p:rCtr x="1128" y="6296"/>
                                     </p:animMotion>
                                   </p:childTnLst>
                                 </p:cTn>
@@ -6200,7 +6280,7 @@
                                     <p:cond delay="0"/>
                                   </p:stCondLst>
                                   <p:childTnLst>
-                                    <p:animMotion origin="layout" path="M -0.00018 -0.00023 C 0.02257 0.00996 -0.02587 -0.0324 -0.04323 0.00232 C -0.05539 0.03959 -0.0566 0.05232 -0.10157 0.06042 C -0.11129 0.05695 -0.13403 0.0676 -0.15816 0.03195 C -0.16598 -0.00439 -0.11493 -0.00926 -0.13264 -0.02245 " pathEditMode="relative" rAng="0" ptsTypes="AAAAA">
+                                    <p:animMotion origin="layout" path="M -0.00018 -0.00023 C 0.02257 0.00996 -0.02587 -0.0324 -0.04323 0.00232 C -0.05539 0.03959 -0.0566 0.05232 -0.10157 0.06042 C -0.11129 0.05695 -0.13403 0.0676 -0.15816 0.03195 C -0.16598 -0.0044 -0.11493 -0.00926 -0.13264 -0.02245 " pathEditMode="relative" rAng="0" ptsTypes="AAAAA">
                                       <p:cBhvr>
                                         <p:cTn id="8" dur="2000" fill="hold"/>
                                         <p:tgtEl>
@@ -6211,7 +6291,7 @@
                                           <p:attrName>ppt_y</p:attrName>
                                         </p:attrNameLst>
                                       </p:cBhvr>
-                                      <p:rCtr x="-7639" y="1921"/>
+                                      <p:rCtr x="-7656" y="1921"/>
                                     </p:animMotion>
                                   </p:childTnLst>
                                 </p:cTn>
@@ -6222,7 +6302,7 @@
                                     <p:cond delay="0"/>
                                   </p:stCondLst>
                                   <p:childTnLst>
-                                    <p:animMotion origin="layout" path="M -0.00034 2.96296E-6 C 0.02188 0.00995 -0.04791 -0.04792 -0.0651 -0.01412 C -0.07743 0.02338 -0.10399 0.00463 -0.1059 0.04606 C -0.12586 0.07708 -0.12725 0.15324 -0.11284 0.14421 C -0.08003 0.12592 -0.07309 0.11574 -0.09184 0.10162 " pathEditMode="relative" rAng="0" ptsTypes="AAAAA">
+                                    <p:animMotion origin="layout" path="M -0.00035 4.07407E-6 C 0.02188 0.00995 -0.04792 -0.04792 -0.0651 -0.01412 C -0.07743 0.02338 -0.10399 0.00463 -0.1059 0.04606 C -0.12587 0.07708 -0.12726 0.15324 -0.11285 0.14421 C -0.08003 0.12592 -0.07309 0.11574 -0.09184 0.10162 " pathEditMode="relative" rAng="0" ptsTypes="AAAAA">
                                       <p:cBhvr>
                                         <p:cTn id="10" dur="2000" fill="hold"/>
                                         <p:tgtEl>
@@ -6233,7 +6313,7 @@
                                           <p:attrName>ppt_y</p:attrName>
                                         </p:attrNameLst>
                                       </p:cBhvr>
-                                      <p:rCtr x="-5885" y="6019"/>
+                                      <p:rCtr x="-5903" y="5995"/>
                                     </p:animMotion>
                                   </p:childTnLst>
                                 </p:cTn>
@@ -6255,7 +6335,7 @@
                                           <p:attrName>ppt_y</p:attrName>
                                         </p:attrNameLst>
                                       </p:cBhvr>
-                                      <p:rCtr x="7743" y="1644"/>
+                                      <p:rCtr x="7743" y="1620"/>
                                     </p:animMotion>
                                   </p:childTnLst>
                                 </p:cTn>
@@ -6266,7 +6346,7 @@
                                     <p:cond delay="0"/>
                                   </p:stCondLst>
                                   <p:childTnLst>
-                                    <p:animMotion origin="layout" path="M -0.00035 -0.00046 C 0.02188 0.00949 -0.04791 -0.04838 -0.0651 -0.01458 C -0.0776 0.02315 -0.03906 0.00648 -0.04097 0.04769 C -0.02448 0.08658 -0.09913 0.12176 -0.07465 0.08171 C -0.08594 0.02246 -0.10989 0.05764 -0.12847 0.04352 " pathEditMode="relative" rAng="0" ptsTypes="AAAAA">
+                                    <p:animMotion origin="layout" path="M -0.00035 -0.00046 C 0.02187 0.00949 -0.04792 -0.04838 -0.06511 -0.01458 C -0.07761 0.02315 -0.03906 0.00648 -0.04097 0.04769 C -0.02448 0.08658 -0.09913 0.12176 -0.07465 0.08172 C -0.08594 0.02246 -0.1099 0.05764 -0.12847 0.04352 " pathEditMode="relative" rAng="0" ptsTypes="AAAAA">
                                       <p:cBhvr>
                                         <p:cTn id="14" dur="2000" fill="hold"/>
                                         <p:tgtEl>
@@ -6277,7 +6357,7 @@
                                           <p:attrName>ppt_y</p:attrName>
                                         </p:attrNameLst>
                                       </p:cBhvr>
-                                      <p:rCtr x="-6198" y="3750"/>
+                                      <p:rCtr x="-6198" y="3727"/>
                                     </p:animMotion>
                                   </p:childTnLst>
                                 </p:cTn>
@@ -6470,7 +6550,7 @@
         </p:nvSpPr>
         <p:spPr>
           <a:xfrm>
-            <a:off x="1971675" y="3619671"/>
+            <a:off x="1245191" y="3619672"/>
             <a:ext cx="5200650" cy="2911757"/>
           </a:xfrm>
           <a:prstGeom prst="roundRect">
@@ -6524,7 +6604,7 @@
         </p:nvGrpSpPr>
         <p:grpSpPr>
           <a:xfrm>
-            <a:off x="2844878" y="4274535"/>
+            <a:off x="2118394" y="4274536"/>
             <a:ext cx="1504950" cy="1602027"/>
             <a:chOff x="2696560" y="4269921"/>
             <a:chExt cx="1504950" cy="1602027"/>
@@ -6793,96 +6873,6 @@
       </p:grpSp>
       <p:sp>
         <p:nvSpPr>
-          <p:cNvPr id="6" name="稲妻 5">
-            <a:extLst>
-              <a:ext uri="{FF2B5EF4-FFF2-40B4-BE49-F238E27FC236}">
-                <a16:creationId xmlns:a16="http://schemas.microsoft.com/office/drawing/2014/main" id="{AD3EE78E-962D-471B-7617-BAD8CE76DAB4}"/>
-              </a:ext>
-            </a:extLst>
-          </p:cNvPr>
-          <p:cNvSpPr/>
-          <p:nvPr/>
-        </p:nvSpPr>
-        <p:spPr>
-          <a:xfrm rot="656461">
-            <a:off x="6963147" y="3187834"/>
-            <a:ext cx="861530" cy="863674"/>
-          </a:xfrm>
-          <a:prstGeom prst="lightningBolt">
-            <a:avLst/>
-          </a:prstGeom>
-          <a:solidFill>
-            <a:srgbClr val="FFFF00"/>
-          </a:solidFill>
-          <a:ln>
-            <a:solidFill>
-              <a:schemeClr val="tx1"/>
-            </a:solidFill>
-          </a:ln>
-        </p:spPr>
-        <p:style>
-          <a:lnRef idx="2">
-            <a:schemeClr val="accent1">
-              <a:shade val="15000"/>
-            </a:schemeClr>
-          </a:lnRef>
-          <a:fillRef idx="1">
-            <a:schemeClr val="accent1"/>
-          </a:fillRef>
-          <a:effectRef idx="0">
-            <a:schemeClr val="accent1"/>
-          </a:effectRef>
-          <a:fontRef idx="minor">
-            <a:schemeClr val="lt1"/>
-          </a:fontRef>
-        </p:style>
-        <p:txBody>
-          <a:bodyPr rtlCol="0" anchor="ctr"/>
-          <a:lstStyle/>
-          <a:p>
-            <a:pPr algn="ctr"/>
-            <a:endParaRPr kumimoji="1" lang="ja-JP" altLang="en-US"/>
-          </a:p>
-        </p:txBody>
-      </p:sp>
-      <p:pic>
-        <p:nvPicPr>
-          <p:cNvPr id="7" name="グラフィックス 6">
-            <a:extLst>
-              <a:ext uri="{FF2B5EF4-FFF2-40B4-BE49-F238E27FC236}">
-                <a16:creationId xmlns:a16="http://schemas.microsoft.com/office/drawing/2014/main" id="{2C1AD1D8-AF24-A561-6F9F-024B6CB4F999}"/>
-              </a:ext>
-            </a:extLst>
-          </p:cNvPr>
-          <p:cNvPicPr>
-            <a:picLocks noChangeAspect="1"/>
-          </p:cNvPicPr>
-          <p:nvPr/>
-        </p:nvPicPr>
-        <p:blipFill>
-          <a:blip r:embed="rId2">
-            <a:extLst>
-              <a:ext uri="{96DAC541-7B7A-43D3-8B79-37D633B846F1}">
-                <asvg:svgBlip xmlns:asvg="http://schemas.microsoft.com/office/drawing/2016/SVG/main" r:embed="rId3"/>
-              </a:ext>
-            </a:extLst>
-          </a:blip>
-          <a:stretch>
-            <a:fillRect/>
-          </a:stretch>
-        </p:blipFill>
-        <p:spPr>
-          <a:xfrm>
-            <a:off x="7544744" y="4091931"/>
-            <a:ext cx="1200232" cy="1200232"/>
-          </a:xfrm>
-          <a:prstGeom prst="rect">
-            <a:avLst/>
-          </a:prstGeom>
-        </p:spPr>
-      </p:pic>
-      <p:sp>
-        <p:nvSpPr>
           <p:cNvPr id="8" name="四角形: 角を丸くする 7">
             <a:extLst>
               <a:ext uri="{FF2B5EF4-FFF2-40B4-BE49-F238E27FC236}">
@@ -6895,7 +6885,7 @@
         </p:nvSpPr>
         <p:spPr>
           <a:xfrm>
-            <a:off x="6155871" y="4618349"/>
+            <a:off x="5429387" y="4618350"/>
             <a:ext cx="390722" cy="914400"/>
           </a:xfrm>
           <a:prstGeom prst="roundRect">
@@ -6945,7 +6935,7 @@
         </p:nvSpPr>
         <p:spPr>
           <a:xfrm>
-            <a:off x="5797234" y="4190953"/>
+            <a:off x="5070750" y="4190954"/>
             <a:ext cx="1107996" cy="369332"/>
           </a:xfrm>
           <a:prstGeom prst="rect">
@@ -6966,6 +6956,173 @@
           </a:p>
         </p:txBody>
       </p:sp>
+      <p:grpSp>
+        <p:nvGrpSpPr>
+          <p:cNvPr id="11" name="グループ化 10">
+            <a:extLst>
+              <a:ext uri="{FF2B5EF4-FFF2-40B4-BE49-F238E27FC236}">
+                <a16:creationId xmlns:a16="http://schemas.microsoft.com/office/drawing/2014/main" id="{A385CA00-BC32-7BBC-601A-2AC6D03E3DF1}"/>
+              </a:ext>
+            </a:extLst>
+          </p:cNvPr>
+          <p:cNvGrpSpPr/>
+          <p:nvPr/>
+        </p:nvGrpSpPr>
+        <p:grpSpPr>
+          <a:xfrm>
+            <a:off x="6688942" y="4251832"/>
+            <a:ext cx="1781829" cy="2104329"/>
+            <a:chOff x="6963147" y="3187834"/>
+            <a:chExt cx="1781829" cy="2104329"/>
+          </a:xfrm>
+        </p:grpSpPr>
+        <p:sp>
+          <p:nvSpPr>
+            <p:cNvPr id="6" name="稲妻 5">
+              <a:extLst>
+                <a:ext uri="{FF2B5EF4-FFF2-40B4-BE49-F238E27FC236}">
+                  <a16:creationId xmlns:a16="http://schemas.microsoft.com/office/drawing/2014/main" id="{AD3EE78E-962D-471B-7617-BAD8CE76DAB4}"/>
+                </a:ext>
+              </a:extLst>
+            </p:cNvPr>
+            <p:cNvSpPr/>
+            <p:nvPr/>
+          </p:nvSpPr>
+          <p:spPr>
+            <a:xfrm rot="656461">
+              <a:off x="6963147" y="3187834"/>
+              <a:ext cx="861530" cy="863674"/>
+            </a:xfrm>
+            <a:prstGeom prst="lightningBolt">
+              <a:avLst/>
+            </a:prstGeom>
+            <a:solidFill>
+              <a:srgbClr val="FFFF00"/>
+            </a:solidFill>
+            <a:ln>
+              <a:solidFill>
+                <a:schemeClr val="tx1"/>
+              </a:solidFill>
+            </a:ln>
+          </p:spPr>
+          <p:style>
+            <a:lnRef idx="2">
+              <a:schemeClr val="accent1">
+                <a:shade val="15000"/>
+              </a:schemeClr>
+            </a:lnRef>
+            <a:fillRef idx="1">
+              <a:schemeClr val="accent1"/>
+            </a:fillRef>
+            <a:effectRef idx="0">
+              <a:schemeClr val="accent1"/>
+            </a:effectRef>
+            <a:fontRef idx="minor">
+              <a:schemeClr val="lt1"/>
+            </a:fontRef>
+          </p:style>
+          <p:txBody>
+            <a:bodyPr rtlCol="0" anchor="ctr"/>
+            <a:lstStyle/>
+            <a:p>
+              <a:pPr algn="ctr"/>
+              <a:endParaRPr kumimoji="1" lang="ja-JP" altLang="en-US"/>
+            </a:p>
+          </p:txBody>
+        </p:sp>
+        <p:pic>
+          <p:nvPicPr>
+            <p:cNvPr id="7" name="グラフィックス 6">
+              <a:extLst>
+                <a:ext uri="{FF2B5EF4-FFF2-40B4-BE49-F238E27FC236}">
+                  <a16:creationId xmlns:a16="http://schemas.microsoft.com/office/drawing/2014/main" id="{2C1AD1D8-AF24-A561-6F9F-024B6CB4F999}"/>
+                </a:ext>
+              </a:extLst>
+            </p:cNvPr>
+            <p:cNvPicPr>
+              <a:picLocks noChangeAspect="1"/>
+            </p:cNvPicPr>
+            <p:nvPr/>
+          </p:nvPicPr>
+          <p:blipFill>
+            <a:blip r:embed="rId2">
+              <a:extLst>
+                <a:ext uri="{96DAC541-7B7A-43D3-8B79-37D633B846F1}">
+                  <asvg:svgBlip xmlns:asvg="http://schemas.microsoft.com/office/drawing/2016/SVG/main" r:embed="rId3"/>
+                </a:ext>
+              </a:extLst>
+            </a:blip>
+            <a:stretch>
+              <a:fillRect/>
+            </a:stretch>
+          </p:blipFill>
+          <p:spPr>
+            <a:xfrm>
+              <a:off x="7544744" y="4091931"/>
+              <a:ext cx="1200232" cy="1200232"/>
+            </a:xfrm>
+            <a:prstGeom prst="rect">
+              <a:avLst/>
+            </a:prstGeom>
+          </p:spPr>
+        </p:pic>
+        <p:sp>
+          <p:nvSpPr>
+            <p:cNvPr id="10" name="&quot;禁止&quot;マーク 9">
+              <a:extLst>
+                <a:ext uri="{FF2B5EF4-FFF2-40B4-BE49-F238E27FC236}">
+                  <a16:creationId xmlns:a16="http://schemas.microsoft.com/office/drawing/2014/main" id="{D4D30DB9-2892-715A-F97D-1F57B6655363}"/>
+                </a:ext>
+              </a:extLst>
+            </p:cNvPr>
+            <p:cNvSpPr/>
+            <p:nvPr/>
+          </p:nvSpPr>
+          <p:spPr>
+            <a:xfrm>
+              <a:off x="7376225" y="3681306"/>
+              <a:ext cx="1045167" cy="1027763"/>
+            </a:xfrm>
+            <a:prstGeom prst="noSmoking">
+              <a:avLst/>
+            </a:prstGeom>
+            <a:solidFill>
+              <a:srgbClr val="FF0000"/>
+            </a:solidFill>
+            <a:ln>
+              <a:noFill/>
+            </a:ln>
+          </p:spPr>
+          <p:style>
+            <a:lnRef idx="2">
+              <a:schemeClr val="accent1">
+                <a:shade val="15000"/>
+              </a:schemeClr>
+            </a:lnRef>
+            <a:fillRef idx="1">
+              <a:schemeClr val="accent1"/>
+            </a:fillRef>
+            <a:effectRef idx="0">
+              <a:schemeClr val="accent1"/>
+            </a:effectRef>
+            <a:fontRef idx="minor">
+              <a:schemeClr val="lt1"/>
+            </a:fontRef>
+          </p:style>
+          <p:txBody>
+            <a:bodyPr rtlCol="0" anchor="ctr"/>
+            <a:lstStyle/>
+            <a:p>
+              <a:pPr algn="ctr"/>
+              <a:endParaRPr kumimoji="1" lang="ja-JP" altLang="en-US">
+                <a:solidFill>
+                  <a:schemeClr val="tx1"/>
+                </a:solidFill>
+              </a:endParaRPr>
+            </a:p>
+          </p:txBody>
+        </p:sp>
+      </p:grpSp>
     </p:spTree>
     <p:extLst>
       <p:ext uri="{BB962C8B-B14F-4D97-AF65-F5344CB8AC3E}">
@@ -7002,7 +7159,7 @@
                                     <p:cond delay="0"/>
                                   </p:stCondLst>
                                   <p:childTnLst>
-                                    <p:animMotion origin="layout" path="M -2.77778E-6 3.7037E-6 L 0.1415 0.00046 " pathEditMode="relative" rAng="0" ptsTypes="AA">
+                                    <p:animMotion origin="layout" path="M 1.11111E-6 3.7037E-6 L 0.14149 0.00046 " pathEditMode="relative" rAng="0" ptsTypes="AA">
                                       <p:cBhvr>
                                         <p:cTn id="6" dur="2000" fill="hold"/>
                                         <p:tgtEl>
@@ -7136,7 +7293,7 @@
             </a:r>
             <a:r>
               <a:rPr lang="ja-JP" altLang="en-US" dirty="0"/>
-              <a:t>誘導に基づくリーダーフォロワー制御の解析</a:t>
+              <a:t>誘導に基づくリーダーフォロワ制御の解析</a:t>
             </a:r>
             <a:endParaRPr lang="en-US" altLang="ja-JP" dirty="0"/>
           </a:p>
@@ -7148,7 +7305,7 @@
             </a:r>
             <a:r>
               <a:rPr lang="ja-JP" altLang="en-US" dirty="0"/>
-              <a:t>誘導に基づくリーダーフォロワー制御の追試</a:t>
+              <a:t>誘導に基づくリーダーフォロワ制御の追試</a:t>
             </a:r>
             <a:endParaRPr lang="en-US" altLang="ja-JP" dirty="0"/>
           </a:p>
@@ -7285,7 +7442,7 @@
             </a:r>
             <a:r>
               <a:rPr kumimoji="1" lang="ja-JP" altLang="en-US" dirty="0"/>
-              <a:t>誘導によるリーダフォロワ制御</a:t>
+              <a:t>誘導によるリーダーフォロワ制御</a:t>
             </a:r>
           </a:p>
         </p:txBody>
@@ -7348,7 +7505,7 @@
             </a:br>
             <a:r>
               <a:rPr kumimoji="1" lang="ja-JP" altLang="en-US" dirty="0"/>
-              <a:t>フォロワー制御を採用</a:t>
+              <a:t>フォロワ制御を採用</a:t>
             </a:r>
             <a:endParaRPr kumimoji="1" lang="en-US" altLang="ja-JP" dirty="0"/>
           </a:p>
@@ -7358,7 +7515,7 @@
           <a:p>
             <a:r>
               <a:rPr kumimoji="1" lang="ja-JP" altLang="en-US" dirty="0"/>
-              <a:t>フォロワーの制御器を設計，リーダーの動きに併せて</a:t>
+              <a:t>フォロワの制御器を設計，リーダーの動きに併せて</a:t>
             </a:r>
             <a:br>
               <a:rPr kumimoji="1" lang="en-US" altLang="ja-JP" dirty="0"/>
@@ -7455,7 +7612,7 @@
           <a:bodyPr/>
           <a:lstStyle/>
           <a:p>
-            <a:endParaRPr kumimoji="1" lang="ja-JP" altLang="en-US"/>
+            <a:endParaRPr kumimoji="1" lang="ja-JP" altLang="en-US" dirty="0"/>
           </a:p>
         </p:txBody>
       </p:sp>
@@ -7480,7 +7637,7 @@
           <a:bodyPr/>
           <a:lstStyle/>
           <a:p>
-            <a:endParaRPr kumimoji="1" lang="ja-JP" altLang="en-US"/>
+            <a:endParaRPr kumimoji="1" lang="ja-JP" altLang="en-US" dirty="0"/>
           </a:p>
         </p:txBody>
       </p:sp>

--- a/森本皓斗.pptx
+++ b/森本皓斗.pptx
@@ -10,15 +10,15 @@
   <p:sldIdLst>
     <p:sldId id="256" r:id="rId2"/>
     <p:sldId id="258" r:id="rId3"/>
-    <p:sldId id="257" r:id="rId4"/>
+    <p:sldId id="269" r:id="rId4"/>
     <p:sldId id="260" r:id="rId5"/>
     <p:sldId id="259" r:id="rId6"/>
     <p:sldId id="267" r:id="rId7"/>
     <p:sldId id="268" r:id="rId8"/>
-    <p:sldId id="261" r:id="rId9"/>
-    <p:sldId id="262" r:id="rId10"/>
-    <p:sldId id="263" r:id="rId11"/>
-    <p:sldId id="264" r:id="rId12"/>
+    <p:sldId id="264" r:id="rId9"/>
+    <p:sldId id="261" r:id="rId10"/>
+    <p:sldId id="262" r:id="rId11"/>
+    <p:sldId id="263" r:id="rId12"/>
     <p:sldId id="265" r:id="rId13"/>
     <p:sldId id="266" r:id="rId14"/>
   </p:sldIdLst>
@@ -4678,35 +4678,464 @@
           <a:bodyPr/>
           <a:lstStyle/>
           <a:p>
-            <a:endParaRPr kumimoji="1" lang="ja-JP" altLang="en-US"/>
-          </a:p>
-        </p:txBody>
-      </p:sp>
-      <p:sp>
-        <p:nvSpPr>
-          <p:cNvPr id="3" name="コンテンツ プレースホルダー 2">
-            <a:extLst>
-              <a:ext uri="{FF2B5EF4-FFF2-40B4-BE49-F238E27FC236}">
-                <a16:creationId xmlns:a16="http://schemas.microsoft.com/office/drawing/2014/main" id="{9E1A1E01-A3A5-94AB-8DFE-9E5367FE5E69}"/>
-              </a:ext>
-            </a:extLst>
-          </p:cNvPr>
-          <p:cNvSpPr>
-            <a:spLocks noGrp="1"/>
-          </p:cNvSpPr>
-          <p:nvPr>
-            <p:ph idx="1"/>
-          </p:nvPr>
-        </p:nvSpPr>
-        <p:spPr/>
-        <p:txBody>
-          <a:bodyPr/>
-          <a:lstStyle/>
-          <a:p>
-            <a:endParaRPr kumimoji="1" lang="ja-JP" altLang="en-US"/>
-          </a:p>
-        </p:txBody>
-      </p:sp>
+            <a:r>
+              <a:rPr kumimoji="1" lang="en-US" altLang="ja-JP" dirty="0"/>
+              <a:t>LOS</a:t>
+            </a:r>
+            <a:r>
+              <a:rPr kumimoji="1" lang="ja-JP" altLang="en-US" dirty="0"/>
+              <a:t>による追従制御</a:t>
+            </a:r>
+          </a:p>
+        </p:txBody>
+      </p:sp>
+      <mc:AlternateContent xmlns:mc="http://schemas.openxmlformats.org/markup-compatibility/2006">
+        <mc:Choice xmlns:a14="http://schemas.microsoft.com/office/drawing/2010/main" Requires="a14">
+          <p:sp>
+            <p:nvSpPr>
+              <p:cNvPr id="3" name="コンテンツ プレースホルダー 2">
+                <a:extLst>
+                  <a:ext uri="{FF2B5EF4-FFF2-40B4-BE49-F238E27FC236}">
+                    <a16:creationId xmlns:a16="http://schemas.microsoft.com/office/drawing/2014/main" id="{9E1A1E01-A3A5-94AB-8DFE-9E5367FE5E69}"/>
+                  </a:ext>
+                </a:extLst>
+              </p:cNvPr>
+              <p:cNvSpPr>
+                <a:spLocks noGrp="1"/>
+              </p:cNvSpPr>
+              <p:nvPr>
+                <p:ph idx="1"/>
+              </p:nvPr>
+            </p:nvSpPr>
+            <p:spPr/>
+            <p:txBody>
+              <a:bodyPr/>
+              <a:lstStyle/>
+              <a:p>
+                <a:r>
+                  <a:rPr kumimoji="1" lang="ja-JP" altLang="en-US" sz="2400" dirty="0"/>
+                  <a:t>経由点</a:t>
+                </a:r>
+                <a14:m>
+                  <m:oMath xmlns:m="http://schemas.openxmlformats.org/officeDocument/2006/math">
+                    <m:sSub>
+                      <m:sSubPr>
+                        <m:ctrlPr>
+                          <a:rPr kumimoji="1" lang="en-US" altLang="ja-JP" sz="2400" i="1" smtClean="0">
+                            <a:latin typeface="Cambria Math" panose="02040503050406030204" pitchFamily="18" charset="0"/>
+                          </a:rPr>
+                        </m:ctrlPr>
+                      </m:sSubPr>
+                      <m:e>
+                        <m:r>
+                          <a:rPr kumimoji="1" lang="en-US" altLang="ja-JP" sz="2400" b="0" i="1" smtClean="0">
+                            <a:latin typeface="Cambria Math" panose="02040503050406030204" pitchFamily="18" charset="0"/>
+                          </a:rPr>
+                          <m:t>𝑝</m:t>
+                        </m:r>
+                      </m:e>
+                      <m:sub>
+                        <m:r>
+                          <a:rPr kumimoji="1" lang="en-US" altLang="ja-JP" sz="2400" b="0" i="1" smtClean="0">
+                            <a:latin typeface="Cambria Math" panose="02040503050406030204" pitchFamily="18" charset="0"/>
+                          </a:rPr>
+                          <m:t>1</m:t>
+                        </m:r>
+                      </m:sub>
+                    </m:sSub>
+                  </m:oMath>
+                </a14:m>
+                <a:r>
+                  <a:rPr kumimoji="1" lang="en-US" altLang="ja-JP" sz="2400" dirty="0"/>
+                  <a:t>,</a:t>
+                </a:r>
+                <a:r>
+                  <a:rPr lang="en-US" altLang="ja-JP" sz="2400" dirty="0"/>
+                  <a:t> </a:t>
+                </a:r>
+                <a14:m>
+                  <m:oMath xmlns:m="http://schemas.openxmlformats.org/officeDocument/2006/math">
+                    <m:sSub>
+                      <m:sSubPr>
+                        <m:ctrlPr>
+                          <a:rPr lang="en-US" altLang="ja-JP" sz="2400" i="1">
+                            <a:latin typeface="Cambria Math" panose="02040503050406030204" pitchFamily="18" charset="0"/>
+                          </a:rPr>
+                        </m:ctrlPr>
+                      </m:sSubPr>
+                      <m:e>
+                        <m:r>
+                          <a:rPr lang="en-US" altLang="ja-JP" sz="2400" i="1">
+                            <a:latin typeface="Cambria Math" panose="02040503050406030204" pitchFamily="18" charset="0"/>
+                          </a:rPr>
+                          <m:t>𝑝</m:t>
+                        </m:r>
+                      </m:e>
+                      <m:sub>
+                        <m:r>
+                          <a:rPr lang="en-US" altLang="ja-JP" sz="2400" b="0" i="1" smtClean="0">
+                            <a:latin typeface="Cambria Math" panose="02040503050406030204" pitchFamily="18" charset="0"/>
+                          </a:rPr>
+                          <m:t>2</m:t>
+                        </m:r>
+                      </m:sub>
+                    </m:sSub>
+                    <m:r>
+                      <a:rPr lang="en-US" altLang="ja-JP" sz="2400" i="1" smtClean="0">
+                        <a:latin typeface="Cambria Math" panose="02040503050406030204" pitchFamily="18" charset="0"/>
+                      </a:rPr>
+                      <m:t>…</m:t>
+                    </m:r>
+                  </m:oMath>
+                </a14:m>
+                <a:r>
+                  <a:rPr kumimoji="1" lang="ja-JP" altLang="en-US" sz="2400" dirty="0"/>
+                  <a:t>を結んだ目標経路</a:t>
+                </a:r>
+                <a:r>
+                  <a:rPr lang="ja-JP" altLang="en-US" sz="2400" dirty="0"/>
+                  <a:t>に追従</a:t>
+                </a:r>
+                <a:endParaRPr lang="en-US" altLang="ja-JP" sz="2400" dirty="0"/>
+              </a:p>
+              <a:p>
+                <a:r>
+                  <a:rPr kumimoji="1" lang="ja-JP" altLang="en-US" sz="2400" dirty="0"/>
+                  <a:t>機体を中心とした半径</a:t>
+                </a:r>
+                <a:r>
+                  <a:rPr kumimoji="1" lang="en-US" altLang="ja-JP" sz="2400" dirty="0"/>
+                  <a:t>L</a:t>
+                </a:r>
+                <a:r>
+                  <a:rPr kumimoji="1" lang="ja-JP" altLang="en-US" sz="2400" dirty="0"/>
+                  <a:t>の円が目標とする経由点</a:t>
+                </a:r>
+                <a14:m>
+                  <m:oMath xmlns:m="http://schemas.openxmlformats.org/officeDocument/2006/math">
+                    <m:sSub>
+                      <m:sSubPr>
+                        <m:ctrlPr>
+                          <a:rPr kumimoji="1" lang="en-US" altLang="ja-JP" sz="2400" i="1" smtClean="0">
+                            <a:latin typeface="Cambria Math" panose="02040503050406030204" pitchFamily="18" charset="0"/>
+                          </a:rPr>
+                        </m:ctrlPr>
+                      </m:sSubPr>
+                      <m:e>
+                        <m:r>
+                          <a:rPr kumimoji="1" lang="en-US" altLang="ja-JP" sz="2400" b="0" i="1" smtClean="0">
+                            <a:latin typeface="Cambria Math" panose="02040503050406030204" pitchFamily="18" charset="0"/>
+                          </a:rPr>
+                          <m:t>𝑝</m:t>
+                        </m:r>
+                      </m:e>
+                      <m:sub>
+                        <m:r>
+                          <a:rPr kumimoji="1" lang="en-US" altLang="ja-JP" sz="2400" b="0" i="1" smtClean="0">
+                            <a:latin typeface="Cambria Math" panose="02040503050406030204" pitchFamily="18" charset="0"/>
+                          </a:rPr>
+                          <m:t>𝑘</m:t>
+                        </m:r>
+                      </m:sub>
+                    </m:sSub>
+                  </m:oMath>
+                </a14:m>
+                <a:r>
+                  <a:rPr kumimoji="1" lang="ja-JP" altLang="en-US" sz="2400" dirty="0"/>
+                  <a:t>と</a:t>
+                </a:r>
+                <a:br>
+                  <a:rPr kumimoji="1" lang="en-US" altLang="ja-JP" sz="2400" dirty="0"/>
+                </a:br>
+                <a:r>
+                  <a:rPr kumimoji="1" lang="ja-JP" altLang="en-US" sz="2400" dirty="0"/>
+                  <a:t>一つ前の経由点</a:t>
+                </a:r>
+                <a14:m>
+                  <m:oMath xmlns:m="http://schemas.openxmlformats.org/officeDocument/2006/math">
+                    <m:sSub>
+                      <m:sSubPr>
+                        <m:ctrlPr>
+                          <a:rPr lang="en-US" altLang="ja-JP" sz="2400" i="1">
+                            <a:latin typeface="Cambria Math" panose="02040503050406030204" pitchFamily="18" charset="0"/>
+                          </a:rPr>
+                        </m:ctrlPr>
+                      </m:sSubPr>
+                      <m:e>
+                        <m:r>
+                          <a:rPr lang="en-US" altLang="ja-JP" sz="2400" i="1">
+                            <a:latin typeface="Cambria Math" panose="02040503050406030204" pitchFamily="18" charset="0"/>
+                          </a:rPr>
+                          <m:t>𝑝</m:t>
+                        </m:r>
+                      </m:e>
+                      <m:sub>
+                        <m:r>
+                          <a:rPr lang="en-US" altLang="ja-JP" sz="2400" b="0" i="1" smtClean="0">
+                            <a:latin typeface="Cambria Math" panose="02040503050406030204" pitchFamily="18" charset="0"/>
+                          </a:rPr>
+                          <m:t>𝑘</m:t>
+                        </m:r>
+                        <m:r>
+                          <a:rPr lang="en-US" altLang="ja-JP" sz="2400" b="0" i="1" smtClean="0">
+                            <a:latin typeface="Cambria Math" panose="02040503050406030204" pitchFamily="18" charset="0"/>
+                          </a:rPr>
+                          <m:t>−1</m:t>
+                        </m:r>
+                      </m:sub>
+                    </m:sSub>
+                  </m:oMath>
+                </a14:m>
+                <a:r>
+                  <a:rPr kumimoji="1" lang="ja-JP" altLang="en-US" sz="2400" dirty="0"/>
+                  <a:t>を結んだ線分と交差する点</a:t>
+                </a:r>
+                <a14:m>
+                  <m:oMath xmlns:m="http://schemas.openxmlformats.org/officeDocument/2006/math">
+                    <m:sSub>
+                      <m:sSubPr>
+                        <m:ctrlPr>
+                          <a:rPr lang="en-US" altLang="ja-JP" sz="2400" i="1">
+                            <a:latin typeface="Cambria Math" panose="02040503050406030204" pitchFamily="18" charset="0"/>
+                          </a:rPr>
+                        </m:ctrlPr>
+                      </m:sSubPr>
+                      <m:e>
+                        <m:r>
+                          <a:rPr lang="en-US" altLang="ja-JP" sz="2400" i="1">
+                            <a:latin typeface="Cambria Math" panose="02040503050406030204" pitchFamily="18" charset="0"/>
+                          </a:rPr>
+                          <m:t>𝑝</m:t>
+                        </m:r>
+                      </m:e>
+                      <m:sub>
+                        <m:r>
+                          <a:rPr lang="en-US" altLang="ja-JP" sz="2400" b="0" i="1" smtClean="0">
+                            <a:latin typeface="Cambria Math" panose="02040503050406030204" pitchFamily="18" charset="0"/>
+                          </a:rPr>
+                          <m:t>𝑙𝑜𝑠</m:t>
+                        </m:r>
+                      </m:sub>
+                    </m:sSub>
+                  </m:oMath>
+                </a14:m>
+                <a:r>
+                  <a:rPr kumimoji="1" lang="ja-JP" altLang="en-US" sz="2400" dirty="0"/>
+                  <a:t>が</a:t>
+                </a:r>
+                <a:br>
+                  <a:rPr kumimoji="1" lang="en-US" altLang="ja-JP" sz="2400" dirty="0"/>
+                </a:br>
+                <a:r>
+                  <a:rPr kumimoji="1" lang="ja-JP" altLang="en-US" sz="2400" dirty="0"/>
+                  <a:t>目標点</a:t>
+                </a:r>
+                <a:endParaRPr kumimoji="1" lang="en-US" altLang="ja-JP" sz="2400" dirty="0"/>
+              </a:p>
+              <a:p>
+                <a:r>
+                  <a:rPr kumimoji="1" lang="ja-JP" altLang="en-US" sz="2400" dirty="0"/>
+                  <a:t>機体位置が</a:t>
+                </a:r>
+                <a14:m>
+                  <m:oMath xmlns:m="http://schemas.openxmlformats.org/officeDocument/2006/math">
+                    <m:sSub>
+                      <m:sSubPr>
+                        <m:ctrlPr>
+                          <a:rPr kumimoji="1" lang="en-US" altLang="ja-JP" sz="2400" i="1" smtClean="0">
+                            <a:latin typeface="Cambria Math" panose="02040503050406030204" pitchFamily="18" charset="0"/>
+                          </a:rPr>
+                        </m:ctrlPr>
+                      </m:sSubPr>
+                      <m:e>
+                        <m:r>
+                          <a:rPr kumimoji="1" lang="en-US" altLang="ja-JP" sz="2400" b="0" i="1" smtClean="0">
+                            <a:latin typeface="Cambria Math" panose="02040503050406030204" pitchFamily="18" charset="0"/>
+                          </a:rPr>
+                          <m:t>𝑝</m:t>
+                        </m:r>
+                      </m:e>
+                      <m:sub>
+                        <m:r>
+                          <a:rPr kumimoji="1" lang="en-US" altLang="ja-JP" sz="2400" b="0" i="1" smtClean="0">
+                            <a:latin typeface="Cambria Math" panose="02040503050406030204" pitchFamily="18" charset="0"/>
+                          </a:rPr>
+                          <m:t>𝑘</m:t>
+                        </m:r>
+                      </m:sub>
+                    </m:sSub>
+                  </m:oMath>
+                </a14:m>
+                <a:r>
+                  <a:rPr kumimoji="1" lang="ja-JP" altLang="en-US" sz="2400" dirty="0"/>
+                  <a:t>を中心とした半径</a:t>
+                </a:r>
+                <a14:m>
+                  <m:oMath xmlns:m="http://schemas.openxmlformats.org/officeDocument/2006/math">
+                    <m:sSub>
+                      <m:sSubPr>
+                        <m:ctrlPr>
+                          <a:rPr lang="en-US" altLang="ja-JP" sz="2400" i="1">
+                            <a:latin typeface="Cambria Math" panose="02040503050406030204" pitchFamily="18" charset="0"/>
+                          </a:rPr>
+                        </m:ctrlPr>
+                      </m:sSubPr>
+                      <m:e>
+                        <m:r>
+                          <a:rPr lang="en-US" altLang="ja-JP" sz="2400" b="0" i="1" smtClean="0">
+                            <a:latin typeface="Cambria Math" panose="02040503050406030204" pitchFamily="18" charset="0"/>
+                          </a:rPr>
+                          <m:t>𝑅</m:t>
+                        </m:r>
+                      </m:e>
+                      <m:sub>
+                        <m:r>
+                          <a:rPr lang="en-US" altLang="ja-JP" sz="2400" b="0" i="1" smtClean="0">
+                            <a:latin typeface="Cambria Math" panose="02040503050406030204" pitchFamily="18" charset="0"/>
+                          </a:rPr>
+                          <m:t>𝑘</m:t>
+                        </m:r>
+                      </m:sub>
+                    </m:sSub>
+                  </m:oMath>
+                </a14:m>
+                <a:r>
+                  <a:rPr kumimoji="1" lang="ja-JP" altLang="en-US" sz="2400" dirty="0"/>
+                  <a:t>の範囲に達すると</a:t>
+                </a:r>
+                <a:br>
+                  <a:rPr kumimoji="1" lang="en-US" altLang="ja-JP" sz="2400" dirty="0"/>
+                </a:br>
+                <a:r>
+                  <a:rPr kumimoji="1" lang="ja-JP" altLang="en-US" sz="2400" dirty="0"/>
+                  <a:t>目標とする経由点を</a:t>
+                </a:r>
+                <a14:m>
+                  <m:oMath xmlns:m="http://schemas.openxmlformats.org/officeDocument/2006/math">
+                    <m:sSub>
+                      <m:sSubPr>
+                        <m:ctrlPr>
+                          <a:rPr lang="en-US" altLang="ja-JP" sz="2400" i="1">
+                            <a:latin typeface="Cambria Math" panose="02040503050406030204" pitchFamily="18" charset="0"/>
+                          </a:rPr>
+                        </m:ctrlPr>
+                      </m:sSubPr>
+                      <m:e>
+                        <m:r>
+                          <a:rPr lang="en-US" altLang="ja-JP" sz="2400" i="1">
+                            <a:latin typeface="Cambria Math" panose="02040503050406030204" pitchFamily="18" charset="0"/>
+                          </a:rPr>
+                          <m:t>𝑝</m:t>
+                        </m:r>
+                      </m:e>
+                      <m:sub>
+                        <m:r>
+                          <a:rPr lang="en-US" altLang="ja-JP" sz="2400" b="0" i="1" smtClean="0">
+                            <a:latin typeface="Cambria Math" panose="02040503050406030204" pitchFamily="18" charset="0"/>
+                          </a:rPr>
+                          <m:t>𝑘</m:t>
+                        </m:r>
+                        <m:r>
+                          <a:rPr lang="en-US" altLang="ja-JP" sz="2400" b="0" i="1" smtClean="0">
+                            <a:latin typeface="Cambria Math" panose="02040503050406030204" pitchFamily="18" charset="0"/>
+                          </a:rPr>
+                          <m:t>+1</m:t>
+                        </m:r>
+                      </m:sub>
+                    </m:sSub>
+                  </m:oMath>
+                </a14:m>
+                <a:r>
+                  <a:rPr kumimoji="1" lang="ja-JP" altLang="en-US" sz="2400" dirty="0"/>
+                  <a:t>に切り替えて同様に繰り返す</a:t>
+                </a:r>
+                <a:endParaRPr kumimoji="1" lang="en-US" altLang="ja-JP" sz="2400" dirty="0"/>
+              </a:p>
+              <a:p>
+                <a:r>
+                  <a:rPr kumimoji="1" lang="ja-JP" altLang="en-US" sz="2400" dirty="0"/>
+                  <a:t>機体は</a:t>
+                </a:r>
+                <a14:m>
+                  <m:oMath xmlns:m="http://schemas.openxmlformats.org/officeDocument/2006/math">
+                    <m:sSub>
+                      <m:sSubPr>
+                        <m:ctrlPr>
+                          <a:rPr kumimoji="1" lang="en-US" altLang="ja-JP" sz="2400" i="1" smtClean="0">
+                            <a:latin typeface="Cambria Math" panose="02040503050406030204" pitchFamily="18" charset="0"/>
+                          </a:rPr>
+                        </m:ctrlPr>
+                      </m:sSubPr>
+                      <m:e>
+                        <m:r>
+                          <a:rPr kumimoji="1" lang="en-US" altLang="ja-JP" sz="2400" b="0" i="1" smtClean="0">
+                            <a:latin typeface="Cambria Math" panose="02040503050406030204" pitchFamily="18" charset="0"/>
+                          </a:rPr>
+                          <m:t>𝑝</m:t>
+                        </m:r>
+                      </m:e>
+                      <m:sub>
+                        <m:r>
+                          <a:rPr kumimoji="1" lang="en-US" altLang="ja-JP" sz="2400" b="0" i="1" smtClean="0">
+                            <a:latin typeface="Cambria Math" panose="02040503050406030204" pitchFamily="18" charset="0"/>
+                          </a:rPr>
+                          <m:t>𝑙𝑜𝑠</m:t>
+                        </m:r>
+                      </m:sub>
+                    </m:sSub>
+                  </m:oMath>
+                </a14:m>
+                <a:r>
+                  <a:rPr kumimoji="1" lang="ja-JP" altLang="en-US" sz="2400" dirty="0"/>
+                  <a:t>に向かって移動することで目標経路に追従</a:t>
+                </a:r>
+              </a:p>
+              <a:p>
+                <a:endParaRPr kumimoji="1" lang="ja-JP" altLang="en-US" dirty="0"/>
+              </a:p>
+            </p:txBody>
+          </p:sp>
+        </mc:Choice>
+        <mc:Fallback>
+          <p:sp>
+            <p:nvSpPr>
+              <p:cNvPr id="3" name="コンテンツ プレースホルダー 2">
+                <a:extLst>
+                  <a:ext uri="{FF2B5EF4-FFF2-40B4-BE49-F238E27FC236}">
+                    <a16:creationId xmlns:a16="http://schemas.microsoft.com/office/drawing/2014/main" id="{9E1A1E01-A3A5-94AB-8DFE-9E5367FE5E69}"/>
+                  </a:ext>
+                </a:extLst>
+              </p:cNvPr>
+              <p:cNvSpPr>
+                <a:spLocks noGrp="1" noRot="1" noChangeAspect="1" noMove="1" noResize="1" noEditPoints="1" noAdjustHandles="1" noChangeArrowheads="1" noChangeShapeType="1" noTextEdit="1"/>
+              </p:cNvSpPr>
+              <p:nvPr>
+                <p:ph idx="1"/>
+              </p:nvPr>
+            </p:nvSpPr>
+            <p:spPr>
+              <a:blipFill>
+                <a:blip r:embed="rId2"/>
+                <a:stretch>
+                  <a:fillRect l="-919" t="-1756"/>
+                </a:stretch>
+              </a:blipFill>
+            </p:spPr>
+            <p:txBody>
+              <a:bodyPr/>
+              <a:lstStyle/>
+              <a:p>
+                <a:r>
+                  <a:rPr lang="ja-JP" altLang="en-US">
+                    <a:noFill/>
+                  </a:rPr>
+                  <a:t> </a:t>
+                </a:r>
+              </a:p>
+            </p:txBody>
+          </p:sp>
+        </mc:Fallback>
+      </mc:AlternateContent>
       <p:sp>
         <p:nvSpPr>
           <p:cNvPr id="4" name="スライド番号プレースホルダー 3">
@@ -4740,7 +5169,7 @@
     </p:spTree>
     <p:extLst>
       <p:ext uri="{BB962C8B-B14F-4D97-AF65-F5344CB8AC3E}">
-        <p14:creationId xmlns:p14="http://schemas.microsoft.com/office/powerpoint/2010/main" val="841919574"/>
+        <p14:creationId xmlns:p14="http://schemas.microsoft.com/office/powerpoint/2010/main" val="2406728295"/>
       </p:ext>
     </p:extLst>
   </p:cSld>
@@ -4788,7 +5217,14 @@
           <a:bodyPr/>
           <a:lstStyle/>
           <a:p>
-            <a:endParaRPr kumimoji="1" lang="ja-JP" altLang="en-US"/>
+            <a:r>
+              <a:rPr kumimoji="1" lang="en-US" altLang="ja-JP" dirty="0"/>
+              <a:t>LOS</a:t>
+            </a:r>
+            <a:r>
+              <a:rPr kumimoji="1" lang="ja-JP" altLang="en-US" dirty="0"/>
+              <a:t>による追従制御</a:t>
+            </a:r>
           </a:p>
         </p:txBody>
       </p:sp>
@@ -4850,7 +5286,7 @@
     </p:spTree>
     <p:extLst>
       <p:ext uri="{BB962C8B-B14F-4D97-AF65-F5344CB8AC3E}">
-        <p14:creationId xmlns:p14="http://schemas.microsoft.com/office/powerpoint/2010/main" val="2693909009"/>
+        <p14:creationId xmlns:p14="http://schemas.microsoft.com/office/powerpoint/2010/main" val="841919574"/>
       </p:ext>
     </p:extLst>
   </p:cSld>
@@ -5157,15 +5593,35 @@
             </a:pPr>
             <a:r>
               <a:rPr kumimoji="1" lang="ja-JP" altLang="en-US" sz="2400" dirty="0"/>
-              <a:t>「非</a:t>
-            </a:r>
-            <a:r>
-              <a:rPr kumimoji="1" lang="en-US" altLang="ja-JP" sz="2400" dirty="0"/>
+              <a:t>「</a:t>
+            </a:r>
+            <a:r>
+              <a:rPr kumimoji="1" lang="ja-JP" altLang="en-US" sz="2400" dirty="0">
+                <a:solidFill>
+                  <a:srgbClr val="00B0F0"/>
+                </a:solidFill>
+              </a:rPr>
+              <a:t>非</a:t>
+            </a:r>
+            <a:r>
+              <a:rPr kumimoji="1" lang="en-US" altLang="ja-JP" sz="2400" dirty="0">
+                <a:solidFill>
+                  <a:srgbClr val="00B0F0"/>
+                </a:solidFill>
+              </a:rPr>
               <a:t>GNSS</a:t>
             </a:r>
             <a:r>
+              <a:rPr kumimoji="1" lang="ja-JP" altLang="en-US" sz="2400" dirty="0">
+                <a:solidFill>
+                  <a:srgbClr val="00B0F0"/>
+                </a:solidFill>
+              </a:rPr>
+              <a:t>環境でのフォーメーション制御</a:t>
+            </a:r>
+            <a:r>
               <a:rPr kumimoji="1" lang="ja-JP" altLang="en-US" sz="2400" dirty="0"/>
-              <a:t>環境でのフォーメーション制御」の研究テーマを実現するため，フォーメーション制御の導入として卒論の</a:t>
+              <a:t>」の研究テーマを実現するため，フォーメーション制御の導入として卒論の</a:t>
             </a:r>
             <a:br>
               <a:rPr kumimoji="1" lang="en-US" altLang="ja-JP" sz="2400" dirty="0"/>
@@ -5180,30 +5636,53 @@
             </a:r>
             <a:r>
               <a:rPr kumimoji="1" lang="ja-JP" altLang="en-US" sz="2400" dirty="0"/>
-              <a:t>誘導に基づくリーダーフォロワー制御」の追試を行い理解を深めた．また，実装においては</a:t>
-            </a:r>
-            <a:r>
-              <a:rPr kumimoji="1" lang="en-US" altLang="ja-JP" sz="2400" dirty="0"/>
-              <a:t>Python</a:t>
-            </a:r>
-            <a:r>
-              <a:rPr kumimoji="1" lang="ja-JP" altLang="en-US" sz="2400" dirty="0"/>
-              <a:t>を使用するため，</a:t>
+              <a:t>誘導に基づくリーダ・フォロワ制御」の追試を行い</a:t>
             </a:r>
             <a:br>
               <a:rPr kumimoji="1" lang="en-US" altLang="ja-JP" sz="2400" dirty="0"/>
             </a:br>
             <a:r>
               <a:rPr kumimoji="1" lang="ja-JP" altLang="en-US" sz="2400" dirty="0"/>
+              <a:t>理解を深めた．また，実装においては</a:t>
+            </a:r>
+            <a:r>
+              <a:rPr kumimoji="1" lang="en-US" altLang="ja-JP" sz="2400" dirty="0">
+                <a:solidFill>
+                  <a:srgbClr val="00B0F0"/>
+                </a:solidFill>
+              </a:rPr>
+              <a:t>Python</a:t>
+            </a:r>
+            <a:r>
+              <a:rPr kumimoji="1" lang="ja-JP" altLang="en-US" sz="2400" dirty="0"/>
+              <a:t>を使用するため，</a:t>
+            </a:r>
+            <a:br>
+              <a:rPr kumimoji="1" lang="en-US" altLang="ja-JP" sz="2400" dirty="0"/>
+            </a:br>
+            <a:r>
+              <a:rPr kumimoji="1" lang="ja-JP" altLang="en-US" sz="2400" dirty="0"/>
               <a:t>開発環境の導入に関する技術調査を行った．以上の取り組みを通して，本研究テーマには卒論の内容そのものを扱うことは技術的に厳しいことが判明した．今後は，別の文献を参考に</a:t>
             </a:r>
             <a:r>
-              <a:rPr kumimoji="1" lang="en-US" altLang="ja-JP" sz="2400" dirty="0" err="1"/>
+              <a:rPr kumimoji="1" lang="en-US" altLang="ja-JP" sz="2400" dirty="0" err="1">
+                <a:solidFill>
+                  <a:srgbClr val="00B0F0"/>
+                </a:solidFill>
+              </a:rPr>
               <a:t>IssacSim</a:t>
             </a:r>
             <a:r>
+              <a:rPr kumimoji="1" lang="ja-JP" altLang="en-US" sz="2400" dirty="0">
+                <a:solidFill>
+                  <a:srgbClr val="00B0F0"/>
+                </a:solidFill>
+              </a:rPr>
+              <a:t>上でシミュレータ環境を実現</a:t>
+            </a:r>
+            <a:r>
               <a:rPr kumimoji="1" lang="ja-JP" altLang="en-US" sz="2400" dirty="0"/>
-              <a:t>上でシミュレータ環境を実現することを試みる．</a:t>
+              <a:t>することを試みる．</a:t>
             </a:r>
           </a:p>
         </p:txBody>
@@ -5338,39 +5817,47 @@
             </a:r>
             <a:r>
               <a:rPr lang="ja-JP" altLang="en-US" dirty="0"/>
-              <a:t>誘導に基づくリーダーフォロワー制御の追試</a:t>
+              <a:t>に基づくリーダ・フォロワ制御の解析</a:t>
             </a:r>
             <a:endParaRPr lang="en-US" altLang="ja-JP" dirty="0"/>
           </a:p>
           <a:p>
             <a:pPr lvl="1"/>
             <a:r>
+              <a:rPr lang="en-US" altLang="ja-JP" dirty="0"/>
+              <a:t>LOS</a:t>
+            </a:r>
+            <a:r>
               <a:rPr lang="ja-JP" altLang="en-US" dirty="0"/>
-              <a:t>リーダーフォロワー制御の解析</a:t>
+              <a:t>に基づくリーダ・フォロワ制御の追試</a:t>
             </a:r>
             <a:endParaRPr lang="en-US" altLang="ja-JP" dirty="0"/>
           </a:p>
           <a:p>
             <a:pPr lvl="1"/>
             <a:r>
+              <a:rPr lang="en-US" altLang="ja-JP" dirty="0"/>
+              <a:t>Python</a:t>
+            </a:r>
+            <a:r>
+              <a:rPr lang="ja-JP" altLang="en-US" dirty="0"/>
+              <a:t>仮想環境の技術調査</a:t>
+            </a:r>
+            <a:endParaRPr lang="en-US" altLang="ja-JP" dirty="0"/>
+          </a:p>
+          <a:p>
+            <a:pPr lvl="1"/>
+            <a:r>
+              <a:rPr lang="en-US" altLang="ja-JP" dirty="0"/>
+              <a:t>Python +</a:t>
+            </a:r>
+            <a:r>
               <a:rPr lang="en-US" altLang="ja-JP" dirty="0" err="1"/>
-              <a:t>Python+CoppeliaSim</a:t>
+              <a:t>CoppeliaSim</a:t>
             </a:r>
             <a:r>
               <a:rPr lang="ja-JP" altLang="en-US" dirty="0"/>
               <a:t>の技術調査</a:t>
-            </a:r>
-            <a:endParaRPr lang="en-US" altLang="ja-JP" dirty="0"/>
-          </a:p>
-          <a:p>
-            <a:pPr lvl="1"/>
-            <a:r>
-              <a:rPr lang="en-US" altLang="ja-JP" dirty="0"/>
-              <a:t>Python</a:t>
-            </a:r>
-            <a:r>
-              <a:rPr lang="ja-JP" altLang="en-US" dirty="0"/>
-              <a:t>仮想環境の技術調査</a:t>
             </a:r>
             <a:endParaRPr lang="en-US" altLang="ja-JP" dirty="0"/>
           </a:p>
@@ -5423,7 +5910,7 @@
     </p:spTree>
     <p:extLst>
       <p:ext uri="{BB962C8B-B14F-4D97-AF65-F5344CB8AC3E}">
-        <p14:creationId xmlns:p14="http://schemas.microsoft.com/office/powerpoint/2010/main" val="919304292"/>
+        <p14:creationId xmlns:p14="http://schemas.microsoft.com/office/powerpoint/2010/main" val="3045836587"/>
       </p:ext>
     </p:extLst>
   </p:cSld>
@@ -5530,12 +6017,24 @@
               <a:t>などの</a:t>
             </a:r>
             <a:r>
-              <a:rPr lang="en-US" altLang="ja-JP" dirty="0"/>
+              <a:rPr lang="en-US" altLang="ja-JP" dirty="0">
+                <a:solidFill>
+                  <a:srgbClr val="FF0000"/>
+                </a:solidFill>
+              </a:rPr>
               <a:t>GNSS</a:t>
             </a:r>
             <a:r>
+              <a:rPr lang="ja-JP" altLang="en-US" dirty="0">
+                <a:solidFill>
+                  <a:srgbClr val="FF0000"/>
+                </a:solidFill>
+              </a:rPr>
+              <a:t>が使用できない環境</a:t>
+            </a:r>
+            <a:r>
               <a:rPr lang="ja-JP" altLang="en-US" dirty="0"/>
-              <a:t>が使用できない環境においては</a:t>
+              <a:t>においては</a:t>
             </a:r>
             <a:br>
               <a:rPr lang="en-US" altLang="ja-JP" dirty="0"/>
@@ -7293,7 +7792,7 @@
             </a:r>
             <a:r>
               <a:rPr lang="ja-JP" altLang="en-US" dirty="0"/>
-              <a:t>誘導に基づくリーダーフォロワ制御の解析</a:t>
+              <a:t>に基づくリーダ・フォロワ制御の解析</a:t>
             </a:r>
             <a:endParaRPr lang="en-US" altLang="ja-JP" dirty="0"/>
           </a:p>
@@ -7305,7 +7804,7 @@
             </a:r>
             <a:r>
               <a:rPr lang="ja-JP" altLang="en-US" dirty="0"/>
-              <a:t>誘導に基づくリーダーフォロワ制御の追試</a:t>
+              <a:t>に基づくリーダ・フォロワ制御の追試</a:t>
             </a:r>
             <a:endParaRPr lang="en-US" altLang="ja-JP" dirty="0"/>
           </a:p>
@@ -7431,18 +7930,12 @@
         </p:nvSpPr>
         <p:spPr/>
         <p:txBody>
-          <a:bodyPr>
-            <a:normAutofit fontScale="90000"/>
-          </a:bodyPr>
-          <a:lstStyle/>
-          <a:p>
-            <a:r>
-              <a:rPr kumimoji="1" lang="en-US" altLang="ja-JP" dirty="0"/>
-              <a:t>LOS</a:t>
-            </a:r>
+          <a:bodyPr/>
+          <a:lstStyle/>
+          <a:p>
             <a:r>
               <a:rPr kumimoji="1" lang="ja-JP" altLang="en-US" dirty="0"/>
-              <a:t>誘導によるリーダーフォロワ制御</a:t>
+              <a:t>初期アプローチの選定</a:t>
             </a:r>
           </a:p>
         </p:txBody>
@@ -7468,66 +7961,98 @@
           <a:bodyPr/>
           <a:lstStyle/>
           <a:p>
-            <a:pPr marL="0" indent="0">
-              <a:buNone/>
-            </a:pPr>
-            <a:r>
-              <a:rPr lang="ja-JP" altLang="en-US" dirty="0"/>
-              <a:t>概要；</a:t>
-            </a:r>
-            <a:endParaRPr kumimoji="1" lang="en-US" altLang="ja-JP" dirty="0"/>
-          </a:p>
-          <a:p>
-            <a:r>
-              <a:rPr lang="ja-JP" altLang="en-US" dirty="0"/>
-              <a:t>複数のクワッドロータを管制塔で一括制御するのではなく，局所的な情報のみを利用して群れとしてどうさすることを目指す</a:t>
-            </a:r>
-            <a:endParaRPr lang="en-US" altLang="ja-JP" dirty="0"/>
-          </a:p>
-          <a:p>
-            <a:endParaRPr lang="en-US" altLang="ja-JP" dirty="0"/>
-          </a:p>
-          <a:p>
             <a:r>
               <a:rPr kumimoji="1" lang="ja-JP" altLang="en-US" dirty="0"/>
-              <a:t>フォーメーション制御に</a:t>
-            </a:r>
-            <a:r>
-              <a:rPr kumimoji="1" lang="en-US" altLang="ja-JP" dirty="0"/>
-              <a:t>LOS</a:t>
-            </a:r>
-            <a:r>
-              <a:rPr kumimoji="1" lang="ja-JP" altLang="en-US" dirty="0"/>
-              <a:t>誘導に基づくリーダー</a:t>
+              <a:t>最終目標の実現に向けた第一歩として，本研究室の先行</a:t>
             </a:r>
             <a:br>
               <a:rPr kumimoji="1" lang="en-US" altLang="ja-JP" dirty="0"/>
             </a:br>
             <a:r>
               <a:rPr kumimoji="1" lang="ja-JP" altLang="en-US" dirty="0"/>
-              <a:t>フォロワ制御を採用</a:t>
-            </a:r>
-            <a:endParaRPr kumimoji="1" lang="en-US" altLang="ja-JP" dirty="0"/>
-          </a:p>
-          <a:p>
-            <a:endParaRPr lang="en-US" altLang="ja-JP" dirty="0"/>
-          </a:p>
-          <a:p>
+              <a:t>研究である「クワッドロータ群のチョークポイント通過に関する研究」から「</a:t>
+            </a:r>
+            <a:r>
+              <a:rPr kumimoji="1" lang="en-US" altLang="ja-JP" dirty="0"/>
+              <a:t>line-of-sight(LOS)</a:t>
+            </a:r>
             <a:r>
               <a:rPr kumimoji="1" lang="ja-JP" altLang="en-US" dirty="0"/>
-              <a:t>フォロワの制御器を設計，リーダーの動きに併せて</a:t>
+              <a:t>に基づくリーダ・</a:t>
             </a:r>
             <a:br>
               <a:rPr kumimoji="1" lang="en-US" altLang="ja-JP" dirty="0"/>
             </a:br>
             <a:r>
               <a:rPr kumimoji="1" lang="ja-JP" altLang="en-US" dirty="0"/>
-              <a:t>フォーメーションを組む</a:t>
+              <a:t>フォロワ制御（</a:t>
+            </a:r>
+            <a:r>
+              <a:rPr kumimoji="1" lang="en-US" altLang="ja-JP" dirty="0"/>
+              <a:t>2024</a:t>
+            </a:r>
+            <a:r>
+              <a:rPr kumimoji="1" lang="ja-JP" altLang="en-US" dirty="0"/>
+              <a:t>年</a:t>
+            </a:r>
+            <a:r>
+              <a:rPr kumimoji="1" lang="en-US" altLang="ja-JP" dirty="0"/>
+              <a:t>3</a:t>
+            </a:r>
+            <a:r>
+              <a:rPr kumimoji="1" lang="ja-JP" altLang="en-US" dirty="0"/>
+              <a:t>月）」の追試から着手</a:t>
             </a:r>
             <a:endParaRPr kumimoji="1" lang="en-US" altLang="ja-JP" dirty="0"/>
           </a:p>
           <a:p>
-            <a:endParaRPr kumimoji="1" lang="ja-JP" altLang="en-US" dirty="0"/>
+            <a:endParaRPr lang="en-US" altLang="ja-JP" dirty="0"/>
+          </a:p>
+          <a:p>
+            <a:r>
+              <a:rPr kumimoji="1" lang="ja-JP" altLang="en-US" dirty="0"/>
+              <a:t>基礎的な制御則を理解し，フォーメーション制御に関する</a:t>
+            </a:r>
+            <a:br>
+              <a:rPr kumimoji="1" lang="en-US" altLang="ja-JP" dirty="0"/>
+            </a:br>
+            <a:r>
+              <a:rPr kumimoji="1" lang="ja-JP" altLang="en-US" dirty="0"/>
+              <a:t>知見を深めるため選定</a:t>
+            </a:r>
+            <a:endParaRPr kumimoji="1" lang="en-US" altLang="ja-JP" dirty="0"/>
+          </a:p>
+          <a:p>
+            <a:endParaRPr lang="en-US" altLang="ja-JP" dirty="0"/>
+          </a:p>
+          <a:p>
+            <a:r>
+              <a:rPr kumimoji="1" lang="ja-JP" altLang="en-US" dirty="0"/>
+              <a:t>同時に</a:t>
+            </a:r>
+            <a:r>
+              <a:rPr kumimoji="1" lang="en-US" altLang="ja-JP" dirty="0" err="1"/>
+              <a:t>MATLAB+CoppeliaSim</a:t>
+            </a:r>
+            <a:r>
+              <a:rPr kumimoji="1" lang="ja-JP" altLang="en-US" dirty="0"/>
+              <a:t>の構成を</a:t>
+            </a:r>
+            <a:r>
+              <a:rPr kumimoji="1" lang="en-US" altLang="ja-JP" dirty="0" err="1"/>
+              <a:t>Python+CoppeliaSim</a:t>
+            </a:r>
+            <a:r>
+              <a:rPr kumimoji="1" lang="ja-JP" altLang="en-US" dirty="0"/>
+              <a:t>へコンバートを試みる．考案した制御則をシミュレータ</a:t>
+            </a:r>
+            <a:br>
+              <a:rPr kumimoji="1" lang="en-US" altLang="ja-JP" dirty="0"/>
+            </a:br>
+            <a:r>
+              <a:rPr kumimoji="1" lang="ja-JP" altLang="en-US" dirty="0"/>
+              <a:t>実装する際の概要について理解</a:t>
+            </a:r>
           </a:p>
         </p:txBody>
       </p:sp>
@@ -7564,7 +8089,7 @@
     </p:spTree>
     <p:extLst>
       <p:ext uri="{BB962C8B-B14F-4D97-AF65-F5344CB8AC3E}">
-        <p14:creationId xmlns:p14="http://schemas.microsoft.com/office/powerpoint/2010/main" val="590749959"/>
+        <p14:creationId xmlns:p14="http://schemas.microsoft.com/office/powerpoint/2010/main" val="2693909009"/>
       </p:ext>
     </p:extLst>
   </p:cSld>
@@ -7609,10 +8134,19 @@
         </p:nvSpPr>
         <p:spPr/>
         <p:txBody>
-          <a:bodyPr/>
-          <a:lstStyle/>
-          <a:p>
-            <a:endParaRPr kumimoji="1" lang="ja-JP" altLang="en-US" dirty="0"/>
+          <a:bodyPr>
+            <a:normAutofit fontScale="90000"/>
+          </a:bodyPr>
+          <a:lstStyle/>
+          <a:p>
+            <a:r>
+              <a:rPr kumimoji="1" lang="en-US" altLang="ja-JP" dirty="0"/>
+              <a:t>LOS</a:t>
+            </a:r>
+            <a:r>
+              <a:rPr kumimoji="1" lang="ja-JP" altLang="en-US" dirty="0"/>
+              <a:t>に基づくリーダ・フォロワ制御</a:t>
+            </a:r>
           </a:p>
         </p:txBody>
       </p:sp>
@@ -7637,6 +8171,65 @@
           <a:bodyPr/>
           <a:lstStyle/>
           <a:p>
+            <a:pPr marL="0" indent="0">
+              <a:buNone/>
+            </a:pPr>
+            <a:r>
+              <a:rPr lang="ja-JP" altLang="en-US" dirty="0"/>
+              <a:t>概要；</a:t>
+            </a:r>
+            <a:endParaRPr kumimoji="1" lang="en-US" altLang="ja-JP" dirty="0"/>
+          </a:p>
+          <a:p>
+            <a:r>
+              <a:rPr lang="ja-JP" altLang="en-US" dirty="0"/>
+              <a:t>複数のクワッドロータを管制塔で一括制御するのではなく，局所的な情報のみを利用して群れとしてどうさすることを目指す</a:t>
+            </a:r>
+            <a:endParaRPr lang="en-US" altLang="ja-JP" dirty="0"/>
+          </a:p>
+          <a:p>
+            <a:endParaRPr lang="en-US" altLang="ja-JP" dirty="0"/>
+          </a:p>
+          <a:p>
+            <a:r>
+              <a:rPr kumimoji="1" lang="ja-JP" altLang="en-US" dirty="0"/>
+              <a:t>フォーメーション制御に</a:t>
+            </a:r>
+            <a:r>
+              <a:rPr kumimoji="1" lang="en-US" altLang="ja-JP" dirty="0"/>
+              <a:t>LOS</a:t>
+            </a:r>
+            <a:r>
+              <a:rPr kumimoji="1" lang="ja-JP" altLang="en-US" dirty="0"/>
+              <a:t>誘導に基づくリーダ・</a:t>
+            </a:r>
+            <a:br>
+              <a:rPr kumimoji="1" lang="en-US" altLang="ja-JP" dirty="0"/>
+            </a:br>
+            <a:r>
+              <a:rPr kumimoji="1" lang="ja-JP" altLang="en-US" dirty="0"/>
+              <a:t>フォロワ制御を採用</a:t>
+            </a:r>
+            <a:endParaRPr kumimoji="1" lang="en-US" altLang="ja-JP" dirty="0"/>
+          </a:p>
+          <a:p>
+            <a:endParaRPr lang="en-US" altLang="ja-JP" dirty="0"/>
+          </a:p>
+          <a:p>
+            <a:r>
+              <a:rPr kumimoji="1" lang="ja-JP" altLang="en-US" dirty="0"/>
+              <a:t>フォロワの制御器を設計，リーダの動きに併せて</a:t>
+            </a:r>
+            <a:br>
+              <a:rPr kumimoji="1" lang="en-US" altLang="ja-JP" dirty="0"/>
+            </a:br>
+            <a:r>
+              <a:rPr kumimoji="1" lang="ja-JP" altLang="en-US" dirty="0"/>
+              <a:t>フォーメーションを組む</a:t>
+            </a:r>
+            <a:endParaRPr kumimoji="1" lang="en-US" altLang="ja-JP" dirty="0"/>
+          </a:p>
+          <a:p>
             <a:endParaRPr kumimoji="1" lang="ja-JP" altLang="en-US" dirty="0"/>
           </a:p>
         </p:txBody>
@@ -7674,7 +8267,7 @@
     </p:spTree>
     <p:extLst>
       <p:ext uri="{BB962C8B-B14F-4D97-AF65-F5344CB8AC3E}">
-        <p14:creationId xmlns:p14="http://schemas.microsoft.com/office/powerpoint/2010/main" val="2406728295"/>
+        <p14:creationId xmlns:p14="http://schemas.microsoft.com/office/powerpoint/2010/main" val="590749959"/>
       </p:ext>
     </p:extLst>
   </p:cSld>

--- a/森本皓斗.pptx
+++ b/森本皓斗.pptx
@@ -5,7 +5,7 @@
     <p:sldMasterId id="2147483660" r:id="rId1"/>
   </p:sldMasterIdLst>
   <p:notesMasterIdLst>
-    <p:notesMasterId r:id="rId15"/>
+    <p:notesMasterId r:id="rId20"/>
   </p:notesMasterIdLst>
   <p:sldIdLst>
     <p:sldId id="256" r:id="rId2"/>
@@ -17,10 +17,15 @@
     <p:sldId id="268" r:id="rId8"/>
     <p:sldId id="264" r:id="rId9"/>
     <p:sldId id="261" r:id="rId10"/>
-    <p:sldId id="262" r:id="rId11"/>
+    <p:sldId id="270" r:id="rId11"/>
     <p:sldId id="263" r:id="rId12"/>
-    <p:sldId id="265" r:id="rId13"/>
-    <p:sldId id="266" r:id="rId14"/>
+    <p:sldId id="271" r:id="rId13"/>
+    <p:sldId id="272" r:id="rId14"/>
+    <p:sldId id="273" r:id="rId15"/>
+    <p:sldId id="274" r:id="rId16"/>
+    <p:sldId id="275" r:id="rId17"/>
+    <p:sldId id="276" r:id="rId18"/>
+    <p:sldId id="277" r:id="rId19"/>
   </p:sldIdLst>
   <p:sldSz cx="9144000" cy="6858000" type="screen4x3"/>
   <p:notesSz cx="6858000" cy="9144000"/>
@@ -4662,7 +4667,7 @@
           <p:cNvPr id="2" name="タイトル 1">
             <a:extLst>
               <a:ext uri="{FF2B5EF4-FFF2-40B4-BE49-F238E27FC236}">
-                <a16:creationId xmlns:a16="http://schemas.microsoft.com/office/drawing/2014/main" id="{DCE94847-9F9B-6193-17BC-2F7AE31F8E37}"/>
+                <a16:creationId xmlns:a16="http://schemas.microsoft.com/office/drawing/2014/main" id="{46397ED5-57F3-5FB4-1361-EF7838A5619C}"/>
               </a:ext>
             </a:extLst>
           </p:cNvPr>
@@ -4696,7 +4701,7 @@
               <p:cNvPr id="3" name="コンテンツ プレースホルダー 2">
                 <a:extLst>
                   <a:ext uri="{FF2B5EF4-FFF2-40B4-BE49-F238E27FC236}">
-                    <a16:creationId xmlns:a16="http://schemas.microsoft.com/office/drawing/2014/main" id="{9E1A1E01-A3A5-94AB-8DFE-9E5367FE5E69}"/>
+                    <a16:creationId xmlns:a16="http://schemas.microsoft.com/office/drawing/2014/main" id="{FBE074DF-805D-0755-8699-671847DFE49C}"/>
                   </a:ext>
                 </a:extLst>
               </p:cNvPr>
@@ -5102,7 +5107,7 @@
               <p:cNvPr id="3" name="コンテンツ プレースホルダー 2">
                 <a:extLst>
                   <a:ext uri="{FF2B5EF4-FFF2-40B4-BE49-F238E27FC236}">
-                    <a16:creationId xmlns:a16="http://schemas.microsoft.com/office/drawing/2014/main" id="{9E1A1E01-A3A5-94AB-8DFE-9E5367FE5E69}"/>
+                    <a16:creationId xmlns:a16="http://schemas.microsoft.com/office/drawing/2014/main" id="{FBE074DF-805D-0755-8699-671847DFE49C}"/>
                   </a:ext>
                 </a:extLst>
               </p:cNvPr>
@@ -5117,7 +5122,7 @@
               <a:blipFill>
                 <a:blip r:embed="rId2"/>
                 <a:stretch>
-                  <a:fillRect l="-919" t="-1756"/>
+                  <a:fillRect l="-919" t="-2222"/>
                 </a:stretch>
               </a:blipFill>
             </p:spPr>
@@ -5141,7 +5146,7 @@
           <p:cNvPr id="4" name="スライド番号プレースホルダー 3">
             <a:extLst>
               <a:ext uri="{FF2B5EF4-FFF2-40B4-BE49-F238E27FC236}">
-                <a16:creationId xmlns:a16="http://schemas.microsoft.com/office/drawing/2014/main" id="{277B23C4-05B3-54A3-480E-1C5B9643FEA6}"/>
+                <a16:creationId xmlns:a16="http://schemas.microsoft.com/office/drawing/2014/main" id="{4FD54255-D75B-1878-95DF-7869B5345200}"/>
               </a:ext>
             </a:extLst>
           </p:cNvPr>
@@ -5166,10 +5171,96 @@
           </a:p>
         </p:txBody>
       </p:sp>
+      <p:sp>
+        <p:nvSpPr>
+          <p:cNvPr id="5" name="テキスト プレースホルダー 4">
+            <a:extLst>
+              <a:ext uri="{FF2B5EF4-FFF2-40B4-BE49-F238E27FC236}">
+                <a16:creationId xmlns:a16="http://schemas.microsoft.com/office/drawing/2014/main" id="{0A40A083-90C1-D825-E390-CD30B8363EA7}"/>
+              </a:ext>
+            </a:extLst>
+          </p:cNvPr>
+          <p:cNvSpPr>
+            <a:spLocks noGrp="1"/>
+          </p:cNvSpPr>
+          <p:nvPr>
+            <p:ph type="body" sz="quarter" idx="13"/>
+          </p:nvPr>
+        </p:nvSpPr>
+        <p:spPr/>
+        <p:txBody>
+          <a:bodyPr/>
+          <a:lstStyle/>
+          <a:p>
+            <a:r>
+              <a:rPr kumimoji="1" lang="ja-JP" altLang="en-US" b="1" dirty="0">
+                <a:solidFill>
+                  <a:schemeClr val="accent4"/>
+                </a:solidFill>
+              </a:rPr>
+              <a:t>経由点ごとに目標を更新しながら追従</a:t>
+            </a:r>
+          </a:p>
+        </p:txBody>
+      </p:sp>
+      <p:sp>
+        <p:nvSpPr>
+          <p:cNvPr id="6" name="四角形: 角を丸くする 5">
+            <a:extLst>
+              <a:ext uri="{FF2B5EF4-FFF2-40B4-BE49-F238E27FC236}">
+                <a16:creationId xmlns:a16="http://schemas.microsoft.com/office/drawing/2014/main" id="{A428BD2E-17DF-F827-6B76-E5AF4084D448}"/>
+              </a:ext>
+            </a:extLst>
+          </p:cNvPr>
+          <p:cNvSpPr/>
+          <p:nvPr/>
+        </p:nvSpPr>
+        <p:spPr>
+          <a:xfrm>
+            <a:off x="1180112" y="5769113"/>
+            <a:ext cx="6781800" cy="914400"/>
+          </a:xfrm>
+          <a:prstGeom prst="roundRect">
+            <a:avLst/>
+          </a:prstGeom>
+          <a:noFill/>
+          <a:ln w="38100" cap="flat" cmpd="sng" algn="ctr">
+            <a:solidFill>
+              <a:schemeClr val="accent4"/>
+            </a:solidFill>
+            <a:prstDash val="solid"/>
+            <a:round/>
+            <a:headEnd type="none" w="med" len="med"/>
+            <a:tailEnd type="none" w="med" len="med"/>
+          </a:ln>
+        </p:spPr>
+        <p:style>
+          <a:lnRef idx="0">
+            <a:scrgbClr r="0" g="0" b="0"/>
+          </a:lnRef>
+          <a:fillRef idx="0">
+            <a:scrgbClr r="0" g="0" b="0"/>
+          </a:fillRef>
+          <a:effectRef idx="0">
+            <a:scrgbClr r="0" g="0" b="0"/>
+          </a:effectRef>
+          <a:fontRef idx="minor">
+            <a:schemeClr val="accent4"/>
+          </a:fontRef>
+        </p:style>
+        <p:txBody>
+          <a:bodyPr rtlCol="0" anchor="ctr"/>
+          <a:lstStyle/>
+          <a:p>
+            <a:pPr algn="ctr"/>
+            <a:endParaRPr kumimoji="1" lang="ja-JP" altLang="en-US"/>
+          </a:p>
+        </p:txBody>
+      </p:sp>
     </p:spTree>
     <p:extLst>
       <p:ext uri="{BB962C8B-B14F-4D97-AF65-F5344CB8AC3E}">
-        <p14:creationId xmlns:p14="http://schemas.microsoft.com/office/powerpoint/2010/main" val="2406728295"/>
+        <p14:creationId xmlns:p14="http://schemas.microsoft.com/office/powerpoint/2010/main" val="1542610090"/>
       </p:ext>
     </p:extLst>
   </p:cSld>
@@ -5196,6 +5287,41 @@
           <a:chExt cx="0" cy="0"/>
         </a:xfrm>
       </p:grpSpPr>
+      <p:pic>
+        <p:nvPicPr>
+          <p:cNvPr id="8" name="コンテンツ プレースホルダー 7" descr="時計 が含まれている画像&#10;&#10;AI によって生成されたコンテンツは間違っている可能性があります。">
+            <a:extLst>
+              <a:ext uri="{FF2B5EF4-FFF2-40B4-BE49-F238E27FC236}">
+                <a16:creationId xmlns:a16="http://schemas.microsoft.com/office/drawing/2014/main" id="{A7CE84C9-195E-5163-3C4E-23B41E7A9DFC}"/>
+              </a:ext>
+            </a:extLst>
+          </p:cNvPr>
+          <p:cNvPicPr>
+            <a:picLocks noGrp="1" noChangeAspect="1"/>
+          </p:cNvPicPr>
+          <p:nvPr>
+            <p:ph idx="1"/>
+          </p:nvPr>
+        </p:nvPicPr>
+        <p:blipFill>
+          <a:blip r:embed="rId2">
+            <a:extLst>
+              <a:ext uri="{28A0092B-C50C-407E-A947-70E740481C1C}">
+                <a14:useLocalDpi xmlns:a14="http://schemas.microsoft.com/office/drawing/2010/main" val="0"/>
+              </a:ext>
+            </a:extLst>
+          </a:blip>
+          <a:stretch>
+            <a:fillRect/>
+          </a:stretch>
+        </p:blipFill>
+        <p:spPr>
+          <a:xfrm>
+            <a:off x="1223512" y="1395202"/>
+            <a:ext cx="6696976" cy="3253190"/>
+          </a:xfrm>
+        </p:spPr>
+      </p:pic>
       <p:sp>
         <p:nvSpPr>
           <p:cNvPr id="2" name="タイトル 1">
@@ -5230,31 +5356,6 @@
       </p:sp>
       <p:sp>
         <p:nvSpPr>
-          <p:cNvPr id="3" name="コンテンツ プレースホルダー 2">
-            <a:extLst>
-              <a:ext uri="{FF2B5EF4-FFF2-40B4-BE49-F238E27FC236}">
-                <a16:creationId xmlns:a16="http://schemas.microsoft.com/office/drawing/2014/main" id="{9E1A1E01-A3A5-94AB-8DFE-9E5367FE5E69}"/>
-              </a:ext>
-            </a:extLst>
-          </p:cNvPr>
-          <p:cNvSpPr>
-            <a:spLocks noGrp="1"/>
-          </p:cNvSpPr>
-          <p:nvPr>
-            <p:ph idx="1"/>
-          </p:nvPr>
-        </p:nvSpPr>
-        <p:spPr/>
-        <p:txBody>
-          <a:bodyPr/>
-          <a:lstStyle/>
-          <a:p>
-            <a:endParaRPr kumimoji="1" lang="ja-JP" altLang="en-US"/>
-          </a:p>
-        </p:txBody>
-      </p:sp>
-      <p:sp>
-        <p:nvSpPr>
           <p:cNvPr id="4" name="スライド番号プレースホルダー 3">
             <a:extLst>
               <a:ext uri="{FF2B5EF4-FFF2-40B4-BE49-F238E27FC236}">
@@ -5283,6 +5384,180 @@
           </a:p>
         </p:txBody>
       </p:sp>
+      <p:sp>
+        <p:nvSpPr>
+          <p:cNvPr id="5" name="四角形: 角を丸くする 4">
+            <a:extLst>
+              <a:ext uri="{FF2B5EF4-FFF2-40B4-BE49-F238E27FC236}">
+                <a16:creationId xmlns:a16="http://schemas.microsoft.com/office/drawing/2014/main" id="{05BCBB7A-B5E6-AAB5-AC69-3DE7E65E4BE3}"/>
+              </a:ext>
+            </a:extLst>
+          </p:cNvPr>
+          <p:cNvSpPr/>
+          <p:nvPr/>
+        </p:nvSpPr>
+        <p:spPr>
+          <a:xfrm>
+            <a:off x="536186" y="4986242"/>
+            <a:ext cx="1750839" cy="502920"/>
+          </a:xfrm>
+          <a:prstGeom prst="roundRect">
+            <a:avLst/>
+          </a:prstGeom>
+        </p:spPr>
+        <p:style>
+          <a:lnRef idx="2">
+            <a:schemeClr val="accent4"/>
+          </a:lnRef>
+          <a:fillRef idx="1">
+            <a:schemeClr val="lt1"/>
+          </a:fillRef>
+          <a:effectRef idx="0">
+            <a:schemeClr val="accent4"/>
+          </a:effectRef>
+          <a:fontRef idx="minor">
+            <a:schemeClr val="dk1"/>
+          </a:fontRef>
+        </p:style>
+        <p:txBody>
+          <a:bodyPr rtlCol="0" anchor="ctr"/>
+          <a:lstStyle/>
+          <a:p>
+            <a:pPr algn="ctr"/>
+            <a:r>
+              <a:rPr kumimoji="1" lang="ja-JP" altLang="en-US" dirty="0">
+                <a:solidFill>
+                  <a:schemeClr val="accent4"/>
+                </a:solidFill>
+              </a:rPr>
+              <a:t>円の方程式</a:t>
+            </a:r>
+          </a:p>
+        </p:txBody>
+      </p:sp>
+      <p:sp>
+        <p:nvSpPr>
+          <p:cNvPr id="6" name="四角形: 角を丸くする 5">
+            <a:extLst>
+              <a:ext uri="{FF2B5EF4-FFF2-40B4-BE49-F238E27FC236}">
+                <a16:creationId xmlns:a16="http://schemas.microsoft.com/office/drawing/2014/main" id="{C06FC667-C5E8-43DC-FE43-E9B9B8F93309}"/>
+              </a:ext>
+            </a:extLst>
+          </p:cNvPr>
+          <p:cNvSpPr/>
+          <p:nvPr/>
+        </p:nvSpPr>
+        <p:spPr>
+          <a:xfrm>
+            <a:off x="536186" y="5827012"/>
+            <a:ext cx="1750839" cy="502920"/>
+          </a:xfrm>
+          <a:prstGeom prst="roundRect">
+            <a:avLst/>
+          </a:prstGeom>
+        </p:spPr>
+        <p:style>
+          <a:lnRef idx="2">
+            <a:schemeClr val="accent4"/>
+          </a:lnRef>
+          <a:fillRef idx="1">
+            <a:schemeClr val="lt1"/>
+          </a:fillRef>
+          <a:effectRef idx="0">
+            <a:schemeClr val="accent4"/>
+          </a:effectRef>
+          <a:fontRef idx="minor">
+            <a:schemeClr val="dk1"/>
+          </a:fontRef>
+        </p:style>
+        <p:txBody>
+          <a:bodyPr rtlCol="0" anchor="ctr"/>
+          <a:lstStyle/>
+          <a:p>
+            <a:pPr algn="ctr"/>
+            <a:r>
+              <a:rPr kumimoji="1" lang="ja-JP" altLang="en-US" dirty="0">
+                <a:solidFill>
+                  <a:schemeClr val="accent4"/>
+                </a:solidFill>
+              </a:rPr>
+              <a:t>線分の方程式</a:t>
+            </a:r>
+          </a:p>
+        </p:txBody>
+      </p:sp>
+      <p:pic>
+        <p:nvPicPr>
+          <p:cNvPr id="10" name="グラフィックス 9">
+            <a:extLst>
+              <a:ext uri="{FF2B5EF4-FFF2-40B4-BE49-F238E27FC236}">
+                <a16:creationId xmlns:a16="http://schemas.microsoft.com/office/drawing/2014/main" id="{99A2DB0C-C92B-F966-76A2-A11B4EC62653}"/>
+              </a:ext>
+            </a:extLst>
+          </p:cNvPr>
+          <p:cNvPicPr>
+            <a:picLocks noChangeAspect="1"/>
+          </p:cNvPicPr>
+          <p:nvPr/>
+        </p:nvPicPr>
+        <p:blipFill>
+          <a:blip r:embed="rId3">
+            <a:extLst>
+              <a:ext uri="{96DAC541-7B7A-43D3-8B79-37D633B846F1}">
+                <asvg:svgBlip xmlns:asvg="http://schemas.microsoft.com/office/drawing/2016/SVG/main" r:embed="rId4"/>
+              </a:ext>
+            </a:extLst>
+          </a:blip>
+          <a:stretch>
+            <a:fillRect/>
+          </a:stretch>
+        </p:blipFill>
+        <p:spPr>
+          <a:xfrm>
+            <a:off x="2481262" y="4962155"/>
+            <a:ext cx="5935034" cy="442913"/>
+          </a:xfrm>
+          <a:prstGeom prst="rect">
+            <a:avLst/>
+          </a:prstGeom>
+        </p:spPr>
+      </p:pic>
+      <p:pic>
+        <p:nvPicPr>
+          <p:cNvPr id="12" name="グラフィックス 11">
+            <a:extLst>
+              <a:ext uri="{FF2B5EF4-FFF2-40B4-BE49-F238E27FC236}">
+                <a16:creationId xmlns:a16="http://schemas.microsoft.com/office/drawing/2014/main" id="{0C1CCB2F-31B7-24DE-1A34-023D39CA927E}"/>
+              </a:ext>
+            </a:extLst>
+          </p:cNvPr>
+          <p:cNvPicPr>
+            <a:picLocks noChangeAspect="1"/>
+          </p:cNvPicPr>
+          <p:nvPr/>
+        </p:nvPicPr>
+        <p:blipFill>
+          <a:blip r:embed="rId5">
+            <a:extLst>
+              <a:ext uri="{96DAC541-7B7A-43D3-8B79-37D633B846F1}">
+                <asvg:svgBlip xmlns:asvg="http://schemas.microsoft.com/office/drawing/2016/SVG/main" r:embed="rId6"/>
+              </a:ext>
+            </a:extLst>
+          </a:blip>
+          <a:stretch>
+            <a:fillRect/>
+          </a:stretch>
+        </p:blipFill>
+        <p:spPr>
+          <a:xfrm>
+            <a:off x="2576499" y="5703265"/>
+            <a:ext cx="5744560" cy="750415"/>
+          </a:xfrm>
+          <a:prstGeom prst="rect">
+            <a:avLst/>
+          </a:prstGeom>
+        </p:spPr>
+      </p:pic>
     </p:spTree>
     <p:extLst>
       <p:ext uri="{BB962C8B-B14F-4D97-AF65-F5344CB8AC3E}">
@@ -5318,7 +5593,7 @@
           <p:cNvPr id="2" name="タイトル 1">
             <a:extLst>
               <a:ext uri="{FF2B5EF4-FFF2-40B4-BE49-F238E27FC236}">
-                <a16:creationId xmlns:a16="http://schemas.microsoft.com/office/drawing/2014/main" id="{DCE94847-9F9B-6193-17BC-2F7AE31F8E37}"/>
+                <a16:creationId xmlns:a16="http://schemas.microsoft.com/office/drawing/2014/main" id="{8AE9A959-6B3A-0B5C-8FA4-03B040F22039}"/>
               </a:ext>
             </a:extLst>
           </p:cNvPr>
@@ -5334,32 +5609,10 @@
           <a:bodyPr/>
           <a:lstStyle/>
           <a:p>
-            <a:endParaRPr kumimoji="1" lang="ja-JP" altLang="en-US"/>
-          </a:p>
-        </p:txBody>
-      </p:sp>
-      <p:sp>
-        <p:nvSpPr>
-          <p:cNvPr id="3" name="コンテンツ プレースホルダー 2">
-            <a:extLst>
-              <a:ext uri="{FF2B5EF4-FFF2-40B4-BE49-F238E27FC236}">
-                <a16:creationId xmlns:a16="http://schemas.microsoft.com/office/drawing/2014/main" id="{9E1A1E01-A3A5-94AB-8DFE-9E5367FE5E69}"/>
-              </a:ext>
-            </a:extLst>
-          </p:cNvPr>
-          <p:cNvSpPr>
-            <a:spLocks noGrp="1"/>
-          </p:cNvSpPr>
-          <p:nvPr>
-            <p:ph idx="1"/>
-          </p:nvPr>
-        </p:nvSpPr>
-        <p:spPr/>
-        <p:txBody>
-          <a:bodyPr/>
-          <a:lstStyle/>
-          <a:p>
-            <a:endParaRPr kumimoji="1" lang="ja-JP" altLang="en-US"/>
+            <a:r>
+              <a:rPr kumimoji="1" lang="ja-JP" altLang="en-US" dirty="0"/>
+              <a:t>追従目標点の導出</a:t>
+            </a:r>
           </a:p>
         </p:txBody>
       </p:sp>
@@ -5368,7 +5621,7 @@
           <p:cNvPr id="4" name="スライド番号プレースホルダー 3">
             <a:extLst>
               <a:ext uri="{FF2B5EF4-FFF2-40B4-BE49-F238E27FC236}">
-                <a16:creationId xmlns:a16="http://schemas.microsoft.com/office/drawing/2014/main" id="{277B23C4-05B3-54A3-480E-1C5B9643FEA6}"/>
+                <a16:creationId xmlns:a16="http://schemas.microsoft.com/office/drawing/2014/main" id="{2CDA8FDD-D8AF-A761-CD4D-0E22F966CD61}"/>
               </a:ext>
             </a:extLst>
           </p:cNvPr>
@@ -5393,10 +5646,1497 @@
           </a:p>
         </p:txBody>
       </p:sp>
+      <p:sp>
+        <p:nvSpPr>
+          <p:cNvPr id="5" name="テキスト プレースホルダー 4">
+            <a:extLst>
+              <a:ext uri="{FF2B5EF4-FFF2-40B4-BE49-F238E27FC236}">
+                <a16:creationId xmlns:a16="http://schemas.microsoft.com/office/drawing/2014/main" id="{7249CA86-66BE-E074-DEA6-F7267F9CEBC7}"/>
+              </a:ext>
+            </a:extLst>
+          </p:cNvPr>
+          <p:cNvSpPr>
+            <a:spLocks noGrp="1"/>
+          </p:cNvSpPr>
+          <p:nvPr>
+            <p:ph type="body" sz="quarter" idx="13"/>
+          </p:nvPr>
+        </p:nvSpPr>
+        <p:spPr/>
+        <p:txBody>
+          <a:bodyPr/>
+          <a:lstStyle/>
+          <a:p>
+            <a:r>
+              <a:rPr kumimoji="1" lang="ja-JP" altLang="en-US" b="1" dirty="0">
+                <a:solidFill>
+                  <a:schemeClr val="accent4"/>
+                </a:solidFill>
+              </a:rPr>
+              <a:t>ベクトル演算により目標点を策定</a:t>
+            </a:r>
+          </a:p>
+        </p:txBody>
+      </p:sp>
+      <p:sp>
+        <p:nvSpPr>
+          <p:cNvPr id="6" name="四角形: 角を丸くする 5">
+            <a:extLst>
+              <a:ext uri="{FF2B5EF4-FFF2-40B4-BE49-F238E27FC236}">
+                <a16:creationId xmlns:a16="http://schemas.microsoft.com/office/drawing/2014/main" id="{0CB8AD2B-C30C-A34B-5C93-B0505DFBCB95}"/>
+              </a:ext>
+            </a:extLst>
+          </p:cNvPr>
+          <p:cNvSpPr/>
+          <p:nvPr/>
+        </p:nvSpPr>
+        <p:spPr>
+          <a:xfrm>
+            <a:off x="1180112" y="5769113"/>
+            <a:ext cx="6781800" cy="914400"/>
+          </a:xfrm>
+          <a:prstGeom prst="roundRect">
+            <a:avLst/>
+          </a:prstGeom>
+          <a:noFill/>
+          <a:ln w="38100" cap="flat" cmpd="sng" algn="ctr">
+            <a:solidFill>
+              <a:schemeClr val="accent4"/>
+            </a:solidFill>
+            <a:prstDash val="solid"/>
+            <a:round/>
+            <a:headEnd type="none" w="med" len="med"/>
+            <a:tailEnd type="none" w="med" len="med"/>
+          </a:ln>
+        </p:spPr>
+        <p:style>
+          <a:lnRef idx="0">
+            <a:scrgbClr r="0" g="0" b="0"/>
+          </a:lnRef>
+          <a:fillRef idx="0">
+            <a:scrgbClr r="0" g="0" b="0"/>
+          </a:fillRef>
+          <a:effectRef idx="0">
+            <a:scrgbClr r="0" g="0" b="0"/>
+          </a:effectRef>
+          <a:fontRef idx="minor">
+            <a:schemeClr val="accent4"/>
+          </a:fontRef>
+        </p:style>
+        <p:txBody>
+          <a:bodyPr rtlCol="0" anchor="ctr"/>
+          <a:lstStyle/>
+          <a:p>
+            <a:pPr algn="ctr"/>
+            <a:endParaRPr kumimoji="1" lang="ja-JP" altLang="en-US"/>
+          </a:p>
+        </p:txBody>
+      </p:sp>
+      <p:grpSp>
+        <p:nvGrpSpPr>
+          <p:cNvPr id="7" name="グループ化 6">
+            <a:extLst>
+              <a:ext uri="{FF2B5EF4-FFF2-40B4-BE49-F238E27FC236}">
+                <a16:creationId xmlns:a16="http://schemas.microsoft.com/office/drawing/2014/main" id="{43EAE9D4-DDC4-053E-CAC2-600B992443F3}"/>
+              </a:ext>
+            </a:extLst>
+          </p:cNvPr>
+          <p:cNvGrpSpPr/>
+          <p:nvPr/>
+        </p:nvGrpSpPr>
+        <p:grpSpPr>
+          <a:xfrm>
+            <a:off x="455960" y="1864775"/>
+            <a:ext cx="3140516" cy="1677651"/>
+            <a:chOff x="43811" y="2439374"/>
+            <a:chExt cx="3140516" cy="1677651"/>
+          </a:xfrm>
+        </p:grpSpPr>
+        <p:sp>
+          <p:nvSpPr>
+            <p:cNvPr id="8" name="五角形 7">
+              <a:extLst>
+                <a:ext uri="{FF2B5EF4-FFF2-40B4-BE49-F238E27FC236}">
+                  <a16:creationId xmlns:a16="http://schemas.microsoft.com/office/drawing/2014/main" id="{6B0DD11E-40B3-B000-448C-E8EEB2B79F92}"/>
+                </a:ext>
+              </a:extLst>
+            </p:cNvPr>
+            <p:cNvSpPr/>
+            <p:nvPr/>
+          </p:nvSpPr>
+          <p:spPr>
+            <a:xfrm rot="3792731">
+              <a:off x="1565976" y="2877591"/>
+              <a:ext cx="271211" cy="640412"/>
+            </a:xfrm>
+            <a:prstGeom prst="pentagon">
+              <a:avLst/>
+            </a:prstGeom>
+          </p:spPr>
+          <p:style>
+            <a:lnRef idx="3">
+              <a:schemeClr val="lt1"/>
+            </a:lnRef>
+            <a:fillRef idx="1">
+              <a:schemeClr val="accent2"/>
+            </a:fillRef>
+            <a:effectRef idx="1">
+              <a:schemeClr val="accent2"/>
+            </a:effectRef>
+            <a:fontRef idx="minor">
+              <a:schemeClr val="lt1"/>
+            </a:fontRef>
+          </p:style>
+          <p:txBody>
+            <a:bodyPr rtlCol="0" anchor="ctr"/>
+            <a:lstStyle/>
+            <a:p>
+              <a:pPr algn="ctr"/>
+              <a:endParaRPr kumimoji="1" lang="ja-JP" altLang="en-US"/>
+            </a:p>
+          </p:txBody>
+        </p:sp>
+        <p:cxnSp>
+          <p:nvCxnSpPr>
+            <p:cNvPr id="9" name="直線矢印コネクタ 8">
+              <a:extLst>
+                <a:ext uri="{FF2B5EF4-FFF2-40B4-BE49-F238E27FC236}">
+                  <a16:creationId xmlns:a16="http://schemas.microsoft.com/office/drawing/2014/main" id="{0D2A77BC-8898-B012-303C-80C72684DBAA}"/>
+                </a:ext>
+              </a:extLst>
+            </p:cNvPr>
+            <p:cNvCxnSpPr>
+              <a:cxnSpLocks/>
+              <a:stCxn id="8" idx="0"/>
+            </p:cNvCxnSpPr>
+            <p:nvPr/>
+          </p:nvCxnSpPr>
+          <p:spPr>
+            <a:xfrm flipV="1">
+              <a:off x="1987424" y="2816064"/>
+              <a:ext cx="415581" cy="237421"/>
+            </a:xfrm>
+            <a:prstGeom prst="straightConnector1">
+              <a:avLst/>
+            </a:prstGeom>
+            <a:ln>
+              <a:tailEnd type="triangle"/>
+            </a:ln>
+          </p:spPr>
+          <p:style>
+            <a:lnRef idx="2">
+              <a:schemeClr val="accent2"/>
+            </a:lnRef>
+            <a:fillRef idx="0">
+              <a:schemeClr val="accent2"/>
+            </a:fillRef>
+            <a:effectRef idx="1">
+              <a:schemeClr val="accent2"/>
+            </a:effectRef>
+            <a:fontRef idx="minor">
+              <a:schemeClr val="tx1"/>
+            </a:fontRef>
+          </p:style>
+        </p:cxnSp>
+        <p:sp>
+          <p:nvSpPr>
+            <p:cNvPr id="10" name="楕円 9">
+              <a:extLst>
+                <a:ext uri="{FF2B5EF4-FFF2-40B4-BE49-F238E27FC236}">
+                  <a16:creationId xmlns:a16="http://schemas.microsoft.com/office/drawing/2014/main" id="{54F2085A-2D06-6A2C-11FB-460886A4D4C1}"/>
+                </a:ext>
+              </a:extLst>
+            </p:cNvPr>
+            <p:cNvSpPr/>
+            <p:nvPr/>
+          </p:nvSpPr>
+          <p:spPr>
+            <a:xfrm>
+              <a:off x="202450" y="3203175"/>
+              <a:ext cx="251231" cy="249040"/>
+            </a:xfrm>
+            <a:prstGeom prst="ellipse">
+              <a:avLst/>
+            </a:prstGeom>
+          </p:spPr>
+          <p:style>
+            <a:lnRef idx="3">
+              <a:schemeClr val="lt1"/>
+            </a:lnRef>
+            <a:fillRef idx="1">
+              <a:schemeClr val="accent1"/>
+            </a:fillRef>
+            <a:effectRef idx="1">
+              <a:schemeClr val="accent1"/>
+            </a:effectRef>
+            <a:fontRef idx="minor">
+              <a:schemeClr val="lt1"/>
+            </a:fontRef>
+          </p:style>
+          <p:txBody>
+            <a:bodyPr rtlCol="0" anchor="ctr"/>
+            <a:lstStyle/>
+            <a:p>
+              <a:pPr algn="ctr"/>
+              <a:endParaRPr kumimoji="1" lang="ja-JP" altLang="en-US"/>
+            </a:p>
+          </p:txBody>
+        </p:sp>
+        <p:cxnSp>
+          <p:nvCxnSpPr>
+            <p:cNvPr id="11" name="直線矢印コネクタ 10">
+              <a:extLst>
+                <a:ext uri="{FF2B5EF4-FFF2-40B4-BE49-F238E27FC236}">
+                  <a16:creationId xmlns:a16="http://schemas.microsoft.com/office/drawing/2014/main" id="{5569A570-6CBD-A021-E1A6-EBD0C510E454}"/>
+                </a:ext>
+              </a:extLst>
+            </p:cNvPr>
+            <p:cNvCxnSpPr>
+              <a:cxnSpLocks/>
+              <a:stCxn id="8" idx="2"/>
+              <a:endCxn id="10" idx="6"/>
+            </p:cNvCxnSpPr>
+            <p:nvPr/>
+          </p:nvCxnSpPr>
+          <p:spPr>
+            <a:xfrm flipH="1">
+              <a:off x="453681" y="3267295"/>
+              <a:ext cx="924289" cy="60400"/>
+            </a:xfrm>
+            <a:prstGeom prst="straightConnector1">
+              <a:avLst/>
+            </a:prstGeom>
+            <a:ln>
+              <a:tailEnd type="triangle"/>
+            </a:ln>
+          </p:spPr>
+          <p:style>
+            <a:lnRef idx="2">
+              <a:schemeClr val="accent1"/>
+            </a:lnRef>
+            <a:fillRef idx="0">
+              <a:schemeClr val="accent1"/>
+            </a:fillRef>
+            <a:effectRef idx="1">
+              <a:schemeClr val="accent1"/>
+            </a:effectRef>
+            <a:fontRef idx="minor">
+              <a:schemeClr val="tx1"/>
+            </a:fontRef>
+          </p:style>
+        </p:cxnSp>
+        <p:sp>
+          <p:nvSpPr>
+            <p:cNvPr id="12" name="円弧 11">
+              <a:extLst>
+                <a:ext uri="{FF2B5EF4-FFF2-40B4-BE49-F238E27FC236}">
+                  <a16:creationId xmlns:a16="http://schemas.microsoft.com/office/drawing/2014/main" id="{5A60A704-6987-DEC4-EBBE-78E39C65412A}"/>
+                </a:ext>
+              </a:extLst>
+            </p:cNvPr>
+            <p:cNvSpPr/>
+            <p:nvPr/>
+          </p:nvSpPr>
+          <p:spPr>
+            <a:xfrm rot="7765171">
+              <a:off x="943061" y="2809287"/>
+              <a:ext cx="896919" cy="933935"/>
+            </a:xfrm>
+            <a:prstGeom prst="arc">
+              <a:avLst>
+                <a:gd name="adj1" fmla="val 14203641"/>
+                <a:gd name="adj2" fmla="val 2561655"/>
+              </a:avLst>
+            </a:prstGeom>
+          </p:spPr>
+          <p:style>
+            <a:lnRef idx="2">
+              <a:schemeClr val="accent6"/>
+            </a:lnRef>
+            <a:fillRef idx="0">
+              <a:schemeClr val="accent6"/>
+            </a:fillRef>
+            <a:effectRef idx="1">
+              <a:schemeClr val="accent6"/>
+            </a:effectRef>
+            <a:fontRef idx="minor">
+              <a:schemeClr val="tx1"/>
+            </a:fontRef>
+          </p:style>
+          <p:txBody>
+            <a:bodyPr rtlCol="0" anchor="ctr"/>
+            <a:lstStyle/>
+            <a:p>
+              <a:pPr algn="ctr"/>
+              <a:endParaRPr kumimoji="1" lang="ja-JP" altLang="en-US"/>
+            </a:p>
+          </p:txBody>
+        </p:sp>
+        <mc:AlternateContent xmlns:mc="http://schemas.openxmlformats.org/markup-compatibility/2006" xmlns:a14="http://schemas.microsoft.com/office/drawing/2010/main">
+          <mc:Choice Requires="a14">
+            <p:sp>
+              <p:nvSpPr>
+                <p:cNvPr id="13" name="テキスト ボックス 12">
+                  <a:extLst>
+                    <a:ext uri="{FF2B5EF4-FFF2-40B4-BE49-F238E27FC236}">
+                      <a16:creationId xmlns:a16="http://schemas.microsoft.com/office/drawing/2014/main" id="{3B844D2F-D60D-7389-6F42-9C397E4DBD53}"/>
+                    </a:ext>
+                  </a:extLst>
+                </p:cNvPr>
+                <p:cNvSpPr txBox="1"/>
+                <p:nvPr/>
+              </p:nvSpPr>
+              <p:spPr>
+                <a:xfrm>
+                  <a:off x="971573" y="3746411"/>
+                  <a:ext cx="1285665" cy="370614"/>
+                </a:xfrm>
+                <a:prstGeom prst="rect">
+                  <a:avLst/>
+                </a:prstGeom>
+                <a:noFill/>
+              </p:spPr>
+              <p:txBody>
+                <a:bodyPr wrap="square" rtlCol="0">
+                  <a:spAutoFit/>
+                </a:bodyPr>
+                <a:lstStyle/>
+                <a:p>
+                  <a:r>
+                    <a:rPr kumimoji="1" lang="ja-JP" altLang="en-US" dirty="0">
+                      <a:solidFill>
+                        <a:schemeClr val="accent6"/>
+                      </a:solidFill>
+                    </a:rPr>
+                    <a:t>回転</a:t>
+                  </a:r>
+                  <a14:m>
+                    <m:oMath xmlns:m="http://schemas.openxmlformats.org/officeDocument/2006/math">
+                      <m:r>
+                        <a:rPr kumimoji="1" lang="ja-JP" altLang="en-US" i="1" smtClean="0">
+                          <a:solidFill>
+                            <a:schemeClr val="accent6"/>
+                          </a:solidFill>
+                          <a:latin typeface="Cambria Math" panose="02040503050406030204" pitchFamily="18" charset="0"/>
+                        </a:rPr>
+                        <m:t>角</m:t>
+                      </m:r>
+                      <m:r>
+                        <a:rPr kumimoji="1" lang="ja-JP" altLang="en-US" i="1" smtClean="0">
+                          <a:solidFill>
+                            <a:schemeClr val="accent6"/>
+                          </a:solidFill>
+                          <a:latin typeface="Cambria Math" panose="02040503050406030204" pitchFamily="18" charset="0"/>
+                        </a:rPr>
+                        <m:t>𝜓</m:t>
+                      </m:r>
+                    </m:oMath>
+                  </a14:m>
+                  <a:endParaRPr kumimoji="1" lang="ja-JP" altLang="en-US" dirty="0">
+                    <a:solidFill>
+                      <a:schemeClr val="accent6"/>
+                    </a:solidFill>
+                  </a:endParaRPr>
+                </a:p>
+              </p:txBody>
+            </p:sp>
+          </mc:Choice>
+          <mc:Fallback xmlns="">
+            <p:sp>
+              <p:nvSpPr>
+                <p:cNvPr id="44" name="テキスト ボックス 43">
+                  <a:extLst>
+                    <a:ext uri="{FF2B5EF4-FFF2-40B4-BE49-F238E27FC236}">
+                      <a16:creationId xmlns:a16="http://schemas.microsoft.com/office/drawing/2014/main" id="{5F8C9762-D967-8637-2BEC-8A662C1DF9F6}"/>
+                    </a:ext>
+                  </a:extLst>
+                </p:cNvPr>
+                <p:cNvSpPr txBox="1">
+                  <a:spLocks noRot="1" noChangeAspect="1" noMove="1" noResize="1" noEditPoints="1" noAdjustHandles="1" noChangeArrowheads="1" noChangeShapeType="1" noTextEdit="1"/>
+                </p:cNvSpPr>
+                <p:nvPr/>
+              </p:nvSpPr>
+              <p:spPr>
+                <a:xfrm>
+                  <a:off x="971573" y="3746411"/>
+                  <a:ext cx="1285665" cy="370614"/>
+                </a:xfrm>
+                <a:prstGeom prst="rect">
+                  <a:avLst/>
+                </a:prstGeom>
+                <a:blipFill>
+                  <a:blip r:embed="rId4"/>
+                  <a:stretch>
+                    <a:fillRect l="-3791" t="-10000" b="-26667"/>
+                  </a:stretch>
+                </a:blipFill>
+              </p:spPr>
+              <p:txBody>
+                <a:bodyPr/>
+                <a:lstStyle/>
+                <a:p>
+                  <a:r>
+                    <a:rPr lang="ja-JP" altLang="en-US">
+                      <a:noFill/>
+                    </a:rPr>
+                    <a:t> </a:t>
+                  </a:r>
+                </a:p>
+              </p:txBody>
+            </p:sp>
+          </mc:Fallback>
+        </mc:AlternateContent>
+        <mc:AlternateContent xmlns:mc="http://schemas.openxmlformats.org/markup-compatibility/2006" xmlns:a14="http://schemas.microsoft.com/office/drawing/2010/main">
+          <mc:Choice Requires="a14">
+            <p:sp>
+              <p:nvSpPr>
+                <p:cNvPr id="14" name="テキスト ボックス 13">
+                  <a:extLst>
+                    <a:ext uri="{FF2B5EF4-FFF2-40B4-BE49-F238E27FC236}">
+                      <a16:creationId xmlns:a16="http://schemas.microsoft.com/office/drawing/2014/main" id="{F835B63D-F5CD-CDE5-6C2E-A0C830A7CCE9}"/>
+                    </a:ext>
+                  </a:extLst>
+                </p:cNvPr>
+                <p:cNvSpPr txBox="1"/>
+                <p:nvPr/>
+              </p:nvSpPr>
+              <p:spPr>
+                <a:xfrm>
+                  <a:off x="1696795" y="2439374"/>
+                  <a:ext cx="1487532" cy="369332"/>
+                </a:xfrm>
+                <a:prstGeom prst="rect">
+                  <a:avLst/>
+                </a:prstGeom>
+                <a:noFill/>
+              </p:spPr>
+              <p:txBody>
+                <a:bodyPr wrap="square" rtlCol="0">
+                  <a:spAutoFit/>
+                </a:bodyPr>
+                <a:lstStyle/>
+                <a:p>
+                  <a:r>
+                    <a:rPr kumimoji="1" lang="ja-JP" altLang="en-US" dirty="0">
+                      <a:solidFill>
+                        <a:schemeClr val="accent2"/>
+                      </a:solidFill>
+                    </a:rPr>
+                    <a:t>進行</a:t>
+                  </a:r>
+                  <a14:m>
+                    <m:oMath xmlns:m="http://schemas.openxmlformats.org/officeDocument/2006/math">
+                      <m:r>
+                        <a:rPr kumimoji="1" lang="ja-JP" altLang="en-US" i="1" dirty="0">
+                          <a:solidFill>
+                            <a:schemeClr val="accent2"/>
+                          </a:solidFill>
+                          <a:latin typeface="Cambria Math" panose="02040503050406030204" pitchFamily="18" charset="0"/>
+                        </a:rPr>
+                        <m:t>方向</m:t>
+                      </m:r>
+                      <m:sSub>
+                        <m:sSubPr>
+                          <m:ctrlPr>
+                            <a:rPr kumimoji="1" lang="en-US" altLang="ja-JP" i="1" dirty="0" smtClean="0">
+                              <a:solidFill>
+                                <a:schemeClr val="accent2"/>
+                              </a:solidFill>
+                              <a:latin typeface="Cambria Math" panose="02040503050406030204" pitchFamily="18" charset="0"/>
+                            </a:rPr>
+                          </m:ctrlPr>
+                        </m:sSubPr>
+                        <m:e>
+                          <m:r>
+                            <a:rPr kumimoji="1" lang="en-US" altLang="ja-JP" b="0" i="1" dirty="0" smtClean="0">
+                              <a:solidFill>
+                                <a:schemeClr val="accent2"/>
+                              </a:solidFill>
+                              <a:latin typeface="Cambria Math" panose="02040503050406030204" pitchFamily="18" charset="0"/>
+                            </a:rPr>
+                            <m:t>𝑣</m:t>
+                          </m:r>
+                        </m:e>
+                        <m:sub>
+                          <m:r>
+                            <a:rPr kumimoji="1" lang="en-US" altLang="ja-JP" b="0" i="1" dirty="0" smtClean="0">
+                              <a:solidFill>
+                                <a:schemeClr val="accent2"/>
+                              </a:solidFill>
+                              <a:latin typeface="Cambria Math" panose="02040503050406030204" pitchFamily="18" charset="0"/>
+                            </a:rPr>
+                            <m:t>𝑙</m:t>
+                          </m:r>
+                        </m:sub>
+                      </m:sSub>
+                    </m:oMath>
+                  </a14:m>
+                  <a:endParaRPr kumimoji="1" lang="ja-JP" altLang="en-US" dirty="0">
+                    <a:solidFill>
+                      <a:schemeClr val="accent2"/>
+                    </a:solidFill>
+                  </a:endParaRPr>
+                </a:p>
+              </p:txBody>
+            </p:sp>
+          </mc:Choice>
+          <mc:Fallback xmlns="">
+            <p:sp>
+              <p:nvSpPr>
+                <p:cNvPr id="45" name="テキスト ボックス 44">
+                  <a:extLst>
+                    <a:ext uri="{FF2B5EF4-FFF2-40B4-BE49-F238E27FC236}">
+                      <a16:creationId xmlns:a16="http://schemas.microsoft.com/office/drawing/2014/main" id="{F9CC6414-5D51-BDC2-35C0-1E3CE4FA5F99}"/>
+                    </a:ext>
+                  </a:extLst>
+                </p:cNvPr>
+                <p:cNvSpPr txBox="1">
+                  <a:spLocks noRot="1" noChangeAspect="1" noMove="1" noResize="1" noEditPoints="1" noAdjustHandles="1" noChangeArrowheads="1" noChangeShapeType="1" noTextEdit="1"/>
+                </p:cNvSpPr>
+                <p:nvPr/>
+              </p:nvSpPr>
+              <p:spPr>
+                <a:xfrm>
+                  <a:off x="1696795" y="2439374"/>
+                  <a:ext cx="1487532" cy="369332"/>
+                </a:xfrm>
+                <a:prstGeom prst="rect">
+                  <a:avLst/>
+                </a:prstGeom>
+                <a:blipFill>
+                  <a:blip r:embed="rId5"/>
+                  <a:stretch>
+                    <a:fillRect l="-3279" t="-8197" b="-24590"/>
+                  </a:stretch>
+                </a:blipFill>
+              </p:spPr>
+              <p:txBody>
+                <a:bodyPr/>
+                <a:lstStyle/>
+                <a:p>
+                  <a:r>
+                    <a:rPr lang="ja-JP" altLang="en-US">
+                      <a:noFill/>
+                    </a:rPr>
+                    <a:t> </a:t>
+                  </a:r>
+                </a:p>
+              </p:txBody>
+            </p:sp>
+          </mc:Fallback>
+        </mc:AlternateContent>
+        <mc:AlternateContent xmlns:mc="http://schemas.openxmlformats.org/markup-compatibility/2006" xmlns:a14="http://schemas.microsoft.com/office/drawing/2010/main">
+          <mc:Choice Requires="a14">
+            <p:sp>
+              <p:nvSpPr>
+                <p:cNvPr id="15" name="テキスト ボックス 14">
+                  <a:extLst>
+                    <a:ext uri="{FF2B5EF4-FFF2-40B4-BE49-F238E27FC236}">
+                      <a16:creationId xmlns:a16="http://schemas.microsoft.com/office/drawing/2014/main" id="{B0689848-9960-0428-F8B7-34C8F61D7411}"/>
+                    </a:ext>
+                  </a:extLst>
+                </p:cNvPr>
+                <p:cNvSpPr txBox="1"/>
+                <p:nvPr/>
+              </p:nvSpPr>
+              <p:spPr>
+                <a:xfrm>
+                  <a:off x="43811" y="2874744"/>
+                  <a:ext cx="1258773" cy="370614"/>
+                </a:xfrm>
+                <a:prstGeom prst="rect">
+                  <a:avLst/>
+                </a:prstGeom>
+                <a:noFill/>
+              </p:spPr>
+              <p:txBody>
+                <a:bodyPr wrap="square" rtlCol="0">
+                  <a:spAutoFit/>
+                </a:bodyPr>
+                <a:lstStyle/>
+                <a:p>
+                  <a:r>
+                    <a:rPr kumimoji="1" lang="ja-JP" altLang="en-US" dirty="0">
+                      <a:solidFill>
+                        <a:schemeClr val="accent1"/>
+                      </a:solidFill>
+                    </a:rPr>
+                    <a:t>目標点</a:t>
+                  </a:r>
+                  <a14:m>
+                    <m:oMath xmlns:m="http://schemas.openxmlformats.org/officeDocument/2006/math">
+                      <m:r>
+                        <a:rPr kumimoji="1" lang="ja-JP" altLang="en-US" i="1" smtClean="0">
+                          <a:solidFill>
+                            <a:schemeClr val="accent1"/>
+                          </a:solidFill>
+                          <a:latin typeface="Cambria Math" panose="02040503050406030204" pitchFamily="18" charset="0"/>
+                        </a:rPr>
+                        <m:t>𝜀</m:t>
+                      </m:r>
+                    </m:oMath>
+                  </a14:m>
+                  <a:endParaRPr kumimoji="1" lang="ja-JP" altLang="en-US" dirty="0">
+                    <a:solidFill>
+                      <a:schemeClr val="accent1"/>
+                    </a:solidFill>
+                  </a:endParaRPr>
+                </a:p>
+              </p:txBody>
+            </p:sp>
+          </mc:Choice>
+          <mc:Fallback xmlns="">
+            <p:sp>
+              <p:nvSpPr>
+                <p:cNvPr id="46" name="テキスト ボックス 45">
+                  <a:extLst>
+                    <a:ext uri="{FF2B5EF4-FFF2-40B4-BE49-F238E27FC236}">
+                      <a16:creationId xmlns:a16="http://schemas.microsoft.com/office/drawing/2014/main" id="{00D1E3FC-D95B-8502-FF3A-928A7DAB6009}"/>
+                    </a:ext>
+                  </a:extLst>
+                </p:cNvPr>
+                <p:cNvSpPr txBox="1">
+                  <a:spLocks noRot="1" noChangeAspect="1" noMove="1" noResize="1" noEditPoints="1" noAdjustHandles="1" noChangeArrowheads="1" noChangeShapeType="1" noTextEdit="1"/>
+                </p:cNvSpPr>
+                <p:nvPr/>
+              </p:nvSpPr>
+              <p:spPr>
+                <a:xfrm>
+                  <a:off x="43811" y="2874744"/>
+                  <a:ext cx="1258773" cy="370614"/>
+                </a:xfrm>
+                <a:prstGeom prst="rect">
+                  <a:avLst/>
+                </a:prstGeom>
+                <a:blipFill>
+                  <a:blip r:embed="rId6"/>
+                  <a:stretch>
+                    <a:fillRect l="-4369" t="-10000" b="-26667"/>
+                  </a:stretch>
+                </a:blipFill>
+              </p:spPr>
+              <p:txBody>
+                <a:bodyPr/>
+                <a:lstStyle/>
+                <a:p>
+                  <a:r>
+                    <a:rPr lang="ja-JP" altLang="en-US">
+                      <a:noFill/>
+                    </a:rPr>
+                    <a:t> </a:t>
+                  </a:r>
+                </a:p>
+              </p:txBody>
+            </p:sp>
+          </mc:Fallback>
+        </mc:AlternateContent>
+      </p:grpSp>
+      <p:sp>
+        <p:nvSpPr>
+          <p:cNvPr id="25" name="吹き出し: 角を丸めた四角形 24">
+            <a:extLst>
+              <a:ext uri="{FF2B5EF4-FFF2-40B4-BE49-F238E27FC236}">
+                <a16:creationId xmlns:a16="http://schemas.microsoft.com/office/drawing/2014/main" id="{FCB741F9-0C66-5C81-BB47-1CCC11800EB5}"/>
+              </a:ext>
+            </a:extLst>
+          </p:cNvPr>
+          <p:cNvSpPr/>
+          <p:nvPr/>
+        </p:nvSpPr>
+        <p:spPr>
+          <a:xfrm>
+            <a:off x="7338856" y="1684224"/>
+            <a:ext cx="1487533" cy="673608"/>
+          </a:xfrm>
+          <a:prstGeom prst="wedgeRoundRectCallout">
+            <a:avLst>
+              <a:gd name="adj1" fmla="val -21565"/>
+              <a:gd name="adj2" fmla="val 67671"/>
+              <a:gd name="adj3" fmla="val 16667"/>
+            </a:avLst>
+          </a:prstGeom>
+          <a:noFill/>
+          <a:ln w="38100" cap="flat" cmpd="sng" algn="ctr">
+            <a:solidFill>
+              <a:schemeClr val="accent4"/>
+            </a:solidFill>
+            <a:prstDash val="solid"/>
+            <a:round/>
+            <a:headEnd type="none" w="med" len="med"/>
+            <a:tailEnd type="none" w="med" len="med"/>
+          </a:ln>
+        </p:spPr>
+        <p:style>
+          <a:lnRef idx="0">
+            <a:scrgbClr r="0" g="0" b="0"/>
+          </a:lnRef>
+          <a:fillRef idx="0">
+            <a:scrgbClr r="0" g="0" b="0"/>
+          </a:fillRef>
+          <a:effectRef idx="0">
+            <a:scrgbClr r="0" g="0" b="0"/>
+          </a:effectRef>
+          <a:fontRef idx="minor">
+            <a:schemeClr val="accent4"/>
+          </a:fontRef>
+        </p:style>
+        <p:txBody>
+          <a:bodyPr rtlCol="0" anchor="ctr"/>
+          <a:lstStyle/>
+          <a:p>
+            <a:pPr algn="ctr"/>
+            <a:r>
+              <a:rPr kumimoji="1" lang="ja-JP" altLang="en-US" dirty="0"/>
+              <a:t>リーダーの</a:t>
+            </a:r>
+            <a:br>
+              <a:rPr kumimoji="1" lang="en-US" altLang="ja-JP" dirty="0"/>
+            </a:br>
+            <a:r>
+              <a:rPr kumimoji="1" lang="ja-JP" altLang="en-US" dirty="0"/>
+              <a:t>進行方向</a:t>
+            </a:r>
+          </a:p>
+        </p:txBody>
+      </p:sp>
+      <p:sp>
+        <p:nvSpPr>
+          <p:cNvPr id="27" name="吹き出し: 角を丸めた四角形 26">
+            <a:extLst>
+              <a:ext uri="{FF2B5EF4-FFF2-40B4-BE49-F238E27FC236}">
+                <a16:creationId xmlns:a16="http://schemas.microsoft.com/office/drawing/2014/main" id="{7C549628-CA6D-FEE8-4D45-6129D88D2B5F}"/>
+              </a:ext>
+            </a:extLst>
+          </p:cNvPr>
+          <p:cNvSpPr/>
+          <p:nvPr/>
+        </p:nvSpPr>
+        <p:spPr>
+          <a:xfrm>
+            <a:off x="5412457" y="1684224"/>
+            <a:ext cx="1487533" cy="673608"/>
+          </a:xfrm>
+          <a:prstGeom prst="wedgeRoundRectCallout">
+            <a:avLst>
+              <a:gd name="adj1" fmla="val -22589"/>
+              <a:gd name="adj2" fmla="val 70256"/>
+              <a:gd name="adj3" fmla="val 16667"/>
+            </a:avLst>
+          </a:prstGeom>
+          <a:noFill/>
+          <a:ln w="38100" cap="flat" cmpd="sng" algn="ctr">
+            <a:solidFill>
+              <a:schemeClr val="accent6"/>
+            </a:solidFill>
+            <a:prstDash val="solid"/>
+            <a:round/>
+            <a:headEnd type="none" w="med" len="med"/>
+            <a:tailEnd type="none" w="med" len="med"/>
+          </a:ln>
+        </p:spPr>
+        <p:style>
+          <a:lnRef idx="0">
+            <a:scrgbClr r="0" g="0" b="0"/>
+          </a:lnRef>
+          <a:fillRef idx="0">
+            <a:scrgbClr r="0" g="0" b="0"/>
+          </a:fillRef>
+          <a:effectRef idx="0">
+            <a:scrgbClr r="0" g="0" b="0"/>
+          </a:effectRef>
+          <a:fontRef idx="minor">
+            <a:schemeClr val="accent4"/>
+          </a:fontRef>
+        </p:style>
+        <p:txBody>
+          <a:bodyPr rtlCol="0" anchor="ctr"/>
+          <a:lstStyle/>
+          <a:p>
+            <a:pPr algn="ctr"/>
+            <a:r>
+              <a:rPr kumimoji="1" lang="ja-JP" altLang="en-US" dirty="0">
+                <a:solidFill>
+                  <a:schemeClr val="accent6"/>
+                </a:solidFill>
+              </a:rPr>
+              <a:t>機体の</a:t>
+            </a:r>
+            <a:r>
+              <a:rPr kumimoji="1" lang="en-US" altLang="ja-JP" dirty="0">
+                <a:solidFill>
+                  <a:schemeClr val="accent6"/>
+                </a:solidFill>
+              </a:rPr>
+              <a:t>z</a:t>
+            </a:r>
+            <a:r>
+              <a:rPr kumimoji="1" lang="ja-JP" altLang="en-US" dirty="0">
+                <a:solidFill>
+                  <a:schemeClr val="accent6"/>
+                </a:solidFill>
+              </a:rPr>
+              <a:t>軸</a:t>
+            </a:r>
+            <a:br>
+              <a:rPr kumimoji="1" lang="en-US" altLang="ja-JP" dirty="0">
+                <a:solidFill>
+                  <a:schemeClr val="accent6"/>
+                </a:solidFill>
+              </a:rPr>
+            </a:br>
+            <a:r>
+              <a:rPr kumimoji="1" lang="ja-JP" altLang="en-US" dirty="0">
+                <a:solidFill>
+                  <a:schemeClr val="accent6"/>
+                </a:solidFill>
+              </a:rPr>
+              <a:t>基準で回転</a:t>
+            </a:r>
+          </a:p>
+        </p:txBody>
+      </p:sp>
+      <p:sp>
+        <p:nvSpPr>
+          <p:cNvPr id="32" name="吹き出し: 角を丸めた四角形 31">
+            <a:extLst>
+              <a:ext uri="{FF2B5EF4-FFF2-40B4-BE49-F238E27FC236}">
+                <a16:creationId xmlns:a16="http://schemas.microsoft.com/office/drawing/2014/main" id="{40EF3BA9-7743-E249-3E3C-F0C506B004AB}"/>
+              </a:ext>
+            </a:extLst>
+          </p:cNvPr>
+          <p:cNvSpPr/>
+          <p:nvPr/>
+        </p:nvSpPr>
+        <p:spPr>
+          <a:xfrm>
+            <a:off x="3958633" y="1832218"/>
+            <a:ext cx="1224757" cy="515122"/>
+          </a:xfrm>
+          <a:prstGeom prst="wedgeRoundRectCallout">
+            <a:avLst>
+              <a:gd name="adj1" fmla="val 20480"/>
+              <a:gd name="adj2" fmla="val 71549"/>
+              <a:gd name="adj3" fmla="val 16667"/>
+            </a:avLst>
+          </a:prstGeom>
+          <a:noFill/>
+          <a:ln w="38100" cap="flat" cmpd="sng" algn="ctr">
+            <a:solidFill>
+              <a:schemeClr val="accent5"/>
+            </a:solidFill>
+            <a:prstDash val="solid"/>
+            <a:round/>
+            <a:headEnd type="none" w="med" len="med"/>
+            <a:tailEnd type="none" w="med" len="med"/>
+          </a:ln>
+        </p:spPr>
+        <p:style>
+          <a:lnRef idx="0">
+            <a:scrgbClr r="0" g="0" b="0"/>
+          </a:lnRef>
+          <a:fillRef idx="0">
+            <a:scrgbClr r="0" g="0" b="0"/>
+          </a:fillRef>
+          <a:effectRef idx="0">
+            <a:scrgbClr r="0" g="0" b="0"/>
+          </a:effectRef>
+          <a:fontRef idx="minor">
+            <a:schemeClr val="accent4"/>
+          </a:fontRef>
+        </p:style>
+        <p:txBody>
+          <a:bodyPr rtlCol="0" anchor="ctr"/>
+          <a:lstStyle/>
+          <a:p>
+            <a:pPr algn="ctr"/>
+            <a:r>
+              <a:rPr kumimoji="1" lang="ja-JP" altLang="en-US" dirty="0">
+                <a:solidFill>
+                  <a:schemeClr val="accent5"/>
+                </a:solidFill>
+              </a:rPr>
+              <a:t>離隔距離</a:t>
+            </a:r>
+          </a:p>
+        </p:txBody>
+      </p:sp>
+      <p:sp>
+        <p:nvSpPr>
+          <p:cNvPr id="34" name="吹き出し: 角を丸めた四角形 33">
+            <a:extLst>
+              <a:ext uri="{FF2B5EF4-FFF2-40B4-BE49-F238E27FC236}">
+                <a16:creationId xmlns:a16="http://schemas.microsoft.com/office/drawing/2014/main" id="{CB46AEC8-AE93-AB5F-406A-16F0D29ABE57}"/>
+              </a:ext>
+            </a:extLst>
+          </p:cNvPr>
+          <p:cNvSpPr/>
+          <p:nvPr/>
+        </p:nvSpPr>
+        <p:spPr>
+          <a:xfrm>
+            <a:off x="3089886" y="5182092"/>
+            <a:ext cx="2467501" cy="420850"/>
+          </a:xfrm>
+          <a:prstGeom prst="wedgeRoundRectCallout">
+            <a:avLst>
+              <a:gd name="adj1" fmla="val -21177"/>
+              <a:gd name="adj2" fmla="val -91148"/>
+              <a:gd name="adj3" fmla="val 16667"/>
+            </a:avLst>
+          </a:prstGeom>
+          <a:noFill/>
+          <a:ln w="38100" cap="flat" cmpd="sng" algn="ctr">
+            <a:solidFill>
+              <a:schemeClr val="accent2"/>
+            </a:solidFill>
+            <a:prstDash val="solid"/>
+            <a:round/>
+            <a:headEnd type="none" w="med" len="med"/>
+            <a:tailEnd type="none" w="med" len="med"/>
+          </a:ln>
+        </p:spPr>
+        <p:style>
+          <a:lnRef idx="0">
+            <a:scrgbClr r="0" g="0" b="0"/>
+          </a:lnRef>
+          <a:fillRef idx="0">
+            <a:scrgbClr r="0" g="0" b="0"/>
+          </a:fillRef>
+          <a:effectRef idx="0">
+            <a:scrgbClr r="0" g="0" b="0"/>
+          </a:effectRef>
+          <a:fontRef idx="minor">
+            <a:schemeClr val="accent4"/>
+          </a:fontRef>
+        </p:style>
+        <p:txBody>
+          <a:bodyPr rtlCol="0" anchor="ctr"/>
+          <a:lstStyle/>
+          <a:p>
+            <a:pPr algn="ctr"/>
+            <a:r>
+              <a:rPr kumimoji="1" lang="ja-JP" altLang="en-US" dirty="0">
+                <a:solidFill>
+                  <a:schemeClr val="accent2"/>
+                </a:solidFill>
+              </a:rPr>
+              <a:t>機体の</a:t>
+            </a:r>
+            <a:r>
+              <a:rPr kumimoji="1" lang="en-US" altLang="ja-JP" dirty="0">
+                <a:solidFill>
+                  <a:schemeClr val="accent2"/>
+                </a:solidFill>
+              </a:rPr>
+              <a:t>x</a:t>
+            </a:r>
+            <a:r>
+              <a:rPr kumimoji="1" lang="ja-JP" altLang="en-US" dirty="0">
+                <a:solidFill>
+                  <a:schemeClr val="accent2"/>
+                </a:solidFill>
+              </a:rPr>
+              <a:t>軸基準で回転</a:t>
+            </a:r>
+          </a:p>
+        </p:txBody>
+      </p:sp>
+      <p:grpSp>
+        <p:nvGrpSpPr>
+          <p:cNvPr id="38" name="グループ化 37">
+            <a:extLst>
+              <a:ext uri="{FF2B5EF4-FFF2-40B4-BE49-F238E27FC236}">
+                <a16:creationId xmlns:a16="http://schemas.microsoft.com/office/drawing/2014/main" id="{F0193C11-7D44-A456-325B-1CC3663F4C58}"/>
+              </a:ext>
+            </a:extLst>
+          </p:cNvPr>
+          <p:cNvGrpSpPr/>
+          <p:nvPr/>
+        </p:nvGrpSpPr>
+        <p:grpSpPr>
+          <a:xfrm>
+            <a:off x="994821" y="4316012"/>
+            <a:ext cx="7258877" cy="666439"/>
+            <a:chOff x="994821" y="4316012"/>
+            <a:chExt cx="7258877" cy="666439"/>
+          </a:xfrm>
+        </p:grpSpPr>
+        <p:pic>
+          <p:nvPicPr>
+            <p:cNvPr id="23" name="グラフィックス 22">
+              <a:extLst>
+                <a:ext uri="{FF2B5EF4-FFF2-40B4-BE49-F238E27FC236}">
+                  <a16:creationId xmlns:a16="http://schemas.microsoft.com/office/drawing/2014/main" id="{50EC9FCB-3456-1BDB-05D6-B216F820895D}"/>
+                </a:ext>
+              </a:extLst>
+            </p:cNvPr>
+            <p:cNvPicPr>
+              <a:picLocks noChangeAspect="1"/>
+            </p:cNvPicPr>
+            <p:nvPr/>
+          </p:nvPicPr>
+          <p:blipFill>
+            <a:blip r:embed="rId7">
+              <a:extLst>
+                <a:ext uri="{96DAC541-7B7A-43D3-8B79-37D633B846F1}">
+                  <asvg:svgBlip xmlns:asvg="http://schemas.microsoft.com/office/drawing/2016/SVG/main" r:embed="rId8"/>
+                </a:ext>
+              </a:extLst>
+            </a:blip>
+            <a:stretch>
+              <a:fillRect/>
+            </a:stretch>
+          </p:blipFill>
+          <p:spPr>
+            <a:xfrm>
+              <a:off x="994821" y="4437754"/>
+              <a:ext cx="7258877" cy="469479"/>
+            </a:xfrm>
+            <a:prstGeom prst="rect">
+              <a:avLst/>
+            </a:prstGeom>
+          </p:spPr>
+        </p:pic>
+        <p:sp>
+          <p:nvSpPr>
+            <p:cNvPr id="33" name="四角形: 角を丸くする 32">
+              <a:extLst>
+                <a:ext uri="{FF2B5EF4-FFF2-40B4-BE49-F238E27FC236}">
+                  <a16:creationId xmlns:a16="http://schemas.microsoft.com/office/drawing/2014/main" id="{93046003-2357-50C2-E827-B344F93D86FF}"/>
+                </a:ext>
+              </a:extLst>
+            </p:cNvPr>
+            <p:cNvSpPr/>
+            <p:nvPr/>
+          </p:nvSpPr>
+          <p:spPr>
+            <a:xfrm>
+              <a:off x="2603842" y="4334686"/>
+              <a:ext cx="2315626" cy="647765"/>
+            </a:xfrm>
+            <a:prstGeom prst="roundRect">
+              <a:avLst/>
+            </a:prstGeom>
+            <a:noFill/>
+            <a:ln w="38100" cap="flat" cmpd="sng" algn="ctr">
+              <a:solidFill>
+                <a:schemeClr val="accent2"/>
+              </a:solidFill>
+              <a:prstDash val="solid"/>
+              <a:round/>
+              <a:headEnd type="none" w="med" len="med"/>
+              <a:tailEnd type="none" w="med" len="med"/>
+            </a:ln>
+          </p:spPr>
+          <p:style>
+            <a:lnRef idx="0">
+              <a:scrgbClr r="0" g="0" b="0"/>
+            </a:lnRef>
+            <a:fillRef idx="0">
+              <a:scrgbClr r="0" g="0" b="0"/>
+            </a:fillRef>
+            <a:effectRef idx="0">
+              <a:scrgbClr r="0" g="0" b="0"/>
+            </a:effectRef>
+            <a:fontRef idx="minor">
+              <a:schemeClr val="accent4"/>
+            </a:fontRef>
+          </p:style>
+          <p:txBody>
+            <a:bodyPr rtlCol="0" anchor="ctr"/>
+            <a:lstStyle/>
+            <a:p>
+              <a:pPr algn="ctr"/>
+              <a:endParaRPr kumimoji="1" lang="ja-JP" altLang="en-US"/>
+            </a:p>
+          </p:txBody>
+        </p:sp>
+        <p:sp>
+          <p:nvSpPr>
+            <p:cNvPr id="35" name="四角形: 角を丸くする 34">
+              <a:extLst>
+                <a:ext uri="{FF2B5EF4-FFF2-40B4-BE49-F238E27FC236}">
+                  <a16:creationId xmlns:a16="http://schemas.microsoft.com/office/drawing/2014/main" id="{4F18D690-7581-E3C6-2B08-7CEFFB88B6CB}"/>
+                </a:ext>
+              </a:extLst>
+            </p:cNvPr>
+            <p:cNvSpPr/>
+            <p:nvPr/>
+          </p:nvSpPr>
+          <p:spPr>
+            <a:xfrm>
+              <a:off x="2108944" y="4338510"/>
+              <a:ext cx="494898" cy="638341"/>
+            </a:xfrm>
+            <a:prstGeom prst="roundRect">
+              <a:avLst/>
+            </a:prstGeom>
+            <a:noFill/>
+            <a:ln w="38100" cap="flat" cmpd="sng" algn="ctr">
+              <a:solidFill>
+                <a:schemeClr val="accent5"/>
+              </a:solidFill>
+              <a:prstDash val="solid"/>
+              <a:round/>
+              <a:headEnd type="none" w="med" len="med"/>
+              <a:tailEnd type="none" w="med" len="med"/>
+            </a:ln>
+          </p:spPr>
+          <p:style>
+            <a:lnRef idx="0">
+              <a:scrgbClr r="0" g="0" b="0"/>
+            </a:lnRef>
+            <a:fillRef idx="0">
+              <a:scrgbClr r="0" g="0" b="0"/>
+            </a:fillRef>
+            <a:effectRef idx="0">
+              <a:scrgbClr r="0" g="0" b="0"/>
+            </a:effectRef>
+            <a:fontRef idx="minor">
+              <a:schemeClr val="accent4"/>
+            </a:fontRef>
+          </p:style>
+          <p:txBody>
+            <a:bodyPr rtlCol="0" anchor="ctr"/>
+            <a:lstStyle/>
+            <a:p>
+              <a:pPr algn="ctr"/>
+              <a:endParaRPr kumimoji="1" lang="ja-JP" altLang="en-US"/>
+            </a:p>
+          </p:txBody>
+        </p:sp>
+        <p:sp>
+          <p:nvSpPr>
+            <p:cNvPr id="36" name="四角形: 角を丸くする 35">
+              <a:extLst>
+                <a:ext uri="{FF2B5EF4-FFF2-40B4-BE49-F238E27FC236}">
+                  <a16:creationId xmlns:a16="http://schemas.microsoft.com/office/drawing/2014/main" id="{BA494A11-7E87-ED88-EDA2-BFB0F4328F12}"/>
+                </a:ext>
+              </a:extLst>
+            </p:cNvPr>
+            <p:cNvSpPr/>
+            <p:nvPr/>
+          </p:nvSpPr>
+          <p:spPr>
+            <a:xfrm>
+              <a:off x="7221001" y="4316012"/>
+              <a:ext cx="928178" cy="647765"/>
+            </a:xfrm>
+            <a:prstGeom prst="roundRect">
+              <a:avLst/>
+            </a:prstGeom>
+            <a:noFill/>
+            <a:ln w="38100" cap="flat" cmpd="sng" algn="ctr">
+              <a:solidFill>
+                <a:schemeClr val="accent4"/>
+              </a:solidFill>
+              <a:prstDash val="solid"/>
+              <a:round/>
+              <a:headEnd type="none" w="med" len="med"/>
+              <a:tailEnd type="none" w="med" len="med"/>
+            </a:ln>
+          </p:spPr>
+          <p:style>
+            <a:lnRef idx="0">
+              <a:scrgbClr r="0" g="0" b="0"/>
+            </a:lnRef>
+            <a:fillRef idx="0">
+              <a:scrgbClr r="0" g="0" b="0"/>
+            </a:fillRef>
+            <a:effectRef idx="0">
+              <a:scrgbClr r="0" g="0" b="0"/>
+            </a:effectRef>
+            <a:fontRef idx="minor">
+              <a:schemeClr val="accent4"/>
+            </a:fontRef>
+          </p:style>
+          <p:txBody>
+            <a:bodyPr rtlCol="0" anchor="ctr"/>
+            <a:lstStyle/>
+            <a:p>
+              <a:pPr algn="ctr"/>
+              <a:endParaRPr kumimoji="1" lang="ja-JP" altLang="en-US"/>
+            </a:p>
+          </p:txBody>
+        </p:sp>
+        <p:sp>
+          <p:nvSpPr>
+            <p:cNvPr id="37" name="四角形: 角を丸くする 36">
+              <a:extLst>
+                <a:ext uri="{FF2B5EF4-FFF2-40B4-BE49-F238E27FC236}">
+                  <a16:creationId xmlns:a16="http://schemas.microsoft.com/office/drawing/2014/main" id="{E8410EA4-ACAC-78BE-5D9B-7F72FE85830F}"/>
+                </a:ext>
+              </a:extLst>
+            </p:cNvPr>
+            <p:cNvSpPr/>
+            <p:nvPr/>
+          </p:nvSpPr>
+          <p:spPr>
+            <a:xfrm>
+              <a:off x="4905375" y="4329088"/>
+              <a:ext cx="2315626" cy="647765"/>
+            </a:xfrm>
+            <a:prstGeom prst="roundRect">
+              <a:avLst/>
+            </a:prstGeom>
+            <a:noFill/>
+            <a:ln w="38100" cap="flat" cmpd="sng" algn="ctr">
+              <a:solidFill>
+                <a:schemeClr val="accent6"/>
+              </a:solidFill>
+              <a:prstDash val="solid"/>
+              <a:round/>
+              <a:headEnd type="none" w="med" len="med"/>
+              <a:tailEnd type="none" w="med" len="med"/>
+            </a:ln>
+          </p:spPr>
+          <p:style>
+            <a:lnRef idx="0">
+              <a:scrgbClr r="0" g="0" b="0"/>
+            </a:lnRef>
+            <a:fillRef idx="0">
+              <a:scrgbClr r="0" g="0" b="0"/>
+            </a:fillRef>
+            <a:effectRef idx="0">
+              <a:scrgbClr r="0" g="0" b="0"/>
+            </a:effectRef>
+            <a:fontRef idx="minor">
+              <a:schemeClr val="accent4"/>
+            </a:fontRef>
+          </p:style>
+          <p:txBody>
+            <a:bodyPr rtlCol="0" anchor="ctr"/>
+            <a:lstStyle/>
+            <a:p>
+              <a:pPr algn="ctr"/>
+              <a:endParaRPr kumimoji="1" lang="ja-JP" altLang="en-US"/>
+            </a:p>
+          </p:txBody>
+        </p:sp>
+      </p:grpSp>
+      <p:sp>
+        <p:nvSpPr>
+          <p:cNvPr id="39" name="四角形: 角を丸くする 38">
+            <a:extLst>
+              <a:ext uri="{FF2B5EF4-FFF2-40B4-BE49-F238E27FC236}">
+                <a16:creationId xmlns:a16="http://schemas.microsoft.com/office/drawing/2014/main" id="{9447960D-C4E0-58F1-B503-EE6B72F88EC1}"/>
+              </a:ext>
+            </a:extLst>
+          </p:cNvPr>
+          <p:cNvSpPr/>
+          <p:nvPr/>
+        </p:nvSpPr>
+        <p:spPr>
+          <a:xfrm>
+            <a:off x="4274843" y="3256703"/>
+            <a:ext cx="494898" cy="638341"/>
+          </a:xfrm>
+          <a:prstGeom prst="roundRect">
+            <a:avLst/>
+          </a:prstGeom>
+          <a:noFill/>
+          <a:ln w="38100" cap="flat" cmpd="sng" algn="ctr">
+            <a:solidFill>
+              <a:schemeClr val="accent5"/>
+            </a:solidFill>
+            <a:prstDash val="solid"/>
+            <a:round/>
+            <a:headEnd type="none" w="med" len="med"/>
+            <a:tailEnd type="none" w="med" len="med"/>
+          </a:ln>
+        </p:spPr>
+        <p:style>
+          <a:lnRef idx="0">
+            <a:scrgbClr r="0" g="0" b="0"/>
+          </a:lnRef>
+          <a:fillRef idx="0">
+            <a:scrgbClr r="0" g="0" b="0"/>
+          </a:fillRef>
+          <a:effectRef idx="0">
+            <a:scrgbClr r="0" g="0" b="0"/>
+          </a:effectRef>
+          <a:fontRef idx="minor">
+            <a:schemeClr val="accent4"/>
+          </a:fontRef>
+        </p:style>
+        <p:txBody>
+          <a:bodyPr rtlCol="0" anchor="ctr"/>
+          <a:lstStyle/>
+          <a:p>
+            <a:pPr algn="ctr"/>
+            <a:endParaRPr kumimoji="1" lang="ja-JP" altLang="en-US"/>
+          </a:p>
+        </p:txBody>
+      </p:sp>
+      <p:grpSp>
+        <p:nvGrpSpPr>
+          <p:cNvPr id="66" name="グループ化 65">
+            <a:extLst>
+              <a:ext uri="{FF2B5EF4-FFF2-40B4-BE49-F238E27FC236}">
+                <a16:creationId xmlns:a16="http://schemas.microsoft.com/office/drawing/2014/main" id="{83763416-9CDC-9C6D-A515-0F75908B2125}"/>
+              </a:ext>
+            </a:extLst>
+          </p:cNvPr>
+          <p:cNvGrpSpPr/>
+          <p:nvPr/>
+        </p:nvGrpSpPr>
+        <p:grpSpPr>
+          <a:xfrm>
+            <a:off x="3065636" y="3248289"/>
+            <a:ext cx="5308057" cy="654297"/>
+            <a:chOff x="3065636" y="3248289"/>
+            <a:chExt cx="5308057" cy="654297"/>
+          </a:xfrm>
+        </p:grpSpPr>
+        <p:sp>
+          <p:nvSpPr>
+            <p:cNvPr id="40" name="四角形: 角を丸くする 39">
+              <a:extLst>
+                <a:ext uri="{FF2B5EF4-FFF2-40B4-BE49-F238E27FC236}">
+                  <a16:creationId xmlns:a16="http://schemas.microsoft.com/office/drawing/2014/main" id="{424904FE-7510-8BB3-DD33-4D2D4D5574E2}"/>
+                </a:ext>
+              </a:extLst>
+            </p:cNvPr>
+            <p:cNvSpPr/>
+            <p:nvPr/>
+          </p:nvSpPr>
+          <p:spPr>
+            <a:xfrm>
+              <a:off x="4769741" y="3254821"/>
+              <a:ext cx="2526447" cy="647765"/>
+            </a:xfrm>
+            <a:prstGeom prst="roundRect">
+              <a:avLst/>
+            </a:prstGeom>
+            <a:noFill/>
+            <a:ln w="38100" cap="flat" cmpd="sng" algn="ctr">
+              <a:solidFill>
+                <a:schemeClr val="accent6"/>
+              </a:solidFill>
+              <a:prstDash val="solid"/>
+              <a:round/>
+              <a:headEnd type="none" w="med" len="med"/>
+              <a:tailEnd type="none" w="med" len="med"/>
+            </a:ln>
+          </p:spPr>
+          <p:style>
+            <a:lnRef idx="0">
+              <a:scrgbClr r="0" g="0" b="0"/>
+            </a:lnRef>
+            <a:fillRef idx="0">
+              <a:scrgbClr r="0" g="0" b="0"/>
+            </a:fillRef>
+            <a:effectRef idx="0">
+              <a:scrgbClr r="0" g="0" b="0"/>
+            </a:effectRef>
+            <a:fontRef idx="minor">
+              <a:schemeClr val="accent4"/>
+            </a:fontRef>
+          </p:style>
+          <p:txBody>
+            <a:bodyPr rtlCol="0" anchor="ctr"/>
+            <a:lstStyle/>
+            <a:p>
+              <a:pPr algn="ctr"/>
+              <a:endParaRPr kumimoji="1" lang="ja-JP" altLang="en-US"/>
+            </a:p>
+          </p:txBody>
+        </p:sp>
+        <p:sp>
+          <p:nvSpPr>
+            <p:cNvPr id="41" name="四角形: 角を丸くする 40">
+              <a:extLst>
+                <a:ext uri="{FF2B5EF4-FFF2-40B4-BE49-F238E27FC236}">
+                  <a16:creationId xmlns:a16="http://schemas.microsoft.com/office/drawing/2014/main" id="{2E48CF1C-37C6-D8D3-D563-490BAA62E87B}"/>
+                </a:ext>
+              </a:extLst>
+            </p:cNvPr>
+            <p:cNvSpPr/>
+            <p:nvPr/>
+          </p:nvSpPr>
+          <p:spPr>
+            <a:xfrm>
+              <a:off x="7296188" y="3248289"/>
+              <a:ext cx="1020121" cy="647765"/>
+            </a:xfrm>
+            <a:prstGeom prst="roundRect">
+              <a:avLst/>
+            </a:prstGeom>
+            <a:noFill/>
+            <a:ln w="38100" cap="flat" cmpd="sng" algn="ctr">
+              <a:solidFill>
+                <a:schemeClr val="accent4"/>
+              </a:solidFill>
+              <a:prstDash val="solid"/>
+              <a:round/>
+              <a:headEnd type="none" w="med" len="med"/>
+              <a:tailEnd type="none" w="med" len="med"/>
+            </a:ln>
+          </p:spPr>
+          <p:style>
+            <a:lnRef idx="0">
+              <a:scrgbClr r="0" g="0" b="0"/>
+            </a:lnRef>
+            <a:fillRef idx="0">
+              <a:scrgbClr r="0" g="0" b="0"/>
+            </a:fillRef>
+            <a:effectRef idx="0">
+              <a:scrgbClr r="0" g="0" b="0"/>
+            </a:effectRef>
+            <a:fontRef idx="minor">
+              <a:schemeClr val="accent4"/>
+            </a:fontRef>
+          </p:style>
+          <p:txBody>
+            <a:bodyPr rtlCol="0" anchor="ctr"/>
+            <a:lstStyle/>
+            <a:p>
+              <a:pPr algn="ctr"/>
+              <a:endParaRPr kumimoji="1" lang="ja-JP" altLang="en-US"/>
+            </a:p>
+          </p:txBody>
+        </p:sp>
+        <p:pic>
+          <p:nvPicPr>
+            <p:cNvPr id="65" name="グラフィックス 64">
+              <a:extLst>
+                <a:ext uri="{FF2B5EF4-FFF2-40B4-BE49-F238E27FC236}">
+                  <a16:creationId xmlns:a16="http://schemas.microsoft.com/office/drawing/2014/main" id="{D6C84980-F0D3-0945-BD80-553FDFB77902}"/>
+                </a:ext>
+              </a:extLst>
+            </p:cNvPr>
+            <p:cNvPicPr>
+              <a:picLocks noChangeAspect="1"/>
+            </p:cNvPicPr>
+            <p:nvPr/>
+          </p:nvPicPr>
+          <p:blipFill>
+            <a:blip r:embed="rId9">
+              <a:extLst>
+                <a:ext uri="{96DAC541-7B7A-43D3-8B79-37D633B846F1}">
+                  <asvg:svgBlip xmlns:asvg="http://schemas.microsoft.com/office/drawing/2016/SVG/main" r:embed="rId10"/>
+                </a:ext>
+              </a:extLst>
+            </a:blip>
+            <a:stretch>
+              <a:fillRect/>
+            </a:stretch>
+          </p:blipFill>
+          <p:spPr>
+            <a:xfrm>
+              <a:off x="3065636" y="3327241"/>
+              <a:ext cx="5308057" cy="511146"/>
+            </a:xfrm>
+            <a:prstGeom prst="rect">
+              <a:avLst/>
+            </a:prstGeom>
+          </p:spPr>
+        </p:pic>
+      </p:grpSp>
     </p:spTree>
     <p:extLst>
       <p:ext uri="{BB962C8B-B14F-4D97-AF65-F5344CB8AC3E}">
-        <p14:creationId xmlns:p14="http://schemas.microsoft.com/office/powerpoint/2010/main" val="4196265059"/>
+        <p14:creationId xmlns:p14="http://schemas.microsoft.com/office/powerpoint/2010/main" val="1836347554"/>
       </p:ext>
     </p:extLst>
   </p:cSld>
@@ -5428,7 +7168,7 @@
           <p:cNvPr id="2" name="タイトル 1">
             <a:extLst>
               <a:ext uri="{FF2B5EF4-FFF2-40B4-BE49-F238E27FC236}">
-                <a16:creationId xmlns:a16="http://schemas.microsoft.com/office/drawing/2014/main" id="{DCE94847-9F9B-6193-17BC-2F7AE31F8E37}"/>
+                <a16:creationId xmlns:a16="http://schemas.microsoft.com/office/drawing/2014/main" id="{1AEF5D16-5FCC-B2A4-F67B-510A3A1BBCE9}"/>
               </a:ext>
             </a:extLst>
           </p:cNvPr>
@@ -5444,7 +7184,7 @@
           <a:bodyPr/>
           <a:lstStyle/>
           <a:p>
-            <a:endParaRPr kumimoji="1" lang="ja-JP" altLang="en-US"/>
+            <a:endParaRPr kumimoji="1" lang="ja-JP" altLang="en-US" dirty="0"/>
           </a:p>
         </p:txBody>
       </p:sp>
@@ -5453,7 +7193,7 @@
           <p:cNvPr id="3" name="コンテンツ プレースホルダー 2">
             <a:extLst>
               <a:ext uri="{FF2B5EF4-FFF2-40B4-BE49-F238E27FC236}">
-                <a16:creationId xmlns:a16="http://schemas.microsoft.com/office/drawing/2014/main" id="{9E1A1E01-A3A5-94AB-8DFE-9E5367FE5E69}"/>
+                <a16:creationId xmlns:a16="http://schemas.microsoft.com/office/drawing/2014/main" id="{54854C22-392E-2B26-714C-9F55D2C0D94F}"/>
               </a:ext>
             </a:extLst>
           </p:cNvPr>
@@ -5469,7 +7209,7 @@
           <a:bodyPr/>
           <a:lstStyle/>
           <a:p>
-            <a:endParaRPr kumimoji="1" lang="ja-JP" altLang="en-US"/>
+            <a:endParaRPr kumimoji="1" lang="ja-JP" altLang="en-US" dirty="0"/>
           </a:p>
         </p:txBody>
       </p:sp>
@@ -5478,7 +7218,7 @@
           <p:cNvPr id="4" name="スライド番号プレースホルダー 3">
             <a:extLst>
               <a:ext uri="{FF2B5EF4-FFF2-40B4-BE49-F238E27FC236}">
-                <a16:creationId xmlns:a16="http://schemas.microsoft.com/office/drawing/2014/main" id="{277B23C4-05B3-54A3-480E-1C5B9643FEA6}"/>
+                <a16:creationId xmlns:a16="http://schemas.microsoft.com/office/drawing/2014/main" id="{0CA60427-E916-EDE6-D32A-7C344F27AEE6}"/>
               </a:ext>
             </a:extLst>
           </p:cNvPr>
@@ -5503,10 +7243,710 @@
           </a:p>
         </p:txBody>
       </p:sp>
+      <p:sp>
+        <p:nvSpPr>
+          <p:cNvPr id="5" name="テキスト プレースホルダー 4">
+            <a:extLst>
+              <a:ext uri="{FF2B5EF4-FFF2-40B4-BE49-F238E27FC236}">
+                <a16:creationId xmlns:a16="http://schemas.microsoft.com/office/drawing/2014/main" id="{AD375B24-F18B-DD73-CB77-0A05C59A634D}"/>
+              </a:ext>
+            </a:extLst>
+          </p:cNvPr>
+          <p:cNvSpPr>
+            <a:spLocks noGrp="1"/>
+          </p:cNvSpPr>
+          <p:nvPr>
+            <p:ph type="body" sz="quarter" idx="13"/>
+          </p:nvPr>
+        </p:nvSpPr>
+        <p:spPr/>
+        <p:txBody>
+          <a:bodyPr/>
+          <a:lstStyle/>
+          <a:p>
+            <a:endParaRPr kumimoji="1" lang="ja-JP" altLang="en-US"/>
+          </a:p>
+        </p:txBody>
+      </p:sp>
     </p:spTree>
     <p:extLst>
       <p:ext uri="{BB962C8B-B14F-4D97-AF65-F5344CB8AC3E}">
-        <p14:creationId xmlns:p14="http://schemas.microsoft.com/office/powerpoint/2010/main" val="1522291413"/>
+        <p14:creationId xmlns:p14="http://schemas.microsoft.com/office/powerpoint/2010/main" val="1896281272"/>
+      </p:ext>
+    </p:extLst>
+  </p:cSld>
+  <p:clrMapOvr>
+    <a:masterClrMapping/>
+  </p:clrMapOvr>
+</p:sld>
+</file>
+
+<file path=ppt/slides/slide14.xml><?xml version="1.0" encoding="utf-8"?>
+<p:sld xmlns:a="http://schemas.openxmlformats.org/drawingml/2006/main" xmlns:r="http://schemas.openxmlformats.org/officeDocument/2006/relationships" xmlns:p="http://schemas.openxmlformats.org/presentationml/2006/main">
+  <p:cSld>
+    <p:spTree>
+      <p:nvGrpSpPr>
+        <p:cNvPr id="1" name=""/>
+        <p:cNvGrpSpPr/>
+        <p:nvPr/>
+      </p:nvGrpSpPr>
+      <p:grpSpPr>
+        <a:xfrm>
+          <a:off x="0" y="0"/>
+          <a:ext cx="0" cy="0"/>
+          <a:chOff x="0" y="0"/>
+          <a:chExt cx="0" cy="0"/>
+        </a:xfrm>
+      </p:grpSpPr>
+      <p:sp>
+        <p:nvSpPr>
+          <p:cNvPr id="2" name="タイトル 1">
+            <a:extLst>
+              <a:ext uri="{FF2B5EF4-FFF2-40B4-BE49-F238E27FC236}">
+                <a16:creationId xmlns:a16="http://schemas.microsoft.com/office/drawing/2014/main" id="{1AEF5D16-5FCC-B2A4-F67B-510A3A1BBCE9}"/>
+              </a:ext>
+            </a:extLst>
+          </p:cNvPr>
+          <p:cNvSpPr>
+            <a:spLocks noGrp="1"/>
+          </p:cNvSpPr>
+          <p:nvPr>
+            <p:ph type="title"/>
+          </p:nvPr>
+        </p:nvSpPr>
+        <p:spPr/>
+        <p:txBody>
+          <a:bodyPr/>
+          <a:lstStyle/>
+          <a:p>
+            <a:endParaRPr kumimoji="1" lang="ja-JP" altLang="en-US"/>
+          </a:p>
+        </p:txBody>
+      </p:sp>
+      <p:sp>
+        <p:nvSpPr>
+          <p:cNvPr id="3" name="コンテンツ プレースホルダー 2">
+            <a:extLst>
+              <a:ext uri="{FF2B5EF4-FFF2-40B4-BE49-F238E27FC236}">
+                <a16:creationId xmlns:a16="http://schemas.microsoft.com/office/drawing/2014/main" id="{54854C22-392E-2B26-714C-9F55D2C0D94F}"/>
+              </a:ext>
+            </a:extLst>
+          </p:cNvPr>
+          <p:cNvSpPr>
+            <a:spLocks noGrp="1"/>
+          </p:cNvSpPr>
+          <p:nvPr>
+            <p:ph idx="1"/>
+          </p:nvPr>
+        </p:nvSpPr>
+        <p:spPr/>
+        <p:txBody>
+          <a:bodyPr/>
+          <a:lstStyle/>
+          <a:p>
+            <a:endParaRPr kumimoji="1" lang="ja-JP" altLang="en-US"/>
+          </a:p>
+        </p:txBody>
+      </p:sp>
+      <p:sp>
+        <p:nvSpPr>
+          <p:cNvPr id="4" name="スライド番号プレースホルダー 3">
+            <a:extLst>
+              <a:ext uri="{FF2B5EF4-FFF2-40B4-BE49-F238E27FC236}">
+                <a16:creationId xmlns:a16="http://schemas.microsoft.com/office/drawing/2014/main" id="{0CA60427-E916-EDE6-D32A-7C344F27AEE6}"/>
+              </a:ext>
+            </a:extLst>
+          </p:cNvPr>
+          <p:cNvSpPr>
+            <a:spLocks noGrp="1"/>
+          </p:cNvSpPr>
+          <p:nvPr>
+            <p:ph type="sldNum" sz="quarter" idx="12"/>
+          </p:nvPr>
+        </p:nvSpPr>
+        <p:spPr/>
+        <p:txBody>
+          <a:bodyPr/>
+          <a:lstStyle/>
+          <a:p>
+            <a:fld id="{55407BB7-92F5-4977-AA44-396FA1CF315E}" type="slidenum">
+              <a:rPr kumimoji="1" lang="ja-JP" altLang="en-US" smtClean="0"/>
+              <a:pPr/>
+              <a:t>13</a:t>
+            </a:fld>
+            <a:endParaRPr kumimoji="1" lang="ja-JP" altLang="en-US" dirty="0"/>
+          </a:p>
+        </p:txBody>
+      </p:sp>
+      <p:sp>
+        <p:nvSpPr>
+          <p:cNvPr id="5" name="テキスト プレースホルダー 4">
+            <a:extLst>
+              <a:ext uri="{FF2B5EF4-FFF2-40B4-BE49-F238E27FC236}">
+                <a16:creationId xmlns:a16="http://schemas.microsoft.com/office/drawing/2014/main" id="{AD375B24-F18B-DD73-CB77-0A05C59A634D}"/>
+              </a:ext>
+            </a:extLst>
+          </p:cNvPr>
+          <p:cNvSpPr>
+            <a:spLocks noGrp="1"/>
+          </p:cNvSpPr>
+          <p:nvPr>
+            <p:ph type="body" sz="quarter" idx="13"/>
+          </p:nvPr>
+        </p:nvSpPr>
+        <p:spPr/>
+        <p:txBody>
+          <a:bodyPr/>
+          <a:lstStyle/>
+          <a:p>
+            <a:endParaRPr kumimoji="1" lang="ja-JP" altLang="en-US"/>
+          </a:p>
+        </p:txBody>
+      </p:sp>
+    </p:spTree>
+    <p:extLst>
+      <p:ext uri="{BB962C8B-B14F-4D97-AF65-F5344CB8AC3E}">
+        <p14:creationId xmlns:p14="http://schemas.microsoft.com/office/powerpoint/2010/main" val="524518224"/>
+      </p:ext>
+    </p:extLst>
+  </p:cSld>
+  <p:clrMapOvr>
+    <a:masterClrMapping/>
+  </p:clrMapOvr>
+</p:sld>
+</file>
+
+<file path=ppt/slides/slide15.xml><?xml version="1.0" encoding="utf-8"?>
+<p:sld xmlns:a="http://schemas.openxmlformats.org/drawingml/2006/main" xmlns:r="http://schemas.openxmlformats.org/officeDocument/2006/relationships" xmlns:p="http://schemas.openxmlformats.org/presentationml/2006/main">
+  <p:cSld>
+    <p:spTree>
+      <p:nvGrpSpPr>
+        <p:cNvPr id="1" name=""/>
+        <p:cNvGrpSpPr/>
+        <p:nvPr/>
+      </p:nvGrpSpPr>
+      <p:grpSpPr>
+        <a:xfrm>
+          <a:off x="0" y="0"/>
+          <a:ext cx="0" cy="0"/>
+          <a:chOff x="0" y="0"/>
+          <a:chExt cx="0" cy="0"/>
+        </a:xfrm>
+      </p:grpSpPr>
+      <p:sp>
+        <p:nvSpPr>
+          <p:cNvPr id="2" name="タイトル 1">
+            <a:extLst>
+              <a:ext uri="{FF2B5EF4-FFF2-40B4-BE49-F238E27FC236}">
+                <a16:creationId xmlns:a16="http://schemas.microsoft.com/office/drawing/2014/main" id="{1AEF5D16-5FCC-B2A4-F67B-510A3A1BBCE9}"/>
+              </a:ext>
+            </a:extLst>
+          </p:cNvPr>
+          <p:cNvSpPr>
+            <a:spLocks noGrp="1"/>
+          </p:cNvSpPr>
+          <p:nvPr>
+            <p:ph type="title"/>
+          </p:nvPr>
+        </p:nvSpPr>
+        <p:spPr/>
+        <p:txBody>
+          <a:bodyPr/>
+          <a:lstStyle/>
+          <a:p>
+            <a:endParaRPr kumimoji="1" lang="ja-JP" altLang="en-US"/>
+          </a:p>
+        </p:txBody>
+      </p:sp>
+      <p:sp>
+        <p:nvSpPr>
+          <p:cNvPr id="3" name="コンテンツ プレースホルダー 2">
+            <a:extLst>
+              <a:ext uri="{FF2B5EF4-FFF2-40B4-BE49-F238E27FC236}">
+                <a16:creationId xmlns:a16="http://schemas.microsoft.com/office/drawing/2014/main" id="{54854C22-392E-2B26-714C-9F55D2C0D94F}"/>
+              </a:ext>
+            </a:extLst>
+          </p:cNvPr>
+          <p:cNvSpPr>
+            <a:spLocks noGrp="1"/>
+          </p:cNvSpPr>
+          <p:nvPr>
+            <p:ph idx="1"/>
+          </p:nvPr>
+        </p:nvSpPr>
+        <p:spPr/>
+        <p:txBody>
+          <a:bodyPr/>
+          <a:lstStyle/>
+          <a:p>
+            <a:endParaRPr kumimoji="1" lang="ja-JP" altLang="en-US"/>
+          </a:p>
+        </p:txBody>
+      </p:sp>
+      <p:sp>
+        <p:nvSpPr>
+          <p:cNvPr id="4" name="スライド番号プレースホルダー 3">
+            <a:extLst>
+              <a:ext uri="{FF2B5EF4-FFF2-40B4-BE49-F238E27FC236}">
+                <a16:creationId xmlns:a16="http://schemas.microsoft.com/office/drawing/2014/main" id="{0CA60427-E916-EDE6-D32A-7C344F27AEE6}"/>
+              </a:ext>
+            </a:extLst>
+          </p:cNvPr>
+          <p:cNvSpPr>
+            <a:spLocks noGrp="1"/>
+          </p:cNvSpPr>
+          <p:nvPr>
+            <p:ph type="sldNum" sz="quarter" idx="12"/>
+          </p:nvPr>
+        </p:nvSpPr>
+        <p:spPr/>
+        <p:txBody>
+          <a:bodyPr/>
+          <a:lstStyle/>
+          <a:p>
+            <a:fld id="{55407BB7-92F5-4977-AA44-396FA1CF315E}" type="slidenum">
+              <a:rPr kumimoji="1" lang="ja-JP" altLang="en-US" smtClean="0"/>
+              <a:pPr/>
+              <a:t>14</a:t>
+            </a:fld>
+            <a:endParaRPr kumimoji="1" lang="ja-JP" altLang="en-US" dirty="0"/>
+          </a:p>
+        </p:txBody>
+      </p:sp>
+      <p:sp>
+        <p:nvSpPr>
+          <p:cNvPr id="5" name="テキスト プレースホルダー 4">
+            <a:extLst>
+              <a:ext uri="{FF2B5EF4-FFF2-40B4-BE49-F238E27FC236}">
+                <a16:creationId xmlns:a16="http://schemas.microsoft.com/office/drawing/2014/main" id="{AD375B24-F18B-DD73-CB77-0A05C59A634D}"/>
+              </a:ext>
+            </a:extLst>
+          </p:cNvPr>
+          <p:cNvSpPr>
+            <a:spLocks noGrp="1"/>
+          </p:cNvSpPr>
+          <p:nvPr>
+            <p:ph type="body" sz="quarter" idx="13"/>
+          </p:nvPr>
+        </p:nvSpPr>
+        <p:spPr/>
+        <p:txBody>
+          <a:bodyPr/>
+          <a:lstStyle/>
+          <a:p>
+            <a:endParaRPr kumimoji="1" lang="ja-JP" altLang="en-US"/>
+          </a:p>
+        </p:txBody>
+      </p:sp>
+    </p:spTree>
+    <p:extLst>
+      <p:ext uri="{BB962C8B-B14F-4D97-AF65-F5344CB8AC3E}">
+        <p14:creationId xmlns:p14="http://schemas.microsoft.com/office/powerpoint/2010/main" val="337751427"/>
+      </p:ext>
+    </p:extLst>
+  </p:cSld>
+  <p:clrMapOvr>
+    <a:masterClrMapping/>
+  </p:clrMapOvr>
+</p:sld>
+</file>
+
+<file path=ppt/slides/slide16.xml><?xml version="1.0" encoding="utf-8"?>
+<p:sld xmlns:a="http://schemas.openxmlformats.org/drawingml/2006/main" xmlns:r="http://schemas.openxmlformats.org/officeDocument/2006/relationships" xmlns:p="http://schemas.openxmlformats.org/presentationml/2006/main">
+  <p:cSld>
+    <p:spTree>
+      <p:nvGrpSpPr>
+        <p:cNvPr id="1" name=""/>
+        <p:cNvGrpSpPr/>
+        <p:nvPr/>
+      </p:nvGrpSpPr>
+      <p:grpSpPr>
+        <a:xfrm>
+          <a:off x="0" y="0"/>
+          <a:ext cx="0" cy="0"/>
+          <a:chOff x="0" y="0"/>
+          <a:chExt cx="0" cy="0"/>
+        </a:xfrm>
+      </p:grpSpPr>
+      <p:sp>
+        <p:nvSpPr>
+          <p:cNvPr id="2" name="タイトル 1">
+            <a:extLst>
+              <a:ext uri="{FF2B5EF4-FFF2-40B4-BE49-F238E27FC236}">
+                <a16:creationId xmlns:a16="http://schemas.microsoft.com/office/drawing/2014/main" id="{1AEF5D16-5FCC-B2A4-F67B-510A3A1BBCE9}"/>
+              </a:ext>
+            </a:extLst>
+          </p:cNvPr>
+          <p:cNvSpPr>
+            <a:spLocks noGrp="1"/>
+          </p:cNvSpPr>
+          <p:nvPr>
+            <p:ph type="title"/>
+          </p:nvPr>
+        </p:nvSpPr>
+        <p:spPr/>
+        <p:txBody>
+          <a:bodyPr/>
+          <a:lstStyle/>
+          <a:p>
+            <a:endParaRPr kumimoji="1" lang="ja-JP" altLang="en-US"/>
+          </a:p>
+        </p:txBody>
+      </p:sp>
+      <p:sp>
+        <p:nvSpPr>
+          <p:cNvPr id="3" name="コンテンツ プレースホルダー 2">
+            <a:extLst>
+              <a:ext uri="{FF2B5EF4-FFF2-40B4-BE49-F238E27FC236}">
+                <a16:creationId xmlns:a16="http://schemas.microsoft.com/office/drawing/2014/main" id="{54854C22-392E-2B26-714C-9F55D2C0D94F}"/>
+              </a:ext>
+            </a:extLst>
+          </p:cNvPr>
+          <p:cNvSpPr>
+            <a:spLocks noGrp="1"/>
+          </p:cNvSpPr>
+          <p:nvPr>
+            <p:ph idx="1"/>
+          </p:nvPr>
+        </p:nvSpPr>
+        <p:spPr/>
+        <p:txBody>
+          <a:bodyPr/>
+          <a:lstStyle/>
+          <a:p>
+            <a:endParaRPr kumimoji="1" lang="ja-JP" altLang="en-US"/>
+          </a:p>
+        </p:txBody>
+      </p:sp>
+      <p:sp>
+        <p:nvSpPr>
+          <p:cNvPr id="4" name="スライド番号プレースホルダー 3">
+            <a:extLst>
+              <a:ext uri="{FF2B5EF4-FFF2-40B4-BE49-F238E27FC236}">
+                <a16:creationId xmlns:a16="http://schemas.microsoft.com/office/drawing/2014/main" id="{0CA60427-E916-EDE6-D32A-7C344F27AEE6}"/>
+              </a:ext>
+            </a:extLst>
+          </p:cNvPr>
+          <p:cNvSpPr>
+            <a:spLocks noGrp="1"/>
+          </p:cNvSpPr>
+          <p:nvPr>
+            <p:ph type="sldNum" sz="quarter" idx="12"/>
+          </p:nvPr>
+        </p:nvSpPr>
+        <p:spPr/>
+        <p:txBody>
+          <a:bodyPr/>
+          <a:lstStyle/>
+          <a:p>
+            <a:fld id="{55407BB7-92F5-4977-AA44-396FA1CF315E}" type="slidenum">
+              <a:rPr kumimoji="1" lang="ja-JP" altLang="en-US" smtClean="0"/>
+              <a:pPr/>
+              <a:t>15</a:t>
+            </a:fld>
+            <a:endParaRPr kumimoji="1" lang="ja-JP" altLang="en-US" dirty="0"/>
+          </a:p>
+        </p:txBody>
+      </p:sp>
+      <p:sp>
+        <p:nvSpPr>
+          <p:cNvPr id="5" name="テキスト プレースホルダー 4">
+            <a:extLst>
+              <a:ext uri="{FF2B5EF4-FFF2-40B4-BE49-F238E27FC236}">
+                <a16:creationId xmlns:a16="http://schemas.microsoft.com/office/drawing/2014/main" id="{AD375B24-F18B-DD73-CB77-0A05C59A634D}"/>
+              </a:ext>
+            </a:extLst>
+          </p:cNvPr>
+          <p:cNvSpPr>
+            <a:spLocks noGrp="1"/>
+          </p:cNvSpPr>
+          <p:nvPr>
+            <p:ph type="body" sz="quarter" idx="13"/>
+          </p:nvPr>
+        </p:nvSpPr>
+        <p:spPr/>
+        <p:txBody>
+          <a:bodyPr/>
+          <a:lstStyle/>
+          <a:p>
+            <a:endParaRPr kumimoji="1" lang="ja-JP" altLang="en-US"/>
+          </a:p>
+        </p:txBody>
+      </p:sp>
+    </p:spTree>
+    <p:extLst>
+      <p:ext uri="{BB962C8B-B14F-4D97-AF65-F5344CB8AC3E}">
+        <p14:creationId xmlns:p14="http://schemas.microsoft.com/office/powerpoint/2010/main" val="1640759026"/>
+      </p:ext>
+    </p:extLst>
+  </p:cSld>
+  <p:clrMapOvr>
+    <a:masterClrMapping/>
+  </p:clrMapOvr>
+</p:sld>
+</file>
+
+<file path=ppt/slides/slide17.xml><?xml version="1.0" encoding="utf-8"?>
+<p:sld xmlns:a="http://schemas.openxmlformats.org/drawingml/2006/main" xmlns:r="http://schemas.openxmlformats.org/officeDocument/2006/relationships" xmlns:p="http://schemas.openxmlformats.org/presentationml/2006/main">
+  <p:cSld>
+    <p:spTree>
+      <p:nvGrpSpPr>
+        <p:cNvPr id="1" name=""/>
+        <p:cNvGrpSpPr/>
+        <p:nvPr/>
+      </p:nvGrpSpPr>
+      <p:grpSpPr>
+        <a:xfrm>
+          <a:off x="0" y="0"/>
+          <a:ext cx="0" cy="0"/>
+          <a:chOff x="0" y="0"/>
+          <a:chExt cx="0" cy="0"/>
+        </a:xfrm>
+      </p:grpSpPr>
+      <p:sp>
+        <p:nvSpPr>
+          <p:cNvPr id="2" name="タイトル 1">
+            <a:extLst>
+              <a:ext uri="{FF2B5EF4-FFF2-40B4-BE49-F238E27FC236}">
+                <a16:creationId xmlns:a16="http://schemas.microsoft.com/office/drawing/2014/main" id="{1AEF5D16-5FCC-B2A4-F67B-510A3A1BBCE9}"/>
+              </a:ext>
+            </a:extLst>
+          </p:cNvPr>
+          <p:cNvSpPr>
+            <a:spLocks noGrp="1"/>
+          </p:cNvSpPr>
+          <p:nvPr>
+            <p:ph type="title"/>
+          </p:nvPr>
+        </p:nvSpPr>
+        <p:spPr/>
+        <p:txBody>
+          <a:bodyPr/>
+          <a:lstStyle/>
+          <a:p>
+            <a:endParaRPr kumimoji="1" lang="ja-JP" altLang="en-US"/>
+          </a:p>
+        </p:txBody>
+      </p:sp>
+      <p:sp>
+        <p:nvSpPr>
+          <p:cNvPr id="3" name="コンテンツ プレースホルダー 2">
+            <a:extLst>
+              <a:ext uri="{FF2B5EF4-FFF2-40B4-BE49-F238E27FC236}">
+                <a16:creationId xmlns:a16="http://schemas.microsoft.com/office/drawing/2014/main" id="{54854C22-392E-2B26-714C-9F55D2C0D94F}"/>
+              </a:ext>
+            </a:extLst>
+          </p:cNvPr>
+          <p:cNvSpPr>
+            <a:spLocks noGrp="1"/>
+          </p:cNvSpPr>
+          <p:nvPr>
+            <p:ph idx="1"/>
+          </p:nvPr>
+        </p:nvSpPr>
+        <p:spPr/>
+        <p:txBody>
+          <a:bodyPr/>
+          <a:lstStyle/>
+          <a:p>
+            <a:endParaRPr kumimoji="1" lang="ja-JP" altLang="en-US"/>
+          </a:p>
+        </p:txBody>
+      </p:sp>
+      <p:sp>
+        <p:nvSpPr>
+          <p:cNvPr id="4" name="スライド番号プレースホルダー 3">
+            <a:extLst>
+              <a:ext uri="{FF2B5EF4-FFF2-40B4-BE49-F238E27FC236}">
+                <a16:creationId xmlns:a16="http://schemas.microsoft.com/office/drawing/2014/main" id="{0CA60427-E916-EDE6-D32A-7C344F27AEE6}"/>
+              </a:ext>
+            </a:extLst>
+          </p:cNvPr>
+          <p:cNvSpPr>
+            <a:spLocks noGrp="1"/>
+          </p:cNvSpPr>
+          <p:nvPr>
+            <p:ph type="sldNum" sz="quarter" idx="12"/>
+          </p:nvPr>
+        </p:nvSpPr>
+        <p:spPr/>
+        <p:txBody>
+          <a:bodyPr/>
+          <a:lstStyle/>
+          <a:p>
+            <a:fld id="{55407BB7-92F5-4977-AA44-396FA1CF315E}" type="slidenum">
+              <a:rPr kumimoji="1" lang="ja-JP" altLang="en-US" smtClean="0"/>
+              <a:pPr/>
+              <a:t>16</a:t>
+            </a:fld>
+            <a:endParaRPr kumimoji="1" lang="ja-JP" altLang="en-US" dirty="0"/>
+          </a:p>
+        </p:txBody>
+      </p:sp>
+      <p:sp>
+        <p:nvSpPr>
+          <p:cNvPr id="5" name="テキスト プレースホルダー 4">
+            <a:extLst>
+              <a:ext uri="{FF2B5EF4-FFF2-40B4-BE49-F238E27FC236}">
+                <a16:creationId xmlns:a16="http://schemas.microsoft.com/office/drawing/2014/main" id="{AD375B24-F18B-DD73-CB77-0A05C59A634D}"/>
+              </a:ext>
+            </a:extLst>
+          </p:cNvPr>
+          <p:cNvSpPr>
+            <a:spLocks noGrp="1"/>
+          </p:cNvSpPr>
+          <p:nvPr>
+            <p:ph type="body" sz="quarter" idx="13"/>
+          </p:nvPr>
+        </p:nvSpPr>
+        <p:spPr/>
+        <p:txBody>
+          <a:bodyPr/>
+          <a:lstStyle/>
+          <a:p>
+            <a:endParaRPr kumimoji="1" lang="ja-JP" altLang="en-US"/>
+          </a:p>
+        </p:txBody>
+      </p:sp>
+    </p:spTree>
+    <p:extLst>
+      <p:ext uri="{BB962C8B-B14F-4D97-AF65-F5344CB8AC3E}">
+        <p14:creationId xmlns:p14="http://schemas.microsoft.com/office/powerpoint/2010/main" val="2577879128"/>
+      </p:ext>
+    </p:extLst>
+  </p:cSld>
+  <p:clrMapOvr>
+    <a:masterClrMapping/>
+  </p:clrMapOvr>
+</p:sld>
+</file>
+
+<file path=ppt/slides/slide18.xml><?xml version="1.0" encoding="utf-8"?>
+<p:sld xmlns:a="http://schemas.openxmlformats.org/drawingml/2006/main" xmlns:r="http://schemas.openxmlformats.org/officeDocument/2006/relationships" xmlns:p="http://schemas.openxmlformats.org/presentationml/2006/main">
+  <p:cSld>
+    <p:spTree>
+      <p:nvGrpSpPr>
+        <p:cNvPr id="1" name=""/>
+        <p:cNvGrpSpPr/>
+        <p:nvPr/>
+      </p:nvGrpSpPr>
+      <p:grpSpPr>
+        <a:xfrm>
+          <a:off x="0" y="0"/>
+          <a:ext cx="0" cy="0"/>
+          <a:chOff x="0" y="0"/>
+          <a:chExt cx="0" cy="0"/>
+        </a:xfrm>
+      </p:grpSpPr>
+      <p:sp>
+        <p:nvSpPr>
+          <p:cNvPr id="2" name="タイトル 1">
+            <a:extLst>
+              <a:ext uri="{FF2B5EF4-FFF2-40B4-BE49-F238E27FC236}">
+                <a16:creationId xmlns:a16="http://schemas.microsoft.com/office/drawing/2014/main" id="{1AEF5D16-5FCC-B2A4-F67B-510A3A1BBCE9}"/>
+              </a:ext>
+            </a:extLst>
+          </p:cNvPr>
+          <p:cNvSpPr>
+            <a:spLocks noGrp="1"/>
+          </p:cNvSpPr>
+          <p:nvPr>
+            <p:ph type="title"/>
+          </p:nvPr>
+        </p:nvSpPr>
+        <p:spPr/>
+        <p:txBody>
+          <a:bodyPr/>
+          <a:lstStyle/>
+          <a:p>
+            <a:endParaRPr kumimoji="1" lang="ja-JP" altLang="en-US"/>
+          </a:p>
+        </p:txBody>
+      </p:sp>
+      <p:sp>
+        <p:nvSpPr>
+          <p:cNvPr id="3" name="コンテンツ プレースホルダー 2">
+            <a:extLst>
+              <a:ext uri="{FF2B5EF4-FFF2-40B4-BE49-F238E27FC236}">
+                <a16:creationId xmlns:a16="http://schemas.microsoft.com/office/drawing/2014/main" id="{54854C22-392E-2B26-714C-9F55D2C0D94F}"/>
+              </a:ext>
+            </a:extLst>
+          </p:cNvPr>
+          <p:cNvSpPr>
+            <a:spLocks noGrp="1"/>
+          </p:cNvSpPr>
+          <p:nvPr>
+            <p:ph idx="1"/>
+          </p:nvPr>
+        </p:nvSpPr>
+        <p:spPr/>
+        <p:txBody>
+          <a:bodyPr/>
+          <a:lstStyle/>
+          <a:p>
+            <a:endParaRPr kumimoji="1" lang="ja-JP" altLang="en-US"/>
+          </a:p>
+        </p:txBody>
+      </p:sp>
+      <p:sp>
+        <p:nvSpPr>
+          <p:cNvPr id="4" name="スライド番号プレースホルダー 3">
+            <a:extLst>
+              <a:ext uri="{FF2B5EF4-FFF2-40B4-BE49-F238E27FC236}">
+                <a16:creationId xmlns:a16="http://schemas.microsoft.com/office/drawing/2014/main" id="{0CA60427-E916-EDE6-D32A-7C344F27AEE6}"/>
+              </a:ext>
+            </a:extLst>
+          </p:cNvPr>
+          <p:cNvSpPr>
+            <a:spLocks noGrp="1"/>
+          </p:cNvSpPr>
+          <p:nvPr>
+            <p:ph type="sldNum" sz="quarter" idx="12"/>
+          </p:nvPr>
+        </p:nvSpPr>
+        <p:spPr/>
+        <p:txBody>
+          <a:bodyPr/>
+          <a:lstStyle/>
+          <a:p>
+            <a:fld id="{55407BB7-92F5-4977-AA44-396FA1CF315E}" type="slidenum">
+              <a:rPr kumimoji="1" lang="ja-JP" altLang="en-US" smtClean="0"/>
+              <a:pPr/>
+              <a:t>17</a:t>
+            </a:fld>
+            <a:endParaRPr kumimoji="1" lang="ja-JP" altLang="en-US" dirty="0"/>
+          </a:p>
+        </p:txBody>
+      </p:sp>
+      <p:sp>
+        <p:nvSpPr>
+          <p:cNvPr id="5" name="テキスト プレースホルダー 4">
+            <a:extLst>
+              <a:ext uri="{FF2B5EF4-FFF2-40B4-BE49-F238E27FC236}">
+                <a16:creationId xmlns:a16="http://schemas.microsoft.com/office/drawing/2014/main" id="{AD375B24-F18B-DD73-CB77-0A05C59A634D}"/>
+              </a:ext>
+            </a:extLst>
+          </p:cNvPr>
+          <p:cNvSpPr>
+            <a:spLocks noGrp="1"/>
+          </p:cNvSpPr>
+          <p:nvPr>
+            <p:ph type="body" sz="quarter" idx="13"/>
+          </p:nvPr>
+        </p:nvSpPr>
+        <p:spPr/>
+        <p:txBody>
+          <a:bodyPr/>
+          <a:lstStyle/>
+          <a:p>
+            <a:endParaRPr kumimoji="1" lang="ja-JP" altLang="en-US"/>
+          </a:p>
+        </p:txBody>
+      </p:sp>
+    </p:spTree>
+    <p:extLst>
+      <p:ext uri="{BB962C8B-B14F-4D97-AF65-F5344CB8AC3E}">
+        <p14:creationId xmlns:p14="http://schemas.microsoft.com/office/powerpoint/2010/main" val="2686100178"/>
       </p:ext>
     </p:extLst>
   </p:cSld>

--- a/森本皓斗.pptx
+++ b/森本皓斗.pptx
@@ -6345,7 +6345,7 @@
         </p:nvSpPr>
         <p:spPr>
           <a:xfrm>
-            <a:off x="7338856" y="1684224"/>
+            <a:off x="7303579" y="2233698"/>
             <a:ext cx="1487533" cy="673608"/>
           </a:xfrm>
           <a:prstGeom prst="wedgeRoundRectCallout">
@@ -6413,7 +6413,7 @@
         </p:nvSpPr>
         <p:spPr>
           <a:xfrm>
-            <a:off x="5412457" y="1684224"/>
+            <a:off x="5346155" y="2203498"/>
             <a:ext cx="1487533" cy="673608"/>
           </a:xfrm>
           <a:prstGeom prst="wedgeRoundRectCallout">
@@ -6509,7 +6509,7 @@
         </p:nvSpPr>
         <p:spPr>
           <a:xfrm>
-            <a:off x="3958633" y="1832218"/>
+            <a:off x="3690592" y="2365637"/>
             <a:ext cx="1224757" cy="515122"/>
           </a:xfrm>
           <a:prstGeom prst="wedgeRoundRectCallout">
@@ -6574,7 +6574,7 @@
         </p:nvSpPr>
         <p:spPr>
           <a:xfrm>
-            <a:off x="3089886" y="5182092"/>
+            <a:off x="2815154" y="5020687"/>
             <a:ext cx="2467501" cy="420850"/>
           </a:xfrm>
           <a:prstGeom prst="wedgeRoundRectCallout">
@@ -6655,7 +6655,7 @@
         </p:nvGrpSpPr>
         <p:grpSpPr>
           <a:xfrm>
-            <a:off x="994821" y="4316012"/>
+            <a:off x="1180112" y="4106603"/>
             <a:ext cx="7258877" cy="666439"/>
             <a:chOff x="994821" y="4316012"/>
             <a:chExt cx="7258877" cy="666439"/>
@@ -6914,66 +6914,12 @@
           </p:txBody>
         </p:sp>
       </p:grpSp>
-      <p:sp>
-        <p:nvSpPr>
-          <p:cNvPr id="39" name="四角形: 角を丸くする 38">
+      <p:grpSp>
+        <p:nvGrpSpPr>
+          <p:cNvPr id="67" name="グループ化 66">
             <a:extLst>
               <a:ext uri="{FF2B5EF4-FFF2-40B4-BE49-F238E27FC236}">
-                <a16:creationId xmlns:a16="http://schemas.microsoft.com/office/drawing/2014/main" id="{9447960D-C4E0-58F1-B503-EE6B72F88EC1}"/>
-              </a:ext>
-            </a:extLst>
-          </p:cNvPr>
-          <p:cNvSpPr/>
-          <p:nvPr/>
-        </p:nvSpPr>
-        <p:spPr>
-          <a:xfrm>
-            <a:off x="4274843" y="3256703"/>
-            <a:ext cx="494898" cy="638341"/>
-          </a:xfrm>
-          <a:prstGeom prst="roundRect">
-            <a:avLst/>
-          </a:prstGeom>
-          <a:noFill/>
-          <a:ln w="38100" cap="flat" cmpd="sng" algn="ctr">
-            <a:solidFill>
-              <a:schemeClr val="accent5"/>
-            </a:solidFill>
-            <a:prstDash val="solid"/>
-            <a:round/>
-            <a:headEnd type="none" w="med" len="med"/>
-            <a:tailEnd type="none" w="med" len="med"/>
-          </a:ln>
-        </p:spPr>
-        <p:style>
-          <a:lnRef idx="0">
-            <a:scrgbClr r="0" g="0" b="0"/>
-          </a:lnRef>
-          <a:fillRef idx="0">
-            <a:scrgbClr r="0" g="0" b="0"/>
-          </a:fillRef>
-          <a:effectRef idx="0">
-            <a:scrgbClr r="0" g="0" b="0"/>
-          </a:effectRef>
-          <a:fontRef idx="minor">
-            <a:schemeClr val="accent4"/>
-          </a:fontRef>
-        </p:style>
-        <p:txBody>
-          <a:bodyPr rtlCol="0" anchor="ctr"/>
-          <a:lstStyle/>
-          <a:p>
-            <a:pPr algn="ctr"/>
-            <a:endParaRPr kumimoji="1" lang="ja-JP" altLang="en-US"/>
-          </a:p>
-        </p:txBody>
-      </p:sp>
-      <p:grpSp>
-        <p:nvGrpSpPr>
-          <p:cNvPr id="66" name="グループ化 65">
-            <a:extLst>
-              <a:ext uri="{FF2B5EF4-FFF2-40B4-BE49-F238E27FC236}">
-                <a16:creationId xmlns:a16="http://schemas.microsoft.com/office/drawing/2014/main" id="{83763416-9CDC-9C6D-A515-0F75908B2125}"/>
+                <a16:creationId xmlns:a16="http://schemas.microsoft.com/office/drawing/2014/main" id="{F5BE135E-37A0-87AB-A9DD-A4C2AD3DE192}"/>
               </a:ext>
             </a:extLst>
           </p:cNvPr>
@@ -6982,7 +6928,7 @@
         </p:nvGrpSpPr>
         <p:grpSpPr>
           <a:xfrm>
-            <a:off x="3065636" y="3248289"/>
+            <a:off x="3089886" y="3123817"/>
             <a:ext cx="5308057" cy="654297"/>
             <a:chOff x="3065636" y="3248289"/>
             <a:chExt cx="5308057" cy="654297"/>
@@ -6990,10 +6936,10 @@
         </p:grpSpPr>
         <p:sp>
           <p:nvSpPr>
-            <p:cNvPr id="40" name="四角形: 角を丸くする 39">
+            <p:cNvPr id="39" name="四角形: 角を丸くする 38">
               <a:extLst>
                 <a:ext uri="{FF2B5EF4-FFF2-40B4-BE49-F238E27FC236}">
-                  <a16:creationId xmlns:a16="http://schemas.microsoft.com/office/drawing/2014/main" id="{424904FE-7510-8BB3-DD33-4D2D4D5574E2}"/>
+                  <a16:creationId xmlns:a16="http://schemas.microsoft.com/office/drawing/2014/main" id="{9447960D-C4E0-58F1-B503-EE6B72F88EC1}"/>
                 </a:ext>
               </a:extLst>
             </p:cNvPr>
@@ -7002,8 +6948,8 @@
           </p:nvSpPr>
           <p:spPr>
             <a:xfrm>
-              <a:off x="4769741" y="3254821"/>
-              <a:ext cx="2526447" cy="647765"/>
+              <a:off x="4274843" y="3256703"/>
+              <a:ext cx="494898" cy="638341"/>
             </a:xfrm>
             <a:prstGeom prst="roundRect">
               <a:avLst/>
@@ -7011,7 +6957,7 @@
             <a:noFill/>
             <a:ln w="38100" cap="flat" cmpd="sng" algn="ctr">
               <a:solidFill>
-                <a:schemeClr val="accent6"/>
+                <a:schemeClr val="accent5"/>
               </a:solidFill>
               <a:prstDash val="solid"/>
               <a:round/>
@@ -7042,96 +6988,171 @@
             </a:p>
           </p:txBody>
         </p:sp>
-        <p:sp>
-          <p:nvSpPr>
-            <p:cNvPr id="41" name="四角形: 角を丸くする 40">
+        <p:grpSp>
+          <p:nvGrpSpPr>
+            <p:cNvPr id="66" name="グループ化 65">
               <a:extLst>
                 <a:ext uri="{FF2B5EF4-FFF2-40B4-BE49-F238E27FC236}">
-                  <a16:creationId xmlns:a16="http://schemas.microsoft.com/office/drawing/2014/main" id="{2E48CF1C-37C6-D8D3-D563-490BAA62E87B}"/>
+                  <a16:creationId xmlns:a16="http://schemas.microsoft.com/office/drawing/2014/main" id="{83763416-9CDC-9C6D-A515-0F75908B2125}"/>
                 </a:ext>
               </a:extLst>
             </p:cNvPr>
-            <p:cNvSpPr/>
+            <p:cNvGrpSpPr/>
             <p:nvPr/>
-          </p:nvSpPr>
-          <p:spPr>
+          </p:nvGrpSpPr>
+          <p:grpSpPr>
             <a:xfrm>
-              <a:off x="7296188" y="3248289"/>
-              <a:ext cx="1020121" cy="647765"/>
+              <a:off x="3065636" y="3248289"/>
+              <a:ext cx="5308057" cy="654297"/>
+              <a:chOff x="3065636" y="3248289"/>
+              <a:chExt cx="5308057" cy="654297"/>
             </a:xfrm>
-            <a:prstGeom prst="roundRect">
-              <a:avLst/>
-            </a:prstGeom>
-            <a:noFill/>
-            <a:ln w="38100" cap="flat" cmpd="sng" algn="ctr">
-              <a:solidFill>
+          </p:grpSpPr>
+          <p:sp>
+            <p:nvSpPr>
+              <p:cNvPr id="40" name="四角形: 角を丸くする 39">
+                <a:extLst>
+                  <a:ext uri="{FF2B5EF4-FFF2-40B4-BE49-F238E27FC236}">
+                    <a16:creationId xmlns:a16="http://schemas.microsoft.com/office/drawing/2014/main" id="{424904FE-7510-8BB3-DD33-4D2D4D5574E2}"/>
+                  </a:ext>
+                </a:extLst>
+              </p:cNvPr>
+              <p:cNvSpPr/>
+              <p:nvPr/>
+            </p:nvSpPr>
+            <p:spPr>
+              <a:xfrm>
+                <a:off x="4769741" y="3254821"/>
+                <a:ext cx="2526447" cy="647765"/>
+              </a:xfrm>
+              <a:prstGeom prst="roundRect">
+                <a:avLst/>
+              </a:prstGeom>
+              <a:noFill/>
+              <a:ln w="38100" cap="flat" cmpd="sng" algn="ctr">
+                <a:solidFill>
+                  <a:schemeClr val="accent6"/>
+                </a:solidFill>
+                <a:prstDash val="solid"/>
+                <a:round/>
+                <a:headEnd type="none" w="med" len="med"/>
+                <a:tailEnd type="none" w="med" len="med"/>
+              </a:ln>
+            </p:spPr>
+            <p:style>
+              <a:lnRef idx="0">
+                <a:scrgbClr r="0" g="0" b="0"/>
+              </a:lnRef>
+              <a:fillRef idx="0">
+                <a:scrgbClr r="0" g="0" b="0"/>
+              </a:fillRef>
+              <a:effectRef idx="0">
+                <a:scrgbClr r="0" g="0" b="0"/>
+              </a:effectRef>
+              <a:fontRef idx="minor">
                 <a:schemeClr val="accent4"/>
-              </a:solidFill>
-              <a:prstDash val="solid"/>
-              <a:round/>
-              <a:headEnd type="none" w="med" len="med"/>
-              <a:tailEnd type="none" w="med" len="med"/>
-            </a:ln>
-          </p:spPr>
-          <p:style>
-            <a:lnRef idx="0">
-              <a:scrgbClr r="0" g="0" b="0"/>
-            </a:lnRef>
-            <a:fillRef idx="0">
-              <a:scrgbClr r="0" g="0" b="0"/>
-            </a:fillRef>
-            <a:effectRef idx="0">
-              <a:scrgbClr r="0" g="0" b="0"/>
-            </a:effectRef>
-            <a:fontRef idx="minor">
-              <a:schemeClr val="accent4"/>
-            </a:fontRef>
-          </p:style>
-          <p:txBody>
-            <a:bodyPr rtlCol="0" anchor="ctr"/>
-            <a:lstStyle/>
-            <a:p>
-              <a:pPr algn="ctr"/>
-              <a:endParaRPr kumimoji="1" lang="ja-JP" altLang="en-US"/>
-            </a:p>
-          </p:txBody>
-        </p:sp>
-        <p:pic>
-          <p:nvPicPr>
-            <p:cNvPr id="65" name="グラフィックス 64">
-              <a:extLst>
-                <a:ext uri="{FF2B5EF4-FFF2-40B4-BE49-F238E27FC236}">
-                  <a16:creationId xmlns:a16="http://schemas.microsoft.com/office/drawing/2014/main" id="{D6C84980-F0D3-0945-BD80-553FDFB77902}"/>
-                </a:ext>
-              </a:extLst>
-            </p:cNvPr>
-            <p:cNvPicPr>
-              <a:picLocks noChangeAspect="1"/>
-            </p:cNvPicPr>
-            <p:nvPr/>
-          </p:nvPicPr>
-          <p:blipFill>
-            <a:blip r:embed="rId9">
-              <a:extLst>
-                <a:ext uri="{96DAC541-7B7A-43D3-8B79-37D633B846F1}">
-                  <asvg:svgBlip xmlns:asvg="http://schemas.microsoft.com/office/drawing/2016/SVG/main" r:embed="rId10"/>
-                </a:ext>
-              </a:extLst>
-            </a:blip>
-            <a:stretch>
-              <a:fillRect/>
-            </a:stretch>
-          </p:blipFill>
-          <p:spPr>
-            <a:xfrm>
-              <a:off x="3065636" y="3327241"/>
-              <a:ext cx="5308057" cy="511146"/>
-            </a:xfrm>
-            <a:prstGeom prst="rect">
-              <a:avLst/>
-            </a:prstGeom>
-          </p:spPr>
-        </p:pic>
+              </a:fontRef>
+            </p:style>
+            <p:txBody>
+              <a:bodyPr rtlCol="0" anchor="ctr"/>
+              <a:lstStyle/>
+              <a:p>
+                <a:pPr algn="ctr"/>
+                <a:endParaRPr kumimoji="1" lang="ja-JP" altLang="en-US"/>
+              </a:p>
+            </p:txBody>
+          </p:sp>
+          <p:sp>
+            <p:nvSpPr>
+              <p:cNvPr id="41" name="四角形: 角を丸くする 40">
+                <a:extLst>
+                  <a:ext uri="{FF2B5EF4-FFF2-40B4-BE49-F238E27FC236}">
+                    <a16:creationId xmlns:a16="http://schemas.microsoft.com/office/drawing/2014/main" id="{2E48CF1C-37C6-D8D3-D563-490BAA62E87B}"/>
+                  </a:ext>
+                </a:extLst>
+              </p:cNvPr>
+              <p:cNvSpPr/>
+              <p:nvPr/>
+            </p:nvSpPr>
+            <p:spPr>
+              <a:xfrm>
+                <a:off x="7296188" y="3248289"/>
+                <a:ext cx="1020121" cy="647765"/>
+              </a:xfrm>
+              <a:prstGeom prst="roundRect">
+                <a:avLst/>
+              </a:prstGeom>
+              <a:noFill/>
+              <a:ln w="38100" cap="flat" cmpd="sng" algn="ctr">
+                <a:solidFill>
+                  <a:schemeClr val="accent4"/>
+                </a:solidFill>
+                <a:prstDash val="solid"/>
+                <a:round/>
+                <a:headEnd type="none" w="med" len="med"/>
+                <a:tailEnd type="none" w="med" len="med"/>
+              </a:ln>
+            </p:spPr>
+            <p:style>
+              <a:lnRef idx="0">
+                <a:scrgbClr r="0" g="0" b="0"/>
+              </a:lnRef>
+              <a:fillRef idx="0">
+                <a:scrgbClr r="0" g="0" b="0"/>
+              </a:fillRef>
+              <a:effectRef idx="0">
+                <a:scrgbClr r="0" g="0" b="0"/>
+              </a:effectRef>
+              <a:fontRef idx="minor">
+                <a:schemeClr val="accent4"/>
+              </a:fontRef>
+            </p:style>
+            <p:txBody>
+              <a:bodyPr rtlCol="0" anchor="ctr"/>
+              <a:lstStyle/>
+              <a:p>
+                <a:pPr algn="ctr"/>
+                <a:endParaRPr kumimoji="1" lang="ja-JP" altLang="en-US"/>
+              </a:p>
+            </p:txBody>
+          </p:sp>
+          <p:pic>
+            <p:nvPicPr>
+              <p:cNvPr id="65" name="グラフィックス 64">
+                <a:extLst>
+                  <a:ext uri="{FF2B5EF4-FFF2-40B4-BE49-F238E27FC236}">
+                    <a16:creationId xmlns:a16="http://schemas.microsoft.com/office/drawing/2014/main" id="{D6C84980-F0D3-0945-BD80-553FDFB77902}"/>
+                  </a:ext>
+                </a:extLst>
+              </p:cNvPr>
+              <p:cNvPicPr>
+                <a:picLocks noChangeAspect="1"/>
+              </p:cNvPicPr>
+              <p:nvPr/>
+            </p:nvPicPr>
+            <p:blipFill>
+              <a:blip r:embed="rId9">
+                <a:extLst>
+                  <a:ext uri="{96DAC541-7B7A-43D3-8B79-37D633B846F1}">
+                    <asvg:svgBlip xmlns:asvg="http://schemas.microsoft.com/office/drawing/2016/SVG/main" r:embed="rId10"/>
+                  </a:ext>
+                </a:extLst>
+              </a:blip>
+              <a:stretch>
+                <a:fillRect/>
+              </a:stretch>
+            </p:blipFill>
+            <p:spPr>
+              <a:xfrm>
+                <a:off x="3065636" y="3327241"/>
+                <a:ext cx="5308057" cy="511146"/>
+              </a:xfrm>
+              <a:prstGeom prst="rect">
+                <a:avLst/>
+              </a:prstGeom>
+            </p:spPr>
+          </p:pic>
+        </p:grpSp>
       </p:grpSp>
     </p:spTree>
     <p:extLst>
@@ -7184,35 +7205,180 @@
           <a:bodyPr/>
           <a:lstStyle/>
           <a:p>
-            <a:endParaRPr kumimoji="1" lang="ja-JP" altLang="en-US" dirty="0"/>
-          </a:p>
-        </p:txBody>
-      </p:sp>
-      <p:sp>
-        <p:nvSpPr>
-          <p:cNvPr id="3" name="コンテンツ プレースホルダー 2">
-            <a:extLst>
-              <a:ext uri="{FF2B5EF4-FFF2-40B4-BE49-F238E27FC236}">
-                <a16:creationId xmlns:a16="http://schemas.microsoft.com/office/drawing/2014/main" id="{54854C22-392E-2B26-714C-9F55D2C0D94F}"/>
-              </a:ext>
-            </a:extLst>
-          </p:cNvPr>
-          <p:cNvSpPr>
-            <a:spLocks noGrp="1"/>
-          </p:cNvSpPr>
-          <p:nvPr>
-            <p:ph idx="1"/>
-          </p:nvPr>
-        </p:nvSpPr>
-        <p:spPr/>
-        <p:txBody>
-          <a:bodyPr/>
-          <a:lstStyle/>
-          <a:p>
-            <a:endParaRPr kumimoji="1" lang="ja-JP" altLang="en-US" dirty="0"/>
-          </a:p>
-        </p:txBody>
-      </p:sp>
+            <a:r>
+              <a:rPr kumimoji="1" lang="ja-JP" altLang="en-US" dirty="0"/>
+              <a:t>追従目標点の位置ベクトル</a:t>
+            </a:r>
+          </a:p>
+        </p:txBody>
+      </p:sp>
+      <mc:AlternateContent xmlns:mc="http://schemas.openxmlformats.org/markup-compatibility/2006">
+        <mc:Choice xmlns:a14="http://schemas.microsoft.com/office/drawing/2010/main" Requires="a14">
+          <p:sp>
+            <p:nvSpPr>
+              <p:cNvPr id="3" name="コンテンツ プレースホルダー 2">
+                <a:extLst>
+                  <a:ext uri="{FF2B5EF4-FFF2-40B4-BE49-F238E27FC236}">
+                    <a16:creationId xmlns:a16="http://schemas.microsoft.com/office/drawing/2014/main" id="{54854C22-392E-2B26-714C-9F55D2C0D94F}"/>
+                  </a:ext>
+                </a:extLst>
+              </p:cNvPr>
+              <p:cNvSpPr>
+                <a:spLocks noGrp="1"/>
+              </p:cNvSpPr>
+              <p:nvPr>
+                <p:ph idx="1"/>
+              </p:nvPr>
+            </p:nvSpPr>
+            <p:spPr/>
+            <p:txBody>
+              <a:bodyPr/>
+              <a:lstStyle/>
+              <a:p>
+                <a:r>
+                  <a:rPr kumimoji="1" lang="ja-JP" altLang="en-US" dirty="0"/>
+                  <a:t>導出したリーダの位置からの追従目標点</a:t>
+                </a:r>
+                <a14:m>
+                  <m:oMath xmlns:m="http://schemas.openxmlformats.org/officeDocument/2006/math">
+                    <m:r>
+                      <a:rPr kumimoji="1" lang="ja-JP" altLang="en-US" i="1" smtClean="0">
+                        <a:latin typeface="Cambria Math" panose="02040503050406030204" pitchFamily="18" charset="0"/>
+                      </a:rPr>
+                      <m:t>𝜀</m:t>
+                    </m:r>
+                  </m:oMath>
+                </a14:m>
+                <a:r>
+                  <a:rPr kumimoji="1" lang="ja-JP" altLang="en-US" dirty="0"/>
+                  <a:t>への位置ベクトル</a:t>
+                </a:r>
+                <a:br>
+                  <a:rPr kumimoji="1" lang="en-US" altLang="ja-JP" dirty="0"/>
+                </a:br>
+                <a14:m>
+                  <m:oMath xmlns:m="http://schemas.openxmlformats.org/officeDocument/2006/math">
+                    <m:r>
+                      <a:rPr kumimoji="1" lang="en-US" altLang="ja-JP" b="1" i="1" smtClean="0">
+                        <a:latin typeface="Cambria Math" panose="02040503050406030204" pitchFamily="18" charset="0"/>
+                      </a:rPr>
+                      <m:t>𝑫</m:t>
+                    </m:r>
+                  </m:oMath>
+                </a14:m>
+                <a:r>
+                  <a:rPr kumimoji="1" lang="ja-JP" altLang="en-US" dirty="0"/>
+                  <a:t>およびフォロワからリーダへの位置ベクトル</a:t>
+                </a:r>
+                <a14:m>
+                  <m:oMath xmlns:m="http://schemas.openxmlformats.org/officeDocument/2006/math">
+                    <m:r>
+                      <a:rPr lang="en-US" altLang="ja-JP" b="1" i="1" smtClean="0">
+                        <a:latin typeface="Cambria Math" panose="02040503050406030204" pitchFamily="18" charset="0"/>
+                      </a:rPr>
+                      <m:t>𝒅</m:t>
+                    </m:r>
+                  </m:oMath>
+                </a14:m>
+                <a:r>
+                  <a:rPr kumimoji="1" lang="ja-JP" altLang="en-US" dirty="0"/>
+                  <a:t>は</a:t>
+                </a:r>
+                <a:br>
+                  <a:rPr kumimoji="1" lang="en-US" altLang="ja-JP" dirty="0"/>
+                </a:br>
+                <a:br>
+                  <a:rPr kumimoji="1" lang="en-US" altLang="ja-JP" dirty="0"/>
+                </a:br>
+                <a:br>
+                  <a:rPr kumimoji="1" lang="en-US" altLang="ja-JP" dirty="0"/>
+                </a:br>
+                <a:r>
+                  <a:rPr kumimoji="1" lang="ja-JP" altLang="en-US" dirty="0"/>
+                  <a:t>より，フォロワから目標追従点</a:t>
+                </a:r>
+                <a14:m>
+                  <m:oMath xmlns:m="http://schemas.openxmlformats.org/officeDocument/2006/math">
+                    <m:r>
+                      <a:rPr lang="ja-JP" altLang="en-US" i="1">
+                        <a:latin typeface="Cambria Math" panose="02040503050406030204" pitchFamily="18" charset="0"/>
+                      </a:rPr>
+                      <m:t>𝜀</m:t>
+                    </m:r>
+                  </m:oMath>
+                </a14:m>
+                <a:r>
+                  <a:rPr kumimoji="1" lang="ja-JP" altLang="en-US" dirty="0"/>
+                  <a:t>への位置ベクトル</a:t>
+                </a:r>
+                <a14:m>
+                  <m:oMath xmlns:m="http://schemas.openxmlformats.org/officeDocument/2006/math">
+                    <m:r>
+                      <a:rPr lang="en-US" altLang="ja-JP" b="1" i="1" smtClean="0">
+                        <a:latin typeface="Cambria Math" panose="02040503050406030204" pitchFamily="18" charset="0"/>
+                      </a:rPr>
+                      <m:t>𝒍</m:t>
+                    </m:r>
+                  </m:oMath>
+                </a14:m>
+                <a:r>
+                  <a:rPr kumimoji="1" lang="ja-JP" altLang="en-US" dirty="0"/>
+                  <a:t>は</a:t>
+                </a:r>
+                <a:br>
+                  <a:rPr kumimoji="1" lang="en-US" altLang="ja-JP" dirty="0"/>
+                </a:br>
+                <a:br>
+                  <a:rPr kumimoji="1" lang="en-US" altLang="ja-JP" dirty="0"/>
+                </a:br>
+                <a:br>
+                  <a:rPr kumimoji="1" lang="en-US" altLang="ja-JP" dirty="0"/>
+                </a:br>
+                <a:endParaRPr kumimoji="1" lang="ja-JP" altLang="en-US" dirty="0"/>
+              </a:p>
+            </p:txBody>
+          </p:sp>
+        </mc:Choice>
+        <mc:Fallback>
+          <p:sp>
+            <p:nvSpPr>
+              <p:cNvPr id="3" name="コンテンツ プレースホルダー 2">
+                <a:extLst>
+                  <a:ext uri="{FF2B5EF4-FFF2-40B4-BE49-F238E27FC236}">
+                    <a16:creationId xmlns:a16="http://schemas.microsoft.com/office/drawing/2014/main" id="{54854C22-392E-2B26-714C-9F55D2C0D94F}"/>
+                  </a:ext>
+                </a:extLst>
+              </p:cNvPr>
+              <p:cNvSpPr>
+                <a:spLocks noGrp="1" noRot="1" noChangeAspect="1" noMove="1" noResize="1" noEditPoints="1" noAdjustHandles="1" noChangeArrowheads="1" noChangeShapeType="1" noTextEdit="1"/>
+              </p:cNvSpPr>
+              <p:nvPr>
+                <p:ph idx="1"/>
+              </p:nvPr>
+            </p:nvSpPr>
+            <p:spPr>
+              <a:blipFill>
+                <a:blip r:embed="rId2"/>
+                <a:stretch>
+                  <a:fillRect l="-919" t="-1926"/>
+                </a:stretch>
+              </a:blipFill>
+            </p:spPr>
+            <p:txBody>
+              <a:bodyPr/>
+              <a:lstStyle/>
+              <a:p>
+                <a:r>
+                  <a:rPr lang="ja-JP" altLang="en-US">
+                    <a:noFill/>
+                  </a:rPr>
+                  <a:t> </a:t>
+                </a:r>
+              </a:p>
+            </p:txBody>
+          </p:sp>
+        </mc:Fallback>
+      </mc:AlternateContent>
       <p:sp>
         <p:nvSpPr>
           <p:cNvPr id="4" name="スライド番号プレースホルダー 3">
@@ -7264,10 +7430,121 @@
           <a:bodyPr/>
           <a:lstStyle/>
           <a:p>
-            <a:endParaRPr kumimoji="1" lang="ja-JP" altLang="en-US"/>
-          </a:p>
-        </p:txBody>
-      </p:sp>
+            <a:r>
+              <a:rPr kumimoji="1" lang="ja-JP" altLang="en-US" dirty="0"/>
+              <a:t>フォロワから見た追従目標点の位置ベクトルを導出</a:t>
+            </a:r>
+          </a:p>
+        </p:txBody>
+      </p:sp>
+      <p:pic>
+        <p:nvPicPr>
+          <p:cNvPr id="7" name="図 6" descr="テキスト が含まれている画像&#10;&#10;AI によって生成されたコンテンツは間違っている可能性があります。">
+            <a:extLst>
+              <a:ext uri="{FF2B5EF4-FFF2-40B4-BE49-F238E27FC236}">
+                <a16:creationId xmlns:a16="http://schemas.microsoft.com/office/drawing/2014/main" id="{AFFA2199-A9D2-E235-02B2-76FF52083FA1}"/>
+              </a:ext>
+            </a:extLst>
+          </p:cNvPr>
+          <p:cNvPicPr>
+            <a:picLocks noChangeAspect="1"/>
+          </p:cNvPicPr>
+          <p:nvPr/>
+        </p:nvPicPr>
+        <p:blipFill>
+          <a:blip r:embed="rId3">
+            <a:extLst>
+              <a:ext uri="{28A0092B-C50C-407E-A947-70E740481C1C}">
+                <a14:useLocalDpi xmlns:a14="http://schemas.microsoft.com/office/drawing/2010/main" val="0"/>
+              </a:ext>
+            </a:extLst>
+          </a:blip>
+          <a:stretch>
+            <a:fillRect/>
+          </a:stretch>
+        </p:blipFill>
+        <p:spPr>
+          <a:xfrm>
+            <a:off x="4885945" y="3512843"/>
+            <a:ext cx="3258915" cy="2166152"/>
+          </a:xfrm>
+          <a:prstGeom prst="rect">
+            <a:avLst/>
+          </a:prstGeom>
+        </p:spPr>
+      </p:pic>
+      <p:pic>
+        <p:nvPicPr>
+          <p:cNvPr id="9" name="グラフィックス 8">
+            <a:extLst>
+              <a:ext uri="{FF2B5EF4-FFF2-40B4-BE49-F238E27FC236}">
+                <a16:creationId xmlns:a16="http://schemas.microsoft.com/office/drawing/2014/main" id="{FFC94A60-1590-43FB-FA24-3AC8BBDB9BF7}"/>
+              </a:ext>
+            </a:extLst>
+          </p:cNvPr>
+          <p:cNvPicPr>
+            <a:picLocks noChangeAspect="1"/>
+          </p:cNvPicPr>
+          <p:nvPr/>
+        </p:nvPicPr>
+        <p:blipFill>
+          <a:blip r:embed="rId4">
+            <a:extLst>
+              <a:ext uri="{96DAC541-7B7A-43D3-8B79-37D633B846F1}">
+                <asvg:svgBlip xmlns:asvg="http://schemas.microsoft.com/office/drawing/2016/SVG/main" r:embed="rId5"/>
+              </a:ext>
+            </a:extLst>
+          </a:blip>
+          <a:stretch>
+            <a:fillRect/>
+          </a:stretch>
+        </p:blipFill>
+        <p:spPr>
+          <a:xfrm>
+            <a:off x="1119447" y="2367497"/>
+            <a:ext cx="2243819" cy="323850"/>
+          </a:xfrm>
+          <a:prstGeom prst="rect">
+            <a:avLst/>
+          </a:prstGeom>
+        </p:spPr>
+      </p:pic>
+      <p:pic>
+        <p:nvPicPr>
+          <p:cNvPr id="11" name="グラフィックス 10">
+            <a:extLst>
+              <a:ext uri="{FF2B5EF4-FFF2-40B4-BE49-F238E27FC236}">
+                <a16:creationId xmlns:a16="http://schemas.microsoft.com/office/drawing/2014/main" id="{7BDEDFDC-44B5-C372-09F3-0D790567436B}"/>
+              </a:ext>
+            </a:extLst>
+          </p:cNvPr>
+          <p:cNvPicPr>
+            <a:picLocks noChangeAspect="1"/>
+          </p:cNvPicPr>
+          <p:nvPr/>
+        </p:nvPicPr>
+        <p:blipFill>
+          <a:blip r:embed="rId6">
+            <a:extLst>
+              <a:ext uri="{96DAC541-7B7A-43D3-8B79-37D633B846F1}">
+                <asvg:svgBlip xmlns:asvg="http://schemas.microsoft.com/office/drawing/2016/SVG/main" r:embed="rId7"/>
+              </a:ext>
+            </a:extLst>
+          </a:blip>
+          <a:stretch>
+            <a:fillRect/>
+          </a:stretch>
+        </p:blipFill>
+        <p:spPr>
+          <a:xfrm>
+            <a:off x="1119447" y="3339200"/>
+            <a:ext cx="1893278" cy="323850"/>
+          </a:xfrm>
+          <a:prstGeom prst="rect">
+            <a:avLst/>
+          </a:prstGeom>
+        </p:spPr>
+      </p:pic>
     </p:spTree>
     <p:extLst>
       <p:ext uri="{BB962C8B-B14F-4D97-AF65-F5344CB8AC3E}">

--- a/森本皓斗.pptx
+++ b/森本皓斗.pptx
@@ -4694,8 +4694,8 @@
           </a:p>
         </p:txBody>
       </p:sp>
-      <mc:AlternateContent xmlns:mc="http://schemas.openxmlformats.org/markup-compatibility/2006">
-        <mc:Choice xmlns:a14="http://schemas.microsoft.com/office/drawing/2010/main" Requires="a14">
+      <mc:AlternateContent xmlns:mc="http://schemas.openxmlformats.org/markup-compatibility/2006" xmlns:a14="http://schemas.microsoft.com/office/drawing/2010/main">
+        <mc:Choice Requires="a14">
           <p:sp>
             <p:nvSpPr>
               <p:cNvPr id="3" name="コンテンツ プレースホルダー 2">
@@ -5101,7 +5101,7 @@
             </p:txBody>
           </p:sp>
         </mc:Choice>
-        <mc:Fallback>
+        <mc:Fallback xmlns="">
           <p:sp>
             <p:nvSpPr>
               <p:cNvPr id="3" name="コンテンツ プレースホルダー 2">
@@ -7212,8 +7212,8 @@
           </a:p>
         </p:txBody>
       </p:sp>
-      <mc:AlternateContent xmlns:mc="http://schemas.openxmlformats.org/markup-compatibility/2006">
-        <mc:Choice xmlns:a14="http://schemas.microsoft.com/office/drawing/2010/main" Requires="a14">
+      <mc:AlternateContent xmlns:mc="http://schemas.openxmlformats.org/markup-compatibility/2006" xmlns:a14="http://schemas.microsoft.com/office/drawing/2010/main">
+        <mc:Choice Requires="a14">
           <p:sp>
             <p:nvSpPr>
               <p:cNvPr id="3" name="コンテンツ プレースホルダー 2">
@@ -7339,7 +7339,7 @@
             </p:txBody>
           </p:sp>
         </mc:Choice>
-        <mc:Fallback>
+        <mc:Fallback xmlns="">
           <p:sp>
             <p:nvSpPr>
               <p:cNvPr id="3" name="コンテンツ プレースホルダー 2">
@@ -7596,7 +7596,7 @@
           <a:bodyPr/>
           <a:lstStyle/>
           <a:p>
-            <a:endParaRPr kumimoji="1" lang="ja-JP" altLang="en-US"/>
+            <a:endParaRPr kumimoji="1" lang="ja-JP" altLang="en-US" dirty="0"/>
           </a:p>
         </p:txBody>
       </p:sp>

--- a/森本皓斗.pptx
+++ b/森本皓斗.pptx
@@ -5,7 +5,7 @@
     <p:sldMasterId id="2147483660" r:id="rId1"/>
   </p:sldMasterIdLst>
   <p:notesMasterIdLst>
-    <p:notesMasterId r:id="rId20"/>
+    <p:notesMasterId r:id="rId21"/>
   </p:notesMasterIdLst>
   <p:sldIdLst>
     <p:sldId id="256" r:id="rId2"/>
@@ -26,6 +26,7 @@
     <p:sldId id="275" r:id="rId17"/>
     <p:sldId id="276" r:id="rId18"/>
     <p:sldId id="277" r:id="rId19"/>
+    <p:sldId id="278" r:id="rId20"/>
   </p:sldIdLst>
   <p:sldSz cx="9144000" cy="6858000" type="screen4x3"/>
   <p:notesSz cx="6858000" cy="9144000"/>
@@ -225,7 +226,7 @@
           <a:p>
             <a:fld id="{E046E73C-CEB1-4AF0-8C66-C253898C2210}" type="datetimeFigureOut">
               <a:rPr kumimoji="1" lang="ja-JP" altLang="en-US" smtClean="0"/>
-              <a:t>2025/6/17</a:t>
+              <a:t>2025/6/18</a:t>
             </a:fld>
             <a:endParaRPr kumimoji="1" lang="ja-JP" altLang="en-US"/>
           </a:p>
@@ -967,7 +968,7 @@
           <a:p>
             <a:fld id="{AED794AB-D91E-402F-B407-587A4C29DC8B}" type="datetimeFigureOut">
               <a:rPr kumimoji="1" lang="ja-JP" altLang="en-US" smtClean="0"/>
-              <a:t>2025/6/17</a:t>
+              <a:t>2025/6/18</a:t>
             </a:fld>
             <a:endParaRPr kumimoji="1" lang="ja-JP" altLang="en-US"/>
           </a:p>
@@ -1224,7 +1225,7 @@
           <a:p>
             <a:fld id="{AED794AB-D91E-402F-B407-587A4C29DC8B}" type="datetimeFigureOut">
               <a:rPr kumimoji="1" lang="ja-JP" altLang="en-US" smtClean="0"/>
-              <a:t>2025/6/17</a:t>
+              <a:t>2025/6/18</a:t>
             </a:fld>
             <a:endParaRPr kumimoji="1" lang="ja-JP" altLang="en-US"/>
           </a:p>
@@ -1426,7 +1427,7 @@
           <a:p>
             <a:fld id="{AED794AB-D91E-402F-B407-587A4C29DC8B}" type="datetimeFigureOut">
               <a:rPr kumimoji="1" lang="ja-JP" altLang="en-US" smtClean="0"/>
-              <a:t>2025/6/17</a:t>
+              <a:t>2025/6/18</a:t>
             </a:fld>
             <a:endParaRPr kumimoji="1" lang="ja-JP" altLang="en-US"/>
           </a:p>
@@ -1638,7 +1639,7 @@
           <a:p>
             <a:fld id="{AED794AB-D91E-402F-B407-587A4C29DC8B}" type="datetimeFigureOut">
               <a:rPr kumimoji="1" lang="ja-JP" altLang="en-US" smtClean="0"/>
-              <a:t>2025/6/17</a:t>
+              <a:t>2025/6/18</a:t>
             </a:fld>
             <a:endParaRPr kumimoji="1" lang="ja-JP" altLang="en-US"/>
           </a:p>
@@ -2950,7 +2951,7 @@
           <a:p>
             <a:fld id="{AED794AB-D91E-402F-B407-587A4C29DC8B}" type="datetimeFigureOut">
               <a:rPr kumimoji="1" lang="ja-JP" altLang="en-US" smtClean="0"/>
-              <a:t>2025/6/17</a:t>
+              <a:t>2025/6/18</a:t>
             </a:fld>
             <a:endParaRPr kumimoji="1" lang="ja-JP" altLang="en-US"/>
           </a:p>
@@ -3246,7 +3247,7 @@
           <a:p>
             <a:fld id="{AED794AB-D91E-402F-B407-587A4C29DC8B}" type="datetimeFigureOut">
               <a:rPr kumimoji="1" lang="ja-JP" altLang="en-US" smtClean="0"/>
-              <a:t>2025/6/17</a:t>
+              <a:t>2025/6/18</a:t>
             </a:fld>
             <a:endParaRPr kumimoji="1" lang="ja-JP" altLang="en-US"/>
           </a:p>
@@ -3677,7 +3678,7 @@
           <a:p>
             <a:fld id="{AED794AB-D91E-402F-B407-587A4C29DC8B}" type="datetimeFigureOut">
               <a:rPr kumimoji="1" lang="ja-JP" altLang="en-US" smtClean="0"/>
-              <a:t>2025/6/17</a:t>
+              <a:t>2025/6/18</a:t>
             </a:fld>
             <a:endParaRPr kumimoji="1" lang="ja-JP" altLang="en-US"/>
           </a:p>
@@ -3795,7 +3796,7 @@
           <a:p>
             <a:fld id="{AED794AB-D91E-402F-B407-587A4C29DC8B}" type="datetimeFigureOut">
               <a:rPr kumimoji="1" lang="ja-JP" altLang="en-US" smtClean="0"/>
-              <a:t>2025/6/17</a:t>
+              <a:t>2025/6/18</a:t>
             </a:fld>
             <a:endParaRPr kumimoji="1" lang="ja-JP" altLang="en-US"/>
           </a:p>
@@ -3890,7 +3891,7 @@
           <a:p>
             <a:fld id="{AED794AB-D91E-402F-B407-587A4C29DC8B}" type="datetimeFigureOut">
               <a:rPr kumimoji="1" lang="ja-JP" altLang="en-US" smtClean="0"/>
-              <a:t>2025/6/17</a:t>
+              <a:t>2025/6/18</a:t>
             </a:fld>
             <a:endParaRPr kumimoji="1" lang="ja-JP" altLang="en-US"/>
           </a:p>
@@ -4135,7 +4136,7 @@
           <a:p>
             <a:fld id="{AED794AB-D91E-402F-B407-587A4C29DC8B}" type="datetimeFigureOut">
               <a:rPr kumimoji="1" lang="ja-JP" altLang="en-US" smtClean="0"/>
-              <a:t>2025/6/17</a:t>
+              <a:t>2025/6/18</a:t>
             </a:fld>
             <a:endParaRPr kumimoji="1" lang="ja-JP" altLang="en-US"/>
           </a:p>
@@ -7431,7 +7432,11 @@
           <a:lstStyle/>
           <a:p>
             <a:r>
-              <a:rPr kumimoji="1" lang="ja-JP" altLang="en-US" dirty="0"/>
+              <a:rPr kumimoji="1" lang="ja-JP" altLang="en-US" dirty="0">
+                <a:solidFill>
+                  <a:schemeClr val="accent4"/>
+                </a:solidFill>
+              </a:rPr>
               <a:t>フォロワから見た追従目標点の位置ベクトルを導出</a:t>
             </a:r>
           </a:p>
@@ -7545,6 +7550,60 @@
           </a:prstGeom>
         </p:spPr>
       </p:pic>
+      <p:sp>
+        <p:nvSpPr>
+          <p:cNvPr id="6" name="四角形: 角を丸くする 5">
+            <a:extLst>
+              <a:ext uri="{FF2B5EF4-FFF2-40B4-BE49-F238E27FC236}">
+                <a16:creationId xmlns:a16="http://schemas.microsoft.com/office/drawing/2014/main" id="{3171B044-554B-92C2-58AC-0229B278ED07}"/>
+              </a:ext>
+            </a:extLst>
+          </p:cNvPr>
+          <p:cNvSpPr/>
+          <p:nvPr/>
+        </p:nvSpPr>
+        <p:spPr>
+          <a:xfrm>
+            <a:off x="258158" y="5769113"/>
+            <a:ext cx="8625708" cy="914400"/>
+          </a:xfrm>
+          <a:prstGeom prst="roundRect">
+            <a:avLst/>
+          </a:prstGeom>
+          <a:noFill/>
+          <a:ln w="38100" cap="flat" cmpd="sng" algn="ctr">
+            <a:solidFill>
+              <a:schemeClr val="accent4"/>
+            </a:solidFill>
+            <a:prstDash val="solid"/>
+            <a:round/>
+            <a:headEnd type="none" w="med" len="med"/>
+            <a:tailEnd type="none" w="med" len="med"/>
+          </a:ln>
+        </p:spPr>
+        <p:style>
+          <a:lnRef idx="0">
+            <a:scrgbClr r="0" g="0" b="0"/>
+          </a:lnRef>
+          <a:fillRef idx="0">
+            <a:scrgbClr r="0" g="0" b="0"/>
+          </a:fillRef>
+          <a:effectRef idx="0">
+            <a:scrgbClr r="0" g="0" b="0"/>
+          </a:effectRef>
+          <a:fontRef idx="minor">
+            <a:schemeClr val="accent4"/>
+          </a:fontRef>
+        </p:style>
+        <p:txBody>
+          <a:bodyPr rtlCol="0" anchor="ctr"/>
+          <a:lstStyle/>
+          <a:p>
+            <a:pPr algn="ctr"/>
+            <a:endParaRPr kumimoji="1" lang="ja-JP" altLang="en-US"/>
+          </a:p>
+        </p:txBody>
+      </p:sp>
     </p:spTree>
     <p:extLst>
       <p:ext uri="{BB962C8B-B14F-4D97-AF65-F5344CB8AC3E}">
@@ -7596,7 +7655,10 @@
           <a:bodyPr/>
           <a:lstStyle/>
           <a:p>
-            <a:endParaRPr kumimoji="1" lang="ja-JP" altLang="en-US" dirty="0"/>
+            <a:r>
+              <a:rPr kumimoji="1" lang="ja-JP" altLang="en-US" dirty="0"/>
+              <a:t>フォロワの制御入力</a:t>
+            </a:r>
           </a:p>
         </p:txBody>
       </p:sp>
@@ -7866,7 +7928,14 @@
           <a:bodyPr/>
           <a:lstStyle/>
           <a:p>
-            <a:endParaRPr kumimoji="1" lang="ja-JP" altLang="en-US"/>
+            <a:r>
+              <a:rPr kumimoji="1" lang="en-US" altLang="ja-JP" dirty="0"/>
+              <a:t>Python API</a:t>
+            </a:r>
+            <a:r>
+              <a:rPr kumimoji="1" lang="ja-JP" altLang="en-US" dirty="0"/>
+              <a:t>の選定</a:t>
+            </a:r>
           </a:p>
         </p:txBody>
       </p:sp>
@@ -7891,7 +7960,116 @@
           <a:bodyPr/>
           <a:lstStyle/>
           <a:p>
-            <a:endParaRPr kumimoji="1" lang="ja-JP" altLang="en-US"/>
+            <a:r>
+              <a:rPr lang="ja-JP" altLang="en-US" dirty="0"/>
+              <a:t>シミュレータと外部スクリプトを連携させるには</a:t>
+            </a:r>
+            <a:r>
+              <a:rPr lang="en-US" altLang="ja-JP" dirty="0"/>
+              <a:t>API</a:t>
+            </a:r>
+            <a:r>
+              <a:rPr lang="ja-JP" altLang="en-US" dirty="0"/>
+              <a:t>を</a:t>
+            </a:r>
+            <a:br>
+              <a:rPr lang="en-US" altLang="ja-JP" dirty="0"/>
+            </a:br>
+            <a:r>
+              <a:rPr lang="ja-JP" altLang="en-US" dirty="0"/>
+              <a:t>用いる必要がある</a:t>
+            </a:r>
+            <a:endParaRPr lang="en-US" altLang="ja-JP" dirty="0"/>
+          </a:p>
+          <a:p>
+            <a:endParaRPr kumimoji="1" lang="en-US" altLang="ja-JP" dirty="0"/>
+          </a:p>
+          <a:p>
+            <a:r>
+              <a:rPr kumimoji="1" lang="en-US" altLang="ja-JP" dirty="0" err="1"/>
+              <a:t>CoppeliaSim</a:t>
+            </a:r>
+            <a:r>
+              <a:rPr lang="ja-JP" altLang="en-US" dirty="0"/>
+              <a:t>は主に</a:t>
+            </a:r>
+            <a:r>
+              <a:rPr lang="en-US" altLang="ja-JP" dirty="0"/>
+              <a:t>2</a:t>
+            </a:r>
+            <a:r>
+              <a:rPr lang="ja-JP" altLang="en-US" dirty="0"/>
+              <a:t>つの</a:t>
+            </a:r>
+            <a:r>
+              <a:rPr lang="en-US" altLang="ja-JP" dirty="0"/>
+              <a:t>Remote API</a:t>
+            </a:r>
+            <a:r>
+              <a:rPr lang="ja-JP" altLang="en-US" dirty="0"/>
+              <a:t>を提供</a:t>
+            </a:r>
+            <a:endParaRPr lang="en-US" altLang="ja-JP" dirty="0"/>
+          </a:p>
+          <a:p>
+            <a:pPr lvl="1"/>
+            <a:r>
+              <a:rPr kumimoji="1" lang="en-US" altLang="ja-JP" dirty="0"/>
+              <a:t>Zero MQ Remote API</a:t>
+            </a:r>
+          </a:p>
+          <a:p>
+            <a:pPr lvl="1"/>
+            <a:r>
+              <a:rPr lang="en-US" altLang="ja-JP" dirty="0"/>
+              <a:t>Legacy</a:t>
+            </a:r>
+            <a:r>
+              <a:rPr lang="ja-JP" altLang="en-US" dirty="0"/>
+              <a:t> </a:t>
+            </a:r>
+            <a:r>
+              <a:rPr lang="en-US" altLang="ja-JP" dirty="0"/>
+              <a:t>Remote API</a:t>
+            </a:r>
+            <a:endParaRPr kumimoji="1" lang="ja-JP" altLang="en-US" dirty="0"/>
+          </a:p>
+          <a:p>
+            <a:pPr marL="0" indent="0">
+              <a:buNone/>
+            </a:pPr>
+            <a:endParaRPr lang="en-US" altLang="ja-JP" dirty="0"/>
+          </a:p>
+          <a:p>
+            <a:r>
+              <a:rPr kumimoji="1" lang="en-US" altLang="ja-JP" dirty="0" err="1"/>
+              <a:t>CoppeliaSim</a:t>
+            </a:r>
+            <a:r>
+              <a:rPr kumimoji="1" lang="en-US" altLang="ja-JP" dirty="0"/>
+              <a:t> V4.4</a:t>
+            </a:r>
+            <a:r>
+              <a:rPr kumimoji="1" lang="ja-JP" altLang="en-US" dirty="0"/>
+              <a:t>から</a:t>
+            </a:r>
+            <a:r>
+              <a:rPr lang="en-US" altLang="ja-JP" dirty="0"/>
+              <a:t>Legacy</a:t>
+            </a:r>
+            <a:r>
+              <a:rPr lang="ja-JP" altLang="en-US" dirty="0"/>
+              <a:t> </a:t>
+            </a:r>
+            <a:r>
+              <a:rPr lang="en-US" altLang="ja-JP" dirty="0"/>
+              <a:t>Remote API</a:t>
+            </a:r>
+            <a:r>
+              <a:rPr lang="ja-JP" altLang="en-US" dirty="0"/>
+              <a:t>は非推奨に</a:t>
+            </a:r>
+            <a:endParaRPr lang="en-US" altLang="ja-JP" dirty="0"/>
           </a:p>
         </p:txBody>
       </p:sp>
@@ -7946,6 +8124,83 @@
           <a:bodyPr/>
           <a:lstStyle/>
           <a:p>
+            <a:r>
+              <a:rPr kumimoji="1" lang="ja-JP" altLang="en-US" sz="2800" dirty="0">
+                <a:solidFill>
+                  <a:schemeClr val="accent4"/>
+                </a:solidFill>
+              </a:rPr>
+              <a:t>高度な機能を提供する</a:t>
+            </a:r>
+            <a:r>
+              <a:rPr kumimoji="1" lang="en-US" altLang="ja-JP" sz="2800" dirty="0">
+                <a:solidFill>
+                  <a:schemeClr val="accent4"/>
+                </a:solidFill>
+              </a:rPr>
+              <a:t>Zero MQ Remote API</a:t>
+            </a:r>
+            <a:r>
+              <a:rPr kumimoji="1" lang="ja-JP" altLang="en-US" sz="2800" dirty="0">
+                <a:solidFill>
+                  <a:schemeClr val="accent4"/>
+                </a:solidFill>
+              </a:rPr>
+              <a:t>が推奨</a:t>
+            </a:r>
+          </a:p>
+        </p:txBody>
+      </p:sp>
+      <p:sp>
+        <p:nvSpPr>
+          <p:cNvPr id="6" name="四角形: 角を丸くする 5">
+            <a:extLst>
+              <a:ext uri="{FF2B5EF4-FFF2-40B4-BE49-F238E27FC236}">
+                <a16:creationId xmlns:a16="http://schemas.microsoft.com/office/drawing/2014/main" id="{ACC4D57E-5152-A73A-CF61-3742D99EF21F}"/>
+              </a:ext>
+            </a:extLst>
+          </p:cNvPr>
+          <p:cNvSpPr/>
+          <p:nvPr/>
+        </p:nvSpPr>
+        <p:spPr>
+          <a:xfrm>
+            <a:off x="258158" y="5769113"/>
+            <a:ext cx="8625708" cy="914400"/>
+          </a:xfrm>
+          <a:prstGeom prst="roundRect">
+            <a:avLst/>
+          </a:prstGeom>
+          <a:noFill/>
+          <a:ln w="38100" cap="flat" cmpd="sng" algn="ctr">
+            <a:solidFill>
+              <a:schemeClr val="accent4"/>
+            </a:solidFill>
+            <a:prstDash val="solid"/>
+            <a:round/>
+            <a:headEnd type="none" w="med" len="med"/>
+            <a:tailEnd type="none" w="med" len="med"/>
+          </a:ln>
+        </p:spPr>
+        <p:style>
+          <a:lnRef idx="0">
+            <a:scrgbClr r="0" g="0" b="0"/>
+          </a:lnRef>
+          <a:fillRef idx="0">
+            <a:scrgbClr r="0" g="0" b="0"/>
+          </a:fillRef>
+          <a:effectRef idx="0">
+            <a:scrgbClr r="0" g="0" b="0"/>
+          </a:effectRef>
+          <a:fontRef idx="minor">
+            <a:schemeClr val="accent4"/>
+          </a:fontRef>
+        </p:style>
+        <p:txBody>
+          <a:bodyPr rtlCol="0" anchor="ctr"/>
+          <a:lstStyle/>
+          <a:p>
+            <a:pPr algn="ctr"/>
             <a:endParaRPr kumimoji="1" lang="ja-JP" altLang="en-US"/>
           </a:p>
         </p:txBody>
@@ -8224,6 +8479,196 @@
     <p:extLst>
       <p:ext uri="{BB962C8B-B14F-4D97-AF65-F5344CB8AC3E}">
         <p14:creationId xmlns:p14="http://schemas.microsoft.com/office/powerpoint/2010/main" val="2686100178"/>
+      </p:ext>
+    </p:extLst>
+  </p:cSld>
+  <p:clrMapOvr>
+    <a:masterClrMapping/>
+  </p:clrMapOvr>
+</p:sld>
+</file>
+
+<file path=ppt/slides/slide19.xml><?xml version="1.0" encoding="utf-8"?>
+<p:sld xmlns:a="http://schemas.openxmlformats.org/drawingml/2006/main" xmlns:r="http://schemas.openxmlformats.org/officeDocument/2006/relationships" xmlns:p="http://schemas.openxmlformats.org/presentationml/2006/main">
+  <p:cSld>
+    <p:spTree>
+      <p:nvGrpSpPr>
+        <p:cNvPr id="1" name=""/>
+        <p:cNvGrpSpPr/>
+        <p:nvPr/>
+      </p:nvGrpSpPr>
+      <p:grpSpPr>
+        <a:xfrm>
+          <a:off x="0" y="0"/>
+          <a:ext cx="0" cy="0"/>
+          <a:chOff x="0" y="0"/>
+          <a:chExt cx="0" cy="0"/>
+        </a:xfrm>
+      </p:grpSpPr>
+      <p:sp>
+        <p:nvSpPr>
+          <p:cNvPr id="2" name="タイトル 1">
+            <a:extLst>
+              <a:ext uri="{FF2B5EF4-FFF2-40B4-BE49-F238E27FC236}">
+                <a16:creationId xmlns:a16="http://schemas.microsoft.com/office/drawing/2014/main" id="{2050BE79-B88F-FF8B-6BA5-D26B97DBDD5A}"/>
+              </a:ext>
+            </a:extLst>
+          </p:cNvPr>
+          <p:cNvSpPr>
+            <a:spLocks noGrp="1"/>
+          </p:cNvSpPr>
+          <p:nvPr>
+            <p:ph type="title"/>
+          </p:nvPr>
+        </p:nvSpPr>
+        <p:spPr/>
+        <p:txBody>
+          <a:bodyPr/>
+          <a:lstStyle/>
+          <a:p>
+            <a:r>
+              <a:rPr kumimoji="1" lang="ja-JP" altLang="en-US" dirty="0"/>
+              <a:t>目次</a:t>
+            </a:r>
+          </a:p>
+        </p:txBody>
+      </p:sp>
+      <p:sp>
+        <p:nvSpPr>
+          <p:cNvPr id="3" name="コンテンツ プレースホルダー 2">
+            <a:extLst>
+              <a:ext uri="{FF2B5EF4-FFF2-40B4-BE49-F238E27FC236}">
+                <a16:creationId xmlns:a16="http://schemas.microsoft.com/office/drawing/2014/main" id="{B65B5EFB-27E8-7C48-B344-8691626E7FC9}"/>
+              </a:ext>
+            </a:extLst>
+          </p:cNvPr>
+          <p:cNvSpPr>
+            <a:spLocks noGrp="1"/>
+          </p:cNvSpPr>
+          <p:nvPr>
+            <p:ph idx="1"/>
+          </p:nvPr>
+        </p:nvSpPr>
+        <p:spPr/>
+        <p:txBody>
+          <a:bodyPr/>
+          <a:lstStyle/>
+          <a:p>
+            <a:r>
+              <a:rPr kumimoji="1" lang="ja-JP" altLang="en-US" dirty="0"/>
+              <a:t>研究テーマについて</a:t>
+            </a:r>
+            <a:endParaRPr kumimoji="1" lang="en-US" altLang="ja-JP" dirty="0"/>
+          </a:p>
+          <a:p>
+            <a:r>
+              <a:rPr lang="ja-JP" altLang="en-US" dirty="0"/>
+              <a:t>これまで取り組んだこと</a:t>
+            </a:r>
+            <a:endParaRPr lang="en-US" altLang="ja-JP" dirty="0"/>
+          </a:p>
+          <a:p>
+            <a:pPr lvl="1"/>
+            <a:r>
+              <a:rPr lang="en-US" altLang="ja-JP" dirty="0"/>
+              <a:t>LOS</a:t>
+            </a:r>
+            <a:r>
+              <a:rPr lang="ja-JP" altLang="en-US" dirty="0"/>
+              <a:t>に基づくリーダ・フォロワ制御の解析</a:t>
+            </a:r>
+            <a:endParaRPr lang="en-US" altLang="ja-JP" dirty="0"/>
+          </a:p>
+          <a:p>
+            <a:pPr lvl="1"/>
+            <a:r>
+              <a:rPr lang="en-US" altLang="ja-JP" dirty="0"/>
+              <a:t>LOS</a:t>
+            </a:r>
+            <a:r>
+              <a:rPr lang="ja-JP" altLang="en-US" dirty="0"/>
+              <a:t>に基づくリーダ・フォロワ制御の追試</a:t>
+            </a:r>
+            <a:endParaRPr lang="en-US" altLang="ja-JP" dirty="0"/>
+          </a:p>
+          <a:p>
+            <a:pPr lvl="1"/>
+            <a:r>
+              <a:rPr lang="en-US" altLang="ja-JP" dirty="0"/>
+              <a:t>Python</a:t>
+            </a:r>
+            <a:r>
+              <a:rPr lang="ja-JP" altLang="en-US" dirty="0"/>
+              <a:t>仮想環境の技術調査</a:t>
+            </a:r>
+            <a:endParaRPr lang="en-US" altLang="ja-JP" dirty="0"/>
+          </a:p>
+          <a:p>
+            <a:pPr lvl="1"/>
+            <a:r>
+              <a:rPr lang="en-US" altLang="ja-JP" dirty="0"/>
+              <a:t>Python +</a:t>
+            </a:r>
+            <a:r>
+              <a:rPr lang="en-US" altLang="ja-JP" dirty="0" err="1"/>
+              <a:t>CoppeliaSim</a:t>
+            </a:r>
+            <a:r>
+              <a:rPr lang="ja-JP" altLang="en-US" dirty="0"/>
+              <a:t>の技術調査</a:t>
+            </a:r>
+            <a:endParaRPr lang="en-US" altLang="ja-JP" dirty="0"/>
+          </a:p>
+          <a:p>
+            <a:r>
+              <a:rPr kumimoji="1" lang="ja-JP" altLang="en-US" dirty="0"/>
+              <a:t>課題</a:t>
+            </a:r>
+            <a:endParaRPr kumimoji="1" lang="en-US" altLang="ja-JP" dirty="0"/>
+          </a:p>
+          <a:p>
+            <a:r>
+              <a:rPr lang="ja-JP" altLang="en-US" dirty="0"/>
+              <a:t>今後の方針</a:t>
+            </a:r>
+            <a:endParaRPr kumimoji="1" lang="ja-JP" altLang="en-US" dirty="0"/>
+          </a:p>
+        </p:txBody>
+      </p:sp>
+      <p:sp>
+        <p:nvSpPr>
+          <p:cNvPr id="4" name="スライド番号プレースホルダー 3">
+            <a:extLst>
+              <a:ext uri="{FF2B5EF4-FFF2-40B4-BE49-F238E27FC236}">
+                <a16:creationId xmlns:a16="http://schemas.microsoft.com/office/drawing/2014/main" id="{FC33E576-600A-683F-DC96-8544A310B7BF}"/>
+              </a:ext>
+            </a:extLst>
+          </p:cNvPr>
+          <p:cNvSpPr>
+            <a:spLocks noGrp="1"/>
+          </p:cNvSpPr>
+          <p:nvPr>
+            <p:ph type="sldNum" sz="quarter" idx="12"/>
+          </p:nvPr>
+        </p:nvSpPr>
+        <p:spPr/>
+        <p:txBody>
+          <a:bodyPr/>
+          <a:lstStyle/>
+          <a:p>
+            <a:fld id="{55407BB7-92F5-4977-AA44-396FA1CF315E}" type="slidenum">
+              <a:rPr kumimoji="1" lang="ja-JP" altLang="en-US" smtClean="0"/>
+              <a:pPr/>
+              <a:t>18</a:t>
+            </a:fld>
+            <a:endParaRPr kumimoji="1" lang="ja-JP" altLang="en-US" dirty="0"/>
+          </a:p>
+        </p:txBody>
+      </p:sp>
+    </p:spTree>
+    <p:extLst>
+      <p:ext uri="{BB962C8B-B14F-4D97-AF65-F5344CB8AC3E}">
+        <p14:creationId xmlns:p14="http://schemas.microsoft.com/office/powerpoint/2010/main" val="2399987983"/>
       </p:ext>
     </p:extLst>
   </p:cSld>

--- a/森本皓斗.pptx
+++ b/森本皓斗.pptx
@@ -5,7 +5,7 @@
     <p:sldMasterId id="2147483660" r:id="rId1"/>
   </p:sldMasterIdLst>
   <p:notesMasterIdLst>
-    <p:notesMasterId r:id="rId21"/>
+    <p:notesMasterId r:id="rId24"/>
   </p:notesMasterIdLst>
   <p:sldIdLst>
     <p:sldId id="256" r:id="rId2"/>
@@ -24,9 +24,12 @@
     <p:sldId id="273" r:id="rId15"/>
     <p:sldId id="274" r:id="rId16"/>
     <p:sldId id="275" r:id="rId17"/>
-    <p:sldId id="276" r:id="rId18"/>
-    <p:sldId id="277" r:id="rId19"/>
+    <p:sldId id="279" r:id="rId18"/>
+    <p:sldId id="276" r:id="rId19"/>
     <p:sldId id="278" r:id="rId20"/>
+    <p:sldId id="277" r:id="rId21"/>
+    <p:sldId id="280" r:id="rId22"/>
+    <p:sldId id="281" r:id="rId23"/>
   </p:sldIdLst>
   <p:sldSz cx="9144000" cy="6858000" type="screen4x3"/>
   <p:notesSz cx="6858000" cy="9144000"/>
@@ -8240,7 +8243,7 @@
           <p:cNvPr id="2" name="タイトル 1">
             <a:extLst>
               <a:ext uri="{FF2B5EF4-FFF2-40B4-BE49-F238E27FC236}">
-                <a16:creationId xmlns:a16="http://schemas.microsoft.com/office/drawing/2014/main" id="{1AEF5D16-5FCC-B2A4-F67B-510A3A1BBCE9}"/>
+                <a16:creationId xmlns:a16="http://schemas.microsoft.com/office/drawing/2014/main" id="{01230179-F4FA-42FD-C4E4-69CB15C65693}"/>
               </a:ext>
             </a:extLst>
           </p:cNvPr>
@@ -8256,7 +8259,11 @@
           <a:bodyPr/>
           <a:lstStyle/>
           <a:p>
-            <a:endParaRPr kumimoji="1" lang="ja-JP" altLang="en-US"/>
+            <a:r>
+              <a:rPr kumimoji="1" lang="en-US" altLang="ja-JP" dirty="0"/>
+              <a:t>Zero MQ Remote API</a:t>
+            </a:r>
+            <a:endParaRPr kumimoji="1" lang="ja-JP" altLang="en-US" dirty="0"/>
           </a:p>
         </p:txBody>
       </p:sp>
@@ -8265,7 +8272,7 @@
           <p:cNvPr id="3" name="コンテンツ プレースホルダー 2">
             <a:extLst>
               <a:ext uri="{FF2B5EF4-FFF2-40B4-BE49-F238E27FC236}">
-                <a16:creationId xmlns:a16="http://schemas.microsoft.com/office/drawing/2014/main" id="{54854C22-392E-2B26-714C-9F55D2C0D94F}"/>
+                <a16:creationId xmlns:a16="http://schemas.microsoft.com/office/drawing/2014/main" id="{C6D2B696-D788-A1C3-3787-BA77FCA2D9F6}"/>
               </a:ext>
             </a:extLst>
           </p:cNvPr>
@@ -8281,7 +8288,149 @@
           <a:bodyPr/>
           <a:lstStyle/>
           <a:p>
-            <a:endParaRPr kumimoji="1" lang="ja-JP" altLang="en-US"/>
+            <a:r>
+              <a:rPr lang="ja-JP" altLang="en-US" b="1" dirty="0"/>
+              <a:t>非同期通信</a:t>
+            </a:r>
+            <a:r>
+              <a:rPr lang="en-US" altLang="ja-JP" dirty="0"/>
+              <a:t>: </a:t>
+            </a:r>
+          </a:p>
+          <a:p>
+            <a:pPr lvl="1"/>
+            <a:r>
+              <a:rPr lang="ja-JP" altLang="en-US" dirty="0"/>
+              <a:t>クライアント（</a:t>
+            </a:r>
+            <a:r>
+              <a:rPr lang="en-US" altLang="ja-JP" dirty="0"/>
+              <a:t>Python</a:t>
+            </a:r>
+            <a:r>
+              <a:rPr lang="ja-JP" altLang="en-US" dirty="0"/>
+              <a:t>）とサーバー（</a:t>
+            </a:r>
+            <a:r>
+              <a:rPr lang="en-US" altLang="ja-JP" dirty="0" err="1"/>
+              <a:t>CoppeliaSim</a:t>
+            </a:r>
+            <a:r>
+              <a:rPr lang="ja-JP" altLang="en-US" dirty="0"/>
+              <a:t>）は必ずしも</a:t>
+            </a:r>
+            <a:br>
+              <a:rPr lang="en-US" altLang="ja-JP" dirty="0"/>
+            </a:br>
+            <a:r>
+              <a:rPr lang="ja-JP" altLang="en-US" dirty="0"/>
+              <a:t>互いの処理を待つ必要なく通信可能</a:t>
+            </a:r>
+            <a:endParaRPr lang="en-US" altLang="ja-JP" dirty="0"/>
+          </a:p>
+          <a:p>
+            <a:r>
+              <a:rPr lang="ja-JP" altLang="en-US" b="1" dirty="0"/>
+              <a:t>ステップ実行モード（同期モード）</a:t>
+            </a:r>
+            <a:r>
+              <a:rPr lang="en-US" altLang="ja-JP" dirty="0"/>
+              <a:t>: </a:t>
+            </a:r>
+          </a:p>
+          <a:p>
+            <a:pPr lvl="1"/>
+            <a:r>
+              <a:rPr lang="en-US" altLang="ja-JP" dirty="0"/>
+              <a:t>Python</a:t>
+            </a:r>
+            <a:r>
+              <a:rPr lang="ja-JP" altLang="en-US" dirty="0"/>
+              <a:t>スクリプトと</a:t>
+            </a:r>
+            <a:r>
+              <a:rPr lang="en-US" altLang="ja-JP" dirty="0" err="1"/>
+              <a:t>CoppeliaSim</a:t>
+            </a:r>
+            <a:r>
+              <a:rPr lang="ja-JP" altLang="en-US" dirty="0"/>
+              <a:t>のシミュレーションステップを</a:t>
+            </a:r>
+            <a:br>
+              <a:rPr lang="en-US" altLang="ja-JP" dirty="0"/>
+            </a:br>
+            <a:r>
+              <a:rPr lang="ja-JP" altLang="en-US" dirty="0"/>
+              <a:t>厳密に同期させ、制御ループの各段階でシミュレーションの状態を正確に把握・操作可能</a:t>
+            </a:r>
+            <a:endParaRPr lang="en-US" altLang="ja-JP" dirty="0"/>
+          </a:p>
+          <a:p>
+            <a:r>
+              <a:rPr lang="ja-JP" altLang="en-US" b="1" dirty="0"/>
+              <a:t>シミュレータ自体のリモート制御</a:t>
+            </a:r>
+            <a:r>
+              <a:rPr lang="en-US" altLang="ja-JP" dirty="0"/>
+              <a:t>: </a:t>
+            </a:r>
+          </a:p>
+          <a:p>
+            <a:pPr lvl="1"/>
+            <a:r>
+              <a:rPr lang="ja-JP" altLang="en-US" dirty="0"/>
+              <a:t>シーンファイルのロード、シミュレーションの開始・一時停止・</a:t>
+            </a:r>
+            <a:br>
+              <a:rPr lang="en-US" altLang="ja-JP" dirty="0"/>
+            </a:br>
+            <a:r>
+              <a:rPr lang="ja-JP" altLang="en-US" dirty="0"/>
+              <a:t>停止といった、シミュレータ全体の操作も</a:t>
+            </a:r>
+            <a:r>
+              <a:rPr lang="en-US" altLang="ja-JP" dirty="0"/>
+              <a:t>Python</a:t>
+            </a:r>
+            <a:r>
+              <a:rPr lang="ja-JP" altLang="en-US" dirty="0"/>
+              <a:t>から行える</a:t>
+            </a:r>
+            <a:endParaRPr kumimoji="1" lang="en-US" altLang="ja-JP" dirty="0"/>
+          </a:p>
+          <a:p>
+            <a:r>
+              <a:rPr lang="ja-JP" altLang="en-US" b="1" dirty="0"/>
+              <a:t>コミュニティとサポート</a:t>
+            </a:r>
+            <a:r>
+              <a:rPr lang="en-US" altLang="ja-JP" b="1" dirty="0"/>
+              <a:t>:</a:t>
+            </a:r>
+          </a:p>
+          <a:p>
+            <a:pPr lvl="1"/>
+            <a:r>
+              <a:rPr lang="en-US" altLang="ja-JP" dirty="0" err="1"/>
+              <a:t>CoppeliaSim</a:t>
+            </a:r>
+            <a:r>
+              <a:rPr lang="ja-JP" altLang="en-US" dirty="0"/>
+              <a:t>の開発元は、</a:t>
+            </a:r>
+            <a:r>
+              <a:rPr lang="en-US" altLang="ja-JP" dirty="0" err="1"/>
+              <a:t>ZeroMQ</a:t>
+            </a:r>
+            <a:r>
+              <a:rPr lang="en-US" altLang="ja-JP" dirty="0"/>
+              <a:t> Remote API</a:t>
+            </a:r>
+            <a:r>
+              <a:rPr lang="ja-JP" altLang="en-US" dirty="0"/>
+              <a:t>を積極的に推奨し、そのためのドキュメントやサンプルコードを充実させている．</a:t>
+            </a:r>
+            <a:endParaRPr kumimoji="1" lang="ja-JP" altLang="en-US" dirty="0"/>
           </a:p>
         </p:txBody>
       </p:sp>
@@ -8290,7 +8439,7 @@
           <p:cNvPr id="4" name="スライド番号プレースホルダー 3">
             <a:extLst>
               <a:ext uri="{FF2B5EF4-FFF2-40B4-BE49-F238E27FC236}">
-                <a16:creationId xmlns:a16="http://schemas.microsoft.com/office/drawing/2014/main" id="{0CA60427-E916-EDE6-D32A-7C344F27AEE6}"/>
+                <a16:creationId xmlns:a16="http://schemas.microsoft.com/office/drawing/2014/main" id="{C1C58ACC-587A-DA47-5030-C84B21929019}"/>
               </a:ext>
             </a:extLst>
           </p:cNvPr>
@@ -8315,35 +8464,10 @@
           </a:p>
         </p:txBody>
       </p:sp>
-      <p:sp>
-        <p:nvSpPr>
-          <p:cNvPr id="5" name="テキスト プレースホルダー 4">
-            <a:extLst>
-              <a:ext uri="{FF2B5EF4-FFF2-40B4-BE49-F238E27FC236}">
-                <a16:creationId xmlns:a16="http://schemas.microsoft.com/office/drawing/2014/main" id="{AD375B24-F18B-DD73-CB77-0A05C59A634D}"/>
-              </a:ext>
-            </a:extLst>
-          </p:cNvPr>
-          <p:cNvSpPr>
-            <a:spLocks noGrp="1"/>
-          </p:cNvSpPr>
-          <p:nvPr>
-            <p:ph type="body" sz="quarter" idx="13"/>
-          </p:nvPr>
-        </p:nvSpPr>
-        <p:spPr/>
-        <p:txBody>
-          <a:bodyPr/>
-          <a:lstStyle/>
-          <a:p>
-            <a:endParaRPr kumimoji="1" lang="ja-JP" altLang="en-US"/>
-          </a:p>
-        </p:txBody>
-      </p:sp>
     </p:spTree>
     <p:extLst>
       <p:ext uri="{BB962C8B-B14F-4D97-AF65-F5344CB8AC3E}">
-        <p14:creationId xmlns:p14="http://schemas.microsoft.com/office/powerpoint/2010/main" val="2577879128"/>
+        <p14:creationId xmlns:p14="http://schemas.microsoft.com/office/powerpoint/2010/main" val="1970911080"/>
       </p:ext>
     </p:extLst>
   </p:cSld>
@@ -8391,7 +8515,18 @@
           <a:bodyPr/>
           <a:lstStyle/>
           <a:p>
-            <a:endParaRPr kumimoji="1" lang="ja-JP" altLang="en-US"/>
+            <a:r>
+              <a:rPr kumimoji="1" lang="ja-JP" altLang="en-US" dirty="0"/>
+              <a:t>２つの</a:t>
+            </a:r>
+            <a:r>
+              <a:rPr kumimoji="1" lang="en-US" altLang="ja-JP" dirty="0"/>
+              <a:t>API</a:t>
+            </a:r>
+            <a:r>
+              <a:rPr kumimoji="1" lang="ja-JP" altLang="en-US" dirty="0"/>
+              <a:t>の比較</a:t>
+            </a:r>
           </a:p>
         </p:txBody>
       </p:sp>
@@ -8416,7 +8551,7 @@
           <a:bodyPr/>
           <a:lstStyle/>
           <a:p>
-            <a:endParaRPr kumimoji="1" lang="ja-JP" altLang="en-US"/>
+            <a:endParaRPr kumimoji="1" lang="ja-JP" altLang="en-US" dirty="0"/>
           </a:p>
         </p:txBody>
       </p:sp>
@@ -8478,7 +8613,7 @@
     </p:spTree>
     <p:extLst>
       <p:ext uri="{BB962C8B-B14F-4D97-AF65-F5344CB8AC3E}">
-        <p14:creationId xmlns:p14="http://schemas.microsoft.com/office/powerpoint/2010/main" val="2686100178"/>
+        <p14:creationId xmlns:p14="http://schemas.microsoft.com/office/powerpoint/2010/main" val="2577879128"/>
       </p:ext>
     </p:extLst>
   </p:cSld>
@@ -8883,6 +9018,510 @@
     <p:extLst>
       <p:ext uri="{BB962C8B-B14F-4D97-AF65-F5344CB8AC3E}">
         <p14:creationId xmlns:p14="http://schemas.microsoft.com/office/powerpoint/2010/main" val="3483990292"/>
+      </p:ext>
+    </p:extLst>
+  </p:cSld>
+  <p:clrMapOvr>
+    <a:masterClrMapping/>
+  </p:clrMapOvr>
+</p:sld>
+</file>
+
+<file path=ppt/slides/slide20.xml><?xml version="1.0" encoding="utf-8"?>
+<p:sld xmlns:a="http://schemas.openxmlformats.org/drawingml/2006/main" xmlns:r="http://schemas.openxmlformats.org/officeDocument/2006/relationships" xmlns:p="http://schemas.openxmlformats.org/presentationml/2006/main">
+  <p:cSld>
+    <p:spTree>
+      <p:nvGrpSpPr>
+        <p:cNvPr id="1" name=""/>
+        <p:cNvGrpSpPr/>
+        <p:nvPr/>
+      </p:nvGrpSpPr>
+      <p:grpSpPr>
+        <a:xfrm>
+          <a:off x="0" y="0"/>
+          <a:ext cx="0" cy="0"/>
+          <a:chOff x="0" y="0"/>
+          <a:chExt cx="0" cy="0"/>
+        </a:xfrm>
+      </p:grpSpPr>
+      <p:sp>
+        <p:nvSpPr>
+          <p:cNvPr id="2" name="タイトル 1">
+            <a:extLst>
+              <a:ext uri="{FF2B5EF4-FFF2-40B4-BE49-F238E27FC236}">
+                <a16:creationId xmlns:a16="http://schemas.microsoft.com/office/drawing/2014/main" id="{1AEF5D16-5FCC-B2A4-F67B-510A3A1BBCE9}"/>
+              </a:ext>
+            </a:extLst>
+          </p:cNvPr>
+          <p:cNvSpPr>
+            <a:spLocks noGrp="1"/>
+          </p:cNvSpPr>
+          <p:nvPr>
+            <p:ph type="title"/>
+          </p:nvPr>
+        </p:nvSpPr>
+        <p:spPr/>
+        <p:txBody>
+          <a:bodyPr/>
+          <a:lstStyle/>
+          <a:p>
+            <a:r>
+              <a:rPr kumimoji="1" lang="ja-JP" altLang="en-US" dirty="0"/>
+              <a:t>課題</a:t>
+            </a:r>
+          </a:p>
+        </p:txBody>
+      </p:sp>
+      <p:sp>
+        <p:nvSpPr>
+          <p:cNvPr id="3" name="コンテンツ プレースホルダー 2">
+            <a:extLst>
+              <a:ext uri="{FF2B5EF4-FFF2-40B4-BE49-F238E27FC236}">
+                <a16:creationId xmlns:a16="http://schemas.microsoft.com/office/drawing/2014/main" id="{54854C22-392E-2B26-714C-9F55D2C0D94F}"/>
+              </a:ext>
+            </a:extLst>
+          </p:cNvPr>
+          <p:cNvSpPr>
+            <a:spLocks noGrp="1"/>
+          </p:cNvSpPr>
+          <p:nvPr>
+            <p:ph idx="1"/>
+          </p:nvPr>
+        </p:nvSpPr>
+        <p:spPr/>
+        <p:txBody>
+          <a:bodyPr/>
+          <a:lstStyle/>
+          <a:p>
+            <a:r>
+              <a:rPr kumimoji="1" lang="ja-JP" altLang="en-US"/>
+              <a:t>本研究</a:t>
+            </a:r>
+            <a:r>
+              <a:rPr kumimoji="1" lang="ja-JP" altLang="en-US" dirty="0"/>
+              <a:t>テーマの要件はシミュレーション環境が</a:t>
+            </a:r>
+            <a:r>
+              <a:rPr kumimoji="1" lang="en-US" altLang="ja-JP" dirty="0" err="1"/>
+              <a:t>CoppeliaSim</a:t>
+            </a:r>
+            <a:br>
+              <a:rPr kumimoji="1" lang="en-US" altLang="ja-JP" dirty="0"/>
+            </a:br>
+            <a:r>
+              <a:rPr kumimoji="1" lang="ja-JP" altLang="en-US" dirty="0"/>
+              <a:t>ではなく</a:t>
+            </a:r>
+            <a:r>
+              <a:rPr kumimoji="1" lang="en-US" altLang="ja-JP" dirty="0"/>
+              <a:t>NVIDIA</a:t>
+            </a:r>
+            <a:r>
+              <a:rPr kumimoji="1" lang="ja-JP" altLang="en-US" dirty="0"/>
+              <a:t>の</a:t>
+            </a:r>
+            <a:r>
+              <a:rPr kumimoji="1" lang="en-US" altLang="ja-JP" dirty="0" err="1"/>
+              <a:t>IssacSim</a:t>
+            </a:r>
+            <a:r>
+              <a:rPr kumimoji="1" lang="ja-JP" altLang="en-US" dirty="0"/>
+              <a:t>となっている</a:t>
+            </a:r>
+            <a:endParaRPr kumimoji="1" lang="en-US" altLang="ja-JP" dirty="0"/>
+          </a:p>
+          <a:p>
+            <a:endParaRPr lang="en-US" altLang="ja-JP" dirty="0"/>
+          </a:p>
+          <a:p>
+            <a:endParaRPr kumimoji="1" lang="ja-JP" altLang="en-US" dirty="0"/>
+          </a:p>
+        </p:txBody>
+      </p:sp>
+      <p:sp>
+        <p:nvSpPr>
+          <p:cNvPr id="4" name="スライド番号プレースホルダー 3">
+            <a:extLst>
+              <a:ext uri="{FF2B5EF4-FFF2-40B4-BE49-F238E27FC236}">
+                <a16:creationId xmlns:a16="http://schemas.microsoft.com/office/drawing/2014/main" id="{0CA60427-E916-EDE6-D32A-7C344F27AEE6}"/>
+              </a:ext>
+            </a:extLst>
+          </p:cNvPr>
+          <p:cNvSpPr>
+            <a:spLocks noGrp="1"/>
+          </p:cNvSpPr>
+          <p:nvPr>
+            <p:ph type="sldNum" sz="quarter" idx="12"/>
+          </p:nvPr>
+        </p:nvSpPr>
+        <p:spPr/>
+        <p:txBody>
+          <a:bodyPr/>
+          <a:lstStyle/>
+          <a:p>
+            <a:fld id="{55407BB7-92F5-4977-AA44-396FA1CF315E}" type="slidenum">
+              <a:rPr kumimoji="1" lang="ja-JP" altLang="en-US" smtClean="0"/>
+              <a:pPr/>
+              <a:t>19</a:t>
+            </a:fld>
+            <a:endParaRPr kumimoji="1" lang="ja-JP" altLang="en-US" dirty="0"/>
+          </a:p>
+        </p:txBody>
+      </p:sp>
+      <p:sp>
+        <p:nvSpPr>
+          <p:cNvPr id="5" name="テキスト プレースホルダー 4">
+            <a:extLst>
+              <a:ext uri="{FF2B5EF4-FFF2-40B4-BE49-F238E27FC236}">
+                <a16:creationId xmlns:a16="http://schemas.microsoft.com/office/drawing/2014/main" id="{AD375B24-F18B-DD73-CB77-0A05C59A634D}"/>
+              </a:ext>
+            </a:extLst>
+          </p:cNvPr>
+          <p:cNvSpPr>
+            <a:spLocks noGrp="1"/>
+          </p:cNvSpPr>
+          <p:nvPr>
+            <p:ph type="body" sz="quarter" idx="13"/>
+          </p:nvPr>
+        </p:nvSpPr>
+        <p:spPr/>
+        <p:txBody>
+          <a:bodyPr/>
+          <a:lstStyle/>
+          <a:p>
+            <a:endParaRPr kumimoji="1" lang="ja-JP" altLang="en-US"/>
+          </a:p>
+        </p:txBody>
+      </p:sp>
+    </p:spTree>
+    <p:extLst>
+      <p:ext uri="{BB962C8B-B14F-4D97-AF65-F5344CB8AC3E}">
+        <p14:creationId xmlns:p14="http://schemas.microsoft.com/office/powerpoint/2010/main" val="2686100178"/>
+      </p:ext>
+    </p:extLst>
+  </p:cSld>
+  <p:clrMapOvr>
+    <a:masterClrMapping/>
+  </p:clrMapOvr>
+</p:sld>
+</file>
+
+<file path=ppt/slides/slide21.xml><?xml version="1.0" encoding="utf-8"?>
+<p:sld xmlns:a="http://schemas.openxmlformats.org/drawingml/2006/main" xmlns:r="http://schemas.openxmlformats.org/officeDocument/2006/relationships" xmlns:p="http://schemas.openxmlformats.org/presentationml/2006/main">
+  <p:cSld>
+    <p:spTree>
+      <p:nvGrpSpPr>
+        <p:cNvPr id="1" name=""/>
+        <p:cNvGrpSpPr/>
+        <p:nvPr/>
+      </p:nvGrpSpPr>
+      <p:grpSpPr>
+        <a:xfrm>
+          <a:off x="0" y="0"/>
+          <a:ext cx="0" cy="0"/>
+          <a:chOff x="0" y="0"/>
+          <a:chExt cx="0" cy="0"/>
+        </a:xfrm>
+      </p:grpSpPr>
+      <p:sp>
+        <p:nvSpPr>
+          <p:cNvPr id="2" name="タイトル 1">
+            <a:extLst>
+              <a:ext uri="{FF2B5EF4-FFF2-40B4-BE49-F238E27FC236}">
+                <a16:creationId xmlns:a16="http://schemas.microsoft.com/office/drawing/2014/main" id="{2050BE79-B88F-FF8B-6BA5-D26B97DBDD5A}"/>
+              </a:ext>
+            </a:extLst>
+          </p:cNvPr>
+          <p:cNvSpPr>
+            <a:spLocks noGrp="1"/>
+          </p:cNvSpPr>
+          <p:nvPr>
+            <p:ph type="title"/>
+          </p:nvPr>
+        </p:nvSpPr>
+        <p:spPr/>
+        <p:txBody>
+          <a:bodyPr/>
+          <a:lstStyle/>
+          <a:p>
+            <a:r>
+              <a:rPr kumimoji="1" lang="ja-JP" altLang="en-US" dirty="0"/>
+              <a:t>目次</a:t>
+            </a:r>
+          </a:p>
+        </p:txBody>
+      </p:sp>
+      <p:sp>
+        <p:nvSpPr>
+          <p:cNvPr id="3" name="コンテンツ プレースホルダー 2">
+            <a:extLst>
+              <a:ext uri="{FF2B5EF4-FFF2-40B4-BE49-F238E27FC236}">
+                <a16:creationId xmlns:a16="http://schemas.microsoft.com/office/drawing/2014/main" id="{B65B5EFB-27E8-7C48-B344-8691626E7FC9}"/>
+              </a:ext>
+            </a:extLst>
+          </p:cNvPr>
+          <p:cNvSpPr>
+            <a:spLocks noGrp="1"/>
+          </p:cNvSpPr>
+          <p:nvPr>
+            <p:ph idx="1"/>
+          </p:nvPr>
+        </p:nvSpPr>
+        <p:spPr/>
+        <p:txBody>
+          <a:bodyPr/>
+          <a:lstStyle/>
+          <a:p>
+            <a:r>
+              <a:rPr kumimoji="1" lang="ja-JP" altLang="en-US" dirty="0"/>
+              <a:t>研究テーマについて</a:t>
+            </a:r>
+            <a:endParaRPr kumimoji="1" lang="en-US" altLang="ja-JP" dirty="0"/>
+          </a:p>
+          <a:p>
+            <a:r>
+              <a:rPr lang="ja-JP" altLang="en-US" dirty="0"/>
+              <a:t>これまで取り組んだこと</a:t>
+            </a:r>
+            <a:endParaRPr lang="en-US" altLang="ja-JP" dirty="0"/>
+          </a:p>
+          <a:p>
+            <a:pPr lvl="1"/>
+            <a:r>
+              <a:rPr lang="en-US" altLang="ja-JP" dirty="0"/>
+              <a:t>LOS</a:t>
+            </a:r>
+            <a:r>
+              <a:rPr lang="ja-JP" altLang="en-US" dirty="0"/>
+              <a:t>に基づくリーダ・フォロワ制御の解析</a:t>
+            </a:r>
+            <a:endParaRPr lang="en-US" altLang="ja-JP" dirty="0"/>
+          </a:p>
+          <a:p>
+            <a:pPr lvl="1"/>
+            <a:r>
+              <a:rPr lang="en-US" altLang="ja-JP" dirty="0"/>
+              <a:t>LOS</a:t>
+            </a:r>
+            <a:r>
+              <a:rPr lang="ja-JP" altLang="en-US" dirty="0"/>
+              <a:t>に基づくリーダ・フォロワ制御の追試</a:t>
+            </a:r>
+            <a:endParaRPr lang="en-US" altLang="ja-JP" dirty="0"/>
+          </a:p>
+          <a:p>
+            <a:pPr lvl="1"/>
+            <a:r>
+              <a:rPr lang="en-US" altLang="ja-JP" dirty="0"/>
+              <a:t>Python</a:t>
+            </a:r>
+            <a:r>
+              <a:rPr lang="ja-JP" altLang="en-US" dirty="0"/>
+              <a:t>仮想環境の技術調査</a:t>
+            </a:r>
+            <a:endParaRPr lang="en-US" altLang="ja-JP" dirty="0"/>
+          </a:p>
+          <a:p>
+            <a:pPr lvl="1"/>
+            <a:r>
+              <a:rPr lang="en-US" altLang="ja-JP" dirty="0"/>
+              <a:t>Python +</a:t>
+            </a:r>
+            <a:r>
+              <a:rPr lang="en-US" altLang="ja-JP" dirty="0" err="1"/>
+              <a:t>CoppeliaSim</a:t>
+            </a:r>
+            <a:r>
+              <a:rPr lang="ja-JP" altLang="en-US" dirty="0"/>
+              <a:t>の技術調査</a:t>
+            </a:r>
+            <a:endParaRPr lang="en-US" altLang="ja-JP" dirty="0"/>
+          </a:p>
+          <a:p>
+            <a:r>
+              <a:rPr kumimoji="1" lang="ja-JP" altLang="en-US" dirty="0"/>
+              <a:t>課題</a:t>
+            </a:r>
+            <a:endParaRPr kumimoji="1" lang="en-US" altLang="ja-JP" dirty="0"/>
+          </a:p>
+          <a:p>
+            <a:r>
+              <a:rPr lang="ja-JP" altLang="en-US" dirty="0"/>
+              <a:t>今後の方針</a:t>
+            </a:r>
+            <a:endParaRPr kumimoji="1" lang="ja-JP" altLang="en-US" dirty="0"/>
+          </a:p>
+        </p:txBody>
+      </p:sp>
+      <p:sp>
+        <p:nvSpPr>
+          <p:cNvPr id="4" name="スライド番号プレースホルダー 3">
+            <a:extLst>
+              <a:ext uri="{FF2B5EF4-FFF2-40B4-BE49-F238E27FC236}">
+                <a16:creationId xmlns:a16="http://schemas.microsoft.com/office/drawing/2014/main" id="{FC33E576-600A-683F-DC96-8544A310B7BF}"/>
+              </a:ext>
+            </a:extLst>
+          </p:cNvPr>
+          <p:cNvSpPr>
+            <a:spLocks noGrp="1"/>
+          </p:cNvSpPr>
+          <p:nvPr>
+            <p:ph type="sldNum" sz="quarter" idx="12"/>
+          </p:nvPr>
+        </p:nvSpPr>
+        <p:spPr/>
+        <p:txBody>
+          <a:bodyPr/>
+          <a:lstStyle/>
+          <a:p>
+            <a:fld id="{55407BB7-92F5-4977-AA44-396FA1CF315E}" type="slidenum">
+              <a:rPr kumimoji="1" lang="ja-JP" altLang="en-US" smtClean="0"/>
+              <a:pPr/>
+              <a:t>20</a:t>
+            </a:fld>
+            <a:endParaRPr kumimoji="1" lang="ja-JP" altLang="en-US" dirty="0"/>
+          </a:p>
+        </p:txBody>
+      </p:sp>
+    </p:spTree>
+    <p:extLst>
+      <p:ext uri="{BB962C8B-B14F-4D97-AF65-F5344CB8AC3E}">
+        <p14:creationId xmlns:p14="http://schemas.microsoft.com/office/powerpoint/2010/main" val="4182858109"/>
+      </p:ext>
+    </p:extLst>
+  </p:cSld>
+  <p:clrMapOvr>
+    <a:masterClrMapping/>
+  </p:clrMapOvr>
+</p:sld>
+</file>
+
+<file path=ppt/slides/slide22.xml><?xml version="1.0" encoding="utf-8"?>
+<p:sld xmlns:a="http://schemas.openxmlformats.org/drawingml/2006/main" xmlns:r="http://schemas.openxmlformats.org/officeDocument/2006/relationships" xmlns:p="http://schemas.openxmlformats.org/presentationml/2006/main">
+  <p:cSld>
+    <p:spTree>
+      <p:nvGrpSpPr>
+        <p:cNvPr id="1" name=""/>
+        <p:cNvGrpSpPr/>
+        <p:nvPr/>
+      </p:nvGrpSpPr>
+      <p:grpSpPr>
+        <a:xfrm>
+          <a:off x="0" y="0"/>
+          <a:ext cx="0" cy="0"/>
+          <a:chOff x="0" y="0"/>
+          <a:chExt cx="0" cy="0"/>
+        </a:xfrm>
+      </p:grpSpPr>
+      <p:sp>
+        <p:nvSpPr>
+          <p:cNvPr id="2" name="タイトル 1">
+            <a:extLst>
+              <a:ext uri="{FF2B5EF4-FFF2-40B4-BE49-F238E27FC236}">
+                <a16:creationId xmlns:a16="http://schemas.microsoft.com/office/drawing/2014/main" id="{1F87813F-E456-B829-4307-FA5358BD8D93}"/>
+              </a:ext>
+            </a:extLst>
+          </p:cNvPr>
+          <p:cNvSpPr>
+            <a:spLocks noGrp="1"/>
+          </p:cNvSpPr>
+          <p:nvPr>
+            <p:ph type="title"/>
+          </p:nvPr>
+        </p:nvSpPr>
+        <p:spPr/>
+        <p:txBody>
+          <a:bodyPr/>
+          <a:lstStyle/>
+          <a:p>
+            <a:endParaRPr kumimoji="1" lang="ja-JP" altLang="en-US"/>
+          </a:p>
+        </p:txBody>
+      </p:sp>
+      <p:sp>
+        <p:nvSpPr>
+          <p:cNvPr id="3" name="コンテンツ プレースホルダー 2">
+            <a:extLst>
+              <a:ext uri="{FF2B5EF4-FFF2-40B4-BE49-F238E27FC236}">
+                <a16:creationId xmlns:a16="http://schemas.microsoft.com/office/drawing/2014/main" id="{F6878C42-A36B-16BD-DAC5-7D2006BF0092}"/>
+              </a:ext>
+            </a:extLst>
+          </p:cNvPr>
+          <p:cNvSpPr>
+            <a:spLocks noGrp="1"/>
+          </p:cNvSpPr>
+          <p:nvPr>
+            <p:ph idx="1"/>
+          </p:nvPr>
+        </p:nvSpPr>
+        <p:spPr/>
+        <p:txBody>
+          <a:bodyPr/>
+          <a:lstStyle/>
+          <a:p>
+            <a:endParaRPr kumimoji="1" lang="ja-JP" altLang="en-US"/>
+          </a:p>
+        </p:txBody>
+      </p:sp>
+      <p:sp>
+        <p:nvSpPr>
+          <p:cNvPr id="4" name="スライド番号プレースホルダー 3">
+            <a:extLst>
+              <a:ext uri="{FF2B5EF4-FFF2-40B4-BE49-F238E27FC236}">
+                <a16:creationId xmlns:a16="http://schemas.microsoft.com/office/drawing/2014/main" id="{BB8730F5-B8F5-79AE-432B-1F0C04A65330}"/>
+              </a:ext>
+            </a:extLst>
+          </p:cNvPr>
+          <p:cNvSpPr>
+            <a:spLocks noGrp="1"/>
+          </p:cNvSpPr>
+          <p:nvPr>
+            <p:ph type="sldNum" sz="quarter" idx="12"/>
+          </p:nvPr>
+        </p:nvSpPr>
+        <p:spPr/>
+        <p:txBody>
+          <a:bodyPr/>
+          <a:lstStyle/>
+          <a:p>
+            <a:fld id="{55407BB7-92F5-4977-AA44-396FA1CF315E}" type="slidenum">
+              <a:rPr kumimoji="1" lang="ja-JP" altLang="en-US" smtClean="0"/>
+              <a:pPr/>
+              <a:t>21</a:t>
+            </a:fld>
+            <a:endParaRPr kumimoji="1" lang="ja-JP" altLang="en-US" dirty="0"/>
+          </a:p>
+        </p:txBody>
+      </p:sp>
+      <p:sp>
+        <p:nvSpPr>
+          <p:cNvPr id="5" name="テキスト プレースホルダー 4">
+            <a:extLst>
+              <a:ext uri="{FF2B5EF4-FFF2-40B4-BE49-F238E27FC236}">
+                <a16:creationId xmlns:a16="http://schemas.microsoft.com/office/drawing/2014/main" id="{BE860D88-CD9B-4D54-C3F3-B4171824C192}"/>
+              </a:ext>
+            </a:extLst>
+          </p:cNvPr>
+          <p:cNvSpPr>
+            <a:spLocks noGrp="1"/>
+          </p:cNvSpPr>
+          <p:nvPr>
+            <p:ph type="body" sz="quarter" idx="13"/>
+          </p:nvPr>
+        </p:nvSpPr>
+        <p:spPr/>
+        <p:txBody>
+          <a:bodyPr/>
+          <a:lstStyle/>
+          <a:p>
+            <a:endParaRPr kumimoji="1" lang="ja-JP" altLang="en-US"/>
+          </a:p>
+        </p:txBody>
+      </p:sp>
+    </p:spTree>
+    <p:extLst>
+      <p:ext uri="{BB962C8B-B14F-4D97-AF65-F5344CB8AC3E}">
+        <p14:creationId xmlns:p14="http://schemas.microsoft.com/office/powerpoint/2010/main" val="2934457404"/>
       </p:ext>
     </p:extLst>
   </p:cSld>

--- a/森本皓斗.pptx
+++ b/森本皓斗.pptx
@@ -5,7 +5,7 @@
     <p:sldMasterId id="2147483660" r:id="rId1"/>
   </p:sldMasterIdLst>
   <p:notesMasterIdLst>
-    <p:notesMasterId r:id="rId24"/>
+    <p:notesMasterId r:id="rId28"/>
   </p:notesMasterIdLst>
   <p:sldIdLst>
     <p:sldId id="256" r:id="rId2"/>
@@ -23,13 +23,17 @@
     <p:sldId id="272" r:id="rId14"/>
     <p:sldId id="273" r:id="rId15"/>
     <p:sldId id="274" r:id="rId16"/>
-    <p:sldId id="275" r:id="rId17"/>
-    <p:sldId id="279" r:id="rId18"/>
-    <p:sldId id="276" r:id="rId19"/>
-    <p:sldId id="278" r:id="rId20"/>
-    <p:sldId id="277" r:id="rId21"/>
-    <p:sldId id="280" r:id="rId22"/>
-    <p:sldId id="281" r:id="rId23"/>
+    <p:sldId id="282" r:id="rId17"/>
+    <p:sldId id="283" r:id="rId18"/>
+    <p:sldId id="284" r:id="rId19"/>
+    <p:sldId id="285" r:id="rId20"/>
+    <p:sldId id="275" r:id="rId21"/>
+    <p:sldId id="279" r:id="rId22"/>
+    <p:sldId id="276" r:id="rId23"/>
+    <p:sldId id="278" r:id="rId24"/>
+    <p:sldId id="277" r:id="rId25"/>
+    <p:sldId id="280" r:id="rId26"/>
+    <p:sldId id="281" r:id="rId27"/>
   </p:sldIdLst>
   <p:sldSz cx="9144000" cy="6858000" type="screen4x3"/>
   <p:notesSz cx="6858000" cy="9144000"/>
@@ -7741,7 +7745,10 @@
           <a:bodyPr/>
           <a:lstStyle/>
           <a:p>
-            <a:endParaRPr kumimoji="1" lang="ja-JP" altLang="en-US"/>
+            <a:r>
+              <a:rPr kumimoji="1" lang="ja-JP" altLang="en-US" dirty="0"/>
+              <a:t>フォロワの目的速度を制御入力とする</a:t>
+            </a:r>
           </a:p>
         </p:txBody>
       </p:sp>
@@ -7796,7 +7803,10 @@
           <a:bodyPr/>
           <a:lstStyle/>
           <a:p>
-            <a:endParaRPr kumimoji="1" lang="ja-JP" altLang="en-US"/>
+            <a:r>
+              <a:rPr kumimoji="1" lang="ja-JP" altLang="en-US" dirty="0"/>
+              <a:t>制御入力の方向</a:t>
+            </a:r>
           </a:p>
         </p:txBody>
       </p:sp>
@@ -7910,6 +7920,219 @@
           <a:chExt cx="0" cy="0"/>
         </a:xfrm>
       </p:grpSpPr>
+      <mc:AlternateContent xmlns:mc="http://schemas.openxmlformats.org/markup-compatibility/2006">
+        <mc:Choice xmlns:a14="http://schemas.microsoft.com/office/drawing/2010/main" Requires="a14">
+          <p:sp>
+            <p:nvSpPr>
+              <p:cNvPr id="2" name="タイトル 1">
+                <a:extLst>
+                  <a:ext uri="{FF2B5EF4-FFF2-40B4-BE49-F238E27FC236}">
+                    <a16:creationId xmlns:a16="http://schemas.microsoft.com/office/drawing/2014/main" id="{1AEF5D16-5FCC-B2A4-F67B-510A3A1BBCE9}"/>
+                  </a:ext>
+                </a:extLst>
+              </p:cNvPr>
+              <p:cNvSpPr>
+                <a:spLocks noGrp="1"/>
+              </p:cNvSpPr>
+              <p:nvPr>
+                <p:ph type="title"/>
+              </p:nvPr>
+            </p:nvSpPr>
+            <p:spPr/>
+            <p:txBody>
+              <a:bodyPr/>
+              <a:lstStyle/>
+              <a:p>
+                <a:r>
+                  <a:rPr kumimoji="1" lang="ja-JP" altLang="en-US" dirty="0"/>
+                  <a:t>係数</a:t>
+                </a:r>
+                <a14:m>
+                  <m:oMath xmlns:m="http://schemas.openxmlformats.org/officeDocument/2006/math">
+                    <m:r>
+                      <a:rPr kumimoji="1" lang="en-US" altLang="ja-JP" b="1" i="1" smtClean="0">
+                        <a:latin typeface="Cambria Math" panose="02040503050406030204" pitchFamily="18" charset="0"/>
+                      </a:rPr>
+                      <m:t>𝒉</m:t>
+                    </m:r>
+                    <m:r>
+                      <a:rPr kumimoji="1" lang="en-US" altLang="ja-JP" b="1" i="1" smtClean="0">
+                        <a:latin typeface="Cambria Math" panose="02040503050406030204" pitchFamily="18" charset="0"/>
+                      </a:rPr>
+                      <m:t>(</m:t>
+                    </m:r>
+                    <m:r>
+                      <a:rPr kumimoji="1" lang="en-US" altLang="ja-JP" b="1" i="1" smtClean="0">
+                        <a:latin typeface="Cambria Math" panose="02040503050406030204" pitchFamily="18" charset="0"/>
+                      </a:rPr>
+                      <m:t>𝒕</m:t>
+                    </m:r>
+                    <m:r>
+                      <a:rPr kumimoji="1" lang="en-US" altLang="ja-JP" b="1" i="1" smtClean="0">
+                        <a:latin typeface="Cambria Math" panose="02040503050406030204" pitchFamily="18" charset="0"/>
+                      </a:rPr>
+                      <m:t>)</m:t>
+                    </m:r>
+                  </m:oMath>
+                </a14:m>
+                <a:r>
+                  <a:rPr kumimoji="1" lang="ja-JP" altLang="en-US" dirty="0"/>
+                  <a:t>の役割</a:t>
+                </a:r>
+              </a:p>
+            </p:txBody>
+          </p:sp>
+        </mc:Choice>
+        <mc:Fallback>
+          <p:sp>
+            <p:nvSpPr>
+              <p:cNvPr id="2" name="タイトル 1">
+                <a:extLst>
+                  <a:ext uri="{FF2B5EF4-FFF2-40B4-BE49-F238E27FC236}">
+                    <a16:creationId xmlns:a16="http://schemas.microsoft.com/office/drawing/2014/main" id="{1AEF5D16-5FCC-B2A4-F67B-510A3A1BBCE9}"/>
+                  </a:ext>
+                </a:extLst>
+              </p:cNvPr>
+              <p:cNvSpPr>
+                <a:spLocks noGrp="1" noRot="1" noChangeAspect="1" noMove="1" noResize="1" noEditPoints="1" noAdjustHandles="1" noChangeArrowheads="1" noChangeShapeType="1" noTextEdit="1"/>
+              </p:cNvSpPr>
+              <p:nvPr>
+                <p:ph type="title"/>
+              </p:nvPr>
+            </p:nvSpPr>
+            <p:spPr>
+              <a:blipFill>
+                <a:blip r:embed="rId2"/>
+                <a:stretch>
+                  <a:fillRect l="-2705" t="-4795" b="-15753"/>
+                </a:stretch>
+              </a:blipFill>
+            </p:spPr>
+            <p:txBody>
+              <a:bodyPr/>
+              <a:lstStyle/>
+              <a:p>
+                <a:r>
+                  <a:rPr lang="ja-JP" altLang="en-US">
+                    <a:noFill/>
+                  </a:rPr>
+                  <a:t> </a:t>
+                </a:r>
+              </a:p>
+            </p:txBody>
+          </p:sp>
+        </mc:Fallback>
+      </mc:AlternateContent>
+      <p:sp>
+        <p:nvSpPr>
+          <p:cNvPr id="3" name="コンテンツ プレースホルダー 2">
+            <a:extLst>
+              <a:ext uri="{FF2B5EF4-FFF2-40B4-BE49-F238E27FC236}">
+                <a16:creationId xmlns:a16="http://schemas.microsoft.com/office/drawing/2014/main" id="{54854C22-392E-2B26-714C-9F55D2C0D94F}"/>
+              </a:ext>
+            </a:extLst>
+          </p:cNvPr>
+          <p:cNvSpPr>
+            <a:spLocks noGrp="1"/>
+          </p:cNvSpPr>
+          <p:nvPr>
+            <p:ph idx="1"/>
+          </p:nvPr>
+        </p:nvSpPr>
+        <p:spPr/>
+        <p:txBody>
+          <a:bodyPr/>
+          <a:lstStyle/>
+          <a:p>
+            <a:endParaRPr kumimoji="1" lang="ja-JP" altLang="en-US"/>
+          </a:p>
+        </p:txBody>
+      </p:sp>
+      <p:sp>
+        <p:nvSpPr>
+          <p:cNvPr id="4" name="スライド番号プレースホルダー 3">
+            <a:extLst>
+              <a:ext uri="{FF2B5EF4-FFF2-40B4-BE49-F238E27FC236}">
+                <a16:creationId xmlns:a16="http://schemas.microsoft.com/office/drawing/2014/main" id="{0CA60427-E916-EDE6-D32A-7C344F27AEE6}"/>
+              </a:ext>
+            </a:extLst>
+          </p:cNvPr>
+          <p:cNvSpPr>
+            <a:spLocks noGrp="1"/>
+          </p:cNvSpPr>
+          <p:nvPr>
+            <p:ph type="sldNum" sz="quarter" idx="12"/>
+          </p:nvPr>
+        </p:nvSpPr>
+        <p:spPr/>
+        <p:txBody>
+          <a:bodyPr/>
+          <a:lstStyle/>
+          <a:p>
+            <a:fld id="{55407BB7-92F5-4977-AA44-396FA1CF315E}" type="slidenum">
+              <a:rPr kumimoji="1" lang="ja-JP" altLang="en-US" smtClean="0"/>
+              <a:pPr/>
+              <a:t>15</a:t>
+            </a:fld>
+            <a:endParaRPr kumimoji="1" lang="ja-JP" altLang="en-US" dirty="0"/>
+          </a:p>
+        </p:txBody>
+      </p:sp>
+      <p:sp>
+        <p:nvSpPr>
+          <p:cNvPr id="5" name="テキスト プレースホルダー 4">
+            <a:extLst>
+              <a:ext uri="{FF2B5EF4-FFF2-40B4-BE49-F238E27FC236}">
+                <a16:creationId xmlns:a16="http://schemas.microsoft.com/office/drawing/2014/main" id="{AD375B24-F18B-DD73-CB77-0A05C59A634D}"/>
+              </a:ext>
+            </a:extLst>
+          </p:cNvPr>
+          <p:cNvSpPr>
+            <a:spLocks noGrp="1"/>
+          </p:cNvSpPr>
+          <p:nvPr>
+            <p:ph type="body" sz="quarter" idx="13"/>
+          </p:nvPr>
+        </p:nvSpPr>
+        <p:spPr/>
+        <p:txBody>
+          <a:bodyPr/>
+          <a:lstStyle/>
+          <a:p>
+            <a:endParaRPr kumimoji="1" lang="ja-JP" altLang="en-US"/>
+          </a:p>
+        </p:txBody>
+      </p:sp>
+    </p:spTree>
+    <p:extLst>
+      <p:ext uri="{BB962C8B-B14F-4D97-AF65-F5344CB8AC3E}">
+        <p14:creationId xmlns:p14="http://schemas.microsoft.com/office/powerpoint/2010/main" val="917437523"/>
+      </p:ext>
+    </p:extLst>
+  </p:cSld>
+  <p:clrMapOvr>
+    <a:masterClrMapping/>
+  </p:clrMapOvr>
+</p:sld>
+</file>
+
+<file path=ppt/slides/slide17.xml><?xml version="1.0" encoding="utf-8"?>
+<p:sld xmlns:a="http://schemas.openxmlformats.org/drawingml/2006/main" xmlns:r="http://schemas.openxmlformats.org/officeDocument/2006/relationships" xmlns:p="http://schemas.openxmlformats.org/presentationml/2006/main">
+  <p:cSld>
+    <p:spTree>
+      <p:nvGrpSpPr>
+        <p:cNvPr id="1" name=""/>
+        <p:cNvGrpSpPr/>
+        <p:nvPr/>
+      </p:nvGrpSpPr>
+      <p:grpSpPr>
+        <a:xfrm>
+          <a:off x="0" y="0"/>
+          <a:ext cx="0" cy="0"/>
+          <a:chOff x="0" y="0"/>
+          <a:chExt cx="0" cy="0"/>
+        </a:xfrm>
+      </p:grpSpPr>
       <p:sp>
         <p:nvSpPr>
           <p:cNvPr id="2" name="タイトル 1">
@@ -7928,16 +8151,14 @@
         </p:nvSpPr>
         <p:spPr/>
         <p:txBody>
-          <a:bodyPr/>
-          <a:lstStyle/>
-          <a:p>
-            <a:r>
-              <a:rPr kumimoji="1" lang="en-US" altLang="ja-JP" dirty="0"/>
-              <a:t>Python API</a:t>
-            </a:r>
+          <a:bodyPr>
+            <a:normAutofit/>
+          </a:bodyPr>
+          <a:lstStyle/>
+          <a:p>
             <a:r>
               <a:rPr kumimoji="1" lang="ja-JP" altLang="en-US" dirty="0"/>
-              <a:t>の選定</a:t>
+              <a:t>制御入力の大きさ</a:t>
             </a:r>
           </a:p>
         </p:txBody>
@@ -7963,116 +8184,7 @@
           <a:bodyPr/>
           <a:lstStyle/>
           <a:p>
-            <a:r>
-              <a:rPr lang="ja-JP" altLang="en-US" dirty="0"/>
-              <a:t>シミュレータと外部スクリプトを連携させるには</a:t>
-            </a:r>
-            <a:r>
-              <a:rPr lang="en-US" altLang="ja-JP" dirty="0"/>
-              <a:t>API</a:t>
-            </a:r>
-            <a:r>
-              <a:rPr lang="ja-JP" altLang="en-US" dirty="0"/>
-              <a:t>を</a:t>
-            </a:r>
-            <a:br>
-              <a:rPr lang="en-US" altLang="ja-JP" dirty="0"/>
-            </a:br>
-            <a:r>
-              <a:rPr lang="ja-JP" altLang="en-US" dirty="0"/>
-              <a:t>用いる必要がある</a:t>
-            </a:r>
-            <a:endParaRPr lang="en-US" altLang="ja-JP" dirty="0"/>
-          </a:p>
-          <a:p>
-            <a:endParaRPr kumimoji="1" lang="en-US" altLang="ja-JP" dirty="0"/>
-          </a:p>
-          <a:p>
-            <a:r>
-              <a:rPr kumimoji="1" lang="en-US" altLang="ja-JP" dirty="0" err="1"/>
-              <a:t>CoppeliaSim</a:t>
-            </a:r>
-            <a:r>
-              <a:rPr lang="ja-JP" altLang="en-US" dirty="0"/>
-              <a:t>は主に</a:t>
-            </a:r>
-            <a:r>
-              <a:rPr lang="en-US" altLang="ja-JP" dirty="0"/>
-              <a:t>2</a:t>
-            </a:r>
-            <a:r>
-              <a:rPr lang="ja-JP" altLang="en-US" dirty="0"/>
-              <a:t>つの</a:t>
-            </a:r>
-            <a:r>
-              <a:rPr lang="en-US" altLang="ja-JP" dirty="0"/>
-              <a:t>Remote API</a:t>
-            </a:r>
-            <a:r>
-              <a:rPr lang="ja-JP" altLang="en-US" dirty="0"/>
-              <a:t>を提供</a:t>
-            </a:r>
-            <a:endParaRPr lang="en-US" altLang="ja-JP" dirty="0"/>
-          </a:p>
-          <a:p>
-            <a:pPr lvl="1"/>
-            <a:r>
-              <a:rPr kumimoji="1" lang="en-US" altLang="ja-JP" dirty="0"/>
-              <a:t>Zero MQ Remote API</a:t>
-            </a:r>
-          </a:p>
-          <a:p>
-            <a:pPr lvl="1"/>
-            <a:r>
-              <a:rPr lang="en-US" altLang="ja-JP" dirty="0"/>
-              <a:t>Legacy</a:t>
-            </a:r>
-            <a:r>
-              <a:rPr lang="ja-JP" altLang="en-US" dirty="0"/>
-              <a:t> </a:t>
-            </a:r>
-            <a:r>
-              <a:rPr lang="en-US" altLang="ja-JP" dirty="0"/>
-              <a:t>Remote API</a:t>
-            </a:r>
-            <a:endParaRPr kumimoji="1" lang="ja-JP" altLang="en-US" dirty="0"/>
-          </a:p>
-          <a:p>
-            <a:pPr marL="0" indent="0">
-              <a:buNone/>
-            </a:pPr>
-            <a:endParaRPr lang="en-US" altLang="ja-JP" dirty="0"/>
-          </a:p>
-          <a:p>
-            <a:r>
-              <a:rPr kumimoji="1" lang="en-US" altLang="ja-JP" dirty="0" err="1"/>
-              <a:t>CoppeliaSim</a:t>
-            </a:r>
-            <a:r>
-              <a:rPr kumimoji="1" lang="en-US" altLang="ja-JP" dirty="0"/>
-              <a:t> V4.4</a:t>
-            </a:r>
-            <a:r>
-              <a:rPr kumimoji="1" lang="ja-JP" altLang="en-US" dirty="0"/>
-              <a:t>から</a:t>
-            </a:r>
-            <a:r>
-              <a:rPr lang="en-US" altLang="ja-JP" dirty="0"/>
-              <a:t>Legacy</a:t>
-            </a:r>
-            <a:r>
-              <a:rPr lang="ja-JP" altLang="en-US" dirty="0"/>
-              <a:t> </a:t>
-            </a:r>
-            <a:r>
-              <a:rPr lang="en-US" altLang="ja-JP" dirty="0"/>
-              <a:t>Remote API</a:t>
-            </a:r>
-            <a:r>
-              <a:rPr lang="ja-JP" altLang="en-US" dirty="0"/>
-              <a:t>は非推奨に</a:t>
-            </a:r>
-            <a:endParaRPr lang="en-US" altLang="ja-JP" dirty="0"/>
+            <a:endParaRPr kumimoji="1" lang="ja-JP" altLang="en-US"/>
           </a:p>
         </p:txBody>
       </p:sp>
@@ -8100,7 +8212,749 @@
             <a:fld id="{55407BB7-92F5-4977-AA44-396FA1CF315E}" type="slidenum">
               <a:rPr kumimoji="1" lang="ja-JP" altLang="en-US" smtClean="0"/>
               <a:pPr/>
-              <a:t>15</a:t>
+              <a:t>16</a:t>
+            </a:fld>
+            <a:endParaRPr kumimoji="1" lang="ja-JP" altLang="en-US" dirty="0"/>
+          </a:p>
+        </p:txBody>
+      </p:sp>
+      <p:sp>
+        <p:nvSpPr>
+          <p:cNvPr id="5" name="テキスト プレースホルダー 4">
+            <a:extLst>
+              <a:ext uri="{FF2B5EF4-FFF2-40B4-BE49-F238E27FC236}">
+                <a16:creationId xmlns:a16="http://schemas.microsoft.com/office/drawing/2014/main" id="{AD375B24-F18B-DD73-CB77-0A05C59A634D}"/>
+              </a:ext>
+            </a:extLst>
+          </p:cNvPr>
+          <p:cNvSpPr>
+            <a:spLocks noGrp="1"/>
+          </p:cNvSpPr>
+          <p:nvPr>
+            <p:ph type="body" sz="quarter" idx="13"/>
+          </p:nvPr>
+        </p:nvSpPr>
+        <p:spPr/>
+        <p:txBody>
+          <a:bodyPr/>
+          <a:lstStyle/>
+          <a:p>
+            <a:endParaRPr kumimoji="1" lang="ja-JP" altLang="en-US"/>
+          </a:p>
+        </p:txBody>
+      </p:sp>
+    </p:spTree>
+    <p:extLst>
+      <p:ext uri="{BB962C8B-B14F-4D97-AF65-F5344CB8AC3E}">
+        <p14:creationId xmlns:p14="http://schemas.microsoft.com/office/powerpoint/2010/main" val="2328756029"/>
+      </p:ext>
+    </p:extLst>
+  </p:cSld>
+  <p:clrMapOvr>
+    <a:masterClrMapping/>
+  </p:clrMapOvr>
+</p:sld>
+</file>
+
+<file path=ppt/slides/slide18.xml><?xml version="1.0" encoding="utf-8"?>
+<p:sld xmlns:a="http://schemas.openxmlformats.org/drawingml/2006/main" xmlns:r="http://schemas.openxmlformats.org/officeDocument/2006/relationships" xmlns:p="http://schemas.openxmlformats.org/presentationml/2006/main">
+  <p:cSld>
+    <p:spTree>
+      <p:nvGrpSpPr>
+        <p:cNvPr id="1" name=""/>
+        <p:cNvGrpSpPr/>
+        <p:nvPr/>
+      </p:nvGrpSpPr>
+      <p:grpSpPr>
+        <a:xfrm>
+          <a:off x="0" y="0"/>
+          <a:ext cx="0" cy="0"/>
+          <a:chOff x="0" y="0"/>
+          <a:chExt cx="0" cy="0"/>
+        </a:xfrm>
+      </p:grpSpPr>
+      <p:sp>
+        <p:nvSpPr>
+          <p:cNvPr id="2" name="タイトル 1">
+            <a:extLst>
+              <a:ext uri="{FF2B5EF4-FFF2-40B4-BE49-F238E27FC236}">
+                <a16:creationId xmlns:a16="http://schemas.microsoft.com/office/drawing/2014/main" id="{1AEF5D16-5FCC-B2A4-F67B-510A3A1BBCE9}"/>
+              </a:ext>
+            </a:extLst>
+          </p:cNvPr>
+          <p:cNvSpPr>
+            <a:spLocks noGrp="1"/>
+          </p:cNvSpPr>
+          <p:nvPr>
+            <p:ph type="title"/>
+          </p:nvPr>
+        </p:nvSpPr>
+        <p:spPr/>
+        <p:txBody>
+          <a:bodyPr/>
+          <a:lstStyle/>
+          <a:p>
+            <a:endParaRPr kumimoji="1" lang="ja-JP" altLang="en-US"/>
+          </a:p>
+        </p:txBody>
+      </p:sp>
+      <p:sp>
+        <p:nvSpPr>
+          <p:cNvPr id="3" name="コンテンツ プレースホルダー 2">
+            <a:extLst>
+              <a:ext uri="{FF2B5EF4-FFF2-40B4-BE49-F238E27FC236}">
+                <a16:creationId xmlns:a16="http://schemas.microsoft.com/office/drawing/2014/main" id="{54854C22-392E-2B26-714C-9F55D2C0D94F}"/>
+              </a:ext>
+            </a:extLst>
+          </p:cNvPr>
+          <p:cNvSpPr>
+            <a:spLocks noGrp="1"/>
+          </p:cNvSpPr>
+          <p:nvPr>
+            <p:ph idx="1"/>
+          </p:nvPr>
+        </p:nvSpPr>
+        <p:spPr/>
+        <p:txBody>
+          <a:bodyPr/>
+          <a:lstStyle/>
+          <a:p>
+            <a:endParaRPr kumimoji="1" lang="ja-JP" altLang="en-US"/>
+          </a:p>
+        </p:txBody>
+      </p:sp>
+      <p:sp>
+        <p:nvSpPr>
+          <p:cNvPr id="4" name="スライド番号プレースホルダー 3">
+            <a:extLst>
+              <a:ext uri="{FF2B5EF4-FFF2-40B4-BE49-F238E27FC236}">
+                <a16:creationId xmlns:a16="http://schemas.microsoft.com/office/drawing/2014/main" id="{0CA60427-E916-EDE6-D32A-7C344F27AEE6}"/>
+              </a:ext>
+            </a:extLst>
+          </p:cNvPr>
+          <p:cNvSpPr>
+            <a:spLocks noGrp="1"/>
+          </p:cNvSpPr>
+          <p:nvPr>
+            <p:ph type="sldNum" sz="quarter" idx="12"/>
+          </p:nvPr>
+        </p:nvSpPr>
+        <p:spPr/>
+        <p:txBody>
+          <a:bodyPr/>
+          <a:lstStyle/>
+          <a:p>
+            <a:fld id="{55407BB7-92F5-4977-AA44-396FA1CF315E}" type="slidenum">
+              <a:rPr kumimoji="1" lang="ja-JP" altLang="en-US" smtClean="0"/>
+              <a:pPr/>
+              <a:t>17</a:t>
+            </a:fld>
+            <a:endParaRPr kumimoji="1" lang="ja-JP" altLang="en-US" dirty="0"/>
+          </a:p>
+        </p:txBody>
+      </p:sp>
+      <p:sp>
+        <p:nvSpPr>
+          <p:cNvPr id="5" name="テキスト プレースホルダー 4">
+            <a:extLst>
+              <a:ext uri="{FF2B5EF4-FFF2-40B4-BE49-F238E27FC236}">
+                <a16:creationId xmlns:a16="http://schemas.microsoft.com/office/drawing/2014/main" id="{AD375B24-F18B-DD73-CB77-0A05C59A634D}"/>
+              </a:ext>
+            </a:extLst>
+          </p:cNvPr>
+          <p:cNvSpPr>
+            <a:spLocks noGrp="1"/>
+          </p:cNvSpPr>
+          <p:nvPr>
+            <p:ph type="body" sz="quarter" idx="13"/>
+          </p:nvPr>
+        </p:nvSpPr>
+        <p:spPr/>
+        <p:txBody>
+          <a:bodyPr/>
+          <a:lstStyle/>
+          <a:p>
+            <a:endParaRPr kumimoji="1" lang="ja-JP" altLang="en-US"/>
+          </a:p>
+        </p:txBody>
+      </p:sp>
+    </p:spTree>
+    <p:extLst>
+      <p:ext uri="{BB962C8B-B14F-4D97-AF65-F5344CB8AC3E}">
+        <p14:creationId xmlns:p14="http://schemas.microsoft.com/office/powerpoint/2010/main" val="3804025044"/>
+      </p:ext>
+    </p:extLst>
+  </p:cSld>
+  <p:clrMapOvr>
+    <a:masterClrMapping/>
+  </p:clrMapOvr>
+</p:sld>
+</file>
+
+<file path=ppt/slides/slide19.xml><?xml version="1.0" encoding="utf-8"?>
+<p:sld xmlns:a="http://schemas.openxmlformats.org/drawingml/2006/main" xmlns:r="http://schemas.openxmlformats.org/officeDocument/2006/relationships" xmlns:p="http://schemas.openxmlformats.org/presentationml/2006/main">
+  <p:cSld>
+    <p:spTree>
+      <p:nvGrpSpPr>
+        <p:cNvPr id="1" name=""/>
+        <p:cNvGrpSpPr/>
+        <p:nvPr/>
+      </p:nvGrpSpPr>
+      <p:grpSpPr>
+        <a:xfrm>
+          <a:off x="0" y="0"/>
+          <a:ext cx="0" cy="0"/>
+          <a:chOff x="0" y="0"/>
+          <a:chExt cx="0" cy="0"/>
+        </a:xfrm>
+      </p:grpSpPr>
+      <p:sp>
+        <p:nvSpPr>
+          <p:cNvPr id="2" name="タイトル 1">
+            <a:extLst>
+              <a:ext uri="{FF2B5EF4-FFF2-40B4-BE49-F238E27FC236}">
+                <a16:creationId xmlns:a16="http://schemas.microsoft.com/office/drawing/2014/main" id="{1AEF5D16-5FCC-B2A4-F67B-510A3A1BBCE9}"/>
+              </a:ext>
+            </a:extLst>
+          </p:cNvPr>
+          <p:cNvSpPr>
+            <a:spLocks noGrp="1"/>
+          </p:cNvSpPr>
+          <p:nvPr>
+            <p:ph type="title"/>
+          </p:nvPr>
+        </p:nvSpPr>
+        <p:spPr/>
+        <p:txBody>
+          <a:bodyPr/>
+          <a:lstStyle/>
+          <a:p>
+            <a:r>
+              <a:rPr kumimoji="1" lang="en-US" altLang="ja-JP" dirty="0"/>
+              <a:t>Python</a:t>
+            </a:r>
+            <a:r>
+              <a:rPr kumimoji="1" lang="ja-JP" altLang="en-US"/>
+              <a:t>仮想環境について</a:t>
+            </a:r>
+          </a:p>
+        </p:txBody>
+      </p:sp>
+      <p:sp>
+        <p:nvSpPr>
+          <p:cNvPr id="3" name="コンテンツ プレースホルダー 2">
+            <a:extLst>
+              <a:ext uri="{FF2B5EF4-FFF2-40B4-BE49-F238E27FC236}">
+                <a16:creationId xmlns:a16="http://schemas.microsoft.com/office/drawing/2014/main" id="{54854C22-392E-2B26-714C-9F55D2C0D94F}"/>
+              </a:ext>
+            </a:extLst>
+          </p:cNvPr>
+          <p:cNvSpPr>
+            <a:spLocks noGrp="1"/>
+          </p:cNvSpPr>
+          <p:nvPr>
+            <p:ph idx="1"/>
+          </p:nvPr>
+        </p:nvSpPr>
+        <p:spPr/>
+        <p:txBody>
+          <a:bodyPr/>
+          <a:lstStyle/>
+          <a:p>
+            <a:endParaRPr kumimoji="1" lang="ja-JP" altLang="en-US"/>
+          </a:p>
+        </p:txBody>
+      </p:sp>
+      <p:sp>
+        <p:nvSpPr>
+          <p:cNvPr id="4" name="スライド番号プレースホルダー 3">
+            <a:extLst>
+              <a:ext uri="{FF2B5EF4-FFF2-40B4-BE49-F238E27FC236}">
+                <a16:creationId xmlns:a16="http://schemas.microsoft.com/office/drawing/2014/main" id="{0CA60427-E916-EDE6-D32A-7C344F27AEE6}"/>
+              </a:ext>
+            </a:extLst>
+          </p:cNvPr>
+          <p:cNvSpPr>
+            <a:spLocks noGrp="1"/>
+          </p:cNvSpPr>
+          <p:nvPr>
+            <p:ph type="sldNum" sz="quarter" idx="12"/>
+          </p:nvPr>
+        </p:nvSpPr>
+        <p:spPr/>
+        <p:txBody>
+          <a:bodyPr/>
+          <a:lstStyle/>
+          <a:p>
+            <a:fld id="{55407BB7-92F5-4977-AA44-396FA1CF315E}" type="slidenum">
+              <a:rPr kumimoji="1" lang="ja-JP" altLang="en-US" smtClean="0"/>
+              <a:pPr/>
+              <a:t>18</a:t>
+            </a:fld>
+            <a:endParaRPr kumimoji="1" lang="ja-JP" altLang="en-US" dirty="0"/>
+          </a:p>
+        </p:txBody>
+      </p:sp>
+      <p:sp>
+        <p:nvSpPr>
+          <p:cNvPr id="5" name="テキスト プレースホルダー 4">
+            <a:extLst>
+              <a:ext uri="{FF2B5EF4-FFF2-40B4-BE49-F238E27FC236}">
+                <a16:creationId xmlns:a16="http://schemas.microsoft.com/office/drawing/2014/main" id="{AD375B24-F18B-DD73-CB77-0A05C59A634D}"/>
+              </a:ext>
+            </a:extLst>
+          </p:cNvPr>
+          <p:cNvSpPr>
+            <a:spLocks noGrp="1"/>
+          </p:cNvSpPr>
+          <p:nvPr>
+            <p:ph type="body" sz="quarter" idx="13"/>
+          </p:nvPr>
+        </p:nvSpPr>
+        <p:spPr/>
+        <p:txBody>
+          <a:bodyPr/>
+          <a:lstStyle/>
+          <a:p>
+            <a:endParaRPr kumimoji="1" lang="ja-JP" altLang="en-US"/>
+          </a:p>
+        </p:txBody>
+      </p:sp>
+    </p:spTree>
+    <p:extLst>
+      <p:ext uri="{BB962C8B-B14F-4D97-AF65-F5344CB8AC3E}">
+        <p14:creationId xmlns:p14="http://schemas.microsoft.com/office/powerpoint/2010/main" val="2458599099"/>
+      </p:ext>
+    </p:extLst>
+  </p:cSld>
+  <p:clrMapOvr>
+    <a:masterClrMapping/>
+  </p:clrMapOvr>
+</p:sld>
+</file>
+
+<file path=ppt/slides/slide2.xml><?xml version="1.0" encoding="utf-8"?>
+<p:sld xmlns:a="http://schemas.openxmlformats.org/drawingml/2006/main" xmlns:r="http://schemas.openxmlformats.org/officeDocument/2006/relationships" xmlns:p="http://schemas.openxmlformats.org/presentationml/2006/main">
+  <p:cSld>
+    <p:spTree>
+      <p:nvGrpSpPr>
+        <p:cNvPr id="1" name=""/>
+        <p:cNvGrpSpPr/>
+        <p:nvPr/>
+      </p:nvGrpSpPr>
+      <p:grpSpPr>
+        <a:xfrm>
+          <a:off x="0" y="0"/>
+          <a:ext cx="0" cy="0"/>
+          <a:chOff x="0" y="0"/>
+          <a:chExt cx="0" cy="0"/>
+        </a:xfrm>
+      </p:grpSpPr>
+      <p:sp>
+        <p:nvSpPr>
+          <p:cNvPr id="2" name="タイトル 1">
+            <a:extLst>
+              <a:ext uri="{FF2B5EF4-FFF2-40B4-BE49-F238E27FC236}">
+                <a16:creationId xmlns:a16="http://schemas.microsoft.com/office/drawing/2014/main" id="{DCE94847-9F9B-6193-17BC-2F7AE31F8E37}"/>
+              </a:ext>
+            </a:extLst>
+          </p:cNvPr>
+          <p:cNvSpPr>
+            <a:spLocks noGrp="1"/>
+          </p:cNvSpPr>
+          <p:nvPr>
+            <p:ph type="title"/>
+          </p:nvPr>
+        </p:nvSpPr>
+        <p:spPr/>
+        <p:txBody>
+          <a:bodyPr/>
+          <a:lstStyle/>
+          <a:p>
+            <a:r>
+              <a:rPr lang="ja-JP" altLang="en-US" dirty="0"/>
+              <a:t>これまでの進捗概要</a:t>
+            </a:r>
+            <a:endParaRPr kumimoji="1" lang="ja-JP" altLang="en-US" dirty="0"/>
+          </a:p>
+        </p:txBody>
+      </p:sp>
+      <p:sp>
+        <p:nvSpPr>
+          <p:cNvPr id="3" name="コンテンツ プレースホルダー 2">
+            <a:extLst>
+              <a:ext uri="{FF2B5EF4-FFF2-40B4-BE49-F238E27FC236}">
+                <a16:creationId xmlns:a16="http://schemas.microsoft.com/office/drawing/2014/main" id="{9E1A1E01-A3A5-94AB-8DFE-9E5367FE5E69}"/>
+              </a:ext>
+            </a:extLst>
+          </p:cNvPr>
+          <p:cNvSpPr>
+            <a:spLocks noGrp="1"/>
+          </p:cNvSpPr>
+          <p:nvPr>
+            <p:ph idx="1"/>
+          </p:nvPr>
+        </p:nvSpPr>
+        <p:spPr/>
+        <p:txBody>
+          <a:bodyPr>
+            <a:normAutofit/>
+          </a:bodyPr>
+          <a:lstStyle/>
+          <a:p>
+            <a:pPr marL="0" indent="0">
+              <a:lnSpc>
+                <a:spcPct val="150000"/>
+              </a:lnSpc>
+              <a:buNone/>
+            </a:pPr>
+            <a:r>
+              <a:rPr kumimoji="1" lang="ja-JP" altLang="en-US" sz="2400" dirty="0"/>
+              <a:t>「</a:t>
+            </a:r>
+            <a:r>
+              <a:rPr kumimoji="1" lang="ja-JP" altLang="en-US" sz="2400" dirty="0">
+                <a:solidFill>
+                  <a:srgbClr val="00B0F0"/>
+                </a:solidFill>
+              </a:rPr>
+              <a:t>非</a:t>
+            </a:r>
+            <a:r>
+              <a:rPr kumimoji="1" lang="en-US" altLang="ja-JP" sz="2400" dirty="0">
+                <a:solidFill>
+                  <a:srgbClr val="00B0F0"/>
+                </a:solidFill>
+              </a:rPr>
+              <a:t>GNSS</a:t>
+            </a:r>
+            <a:r>
+              <a:rPr kumimoji="1" lang="ja-JP" altLang="en-US" sz="2400" dirty="0">
+                <a:solidFill>
+                  <a:srgbClr val="00B0F0"/>
+                </a:solidFill>
+              </a:rPr>
+              <a:t>環境でのフォーメーション制御</a:t>
+            </a:r>
+            <a:r>
+              <a:rPr kumimoji="1" lang="ja-JP" altLang="en-US" sz="2400" dirty="0"/>
+              <a:t>」の研究テーマを実現するため，フォーメーション制御の導入として卒論の</a:t>
+            </a:r>
+            <a:br>
+              <a:rPr kumimoji="1" lang="en-US" altLang="ja-JP" sz="2400" dirty="0"/>
+            </a:br>
+            <a:r>
+              <a:rPr kumimoji="1" lang="ja-JP" altLang="en-US" sz="2400" dirty="0"/>
+              <a:t>「</a:t>
+            </a:r>
+            <a:r>
+              <a:rPr kumimoji="1" lang="en-US" altLang="ja-JP" sz="2400" dirty="0"/>
+              <a:t>LOS</a:t>
+            </a:r>
+            <a:r>
+              <a:rPr kumimoji="1" lang="ja-JP" altLang="en-US" sz="2400" dirty="0"/>
+              <a:t>誘導に基づくリーダ・フォロワ制御」の追試を行い</a:t>
+            </a:r>
+            <a:br>
+              <a:rPr kumimoji="1" lang="en-US" altLang="ja-JP" sz="2400" dirty="0"/>
+            </a:br>
+            <a:r>
+              <a:rPr kumimoji="1" lang="ja-JP" altLang="en-US" sz="2400" dirty="0"/>
+              <a:t>理解を深めた．また，実装においては</a:t>
+            </a:r>
+            <a:r>
+              <a:rPr kumimoji="1" lang="en-US" altLang="ja-JP" sz="2400" dirty="0">
+                <a:solidFill>
+                  <a:srgbClr val="00B0F0"/>
+                </a:solidFill>
+              </a:rPr>
+              <a:t>Python</a:t>
+            </a:r>
+            <a:r>
+              <a:rPr kumimoji="1" lang="ja-JP" altLang="en-US" sz="2400" dirty="0"/>
+              <a:t>を使用するため，</a:t>
+            </a:r>
+            <a:br>
+              <a:rPr kumimoji="1" lang="en-US" altLang="ja-JP" sz="2400" dirty="0"/>
+            </a:br>
+            <a:r>
+              <a:rPr kumimoji="1" lang="ja-JP" altLang="en-US" sz="2400" dirty="0"/>
+              <a:t>開発環境の導入に関する技術調査を行った．以上の取り組みを通して，本研究テーマには卒論の内容そのものを扱うことは技術的に厳しいことが判明した．今後は，別の文献を参考に</a:t>
+            </a:r>
+            <a:r>
+              <a:rPr kumimoji="1" lang="en-US" altLang="ja-JP" sz="2400" dirty="0" err="1">
+                <a:solidFill>
+                  <a:srgbClr val="00B0F0"/>
+                </a:solidFill>
+              </a:rPr>
+              <a:t>IssacSim</a:t>
+            </a:r>
+            <a:r>
+              <a:rPr kumimoji="1" lang="ja-JP" altLang="en-US" sz="2400" dirty="0">
+                <a:solidFill>
+                  <a:srgbClr val="00B0F0"/>
+                </a:solidFill>
+              </a:rPr>
+              <a:t>上でシミュレータ環境を実現</a:t>
+            </a:r>
+            <a:r>
+              <a:rPr kumimoji="1" lang="ja-JP" altLang="en-US" sz="2400" dirty="0"/>
+              <a:t>することを試みる．</a:t>
+            </a:r>
+          </a:p>
+        </p:txBody>
+      </p:sp>
+      <p:sp>
+        <p:nvSpPr>
+          <p:cNvPr id="4" name="スライド番号プレースホルダー 3">
+            <a:extLst>
+              <a:ext uri="{FF2B5EF4-FFF2-40B4-BE49-F238E27FC236}">
+                <a16:creationId xmlns:a16="http://schemas.microsoft.com/office/drawing/2014/main" id="{277B23C4-05B3-54A3-480E-1C5B9643FEA6}"/>
+              </a:ext>
+            </a:extLst>
+          </p:cNvPr>
+          <p:cNvSpPr>
+            <a:spLocks noGrp="1"/>
+          </p:cNvSpPr>
+          <p:nvPr>
+            <p:ph type="sldNum" sz="quarter" idx="12"/>
+          </p:nvPr>
+        </p:nvSpPr>
+        <p:spPr/>
+        <p:txBody>
+          <a:bodyPr/>
+          <a:lstStyle/>
+          <a:p>
+            <a:fld id="{55407BB7-92F5-4977-AA44-396FA1CF315E}" type="slidenum">
+              <a:rPr kumimoji="1" lang="ja-JP" altLang="en-US" smtClean="0"/>
+              <a:pPr/>
+              <a:t>1</a:t>
+            </a:fld>
+            <a:endParaRPr kumimoji="1" lang="ja-JP" altLang="en-US" dirty="0"/>
+          </a:p>
+        </p:txBody>
+      </p:sp>
+    </p:spTree>
+    <p:extLst>
+      <p:ext uri="{BB962C8B-B14F-4D97-AF65-F5344CB8AC3E}">
+        <p14:creationId xmlns:p14="http://schemas.microsoft.com/office/powerpoint/2010/main" val="3483990292"/>
+      </p:ext>
+    </p:extLst>
+  </p:cSld>
+  <p:clrMapOvr>
+    <a:masterClrMapping/>
+  </p:clrMapOvr>
+</p:sld>
+</file>
+
+<file path=ppt/slides/slide20.xml><?xml version="1.0" encoding="utf-8"?>
+<p:sld xmlns:a="http://schemas.openxmlformats.org/drawingml/2006/main" xmlns:r="http://schemas.openxmlformats.org/officeDocument/2006/relationships" xmlns:p="http://schemas.openxmlformats.org/presentationml/2006/main">
+  <p:cSld>
+    <p:spTree>
+      <p:nvGrpSpPr>
+        <p:cNvPr id="1" name=""/>
+        <p:cNvGrpSpPr/>
+        <p:nvPr/>
+      </p:nvGrpSpPr>
+      <p:grpSpPr>
+        <a:xfrm>
+          <a:off x="0" y="0"/>
+          <a:ext cx="0" cy="0"/>
+          <a:chOff x="0" y="0"/>
+          <a:chExt cx="0" cy="0"/>
+        </a:xfrm>
+      </p:grpSpPr>
+      <p:sp>
+        <p:nvSpPr>
+          <p:cNvPr id="2" name="タイトル 1">
+            <a:extLst>
+              <a:ext uri="{FF2B5EF4-FFF2-40B4-BE49-F238E27FC236}">
+                <a16:creationId xmlns:a16="http://schemas.microsoft.com/office/drawing/2014/main" id="{1AEF5D16-5FCC-B2A4-F67B-510A3A1BBCE9}"/>
+              </a:ext>
+            </a:extLst>
+          </p:cNvPr>
+          <p:cNvSpPr>
+            <a:spLocks noGrp="1"/>
+          </p:cNvSpPr>
+          <p:nvPr>
+            <p:ph type="title"/>
+          </p:nvPr>
+        </p:nvSpPr>
+        <p:spPr/>
+        <p:txBody>
+          <a:bodyPr/>
+          <a:lstStyle/>
+          <a:p>
+            <a:r>
+              <a:rPr kumimoji="1" lang="en-US" altLang="ja-JP" dirty="0"/>
+              <a:t>Python API</a:t>
+            </a:r>
+            <a:r>
+              <a:rPr kumimoji="1" lang="ja-JP" altLang="en-US" dirty="0"/>
+              <a:t>の選定</a:t>
+            </a:r>
+          </a:p>
+        </p:txBody>
+      </p:sp>
+      <p:sp>
+        <p:nvSpPr>
+          <p:cNvPr id="3" name="コンテンツ プレースホルダー 2">
+            <a:extLst>
+              <a:ext uri="{FF2B5EF4-FFF2-40B4-BE49-F238E27FC236}">
+                <a16:creationId xmlns:a16="http://schemas.microsoft.com/office/drawing/2014/main" id="{54854C22-392E-2B26-714C-9F55D2C0D94F}"/>
+              </a:ext>
+            </a:extLst>
+          </p:cNvPr>
+          <p:cNvSpPr>
+            <a:spLocks noGrp="1"/>
+          </p:cNvSpPr>
+          <p:nvPr>
+            <p:ph idx="1"/>
+          </p:nvPr>
+        </p:nvSpPr>
+        <p:spPr/>
+        <p:txBody>
+          <a:bodyPr/>
+          <a:lstStyle/>
+          <a:p>
+            <a:r>
+              <a:rPr lang="ja-JP" altLang="en-US" dirty="0"/>
+              <a:t>シミュレータと外部スクリプトを連携させるには</a:t>
+            </a:r>
+            <a:r>
+              <a:rPr lang="en-US" altLang="ja-JP" dirty="0"/>
+              <a:t>API</a:t>
+            </a:r>
+            <a:r>
+              <a:rPr lang="ja-JP" altLang="en-US" dirty="0"/>
+              <a:t>を</a:t>
+            </a:r>
+            <a:br>
+              <a:rPr lang="en-US" altLang="ja-JP" dirty="0"/>
+            </a:br>
+            <a:r>
+              <a:rPr lang="ja-JP" altLang="en-US" dirty="0"/>
+              <a:t>用いる必要がある</a:t>
+            </a:r>
+            <a:endParaRPr lang="en-US" altLang="ja-JP" dirty="0"/>
+          </a:p>
+          <a:p>
+            <a:endParaRPr kumimoji="1" lang="en-US" altLang="ja-JP" dirty="0"/>
+          </a:p>
+          <a:p>
+            <a:r>
+              <a:rPr kumimoji="1" lang="en-US" altLang="ja-JP" dirty="0" err="1"/>
+              <a:t>CoppeliaSim</a:t>
+            </a:r>
+            <a:r>
+              <a:rPr lang="ja-JP" altLang="en-US" dirty="0"/>
+              <a:t>は主に</a:t>
+            </a:r>
+            <a:r>
+              <a:rPr lang="en-US" altLang="ja-JP" dirty="0"/>
+              <a:t>2</a:t>
+            </a:r>
+            <a:r>
+              <a:rPr lang="ja-JP" altLang="en-US" dirty="0"/>
+              <a:t>つの</a:t>
+            </a:r>
+            <a:r>
+              <a:rPr lang="en-US" altLang="ja-JP" dirty="0"/>
+              <a:t>Remote API</a:t>
+            </a:r>
+            <a:r>
+              <a:rPr lang="ja-JP" altLang="en-US" dirty="0"/>
+              <a:t>を提供</a:t>
+            </a:r>
+            <a:endParaRPr lang="en-US" altLang="ja-JP" dirty="0"/>
+          </a:p>
+          <a:p>
+            <a:pPr lvl="1"/>
+            <a:r>
+              <a:rPr kumimoji="1" lang="en-US" altLang="ja-JP" dirty="0"/>
+              <a:t>Zero MQ Remote API</a:t>
+            </a:r>
+          </a:p>
+          <a:p>
+            <a:pPr lvl="1"/>
+            <a:r>
+              <a:rPr lang="en-US" altLang="ja-JP" dirty="0"/>
+              <a:t>Legacy</a:t>
+            </a:r>
+            <a:r>
+              <a:rPr lang="ja-JP" altLang="en-US" dirty="0"/>
+              <a:t> </a:t>
+            </a:r>
+            <a:r>
+              <a:rPr lang="en-US" altLang="ja-JP" dirty="0"/>
+              <a:t>Remote API</a:t>
+            </a:r>
+            <a:endParaRPr kumimoji="1" lang="ja-JP" altLang="en-US" dirty="0"/>
+          </a:p>
+          <a:p>
+            <a:pPr marL="0" indent="0">
+              <a:buNone/>
+            </a:pPr>
+            <a:endParaRPr lang="en-US" altLang="ja-JP" dirty="0"/>
+          </a:p>
+          <a:p>
+            <a:r>
+              <a:rPr kumimoji="1" lang="en-US" altLang="ja-JP" dirty="0" err="1"/>
+              <a:t>CoppeliaSim</a:t>
+            </a:r>
+            <a:r>
+              <a:rPr kumimoji="1" lang="en-US" altLang="ja-JP" dirty="0"/>
+              <a:t> V4.4</a:t>
+            </a:r>
+            <a:r>
+              <a:rPr kumimoji="1" lang="ja-JP" altLang="en-US" dirty="0"/>
+              <a:t>から</a:t>
+            </a:r>
+            <a:r>
+              <a:rPr lang="en-US" altLang="ja-JP" dirty="0"/>
+              <a:t>Legacy</a:t>
+            </a:r>
+            <a:r>
+              <a:rPr lang="ja-JP" altLang="en-US" dirty="0"/>
+              <a:t> </a:t>
+            </a:r>
+            <a:r>
+              <a:rPr lang="en-US" altLang="ja-JP" dirty="0"/>
+              <a:t>Remote API</a:t>
+            </a:r>
+            <a:r>
+              <a:rPr lang="ja-JP" altLang="en-US" dirty="0"/>
+              <a:t>は非推奨に</a:t>
+            </a:r>
+            <a:endParaRPr lang="en-US" altLang="ja-JP" dirty="0"/>
+          </a:p>
+        </p:txBody>
+      </p:sp>
+      <p:sp>
+        <p:nvSpPr>
+          <p:cNvPr id="4" name="スライド番号プレースホルダー 3">
+            <a:extLst>
+              <a:ext uri="{FF2B5EF4-FFF2-40B4-BE49-F238E27FC236}">
+                <a16:creationId xmlns:a16="http://schemas.microsoft.com/office/drawing/2014/main" id="{0CA60427-E916-EDE6-D32A-7C344F27AEE6}"/>
+              </a:ext>
+            </a:extLst>
+          </p:cNvPr>
+          <p:cNvSpPr>
+            <a:spLocks noGrp="1"/>
+          </p:cNvSpPr>
+          <p:nvPr>
+            <p:ph type="sldNum" sz="quarter" idx="12"/>
+          </p:nvPr>
+        </p:nvSpPr>
+        <p:spPr/>
+        <p:txBody>
+          <a:bodyPr/>
+          <a:lstStyle/>
+          <a:p>
+            <a:fld id="{55407BB7-92F5-4977-AA44-396FA1CF315E}" type="slidenum">
+              <a:rPr kumimoji="1" lang="ja-JP" altLang="en-US" smtClean="0"/>
+              <a:pPr/>
+              <a:t>19</a:t>
             </a:fld>
             <a:endParaRPr kumimoji="1" lang="ja-JP" altLang="en-US" dirty="0"/>
           </a:p>
@@ -8221,991 +9075,6 @@
 </p:sld>
 </file>
 
-<file path=ppt/slides/slide17.xml><?xml version="1.0" encoding="utf-8"?>
-<p:sld xmlns:a="http://schemas.openxmlformats.org/drawingml/2006/main" xmlns:r="http://schemas.openxmlformats.org/officeDocument/2006/relationships" xmlns:p="http://schemas.openxmlformats.org/presentationml/2006/main">
-  <p:cSld>
-    <p:spTree>
-      <p:nvGrpSpPr>
-        <p:cNvPr id="1" name=""/>
-        <p:cNvGrpSpPr/>
-        <p:nvPr/>
-      </p:nvGrpSpPr>
-      <p:grpSpPr>
-        <a:xfrm>
-          <a:off x="0" y="0"/>
-          <a:ext cx="0" cy="0"/>
-          <a:chOff x="0" y="0"/>
-          <a:chExt cx="0" cy="0"/>
-        </a:xfrm>
-      </p:grpSpPr>
-      <p:sp>
-        <p:nvSpPr>
-          <p:cNvPr id="2" name="タイトル 1">
-            <a:extLst>
-              <a:ext uri="{FF2B5EF4-FFF2-40B4-BE49-F238E27FC236}">
-                <a16:creationId xmlns:a16="http://schemas.microsoft.com/office/drawing/2014/main" id="{01230179-F4FA-42FD-C4E4-69CB15C65693}"/>
-              </a:ext>
-            </a:extLst>
-          </p:cNvPr>
-          <p:cNvSpPr>
-            <a:spLocks noGrp="1"/>
-          </p:cNvSpPr>
-          <p:nvPr>
-            <p:ph type="title"/>
-          </p:nvPr>
-        </p:nvSpPr>
-        <p:spPr/>
-        <p:txBody>
-          <a:bodyPr/>
-          <a:lstStyle/>
-          <a:p>
-            <a:r>
-              <a:rPr kumimoji="1" lang="en-US" altLang="ja-JP" dirty="0"/>
-              <a:t>Zero MQ Remote API</a:t>
-            </a:r>
-            <a:endParaRPr kumimoji="1" lang="ja-JP" altLang="en-US" dirty="0"/>
-          </a:p>
-        </p:txBody>
-      </p:sp>
-      <p:sp>
-        <p:nvSpPr>
-          <p:cNvPr id="3" name="コンテンツ プレースホルダー 2">
-            <a:extLst>
-              <a:ext uri="{FF2B5EF4-FFF2-40B4-BE49-F238E27FC236}">
-                <a16:creationId xmlns:a16="http://schemas.microsoft.com/office/drawing/2014/main" id="{C6D2B696-D788-A1C3-3787-BA77FCA2D9F6}"/>
-              </a:ext>
-            </a:extLst>
-          </p:cNvPr>
-          <p:cNvSpPr>
-            <a:spLocks noGrp="1"/>
-          </p:cNvSpPr>
-          <p:nvPr>
-            <p:ph idx="1"/>
-          </p:nvPr>
-        </p:nvSpPr>
-        <p:spPr/>
-        <p:txBody>
-          <a:bodyPr/>
-          <a:lstStyle/>
-          <a:p>
-            <a:r>
-              <a:rPr lang="ja-JP" altLang="en-US" b="1" dirty="0"/>
-              <a:t>非同期通信</a:t>
-            </a:r>
-            <a:r>
-              <a:rPr lang="en-US" altLang="ja-JP" dirty="0"/>
-              <a:t>: </a:t>
-            </a:r>
-          </a:p>
-          <a:p>
-            <a:pPr lvl="1"/>
-            <a:r>
-              <a:rPr lang="ja-JP" altLang="en-US" dirty="0"/>
-              <a:t>クライアント（</a:t>
-            </a:r>
-            <a:r>
-              <a:rPr lang="en-US" altLang="ja-JP" dirty="0"/>
-              <a:t>Python</a:t>
-            </a:r>
-            <a:r>
-              <a:rPr lang="ja-JP" altLang="en-US" dirty="0"/>
-              <a:t>）とサーバー（</a:t>
-            </a:r>
-            <a:r>
-              <a:rPr lang="en-US" altLang="ja-JP" dirty="0" err="1"/>
-              <a:t>CoppeliaSim</a:t>
-            </a:r>
-            <a:r>
-              <a:rPr lang="ja-JP" altLang="en-US" dirty="0"/>
-              <a:t>）は必ずしも</a:t>
-            </a:r>
-            <a:br>
-              <a:rPr lang="en-US" altLang="ja-JP" dirty="0"/>
-            </a:br>
-            <a:r>
-              <a:rPr lang="ja-JP" altLang="en-US" dirty="0"/>
-              <a:t>互いの処理を待つ必要なく通信可能</a:t>
-            </a:r>
-            <a:endParaRPr lang="en-US" altLang="ja-JP" dirty="0"/>
-          </a:p>
-          <a:p>
-            <a:r>
-              <a:rPr lang="ja-JP" altLang="en-US" b="1" dirty="0"/>
-              <a:t>ステップ実行モード（同期モード）</a:t>
-            </a:r>
-            <a:r>
-              <a:rPr lang="en-US" altLang="ja-JP" dirty="0"/>
-              <a:t>: </a:t>
-            </a:r>
-          </a:p>
-          <a:p>
-            <a:pPr lvl="1"/>
-            <a:r>
-              <a:rPr lang="en-US" altLang="ja-JP" dirty="0"/>
-              <a:t>Python</a:t>
-            </a:r>
-            <a:r>
-              <a:rPr lang="ja-JP" altLang="en-US" dirty="0"/>
-              <a:t>スクリプトと</a:t>
-            </a:r>
-            <a:r>
-              <a:rPr lang="en-US" altLang="ja-JP" dirty="0" err="1"/>
-              <a:t>CoppeliaSim</a:t>
-            </a:r>
-            <a:r>
-              <a:rPr lang="ja-JP" altLang="en-US" dirty="0"/>
-              <a:t>のシミュレーションステップを</a:t>
-            </a:r>
-            <a:br>
-              <a:rPr lang="en-US" altLang="ja-JP" dirty="0"/>
-            </a:br>
-            <a:r>
-              <a:rPr lang="ja-JP" altLang="en-US" dirty="0"/>
-              <a:t>厳密に同期させ、制御ループの各段階でシミュレーションの状態を正確に把握・操作可能</a:t>
-            </a:r>
-            <a:endParaRPr lang="en-US" altLang="ja-JP" dirty="0"/>
-          </a:p>
-          <a:p>
-            <a:r>
-              <a:rPr lang="ja-JP" altLang="en-US" b="1" dirty="0"/>
-              <a:t>シミュレータ自体のリモート制御</a:t>
-            </a:r>
-            <a:r>
-              <a:rPr lang="en-US" altLang="ja-JP" dirty="0"/>
-              <a:t>: </a:t>
-            </a:r>
-          </a:p>
-          <a:p>
-            <a:pPr lvl="1"/>
-            <a:r>
-              <a:rPr lang="ja-JP" altLang="en-US" dirty="0"/>
-              <a:t>シーンファイルのロード、シミュレーションの開始・一時停止・</a:t>
-            </a:r>
-            <a:br>
-              <a:rPr lang="en-US" altLang="ja-JP" dirty="0"/>
-            </a:br>
-            <a:r>
-              <a:rPr lang="ja-JP" altLang="en-US" dirty="0"/>
-              <a:t>停止といった、シミュレータ全体の操作も</a:t>
-            </a:r>
-            <a:r>
-              <a:rPr lang="en-US" altLang="ja-JP" dirty="0"/>
-              <a:t>Python</a:t>
-            </a:r>
-            <a:r>
-              <a:rPr lang="ja-JP" altLang="en-US" dirty="0"/>
-              <a:t>から行える</a:t>
-            </a:r>
-            <a:endParaRPr kumimoji="1" lang="en-US" altLang="ja-JP" dirty="0"/>
-          </a:p>
-          <a:p>
-            <a:r>
-              <a:rPr lang="ja-JP" altLang="en-US" b="1" dirty="0"/>
-              <a:t>コミュニティとサポート</a:t>
-            </a:r>
-            <a:r>
-              <a:rPr lang="en-US" altLang="ja-JP" b="1" dirty="0"/>
-              <a:t>:</a:t>
-            </a:r>
-          </a:p>
-          <a:p>
-            <a:pPr lvl="1"/>
-            <a:r>
-              <a:rPr lang="en-US" altLang="ja-JP" dirty="0" err="1"/>
-              <a:t>CoppeliaSim</a:t>
-            </a:r>
-            <a:r>
-              <a:rPr lang="ja-JP" altLang="en-US" dirty="0"/>
-              <a:t>の開発元は、</a:t>
-            </a:r>
-            <a:r>
-              <a:rPr lang="en-US" altLang="ja-JP" dirty="0" err="1"/>
-              <a:t>ZeroMQ</a:t>
-            </a:r>
-            <a:r>
-              <a:rPr lang="en-US" altLang="ja-JP" dirty="0"/>
-              <a:t> Remote API</a:t>
-            </a:r>
-            <a:r>
-              <a:rPr lang="ja-JP" altLang="en-US" dirty="0"/>
-              <a:t>を積極的に推奨し、そのためのドキュメントやサンプルコードを充実させている．</a:t>
-            </a:r>
-            <a:endParaRPr kumimoji="1" lang="ja-JP" altLang="en-US" dirty="0"/>
-          </a:p>
-        </p:txBody>
-      </p:sp>
-      <p:sp>
-        <p:nvSpPr>
-          <p:cNvPr id="4" name="スライド番号プレースホルダー 3">
-            <a:extLst>
-              <a:ext uri="{FF2B5EF4-FFF2-40B4-BE49-F238E27FC236}">
-                <a16:creationId xmlns:a16="http://schemas.microsoft.com/office/drawing/2014/main" id="{C1C58ACC-587A-DA47-5030-C84B21929019}"/>
-              </a:ext>
-            </a:extLst>
-          </p:cNvPr>
-          <p:cNvSpPr>
-            <a:spLocks noGrp="1"/>
-          </p:cNvSpPr>
-          <p:nvPr>
-            <p:ph type="sldNum" sz="quarter" idx="12"/>
-          </p:nvPr>
-        </p:nvSpPr>
-        <p:spPr/>
-        <p:txBody>
-          <a:bodyPr/>
-          <a:lstStyle/>
-          <a:p>
-            <a:fld id="{55407BB7-92F5-4977-AA44-396FA1CF315E}" type="slidenum">
-              <a:rPr kumimoji="1" lang="ja-JP" altLang="en-US" smtClean="0"/>
-              <a:pPr/>
-              <a:t>16</a:t>
-            </a:fld>
-            <a:endParaRPr kumimoji="1" lang="ja-JP" altLang="en-US" dirty="0"/>
-          </a:p>
-        </p:txBody>
-      </p:sp>
-    </p:spTree>
-    <p:extLst>
-      <p:ext uri="{BB962C8B-B14F-4D97-AF65-F5344CB8AC3E}">
-        <p14:creationId xmlns:p14="http://schemas.microsoft.com/office/powerpoint/2010/main" val="1970911080"/>
-      </p:ext>
-    </p:extLst>
-  </p:cSld>
-  <p:clrMapOvr>
-    <a:masterClrMapping/>
-  </p:clrMapOvr>
-</p:sld>
-</file>
-
-<file path=ppt/slides/slide18.xml><?xml version="1.0" encoding="utf-8"?>
-<p:sld xmlns:a="http://schemas.openxmlformats.org/drawingml/2006/main" xmlns:r="http://schemas.openxmlformats.org/officeDocument/2006/relationships" xmlns:p="http://schemas.openxmlformats.org/presentationml/2006/main">
-  <p:cSld>
-    <p:spTree>
-      <p:nvGrpSpPr>
-        <p:cNvPr id="1" name=""/>
-        <p:cNvGrpSpPr/>
-        <p:nvPr/>
-      </p:nvGrpSpPr>
-      <p:grpSpPr>
-        <a:xfrm>
-          <a:off x="0" y="0"/>
-          <a:ext cx="0" cy="0"/>
-          <a:chOff x="0" y="0"/>
-          <a:chExt cx="0" cy="0"/>
-        </a:xfrm>
-      </p:grpSpPr>
-      <p:sp>
-        <p:nvSpPr>
-          <p:cNvPr id="2" name="タイトル 1">
-            <a:extLst>
-              <a:ext uri="{FF2B5EF4-FFF2-40B4-BE49-F238E27FC236}">
-                <a16:creationId xmlns:a16="http://schemas.microsoft.com/office/drawing/2014/main" id="{1AEF5D16-5FCC-B2A4-F67B-510A3A1BBCE9}"/>
-              </a:ext>
-            </a:extLst>
-          </p:cNvPr>
-          <p:cNvSpPr>
-            <a:spLocks noGrp="1"/>
-          </p:cNvSpPr>
-          <p:nvPr>
-            <p:ph type="title"/>
-          </p:nvPr>
-        </p:nvSpPr>
-        <p:spPr/>
-        <p:txBody>
-          <a:bodyPr/>
-          <a:lstStyle/>
-          <a:p>
-            <a:r>
-              <a:rPr kumimoji="1" lang="ja-JP" altLang="en-US" dirty="0"/>
-              <a:t>２つの</a:t>
-            </a:r>
-            <a:r>
-              <a:rPr kumimoji="1" lang="en-US" altLang="ja-JP" dirty="0"/>
-              <a:t>API</a:t>
-            </a:r>
-            <a:r>
-              <a:rPr kumimoji="1" lang="ja-JP" altLang="en-US" dirty="0"/>
-              <a:t>の比較</a:t>
-            </a:r>
-          </a:p>
-        </p:txBody>
-      </p:sp>
-      <p:sp>
-        <p:nvSpPr>
-          <p:cNvPr id="3" name="コンテンツ プレースホルダー 2">
-            <a:extLst>
-              <a:ext uri="{FF2B5EF4-FFF2-40B4-BE49-F238E27FC236}">
-                <a16:creationId xmlns:a16="http://schemas.microsoft.com/office/drawing/2014/main" id="{54854C22-392E-2B26-714C-9F55D2C0D94F}"/>
-              </a:ext>
-            </a:extLst>
-          </p:cNvPr>
-          <p:cNvSpPr>
-            <a:spLocks noGrp="1"/>
-          </p:cNvSpPr>
-          <p:nvPr>
-            <p:ph idx="1"/>
-          </p:nvPr>
-        </p:nvSpPr>
-        <p:spPr/>
-        <p:txBody>
-          <a:bodyPr/>
-          <a:lstStyle/>
-          <a:p>
-            <a:endParaRPr kumimoji="1" lang="ja-JP" altLang="en-US" dirty="0"/>
-          </a:p>
-        </p:txBody>
-      </p:sp>
-      <p:sp>
-        <p:nvSpPr>
-          <p:cNvPr id="4" name="スライド番号プレースホルダー 3">
-            <a:extLst>
-              <a:ext uri="{FF2B5EF4-FFF2-40B4-BE49-F238E27FC236}">
-                <a16:creationId xmlns:a16="http://schemas.microsoft.com/office/drawing/2014/main" id="{0CA60427-E916-EDE6-D32A-7C344F27AEE6}"/>
-              </a:ext>
-            </a:extLst>
-          </p:cNvPr>
-          <p:cNvSpPr>
-            <a:spLocks noGrp="1"/>
-          </p:cNvSpPr>
-          <p:nvPr>
-            <p:ph type="sldNum" sz="quarter" idx="12"/>
-          </p:nvPr>
-        </p:nvSpPr>
-        <p:spPr/>
-        <p:txBody>
-          <a:bodyPr/>
-          <a:lstStyle/>
-          <a:p>
-            <a:fld id="{55407BB7-92F5-4977-AA44-396FA1CF315E}" type="slidenum">
-              <a:rPr kumimoji="1" lang="ja-JP" altLang="en-US" smtClean="0"/>
-              <a:pPr/>
-              <a:t>17</a:t>
-            </a:fld>
-            <a:endParaRPr kumimoji="1" lang="ja-JP" altLang="en-US" dirty="0"/>
-          </a:p>
-        </p:txBody>
-      </p:sp>
-      <p:sp>
-        <p:nvSpPr>
-          <p:cNvPr id="5" name="テキスト プレースホルダー 4">
-            <a:extLst>
-              <a:ext uri="{FF2B5EF4-FFF2-40B4-BE49-F238E27FC236}">
-                <a16:creationId xmlns:a16="http://schemas.microsoft.com/office/drawing/2014/main" id="{AD375B24-F18B-DD73-CB77-0A05C59A634D}"/>
-              </a:ext>
-            </a:extLst>
-          </p:cNvPr>
-          <p:cNvSpPr>
-            <a:spLocks noGrp="1"/>
-          </p:cNvSpPr>
-          <p:nvPr>
-            <p:ph type="body" sz="quarter" idx="13"/>
-          </p:nvPr>
-        </p:nvSpPr>
-        <p:spPr/>
-        <p:txBody>
-          <a:bodyPr/>
-          <a:lstStyle/>
-          <a:p>
-            <a:endParaRPr kumimoji="1" lang="ja-JP" altLang="en-US"/>
-          </a:p>
-        </p:txBody>
-      </p:sp>
-    </p:spTree>
-    <p:extLst>
-      <p:ext uri="{BB962C8B-B14F-4D97-AF65-F5344CB8AC3E}">
-        <p14:creationId xmlns:p14="http://schemas.microsoft.com/office/powerpoint/2010/main" val="2577879128"/>
-      </p:ext>
-    </p:extLst>
-  </p:cSld>
-  <p:clrMapOvr>
-    <a:masterClrMapping/>
-  </p:clrMapOvr>
-</p:sld>
-</file>
-
-<file path=ppt/slides/slide19.xml><?xml version="1.0" encoding="utf-8"?>
-<p:sld xmlns:a="http://schemas.openxmlformats.org/drawingml/2006/main" xmlns:r="http://schemas.openxmlformats.org/officeDocument/2006/relationships" xmlns:p="http://schemas.openxmlformats.org/presentationml/2006/main">
-  <p:cSld>
-    <p:spTree>
-      <p:nvGrpSpPr>
-        <p:cNvPr id="1" name=""/>
-        <p:cNvGrpSpPr/>
-        <p:nvPr/>
-      </p:nvGrpSpPr>
-      <p:grpSpPr>
-        <a:xfrm>
-          <a:off x="0" y="0"/>
-          <a:ext cx="0" cy="0"/>
-          <a:chOff x="0" y="0"/>
-          <a:chExt cx="0" cy="0"/>
-        </a:xfrm>
-      </p:grpSpPr>
-      <p:sp>
-        <p:nvSpPr>
-          <p:cNvPr id="2" name="タイトル 1">
-            <a:extLst>
-              <a:ext uri="{FF2B5EF4-FFF2-40B4-BE49-F238E27FC236}">
-                <a16:creationId xmlns:a16="http://schemas.microsoft.com/office/drawing/2014/main" id="{2050BE79-B88F-FF8B-6BA5-D26B97DBDD5A}"/>
-              </a:ext>
-            </a:extLst>
-          </p:cNvPr>
-          <p:cNvSpPr>
-            <a:spLocks noGrp="1"/>
-          </p:cNvSpPr>
-          <p:nvPr>
-            <p:ph type="title"/>
-          </p:nvPr>
-        </p:nvSpPr>
-        <p:spPr/>
-        <p:txBody>
-          <a:bodyPr/>
-          <a:lstStyle/>
-          <a:p>
-            <a:r>
-              <a:rPr kumimoji="1" lang="ja-JP" altLang="en-US" dirty="0"/>
-              <a:t>目次</a:t>
-            </a:r>
-          </a:p>
-        </p:txBody>
-      </p:sp>
-      <p:sp>
-        <p:nvSpPr>
-          <p:cNvPr id="3" name="コンテンツ プレースホルダー 2">
-            <a:extLst>
-              <a:ext uri="{FF2B5EF4-FFF2-40B4-BE49-F238E27FC236}">
-                <a16:creationId xmlns:a16="http://schemas.microsoft.com/office/drawing/2014/main" id="{B65B5EFB-27E8-7C48-B344-8691626E7FC9}"/>
-              </a:ext>
-            </a:extLst>
-          </p:cNvPr>
-          <p:cNvSpPr>
-            <a:spLocks noGrp="1"/>
-          </p:cNvSpPr>
-          <p:nvPr>
-            <p:ph idx="1"/>
-          </p:nvPr>
-        </p:nvSpPr>
-        <p:spPr/>
-        <p:txBody>
-          <a:bodyPr/>
-          <a:lstStyle/>
-          <a:p>
-            <a:r>
-              <a:rPr kumimoji="1" lang="ja-JP" altLang="en-US" dirty="0"/>
-              <a:t>研究テーマについて</a:t>
-            </a:r>
-            <a:endParaRPr kumimoji="1" lang="en-US" altLang="ja-JP" dirty="0"/>
-          </a:p>
-          <a:p>
-            <a:r>
-              <a:rPr lang="ja-JP" altLang="en-US" dirty="0"/>
-              <a:t>これまで取り組んだこと</a:t>
-            </a:r>
-            <a:endParaRPr lang="en-US" altLang="ja-JP" dirty="0"/>
-          </a:p>
-          <a:p>
-            <a:pPr lvl="1"/>
-            <a:r>
-              <a:rPr lang="en-US" altLang="ja-JP" dirty="0"/>
-              <a:t>LOS</a:t>
-            </a:r>
-            <a:r>
-              <a:rPr lang="ja-JP" altLang="en-US" dirty="0"/>
-              <a:t>に基づくリーダ・フォロワ制御の解析</a:t>
-            </a:r>
-            <a:endParaRPr lang="en-US" altLang="ja-JP" dirty="0"/>
-          </a:p>
-          <a:p>
-            <a:pPr lvl="1"/>
-            <a:r>
-              <a:rPr lang="en-US" altLang="ja-JP" dirty="0"/>
-              <a:t>LOS</a:t>
-            </a:r>
-            <a:r>
-              <a:rPr lang="ja-JP" altLang="en-US" dirty="0"/>
-              <a:t>に基づくリーダ・フォロワ制御の追試</a:t>
-            </a:r>
-            <a:endParaRPr lang="en-US" altLang="ja-JP" dirty="0"/>
-          </a:p>
-          <a:p>
-            <a:pPr lvl="1"/>
-            <a:r>
-              <a:rPr lang="en-US" altLang="ja-JP" dirty="0"/>
-              <a:t>Python</a:t>
-            </a:r>
-            <a:r>
-              <a:rPr lang="ja-JP" altLang="en-US" dirty="0"/>
-              <a:t>仮想環境の技術調査</a:t>
-            </a:r>
-            <a:endParaRPr lang="en-US" altLang="ja-JP" dirty="0"/>
-          </a:p>
-          <a:p>
-            <a:pPr lvl="1"/>
-            <a:r>
-              <a:rPr lang="en-US" altLang="ja-JP" dirty="0"/>
-              <a:t>Python +</a:t>
-            </a:r>
-            <a:r>
-              <a:rPr lang="en-US" altLang="ja-JP" dirty="0" err="1"/>
-              <a:t>CoppeliaSim</a:t>
-            </a:r>
-            <a:r>
-              <a:rPr lang="ja-JP" altLang="en-US" dirty="0"/>
-              <a:t>の技術調査</a:t>
-            </a:r>
-            <a:endParaRPr lang="en-US" altLang="ja-JP" dirty="0"/>
-          </a:p>
-          <a:p>
-            <a:r>
-              <a:rPr kumimoji="1" lang="ja-JP" altLang="en-US" dirty="0"/>
-              <a:t>課題</a:t>
-            </a:r>
-            <a:endParaRPr kumimoji="1" lang="en-US" altLang="ja-JP" dirty="0"/>
-          </a:p>
-          <a:p>
-            <a:r>
-              <a:rPr lang="ja-JP" altLang="en-US" dirty="0"/>
-              <a:t>今後の方針</a:t>
-            </a:r>
-            <a:endParaRPr kumimoji="1" lang="ja-JP" altLang="en-US" dirty="0"/>
-          </a:p>
-        </p:txBody>
-      </p:sp>
-      <p:sp>
-        <p:nvSpPr>
-          <p:cNvPr id="4" name="スライド番号プレースホルダー 3">
-            <a:extLst>
-              <a:ext uri="{FF2B5EF4-FFF2-40B4-BE49-F238E27FC236}">
-                <a16:creationId xmlns:a16="http://schemas.microsoft.com/office/drawing/2014/main" id="{FC33E576-600A-683F-DC96-8544A310B7BF}"/>
-              </a:ext>
-            </a:extLst>
-          </p:cNvPr>
-          <p:cNvSpPr>
-            <a:spLocks noGrp="1"/>
-          </p:cNvSpPr>
-          <p:nvPr>
-            <p:ph type="sldNum" sz="quarter" idx="12"/>
-          </p:nvPr>
-        </p:nvSpPr>
-        <p:spPr/>
-        <p:txBody>
-          <a:bodyPr/>
-          <a:lstStyle/>
-          <a:p>
-            <a:fld id="{55407BB7-92F5-4977-AA44-396FA1CF315E}" type="slidenum">
-              <a:rPr kumimoji="1" lang="ja-JP" altLang="en-US" smtClean="0"/>
-              <a:pPr/>
-              <a:t>18</a:t>
-            </a:fld>
-            <a:endParaRPr kumimoji="1" lang="ja-JP" altLang="en-US" dirty="0"/>
-          </a:p>
-        </p:txBody>
-      </p:sp>
-    </p:spTree>
-    <p:extLst>
-      <p:ext uri="{BB962C8B-B14F-4D97-AF65-F5344CB8AC3E}">
-        <p14:creationId xmlns:p14="http://schemas.microsoft.com/office/powerpoint/2010/main" val="2399987983"/>
-      </p:ext>
-    </p:extLst>
-  </p:cSld>
-  <p:clrMapOvr>
-    <a:masterClrMapping/>
-  </p:clrMapOvr>
-</p:sld>
-</file>
-
-<file path=ppt/slides/slide2.xml><?xml version="1.0" encoding="utf-8"?>
-<p:sld xmlns:a="http://schemas.openxmlformats.org/drawingml/2006/main" xmlns:r="http://schemas.openxmlformats.org/officeDocument/2006/relationships" xmlns:p="http://schemas.openxmlformats.org/presentationml/2006/main">
-  <p:cSld>
-    <p:spTree>
-      <p:nvGrpSpPr>
-        <p:cNvPr id="1" name=""/>
-        <p:cNvGrpSpPr/>
-        <p:nvPr/>
-      </p:nvGrpSpPr>
-      <p:grpSpPr>
-        <a:xfrm>
-          <a:off x="0" y="0"/>
-          <a:ext cx="0" cy="0"/>
-          <a:chOff x="0" y="0"/>
-          <a:chExt cx="0" cy="0"/>
-        </a:xfrm>
-      </p:grpSpPr>
-      <p:sp>
-        <p:nvSpPr>
-          <p:cNvPr id="2" name="タイトル 1">
-            <a:extLst>
-              <a:ext uri="{FF2B5EF4-FFF2-40B4-BE49-F238E27FC236}">
-                <a16:creationId xmlns:a16="http://schemas.microsoft.com/office/drawing/2014/main" id="{DCE94847-9F9B-6193-17BC-2F7AE31F8E37}"/>
-              </a:ext>
-            </a:extLst>
-          </p:cNvPr>
-          <p:cNvSpPr>
-            <a:spLocks noGrp="1"/>
-          </p:cNvSpPr>
-          <p:nvPr>
-            <p:ph type="title"/>
-          </p:nvPr>
-        </p:nvSpPr>
-        <p:spPr/>
-        <p:txBody>
-          <a:bodyPr/>
-          <a:lstStyle/>
-          <a:p>
-            <a:r>
-              <a:rPr lang="ja-JP" altLang="en-US" dirty="0"/>
-              <a:t>これまでの進捗概要</a:t>
-            </a:r>
-            <a:endParaRPr kumimoji="1" lang="ja-JP" altLang="en-US" dirty="0"/>
-          </a:p>
-        </p:txBody>
-      </p:sp>
-      <p:sp>
-        <p:nvSpPr>
-          <p:cNvPr id="3" name="コンテンツ プレースホルダー 2">
-            <a:extLst>
-              <a:ext uri="{FF2B5EF4-FFF2-40B4-BE49-F238E27FC236}">
-                <a16:creationId xmlns:a16="http://schemas.microsoft.com/office/drawing/2014/main" id="{9E1A1E01-A3A5-94AB-8DFE-9E5367FE5E69}"/>
-              </a:ext>
-            </a:extLst>
-          </p:cNvPr>
-          <p:cNvSpPr>
-            <a:spLocks noGrp="1"/>
-          </p:cNvSpPr>
-          <p:nvPr>
-            <p:ph idx="1"/>
-          </p:nvPr>
-        </p:nvSpPr>
-        <p:spPr/>
-        <p:txBody>
-          <a:bodyPr>
-            <a:normAutofit/>
-          </a:bodyPr>
-          <a:lstStyle/>
-          <a:p>
-            <a:pPr marL="0" indent="0">
-              <a:lnSpc>
-                <a:spcPct val="150000"/>
-              </a:lnSpc>
-              <a:buNone/>
-            </a:pPr>
-            <a:r>
-              <a:rPr kumimoji="1" lang="ja-JP" altLang="en-US" sz="2400" dirty="0"/>
-              <a:t>「</a:t>
-            </a:r>
-            <a:r>
-              <a:rPr kumimoji="1" lang="ja-JP" altLang="en-US" sz="2400" dirty="0">
-                <a:solidFill>
-                  <a:srgbClr val="00B0F0"/>
-                </a:solidFill>
-              </a:rPr>
-              <a:t>非</a:t>
-            </a:r>
-            <a:r>
-              <a:rPr kumimoji="1" lang="en-US" altLang="ja-JP" sz="2400" dirty="0">
-                <a:solidFill>
-                  <a:srgbClr val="00B0F0"/>
-                </a:solidFill>
-              </a:rPr>
-              <a:t>GNSS</a:t>
-            </a:r>
-            <a:r>
-              <a:rPr kumimoji="1" lang="ja-JP" altLang="en-US" sz="2400" dirty="0">
-                <a:solidFill>
-                  <a:srgbClr val="00B0F0"/>
-                </a:solidFill>
-              </a:rPr>
-              <a:t>環境でのフォーメーション制御</a:t>
-            </a:r>
-            <a:r>
-              <a:rPr kumimoji="1" lang="ja-JP" altLang="en-US" sz="2400" dirty="0"/>
-              <a:t>」の研究テーマを実現するため，フォーメーション制御の導入として卒論の</a:t>
-            </a:r>
-            <a:br>
-              <a:rPr kumimoji="1" lang="en-US" altLang="ja-JP" sz="2400" dirty="0"/>
-            </a:br>
-            <a:r>
-              <a:rPr kumimoji="1" lang="ja-JP" altLang="en-US" sz="2400" dirty="0"/>
-              <a:t>「</a:t>
-            </a:r>
-            <a:r>
-              <a:rPr kumimoji="1" lang="en-US" altLang="ja-JP" sz="2400" dirty="0"/>
-              <a:t>LOS</a:t>
-            </a:r>
-            <a:r>
-              <a:rPr kumimoji="1" lang="ja-JP" altLang="en-US" sz="2400" dirty="0"/>
-              <a:t>誘導に基づくリーダ・フォロワ制御」の追試を行い</a:t>
-            </a:r>
-            <a:br>
-              <a:rPr kumimoji="1" lang="en-US" altLang="ja-JP" sz="2400" dirty="0"/>
-            </a:br>
-            <a:r>
-              <a:rPr kumimoji="1" lang="ja-JP" altLang="en-US" sz="2400" dirty="0"/>
-              <a:t>理解を深めた．また，実装においては</a:t>
-            </a:r>
-            <a:r>
-              <a:rPr kumimoji="1" lang="en-US" altLang="ja-JP" sz="2400" dirty="0">
-                <a:solidFill>
-                  <a:srgbClr val="00B0F0"/>
-                </a:solidFill>
-              </a:rPr>
-              <a:t>Python</a:t>
-            </a:r>
-            <a:r>
-              <a:rPr kumimoji="1" lang="ja-JP" altLang="en-US" sz="2400" dirty="0"/>
-              <a:t>を使用するため，</a:t>
-            </a:r>
-            <a:br>
-              <a:rPr kumimoji="1" lang="en-US" altLang="ja-JP" sz="2400" dirty="0"/>
-            </a:br>
-            <a:r>
-              <a:rPr kumimoji="1" lang="ja-JP" altLang="en-US" sz="2400" dirty="0"/>
-              <a:t>開発環境の導入に関する技術調査を行った．以上の取り組みを通して，本研究テーマには卒論の内容そのものを扱うことは技術的に厳しいことが判明した．今後は，別の文献を参考に</a:t>
-            </a:r>
-            <a:r>
-              <a:rPr kumimoji="1" lang="en-US" altLang="ja-JP" sz="2400" dirty="0" err="1">
-                <a:solidFill>
-                  <a:srgbClr val="00B0F0"/>
-                </a:solidFill>
-              </a:rPr>
-              <a:t>IssacSim</a:t>
-            </a:r>
-            <a:r>
-              <a:rPr kumimoji="1" lang="ja-JP" altLang="en-US" sz="2400" dirty="0">
-                <a:solidFill>
-                  <a:srgbClr val="00B0F0"/>
-                </a:solidFill>
-              </a:rPr>
-              <a:t>上でシミュレータ環境を実現</a:t>
-            </a:r>
-            <a:r>
-              <a:rPr kumimoji="1" lang="ja-JP" altLang="en-US" sz="2400" dirty="0"/>
-              <a:t>することを試みる．</a:t>
-            </a:r>
-          </a:p>
-        </p:txBody>
-      </p:sp>
-      <p:sp>
-        <p:nvSpPr>
-          <p:cNvPr id="4" name="スライド番号プレースホルダー 3">
-            <a:extLst>
-              <a:ext uri="{FF2B5EF4-FFF2-40B4-BE49-F238E27FC236}">
-                <a16:creationId xmlns:a16="http://schemas.microsoft.com/office/drawing/2014/main" id="{277B23C4-05B3-54A3-480E-1C5B9643FEA6}"/>
-              </a:ext>
-            </a:extLst>
-          </p:cNvPr>
-          <p:cNvSpPr>
-            <a:spLocks noGrp="1"/>
-          </p:cNvSpPr>
-          <p:nvPr>
-            <p:ph type="sldNum" sz="quarter" idx="12"/>
-          </p:nvPr>
-        </p:nvSpPr>
-        <p:spPr/>
-        <p:txBody>
-          <a:bodyPr/>
-          <a:lstStyle/>
-          <a:p>
-            <a:fld id="{55407BB7-92F5-4977-AA44-396FA1CF315E}" type="slidenum">
-              <a:rPr kumimoji="1" lang="ja-JP" altLang="en-US" smtClean="0"/>
-              <a:pPr/>
-              <a:t>1</a:t>
-            </a:fld>
-            <a:endParaRPr kumimoji="1" lang="ja-JP" altLang="en-US" dirty="0"/>
-          </a:p>
-        </p:txBody>
-      </p:sp>
-    </p:spTree>
-    <p:extLst>
-      <p:ext uri="{BB962C8B-B14F-4D97-AF65-F5344CB8AC3E}">
-        <p14:creationId xmlns:p14="http://schemas.microsoft.com/office/powerpoint/2010/main" val="3483990292"/>
-      </p:ext>
-    </p:extLst>
-  </p:cSld>
-  <p:clrMapOvr>
-    <a:masterClrMapping/>
-  </p:clrMapOvr>
-</p:sld>
-</file>
-
-<file path=ppt/slides/slide20.xml><?xml version="1.0" encoding="utf-8"?>
-<p:sld xmlns:a="http://schemas.openxmlformats.org/drawingml/2006/main" xmlns:r="http://schemas.openxmlformats.org/officeDocument/2006/relationships" xmlns:p="http://schemas.openxmlformats.org/presentationml/2006/main">
-  <p:cSld>
-    <p:spTree>
-      <p:nvGrpSpPr>
-        <p:cNvPr id="1" name=""/>
-        <p:cNvGrpSpPr/>
-        <p:nvPr/>
-      </p:nvGrpSpPr>
-      <p:grpSpPr>
-        <a:xfrm>
-          <a:off x="0" y="0"/>
-          <a:ext cx="0" cy="0"/>
-          <a:chOff x="0" y="0"/>
-          <a:chExt cx="0" cy="0"/>
-        </a:xfrm>
-      </p:grpSpPr>
-      <p:sp>
-        <p:nvSpPr>
-          <p:cNvPr id="2" name="タイトル 1">
-            <a:extLst>
-              <a:ext uri="{FF2B5EF4-FFF2-40B4-BE49-F238E27FC236}">
-                <a16:creationId xmlns:a16="http://schemas.microsoft.com/office/drawing/2014/main" id="{1AEF5D16-5FCC-B2A4-F67B-510A3A1BBCE9}"/>
-              </a:ext>
-            </a:extLst>
-          </p:cNvPr>
-          <p:cNvSpPr>
-            <a:spLocks noGrp="1"/>
-          </p:cNvSpPr>
-          <p:nvPr>
-            <p:ph type="title"/>
-          </p:nvPr>
-        </p:nvSpPr>
-        <p:spPr/>
-        <p:txBody>
-          <a:bodyPr/>
-          <a:lstStyle/>
-          <a:p>
-            <a:r>
-              <a:rPr kumimoji="1" lang="ja-JP" altLang="en-US" dirty="0"/>
-              <a:t>課題</a:t>
-            </a:r>
-          </a:p>
-        </p:txBody>
-      </p:sp>
-      <p:sp>
-        <p:nvSpPr>
-          <p:cNvPr id="3" name="コンテンツ プレースホルダー 2">
-            <a:extLst>
-              <a:ext uri="{FF2B5EF4-FFF2-40B4-BE49-F238E27FC236}">
-                <a16:creationId xmlns:a16="http://schemas.microsoft.com/office/drawing/2014/main" id="{54854C22-392E-2B26-714C-9F55D2C0D94F}"/>
-              </a:ext>
-            </a:extLst>
-          </p:cNvPr>
-          <p:cNvSpPr>
-            <a:spLocks noGrp="1"/>
-          </p:cNvSpPr>
-          <p:nvPr>
-            <p:ph idx="1"/>
-          </p:nvPr>
-        </p:nvSpPr>
-        <p:spPr/>
-        <p:txBody>
-          <a:bodyPr/>
-          <a:lstStyle/>
-          <a:p>
-            <a:r>
-              <a:rPr kumimoji="1" lang="ja-JP" altLang="en-US"/>
-              <a:t>本研究</a:t>
-            </a:r>
-            <a:r>
-              <a:rPr kumimoji="1" lang="ja-JP" altLang="en-US" dirty="0"/>
-              <a:t>テーマの要件はシミュレーション環境が</a:t>
-            </a:r>
-            <a:r>
-              <a:rPr kumimoji="1" lang="en-US" altLang="ja-JP" dirty="0" err="1"/>
-              <a:t>CoppeliaSim</a:t>
-            </a:r>
-            <a:br>
-              <a:rPr kumimoji="1" lang="en-US" altLang="ja-JP" dirty="0"/>
-            </a:br>
-            <a:r>
-              <a:rPr kumimoji="1" lang="ja-JP" altLang="en-US" dirty="0"/>
-              <a:t>ではなく</a:t>
-            </a:r>
-            <a:r>
-              <a:rPr kumimoji="1" lang="en-US" altLang="ja-JP" dirty="0"/>
-              <a:t>NVIDIA</a:t>
-            </a:r>
-            <a:r>
-              <a:rPr kumimoji="1" lang="ja-JP" altLang="en-US" dirty="0"/>
-              <a:t>の</a:t>
-            </a:r>
-            <a:r>
-              <a:rPr kumimoji="1" lang="en-US" altLang="ja-JP" dirty="0" err="1"/>
-              <a:t>IssacSim</a:t>
-            </a:r>
-            <a:r>
-              <a:rPr kumimoji="1" lang="ja-JP" altLang="en-US" dirty="0"/>
-              <a:t>となっている</a:t>
-            </a:r>
-            <a:endParaRPr kumimoji="1" lang="en-US" altLang="ja-JP" dirty="0"/>
-          </a:p>
-          <a:p>
-            <a:endParaRPr lang="en-US" altLang="ja-JP" dirty="0"/>
-          </a:p>
-          <a:p>
-            <a:endParaRPr kumimoji="1" lang="ja-JP" altLang="en-US" dirty="0"/>
-          </a:p>
-        </p:txBody>
-      </p:sp>
-      <p:sp>
-        <p:nvSpPr>
-          <p:cNvPr id="4" name="スライド番号プレースホルダー 3">
-            <a:extLst>
-              <a:ext uri="{FF2B5EF4-FFF2-40B4-BE49-F238E27FC236}">
-                <a16:creationId xmlns:a16="http://schemas.microsoft.com/office/drawing/2014/main" id="{0CA60427-E916-EDE6-D32A-7C344F27AEE6}"/>
-              </a:ext>
-            </a:extLst>
-          </p:cNvPr>
-          <p:cNvSpPr>
-            <a:spLocks noGrp="1"/>
-          </p:cNvSpPr>
-          <p:nvPr>
-            <p:ph type="sldNum" sz="quarter" idx="12"/>
-          </p:nvPr>
-        </p:nvSpPr>
-        <p:spPr/>
-        <p:txBody>
-          <a:bodyPr/>
-          <a:lstStyle/>
-          <a:p>
-            <a:fld id="{55407BB7-92F5-4977-AA44-396FA1CF315E}" type="slidenum">
-              <a:rPr kumimoji="1" lang="ja-JP" altLang="en-US" smtClean="0"/>
-              <a:pPr/>
-              <a:t>19</a:t>
-            </a:fld>
-            <a:endParaRPr kumimoji="1" lang="ja-JP" altLang="en-US" dirty="0"/>
-          </a:p>
-        </p:txBody>
-      </p:sp>
-      <p:sp>
-        <p:nvSpPr>
-          <p:cNvPr id="5" name="テキスト プレースホルダー 4">
-            <a:extLst>
-              <a:ext uri="{FF2B5EF4-FFF2-40B4-BE49-F238E27FC236}">
-                <a16:creationId xmlns:a16="http://schemas.microsoft.com/office/drawing/2014/main" id="{AD375B24-F18B-DD73-CB77-0A05C59A634D}"/>
-              </a:ext>
-            </a:extLst>
-          </p:cNvPr>
-          <p:cNvSpPr>
-            <a:spLocks noGrp="1"/>
-          </p:cNvSpPr>
-          <p:nvPr>
-            <p:ph type="body" sz="quarter" idx="13"/>
-          </p:nvPr>
-        </p:nvSpPr>
-        <p:spPr/>
-        <p:txBody>
-          <a:bodyPr/>
-          <a:lstStyle/>
-          <a:p>
-            <a:endParaRPr kumimoji="1" lang="ja-JP" altLang="en-US"/>
-          </a:p>
-        </p:txBody>
-      </p:sp>
-    </p:spTree>
-    <p:extLst>
-      <p:ext uri="{BB962C8B-B14F-4D97-AF65-F5344CB8AC3E}">
-        <p14:creationId xmlns:p14="http://schemas.microsoft.com/office/powerpoint/2010/main" val="2686100178"/>
-      </p:ext>
-    </p:extLst>
-  </p:cSld>
-  <p:clrMapOvr>
-    <a:masterClrMapping/>
-  </p:clrMapOvr>
-</p:sld>
-</file>
-
 <file path=ppt/slides/slide21.xml><?xml version="1.0" encoding="utf-8"?>
 <p:sld xmlns:a="http://schemas.openxmlformats.org/drawingml/2006/main" xmlns:r="http://schemas.openxmlformats.org/officeDocument/2006/relationships" xmlns:p="http://schemas.openxmlformats.org/presentationml/2006/main">
   <p:cSld>
@@ -9228,7 +9097,7 @@
           <p:cNvPr id="2" name="タイトル 1">
             <a:extLst>
               <a:ext uri="{FF2B5EF4-FFF2-40B4-BE49-F238E27FC236}">
-                <a16:creationId xmlns:a16="http://schemas.microsoft.com/office/drawing/2014/main" id="{2050BE79-B88F-FF8B-6BA5-D26B97DBDD5A}"/>
+                <a16:creationId xmlns:a16="http://schemas.microsoft.com/office/drawing/2014/main" id="{01230179-F4FA-42FD-C4E4-69CB15C65693}"/>
               </a:ext>
             </a:extLst>
           </p:cNvPr>
@@ -9245,9 +9114,10 @@
           <a:lstStyle/>
           <a:p>
             <a:r>
-              <a:rPr kumimoji="1" lang="ja-JP" altLang="en-US" dirty="0"/>
-              <a:t>目次</a:t>
-            </a:r>
+              <a:rPr kumimoji="1" lang="en-US" altLang="ja-JP" dirty="0"/>
+              <a:t>Zero MQ Remote API</a:t>
+            </a:r>
+            <a:endParaRPr kumimoji="1" lang="ja-JP" altLang="en-US" dirty="0"/>
           </a:p>
         </p:txBody>
       </p:sp>
@@ -9256,7 +9126,7 @@
           <p:cNvPr id="3" name="コンテンツ プレースホルダー 2">
             <a:extLst>
               <a:ext uri="{FF2B5EF4-FFF2-40B4-BE49-F238E27FC236}">
-                <a16:creationId xmlns:a16="http://schemas.microsoft.com/office/drawing/2014/main" id="{B65B5EFB-27E8-7C48-B344-8691626E7FC9}"/>
+                <a16:creationId xmlns:a16="http://schemas.microsoft.com/office/drawing/2014/main" id="{C6D2B696-D788-A1C3-3787-BA77FCA2D9F6}"/>
               </a:ext>
             </a:extLst>
           </p:cNvPr>
@@ -9273,59 +9143,27 @@
           <a:lstStyle/>
           <a:p>
             <a:r>
-              <a:rPr kumimoji="1" lang="ja-JP" altLang="en-US" dirty="0"/>
-              <a:t>研究テーマについて</a:t>
-            </a:r>
-            <a:endParaRPr kumimoji="1" lang="en-US" altLang="ja-JP" dirty="0"/>
-          </a:p>
-          <a:p>
+              <a:rPr lang="ja-JP" altLang="en-US" b="1" dirty="0"/>
+              <a:t>非同期通信</a:t>
+            </a:r>
+            <a:r>
+              <a:rPr lang="en-US" altLang="ja-JP" dirty="0"/>
+              <a:t>: </a:t>
+            </a:r>
+          </a:p>
+          <a:p>
+            <a:pPr lvl="1"/>
             <a:r>
               <a:rPr lang="ja-JP" altLang="en-US" dirty="0"/>
-              <a:t>これまで取り組んだこと</a:t>
-            </a:r>
-            <a:endParaRPr lang="en-US" altLang="ja-JP" dirty="0"/>
-          </a:p>
-          <a:p>
-            <a:pPr lvl="1"/>
-            <a:r>
-              <a:rPr lang="en-US" altLang="ja-JP" dirty="0"/>
-              <a:t>LOS</a:t>
-            </a:r>
-            <a:r>
-              <a:rPr lang="ja-JP" altLang="en-US" dirty="0"/>
-              <a:t>に基づくリーダ・フォロワ制御の解析</a:t>
-            </a:r>
-            <a:endParaRPr lang="en-US" altLang="ja-JP" dirty="0"/>
-          </a:p>
-          <a:p>
-            <a:pPr lvl="1"/>
-            <a:r>
-              <a:rPr lang="en-US" altLang="ja-JP" dirty="0"/>
-              <a:t>LOS</a:t>
-            </a:r>
-            <a:r>
-              <a:rPr lang="ja-JP" altLang="en-US" dirty="0"/>
-              <a:t>に基づくリーダ・フォロワ制御の追試</a:t>
-            </a:r>
-            <a:endParaRPr lang="en-US" altLang="ja-JP" dirty="0"/>
-          </a:p>
-          <a:p>
-            <a:pPr lvl="1"/>
+              <a:t>クライアント（</a:t>
+            </a:r>
             <a:r>
               <a:rPr lang="en-US" altLang="ja-JP" dirty="0"/>
               <a:t>Python</a:t>
             </a:r>
             <a:r>
               <a:rPr lang="ja-JP" altLang="en-US" dirty="0"/>
-              <a:t>仮想環境の技術調査</a:t>
-            </a:r>
-            <a:endParaRPr lang="en-US" altLang="ja-JP" dirty="0"/>
-          </a:p>
-          <a:p>
-            <a:pPr lvl="1"/>
-            <a:r>
-              <a:rPr lang="en-US" altLang="ja-JP" dirty="0"/>
-              <a:t>Python +</a:t>
+              <a:t>）とサーバー（</a:t>
             </a:r>
             <a:r>
               <a:rPr lang="en-US" altLang="ja-JP" dirty="0" err="1"/>
@@ -9333,21 +9171,118 @@
             </a:r>
             <a:r>
               <a:rPr lang="ja-JP" altLang="en-US" dirty="0"/>
-              <a:t>の技術調査</a:t>
+              <a:t>）は必ずしも</a:t>
+            </a:r>
+            <a:br>
+              <a:rPr lang="en-US" altLang="ja-JP" dirty="0"/>
+            </a:br>
+            <a:r>
+              <a:rPr lang="ja-JP" altLang="en-US" dirty="0"/>
+              <a:t>互いの処理を待つ必要なく通信可能</a:t>
             </a:r>
             <a:endParaRPr lang="en-US" altLang="ja-JP" dirty="0"/>
           </a:p>
           <a:p>
             <a:r>
-              <a:rPr kumimoji="1" lang="ja-JP" altLang="en-US" dirty="0"/>
-              <a:t>課題</a:t>
+              <a:rPr lang="ja-JP" altLang="en-US" b="1" dirty="0"/>
+              <a:t>ステップ実行モード（同期モード）</a:t>
+            </a:r>
+            <a:r>
+              <a:rPr lang="en-US" altLang="ja-JP" dirty="0"/>
+              <a:t>: </a:t>
+            </a:r>
+          </a:p>
+          <a:p>
+            <a:pPr lvl="1"/>
+            <a:r>
+              <a:rPr lang="en-US" altLang="ja-JP" dirty="0"/>
+              <a:t>Python</a:t>
+            </a:r>
+            <a:r>
+              <a:rPr lang="ja-JP" altLang="en-US" dirty="0"/>
+              <a:t>スクリプトと</a:t>
+            </a:r>
+            <a:r>
+              <a:rPr lang="en-US" altLang="ja-JP" dirty="0" err="1"/>
+              <a:t>CoppeliaSim</a:t>
+            </a:r>
+            <a:r>
+              <a:rPr lang="ja-JP" altLang="en-US" dirty="0"/>
+              <a:t>のシミュレーションステップを</a:t>
+            </a:r>
+            <a:br>
+              <a:rPr lang="en-US" altLang="ja-JP" dirty="0"/>
+            </a:br>
+            <a:r>
+              <a:rPr lang="ja-JP" altLang="en-US" dirty="0"/>
+              <a:t>厳密に同期させ、制御ループの各段階でシミュレーションの状態を正確に把握・操作可能</a:t>
+            </a:r>
+            <a:endParaRPr lang="en-US" altLang="ja-JP" dirty="0"/>
+          </a:p>
+          <a:p>
+            <a:r>
+              <a:rPr lang="ja-JP" altLang="en-US" b="1" dirty="0"/>
+              <a:t>シミュレータ自体のリモート制御</a:t>
+            </a:r>
+            <a:r>
+              <a:rPr lang="en-US" altLang="ja-JP" dirty="0"/>
+              <a:t>: </a:t>
+            </a:r>
+          </a:p>
+          <a:p>
+            <a:pPr lvl="1"/>
+            <a:r>
+              <a:rPr lang="ja-JP" altLang="en-US" dirty="0"/>
+              <a:t>シーンファイルのロード、シミュレーションの開始・一時停止・</a:t>
+            </a:r>
+            <a:br>
+              <a:rPr lang="en-US" altLang="ja-JP" dirty="0"/>
+            </a:br>
+            <a:r>
+              <a:rPr lang="ja-JP" altLang="en-US" dirty="0"/>
+              <a:t>停止といった、シミュレータ全体の操作も</a:t>
+            </a:r>
+            <a:r>
+              <a:rPr lang="en-US" altLang="ja-JP" dirty="0"/>
+              <a:t>Python</a:t>
+            </a:r>
+            <a:r>
+              <a:rPr lang="ja-JP" altLang="en-US" dirty="0"/>
+              <a:t>から行える</a:t>
             </a:r>
             <a:endParaRPr kumimoji="1" lang="en-US" altLang="ja-JP" dirty="0"/>
           </a:p>
           <a:p>
             <a:r>
+              <a:rPr lang="ja-JP" altLang="en-US" b="1" dirty="0"/>
+              <a:t>コミュニティとサポート</a:t>
+            </a:r>
+            <a:r>
+              <a:rPr lang="en-US" altLang="ja-JP" b="1" dirty="0"/>
+              <a:t>:</a:t>
+            </a:r>
+          </a:p>
+          <a:p>
+            <a:pPr lvl="1"/>
+            <a:r>
+              <a:rPr lang="en-US" altLang="ja-JP" dirty="0" err="1"/>
+              <a:t>CoppeliaSim</a:t>
+            </a:r>
+            <a:r>
               <a:rPr lang="ja-JP" altLang="en-US" dirty="0"/>
-              <a:t>今後の方針</a:t>
+              <a:t>の開発元は、</a:t>
+            </a:r>
+            <a:r>
+              <a:rPr lang="en-US" altLang="ja-JP" dirty="0" err="1"/>
+              <a:t>ZeroMQ</a:t>
+            </a:r>
+            <a:r>
+              <a:rPr lang="en-US" altLang="ja-JP" dirty="0"/>
+              <a:t> Remote API</a:t>
+            </a:r>
+            <a:r>
+              <a:rPr lang="ja-JP" altLang="en-US" dirty="0"/>
+              <a:t>を積極的に推奨し、そのためのドキュメントやサンプルコードを充実させている．</a:t>
             </a:r>
             <a:endParaRPr kumimoji="1" lang="ja-JP" altLang="en-US" dirty="0"/>
           </a:p>
@@ -9358,7 +9293,7 @@
           <p:cNvPr id="4" name="スライド番号プレースホルダー 3">
             <a:extLst>
               <a:ext uri="{FF2B5EF4-FFF2-40B4-BE49-F238E27FC236}">
-                <a16:creationId xmlns:a16="http://schemas.microsoft.com/office/drawing/2014/main" id="{FC33E576-600A-683F-DC96-8544A310B7BF}"/>
+                <a16:creationId xmlns:a16="http://schemas.microsoft.com/office/drawing/2014/main" id="{C1C58ACC-587A-DA47-5030-C84B21929019}"/>
               </a:ext>
             </a:extLst>
           </p:cNvPr>
@@ -9386,7 +9321,7 @@
     </p:spTree>
     <p:extLst>
       <p:ext uri="{BB962C8B-B14F-4D97-AF65-F5344CB8AC3E}">
-        <p14:creationId xmlns:p14="http://schemas.microsoft.com/office/powerpoint/2010/main" val="4182858109"/>
+        <p14:creationId xmlns:p14="http://schemas.microsoft.com/office/powerpoint/2010/main" val="1970911080"/>
       </p:ext>
     </p:extLst>
   </p:cSld>
@@ -9418,6 +9353,710 @@
           <p:cNvPr id="2" name="タイトル 1">
             <a:extLst>
               <a:ext uri="{FF2B5EF4-FFF2-40B4-BE49-F238E27FC236}">
+                <a16:creationId xmlns:a16="http://schemas.microsoft.com/office/drawing/2014/main" id="{1AEF5D16-5FCC-B2A4-F67B-510A3A1BBCE9}"/>
+              </a:ext>
+            </a:extLst>
+          </p:cNvPr>
+          <p:cNvSpPr>
+            <a:spLocks noGrp="1"/>
+          </p:cNvSpPr>
+          <p:nvPr>
+            <p:ph type="title"/>
+          </p:nvPr>
+        </p:nvSpPr>
+        <p:spPr/>
+        <p:txBody>
+          <a:bodyPr/>
+          <a:lstStyle/>
+          <a:p>
+            <a:r>
+              <a:rPr kumimoji="1" lang="ja-JP" altLang="en-US" dirty="0"/>
+              <a:t>２つの</a:t>
+            </a:r>
+            <a:r>
+              <a:rPr kumimoji="1" lang="en-US" altLang="ja-JP" dirty="0"/>
+              <a:t>API</a:t>
+            </a:r>
+            <a:r>
+              <a:rPr kumimoji="1" lang="ja-JP" altLang="en-US" dirty="0"/>
+              <a:t>の比較</a:t>
+            </a:r>
+          </a:p>
+        </p:txBody>
+      </p:sp>
+      <p:sp>
+        <p:nvSpPr>
+          <p:cNvPr id="3" name="コンテンツ プレースホルダー 2">
+            <a:extLst>
+              <a:ext uri="{FF2B5EF4-FFF2-40B4-BE49-F238E27FC236}">
+                <a16:creationId xmlns:a16="http://schemas.microsoft.com/office/drawing/2014/main" id="{54854C22-392E-2B26-714C-9F55D2C0D94F}"/>
+              </a:ext>
+            </a:extLst>
+          </p:cNvPr>
+          <p:cNvSpPr>
+            <a:spLocks noGrp="1"/>
+          </p:cNvSpPr>
+          <p:nvPr>
+            <p:ph idx="1"/>
+          </p:nvPr>
+        </p:nvSpPr>
+        <p:spPr/>
+        <p:txBody>
+          <a:bodyPr/>
+          <a:lstStyle/>
+          <a:p>
+            <a:r>
+              <a:rPr kumimoji="1" lang="ja-JP" altLang="en-US" dirty="0"/>
+              <a:t>表を入れる</a:t>
+            </a:r>
+          </a:p>
+        </p:txBody>
+      </p:sp>
+      <p:sp>
+        <p:nvSpPr>
+          <p:cNvPr id="4" name="スライド番号プレースホルダー 3">
+            <a:extLst>
+              <a:ext uri="{FF2B5EF4-FFF2-40B4-BE49-F238E27FC236}">
+                <a16:creationId xmlns:a16="http://schemas.microsoft.com/office/drawing/2014/main" id="{0CA60427-E916-EDE6-D32A-7C344F27AEE6}"/>
+              </a:ext>
+            </a:extLst>
+          </p:cNvPr>
+          <p:cNvSpPr>
+            <a:spLocks noGrp="1"/>
+          </p:cNvSpPr>
+          <p:nvPr>
+            <p:ph type="sldNum" sz="quarter" idx="12"/>
+          </p:nvPr>
+        </p:nvSpPr>
+        <p:spPr/>
+        <p:txBody>
+          <a:bodyPr/>
+          <a:lstStyle/>
+          <a:p>
+            <a:fld id="{55407BB7-92F5-4977-AA44-396FA1CF315E}" type="slidenum">
+              <a:rPr kumimoji="1" lang="ja-JP" altLang="en-US" smtClean="0"/>
+              <a:pPr/>
+              <a:t>21</a:t>
+            </a:fld>
+            <a:endParaRPr kumimoji="1" lang="ja-JP" altLang="en-US" dirty="0"/>
+          </a:p>
+        </p:txBody>
+      </p:sp>
+      <p:sp>
+        <p:nvSpPr>
+          <p:cNvPr id="5" name="テキスト プレースホルダー 4">
+            <a:extLst>
+              <a:ext uri="{FF2B5EF4-FFF2-40B4-BE49-F238E27FC236}">
+                <a16:creationId xmlns:a16="http://schemas.microsoft.com/office/drawing/2014/main" id="{AD375B24-F18B-DD73-CB77-0A05C59A634D}"/>
+              </a:ext>
+            </a:extLst>
+          </p:cNvPr>
+          <p:cNvSpPr>
+            <a:spLocks noGrp="1"/>
+          </p:cNvSpPr>
+          <p:nvPr>
+            <p:ph type="body" sz="quarter" idx="13"/>
+          </p:nvPr>
+        </p:nvSpPr>
+        <p:spPr/>
+        <p:txBody>
+          <a:bodyPr/>
+          <a:lstStyle/>
+          <a:p>
+            <a:endParaRPr kumimoji="1" lang="ja-JP" altLang="en-US"/>
+          </a:p>
+        </p:txBody>
+      </p:sp>
+    </p:spTree>
+    <p:extLst>
+      <p:ext uri="{BB962C8B-B14F-4D97-AF65-F5344CB8AC3E}">
+        <p14:creationId xmlns:p14="http://schemas.microsoft.com/office/powerpoint/2010/main" val="2577879128"/>
+      </p:ext>
+    </p:extLst>
+  </p:cSld>
+  <p:clrMapOvr>
+    <a:masterClrMapping/>
+  </p:clrMapOvr>
+</p:sld>
+</file>
+
+<file path=ppt/slides/slide23.xml><?xml version="1.0" encoding="utf-8"?>
+<p:sld xmlns:a="http://schemas.openxmlformats.org/drawingml/2006/main" xmlns:r="http://schemas.openxmlformats.org/officeDocument/2006/relationships" xmlns:p="http://schemas.openxmlformats.org/presentationml/2006/main">
+  <p:cSld>
+    <p:spTree>
+      <p:nvGrpSpPr>
+        <p:cNvPr id="1" name=""/>
+        <p:cNvGrpSpPr/>
+        <p:nvPr/>
+      </p:nvGrpSpPr>
+      <p:grpSpPr>
+        <a:xfrm>
+          <a:off x="0" y="0"/>
+          <a:ext cx="0" cy="0"/>
+          <a:chOff x="0" y="0"/>
+          <a:chExt cx="0" cy="0"/>
+        </a:xfrm>
+      </p:grpSpPr>
+      <p:sp>
+        <p:nvSpPr>
+          <p:cNvPr id="2" name="タイトル 1">
+            <a:extLst>
+              <a:ext uri="{FF2B5EF4-FFF2-40B4-BE49-F238E27FC236}">
+                <a16:creationId xmlns:a16="http://schemas.microsoft.com/office/drawing/2014/main" id="{2050BE79-B88F-FF8B-6BA5-D26B97DBDD5A}"/>
+              </a:ext>
+            </a:extLst>
+          </p:cNvPr>
+          <p:cNvSpPr>
+            <a:spLocks noGrp="1"/>
+          </p:cNvSpPr>
+          <p:nvPr>
+            <p:ph type="title"/>
+          </p:nvPr>
+        </p:nvSpPr>
+        <p:spPr/>
+        <p:txBody>
+          <a:bodyPr/>
+          <a:lstStyle/>
+          <a:p>
+            <a:r>
+              <a:rPr kumimoji="1" lang="ja-JP" altLang="en-US" dirty="0"/>
+              <a:t>目次</a:t>
+            </a:r>
+          </a:p>
+        </p:txBody>
+      </p:sp>
+      <p:sp>
+        <p:nvSpPr>
+          <p:cNvPr id="3" name="コンテンツ プレースホルダー 2">
+            <a:extLst>
+              <a:ext uri="{FF2B5EF4-FFF2-40B4-BE49-F238E27FC236}">
+                <a16:creationId xmlns:a16="http://schemas.microsoft.com/office/drawing/2014/main" id="{B65B5EFB-27E8-7C48-B344-8691626E7FC9}"/>
+              </a:ext>
+            </a:extLst>
+          </p:cNvPr>
+          <p:cNvSpPr>
+            <a:spLocks noGrp="1"/>
+          </p:cNvSpPr>
+          <p:nvPr>
+            <p:ph idx="1"/>
+          </p:nvPr>
+        </p:nvSpPr>
+        <p:spPr/>
+        <p:txBody>
+          <a:bodyPr/>
+          <a:lstStyle/>
+          <a:p>
+            <a:r>
+              <a:rPr kumimoji="1" lang="ja-JP" altLang="en-US" dirty="0"/>
+              <a:t>研究テーマについて</a:t>
+            </a:r>
+            <a:endParaRPr kumimoji="1" lang="en-US" altLang="ja-JP" dirty="0"/>
+          </a:p>
+          <a:p>
+            <a:r>
+              <a:rPr lang="ja-JP" altLang="en-US" dirty="0"/>
+              <a:t>これまで取り組んだこと</a:t>
+            </a:r>
+            <a:endParaRPr lang="en-US" altLang="ja-JP" dirty="0"/>
+          </a:p>
+          <a:p>
+            <a:pPr lvl="1"/>
+            <a:r>
+              <a:rPr lang="en-US" altLang="ja-JP" dirty="0"/>
+              <a:t>LOS</a:t>
+            </a:r>
+            <a:r>
+              <a:rPr lang="ja-JP" altLang="en-US" dirty="0"/>
+              <a:t>に基づくリーダ・フォロワ制御の解析</a:t>
+            </a:r>
+            <a:endParaRPr lang="en-US" altLang="ja-JP" dirty="0"/>
+          </a:p>
+          <a:p>
+            <a:pPr lvl="1"/>
+            <a:r>
+              <a:rPr lang="en-US" altLang="ja-JP" dirty="0"/>
+              <a:t>LOS</a:t>
+            </a:r>
+            <a:r>
+              <a:rPr lang="ja-JP" altLang="en-US" dirty="0"/>
+              <a:t>に基づくリーダ・フォロワ制御の追試</a:t>
+            </a:r>
+            <a:endParaRPr lang="en-US" altLang="ja-JP" dirty="0"/>
+          </a:p>
+          <a:p>
+            <a:pPr lvl="1"/>
+            <a:r>
+              <a:rPr lang="en-US" altLang="ja-JP" dirty="0"/>
+              <a:t>Python</a:t>
+            </a:r>
+            <a:r>
+              <a:rPr lang="ja-JP" altLang="en-US" dirty="0"/>
+              <a:t>仮想環境の技術調査</a:t>
+            </a:r>
+            <a:endParaRPr lang="en-US" altLang="ja-JP" dirty="0"/>
+          </a:p>
+          <a:p>
+            <a:pPr lvl="1"/>
+            <a:r>
+              <a:rPr lang="en-US" altLang="ja-JP" dirty="0"/>
+              <a:t>Python +</a:t>
+            </a:r>
+            <a:r>
+              <a:rPr lang="en-US" altLang="ja-JP" dirty="0" err="1"/>
+              <a:t>CoppeliaSim</a:t>
+            </a:r>
+            <a:r>
+              <a:rPr lang="ja-JP" altLang="en-US" dirty="0"/>
+              <a:t>の技術調査</a:t>
+            </a:r>
+            <a:endParaRPr lang="en-US" altLang="ja-JP" dirty="0"/>
+          </a:p>
+          <a:p>
+            <a:r>
+              <a:rPr kumimoji="1" lang="ja-JP" altLang="en-US" dirty="0"/>
+              <a:t>課題</a:t>
+            </a:r>
+            <a:endParaRPr kumimoji="1" lang="en-US" altLang="ja-JP" dirty="0"/>
+          </a:p>
+          <a:p>
+            <a:r>
+              <a:rPr lang="ja-JP" altLang="en-US" dirty="0"/>
+              <a:t>今後の方針</a:t>
+            </a:r>
+            <a:endParaRPr kumimoji="1" lang="ja-JP" altLang="en-US" dirty="0"/>
+          </a:p>
+        </p:txBody>
+      </p:sp>
+      <p:sp>
+        <p:nvSpPr>
+          <p:cNvPr id="4" name="スライド番号プレースホルダー 3">
+            <a:extLst>
+              <a:ext uri="{FF2B5EF4-FFF2-40B4-BE49-F238E27FC236}">
+                <a16:creationId xmlns:a16="http://schemas.microsoft.com/office/drawing/2014/main" id="{FC33E576-600A-683F-DC96-8544A310B7BF}"/>
+              </a:ext>
+            </a:extLst>
+          </p:cNvPr>
+          <p:cNvSpPr>
+            <a:spLocks noGrp="1"/>
+          </p:cNvSpPr>
+          <p:nvPr>
+            <p:ph type="sldNum" sz="quarter" idx="12"/>
+          </p:nvPr>
+        </p:nvSpPr>
+        <p:spPr/>
+        <p:txBody>
+          <a:bodyPr/>
+          <a:lstStyle/>
+          <a:p>
+            <a:fld id="{55407BB7-92F5-4977-AA44-396FA1CF315E}" type="slidenum">
+              <a:rPr kumimoji="1" lang="ja-JP" altLang="en-US" smtClean="0"/>
+              <a:pPr/>
+              <a:t>22</a:t>
+            </a:fld>
+            <a:endParaRPr kumimoji="1" lang="ja-JP" altLang="en-US" dirty="0"/>
+          </a:p>
+        </p:txBody>
+      </p:sp>
+    </p:spTree>
+    <p:extLst>
+      <p:ext uri="{BB962C8B-B14F-4D97-AF65-F5344CB8AC3E}">
+        <p14:creationId xmlns:p14="http://schemas.microsoft.com/office/powerpoint/2010/main" val="2399987983"/>
+      </p:ext>
+    </p:extLst>
+  </p:cSld>
+  <p:clrMapOvr>
+    <a:masterClrMapping/>
+  </p:clrMapOvr>
+</p:sld>
+</file>
+
+<file path=ppt/slides/slide24.xml><?xml version="1.0" encoding="utf-8"?>
+<p:sld xmlns:a="http://schemas.openxmlformats.org/drawingml/2006/main" xmlns:r="http://schemas.openxmlformats.org/officeDocument/2006/relationships" xmlns:p="http://schemas.openxmlformats.org/presentationml/2006/main">
+  <p:cSld>
+    <p:spTree>
+      <p:nvGrpSpPr>
+        <p:cNvPr id="1" name=""/>
+        <p:cNvGrpSpPr/>
+        <p:nvPr/>
+      </p:nvGrpSpPr>
+      <p:grpSpPr>
+        <a:xfrm>
+          <a:off x="0" y="0"/>
+          <a:ext cx="0" cy="0"/>
+          <a:chOff x="0" y="0"/>
+          <a:chExt cx="0" cy="0"/>
+        </a:xfrm>
+      </p:grpSpPr>
+      <p:sp>
+        <p:nvSpPr>
+          <p:cNvPr id="2" name="タイトル 1">
+            <a:extLst>
+              <a:ext uri="{FF2B5EF4-FFF2-40B4-BE49-F238E27FC236}">
+                <a16:creationId xmlns:a16="http://schemas.microsoft.com/office/drawing/2014/main" id="{1AEF5D16-5FCC-B2A4-F67B-510A3A1BBCE9}"/>
+              </a:ext>
+            </a:extLst>
+          </p:cNvPr>
+          <p:cNvSpPr>
+            <a:spLocks noGrp="1"/>
+          </p:cNvSpPr>
+          <p:nvPr>
+            <p:ph type="title"/>
+          </p:nvPr>
+        </p:nvSpPr>
+        <p:spPr/>
+        <p:txBody>
+          <a:bodyPr/>
+          <a:lstStyle/>
+          <a:p>
+            <a:r>
+              <a:rPr kumimoji="1" lang="ja-JP" altLang="en-US" dirty="0"/>
+              <a:t>課題</a:t>
+            </a:r>
+          </a:p>
+        </p:txBody>
+      </p:sp>
+      <p:sp>
+        <p:nvSpPr>
+          <p:cNvPr id="3" name="コンテンツ プレースホルダー 2">
+            <a:extLst>
+              <a:ext uri="{FF2B5EF4-FFF2-40B4-BE49-F238E27FC236}">
+                <a16:creationId xmlns:a16="http://schemas.microsoft.com/office/drawing/2014/main" id="{54854C22-392E-2B26-714C-9F55D2C0D94F}"/>
+              </a:ext>
+            </a:extLst>
+          </p:cNvPr>
+          <p:cNvSpPr>
+            <a:spLocks noGrp="1"/>
+          </p:cNvSpPr>
+          <p:nvPr>
+            <p:ph idx="1"/>
+          </p:nvPr>
+        </p:nvSpPr>
+        <p:spPr/>
+        <p:txBody>
+          <a:bodyPr/>
+          <a:lstStyle/>
+          <a:p>
+            <a:r>
+              <a:rPr kumimoji="1" lang="ja-JP" altLang="en-US" dirty="0"/>
+              <a:t>本研究テーマの要件はシミュレーション環境が</a:t>
+            </a:r>
+            <a:r>
+              <a:rPr kumimoji="1" lang="en-US" altLang="ja-JP" dirty="0" err="1"/>
+              <a:t>CoppeliaSim</a:t>
+            </a:r>
+            <a:br>
+              <a:rPr kumimoji="1" lang="en-US" altLang="ja-JP" dirty="0"/>
+            </a:br>
+            <a:r>
+              <a:rPr kumimoji="1" lang="ja-JP" altLang="en-US" dirty="0"/>
+              <a:t>ではなく</a:t>
+            </a:r>
+            <a:r>
+              <a:rPr kumimoji="1" lang="en-US" altLang="ja-JP" dirty="0"/>
+              <a:t>NVIDIA</a:t>
+            </a:r>
+            <a:r>
+              <a:rPr kumimoji="1" lang="ja-JP" altLang="en-US" dirty="0"/>
+              <a:t>の</a:t>
+            </a:r>
+            <a:r>
+              <a:rPr kumimoji="1" lang="en-US" altLang="ja-JP" dirty="0" err="1"/>
+              <a:t>IssacSim</a:t>
+            </a:r>
+            <a:r>
+              <a:rPr kumimoji="1" lang="ja-JP" altLang="en-US" dirty="0"/>
+              <a:t>となっている</a:t>
+            </a:r>
+            <a:endParaRPr kumimoji="1" lang="en-US" altLang="ja-JP" dirty="0"/>
+          </a:p>
+          <a:p>
+            <a:endParaRPr lang="en-US" altLang="ja-JP" dirty="0"/>
+          </a:p>
+          <a:p>
+            <a:endParaRPr kumimoji="1" lang="ja-JP" altLang="en-US" dirty="0"/>
+          </a:p>
+        </p:txBody>
+      </p:sp>
+      <p:sp>
+        <p:nvSpPr>
+          <p:cNvPr id="4" name="スライド番号プレースホルダー 3">
+            <a:extLst>
+              <a:ext uri="{FF2B5EF4-FFF2-40B4-BE49-F238E27FC236}">
+                <a16:creationId xmlns:a16="http://schemas.microsoft.com/office/drawing/2014/main" id="{0CA60427-E916-EDE6-D32A-7C344F27AEE6}"/>
+              </a:ext>
+            </a:extLst>
+          </p:cNvPr>
+          <p:cNvSpPr>
+            <a:spLocks noGrp="1"/>
+          </p:cNvSpPr>
+          <p:nvPr>
+            <p:ph type="sldNum" sz="quarter" idx="12"/>
+          </p:nvPr>
+        </p:nvSpPr>
+        <p:spPr/>
+        <p:txBody>
+          <a:bodyPr/>
+          <a:lstStyle/>
+          <a:p>
+            <a:fld id="{55407BB7-92F5-4977-AA44-396FA1CF315E}" type="slidenum">
+              <a:rPr kumimoji="1" lang="ja-JP" altLang="en-US" smtClean="0"/>
+              <a:pPr/>
+              <a:t>23</a:t>
+            </a:fld>
+            <a:endParaRPr kumimoji="1" lang="ja-JP" altLang="en-US" dirty="0"/>
+          </a:p>
+        </p:txBody>
+      </p:sp>
+      <p:sp>
+        <p:nvSpPr>
+          <p:cNvPr id="5" name="テキスト プレースホルダー 4">
+            <a:extLst>
+              <a:ext uri="{FF2B5EF4-FFF2-40B4-BE49-F238E27FC236}">
+                <a16:creationId xmlns:a16="http://schemas.microsoft.com/office/drawing/2014/main" id="{AD375B24-F18B-DD73-CB77-0A05C59A634D}"/>
+              </a:ext>
+            </a:extLst>
+          </p:cNvPr>
+          <p:cNvSpPr>
+            <a:spLocks noGrp="1"/>
+          </p:cNvSpPr>
+          <p:nvPr>
+            <p:ph type="body" sz="quarter" idx="13"/>
+          </p:nvPr>
+        </p:nvSpPr>
+        <p:spPr/>
+        <p:txBody>
+          <a:bodyPr/>
+          <a:lstStyle/>
+          <a:p>
+            <a:endParaRPr kumimoji="1" lang="ja-JP" altLang="en-US" dirty="0"/>
+          </a:p>
+        </p:txBody>
+      </p:sp>
+    </p:spTree>
+    <p:extLst>
+      <p:ext uri="{BB962C8B-B14F-4D97-AF65-F5344CB8AC3E}">
+        <p14:creationId xmlns:p14="http://schemas.microsoft.com/office/powerpoint/2010/main" val="2686100178"/>
+      </p:ext>
+    </p:extLst>
+  </p:cSld>
+  <p:clrMapOvr>
+    <a:masterClrMapping/>
+  </p:clrMapOvr>
+</p:sld>
+</file>
+
+<file path=ppt/slides/slide25.xml><?xml version="1.0" encoding="utf-8"?>
+<p:sld xmlns:a="http://schemas.openxmlformats.org/drawingml/2006/main" xmlns:r="http://schemas.openxmlformats.org/officeDocument/2006/relationships" xmlns:p="http://schemas.openxmlformats.org/presentationml/2006/main">
+  <p:cSld>
+    <p:spTree>
+      <p:nvGrpSpPr>
+        <p:cNvPr id="1" name=""/>
+        <p:cNvGrpSpPr/>
+        <p:nvPr/>
+      </p:nvGrpSpPr>
+      <p:grpSpPr>
+        <a:xfrm>
+          <a:off x="0" y="0"/>
+          <a:ext cx="0" cy="0"/>
+          <a:chOff x="0" y="0"/>
+          <a:chExt cx="0" cy="0"/>
+        </a:xfrm>
+      </p:grpSpPr>
+      <p:sp>
+        <p:nvSpPr>
+          <p:cNvPr id="2" name="タイトル 1">
+            <a:extLst>
+              <a:ext uri="{FF2B5EF4-FFF2-40B4-BE49-F238E27FC236}">
+                <a16:creationId xmlns:a16="http://schemas.microsoft.com/office/drawing/2014/main" id="{2050BE79-B88F-FF8B-6BA5-D26B97DBDD5A}"/>
+              </a:ext>
+            </a:extLst>
+          </p:cNvPr>
+          <p:cNvSpPr>
+            <a:spLocks noGrp="1"/>
+          </p:cNvSpPr>
+          <p:nvPr>
+            <p:ph type="title"/>
+          </p:nvPr>
+        </p:nvSpPr>
+        <p:spPr/>
+        <p:txBody>
+          <a:bodyPr/>
+          <a:lstStyle/>
+          <a:p>
+            <a:r>
+              <a:rPr kumimoji="1" lang="ja-JP" altLang="en-US" dirty="0"/>
+              <a:t>目次</a:t>
+            </a:r>
+          </a:p>
+        </p:txBody>
+      </p:sp>
+      <p:sp>
+        <p:nvSpPr>
+          <p:cNvPr id="3" name="コンテンツ プレースホルダー 2">
+            <a:extLst>
+              <a:ext uri="{FF2B5EF4-FFF2-40B4-BE49-F238E27FC236}">
+                <a16:creationId xmlns:a16="http://schemas.microsoft.com/office/drawing/2014/main" id="{B65B5EFB-27E8-7C48-B344-8691626E7FC9}"/>
+              </a:ext>
+            </a:extLst>
+          </p:cNvPr>
+          <p:cNvSpPr>
+            <a:spLocks noGrp="1"/>
+          </p:cNvSpPr>
+          <p:nvPr>
+            <p:ph idx="1"/>
+          </p:nvPr>
+        </p:nvSpPr>
+        <p:spPr/>
+        <p:txBody>
+          <a:bodyPr/>
+          <a:lstStyle/>
+          <a:p>
+            <a:r>
+              <a:rPr kumimoji="1" lang="ja-JP" altLang="en-US" dirty="0"/>
+              <a:t>研究テーマについて</a:t>
+            </a:r>
+            <a:endParaRPr kumimoji="1" lang="en-US" altLang="ja-JP" dirty="0"/>
+          </a:p>
+          <a:p>
+            <a:r>
+              <a:rPr lang="ja-JP" altLang="en-US" dirty="0"/>
+              <a:t>これまで取り組んだこと</a:t>
+            </a:r>
+            <a:endParaRPr lang="en-US" altLang="ja-JP" dirty="0"/>
+          </a:p>
+          <a:p>
+            <a:pPr lvl="1"/>
+            <a:r>
+              <a:rPr lang="en-US" altLang="ja-JP" dirty="0"/>
+              <a:t>LOS</a:t>
+            </a:r>
+            <a:r>
+              <a:rPr lang="ja-JP" altLang="en-US" dirty="0"/>
+              <a:t>に基づくリーダ・フォロワ制御の解析</a:t>
+            </a:r>
+            <a:endParaRPr lang="en-US" altLang="ja-JP" dirty="0"/>
+          </a:p>
+          <a:p>
+            <a:pPr lvl="1"/>
+            <a:r>
+              <a:rPr lang="en-US" altLang="ja-JP" dirty="0"/>
+              <a:t>LOS</a:t>
+            </a:r>
+            <a:r>
+              <a:rPr lang="ja-JP" altLang="en-US" dirty="0"/>
+              <a:t>に基づくリーダ・フォロワ制御の追試</a:t>
+            </a:r>
+            <a:endParaRPr lang="en-US" altLang="ja-JP" dirty="0"/>
+          </a:p>
+          <a:p>
+            <a:pPr lvl="1"/>
+            <a:r>
+              <a:rPr lang="en-US" altLang="ja-JP" dirty="0"/>
+              <a:t>Python</a:t>
+            </a:r>
+            <a:r>
+              <a:rPr lang="ja-JP" altLang="en-US" dirty="0"/>
+              <a:t>仮想環境の技術調査</a:t>
+            </a:r>
+            <a:endParaRPr lang="en-US" altLang="ja-JP" dirty="0"/>
+          </a:p>
+          <a:p>
+            <a:pPr lvl="1"/>
+            <a:r>
+              <a:rPr lang="en-US" altLang="ja-JP" dirty="0"/>
+              <a:t>Python +</a:t>
+            </a:r>
+            <a:r>
+              <a:rPr lang="en-US" altLang="ja-JP" dirty="0" err="1"/>
+              <a:t>CoppeliaSim</a:t>
+            </a:r>
+            <a:r>
+              <a:rPr lang="ja-JP" altLang="en-US" dirty="0"/>
+              <a:t>の技術調査</a:t>
+            </a:r>
+            <a:endParaRPr lang="en-US" altLang="ja-JP" dirty="0"/>
+          </a:p>
+          <a:p>
+            <a:r>
+              <a:rPr kumimoji="1" lang="ja-JP" altLang="en-US" dirty="0"/>
+              <a:t>課題</a:t>
+            </a:r>
+            <a:endParaRPr kumimoji="1" lang="en-US" altLang="ja-JP" dirty="0"/>
+          </a:p>
+          <a:p>
+            <a:r>
+              <a:rPr lang="ja-JP" altLang="en-US" dirty="0"/>
+              <a:t>今後の方針</a:t>
+            </a:r>
+            <a:endParaRPr kumimoji="1" lang="ja-JP" altLang="en-US" dirty="0"/>
+          </a:p>
+        </p:txBody>
+      </p:sp>
+      <p:sp>
+        <p:nvSpPr>
+          <p:cNvPr id="4" name="スライド番号プレースホルダー 3">
+            <a:extLst>
+              <a:ext uri="{FF2B5EF4-FFF2-40B4-BE49-F238E27FC236}">
+                <a16:creationId xmlns:a16="http://schemas.microsoft.com/office/drawing/2014/main" id="{FC33E576-600A-683F-DC96-8544A310B7BF}"/>
+              </a:ext>
+            </a:extLst>
+          </p:cNvPr>
+          <p:cNvSpPr>
+            <a:spLocks noGrp="1"/>
+          </p:cNvSpPr>
+          <p:nvPr>
+            <p:ph type="sldNum" sz="quarter" idx="12"/>
+          </p:nvPr>
+        </p:nvSpPr>
+        <p:spPr/>
+        <p:txBody>
+          <a:bodyPr/>
+          <a:lstStyle/>
+          <a:p>
+            <a:fld id="{55407BB7-92F5-4977-AA44-396FA1CF315E}" type="slidenum">
+              <a:rPr kumimoji="1" lang="ja-JP" altLang="en-US" smtClean="0"/>
+              <a:pPr/>
+              <a:t>24</a:t>
+            </a:fld>
+            <a:endParaRPr kumimoji="1" lang="ja-JP" altLang="en-US" dirty="0"/>
+          </a:p>
+        </p:txBody>
+      </p:sp>
+    </p:spTree>
+    <p:extLst>
+      <p:ext uri="{BB962C8B-B14F-4D97-AF65-F5344CB8AC3E}">
+        <p14:creationId xmlns:p14="http://schemas.microsoft.com/office/powerpoint/2010/main" val="4182858109"/>
+      </p:ext>
+    </p:extLst>
+  </p:cSld>
+  <p:clrMapOvr>
+    <a:masterClrMapping/>
+  </p:clrMapOvr>
+</p:sld>
+</file>
+
+<file path=ppt/slides/slide26.xml><?xml version="1.0" encoding="utf-8"?>
+<p:sld xmlns:a="http://schemas.openxmlformats.org/drawingml/2006/main" xmlns:r="http://schemas.openxmlformats.org/officeDocument/2006/relationships" xmlns:p="http://schemas.openxmlformats.org/presentationml/2006/main">
+  <p:cSld>
+    <p:spTree>
+      <p:nvGrpSpPr>
+        <p:cNvPr id="1" name=""/>
+        <p:cNvGrpSpPr/>
+        <p:nvPr/>
+      </p:nvGrpSpPr>
+      <p:grpSpPr>
+        <a:xfrm>
+          <a:off x="0" y="0"/>
+          <a:ext cx="0" cy="0"/>
+          <a:chOff x="0" y="0"/>
+          <a:chExt cx="0" cy="0"/>
+        </a:xfrm>
+      </p:grpSpPr>
+      <p:sp>
+        <p:nvSpPr>
+          <p:cNvPr id="2" name="タイトル 1">
+            <a:extLst>
+              <a:ext uri="{FF2B5EF4-FFF2-40B4-BE49-F238E27FC236}">
                 <a16:creationId xmlns:a16="http://schemas.microsoft.com/office/drawing/2014/main" id="{1F87813F-E456-B829-4307-FA5358BD8D93}"/>
               </a:ext>
             </a:extLst>
@@ -9434,7 +10073,10 @@
           <a:bodyPr/>
           <a:lstStyle/>
           <a:p>
-            <a:endParaRPr kumimoji="1" lang="ja-JP" altLang="en-US"/>
+            <a:r>
+              <a:rPr kumimoji="1" lang="ja-JP" altLang="en-US" dirty="0"/>
+              <a:t>今後の方針</a:t>
+            </a:r>
           </a:p>
         </p:txBody>
       </p:sp>
@@ -9487,7 +10129,7 @@
             <a:fld id="{55407BB7-92F5-4977-AA44-396FA1CF315E}" type="slidenum">
               <a:rPr kumimoji="1" lang="ja-JP" altLang="en-US" smtClean="0"/>
               <a:pPr/>
-              <a:t>21</a:t>
+              <a:t>25</a:t>
             </a:fld>
             <a:endParaRPr kumimoji="1" lang="ja-JP" altLang="en-US" dirty="0"/>
           </a:p>

--- a/森本皓斗.pptx
+++ b/森本皓斗.pptx
@@ -7439,7 +7439,7 @@
           <a:lstStyle/>
           <a:p>
             <a:r>
-              <a:rPr kumimoji="1" lang="ja-JP" altLang="en-US" dirty="0">
+              <a:rPr kumimoji="1" lang="ja-JP" altLang="en-US" b="1" dirty="0">
                 <a:solidFill>
                   <a:schemeClr val="accent4"/>
                 </a:solidFill>
@@ -7746,9 +7746,67 @@
           <a:lstStyle/>
           <a:p>
             <a:r>
-              <a:rPr kumimoji="1" lang="ja-JP" altLang="en-US" dirty="0"/>
+              <a:rPr kumimoji="1" lang="ja-JP" altLang="en-US" b="1" dirty="0">
+                <a:solidFill>
+                  <a:schemeClr val="accent4"/>
+                </a:solidFill>
+              </a:rPr>
               <a:t>フォロワの目的速度を制御入力とする</a:t>
             </a:r>
+          </a:p>
+        </p:txBody>
+      </p:sp>
+      <p:sp>
+        <p:nvSpPr>
+          <p:cNvPr id="6" name="四角形: 角を丸くする 5">
+            <a:extLst>
+              <a:ext uri="{FF2B5EF4-FFF2-40B4-BE49-F238E27FC236}">
+                <a16:creationId xmlns:a16="http://schemas.microsoft.com/office/drawing/2014/main" id="{E116717A-FEC0-16F1-25D5-DADB4977B5D8}"/>
+              </a:ext>
+            </a:extLst>
+          </p:cNvPr>
+          <p:cNvSpPr/>
+          <p:nvPr/>
+        </p:nvSpPr>
+        <p:spPr>
+          <a:xfrm>
+            <a:off x="258158" y="5769113"/>
+            <a:ext cx="8625708" cy="914400"/>
+          </a:xfrm>
+          <a:prstGeom prst="roundRect">
+            <a:avLst/>
+          </a:prstGeom>
+          <a:noFill/>
+          <a:ln w="38100" cap="flat" cmpd="sng" algn="ctr">
+            <a:solidFill>
+              <a:schemeClr val="accent4"/>
+            </a:solidFill>
+            <a:prstDash val="solid"/>
+            <a:round/>
+            <a:headEnd type="none" w="med" len="med"/>
+            <a:tailEnd type="none" w="med" len="med"/>
+          </a:ln>
+        </p:spPr>
+        <p:style>
+          <a:lnRef idx="0">
+            <a:scrgbClr r="0" g="0" b="0"/>
+          </a:lnRef>
+          <a:fillRef idx="0">
+            <a:scrgbClr r="0" g="0" b="0"/>
+          </a:fillRef>
+          <a:effectRef idx="0">
+            <a:scrgbClr r="0" g="0" b="0"/>
+          </a:effectRef>
+          <a:fontRef idx="minor">
+            <a:schemeClr val="accent4"/>
+          </a:fontRef>
+        </p:style>
+        <p:txBody>
+          <a:bodyPr rtlCol="0" anchor="ctr"/>
+          <a:lstStyle/>
+          <a:p>
+            <a:pPr algn="ctr"/>
+            <a:endParaRPr kumimoji="1" lang="ja-JP" altLang="en-US"/>
           </a:p>
         </p:txBody>
       </p:sp>
@@ -8434,7 +8492,7 @@
               <a:t>Python</a:t>
             </a:r>
             <a:r>
-              <a:rPr kumimoji="1" lang="ja-JP" altLang="en-US"/>
+              <a:rPr kumimoji="1" lang="ja-JP" altLang="en-US" dirty="0"/>
               <a:t>仮想環境について</a:t>
             </a:r>
           </a:p>

--- a/森本皓斗.pptx
+++ b/森本皓斗.pptx
@@ -7978,8 +7978,8 @@
           <a:chExt cx="0" cy="0"/>
         </a:xfrm>
       </p:grpSpPr>
-      <mc:AlternateContent xmlns:mc="http://schemas.openxmlformats.org/markup-compatibility/2006">
-        <mc:Choice xmlns:a14="http://schemas.microsoft.com/office/drawing/2010/main" Requires="a14">
+      <mc:AlternateContent xmlns:mc="http://schemas.openxmlformats.org/markup-compatibility/2006" xmlns:a14="http://schemas.microsoft.com/office/drawing/2010/main">
+        <mc:Choice Requires="a14">
           <p:sp>
             <p:nvSpPr>
               <p:cNvPr id="2" name="タイトル 1">
@@ -8041,7 +8041,7 @@
             </p:txBody>
           </p:sp>
         </mc:Choice>
-        <mc:Fallback>
+        <mc:Fallback xmlns="">
           <p:sp>
             <p:nvSpPr>
               <p:cNvPr id="2" name="タイトル 1">
@@ -9422,9 +9422,16 @@
             <p:ph type="title"/>
           </p:nvPr>
         </p:nvSpPr>
-        <p:spPr/>
-        <p:txBody>
-          <a:bodyPr/>
+        <p:spPr>
+          <a:xfrm>
+            <a:off x="258160" y="174487"/>
+            <a:ext cx="7886700" cy="890314"/>
+          </a:xfrm>
+        </p:spPr>
+        <p:txBody>
+          <a:bodyPr anchor="ctr">
+            <a:normAutofit/>
+          </a:bodyPr>
           <a:lstStyle/>
           <a:p>
             <a:r>
@@ -9438,34 +9445,6 @@
             <a:r>
               <a:rPr kumimoji="1" lang="ja-JP" altLang="en-US" dirty="0"/>
               <a:t>の比較</a:t>
-            </a:r>
-          </a:p>
-        </p:txBody>
-      </p:sp>
-      <p:sp>
-        <p:nvSpPr>
-          <p:cNvPr id="3" name="コンテンツ プレースホルダー 2">
-            <a:extLst>
-              <a:ext uri="{FF2B5EF4-FFF2-40B4-BE49-F238E27FC236}">
-                <a16:creationId xmlns:a16="http://schemas.microsoft.com/office/drawing/2014/main" id="{54854C22-392E-2B26-714C-9F55D2C0D94F}"/>
-              </a:ext>
-            </a:extLst>
-          </p:cNvPr>
-          <p:cNvSpPr>
-            <a:spLocks noGrp="1"/>
-          </p:cNvSpPr>
-          <p:nvPr>
-            <p:ph idx="1"/>
-          </p:nvPr>
-        </p:nvSpPr>
-        <p:spPr/>
-        <p:txBody>
-          <a:bodyPr/>
-          <a:lstStyle/>
-          <a:p>
-            <a:r>
-              <a:rPr kumimoji="1" lang="ja-JP" altLang="en-US" dirty="0"/>
-              <a:t>表を入れる</a:t>
             </a:r>
           </a:p>
         </p:txBody>
@@ -9486,45 +9465,1030 @@
             <p:ph type="sldNum" sz="quarter" idx="12"/>
           </p:nvPr>
         </p:nvSpPr>
-        <p:spPr/>
-        <p:txBody>
-          <a:bodyPr/>
-          <a:lstStyle/>
-          <a:p>
+        <p:spPr>
+          <a:xfrm>
+            <a:off x="8316310" y="437081"/>
+            <a:ext cx="567558" cy="365125"/>
+          </a:xfrm>
+        </p:spPr>
+        <p:txBody>
+          <a:bodyPr anchor="ctr">
+            <a:normAutofit/>
+          </a:bodyPr>
+          <a:lstStyle/>
+          <a:p>
+            <a:pPr>
+              <a:lnSpc>
+                <a:spcPct val="90000"/>
+              </a:lnSpc>
+              <a:spcAft>
+                <a:spcPts val="600"/>
+              </a:spcAft>
+            </a:pPr>
             <a:fld id="{55407BB7-92F5-4977-AA44-396FA1CF315E}" type="slidenum">
-              <a:rPr kumimoji="1" lang="ja-JP" altLang="en-US" smtClean="0"/>
-              <a:pPr/>
+              <a:rPr kumimoji="1" lang="ja-JP" altLang="en-US" sz="1900" smtClean="0"/>
+              <a:pPr>
+                <a:lnSpc>
+                  <a:spcPct val="90000"/>
+                </a:lnSpc>
+                <a:spcAft>
+                  <a:spcPts val="600"/>
+                </a:spcAft>
+              </a:pPr>
               <a:t>21</a:t>
             </a:fld>
-            <a:endParaRPr kumimoji="1" lang="ja-JP" altLang="en-US" dirty="0"/>
-          </a:p>
-        </p:txBody>
-      </p:sp>
-      <p:sp>
-        <p:nvSpPr>
-          <p:cNvPr id="5" name="テキスト プレースホルダー 4">
+            <a:endParaRPr kumimoji="1" lang="ja-JP" altLang="en-US" sz="1900"/>
+          </a:p>
+        </p:txBody>
+      </p:sp>
+      <p:graphicFrame>
+        <p:nvGraphicFramePr>
+          <p:cNvPr id="6" name="コンテンツ プレースホルダー 5">
             <a:extLst>
               <a:ext uri="{FF2B5EF4-FFF2-40B4-BE49-F238E27FC236}">
-                <a16:creationId xmlns:a16="http://schemas.microsoft.com/office/drawing/2014/main" id="{AD375B24-F18B-DD73-CB77-0A05C59A634D}"/>
+                <a16:creationId xmlns:a16="http://schemas.microsoft.com/office/drawing/2014/main" id="{CF083514-62C9-EA14-3381-9A5683BCC111}"/>
               </a:ext>
             </a:extLst>
           </p:cNvPr>
-          <p:cNvSpPr>
-            <a:spLocks noGrp="1"/>
-          </p:cNvSpPr>
-          <p:nvPr>
-            <p:ph type="body" sz="quarter" idx="13"/>
-          </p:nvPr>
-        </p:nvSpPr>
-        <p:spPr/>
-        <p:txBody>
-          <a:bodyPr/>
-          <a:lstStyle/>
-          <a:p>
-            <a:endParaRPr kumimoji="1" lang="ja-JP" altLang="en-US"/>
-          </a:p>
-        </p:txBody>
-      </p:sp>
+          <p:cNvGraphicFramePr>
+            <a:graphicFrameLocks noGrp="1"/>
+          </p:cNvGraphicFramePr>
+          <p:nvPr>
+            <p:ph idx="1"/>
+            <p:extLst>
+              <p:ext uri="{D42A27DB-BD31-4B8C-83A1-F6EECF244321}">
+                <p14:modId xmlns:p14="http://schemas.microsoft.com/office/powerpoint/2010/main" val="4102275932"/>
+              </p:ext>
+            </p:extLst>
+          </p:nvPr>
+        </p:nvGraphicFramePr>
+        <p:xfrm>
+          <a:off x="258159" y="1575697"/>
+          <a:ext cx="8625710" cy="4801067"/>
+        </p:xfrm>
+        <a:graphic>
+          <a:graphicData uri="http://schemas.openxmlformats.org/drawingml/2006/table">
+            <a:tbl>
+              <a:tblPr>
+                <a:tableStyleId>{5C22544A-7EE6-4342-B048-85BDC9FD1C3A}</a:tableStyleId>
+              </a:tblPr>
+              <a:tblGrid>
+                <a:gridCol w="1293550">
+                  <a:extLst>
+                    <a:ext uri="{9D8B030D-6E8A-4147-A177-3AD203B41FA5}">
+                      <a16:colId xmlns:a16="http://schemas.microsoft.com/office/drawing/2014/main" val="3829443115"/>
+                    </a:ext>
+                  </a:extLst>
+                </a:gridCol>
+                <a:gridCol w="3555618">
+                  <a:extLst>
+                    <a:ext uri="{9D8B030D-6E8A-4147-A177-3AD203B41FA5}">
+                      <a16:colId xmlns:a16="http://schemas.microsoft.com/office/drawing/2014/main" val="2635896277"/>
+                    </a:ext>
+                  </a:extLst>
+                </a:gridCol>
+                <a:gridCol w="3776542">
+                  <a:extLst>
+                    <a:ext uri="{9D8B030D-6E8A-4147-A177-3AD203B41FA5}">
+                      <a16:colId xmlns:a16="http://schemas.microsoft.com/office/drawing/2014/main" val="1439329378"/>
+                    </a:ext>
+                  </a:extLst>
+                </a:gridCol>
+              </a:tblGrid>
+              <a:tr h="450623">
+                <a:tc>
+                  <a:txBody>
+                    <a:bodyPr/>
+                    <a:lstStyle/>
+                    <a:p>
+                      <a:pPr>
+                        <a:lnSpc>
+                          <a:spcPct val="114000"/>
+                        </a:lnSpc>
+                        <a:spcBef>
+                          <a:spcPts val="600"/>
+                        </a:spcBef>
+                        <a:spcAft>
+                          <a:spcPts val="600"/>
+                        </a:spcAft>
+                      </a:pPr>
+                      <a:r>
+                        <a:rPr lang="ja-JP" sz="1300">
+                          <a:effectLst/>
+                        </a:rPr>
+                        <a:t>特徴</a:t>
+                      </a:r>
+                      <a:endParaRPr lang="ja-JP" sz="1600">
+                        <a:effectLst/>
+                        <a:latin typeface="Arial" panose="020B0604020202020204" pitchFamily="34" charset="0"/>
+                        <a:ea typeface="ＭＳ 明朝" panose="02020609040205080304" pitchFamily="17" charset="-128"/>
+                      </a:endParaRPr>
+                    </a:p>
+                  </a:txBody>
+                  <a:tcPr marL="144459" marR="144459" marT="96304" marB="96304"/>
+                </a:tc>
+                <a:tc>
+                  <a:txBody>
+                    <a:bodyPr/>
+                    <a:lstStyle/>
+                    <a:p>
+                      <a:pPr>
+                        <a:lnSpc>
+                          <a:spcPct val="114000"/>
+                        </a:lnSpc>
+                        <a:spcBef>
+                          <a:spcPts val="600"/>
+                        </a:spcBef>
+                        <a:spcAft>
+                          <a:spcPts val="600"/>
+                        </a:spcAft>
+                      </a:pPr>
+                      <a:r>
+                        <a:rPr lang="en-US" sz="1300">
+                          <a:effectLst/>
+                        </a:rPr>
+                        <a:t>ZeroMQ Remote API</a:t>
+                      </a:r>
+                      <a:endParaRPr lang="ja-JP" sz="1600">
+                        <a:effectLst/>
+                        <a:latin typeface="Arial" panose="020B0604020202020204" pitchFamily="34" charset="0"/>
+                        <a:ea typeface="ＭＳ 明朝" panose="02020609040205080304" pitchFamily="17" charset="-128"/>
+                      </a:endParaRPr>
+                    </a:p>
+                  </a:txBody>
+                  <a:tcPr marL="144459" marR="144459" marT="96304" marB="96304"/>
+                </a:tc>
+                <a:tc>
+                  <a:txBody>
+                    <a:bodyPr/>
+                    <a:lstStyle/>
+                    <a:p>
+                      <a:pPr>
+                        <a:lnSpc>
+                          <a:spcPct val="114000"/>
+                        </a:lnSpc>
+                        <a:spcBef>
+                          <a:spcPts val="600"/>
+                        </a:spcBef>
+                        <a:spcAft>
+                          <a:spcPts val="600"/>
+                        </a:spcAft>
+                      </a:pPr>
+                      <a:r>
+                        <a:rPr lang="ja-JP" sz="1300">
+                          <a:effectLst/>
+                        </a:rPr>
+                        <a:t>レガシー</a:t>
+                      </a:r>
+                      <a:r>
+                        <a:rPr lang="en-US" sz="1300">
+                          <a:effectLst/>
+                        </a:rPr>
+                        <a:t> Remote API</a:t>
+                      </a:r>
+                      <a:endParaRPr lang="ja-JP" sz="1600">
+                        <a:effectLst/>
+                        <a:latin typeface="Arial" panose="020B0604020202020204" pitchFamily="34" charset="0"/>
+                        <a:ea typeface="ＭＳ 明朝" panose="02020609040205080304" pitchFamily="17" charset="-128"/>
+                      </a:endParaRPr>
+                    </a:p>
+                  </a:txBody>
+                  <a:tcPr marL="144459" marR="144459" marT="96304" marB="96304"/>
+                </a:tc>
+                <a:extLst>
+                  <a:ext uri="{0D108BD9-81ED-4DB2-BD59-A6C34878D82A}">
+                    <a16:rowId xmlns:a16="http://schemas.microsoft.com/office/drawing/2014/main" val="3413053040"/>
+                  </a:ext>
+                </a:extLst>
+              </a:tr>
+              <a:tr h="681636">
+                <a:tc>
+                  <a:txBody>
+                    <a:bodyPr/>
+                    <a:lstStyle/>
+                    <a:p>
+                      <a:pPr>
+                        <a:lnSpc>
+                          <a:spcPct val="114000"/>
+                        </a:lnSpc>
+                        <a:spcBef>
+                          <a:spcPts val="600"/>
+                        </a:spcBef>
+                        <a:spcAft>
+                          <a:spcPts val="600"/>
+                        </a:spcAft>
+                      </a:pPr>
+                      <a:r>
+                        <a:rPr lang="ja-JP" sz="1300" dirty="0">
+                          <a:effectLst/>
+                        </a:rPr>
+                        <a:t>推奨</a:t>
+                      </a:r>
+                      <a:br>
+                        <a:rPr lang="en-US" altLang="ja-JP" sz="1300" dirty="0">
+                          <a:effectLst/>
+                        </a:rPr>
+                      </a:br>
+                      <a:r>
+                        <a:rPr lang="ja-JP" sz="1300" dirty="0">
+                          <a:effectLst/>
+                        </a:rPr>
+                        <a:t>ステータス</a:t>
+                      </a:r>
+                      <a:endParaRPr lang="ja-JP" sz="1600" dirty="0">
+                        <a:effectLst/>
+                        <a:latin typeface="Arial" panose="020B0604020202020204" pitchFamily="34" charset="0"/>
+                        <a:ea typeface="ＭＳ 明朝" panose="02020609040205080304" pitchFamily="17" charset="-128"/>
+                      </a:endParaRPr>
+                    </a:p>
+                  </a:txBody>
+                  <a:tcPr marL="144459" marR="144459" marT="96304" marB="96304"/>
+                </a:tc>
+                <a:tc>
+                  <a:txBody>
+                    <a:bodyPr/>
+                    <a:lstStyle/>
+                    <a:p>
+                      <a:pPr>
+                        <a:lnSpc>
+                          <a:spcPct val="114000"/>
+                        </a:lnSpc>
+                        <a:spcBef>
+                          <a:spcPts val="600"/>
+                        </a:spcBef>
+                        <a:spcAft>
+                          <a:spcPts val="600"/>
+                        </a:spcAft>
+                      </a:pPr>
+                      <a:r>
+                        <a:rPr lang="ja-JP" sz="1300">
+                          <a:effectLst/>
+                        </a:rPr>
+                        <a:t>推奨</a:t>
+                      </a:r>
+                      <a:r>
+                        <a:rPr lang="en-US" sz="1300">
+                          <a:effectLst/>
+                        </a:rPr>
+                        <a:t> (CoppeliaSim V4.4</a:t>
+                      </a:r>
+                      <a:r>
+                        <a:rPr lang="ja-JP" sz="1300">
+                          <a:effectLst/>
+                        </a:rPr>
+                        <a:t>以降</a:t>
+                      </a:r>
+                      <a:r>
+                        <a:rPr lang="en-US" sz="1300">
+                          <a:effectLst/>
+                        </a:rPr>
+                        <a:t>) </a:t>
+                      </a:r>
+                      <a:endParaRPr lang="ja-JP" sz="1600">
+                        <a:effectLst/>
+                        <a:latin typeface="Arial" panose="020B0604020202020204" pitchFamily="34" charset="0"/>
+                        <a:ea typeface="ＭＳ 明朝" panose="02020609040205080304" pitchFamily="17" charset="-128"/>
+                      </a:endParaRPr>
+                    </a:p>
+                  </a:txBody>
+                  <a:tcPr marL="144459" marR="144459" marT="96304" marB="96304"/>
+                </a:tc>
+                <a:tc>
+                  <a:txBody>
+                    <a:bodyPr/>
+                    <a:lstStyle/>
+                    <a:p>
+                      <a:pPr>
+                        <a:lnSpc>
+                          <a:spcPct val="114000"/>
+                        </a:lnSpc>
+                        <a:spcBef>
+                          <a:spcPts val="600"/>
+                        </a:spcBef>
+                        <a:spcAft>
+                          <a:spcPts val="600"/>
+                        </a:spcAft>
+                      </a:pPr>
+                      <a:r>
+                        <a:rPr lang="ja-JP" sz="1300">
+                          <a:effectLst/>
+                        </a:rPr>
+                        <a:t>非推奨</a:t>
+                      </a:r>
+                      <a:r>
+                        <a:rPr lang="en-US" sz="1300">
+                          <a:effectLst/>
+                        </a:rPr>
+                        <a:t> (CoppeliaSim V4.4</a:t>
+                      </a:r>
+                      <a:r>
+                        <a:rPr lang="ja-JP" sz="1300">
+                          <a:effectLst/>
+                        </a:rPr>
+                        <a:t>以降</a:t>
+                      </a:r>
+                      <a:r>
+                        <a:rPr lang="en-US" sz="1300">
+                          <a:effectLst/>
+                        </a:rPr>
+                        <a:t>) </a:t>
+                      </a:r>
+                      <a:endParaRPr lang="ja-JP" sz="1600">
+                        <a:effectLst/>
+                        <a:latin typeface="Arial" panose="020B0604020202020204" pitchFamily="34" charset="0"/>
+                        <a:ea typeface="ＭＳ 明朝" panose="02020609040205080304" pitchFamily="17" charset="-128"/>
+                      </a:endParaRPr>
+                    </a:p>
+                  </a:txBody>
+                  <a:tcPr marL="144459" marR="144459" marT="96304" marB="96304"/>
+                </a:tc>
+                <a:extLst>
+                  <a:ext uri="{0D108BD9-81ED-4DB2-BD59-A6C34878D82A}">
+                    <a16:rowId xmlns:a16="http://schemas.microsoft.com/office/drawing/2014/main" val="3617575543"/>
+                  </a:ext>
+                </a:extLst>
+              </a:tr>
+              <a:tr h="940408">
+                <a:tc>
+                  <a:txBody>
+                    <a:bodyPr/>
+                    <a:lstStyle/>
+                    <a:p>
+                      <a:pPr>
+                        <a:lnSpc>
+                          <a:spcPct val="114000"/>
+                        </a:lnSpc>
+                        <a:spcBef>
+                          <a:spcPts val="600"/>
+                        </a:spcBef>
+                        <a:spcAft>
+                          <a:spcPts val="600"/>
+                        </a:spcAft>
+                      </a:pPr>
+                      <a:r>
+                        <a:rPr lang="ja-JP" sz="1300">
+                          <a:effectLst/>
+                        </a:rPr>
+                        <a:t>主な利点</a:t>
+                      </a:r>
+                      <a:endParaRPr lang="ja-JP" sz="1600">
+                        <a:effectLst/>
+                        <a:latin typeface="Arial" panose="020B0604020202020204" pitchFamily="34" charset="0"/>
+                        <a:ea typeface="ＭＳ 明朝" panose="02020609040205080304" pitchFamily="17" charset="-128"/>
+                      </a:endParaRPr>
+                    </a:p>
+                  </a:txBody>
+                  <a:tcPr marL="144459" marR="144459" marT="96304" marB="96304"/>
+                </a:tc>
+                <a:tc>
+                  <a:txBody>
+                    <a:bodyPr/>
+                    <a:lstStyle/>
+                    <a:p>
+                      <a:pPr>
+                        <a:lnSpc>
+                          <a:spcPct val="114000"/>
+                        </a:lnSpc>
+                        <a:spcBef>
+                          <a:spcPts val="600"/>
+                        </a:spcBef>
+                        <a:spcAft>
+                          <a:spcPts val="600"/>
+                        </a:spcAft>
+                      </a:pPr>
+                      <a:r>
+                        <a:rPr lang="ja-JP" sz="1300" dirty="0">
+                          <a:effectLst/>
+                        </a:rPr>
+                        <a:t>高機能、</a:t>
+                      </a:r>
+                      <a:r>
+                        <a:rPr lang="en-US" sz="1300" dirty="0" err="1">
+                          <a:effectLst/>
+                        </a:rPr>
+                        <a:t>CoppeliaSim</a:t>
+                      </a:r>
+                      <a:r>
+                        <a:rPr lang="ja-JP" sz="1300" dirty="0">
+                          <a:effectLst/>
+                        </a:rPr>
+                        <a:t>の全</a:t>
+                      </a:r>
+                      <a:r>
+                        <a:rPr lang="en-US" sz="1300" dirty="0">
+                          <a:effectLst/>
+                        </a:rPr>
+                        <a:t>API</a:t>
+                      </a:r>
+                      <a:r>
+                        <a:rPr lang="ja-JP" sz="1300" dirty="0">
+                          <a:effectLst/>
+                        </a:rPr>
+                        <a:t>関数に</a:t>
+                      </a:r>
+                      <a:br>
+                        <a:rPr lang="en-US" altLang="ja-JP" sz="1300" dirty="0">
+                          <a:effectLst/>
+                        </a:rPr>
+                      </a:br>
+                      <a:r>
+                        <a:rPr lang="ja-JP" sz="1300" dirty="0">
+                          <a:effectLst/>
+                        </a:rPr>
+                        <a:t>アクセス可能、モダンな通信基盤、</a:t>
+                      </a:r>
+                      <a:r>
+                        <a:rPr lang="en-US" sz="1300" dirty="0">
+                          <a:effectLst/>
+                        </a:rPr>
+                        <a:t>Python</a:t>
+                      </a:r>
+                      <a:r>
+                        <a:rPr lang="ja-JP" sz="1300" dirty="0">
+                          <a:effectLst/>
+                        </a:rPr>
+                        <a:t>パッケージ管理が容易</a:t>
+                      </a:r>
+                      <a:endParaRPr lang="ja-JP" sz="1600" dirty="0">
+                        <a:effectLst/>
+                        <a:latin typeface="Arial" panose="020B0604020202020204" pitchFamily="34" charset="0"/>
+                        <a:ea typeface="ＭＳ 明朝" panose="02020609040205080304" pitchFamily="17" charset="-128"/>
+                      </a:endParaRPr>
+                    </a:p>
+                  </a:txBody>
+                  <a:tcPr marL="144459" marR="144459" marT="96304" marB="96304"/>
+                </a:tc>
+                <a:tc>
+                  <a:txBody>
+                    <a:bodyPr/>
+                    <a:lstStyle/>
+                    <a:p>
+                      <a:pPr>
+                        <a:lnSpc>
+                          <a:spcPct val="114000"/>
+                        </a:lnSpc>
+                        <a:spcBef>
+                          <a:spcPts val="600"/>
+                        </a:spcBef>
+                        <a:spcAft>
+                          <a:spcPts val="600"/>
+                        </a:spcAft>
+                      </a:pPr>
+                      <a:r>
+                        <a:rPr lang="ja-JP" sz="1300" dirty="0">
+                          <a:effectLst/>
+                        </a:rPr>
+                        <a:t>比較的シンプルな関数セット、旧バージョンとの互換性</a:t>
+                      </a:r>
+                      <a:endParaRPr lang="ja-JP" sz="1600" dirty="0">
+                        <a:effectLst/>
+                        <a:latin typeface="Arial" panose="020B0604020202020204" pitchFamily="34" charset="0"/>
+                        <a:ea typeface="ＭＳ 明朝" panose="02020609040205080304" pitchFamily="17" charset="-128"/>
+                      </a:endParaRPr>
+                    </a:p>
+                  </a:txBody>
+                  <a:tcPr marL="144459" marR="144459" marT="96304" marB="96304"/>
+                </a:tc>
+                <a:extLst>
+                  <a:ext uri="{0D108BD9-81ED-4DB2-BD59-A6C34878D82A}">
+                    <a16:rowId xmlns:a16="http://schemas.microsoft.com/office/drawing/2014/main" val="3234002906"/>
+                  </a:ext>
+                </a:extLst>
+              </a:tr>
+              <a:tr h="681636">
+                <a:tc>
+                  <a:txBody>
+                    <a:bodyPr/>
+                    <a:lstStyle/>
+                    <a:p>
+                      <a:pPr>
+                        <a:lnSpc>
+                          <a:spcPct val="114000"/>
+                        </a:lnSpc>
+                        <a:spcBef>
+                          <a:spcPts val="600"/>
+                        </a:spcBef>
+                        <a:spcAft>
+                          <a:spcPts val="600"/>
+                        </a:spcAft>
+                      </a:pPr>
+                      <a:r>
+                        <a:rPr lang="ja-JP" sz="1300">
+                          <a:effectLst/>
+                        </a:rPr>
+                        <a:t>主な欠点</a:t>
+                      </a:r>
+                      <a:endParaRPr lang="ja-JP" sz="1600">
+                        <a:effectLst/>
+                        <a:latin typeface="Arial" panose="020B0604020202020204" pitchFamily="34" charset="0"/>
+                        <a:ea typeface="ＭＳ 明朝" panose="02020609040205080304" pitchFamily="17" charset="-128"/>
+                      </a:endParaRPr>
+                    </a:p>
+                  </a:txBody>
+                  <a:tcPr marL="144459" marR="144459" marT="96304" marB="96304"/>
+                </a:tc>
+                <a:tc>
+                  <a:txBody>
+                    <a:bodyPr/>
+                    <a:lstStyle/>
+                    <a:p>
+                      <a:pPr>
+                        <a:lnSpc>
+                          <a:spcPct val="114000"/>
+                        </a:lnSpc>
+                        <a:spcBef>
+                          <a:spcPts val="600"/>
+                        </a:spcBef>
+                        <a:spcAft>
+                          <a:spcPts val="600"/>
+                        </a:spcAft>
+                      </a:pPr>
+                      <a:r>
+                        <a:rPr lang="ja-JP" sz="1300">
+                          <a:effectLst/>
+                        </a:rPr>
+                        <a:t>レガシー</a:t>
+                      </a:r>
+                      <a:r>
+                        <a:rPr lang="en-US" sz="1300">
+                          <a:effectLst/>
+                        </a:rPr>
+                        <a:t>API</a:t>
+                      </a:r>
+                      <a:r>
+                        <a:rPr lang="ja-JP" sz="1300">
+                          <a:effectLst/>
+                        </a:rPr>
+                        <a:t>に慣れている場合、学習コストが若干発生する可能性</a:t>
+                      </a:r>
+                      <a:endParaRPr lang="ja-JP" sz="1600">
+                        <a:effectLst/>
+                        <a:latin typeface="Arial" panose="020B0604020202020204" pitchFamily="34" charset="0"/>
+                        <a:ea typeface="ＭＳ 明朝" panose="02020609040205080304" pitchFamily="17" charset="-128"/>
+                      </a:endParaRPr>
+                    </a:p>
+                  </a:txBody>
+                  <a:tcPr marL="144459" marR="144459" marT="96304" marB="96304"/>
+                </a:tc>
+                <a:tc>
+                  <a:txBody>
+                    <a:bodyPr/>
+                    <a:lstStyle/>
+                    <a:p>
+                      <a:pPr>
+                        <a:lnSpc>
+                          <a:spcPct val="114000"/>
+                        </a:lnSpc>
+                        <a:spcBef>
+                          <a:spcPts val="600"/>
+                        </a:spcBef>
+                        <a:spcAft>
+                          <a:spcPts val="600"/>
+                        </a:spcAft>
+                      </a:pPr>
+                      <a:r>
+                        <a:rPr lang="ja-JP" sz="1300" dirty="0">
+                          <a:effectLst/>
+                        </a:rPr>
+                        <a:t>機能が限定的、ファイルの手動配置が必要、</a:t>
+                      </a:r>
+                      <a:br>
+                        <a:rPr lang="en-US" altLang="ja-JP" sz="1300" dirty="0">
+                          <a:effectLst/>
+                        </a:rPr>
+                      </a:br>
+                      <a:r>
+                        <a:rPr lang="ja-JP" sz="1300" dirty="0">
+                          <a:effectLst/>
+                        </a:rPr>
+                        <a:t>将来的なサポートの懸念</a:t>
+                      </a:r>
+                      <a:endParaRPr lang="ja-JP" sz="1600" dirty="0">
+                        <a:effectLst/>
+                        <a:latin typeface="Arial" panose="020B0604020202020204" pitchFamily="34" charset="0"/>
+                        <a:ea typeface="ＭＳ 明朝" panose="02020609040205080304" pitchFamily="17" charset="-128"/>
+                      </a:endParaRPr>
+                    </a:p>
+                  </a:txBody>
+                  <a:tcPr marL="144459" marR="144459" marT="96304" marB="96304"/>
+                </a:tc>
+                <a:extLst>
+                  <a:ext uri="{0D108BD9-81ED-4DB2-BD59-A6C34878D82A}">
+                    <a16:rowId xmlns:a16="http://schemas.microsoft.com/office/drawing/2014/main" val="1481368349"/>
+                  </a:ext>
+                </a:extLst>
+              </a:tr>
+              <a:tr h="681636">
+                <a:tc>
+                  <a:txBody>
+                    <a:bodyPr/>
+                    <a:lstStyle/>
+                    <a:p>
+                      <a:pPr>
+                        <a:lnSpc>
+                          <a:spcPct val="114000"/>
+                        </a:lnSpc>
+                        <a:spcBef>
+                          <a:spcPts val="600"/>
+                        </a:spcBef>
+                        <a:spcAft>
+                          <a:spcPts val="600"/>
+                        </a:spcAft>
+                      </a:pPr>
+                      <a:r>
+                        <a:rPr lang="ja-JP" sz="1300">
+                          <a:effectLst/>
+                        </a:rPr>
+                        <a:t>対応関数範囲</a:t>
+                      </a:r>
+                      <a:endParaRPr lang="ja-JP" sz="1600">
+                        <a:effectLst/>
+                        <a:latin typeface="Arial" panose="020B0604020202020204" pitchFamily="34" charset="0"/>
+                        <a:ea typeface="ＭＳ 明朝" panose="02020609040205080304" pitchFamily="17" charset="-128"/>
+                      </a:endParaRPr>
+                    </a:p>
+                  </a:txBody>
+                  <a:tcPr marL="144459" marR="144459" marT="96304" marB="96304"/>
+                </a:tc>
+                <a:tc>
+                  <a:txBody>
+                    <a:bodyPr/>
+                    <a:lstStyle/>
+                    <a:p>
+                      <a:pPr>
+                        <a:lnSpc>
+                          <a:spcPct val="114000"/>
+                        </a:lnSpc>
+                        <a:spcBef>
+                          <a:spcPts val="600"/>
+                        </a:spcBef>
+                        <a:spcAft>
+                          <a:spcPts val="600"/>
+                        </a:spcAft>
+                      </a:pPr>
+                      <a:r>
+                        <a:rPr lang="en-US" sz="1300">
+                          <a:effectLst/>
+                        </a:rPr>
+                        <a:t>sim.*</a:t>
+                      </a:r>
+                      <a:r>
+                        <a:rPr lang="ja-JP" sz="1300">
+                          <a:effectLst/>
+                        </a:rPr>
+                        <a:t>関数、プラグイン関数</a:t>
+                      </a:r>
+                      <a:r>
+                        <a:rPr lang="en-US" sz="1300">
+                          <a:effectLst/>
+                        </a:rPr>
+                        <a:t> (simOMPL.*, simIK.*</a:t>
+                      </a:r>
+                      <a:r>
+                        <a:rPr lang="ja-JP" sz="1300">
+                          <a:effectLst/>
+                        </a:rPr>
+                        <a:t>等</a:t>
+                      </a:r>
+                      <a:r>
+                        <a:rPr lang="en-US" sz="1300">
+                          <a:effectLst/>
+                        </a:rPr>
+                        <a:t>) </a:t>
+                      </a:r>
+                      <a:r>
+                        <a:rPr lang="ja-JP" sz="1300">
+                          <a:effectLst/>
+                        </a:rPr>
+                        <a:t>を含む全</a:t>
+                      </a:r>
+                      <a:r>
+                        <a:rPr lang="en-US" sz="1300">
+                          <a:effectLst/>
+                        </a:rPr>
+                        <a:t>API </a:t>
+                      </a:r>
+                      <a:endParaRPr lang="ja-JP" sz="1600">
+                        <a:effectLst/>
+                        <a:latin typeface="Arial" panose="020B0604020202020204" pitchFamily="34" charset="0"/>
+                        <a:ea typeface="ＭＳ 明朝" panose="02020609040205080304" pitchFamily="17" charset="-128"/>
+                      </a:endParaRPr>
+                    </a:p>
+                  </a:txBody>
+                  <a:tcPr marL="144459" marR="144459" marT="96304" marB="96304"/>
+                </a:tc>
+                <a:tc>
+                  <a:txBody>
+                    <a:bodyPr/>
+                    <a:lstStyle/>
+                    <a:p>
+                      <a:pPr>
+                        <a:lnSpc>
+                          <a:spcPct val="114000"/>
+                        </a:lnSpc>
+                        <a:spcBef>
+                          <a:spcPts val="600"/>
+                        </a:spcBef>
+                        <a:spcAft>
+                          <a:spcPts val="600"/>
+                        </a:spcAft>
+                      </a:pPr>
+                      <a:r>
+                        <a:rPr lang="ja-JP" sz="1300">
+                          <a:effectLst/>
+                        </a:rPr>
+                        <a:t>約</a:t>
+                      </a:r>
+                      <a:r>
+                        <a:rPr lang="en-US" sz="1300">
+                          <a:effectLst/>
+                        </a:rPr>
+                        <a:t>100</a:t>
+                      </a:r>
+                      <a:r>
+                        <a:rPr lang="ja-JP" sz="1300">
+                          <a:effectLst/>
+                        </a:rPr>
+                        <a:t>の特定関数</a:t>
+                      </a:r>
+                      <a:r>
+                        <a:rPr lang="en-US" sz="1300">
+                          <a:effectLst/>
+                        </a:rPr>
+                        <a:t> (simx*) </a:t>
+                      </a:r>
+                      <a:r>
+                        <a:rPr lang="ja-JP" sz="1300">
+                          <a:effectLst/>
+                        </a:rPr>
+                        <a:t>と汎用関数</a:t>
+                      </a:r>
+                      <a:endParaRPr lang="ja-JP" sz="1600">
+                        <a:effectLst/>
+                        <a:latin typeface="Arial" panose="020B0604020202020204" pitchFamily="34" charset="0"/>
+                        <a:ea typeface="ＭＳ 明朝" panose="02020609040205080304" pitchFamily="17" charset="-128"/>
+                      </a:endParaRPr>
+                    </a:p>
+                  </a:txBody>
+                  <a:tcPr marL="144459" marR="144459" marT="96304" marB="96304"/>
+                </a:tc>
+                <a:extLst>
+                  <a:ext uri="{0D108BD9-81ED-4DB2-BD59-A6C34878D82A}">
+                    <a16:rowId xmlns:a16="http://schemas.microsoft.com/office/drawing/2014/main" val="617715492"/>
+                  </a:ext>
+                </a:extLst>
+              </a:tr>
+              <a:tr h="914505">
+                <a:tc>
+                  <a:txBody>
+                    <a:bodyPr/>
+                    <a:lstStyle/>
+                    <a:p>
+                      <a:pPr>
+                        <a:lnSpc>
+                          <a:spcPct val="114000"/>
+                        </a:lnSpc>
+                        <a:spcBef>
+                          <a:spcPts val="600"/>
+                        </a:spcBef>
+                        <a:spcAft>
+                          <a:spcPts val="600"/>
+                        </a:spcAft>
+                      </a:pPr>
+                      <a:r>
+                        <a:rPr lang="ja-JP" sz="1300">
+                          <a:effectLst/>
+                        </a:rPr>
+                        <a:t>セットアップ</a:t>
+                      </a:r>
+                      <a:endParaRPr lang="ja-JP" sz="1600">
+                        <a:effectLst/>
+                        <a:latin typeface="Arial" panose="020B0604020202020204" pitchFamily="34" charset="0"/>
+                        <a:ea typeface="ＭＳ 明朝" panose="02020609040205080304" pitchFamily="17" charset="-128"/>
+                      </a:endParaRPr>
+                    </a:p>
+                  </a:txBody>
+                  <a:tcPr marL="144459" marR="144459" marT="96304" marB="96304"/>
+                </a:tc>
+                <a:tc>
+                  <a:txBody>
+                    <a:bodyPr/>
+                    <a:lstStyle/>
+                    <a:p>
+                      <a:pPr>
+                        <a:lnSpc>
+                          <a:spcPct val="114000"/>
+                        </a:lnSpc>
+                        <a:spcBef>
+                          <a:spcPts val="600"/>
+                        </a:spcBef>
+                        <a:spcAft>
+                          <a:spcPts val="600"/>
+                        </a:spcAft>
+                      </a:pPr>
+                      <a:r>
+                        <a:rPr lang="en-US" sz="1300">
+                          <a:effectLst/>
+                        </a:rPr>
+                        <a:t>Python</a:t>
+                      </a:r>
+                      <a:r>
+                        <a:rPr lang="ja-JP" sz="1300">
+                          <a:effectLst/>
+                        </a:rPr>
+                        <a:t>パッケージマネージャ</a:t>
+                      </a:r>
+                      <a:r>
+                        <a:rPr lang="en-US" sz="1300">
+                          <a:effectLst/>
+                        </a:rPr>
+                        <a:t> (pip) </a:t>
+                      </a:r>
+                      <a:r>
+                        <a:rPr lang="ja-JP" sz="1300">
+                          <a:effectLst/>
+                        </a:rPr>
+                        <a:t>で容易に</a:t>
+                      </a:r>
+                      <a:br>
+                        <a:rPr lang="en-US" altLang="ja-JP" sz="1300">
+                          <a:effectLst/>
+                        </a:rPr>
+                      </a:br>
+                      <a:r>
+                        <a:rPr lang="ja-JP" sz="1300">
+                          <a:effectLst/>
+                        </a:rPr>
+                        <a:t>インストール可能 </a:t>
+                      </a:r>
+                      <a:endParaRPr lang="ja-JP" sz="1600">
+                        <a:effectLst/>
+                        <a:latin typeface="Arial" panose="020B0604020202020204" pitchFamily="34" charset="0"/>
+                        <a:ea typeface="ＭＳ 明朝" panose="02020609040205080304" pitchFamily="17" charset="-128"/>
+                      </a:endParaRPr>
+                    </a:p>
+                  </a:txBody>
+                  <a:tcPr marL="144459" marR="144459" marT="96304" marB="96304"/>
+                </a:tc>
+                <a:tc>
+                  <a:txBody>
+                    <a:bodyPr/>
+                    <a:lstStyle/>
+                    <a:p>
+                      <a:pPr>
+                        <a:lnSpc>
+                          <a:spcPct val="114000"/>
+                        </a:lnSpc>
+                        <a:spcBef>
+                          <a:spcPts val="600"/>
+                        </a:spcBef>
+                        <a:spcAft>
+                          <a:spcPts val="600"/>
+                        </a:spcAft>
+                      </a:pPr>
+                      <a:r>
+                        <a:rPr lang="en-US" sz="1300">
+                          <a:effectLst/>
+                        </a:rPr>
+                        <a:t>Python</a:t>
+                      </a:r>
+                      <a:r>
+                        <a:rPr lang="ja-JP" sz="1300">
+                          <a:effectLst/>
+                        </a:rPr>
+                        <a:t>ファイルと共有ライブラリの手動コピーが必要 </a:t>
+                      </a:r>
+                      <a:endParaRPr lang="ja-JP" sz="1600">
+                        <a:effectLst/>
+                        <a:latin typeface="Arial" panose="020B0604020202020204" pitchFamily="34" charset="0"/>
+                        <a:ea typeface="ＭＳ 明朝" panose="02020609040205080304" pitchFamily="17" charset="-128"/>
+                      </a:endParaRPr>
+                    </a:p>
+                  </a:txBody>
+                  <a:tcPr marL="144459" marR="144459" marT="96304" marB="96304"/>
+                </a:tc>
+                <a:extLst>
+                  <a:ext uri="{0D108BD9-81ED-4DB2-BD59-A6C34878D82A}">
+                    <a16:rowId xmlns:a16="http://schemas.microsoft.com/office/drawing/2014/main" val="598185299"/>
+                  </a:ext>
+                </a:extLst>
+              </a:tr>
+              <a:tr h="450623">
+                <a:tc>
+                  <a:txBody>
+                    <a:bodyPr/>
+                    <a:lstStyle/>
+                    <a:p>
+                      <a:pPr>
+                        <a:lnSpc>
+                          <a:spcPct val="114000"/>
+                        </a:lnSpc>
+                        <a:spcBef>
+                          <a:spcPts val="600"/>
+                        </a:spcBef>
+                        <a:spcAft>
+                          <a:spcPts val="600"/>
+                        </a:spcAft>
+                      </a:pPr>
+                      <a:r>
+                        <a:rPr lang="ja-JP" sz="1300">
+                          <a:effectLst/>
+                        </a:rPr>
+                        <a:t>通信方式</a:t>
+                      </a:r>
+                      <a:endParaRPr lang="ja-JP" sz="1600">
+                        <a:effectLst/>
+                        <a:latin typeface="Arial" panose="020B0604020202020204" pitchFamily="34" charset="0"/>
+                        <a:ea typeface="ＭＳ 明朝" panose="02020609040205080304" pitchFamily="17" charset="-128"/>
+                      </a:endParaRPr>
+                    </a:p>
+                  </a:txBody>
+                  <a:tcPr marL="144459" marR="144459" marT="96304" marB="96304"/>
+                </a:tc>
+                <a:tc>
+                  <a:txBody>
+                    <a:bodyPr/>
+                    <a:lstStyle/>
+                    <a:p>
+                      <a:pPr>
+                        <a:lnSpc>
+                          <a:spcPct val="114000"/>
+                        </a:lnSpc>
+                        <a:spcBef>
+                          <a:spcPts val="600"/>
+                        </a:spcBef>
+                        <a:spcAft>
+                          <a:spcPts val="600"/>
+                        </a:spcAft>
+                      </a:pPr>
+                      <a:r>
+                        <a:rPr lang="en-US" sz="1300">
+                          <a:effectLst/>
+                        </a:rPr>
+                        <a:t>ZeroMQ (TCP/IP)</a:t>
+                      </a:r>
+                      <a:endParaRPr lang="ja-JP" sz="1600">
+                        <a:effectLst/>
+                        <a:latin typeface="Arial" panose="020B0604020202020204" pitchFamily="34" charset="0"/>
+                        <a:ea typeface="ＭＳ 明朝" panose="02020609040205080304" pitchFamily="17" charset="-128"/>
+                      </a:endParaRPr>
+                    </a:p>
+                  </a:txBody>
+                  <a:tcPr marL="144459" marR="144459" marT="96304" marB="96304"/>
+                </a:tc>
+                <a:tc>
+                  <a:txBody>
+                    <a:bodyPr/>
+                    <a:lstStyle/>
+                    <a:p>
+                      <a:pPr>
+                        <a:lnSpc>
+                          <a:spcPct val="114000"/>
+                        </a:lnSpc>
+                        <a:spcBef>
+                          <a:spcPts val="600"/>
+                        </a:spcBef>
+                        <a:spcAft>
+                          <a:spcPts val="600"/>
+                        </a:spcAft>
+                      </a:pPr>
+                      <a:r>
+                        <a:rPr lang="ja-JP" sz="1300" dirty="0">
+                          <a:effectLst/>
+                        </a:rPr>
+                        <a:t>ソケット通信</a:t>
+                      </a:r>
+                      <a:r>
+                        <a:rPr lang="en-US" sz="1300" dirty="0">
+                          <a:effectLst/>
+                        </a:rPr>
+                        <a:t> (TCP/IP) </a:t>
+                      </a:r>
+                      <a:r>
+                        <a:rPr lang="ja-JP" sz="1300" dirty="0">
+                          <a:effectLst/>
+                        </a:rPr>
+                        <a:t>または共有メモリ</a:t>
+                      </a:r>
+                      <a:endParaRPr lang="ja-JP" sz="1600" dirty="0">
+                        <a:effectLst/>
+                        <a:latin typeface="Arial" panose="020B0604020202020204" pitchFamily="34" charset="0"/>
+                        <a:ea typeface="ＭＳ 明朝" panose="02020609040205080304" pitchFamily="17" charset="-128"/>
+                      </a:endParaRPr>
+                    </a:p>
+                  </a:txBody>
+                  <a:tcPr marL="144459" marR="144459" marT="96304" marB="96304"/>
+                </a:tc>
+                <a:extLst>
+                  <a:ext uri="{0D108BD9-81ED-4DB2-BD59-A6C34878D82A}">
+                    <a16:rowId xmlns:a16="http://schemas.microsoft.com/office/drawing/2014/main" val="1316710958"/>
+                  </a:ext>
+                </a:extLst>
+              </a:tr>
+            </a:tbl>
+          </a:graphicData>
+        </a:graphic>
+      </p:graphicFrame>
     </p:spTree>
     <p:extLst>
       <p:ext uri="{BB962C8B-B14F-4D97-AF65-F5344CB8AC3E}">

--- a/森本皓斗.pptx
+++ b/森本皓斗.pptx
@@ -8519,7 +8519,52 @@
           <a:bodyPr/>
           <a:lstStyle/>
           <a:p>
-            <a:endParaRPr kumimoji="1" lang="ja-JP" altLang="en-US"/>
+            <a:r>
+              <a:rPr kumimoji="1" lang="ja-JP" altLang="en-US" dirty="0"/>
+              <a:t>仮想環境とは，物理的な一台のマシン内に，論理的に独立した複数の</a:t>
+            </a:r>
+            <a:r>
+              <a:rPr kumimoji="1" lang="en-US" altLang="ja-JP" dirty="0"/>
+              <a:t>Python</a:t>
+            </a:r>
+            <a:r>
+              <a:rPr kumimoji="1" lang="ja-JP" altLang="en-US" dirty="0"/>
+              <a:t>実行環境を構築する技術</a:t>
+            </a:r>
+            <a:endParaRPr kumimoji="1" lang="en-US" altLang="ja-JP" dirty="0"/>
+          </a:p>
+          <a:p>
+            <a:endParaRPr lang="en-US" altLang="ja-JP" dirty="0"/>
+          </a:p>
+          <a:p>
+            <a:r>
+              <a:rPr kumimoji="1" lang="ja-JP" altLang="en-US" dirty="0"/>
+              <a:t>依存関係の分離と競合回避，開発環境の再現性と移植性の向上，システム環境の保全とクリーンな開発体制の確立等，その恩恵はさまざま</a:t>
+            </a:r>
+            <a:endParaRPr kumimoji="1" lang="en-US" altLang="ja-JP" dirty="0"/>
+          </a:p>
+          <a:p>
+            <a:endParaRPr lang="en-US" altLang="ja-JP" dirty="0"/>
+          </a:p>
+          <a:p>
+            <a:r>
+              <a:rPr kumimoji="1" lang="ja-JP" altLang="en-US" dirty="0"/>
+              <a:t>リソースの消費増加，プロジェクト管理の煩雑さなどの</a:t>
+            </a:r>
+            <a:br>
+              <a:rPr kumimoji="1" lang="en-US" altLang="ja-JP" dirty="0"/>
+            </a:br>
+            <a:r>
+              <a:rPr kumimoji="1" lang="ja-JP" altLang="en-US" dirty="0"/>
+              <a:t>デメリットもあるが，その恩恵と比較すると制御可能な</a:t>
+            </a:r>
+            <a:br>
+              <a:rPr kumimoji="1" lang="en-US" altLang="ja-JP" dirty="0"/>
+            </a:br>
+            <a:r>
+              <a:rPr kumimoji="1" lang="ja-JP" altLang="en-US" dirty="0"/>
+              <a:t>課題といえる</a:t>
+            </a:r>
           </a:p>
         </p:txBody>
       </p:sp>
@@ -8574,7 +8619,15 @@
           <a:bodyPr/>
           <a:lstStyle/>
           <a:p>
-            <a:endParaRPr kumimoji="1" lang="ja-JP" altLang="en-US"/>
+            <a:r>
+              <a:rPr kumimoji="1" lang="ja-JP" altLang="en-US" dirty="0"/>
+              <a:t>仮想環境の</a:t>
+            </a:r>
+            <a:r>
+              <a:rPr kumimoji="1" lang="ja-JP" altLang="en-US"/>
+              <a:t>利用はロバストな開発に必須</a:t>
+            </a:r>
+            <a:endParaRPr kumimoji="1" lang="ja-JP" altLang="en-US" dirty="0"/>
           </a:p>
         </p:txBody>
       </p:sp>
@@ -9517,7 +9570,7 @@
             <p:ph idx="1"/>
             <p:extLst>
               <p:ext uri="{D42A27DB-BD31-4B8C-83A1-F6EECF244321}">
-                <p14:modId xmlns:p14="http://schemas.microsoft.com/office/powerpoint/2010/main" val="4102275932"/>
+                <p14:modId xmlns:p14="http://schemas.microsoft.com/office/powerpoint/2010/main" val="3426745333"/>
               </p:ext>
             </p:extLst>
           </p:nvPr>
@@ -9895,7 +9948,25 @@
                         <a:rPr lang="ja-JP" sz="1300" dirty="0">
                           <a:effectLst/>
                         </a:rPr>
-                        <a:t>アクセス可能、モダンな通信基盤、</a:t>
+                        <a:t>アクセス可能</a:t>
+                      </a:r>
+                      <a:r>
+                        <a:rPr lang="ja-JP" altLang="en-US" sz="1300" dirty="0">
+                          <a:effectLst/>
+                        </a:rPr>
+                        <a:t>，</a:t>
+                      </a:r>
+                      <a:r>
+                        <a:rPr lang="ja-JP" sz="1300" dirty="0">
+                          <a:effectLst/>
+                        </a:rPr>
+                        <a:t>モダンな通信基盤</a:t>
+                      </a:r>
+                      <a:r>
+                        <a:rPr lang="ja-JP" altLang="en-US" sz="1300" dirty="0">
+                          <a:effectLst/>
+                        </a:rPr>
+                        <a:t>，</a:t>
                       </a:r>
                       <a:r>
                         <a:rPr lang="en-US" sz="1300" dirty="0">
@@ -9938,7 +10009,19 @@
                         <a:rPr lang="ja-JP" sz="1300" dirty="0">
                           <a:effectLst/>
                         </a:rPr>
-                        <a:t>比較的シンプルな関数セット、旧バージョンとの互換性</a:t>
+                        <a:t>比較的シンプルな関数セット</a:t>
+                      </a:r>
+                      <a:r>
+                        <a:rPr lang="ja-JP" altLang="en-US" sz="1300" dirty="0">
+                          <a:effectLst/>
+                        </a:rPr>
+                        <a:t>，</a:t>
+                      </a:r>
+                      <a:r>
+                        <a:rPr lang="ja-JP" sz="1300" dirty="0">
+                          <a:effectLst/>
+                        </a:rPr>
+                        <a:t>旧バージョンとの互換性</a:t>
                       </a:r>
                       <a:endParaRPr lang="ja-JP" sz="1600" dirty="0">
                         <a:effectLst/>
@@ -10004,24 +10087,36 @@
                         </a:spcAft>
                       </a:pPr>
                       <a:r>
-                        <a:rPr lang="ja-JP" sz="1300">
+                        <a:rPr lang="ja-JP" sz="1300" dirty="0">
                           <a:effectLst/>
                         </a:rPr>
                         <a:t>レガシー</a:t>
                       </a:r>
                       <a:r>
-                        <a:rPr lang="en-US" sz="1300">
+                        <a:rPr lang="en-US" sz="1300" dirty="0">
                           <a:effectLst/>
                         </a:rPr>
                         <a:t>API</a:t>
                       </a:r>
                       <a:r>
-                        <a:rPr lang="ja-JP" sz="1300">
+                        <a:rPr lang="ja-JP" sz="1300" dirty="0">
                           <a:effectLst/>
                         </a:rPr>
-                        <a:t>に慣れている場合、学習コストが若干発生する可能性</a:t>
+                        <a:t>に慣れている場合</a:t>
                       </a:r>
-                      <a:endParaRPr lang="ja-JP" sz="1600">
+                      <a:r>
+                        <a:rPr lang="ja-JP" altLang="en-US" sz="1300" dirty="0">
+                          <a:effectLst/>
+                        </a:rPr>
+                        <a:t>，</a:t>
+                      </a:r>
+                      <a:r>
+                        <a:rPr lang="ja-JP" sz="1300" dirty="0">
+                          <a:effectLst/>
+                        </a:rPr>
+                        <a:t>学習コストが若干発生する可能性</a:t>
+                      </a:r>
+                      <a:endParaRPr lang="ja-JP" sz="1600" dirty="0">
                         <a:effectLst/>
                         <a:latin typeface="Arial" panose="020B0604020202020204" pitchFamily="34" charset="0"/>
                         <a:ea typeface="ＭＳ 明朝" panose="02020609040205080304" pitchFamily="17" charset="-128"/>
@@ -10050,7 +10145,13 @@
                         <a:rPr lang="ja-JP" sz="1300" dirty="0">
                           <a:effectLst/>
                         </a:rPr>
-                        <a:t>機能が限定的、ファイルの手動配置が必要、</a:t>
+                        <a:t>機能が限定的、ファイルの手動配置が必要</a:t>
+                      </a:r>
+                      <a:r>
+                        <a:rPr lang="ja-JP" altLang="en-US" sz="1300" dirty="0">
+                          <a:effectLst/>
+                        </a:rPr>
+                        <a:t>，</a:t>
                       </a:r>
                       <a:br>
                         <a:rPr lang="en-US" altLang="ja-JP" sz="1300" dirty="0">
@@ -10127,48 +10228,72 @@
                         </a:spcAft>
                       </a:pPr>
                       <a:r>
-                        <a:rPr lang="en-US" sz="1300">
+                        <a:rPr lang="en-US" sz="1300" dirty="0">
                           <a:effectLst/>
                         </a:rPr>
                         <a:t>sim.*</a:t>
                       </a:r>
                       <a:r>
-                        <a:rPr lang="ja-JP" sz="1300">
+                        <a:rPr lang="ja-JP" sz="1300" dirty="0">
                           <a:effectLst/>
                         </a:rPr>
-                        <a:t>関数、プラグイン関数</a:t>
+                        <a:t>関数</a:t>
                       </a:r>
                       <a:r>
-                        <a:rPr lang="en-US" sz="1300">
+                        <a:rPr lang="ja-JP" altLang="en-US" sz="1300" dirty="0">
                           <a:effectLst/>
                         </a:rPr>
-                        <a:t> (simOMPL.*, simIK.*</a:t>
+                        <a:t>，</a:t>
                       </a:r>
                       <a:r>
-                        <a:rPr lang="ja-JP" sz="1300">
+                        <a:rPr lang="ja-JP" sz="1300" dirty="0">
+                          <a:effectLst/>
+                        </a:rPr>
+                        <a:t>プラグイン関数</a:t>
+                      </a:r>
+                      <a:r>
+                        <a:rPr lang="en-US" sz="1300" dirty="0">
+                          <a:effectLst/>
+                        </a:rPr>
+                        <a:t> (</a:t>
+                      </a:r>
+                      <a:r>
+                        <a:rPr lang="en-US" sz="1300" dirty="0" err="1">
+                          <a:effectLst/>
+                        </a:rPr>
+                        <a:t>simOMPL</a:t>
+                      </a:r>
+                      <a:r>
+                        <a:rPr lang="en-US" sz="1300" dirty="0">
+                          <a:effectLst/>
+                        </a:rPr>
+                        <a:t>.*, simIK.*</a:t>
+                      </a:r>
+                      <a:r>
+                        <a:rPr lang="ja-JP" sz="1300" dirty="0">
                           <a:effectLst/>
                         </a:rPr>
                         <a:t>等</a:t>
                       </a:r>
                       <a:r>
-                        <a:rPr lang="en-US" sz="1300">
+                        <a:rPr lang="en-US" sz="1300" dirty="0">
                           <a:effectLst/>
                         </a:rPr>
                         <a:t>) </a:t>
                       </a:r>
                       <a:r>
-                        <a:rPr lang="ja-JP" sz="1300">
+                        <a:rPr lang="ja-JP" sz="1300" dirty="0">
                           <a:effectLst/>
                         </a:rPr>
                         <a:t>を含む全</a:t>
                       </a:r>
                       <a:r>
-                        <a:rPr lang="en-US" sz="1300">
+                        <a:rPr lang="en-US" sz="1300" dirty="0">
                           <a:effectLst/>
                         </a:rPr>
                         <a:t>API </a:t>
                       </a:r>
-                      <a:endParaRPr lang="ja-JP" sz="1600">
+                      <a:endParaRPr lang="ja-JP" sz="1600" dirty="0">
                         <a:effectLst/>
                         <a:latin typeface="Arial" panose="020B0604020202020204" pitchFamily="34" charset="0"/>
                         <a:ea typeface="ＭＳ 明朝" panose="02020609040205080304" pitchFamily="17" charset="-128"/>

--- a/森本皓斗.pptx
+++ b/森本皓斗.pptx
@@ -5,7 +5,7 @@
     <p:sldMasterId id="2147483660" r:id="rId1"/>
   </p:sldMasterIdLst>
   <p:notesMasterIdLst>
-    <p:notesMasterId r:id="rId28"/>
+    <p:notesMasterId r:id="rId29"/>
   </p:notesMasterIdLst>
   <p:sldIdLst>
     <p:sldId id="256" r:id="rId2"/>
@@ -27,13 +27,14 @@
     <p:sldId id="283" r:id="rId18"/>
     <p:sldId id="284" r:id="rId19"/>
     <p:sldId id="285" r:id="rId20"/>
-    <p:sldId id="275" r:id="rId21"/>
-    <p:sldId id="279" r:id="rId22"/>
-    <p:sldId id="276" r:id="rId23"/>
-    <p:sldId id="278" r:id="rId24"/>
-    <p:sldId id="277" r:id="rId25"/>
-    <p:sldId id="280" r:id="rId26"/>
-    <p:sldId id="281" r:id="rId27"/>
+    <p:sldId id="286" r:id="rId21"/>
+    <p:sldId id="275" r:id="rId22"/>
+    <p:sldId id="279" r:id="rId23"/>
+    <p:sldId id="276" r:id="rId24"/>
+    <p:sldId id="278" r:id="rId25"/>
+    <p:sldId id="277" r:id="rId26"/>
+    <p:sldId id="280" r:id="rId27"/>
+    <p:sldId id="281" r:id="rId28"/>
   </p:sldIdLst>
   <p:sldSz cx="9144000" cy="6858000" type="screen4x3"/>
   <p:notesSz cx="6858000" cy="9144000"/>
@@ -8620,501 +8621,12 @@
           <a:lstStyle/>
           <a:p>
             <a:r>
-              <a:rPr kumimoji="1" lang="ja-JP" altLang="en-US" dirty="0"/>
-              <a:t>仮想環境の</a:t>
-            </a:r>
-            <a:r>
-              <a:rPr kumimoji="1" lang="ja-JP" altLang="en-US"/>
-              <a:t>利用はロバストな開発に必須</a:t>
-            </a:r>
-            <a:endParaRPr kumimoji="1" lang="ja-JP" altLang="en-US" dirty="0"/>
-          </a:p>
-        </p:txBody>
-      </p:sp>
-    </p:spTree>
-    <p:extLst>
-      <p:ext uri="{BB962C8B-B14F-4D97-AF65-F5344CB8AC3E}">
-        <p14:creationId xmlns:p14="http://schemas.microsoft.com/office/powerpoint/2010/main" val="2458599099"/>
-      </p:ext>
-    </p:extLst>
-  </p:cSld>
-  <p:clrMapOvr>
-    <a:masterClrMapping/>
-  </p:clrMapOvr>
-</p:sld>
-</file>
-
-<file path=ppt/slides/slide2.xml><?xml version="1.0" encoding="utf-8"?>
-<p:sld xmlns:a="http://schemas.openxmlformats.org/drawingml/2006/main" xmlns:r="http://schemas.openxmlformats.org/officeDocument/2006/relationships" xmlns:p="http://schemas.openxmlformats.org/presentationml/2006/main">
-  <p:cSld>
-    <p:spTree>
-      <p:nvGrpSpPr>
-        <p:cNvPr id="1" name=""/>
-        <p:cNvGrpSpPr/>
-        <p:nvPr/>
-      </p:nvGrpSpPr>
-      <p:grpSpPr>
-        <a:xfrm>
-          <a:off x="0" y="0"/>
-          <a:ext cx="0" cy="0"/>
-          <a:chOff x="0" y="0"/>
-          <a:chExt cx="0" cy="0"/>
-        </a:xfrm>
-      </p:grpSpPr>
-      <p:sp>
-        <p:nvSpPr>
-          <p:cNvPr id="2" name="タイトル 1">
-            <a:extLst>
-              <a:ext uri="{FF2B5EF4-FFF2-40B4-BE49-F238E27FC236}">
-                <a16:creationId xmlns:a16="http://schemas.microsoft.com/office/drawing/2014/main" id="{DCE94847-9F9B-6193-17BC-2F7AE31F8E37}"/>
-              </a:ext>
-            </a:extLst>
-          </p:cNvPr>
-          <p:cNvSpPr>
-            <a:spLocks noGrp="1"/>
-          </p:cNvSpPr>
-          <p:nvPr>
-            <p:ph type="title"/>
-          </p:nvPr>
-        </p:nvSpPr>
-        <p:spPr/>
-        <p:txBody>
-          <a:bodyPr/>
-          <a:lstStyle/>
-          <a:p>
-            <a:r>
-              <a:rPr lang="ja-JP" altLang="en-US" dirty="0"/>
-              <a:t>これまでの進捗概要</a:t>
-            </a:r>
-            <a:endParaRPr kumimoji="1" lang="ja-JP" altLang="en-US" dirty="0"/>
-          </a:p>
-        </p:txBody>
-      </p:sp>
-      <p:sp>
-        <p:nvSpPr>
-          <p:cNvPr id="3" name="コンテンツ プレースホルダー 2">
-            <a:extLst>
-              <a:ext uri="{FF2B5EF4-FFF2-40B4-BE49-F238E27FC236}">
-                <a16:creationId xmlns:a16="http://schemas.microsoft.com/office/drawing/2014/main" id="{9E1A1E01-A3A5-94AB-8DFE-9E5367FE5E69}"/>
-              </a:ext>
-            </a:extLst>
-          </p:cNvPr>
-          <p:cNvSpPr>
-            <a:spLocks noGrp="1"/>
-          </p:cNvSpPr>
-          <p:nvPr>
-            <p:ph idx="1"/>
-          </p:nvPr>
-        </p:nvSpPr>
-        <p:spPr/>
-        <p:txBody>
-          <a:bodyPr>
-            <a:normAutofit/>
-          </a:bodyPr>
-          <a:lstStyle/>
-          <a:p>
-            <a:pPr marL="0" indent="0">
-              <a:lnSpc>
-                <a:spcPct val="150000"/>
-              </a:lnSpc>
-              <a:buNone/>
-            </a:pPr>
-            <a:r>
-              <a:rPr kumimoji="1" lang="ja-JP" altLang="en-US" sz="2400" dirty="0"/>
-              <a:t>「</a:t>
-            </a:r>
-            <a:r>
-              <a:rPr kumimoji="1" lang="ja-JP" altLang="en-US" sz="2400" dirty="0">
-                <a:solidFill>
-                  <a:srgbClr val="00B0F0"/>
-                </a:solidFill>
-              </a:rPr>
-              <a:t>非</a:t>
-            </a:r>
-            <a:r>
-              <a:rPr kumimoji="1" lang="en-US" altLang="ja-JP" sz="2400" dirty="0">
-                <a:solidFill>
-                  <a:srgbClr val="00B0F0"/>
-                </a:solidFill>
-              </a:rPr>
-              <a:t>GNSS</a:t>
-            </a:r>
-            <a:r>
-              <a:rPr kumimoji="1" lang="ja-JP" altLang="en-US" sz="2400" dirty="0">
-                <a:solidFill>
-                  <a:srgbClr val="00B0F0"/>
-                </a:solidFill>
-              </a:rPr>
-              <a:t>環境でのフォーメーション制御</a:t>
-            </a:r>
-            <a:r>
-              <a:rPr kumimoji="1" lang="ja-JP" altLang="en-US" sz="2400" dirty="0"/>
-              <a:t>」の研究テーマを実現するため，フォーメーション制御の導入として卒論の</a:t>
-            </a:r>
-            <a:br>
-              <a:rPr kumimoji="1" lang="en-US" altLang="ja-JP" sz="2400" dirty="0"/>
-            </a:br>
-            <a:r>
-              <a:rPr kumimoji="1" lang="ja-JP" altLang="en-US" sz="2400" dirty="0"/>
-              <a:t>「</a:t>
-            </a:r>
-            <a:r>
-              <a:rPr kumimoji="1" lang="en-US" altLang="ja-JP" sz="2400" dirty="0"/>
-              <a:t>LOS</a:t>
-            </a:r>
-            <a:r>
-              <a:rPr kumimoji="1" lang="ja-JP" altLang="en-US" sz="2400" dirty="0"/>
-              <a:t>誘導に基づくリーダ・フォロワ制御」の追試を行い</a:t>
-            </a:r>
-            <a:br>
-              <a:rPr kumimoji="1" lang="en-US" altLang="ja-JP" sz="2400" dirty="0"/>
-            </a:br>
-            <a:r>
-              <a:rPr kumimoji="1" lang="ja-JP" altLang="en-US" sz="2400" dirty="0"/>
-              <a:t>理解を深めた．また，実装においては</a:t>
-            </a:r>
-            <a:r>
-              <a:rPr kumimoji="1" lang="en-US" altLang="ja-JP" sz="2400" dirty="0">
-                <a:solidFill>
-                  <a:srgbClr val="00B0F0"/>
-                </a:solidFill>
-              </a:rPr>
-              <a:t>Python</a:t>
-            </a:r>
-            <a:r>
-              <a:rPr kumimoji="1" lang="ja-JP" altLang="en-US" sz="2400" dirty="0"/>
-              <a:t>を使用するため，</a:t>
-            </a:r>
-            <a:br>
-              <a:rPr kumimoji="1" lang="en-US" altLang="ja-JP" sz="2400" dirty="0"/>
-            </a:br>
-            <a:r>
-              <a:rPr kumimoji="1" lang="ja-JP" altLang="en-US" sz="2400" dirty="0"/>
-              <a:t>開発環境の導入に関する技術調査を行った．以上の取り組みを通して，本研究テーマには卒論の内容そのものを扱うことは技術的に厳しいことが判明した．今後は，別の文献を参考に</a:t>
-            </a:r>
-            <a:r>
-              <a:rPr kumimoji="1" lang="en-US" altLang="ja-JP" sz="2400" dirty="0" err="1">
-                <a:solidFill>
-                  <a:srgbClr val="00B0F0"/>
-                </a:solidFill>
-              </a:rPr>
-              <a:t>IssacSim</a:t>
-            </a:r>
-            <a:r>
-              <a:rPr kumimoji="1" lang="ja-JP" altLang="en-US" sz="2400" dirty="0">
-                <a:solidFill>
-                  <a:srgbClr val="00B0F0"/>
-                </a:solidFill>
-              </a:rPr>
-              <a:t>上でシミュレータ環境を実現</a:t>
-            </a:r>
-            <a:r>
-              <a:rPr kumimoji="1" lang="ja-JP" altLang="en-US" sz="2400" dirty="0"/>
-              <a:t>することを試みる．</a:t>
-            </a:r>
-          </a:p>
-        </p:txBody>
-      </p:sp>
-      <p:sp>
-        <p:nvSpPr>
-          <p:cNvPr id="4" name="スライド番号プレースホルダー 3">
-            <a:extLst>
-              <a:ext uri="{FF2B5EF4-FFF2-40B4-BE49-F238E27FC236}">
-                <a16:creationId xmlns:a16="http://schemas.microsoft.com/office/drawing/2014/main" id="{277B23C4-05B3-54A3-480E-1C5B9643FEA6}"/>
-              </a:ext>
-            </a:extLst>
-          </p:cNvPr>
-          <p:cNvSpPr>
-            <a:spLocks noGrp="1"/>
-          </p:cNvSpPr>
-          <p:nvPr>
-            <p:ph type="sldNum" sz="quarter" idx="12"/>
-          </p:nvPr>
-        </p:nvSpPr>
-        <p:spPr/>
-        <p:txBody>
-          <a:bodyPr/>
-          <a:lstStyle/>
-          <a:p>
-            <a:fld id="{55407BB7-92F5-4977-AA44-396FA1CF315E}" type="slidenum">
-              <a:rPr kumimoji="1" lang="ja-JP" altLang="en-US" smtClean="0"/>
-              <a:pPr/>
-              <a:t>1</a:t>
-            </a:fld>
-            <a:endParaRPr kumimoji="1" lang="ja-JP" altLang="en-US" dirty="0"/>
-          </a:p>
-        </p:txBody>
-      </p:sp>
-    </p:spTree>
-    <p:extLst>
-      <p:ext uri="{BB962C8B-B14F-4D97-AF65-F5344CB8AC3E}">
-        <p14:creationId xmlns:p14="http://schemas.microsoft.com/office/powerpoint/2010/main" val="3483990292"/>
-      </p:ext>
-    </p:extLst>
-  </p:cSld>
-  <p:clrMapOvr>
-    <a:masterClrMapping/>
-  </p:clrMapOvr>
-</p:sld>
-</file>
-
-<file path=ppt/slides/slide20.xml><?xml version="1.0" encoding="utf-8"?>
-<p:sld xmlns:a="http://schemas.openxmlformats.org/drawingml/2006/main" xmlns:r="http://schemas.openxmlformats.org/officeDocument/2006/relationships" xmlns:p="http://schemas.openxmlformats.org/presentationml/2006/main">
-  <p:cSld>
-    <p:spTree>
-      <p:nvGrpSpPr>
-        <p:cNvPr id="1" name=""/>
-        <p:cNvGrpSpPr/>
-        <p:nvPr/>
-      </p:nvGrpSpPr>
-      <p:grpSpPr>
-        <a:xfrm>
-          <a:off x="0" y="0"/>
-          <a:ext cx="0" cy="0"/>
-          <a:chOff x="0" y="0"/>
-          <a:chExt cx="0" cy="0"/>
-        </a:xfrm>
-      </p:grpSpPr>
-      <p:sp>
-        <p:nvSpPr>
-          <p:cNvPr id="2" name="タイトル 1">
-            <a:extLst>
-              <a:ext uri="{FF2B5EF4-FFF2-40B4-BE49-F238E27FC236}">
-                <a16:creationId xmlns:a16="http://schemas.microsoft.com/office/drawing/2014/main" id="{1AEF5D16-5FCC-B2A4-F67B-510A3A1BBCE9}"/>
-              </a:ext>
-            </a:extLst>
-          </p:cNvPr>
-          <p:cNvSpPr>
-            <a:spLocks noGrp="1"/>
-          </p:cNvSpPr>
-          <p:nvPr>
-            <p:ph type="title"/>
-          </p:nvPr>
-        </p:nvSpPr>
-        <p:spPr/>
-        <p:txBody>
-          <a:bodyPr/>
-          <a:lstStyle/>
-          <a:p>
-            <a:r>
-              <a:rPr kumimoji="1" lang="en-US" altLang="ja-JP" dirty="0"/>
-              <a:t>Python API</a:t>
-            </a:r>
-            <a:r>
-              <a:rPr kumimoji="1" lang="ja-JP" altLang="en-US" dirty="0"/>
-              <a:t>の選定</a:t>
-            </a:r>
-          </a:p>
-        </p:txBody>
-      </p:sp>
-      <p:sp>
-        <p:nvSpPr>
-          <p:cNvPr id="3" name="コンテンツ プレースホルダー 2">
-            <a:extLst>
-              <a:ext uri="{FF2B5EF4-FFF2-40B4-BE49-F238E27FC236}">
-                <a16:creationId xmlns:a16="http://schemas.microsoft.com/office/drawing/2014/main" id="{54854C22-392E-2B26-714C-9F55D2C0D94F}"/>
-              </a:ext>
-            </a:extLst>
-          </p:cNvPr>
-          <p:cNvSpPr>
-            <a:spLocks noGrp="1"/>
-          </p:cNvSpPr>
-          <p:nvPr>
-            <p:ph idx="1"/>
-          </p:nvPr>
-        </p:nvSpPr>
-        <p:spPr/>
-        <p:txBody>
-          <a:bodyPr/>
-          <a:lstStyle/>
-          <a:p>
-            <a:r>
-              <a:rPr lang="ja-JP" altLang="en-US" dirty="0"/>
-              <a:t>シミュレータと外部スクリプトを連携させるには</a:t>
-            </a:r>
-            <a:r>
-              <a:rPr lang="en-US" altLang="ja-JP" dirty="0"/>
-              <a:t>API</a:t>
-            </a:r>
-            <a:r>
-              <a:rPr lang="ja-JP" altLang="en-US" dirty="0"/>
-              <a:t>を</a:t>
-            </a:r>
-            <a:br>
-              <a:rPr lang="en-US" altLang="ja-JP" dirty="0"/>
-            </a:br>
-            <a:r>
-              <a:rPr lang="ja-JP" altLang="en-US" dirty="0"/>
-              <a:t>用いる必要がある</a:t>
-            </a:r>
-            <a:endParaRPr lang="en-US" altLang="ja-JP" dirty="0"/>
-          </a:p>
-          <a:p>
-            <a:endParaRPr kumimoji="1" lang="en-US" altLang="ja-JP" dirty="0"/>
-          </a:p>
-          <a:p>
-            <a:r>
-              <a:rPr kumimoji="1" lang="en-US" altLang="ja-JP" dirty="0" err="1"/>
-              <a:t>CoppeliaSim</a:t>
-            </a:r>
-            <a:r>
-              <a:rPr lang="ja-JP" altLang="en-US" dirty="0"/>
-              <a:t>は主に</a:t>
-            </a:r>
-            <a:r>
-              <a:rPr lang="en-US" altLang="ja-JP" dirty="0"/>
-              <a:t>2</a:t>
-            </a:r>
-            <a:r>
-              <a:rPr lang="ja-JP" altLang="en-US" dirty="0"/>
-              <a:t>つの</a:t>
-            </a:r>
-            <a:r>
-              <a:rPr lang="en-US" altLang="ja-JP" dirty="0"/>
-              <a:t>Remote API</a:t>
-            </a:r>
-            <a:r>
-              <a:rPr lang="ja-JP" altLang="en-US" dirty="0"/>
-              <a:t>を提供</a:t>
-            </a:r>
-            <a:endParaRPr lang="en-US" altLang="ja-JP" dirty="0"/>
-          </a:p>
-          <a:p>
-            <a:pPr lvl="1"/>
-            <a:r>
-              <a:rPr kumimoji="1" lang="en-US" altLang="ja-JP" dirty="0"/>
-              <a:t>Zero MQ Remote API</a:t>
-            </a:r>
-          </a:p>
-          <a:p>
-            <a:pPr lvl="1"/>
-            <a:r>
-              <a:rPr lang="en-US" altLang="ja-JP" dirty="0"/>
-              <a:t>Legacy</a:t>
-            </a:r>
-            <a:r>
-              <a:rPr lang="ja-JP" altLang="en-US" dirty="0"/>
-              <a:t> </a:t>
-            </a:r>
-            <a:r>
-              <a:rPr lang="en-US" altLang="ja-JP" dirty="0"/>
-              <a:t>Remote API</a:t>
-            </a:r>
-            <a:endParaRPr kumimoji="1" lang="ja-JP" altLang="en-US" dirty="0"/>
-          </a:p>
-          <a:p>
-            <a:pPr marL="0" indent="0">
-              <a:buNone/>
-            </a:pPr>
-            <a:endParaRPr lang="en-US" altLang="ja-JP" dirty="0"/>
-          </a:p>
-          <a:p>
-            <a:r>
-              <a:rPr kumimoji="1" lang="en-US" altLang="ja-JP" dirty="0" err="1"/>
-              <a:t>CoppeliaSim</a:t>
-            </a:r>
-            <a:r>
-              <a:rPr kumimoji="1" lang="en-US" altLang="ja-JP" dirty="0"/>
-              <a:t> V4.4</a:t>
-            </a:r>
-            <a:r>
-              <a:rPr kumimoji="1" lang="ja-JP" altLang="en-US" dirty="0"/>
-              <a:t>から</a:t>
-            </a:r>
-            <a:r>
-              <a:rPr lang="en-US" altLang="ja-JP" dirty="0"/>
-              <a:t>Legacy</a:t>
-            </a:r>
-            <a:r>
-              <a:rPr lang="ja-JP" altLang="en-US" dirty="0"/>
-              <a:t> </a:t>
-            </a:r>
-            <a:r>
-              <a:rPr lang="en-US" altLang="ja-JP" dirty="0"/>
-              <a:t>Remote API</a:t>
-            </a:r>
-            <a:r>
-              <a:rPr lang="ja-JP" altLang="en-US" dirty="0"/>
-              <a:t>は非推奨に</a:t>
-            </a:r>
-            <a:endParaRPr lang="en-US" altLang="ja-JP" dirty="0"/>
-          </a:p>
-        </p:txBody>
-      </p:sp>
-      <p:sp>
-        <p:nvSpPr>
-          <p:cNvPr id="4" name="スライド番号プレースホルダー 3">
-            <a:extLst>
-              <a:ext uri="{FF2B5EF4-FFF2-40B4-BE49-F238E27FC236}">
-                <a16:creationId xmlns:a16="http://schemas.microsoft.com/office/drawing/2014/main" id="{0CA60427-E916-EDE6-D32A-7C344F27AEE6}"/>
-              </a:ext>
-            </a:extLst>
-          </p:cNvPr>
-          <p:cNvSpPr>
-            <a:spLocks noGrp="1"/>
-          </p:cNvSpPr>
-          <p:nvPr>
-            <p:ph type="sldNum" sz="quarter" idx="12"/>
-          </p:nvPr>
-        </p:nvSpPr>
-        <p:spPr/>
-        <p:txBody>
-          <a:bodyPr/>
-          <a:lstStyle/>
-          <a:p>
-            <a:fld id="{55407BB7-92F5-4977-AA44-396FA1CF315E}" type="slidenum">
-              <a:rPr kumimoji="1" lang="ja-JP" altLang="en-US" smtClean="0"/>
-              <a:pPr/>
-              <a:t>19</a:t>
-            </a:fld>
-            <a:endParaRPr kumimoji="1" lang="ja-JP" altLang="en-US" dirty="0"/>
-          </a:p>
-        </p:txBody>
-      </p:sp>
-      <p:sp>
-        <p:nvSpPr>
-          <p:cNvPr id="5" name="テキスト プレースホルダー 4">
-            <a:extLst>
-              <a:ext uri="{FF2B5EF4-FFF2-40B4-BE49-F238E27FC236}">
-                <a16:creationId xmlns:a16="http://schemas.microsoft.com/office/drawing/2014/main" id="{AD375B24-F18B-DD73-CB77-0A05C59A634D}"/>
-              </a:ext>
-            </a:extLst>
-          </p:cNvPr>
-          <p:cNvSpPr>
-            <a:spLocks noGrp="1"/>
-          </p:cNvSpPr>
-          <p:nvPr>
-            <p:ph type="body" sz="quarter" idx="13"/>
-          </p:nvPr>
-        </p:nvSpPr>
-        <p:spPr/>
-        <p:txBody>
-          <a:bodyPr/>
-          <a:lstStyle/>
-          <a:p>
-            <a:r>
-              <a:rPr kumimoji="1" lang="ja-JP" altLang="en-US" sz="2800" dirty="0">
+              <a:rPr kumimoji="1" lang="ja-JP" altLang="en-US" b="1" dirty="0">
                 <a:solidFill>
                   <a:schemeClr val="accent4"/>
                 </a:solidFill>
               </a:rPr>
-              <a:t>高度な機能を提供する</a:t>
-            </a:r>
-            <a:r>
-              <a:rPr kumimoji="1" lang="en-US" altLang="ja-JP" sz="2800" dirty="0">
-                <a:solidFill>
-                  <a:schemeClr val="accent4"/>
-                </a:solidFill>
-              </a:rPr>
-              <a:t>Zero MQ Remote API</a:t>
-            </a:r>
-            <a:r>
-              <a:rPr kumimoji="1" lang="ja-JP" altLang="en-US" sz="2800" dirty="0">
-                <a:solidFill>
-                  <a:schemeClr val="accent4"/>
-                </a:solidFill>
-              </a:rPr>
-              <a:t>が推奨</a:t>
+              <a:t>仮想環境の利用はロバストな開発に必須</a:t>
             </a:r>
           </a:p>
         </p:txBody>
@@ -9124,7 +8636,7 @@
           <p:cNvPr id="6" name="四角形: 角を丸くする 5">
             <a:extLst>
               <a:ext uri="{FF2B5EF4-FFF2-40B4-BE49-F238E27FC236}">
-                <a16:creationId xmlns:a16="http://schemas.microsoft.com/office/drawing/2014/main" id="{ACC4D57E-5152-A73A-CF61-3742D99EF21F}"/>
+                <a16:creationId xmlns:a16="http://schemas.microsoft.com/office/drawing/2014/main" id="{9ABA2AAE-9C55-7564-C8CA-AEC9DAD2E8C8}"/>
               </a:ext>
             </a:extLst>
           </p:cNvPr>
@@ -9176,7 +8688,331 @@
     </p:spTree>
     <p:extLst>
       <p:ext uri="{BB962C8B-B14F-4D97-AF65-F5344CB8AC3E}">
-        <p14:creationId xmlns:p14="http://schemas.microsoft.com/office/powerpoint/2010/main" val="1640759026"/>
+        <p14:creationId xmlns:p14="http://schemas.microsoft.com/office/powerpoint/2010/main" val="2458599099"/>
+      </p:ext>
+    </p:extLst>
+  </p:cSld>
+  <p:clrMapOvr>
+    <a:masterClrMapping/>
+  </p:clrMapOvr>
+</p:sld>
+</file>
+
+<file path=ppt/slides/slide2.xml><?xml version="1.0" encoding="utf-8"?>
+<p:sld xmlns:a="http://schemas.openxmlformats.org/drawingml/2006/main" xmlns:r="http://schemas.openxmlformats.org/officeDocument/2006/relationships" xmlns:p="http://schemas.openxmlformats.org/presentationml/2006/main">
+  <p:cSld>
+    <p:spTree>
+      <p:nvGrpSpPr>
+        <p:cNvPr id="1" name=""/>
+        <p:cNvGrpSpPr/>
+        <p:nvPr/>
+      </p:nvGrpSpPr>
+      <p:grpSpPr>
+        <a:xfrm>
+          <a:off x="0" y="0"/>
+          <a:ext cx="0" cy="0"/>
+          <a:chOff x="0" y="0"/>
+          <a:chExt cx="0" cy="0"/>
+        </a:xfrm>
+      </p:grpSpPr>
+      <p:sp>
+        <p:nvSpPr>
+          <p:cNvPr id="2" name="タイトル 1">
+            <a:extLst>
+              <a:ext uri="{FF2B5EF4-FFF2-40B4-BE49-F238E27FC236}">
+                <a16:creationId xmlns:a16="http://schemas.microsoft.com/office/drawing/2014/main" id="{DCE94847-9F9B-6193-17BC-2F7AE31F8E37}"/>
+              </a:ext>
+            </a:extLst>
+          </p:cNvPr>
+          <p:cNvSpPr>
+            <a:spLocks noGrp="1"/>
+          </p:cNvSpPr>
+          <p:nvPr>
+            <p:ph type="title"/>
+          </p:nvPr>
+        </p:nvSpPr>
+        <p:spPr/>
+        <p:txBody>
+          <a:bodyPr/>
+          <a:lstStyle/>
+          <a:p>
+            <a:r>
+              <a:rPr lang="ja-JP" altLang="en-US" dirty="0"/>
+              <a:t>これまでの進捗概要</a:t>
+            </a:r>
+            <a:endParaRPr kumimoji="1" lang="ja-JP" altLang="en-US" dirty="0"/>
+          </a:p>
+        </p:txBody>
+      </p:sp>
+      <p:sp>
+        <p:nvSpPr>
+          <p:cNvPr id="3" name="コンテンツ プレースホルダー 2">
+            <a:extLst>
+              <a:ext uri="{FF2B5EF4-FFF2-40B4-BE49-F238E27FC236}">
+                <a16:creationId xmlns:a16="http://schemas.microsoft.com/office/drawing/2014/main" id="{9E1A1E01-A3A5-94AB-8DFE-9E5367FE5E69}"/>
+              </a:ext>
+            </a:extLst>
+          </p:cNvPr>
+          <p:cNvSpPr>
+            <a:spLocks noGrp="1"/>
+          </p:cNvSpPr>
+          <p:nvPr>
+            <p:ph idx="1"/>
+          </p:nvPr>
+        </p:nvSpPr>
+        <p:spPr/>
+        <p:txBody>
+          <a:bodyPr>
+            <a:normAutofit/>
+          </a:bodyPr>
+          <a:lstStyle/>
+          <a:p>
+            <a:pPr marL="0" indent="0">
+              <a:lnSpc>
+                <a:spcPct val="150000"/>
+              </a:lnSpc>
+              <a:buNone/>
+            </a:pPr>
+            <a:r>
+              <a:rPr kumimoji="1" lang="ja-JP" altLang="en-US" sz="2400" dirty="0"/>
+              <a:t>「</a:t>
+            </a:r>
+            <a:r>
+              <a:rPr kumimoji="1" lang="ja-JP" altLang="en-US" sz="2400" dirty="0">
+                <a:solidFill>
+                  <a:srgbClr val="00B0F0"/>
+                </a:solidFill>
+              </a:rPr>
+              <a:t>非</a:t>
+            </a:r>
+            <a:r>
+              <a:rPr kumimoji="1" lang="en-US" altLang="ja-JP" sz="2400" dirty="0">
+                <a:solidFill>
+                  <a:srgbClr val="00B0F0"/>
+                </a:solidFill>
+              </a:rPr>
+              <a:t>GNSS</a:t>
+            </a:r>
+            <a:r>
+              <a:rPr kumimoji="1" lang="ja-JP" altLang="en-US" sz="2400" dirty="0">
+                <a:solidFill>
+                  <a:srgbClr val="00B0F0"/>
+                </a:solidFill>
+              </a:rPr>
+              <a:t>環境でのフォーメーション制御</a:t>
+            </a:r>
+            <a:r>
+              <a:rPr kumimoji="1" lang="ja-JP" altLang="en-US" sz="2400" dirty="0"/>
+              <a:t>」の研究テーマを実現するため，フォーメーション制御の導入として卒論の</a:t>
+            </a:r>
+            <a:br>
+              <a:rPr kumimoji="1" lang="en-US" altLang="ja-JP" sz="2400" dirty="0"/>
+            </a:br>
+            <a:r>
+              <a:rPr kumimoji="1" lang="ja-JP" altLang="en-US" sz="2400" dirty="0"/>
+              <a:t>「</a:t>
+            </a:r>
+            <a:r>
+              <a:rPr kumimoji="1" lang="en-US" altLang="ja-JP" sz="2400" dirty="0"/>
+              <a:t>LOS</a:t>
+            </a:r>
+            <a:r>
+              <a:rPr kumimoji="1" lang="ja-JP" altLang="en-US" sz="2400" dirty="0"/>
+              <a:t>誘導に基づくリーダ・フォロワ制御」の追試を行い</a:t>
+            </a:r>
+            <a:br>
+              <a:rPr kumimoji="1" lang="en-US" altLang="ja-JP" sz="2400" dirty="0"/>
+            </a:br>
+            <a:r>
+              <a:rPr kumimoji="1" lang="ja-JP" altLang="en-US" sz="2400" dirty="0"/>
+              <a:t>理解を深めた．また，実装においては</a:t>
+            </a:r>
+            <a:r>
+              <a:rPr kumimoji="1" lang="en-US" altLang="ja-JP" sz="2400" dirty="0">
+                <a:solidFill>
+                  <a:srgbClr val="00B0F0"/>
+                </a:solidFill>
+              </a:rPr>
+              <a:t>Python</a:t>
+            </a:r>
+            <a:r>
+              <a:rPr kumimoji="1" lang="ja-JP" altLang="en-US" sz="2400" dirty="0"/>
+              <a:t>を使用するため，</a:t>
+            </a:r>
+            <a:br>
+              <a:rPr kumimoji="1" lang="en-US" altLang="ja-JP" sz="2400" dirty="0"/>
+            </a:br>
+            <a:r>
+              <a:rPr kumimoji="1" lang="ja-JP" altLang="en-US" sz="2400" dirty="0"/>
+              <a:t>開発環境の導入に関する技術調査を行った．以上の取り組みを通して，本研究テーマには卒論の内容そのものを扱うことは技術的に厳しいことが判明した．今後は，別の文献を参考に</a:t>
+            </a:r>
+            <a:r>
+              <a:rPr kumimoji="1" lang="en-US" altLang="ja-JP" sz="2400" dirty="0" err="1">
+                <a:solidFill>
+                  <a:srgbClr val="00B0F0"/>
+                </a:solidFill>
+              </a:rPr>
+              <a:t>IssacSim</a:t>
+            </a:r>
+            <a:r>
+              <a:rPr kumimoji="1" lang="ja-JP" altLang="en-US" sz="2400" dirty="0">
+                <a:solidFill>
+                  <a:srgbClr val="00B0F0"/>
+                </a:solidFill>
+              </a:rPr>
+              <a:t>上でシミュレータ環境を実現</a:t>
+            </a:r>
+            <a:r>
+              <a:rPr kumimoji="1" lang="ja-JP" altLang="en-US" sz="2400" dirty="0"/>
+              <a:t>することを試みる．</a:t>
+            </a:r>
+          </a:p>
+        </p:txBody>
+      </p:sp>
+      <p:sp>
+        <p:nvSpPr>
+          <p:cNvPr id="4" name="スライド番号プレースホルダー 3">
+            <a:extLst>
+              <a:ext uri="{FF2B5EF4-FFF2-40B4-BE49-F238E27FC236}">
+                <a16:creationId xmlns:a16="http://schemas.microsoft.com/office/drawing/2014/main" id="{277B23C4-05B3-54A3-480E-1C5B9643FEA6}"/>
+              </a:ext>
+            </a:extLst>
+          </p:cNvPr>
+          <p:cNvSpPr>
+            <a:spLocks noGrp="1"/>
+          </p:cNvSpPr>
+          <p:nvPr>
+            <p:ph type="sldNum" sz="quarter" idx="12"/>
+          </p:nvPr>
+        </p:nvSpPr>
+        <p:spPr/>
+        <p:txBody>
+          <a:bodyPr/>
+          <a:lstStyle/>
+          <a:p>
+            <a:fld id="{55407BB7-92F5-4977-AA44-396FA1CF315E}" type="slidenum">
+              <a:rPr kumimoji="1" lang="ja-JP" altLang="en-US" smtClean="0"/>
+              <a:pPr/>
+              <a:t>1</a:t>
+            </a:fld>
+            <a:endParaRPr kumimoji="1" lang="ja-JP" altLang="en-US" dirty="0"/>
+          </a:p>
+        </p:txBody>
+      </p:sp>
+    </p:spTree>
+    <p:extLst>
+      <p:ext uri="{BB962C8B-B14F-4D97-AF65-F5344CB8AC3E}">
+        <p14:creationId xmlns:p14="http://schemas.microsoft.com/office/powerpoint/2010/main" val="3483990292"/>
+      </p:ext>
+    </p:extLst>
+  </p:cSld>
+  <p:clrMapOvr>
+    <a:masterClrMapping/>
+  </p:clrMapOvr>
+</p:sld>
+</file>
+
+<file path=ppt/slides/slide20.xml><?xml version="1.0" encoding="utf-8"?>
+<p:sld xmlns:a="http://schemas.openxmlformats.org/drawingml/2006/main" xmlns:r="http://schemas.openxmlformats.org/officeDocument/2006/relationships" xmlns:p="http://schemas.openxmlformats.org/presentationml/2006/main">
+  <p:cSld>
+    <p:spTree>
+      <p:nvGrpSpPr>
+        <p:cNvPr id="1" name=""/>
+        <p:cNvGrpSpPr/>
+        <p:nvPr/>
+      </p:nvGrpSpPr>
+      <p:grpSpPr>
+        <a:xfrm>
+          <a:off x="0" y="0"/>
+          <a:ext cx="0" cy="0"/>
+          <a:chOff x="0" y="0"/>
+          <a:chExt cx="0" cy="0"/>
+        </a:xfrm>
+      </p:grpSpPr>
+      <p:sp>
+        <p:nvSpPr>
+          <p:cNvPr id="2" name="タイトル 1">
+            <a:extLst>
+              <a:ext uri="{FF2B5EF4-FFF2-40B4-BE49-F238E27FC236}">
+                <a16:creationId xmlns:a16="http://schemas.microsoft.com/office/drawing/2014/main" id="{E2DA6473-9F82-DA29-50C4-B0E11F4248B0}"/>
+              </a:ext>
+            </a:extLst>
+          </p:cNvPr>
+          <p:cNvSpPr>
+            <a:spLocks noGrp="1"/>
+          </p:cNvSpPr>
+          <p:nvPr>
+            <p:ph type="title"/>
+          </p:nvPr>
+        </p:nvSpPr>
+        <p:spPr/>
+        <p:txBody>
+          <a:bodyPr/>
+          <a:lstStyle/>
+          <a:p>
+            <a:endParaRPr kumimoji="1" lang="ja-JP" altLang="en-US"/>
+          </a:p>
+        </p:txBody>
+      </p:sp>
+      <p:sp>
+        <p:nvSpPr>
+          <p:cNvPr id="3" name="コンテンツ プレースホルダー 2">
+            <a:extLst>
+              <a:ext uri="{FF2B5EF4-FFF2-40B4-BE49-F238E27FC236}">
+                <a16:creationId xmlns:a16="http://schemas.microsoft.com/office/drawing/2014/main" id="{ACE9F7D2-2B96-B439-7DFD-169D1961D200}"/>
+              </a:ext>
+            </a:extLst>
+          </p:cNvPr>
+          <p:cNvSpPr>
+            <a:spLocks noGrp="1"/>
+          </p:cNvSpPr>
+          <p:nvPr>
+            <p:ph idx="1"/>
+          </p:nvPr>
+        </p:nvSpPr>
+        <p:spPr/>
+        <p:txBody>
+          <a:bodyPr/>
+          <a:lstStyle/>
+          <a:p>
+            <a:endParaRPr kumimoji="1" lang="ja-JP" altLang="en-US"/>
+          </a:p>
+        </p:txBody>
+      </p:sp>
+      <p:sp>
+        <p:nvSpPr>
+          <p:cNvPr id="4" name="スライド番号プレースホルダー 3">
+            <a:extLst>
+              <a:ext uri="{FF2B5EF4-FFF2-40B4-BE49-F238E27FC236}">
+                <a16:creationId xmlns:a16="http://schemas.microsoft.com/office/drawing/2014/main" id="{DEE6F268-5747-AE30-C1F7-6A21137A850A}"/>
+              </a:ext>
+            </a:extLst>
+          </p:cNvPr>
+          <p:cNvSpPr>
+            <a:spLocks noGrp="1"/>
+          </p:cNvSpPr>
+          <p:nvPr>
+            <p:ph type="sldNum" sz="quarter" idx="12"/>
+          </p:nvPr>
+        </p:nvSpPr>
+        <p:spPr/>
+        <p:txBody>
+          <a:bodyPr/>
+          <a:lstStyle/>
+          <a:p>
+            <a:fld id="{55407BB7-92F5-4977-AA44-396FA1CF315E}" type="slidenum">
+              <a:rPr kumimoji="1" lang="ja-JP" altLang="en-US" smtClean="0"/>
+              <a:pPr/>
+              <a:t>19</a:t>
+            </a:fld>
+            <a:endParaRPr kumimoji="1" lang="ja-JP" altLang="en-US" dirty="0"/>
+          </a:p>
+        </p:txBody>
+      </p:sp>
+    </p:spTree>
+    <p:extLst>
+      <p:ext uri="{BB962C8B-B14F-4D97-AF65-F5344CB8AC3E}">
+        <p14:creationId xmlns:p14="http://schemas.microsoft.com/office/powerpoint/2010/main" val="470476878"/>
       </p:ext>
     </p:extLst>
   </p:cSld>
@@ -9208,7 +9044,7 @@
           <p:cNvPr id="2" name="タイトル 1">
             <a:extLst>
               <a:ext uri="{FF2B5EF4-FFF2-40B4-BE49-F238E27FC236}">
-                <a16:creationId xmlns:a16="http://schemas.microsoft.com/office/drawing/2014/main" id="{01230179-F4FA-42FD-C4E4-69CB15C65693}"/>
+                <a16:creationId xmlns:a16="http://schemas.microsoft.com/office/drawing/2014/main" id="{1AEF5D16-5FCC-B2A4-F67B-510A3A1BBCE9}"/>
               </a:ext>
             </a:extLst>
           </p:cNvPr>
@@ -9226,9 +9062,12 @@
           <a:p>
             <a:r>
               <a:rPr kumimoji="1" lang="en-US" altLang="ja-JP" dirty="0"/>
-              <a:t>Zero MQ Remote API</a:t>
-            </a:r>
-            <a:endParaRPr kumimoji="1" lang="ja-JP" altLang="en-US" dirty="0"/>
+              <a:t>Python API</a:t>
+            </a:r>
+            <a:r>
+              <a:rPr kumimoji="1" lang="ja-JP" altLang="en-US" dirty="0"/>
+              <a:t>の選定</a:t>
+            </a:r>
           </a:p>
         </p:txBody>
       </p:sp>
@@ -9237,7 +9076,7 @@
           <p:cNvPr id="3" name="コンテンツ プレースホルダー 2">
             <a:extLst>
               <a:ext uri="{FF2B5EF4-FFF2-40B4-BE49-F238E27FC236}">
-                <a16:creationId xmlns:a16="http://schemas.microsoft.com/office/drawing/2014/main" id="{C6D2B696-D788-A1C3-3787-BA77FCA2D9F6}"/>
+                <a16:creationId xmlns:a16="http://schemas.microsoft.com/office/drawing/2014/main" id="{54854C22-392E-2B26-714C-9F55D2C0D94F}"/>
               </a:ext>
             </a:extLst>
           </p:cNvPr>
@@ -9254,148 +9093,115 @@
           <a:lstStyle/>
           <a:p>
             <a:r>
-              <a:rPr lang="ja-JP" altLang="en-US" b="1" dirty="0"/>
-              <a:t>非同期通信</a:t>
+              <a:rPr lang="ja-JP" altLang="en-US" dirty="0"/>
+              <a:t>シミュレータと外部スクリプトを連携させるには</a:t>
             </a:r>
             <a:r>
               <a:rPr lang="en-US" altLang="ja-JP" dirty="0"/>
-              <a:t>: </a:t>
-            </a:r>
-          </a:p>
-          <a:p>
-            <a:pPr lvl="1"/>
+              <a:t>API</a:t>
+            </a:r>
             <a:r>
               <a:rPr lang="ja-JP" altLang="en-US" dirty="0"/>
-              <a:t>クライアント（</a:t>
-            </a:r>
-            <a:r>
-              <a:rPr lang="en-US" altLang="ja-JP" dirty="0"/>
-              <a:t>Python</a:t>
-            </a:r>
-            <a:r>
-              <a:rPr lang="ja-JP" altLang="en-US" dirty="0"/>
-              <a:t>）とサーバー（</a:t>
-            </a:r>
-            <a:r>
-              <a:rPr lang="en-US" altLang="ja-JP" dirty="0" err="1"/>
-              <a:t>CoppeliaSim</a:t>
-            </a:r>
-            <a:r>
-              <a:rPr lang="ja-JP" altLang="en-US" dirty="0"/>
-              <a:t>）は必ずしも</a:t>
+              <a:t>を</a:t>
             </a:r>
             <a:br>
               <a:rPr lang="en-US" altLang="ja-JP" dirty="0"/>
             </a:br>
             <a:r>
               <a:rPr lang="ja-JP" altLang="en-US" dirty="0"/>
-              <a:t>互いの処理を待つ必要なく通信可能</a:t>
+              <a:t>用いる必要がある</a:t>
             </a:r>
             <a:endParaRPr lang="en-US" altLang="ja-JP" dirty="0"/>
           </a:p>
           <a:p>
-            <a:r>
-              <a:rPr lang="ja-JP" altLang="en-US" b="1" dirty="0"/>
-              <a:t>ステップ実行モード（同期モード）</a:t>
+            <a:endParaRPr kumimoji="1" lang="en-US" altLang="ja-JP" dirty="0"/>
+          </a:p>
+          <a:p>
+            <a:r>
+              <a:rPr kumimoji="1" lang="en-US" altLang="ja-JP" dirty="0" err="1"/>
+              <a:t>CoppeliaSim</a:t>
+            </a:r>
+            <a:r>
+              <a:rPr lang="ja-JP" altLang="en-US" dirty="0"/>
+              <a:t>は主に</a:t>
             </a:r>
             <a:r>
               <a:rPr lang="en-US" altLang="ja-JP" dirty="0"/>
-              <a:t>: </a:t>
-            </a:r>
+              <a:t>2</a:t>
+            </a:r>
+            <a:r>
+              <a:rPr lang="ja-JP" altLang="en-US" dirty="0"/>
+              <a:t>つの</a:t>
+            </a:r>
+            <a:r>
+              <a:rPr lang="en-US" altLang="ja-JP" dirty="0"/>
+              <a:t>Remote API</a:t>
+            </a:r>
+            <a:r>
+              <a:rPr lang="ja-JP" altLang="en-US" dirty="0"/>
+              <a:t>を提供</a:t>
+            </a:r>
+            <a:endParaRPr lang="en-US" altLang="ja-JP" dirty="0"/>
           </a:p>
           <a:p>
             <a:pPr lvl="1"/>
             <a:r>
+              <a:rPr kumimoji="1" lang="en-US" altLang="ja-JP" dirty="0"/>
+              <a:t>Zero MQ Remote API</a:t>
+            </a:r>
+          </a:p>
+          <a:p>
+            <a:pPr lvl="1"/>
+            <a:r>
               <a:rPr lang="en-US" altLang="ja-JP" dirty="0"/>
-              <a:t>Python</a:t>
+              <a:t>Legacy</a:t>
             </a:r>
             <a:r>
               <a:rPr lang="ja-JP" altLang="en-US" dirty="0"/>
-              <a:t>スクリプトと</a:t>
-            </a:r>
-            <a:r>
-              <a:rPr lang="en-US" altLang="ja-JP" dirty="0" err="1"/>
+              <a:t> </a:t>
+            </a:r>
+            <a:r>
+              <a:rPr lang="en-US" altLang="ja-JP" dirty="0"/>
+              <a:t>Remote API</a:t>
+            </a:r>
+            <a:endParaRPr kumimoji="1" lang="ja-JP" altLang="en-US" dirty="0"/>
+          </a:p>
+          <a:p>
+            <a:pPr marL="0" indent="0">
+              <a:buNone/>
+            </a:pPr>
+            <a:endParaRPr lang="en-US" altLang="ja-JP" dirty="0"/>
+          </a:p>
+          <a:p>
+            <a:r>
+              <a:rPr kumimoji="1" lang="en-US" altLang="ja-JP" dirty="0" err="1"/>
               <a:t>CoppeliaSim</a:t>
             </a:r>
             <a:r>
+              <a:rPr kumimoji="1" lang="en-US" altLang="ja-JP" dirty="0"/>
+              <a:t> V4.4</a:t>
+            </a:r>
+            <a:r>
+              <a:rPr kumimoji="1" lang="ja-JP" altLang="en-US" dirty="0"/>
+              <a:t>から</a:t>
+            </a:r>
+            <a:r>
+              <a:rPr lang="en-US" altLang="ja-JP" dirty="0"/>
+              <a:t>Legacy</a:t>
+            </a:r>
+            <a:r>
               <a:rPr lang="ja-JP" altLang="en-US" dirty="0"/>
-              <a:t>のシミュレーションステップを</a:t>
-            </a:r>
-            <a:br>
+              <a:t> </a:t>
+            </a:r>
+            <a:r>
               <a:rPr lang="en-US" altLang="ja-JP" dirty="0"/>
-            </a:br>
+              <a:t>Remote API</a:t>
+            </a:r>
             <a:r>
               <a:rPr lang="ja-JP" altLang="en-US" dirty="0"/>
-              <a:t>厳密に同期させ、制御ループの各段階でシミュレーションの状態を正確に把握・操作可能</a:t>
+              <a:t>は非推奨に</a:t>
             </a:r>
             <a:endParaRPr lang="en-US" altLang="ja-JP" dirty="0"/>
-          </a:p>
-          <a:p>
-            <a:r>
-              <a:rPr lang="ja-JP" altLang="en-US" b="1" dirty="0"/>
-              <a:t>シミュレータ自体のリモート制御</a:t>
-            </a:r>
-            <a:r>
-              <a:rPr lang="en-US" altLang="ja-JP" dirty="0"/>
-              <a:t>: </a:t>
-            </a:r>
-          </a:p>
-          <a:p>
-            <a:pPr lvl="1"/>
-            <a:r>
-              <a:rPr lang="ja-JP" altLang="en-US" dirty="0"/>
-              <a:t>シーンファイルのロード、シミュレーションの開始・一時停止・</a:t>
-            </a:r>
-            <a:br>
-              <a:rPr lang="en-US" altLang="ja-JP" dirty="0"/>
-            </a:br>
-            <a:r>
-              <a:rPr lang="ja-JP" altLang="en-US" dirty="0"/>
-              <a:t>停止といった、シミュレータ全体の操作も</a:t>
-            </a:r>
-            <a:r>
-              <a:rPr lang="en-US" altLang="ja-JP" dirty="0"/>
-              <a:t>Python</a:t>
-            </a:r>
-            <a:r>
-              <a:rPr lang="ja-JP" altLang="en-US" dirty="0"/>
-              <a:t>から行える</a:t>
-            </a:r>
-            <a:endParaRPr kumimoji="1" lang="en-US" altLang="ja-JP" dirty="0"/>
-          </a:p>
-          <a:p>
-            <a:r>
-              <a:rPr lang="ja-JP" altLang="en-US" b="1" dirty="0"/>
-              <a:t>コミュニティとサポート</a:t>
-            </a:r>
-            <a:r>
-              <a:rPr lang="en-US" altLang="ja-JP" b="1" dirty="0"/>
-              <a:t>:</a:t>
-            </a:r>
-          </a:p>
-          <a:p>
-            <a:pPr lvl="1"/>
-            <a:r>
-              <a:rPr lang="en-US" altLang="ja-JP" dirty="0" err="1"/>
-              <a:t>CoppeliaSim</a:t>
-            </a:r>
-            <a:r>
-              <a:rPr lang="ja-JP" altLang="en-US" dirty="0"/>
-              <a:t>の開発元は、</a:t>
-            </a:r>
-            <a:r>
-              <a:rPr lang="en-US" altLang="ja-JP" dirty="0" err="1"/>
-              <a:t>ZeroMQ</a:t>
-            </a:r>
-            <a:r>
-              <a:rPr lang="en-US" altLang="ja-JP" dirty="0"/>
-              <a:t> Remote API</a:t>
-            </a:r>
-            <a:r>
-              <a:rPr lang="ja-JP" altLang="en-US" dirty="0"/>
-              <a:t>を積極的に推奨し、そのためのドキュメントやサンプルコードを充実させている．</a:t>
-            </a:r>
-            <a:endParaRPr kumimoji="1" lang="ja-JP" altLang="en-US" dirty="0"/>
           </a:p>
         </p:txBody>
       </p:sp>
@@ -9404,7 +9210,7 @@
           <p:cNvPr id="4" name="スライド番号プレースホルダー 3">
             <a:extLst>
               <a:ext uri="{FF2B5EF4-FFF2-40B4-BE49-F238E27FC236}">
-                <a16:creationId xmlns:a16="http://schemas.microsoft.com/office/drawing/2014/main" id="{C1C58ACC-587A-DA47-5030-C84B21929019}"/>
+                <a16:creationId xmlns:a16="http://schemas.microsoft.com/office/drawing/2014/main" id="{0CA60427-E916-EDE6-D32A-7C344F27AEE6}"/>
               </a:ext>
             </a:extLst>
           </p:cNvPr>
@@ -9429,10 +9235,112 @@
           </a:p>
         </p:txBody>
       </p:sp>
+      <p:sp>
+        <p:nvSpPr>
+          <p:cNvPr id="5" name="テキスト プレースホルダー 4">
+            <a:extLst>
+              <a:ext uri="{FF2B5EF4-FFF2-40B4-BE49-F238E27FC236}">
+                <a16:creationId xmlns:a16="http://schemas.microsoft.com/office/drawing/2014/main" id="{AD375B24-F18B-DD73-CB77-0A05C59A634D}"/>
+              </a:ext>
+            </a:extLst>
+          </p:cNvPr>
+          <p:cNvSpPr>
+            <a:spLocks noGrp="1"/>
+          </p:cNvSpPr>
+          <p:nvPr>
+            <p:ph type="body" sz="quarter" idx="13"/>
+          </p:nvPr>
+        </p:nvSpPr>
+        <p:spPr/>
+        <p:txBody>
+          <a:bodyPr/>
+          <a:lstStyle/>
+          <a:p>
+            <a:r>
+              <a:rPr kumimoji="1" lang="ja-JP" altLang="en-US" sz="2800" dirty="0">
+                <a:solidFill>
+                  <a:schemeClr val="accent4"/>
+                </a:solidFill>
+              </a:rPr>
+              <a:t>高度な機能を提供する</a:t>
+            </a:r>
+            <a:r>
+              <a:rPr kumimoji="1" lang="en-US" altLang="ja-JP" sz="2800" dirty="0">
+                <a:solidFill>
+                  <a:schemeClr val="accent4"/>
+                </a:solidFill>
+              </a:rPr>
+              <a:t>Zero MQ Remote API</a:t>
+            </a:r>
+            <a:r>
+              <a:rPr kumimoji="1" lang="ja-JP" altLang="en-US" sz="2800" dirty="0">
+                <a:solidFill>
+                  <a:schemeClr val="accent4"/>
+                </a:solidFill>
+              </a:rPr>
+              <a:t>が推奨</a:t>
+            </a:r>
+          </a:p>
+        </p:txBody>
+      </p:sp>
+      <p:sp>
+        <p:nvSpPr>
+          <p:cNvPr id="6" name="四角形: 角を丸くする 5">
+            <a:extLst>
+              <a:ext uri="{FF2B5EF4-FFF2-40B4-BE49-F238E27FC236}">
+                <a16:creationId xmlns:a16="http://schemas.microsoft.com/office/drawing/2014/main" id="{ACC4D57E-5152-A73A-CF61-3742D99EF21F}"/>
+              </a:ext>
+            </a:extLst>
+          </p:cNvPr>
+          <p:cNvSpPr/>
+          <p:nvPr/>
+        </p:nvSpPr>
+        <p:spPr>
+          <a:xfrm>
+            <a:off x="258158" y="5769113"/>
+            <a:ext cx="8625708" cy="914400"/>
+          </a:xfrm>
+          <a:prstGeom prst="roundRect">
+            <a:avLst/>
+          </a:prstGeom>
+          <a:noFill/>
+          <a:ln w="38100" cap="flat" cmpd="sng" algn="ctr">
+            <a:solidFill>
+              <a:schemeClr val="accent4"/>
+            </a:solidFill>
+            <a:prstDash val="solid"/>
+            <a:round/>
+            <a:headEnd type="none" w="med" len="med"/>
+            <a:tailEnd type="none" w="med" len="med"/>
+          </a:ln>
+        </p:spPr>
+        <p:style>
+          <a:lnRef idx="0">
+            <a:scrgbClr r="0" g="0" b="0"/>
+          </a:lnRef>
+          <a:fillRef idx="0">
+            <a:scrgbClr r="0" g="0" b="0"/>
+          </a:fillRef>
+          <a:effectRef idx="0">
+            <a:scrgbClr r="0" g="0" b="0"/>
+          </a:effectRef>
+          <a:fontRef idx="minor">
+            <a:schemeClr val="accent4"/>
+          </a:fontRef>
+        </p:style>
+        <p:txBody>
+          <a:bodyPr rtlCol="0" anchor="ctr"/>
+          <a:lstStyle/>
+          <a:p>
+            <a:pPr algn="ctr"/>
+            <a:endParaRPr kumimoji="1" lang="ja-JP" altLang="en-US"/>
+          </a:p>
+        </p:txBody>
+      </p:sp>
     </p:spTree>
     <p:extLst>
       <p:ext uri="{BB962C8B-B14F-4D97-AF65-F5344CB8AC3E}">
-        <p14:creationId xmlns:p14="http://schemas.microsoft.com/office/powerpoint/2010/main" val="1970911080"/>
+        <p14:creationId xmlns:p14="http://schemas.microsoft.com/office/powerpoint/2010/main" val="1640759026"/>
       </p:ext>
     </p:extLst>
   </p:cSld>
@@ -9464,6 +9372,262 @@
           <p:cNvPr id="2" name="タイトル 1">
             <a:extLst>
               <a:ext uri="{FF2B5EF4-FFF2-40B4-BE49-F238E27FC236}">
+                <a16:creationId xmlns:a16="http://schemas.microsoft.com/office/drawing/2014/main" id="{01230179-F4FA-42FD-C4E4-69CB15C65693}"/>
+              </a:ext>
+            </a:extLst>
+          </p:cNvPr>
+          <p:cNvSpPr>
+            <a:spLocks noGrp="1"/>
+          </p:cNvSpPr>
+          <p:nvPr>
+            <p:ph type="title"/>
+          </p:nvPr>
+        </p:nvSpPr>
+        <p:spPr/>
+        <p:txBody>
+          <a:bodyPr/>
+          <a:lstStyle/>
+          <a:p>
+            <a:r>
+              <a:rPr kumimoji="1" lang="en-US" altLang="ja-JP" dirty="0"/>
+              <a:t>Zero MQ Remote API</a:t>
+            </a:r>
+            <a:endParaRPr kumimoji="1" lang="ja-JP" altLang="en-US" dirty="0"/>
+          </a:p>
+        </p:txBody>
+      </p:sp>
+      <p:sp>
+        <p:nvSpPr>
+          <p:cNvPr id="3" name="コンテンツ プレースホルダー 2">
+            <a:extLst>
+              <a:ext uri="{FF2B5EF4-FFF2-40B4-BE49-F238E27FC236}">
+                <a16:creationId xmlns:a16="http://schemas.microsoft.com/office/drawing/2014/main" id="{C6D2B696-D788-A1C3-3787-BA77FCA2D9F6}"/>
+              </a:ext>
+            </a:extLst>
+          </p:cNvPr>
+          <p:cNvSpPr>
+            <a:spLocks noGrp="1"/>
+          </p:cNvSpPr>
+          <p:nvPr>
+            <p:ph idx="1"/>
+          </p:nvPr>
+        </p:nvSpPr>
+        <p:spPr/>
+        <p:txBody>
+          <a:bodyPr/>
+          <a:lstStyle/>
+          <a:p>
+            <a:r>
+              <a:rPr lang="ja-JP" altLang="en-US" b="1" dirty="0"/>
+              <a:t>非同期通信</a:t>
+            </a:r>
+            <a:r>
+              <a:rPr lang="en-US" altLang="ja-JP" dirty="0"/>
+              <a:t>: </a:t>
+            </a:r>
+          </a:p>
+          <a:p>
+            <a:pPr lvl="1"/>
+            <a:r>
+              <a:rPr lang="ja-JP" altLang="en-US" dirty="0"/>
+              <a:t>クライアント（</a:t>
+            </a:r>
+            <a:r>
+              <a:rPr lang="en-US" altLang="ja-JP" dirty="0"/>
+              <a:t>Python</a:t>
+            </a:r>
+            <a:r>
+              <a:rPr lang="ja-JP" altLang="en-US" dirty="0"/>
+              <a:t>）とサーバー（</a:t>
+            </a:r>
+            <a:r>
+              <a:rPr lang="en-US" altLang="ja-JP" dirty="0" err="1"/>
+              <a:t>CoppeliaSim</a:t>
+            </a:r>
+            <a:r>
+              <a:rPr lang="ja-JP" altLang="en-US" dirty="0"/>
+              <a:t>）は必ずしも</a:t>
+            </a:r>
+            <a:br>
+              <a:rPr lang="en-US" altLang="ja-JP" dirty="0"/>
+            </a:br>
+            <a:r>
+              <a:rPr lang="ja-JP" altLang="en-US" dirty="0"/>
+              <a:t>互いの処理を待つ必要なく通信可能</a:t>
+            </a:r>
+            <a:endParaRPr lang="en-US" altLang="ja-JP" dirty="0"/>
+          </a:p>
+          <a:p>
+            <a:r>
+              <a:rPr lang="ja-JP" altLang="en-US" b="1" dirty="0"/>
+              <a:t>ステップ実行モード（同期モード）</a:t>
+            </a:r>
+            <a:r>
+              <a:rPr lang="en-US" altLang="ja-JP" dirty="0"/>
+              <a:t>: </a:t>
+            </a:r>
+          </a:p>
+          <a:p>
+            <a:pPr lvl="1"/>
+            <a:r>
+              <a:rPr lang="en-US" altLang="ja-JP" dirty="0"/>
+              <a:t>Python</a:t>
+            </a:r>
+            <a:r>
+              <a:rPr lang="ja-JP" altLang="en-US" dirty="0"/>
+              <a:t>スクリプトと</a:t>
+            </a:r>
+            <a:r>
+              <a:rPr lang="en-US" altLang="ja-JP" dirty="0" err="1"/>
+              <a:t>CoppeliaSim</a:t>
+            </a:r>
+            <a:r>
+              <a:rPr lang="ja-JP" altLang="en-US" dirty="0"/>
+              <a:t>のシミュレーションステップを</a:t>
+            </a:r>
+            <a:br>
+              <a:rPr lang="en-US" altLang="ja-JP" dirty="0"/>
+            </a:br>
+            <a:r>
+              <a:rPr lang="ja-JP" altLang="en-US" dirty="0"/>
+              <a:t>厳密に同期させ、制御ループの各段階でシミュレーションの状態を正確に把握・操作可能</a:t>
+            </a:r>
+            <a:endParaRPr lang="en-US" altLang="ja-JP" dirty="0"/>
+          </a:p>
+          <a:p>
+            <a:r>
+              <a:rPr lang="ja-JP" altLang="en-US" b="1" dirty="0"/>
+              <a:t>シミュレータ自体のリモート制御</a:t>
+            </a:r>
+            <a:r>
+              <a:rPr lang="en-US" altLang="ja-JP" dirty="0"/>
+              <a:t>: </a:t>
+            </a:r>
+          </a:p>
+          <a:p>
+            <a:pPr lvl="1"/>
+            <a:r>
+              <a:rPr lang="ja-JP" altLang="en-US" dirty="0"/>
+              <a:t>シーンファイルのロード、シミュレーションの開始・一時停止・</a:t>
+            </a:r>
+            <a:br>
+              <a:rPr lang="en-US" altLang="ja-JP" dirty="0"/>
+            </a:br>
+            <a:r>
+              <a:rPr lang="ja-JP" altLang="en-US" dirty="0"/>
+              <a:t>停止といった、シミュレータ全体の操作も</a:t>
+            </a:r>
+            <a:r>
+              <a:rPr lang="en-US" altLang="ja-JP" dirty="0"/>
+              <a:t>Python</a:t>
+            </a:r>
+            <a:r>
+              <a:rPr lang="ja-JP" altLang="en-US" dirty="0"/>
+              <a:t>から行える</a:t>
+            </a:r>
+            <a:endParaRPr kumimoji="1" lang="en-US" altLang="ja-JP" dirty="0"/>
+          </a:p>
+          <a:p>
+            <a:r>
+              <a:rPr lang="ja-JP" altLang="en-US" b="1" dirty="0"/>
+              <a:t>コミュニティとサポート</a:t>
+            </a:r>
+            <a:r>
+              <a:rPr lang="en-US" altLang="ja-JP" b="1" dirty="0"/>
+              <a:t>:</a:t>
+            </a:r>
+          </a:p>
+          <a:p>
+            <a:pPr lvl="1"/>
+            <a:r>
+              <a:rPr lang="en-US" altLang="ja-JP" dirty="0" err="1"/>
+              <a:t>CoppeliaSim</a:t>
+            </a:r>
+            <a:r>
+              <a:rPr lang="ja-JP" altLang="en-US" dirty="0"/>
+              <a:t>の開発元は、</a:t>
+            </a:r>
+            <a:r>
+              <a:rPr lang="en-US" altLang="ja-JP" dirty="0" err="1"/>
+              <a:t>ZeroMQ</a:t>
+            </a:r>
+            <a:r>
+              <a:rPr lang="en-US" altLang="ja-JP" dirty="0"/>
+              <a:t> Remote API</a:t>
+            </a:r>
+            <a:r>
+              <a:rPr lang="ja-JP" altLang="en-US" dirty="0"/>
+              <a:t>を積極的に推奨し、そのためのドキュメントやサンプルコードを充実させている．</a:t>
+            </a:r>
+            <a:endParaRPr kumimoji="1" lang="ja-JP" altLang="en-US" dirty="0"/>
+          </a:p>
+        </p:txBody>
+      </p:sp>
+      <p:sp>
+        <p:nvSpPr>
+          <p:cNvPr id="4" name="スライド番号プレースホルダー 3">
+            <a:extLst>
+              <a:ext uri="{FF2B5EF4-FFF2-40B4-BE49-F238E27FC236}">
+                <a16:creationId xmlns:a16="http://schemas.microsoft.com/office/drawing/2014/main" id="{C1C58ACC-587A-DA47-5030-C84B21929019}"/>
+              </a:ext>
+            </a:extLst>
+          </p:cNvPr>
+          <p:cNvSpPr>
+            <a:spLocks noGrp="1"/>
+          </p:cNvSpPr>
+          <p:nvPr>
+            <p:ph type="sldNum" sz="quarter" idx="12"/>
+          </p:nvPr>
+        </p:nvSpPr>
+        <p:spPr/>
+        <p:txBody>
+          <a:bodyPr/>
+          <a:lstStyle/>
+          <a:p>
+            <a:fld id="{55407BB7-92F5-4977-AA44-396FA1CF315E}" type="slidenum">
+              <a:rPr kumimoji="1" lang="ja-JP" altLang="en-US" smtClean="0"/>
+              <a:pPr/>
+              <a:t>21</a:t>
+            </a:fld>
+            <a:endParaRPr kumimoji="1" lang="ja-JP" altLang="en-US" dirty="0"/>
+          </a:p>
+        </p:txBody>
+      </p:sp>
+    </p:spTree>
+    <p:extLst>
+      <p:ext uri="{BB962C8B-B14F-4D97-AF65-F5344CB8AC3E}">
+        <p14:creationId xmlns:p14="http://schemas.microsoft.com/office/powerpoint/2010/main" val="1970911080"/>
+      </p:ext>
+    </p:extLst>
+  </p:cSld>
+  <p:clrMapOvr>
+    <a:masterClrMapping/>
+  </p:clrMapOvr>
+</p:sld>
+</file>
+
+<file path=ppt/slides/slide23.xml><?xml version="1.0" encoding="utf-8"?>
+<p:sld xmlns:a="http://schemas.openxmlformats.org/drawingml/2006/main" xmlns:r="http://schemas.openxmlformats.org/officeDocument/2006/relationships" xmlns:p="http://schemas.openxmlformats.org/presentationml/2006/main">
+  <p:cSld>
+    <p:spTree>
+      <p:nvGrpSpPr>
+        <p:cNvPr id="1" name=""/>
+        <p:cNvGrpSpPr/>
+        <p:nvPr/>
+      </p:nvGrpSpPr>
+      <p:grpSpPr>
+        <a:xfrm>
+          <a:off x="0" y="0"/>
+          <a:ext cx="0" cy="0"/>
+          <a:chOff x="0" y="0"/>
+          <a:chExt cx="0" cy="0"/>
+        </a:xfrm>
+      </p:grpSpPr>
+      <p:sp>
+        <p:nvSpPr>
+          <p:cNvPr id="2" name="タイトル 1">
+            <a:extLst>
+              <a:ext uri="{FF2B5EF4-FFF2-40B4-BE49-F238E27FC236}">
                 <a16:creationId xmlns:a16="http://schemas.microsoft.com/office/drawing/2014/main" id="{1AEF5D16-5FCC-B2A4-F67B-510A3A1BBCE9}"/>
               </a:ext>
             </a:extLst>
@@ -9548,7 +9712,7 @@
                   <a:spcPts val="600"/>
                 </a:spcAft>
               </a:pPr>
-              <a:t>21</a:t>
+              <a:t>22</a:t>
             </a:fld>
             <a:endParaRPr kumimoji="1" lang="ja-JP" altLang="en-US" sz="1900"/>
           </a:p>
@@ -10627,196 +10791,6 @@
 </p:sld>
 </file>
 
-<file path=ppt/slides/slide23.xml><?xml version="1.0" encoding="utf-8"?>
-<p:sld xmlns:a="http://schemas.openxmlformats.org/drawingml/2006/main" xmlns:r="http://schemas.openxmlformats.org/officeDocument/2006/relationships" xmlns:p="http://schemas.openxmlformats.org/presentationml/2006/main">
-  <p:cSld>
-    <p:spTree>
-      <p:nvGrpSpPr>
-        <p:cNvPr id="1" name=""/>
-        <p:cNvGrpSpPr/>
-        <p:nvPr/>
-      </p:nvGrpSpPr>
-      <p:grpSpPr>
-        <a:xfrm>
-          <a:off x="0" y="0"/>
-          <a:ext cx="0" cy="0"/>
-          <a:chOff x="0" y="0"/>
-          <a:chExt cx="0" cy="0"/>
-        </a:xfrm>
-      </p:grpSpPr>
-      <p:sp>
-        <p:nvSpPr>
-          <p:cNvPr id="2" name="タイトル 1">
-            <a:extLst>
-              <a:ext uri="{FF2B5EF4-FFF2-40B4-BE49-F238E27FC236}">
-                <a16:creationId xmlns:a16="http://schemas.microsoft.com/office/drawing/2014/main" id="{2050BE79-B88F-FF8B-6BA5-D26B97DBDD5A}"/>
-              </a:ext>
-            </a:extLst>
-          </p:cNvPr>
-          <p:cNvSpPr>
-            <a:spLocks noGrp="1"/>
-          </p:cNvSpPr>
-          <p:nvPr>
-            <p:ph type="title"/>
-          </p:nvPr>
-        </p:nvSpPr>
-        <p:spPr/>
-        <p:txBody>
-          <a:bodyPr/>
-          <a:lstStyle/>
-          <a:p>
-            <a:r>
-              <a:rPr kumimoji="1" lang="ja-JP" altLang="en-US" dirty="0"/>
-              <a:t>目次</a:t>
-            </a:r>
-          </a:p>
-        </p:txBody>
-      </p:sp>
-      <p:sp>
-        <p:nvSpPr>
-          <p:cNvPr id="3" name="コンテンツ プレースホルダー 2">
-            <a:extLst>
-              <a:ext uri="{FF2B5EF4-FFF2-40B4-BE49-F238E27FC236}">
-                <a16:creationId xmlns:a16="http://schemas.microsoft.com/office/drawing/2014/main" id="{B65B5EFB-27E8-7C48-B344-8691626E7FC9}"/>
-              </a:ext>
-            </a:extLst>
-          </p:cNvPr>
-          <p:cNvSpPr>
-            <a:spLocks noGrp="1"/>
-          </p:cNvSpPr>
-          <p:nvPr>
-            <p:ph idx="1"/>
-          </p:nvPr>
-        </p:nvSpPr>
-        <p:spPr/>
-        <p:txBody>
-          <a:bodyPr/>
-          <a:lstStyle/>
-          <a:p>
-            <a:r>
-              <a:rPr kumimoji="1" lang="ja-JP" altLang="en-US" dirty="0"/>
-              <a:t>研究テーマについて</a:t>
-            </a:r>
-            <a:endParaRPr kumimoji="1" lang="en-US" altLang="ja-JP" dirty="0"/>
-          </a:p>
-          <a:p>
-            <a:r>
-              <a:rPr lang="ja-JP" altLang="en-US" dirty="0"/>
-              <a:t>これまで取り組んだこと</a:t>
-            </a:r>
-            <a:endParaRPr lang="en-US" altLang="ja-JP" dirty="0"/>
-          </a:p>
-          <a:p>
-            <a:pPr lvl="1"/>
-            <a:r>
-              <a:rPr lang="en-US" altLang="ja-JP" dirty="0"/>
-              <a:t>LOS</a:t>
-            </a:r>
-            <a:r>
-              <a:rPr lang="ja-JP" altLang="en-US" dirty="0"/>
-              <a:t>に基づくリーダ・フォロワ制御の解析</a:t>
-            </a:r>
-            <a:endParaRPr lang="en-US" altLang="ja-JP" dirty="0"/>
-          </a:p>
-          <a:p>
-            <a:pPr lvl="1"/>
-            <a:r>
-              <a:rPr lang="en-US" altLang="ja-JP" dirty="0"/>
-              <a:t>LOS</a:t>
-            </a:r>
-            <a:r>
-              <a:rPr lang="ja-JP" altLang="en-US" dirty="0"/>
-              <a:t>に基づくリーダ・フォロワ制御の追試</a:t>
-            </a:r>
-            <a:endParaRPr lang="en-US" altLang="ja-JP" dirty="0"/>
-          </a:p>
-          <a:p>
-            <a:pPr lvl="1"/>
-            <a:r>
-              <a:rPr lang="en-US" altLang="ja-JP" dirty="0"/>
-              <a:t>Python</a:t>
-            </a:r>
-            <a:r>
-              <a:rPr lang="ja-JP" altLang="en-US" dirty="0"/>
-              <a:t>仮想環境の技術調査</a:t>
-            </a:r>
-            <a:endParaRPr lang="en-US" altLang="ja-JP" dirty="0"/>
-          </a:p>
-          <a:p>
-            <a:pPr lvl="1"/>
-            <a:r>
-              <a:rPr lang="en-US" altLang="ja-JP" dirty="0"/>
-              <a:t>Python +</a:t>
-            </a:r>
-            <a:r>
-              <a:rPr lang="en-US" altLang="ja-JP" dirty="0" err="1"/>
-              <a:t>CoppeliaSim</a:t>
-            </a:r>
-            <a:r>
-              <a:rPr lang="ja-JP" altLang="en-US" dirty="0"/>
-              <a:t>の技術調査</a:t>
-            </a:r>
-            <a:endParaRPr lang="en-US" altLang="ja-JP" dirty="0"/>
-          </a:p>
-          <a:p>
-            <a:r>
-              <a:rPr kumimoji="1" lang="ja-JP" altLang="en-US" dirty="0"/>
-              <a:t>課題</a:t>
-            </a:r>
-            <a:endParaRPr kumimoji="1" lang="en-US" altLang="ja-JP" dirty="0"/>
-          </a:p>
-          <a:p>
-            <a:r>
-              <a:rPr lang="ja-JP" altLang="en-US" dirty="0"/>
-              <a:t>今後の方針</a:t>
-            </a:r>
-            <a:endParaRPr kumimoji="1" lang="ja-JP" altLang="en-US" dirty="0"/>
-          </a:p>
-        </p:txBody>
-      </p:sp>
-      <p:sp>
-        <p:nvSpPr>
-          <p:cNvPr id="4" name="スライド番号プレースホルダー 3">
-            <a:extLst>
-              <a:ext uri="{FF2B5EF4-FFF2-40B4-BE49-F238E27FC236}">
-                <a16:creationId xmlns:a16="http://schemas.microsoft.com/office/drawing/2014/main" id="{FC33E576-600A-683F-DC96-8544A310B7BF}"/>
-              </a:ext>
-            </a:extLst>
-          </p:cNvPr>
-          <p:cNvSpPr>
-            <a:spLocks noGrp="1"/>
-          </p:cNvSpPr>
-          <p:nvPr>
-            <p:ph type="sldNum" sz="quarter" idx="12"/>
-          </p:nvPr>
-        </p:nvSpPr>
-        <p:spPr/>
-        <p:txBody>
-          <a:bodyPr/>
-          <a:lstStyle/>
-          <a:p>
-            <a:fld id="{55407BB7-92F5-4977-AA44-396FA1CF315E}" type="slidenum">
-              <a:rPr kumimoji="1" lang="ja-JP" altLang="en-US" smtClean="0"/>
-              <a:pPr/>
-              <a:t>22</a:t>
-            </a:fld>
-            <a:endParaRPr kumimoji="1" lang="ja-JP" altLang="en-US" dirty="0"/>
-          </a:p>
-        </p:txBody>
-      </p:sp>
-    </p:spTree>
-    <p:extLst>
-      <p:ext uri="{BB962C8B-B14F-4D97-AF65-F5344CB8AC3E}">
-        <p14:creationId xmlns:p14="http://schemas.microsoft.com/office/powerpoint/2010/main" val="2399987983"/>
-      </p:ext>
-    </p:extLst>
-  </p:cSld>
-  <p:clrMapOvr>
-    <a:masterClrMapping/>
-  </p:clrMapOvr>
-</p:sld>
-</file>
-
 <file path=ppt/slides/slide24.xml><?xml version="1.0" encoding="utf-8"?>
 <p:sld xmlns:a="http://schemas.openxmlformats.org/drawingml/2006/main" xmlns:r="http://schemas.openxmlformats.org/officeDocument/2006/relationships" xmlns:p="http://schemas.openxmlformats.org/presentationml/2006/main">
   <p:cSld>
@@ -10839,7 +10813,7 @@
           <p:cNvPr id="2" name="タイトル 1">
             <a:extLst>
               <a:ext uri="{FF2B5EF4-FFF2-40B4-BE49-F238E27FC236}">
-                <a16:creationId xmlns:a16="http://schemas.microsoft.com/office/drawing/2014/main" id="{1AEF5D16-5FCC-B2A4-F67B-510A3A1BBCE9}"/>
+                <a16:creationId xmlns:a16="http://schemas.microsoft.com/office/drawing/2014/main" id="{2050BE79-B88F-FF8B-6BA5-D26B97DBDD5A}"/>
               </a:ext>
             </a:extLst>
           </p:cNvPr>
@@ -10857,7 +10831,7 @@
           <a:p>
             <a:r>
               <a:rPr kumimoji="1" lang="ja-JP" altLang="en-US" dirty="0"/>
-              <a:t>課題</a:t>
+              <a:t>目次</a:t>
             </a:r>
           </a:p>
         </p:txBody>
@@ -10867,7 +10841,7 @@
           <p:cNvPr id="3" name="コンテンツ プレースホルダー 2">
             <a:extLst>
               <a:ext uri="{FF2B5EF4-FFF2-40B4-BE49-F238E27FC236}">
-                <a16:creationId xmlns:a16="http://schemas.microsoft.com/office/drawing/2014/main" id="{54854C22-392E-2B26-714C-9F55D2C0D94F}"/>
+                <a16:creationId xmlns:a16="http://schemas.microsoft.com/office/drawing/2014/main" id="{B65B5EFB-27E8-7C48-B344-8691626E7FC9}"/>
               </a:ext>
             </a:extLst>
           </p:cNvPr>
@@ -10885,41 +10859,81 @@
           <a:p>
             <a:r>
               <a:rPr kumimoji="1" lang="ja-JP" altLang="en-US" dirty="0"/>
-              <a:t>本研究テーマの要件はシミュレーション環境が</a:t>
-            </a:r>
-            <a:r>
-              <a:rPr kumimoji="1" lang="en-US" altLang="ja-JP" dirty="0" err="1"/>
+              <a:t>研究テーマについて</a:t>
+            </a:r>
+            <a:endParaRPr kumimoji="1" lang="en-US" altLang="ja-JP" dirty="0"/>
+          </a:p>
+          <a:p>
+            <a:r>
+              <a:rPr lang="ja-JP" altLang="en-US" dirty="0"/>
+              <a:t>これまで取り組んだこと</a:t>
+            </a:r>
+            <a:endParaRPr lang="en-US" altLang="ja-JP" dirty="0"/>
+          </a:p>
+          <a:p>
+            <a:pPr lvl="1"/>
+            <a:r>
+              <a:rPr lang="en-US" altLang="ja-JP" dirty="0"/>
+              <a:t>LOS</a:t>
+            </a:r>
+            <a:r>
+              <a:rPr lang="ja-JP" altLang="en-US" dirty="0"/>
+              <a:t>に基づくリーダ・フォロワ制御の解析</a:t>
+            </a:r>
+            <a:endParaRPr lang="en-US" altLang="ja-JP" dirty="0"/>
+          </a:p>
+          <a:p>
+            <a:pPr lvl="1"/>
+            <a:r>
+              <a:rPr lang="en-US" altLang="ja-JP" dirty="0"/>
+              <a:t>LOS</a:t>
+            </a:r>
+            <a:r>
+              <a:rPr lang="ja-JP" altLang="en-US" dirty="0"/>
+              <a:t>に基づくリーダ・フォロワ制御の追試</a:t>
+            </a:r>
+            <a:endParaRPr lang="en-US" altLang="ja-JP" dirty="0"/>
+          </a:p>
+          <a:p>
+            <a:pPr lvl="1"/>
+            <a:r>
+              <a:rPr lang="en-US" altLang="ja-JP" dirty="0"/>
+              <a:t>Python</a:t>
+            </a:r>
+            <a:r>
+              <a:rPr lang="ja-JP" altLang="en-US" dirty="0"/>
+              <a:t>仮想環境の技術調査</a:t>
+            </a:r>
+            <a:endParaRPr lang="en-US" altLang="ja-JP" dirty="0"/>
+          </a:p>
+          <a:p>
+            <a:pPr lvl="1"/>
+            <a:r>
+              <a:rPr lang="en-US" altLang="ja-JP" dirty="0"/>
+              <a:t>Python +</a:t>
+            </a:r>
+            <a:r>
+              <a:rPr lang="en-US" altLang="ja-JP" dirty="0" err="1"/>
               <a:t>CoppeliaSim</a:t>
             </a:r>
-            <a:br>
-              <a:rPr kumimoji="1" lang="en-US" altLang="ja-JP" dirty="0"/>
-            </a:br>
+            <a:r>
+              <a:rPr lang="ja-JP" altLang="en-US" dirty="0"/>
+              <a:t>の技術調査</a:t>
+            </a:r>
+            <a:endParaRPr lang="en-US" altLang="ja-JP" dirty="0"/>
+          </a:p>
+          <a:p>
             <a:r>
               <a:rPr kumimoji="1" lang="ja-JP" altLang="en-US" dirty="0"/>
-              <a:t>ではなく</a:t>
-            </a:r>
-            <a:r>
-              <a:rPr kumimoji="1" lang="en-US" altLang="ja-JP" dirty="0"/>
-              <a:t>NVIDIA</a:t>
-            </a:r>
-            <a:r>
-              <a:rPr kumimoji="1" lang="ja-JP" altLang="en-US" dirty="0"/>
-              <a:t>の</a:t>
-            </a:r>
-            <a:r>
-              <a:rPr kumimoji="1" lang="en-US" altLang="ja-JP" dirty="0" err="1"/>
-              <a:t>IssacSim</a:t>
-            </a:r>
-            <a:r>
-              <a:rPr kumimoji="1" lang="ja-JP" altLang="en-US" dirty="0"/>
-              <a:t>となっている</a:t>
+              <a:t>課題</a:t>
             </a:r>
             <a:endParaRPr kumimoji="1" lang="en-US" altLang="ja-JP" dirty="0"/>
           </a:p>
           <a:p>
-            <a:endParaRPr lang="en-US" altLang="ja-JP" dirty="0"/>
-          </a:p>
-          <a:p>
+            <a:r>
+              <a:rPr lang="ja-JP" altLang="en-US" dirty="0"/>
+              <a:t>今後の方針</a:t>
+            </a:r>
             <a:endParaRPr kumimoji="1" lang="ja-JP" altLang="en-US" dirty="0"/>
           </a:p>
         </p:txBody>
@@ -10929,7 +10943,7 @@
           <p:cNvPr id="4" name="スライド番号プレースホルダー 3">
             <a:extLst>
               <a:ext uri="{FF2B5EF4-FFF2-40B4-BE49-F238E27FC236}">
-                <a16:creationId xmlns:a16="http://schemas.microsoft.com/office/drawing/2014/main" id="{0CA60427-E916-EDE6-D32A-7C344F27AEE6}"/>
+                <a16:creationId xmlns:a16="http://schemas.microsoft.com/office/drawing/2014/main" id="{FC33E576-600A-683F-DC96-8544A310B7BF}"/>
               </a:ext>
             </a:extLst>
           </p:cNvPr>
@@ -10954,35 +10968,10 @@
           </a:p>
         </p:txBody>
       </p:sp>
-      <p:sp>
-        <p:nvSpPr>
-          <p:cNvPr id="5" name="テキスト プレースホルダー 4">
-            <a:extLst>
-              <a:ext uri="{FF2B5EF4-FFF2-40B4-BE49-F238E27FC236}">
-                <a16:creationId xmlns:a16="http://schemas.microsoft.com/office/drawing/2014/main" id="{AD375B24-F18B-DD73-CB77-0A05C59A634D}"/>
-              </a:ext>
-            </a:extLst>
-          </p:cNvPr>
-          <p:cNvSpPr>
-            <a:spLocks noGrp="1"/>
-          </p:cNvSpPr>
-          <p:nvPr>
-            <p:ph type="body" sz="quarter" idx="13"/>
-          </p:nvPr>
-        </p:nvSpPr>
-        <p:spPr/>
-        <p:txBody>
-          <a:bodyPr/>
-          <a:lstStyle/>
-          <a:p>
-            <a:endParaRPr kumimoji="1" lang="ja-JP" altLang="en-US" dirty="0"/>
-          </a:p>
-        </p:txBody>
-      </p:sp>
     </p:spTree>
     <p:extLst>
       <p:ext uri="{BB962C8B-B14F-4D97-AF65-F5344CB8AC3E}">
-        <p14:creationId xmlns:p14="http://schemas.microsoft.com/office/powerpoint/2010/main" val="2686100178"/>
+        <p14:creationId xmlns:p14="http://schemas.microsoft.com/office/powerpoint/2010/main" val="2399987983"/>
       </p:ext>
     </p:extLst>
   </p:cSld>
@@ -11014,7 +11003,7 @@
           <p:cNvPr id="2" name="タイトル 1">
             <a:extLst>
               <a:ext uri="{FF2B5EF4-FFF2-40B4-BE49-F238E27FC236}">
-                <a16:creationId xmlns:a16="http://schemas.microsoft.com/office/drawing/2014/main" id="{2050BE79-B88F-FF8B-6BA5-D26B97DBDD5A}"/>
+                <a16:creationId xmlns:a16="http://schemas.microsoft.com/office/drawing/2014/main" id="{1AEF5D16-5FCC-B2A4-F67B-510A3A1BBCE9}"/>
               </a:ext>
             </a:extLst>
           </p:cNvPr>
@@ -11032,7 +11021,7 @@
           <a:p>
             <a:r>
               <a:rPr kumimoji="1" lang="ja-JP" altLang="en-US" dirty="0"/>
-              <a:t>目次</a:t>
+              <a:t>課題</a:t>
             </a:r>
           </a:p>
         </p:txBody>
@@ -11042,7 +11031,7 @@
           <p:cNvPr id="3" name="コンテンツ プレースホルダー 2">
             <a:extLst>
               <a:ext uri="{FF2B5EF4-FFF2-40B4-BE49-F238E27FC236}">
-                <a16:creationId xmlns:a16="http://schemas.microsoft.com/office/drawing/2014/main" id="{B65B5EFB-27E8-7C48-B344-8691626E7FC9}"/>
+                <a16:creationId xmlns:a16="http://schemas.microsoft.com/office/drawing/2014/main" id="{54854C22-392E-2B26-714C-9F55D2C0D94F}"/>
               </a:ext>
             </a:extLst>
           </p:cNvPr>
@@ -11060,82 +11049,78 @@
           <a:p>
             <a:r>
               <a:rPr kumimoji="1" lang="ja-JP" altLang="en-US" dirty="0"/>
-              <a:t>研究テーマについて</a:t>
+              <a:t>本研究テーマの要件はシミュレーション環境が</a:t>
+            </a:r>
+            <a:r>
+              <a:rPr kumimoji="1" lang="en-US" altLang="ja-JP" dirty="0" err="1"/>
+              <a:t>CoppeliaSim</a:t>
+            </a:r>
+            <a:br>
+              <a:rPr kumimoji="1" lang="en-US" altLang="ja-JP" dirty="0"/>
+            </a:br>
+            <a:r>
+              <a:rPr kumimoji="1" lang="ja-JP" altLang="en-US" dirty="0"/>
+              <a:t>ではなく</a:t>
+            </a:r>
+            <a:r>
+              <a:rPr kumimoji="1" lang="en-US" altLang="ja-JP" dirty="0"/>
+              <a:t>NVIDIA</a:t>
+            </a:r>
+            <a:r>
+              <a:rPr kumimoji="1" lang="ja-JP" altLang="en-US" dirty="0"/>
+              <a:t>の</a:t>
+            </a:r>
+            <a:r>
+              <a:rPr kumimoji="1" lang="en-US" altLang="ja-JP" dirty="0" err="1"/>
+              <a:t>IssacSim</a:t>
+            </a:r>
+            <a:r>
+              <a:rPr kumimoji="1" lang="ja-JP" altLang="en-US" dirty="0"/>
+              <a:t>となっている</a:t>
             </a:r>
             <a:endParaRPr kumimoji="1" lang="en-US" altLang="ja-JP" dirty="0"/>
           </a:p>
           <a:p>
+            <a:endParaRPr lang="en-US" altLang="ja-JP" dirty="0"/>
+          </a:p>
+          <a:p>
             <a:r>
               <a:rPr lang="ja-JP" altLang="en-US" dirty="0"/>
-              <a:t>これまで取り組んだこと</a:t>
-            </a:r>
-            <a:endParaRPr lang="en-US" altLang="ja-JP" dirty="0"/>
-          </a:p>
-          <a:p>
-            <a:pPr lvl="1"/>
+              <a:t>非</a:t>
+            </a:r>
+            <a:r>
+              <a:rPr lang="en-US" altLang="ja-JP" dirty="0"/>
+              <a:t>GNSS</a:t>
+            </a:r>
+            <a:r>
+              <a:rPr lang="ja-JP" altLang="en-US" dirty="0"/>
+              <a:t>環境を想定する場合，先に紹介した</a:t>
+            </a:r>
             <a:r>
               <a:rPr lang="en-US" altLang="ja-JP" dirty="0"/>
               <a:t>LOS</a:t>
             </a:r>
             <a:r>
               <a:rPr lang="ja-JP" altLang="en-US" dirty="0"/>
-              <a:t>に基づくリーダ・フォロワ制御の解析</a:t>
+              <a:t>による</a:t>
+            </a:r>
+            <a:br>
+              <a:rPr lang="en-US" altLang="ja-JP" dirty="0"/>
+            </a:br>
+            <a:r>
+              <a:rPr lang="ja-JP" altLang="en-US" dirty="0"/>
+              <a:t>フォーメーション制御では，リーダ機とフォロワ機の座標取得法や自律制御について考慮が不十分</a:t>
             </a:r>
             <a:endParaRPr lang="en-US" altLang="ja-JP" dirty="0"/>
           </a:p>
           <a:p>
-            <a:pPr lvl="1"/>
-            <a:r>
-              <a:rPr lang="en-US" altLang="ja-JP" dirty="0"/>
-              <a:t>LOS</a:t>
-            </a:r>
-            <a:r>
-              <a:rPr lang="ja-JP" altLang="en-US" dirty="0"/>
-              <a:t>に基づくリーダ・フォロワ制御の追試</a:t>
-            </a:r>
-            <a:endParaRPr lang="en-US" altLang="ja-JP" dirty="0"/>
-          </a:p>
-          <a:p>
-            <a:pPr lvl="1"/>
-            <a:r>
-              <a:rPr lang="en-US" altLang="ja-JP" dirty="0"/>
-              <a:t>Python</a:t>
-            </a:r>
-            <a:r>
-              <a:rPr lang="ja-JP" altLang="en-US" dirty="0"/>
-              <a:t>仮想環境の技術調査</a:t>
-            </a:r>
-            <a:endParaRPr lang="en-US" altLang="ja-JP" dirty="0"/>
-          </a:p>
-          <a:p>
-            <a:pPr lvl="1"/>
-            <a:r>
-              <a:rPr lang="en-US" altLang="ja-JP" dirty="0"/>
-              <a:t>Python +</a:t>
-            </a:r>
-            <a:r>
-              <a:rPr lang="en-US" altLang="ja-JP" dirty="0" err="1"/>
-              <a:t>CoppeliaSim</a:t>
-            </a:r>
-            <a:r>
-              <a:rPr lang="ja-JP" altLang="en-US" dirty="0"/>
-              <a:t>の技術調査</a:t>
-            </a:r>
-            <a:endParaRPr lang="en-US" altLang="ja-JP" dirty="0"/>
+            <a:endParaRPr kumimoji="1" lang="en-US" altLang="ja-JP" dirty="0"/>
           </a:p>
           <a:p>
             <a:r>
               <a:rPr kumimoji="1" lang="ja-JP" altLang="en-US" dirty="0"/>
-              <a:t>課題</a:t>
-            </a:r>
-            <a:endParaRPr kumimoji="1" lang="en-US" altLang="ja-JP" dirty="0"/>
-          </a:p>
-          <a:p>
-            <a:r>
-              <a:rPr lang="ja-JP" altLang="en-US" dirty="0"/>
-              <a:t>今後の方針</a:t>
-            </a:r>
-            <a:endParaRPr kumimoji="1" lang="ja-JP" altLang="en-US" dirty="0"/>
+              <a:t>実機実装を見据えた場合，よりロバストなシステムを構築する必要がある</a:t>
+            </a:r>
           </a:p>
         </p:txBody>
       </p:sp>
@@ -11144,7 +11129,7 @@
           <p:cNvPr id="4" name="スライド番号プレースホルダー 3">
             <a:extLst>
               <a:ext uri="{FF2B5EF4-FFF2-40B4-BE49-F238E27FC236}">
-                <a16:creationId xmlns:a16="http://schemas.microsoft.com/office/drawing/2014/main" id="{FC33E576-600A-683F-DC96-8544A310B7BF}"/>
+                <a16:creationId xmlns:a16="http://schemas.microsoft.com/office/drawing/2014/main" id="{0CA60427-E916-EDE6-D32A-7C344F27AEE6}"/>
               </a:ext>
             </a:extLst>
           </p:cNvPr>
@@ -11169,10 +11154,96 @@
           </a:p>
         </p:txBody>
       </p:sp>
+      <p:sp>
+        <p:nvSpPr>
+          <p:cNvPr id="5" name="テキスト プレースホルダー 4">
+            <a:extLst>
+              <a:ext uri="{FF2B5EF4-FFF2-40B4-BE49-F238E27FC236}">
+                <a16:creationId xmlns:a16="http://schemas.microsoft.com/office/drawing/2014/main" id="{AD375B24-F18B-DD73-CB77-0A05C59A634D}"/>
+              </a:ext>
+            </a:extLst>
+          </p:cNvPr>
+          <p:cNvSpPr>
+            <a:spLocks noGrp="1"/>
+          </p:cNvSpPr>
+          <p:nvPr>
+            <p:ph type="body" sz="quarter" idx="13"/>
+          </p:nvPr>
+        </p:nvSpPr>
+        <p:spPr/>
+        <p:txBody>
+          <a:bodyPr/>
+          <a:lstStyle/>
+          <a:p>
+            <a:r>
+              <a:rPr kumimoji="1" lang="ja-JP" altLang="en-US" b="1" dirty="0">
+                <a:solidFill>
+                  <a:schemeClr val="accent4"/>
+                </a:solidFill>
+              </a:rPr>
+              <a:t>別手法への転換と開発環境の移行が必要</a:t>
+            </a:r>
+          </a:p>
+        </p:txBody>
+      </p:sp>
+      <p:sp>
+        <p:nvSpPr>
+          <p:cNvPr id="6" name="四角形: 角を丸くする 5">
+            <a:extLst>
+              <a:ext uri="{FF2B5EF4-FFF2-40B4-BE49-F238E27FC236}">
+                <a16:creationId xmlns:a16="http://schemas.microsoft.com/office/drawing/2014/main" id="{42779087-B455-2955-42CE-07F13ABC982C}"/>
+              </a:ext>
+            </a:extLst>
+          </p:cNvPr>
+          <p:cNvSpPr/>
+          <p:nvPr/>
+        </p:nvSpPr>
+        <p:spPr>
+          <a:xfrm>
+            <a:off x="258158" y="5769113"/>
+            <a:ext cx="8625708" cy="914400"/>
+          </a:xfrm>
+          <a:prstGeom prst="roundRect">
+            <a:avLst/>
+          </a:prstGeom>
+          <a:noFill/>
+          <a:ln w="38100" cap="flat" cmpd="sng" algn="ctr">
+            <a:solidFill>
+              <a:schemeClr val="accent4"/>
+            </a:solidFill>
+            <a:prstDash val="solid"/>
+            <a:round/>
+            <a:headEnd type="none" w="med" len="med"/>
+            <a:tailEnd type="none" w="med" len="med"/>
+          </a:ln>
+        </p:spPr>
+        <p:style>
+          <a:lnRef idx="0">
+            <a:scrgbClr r="0" g="0" b="0"/>
+          </a:lnRef>
+          <a:fillRef idx="0">
+            <a:scrgbClr r="0" g="0" b="0"/>
+          </a:fillRef>
+          <a:effectRef idx="0">
+            <a:scrgbClr r="0" g="0" b="0"/>
+          </a:effectRef>
+          <a:fontRef idx="minor">
+            <a:schemeClr val="accent4"/>
+          </a:fontRef>
+        </p:style>
+        <p:txBody>
+          <a:bodyPr rtlCol="0" anchor="ctr"/>
+          <a:lstStyle/>
+          <a:p>
+            <a:pPr algn="ctr"/>
+            <a:endParaRPr kumimoji="1" lang="ja-JP" altLang="en-US"/>
+          </a:p>
+        </p:txBody>
+      </p:sp>
     </p:spTree>
     <p:extLst>
       <p:ext uri="{BB962C8B-B14F-4D97-AF65-F5344CB8AC3E}">
-        <p14:creationId xmlns:p14="http://schemas.microsoft.com/office/powerpoint/2010/main" val="4182858109"/>
+        <p14:creationId xmlns:p14="http://schemas.microsoft.com/office/powerpoint/2010/main" val="2686100178"/>
       </p:ext>
     </p:extLst>
   </p:cSld>
@@ -11204,6 +11275,196 @@
           <p:cNvPr id="2" name="タイトル 1">
             <a:extLst>
               <a:ext uri="{FF2B5EF4-FFF2-40B4-BE49-F238E27FC236}">
+                <a16:creationId xmlns:a16="http://schemas.microsoft.com/office/drawing/2014/main" id="{2050BE79-B88F-FF8B-6BA5-D26B97DBDD5A}"/>
+              </a:ext>
+            </a:extLst>
+          </p:cNvPr>
+          <p:cNvSpPr>
+            <a:spLocks noGrp="1"/>
+          </p:cNvSpPr>
+          <p:nvPr>
+            <p:ph type="title"/>
+          </p:nvPr>
+        </p:nvSpPr>
+        <p:spPr/>
+        <p:txBody>
+          <a:bodyPr/>
+          <a:lstStyle/>
+          <a:p>
+            <a:r>
+              <a:rPr kumimoji="1" lang="ja-JP" altLang="en-US" dirty="0"/>
+              <a:t>目次</a:t>
+            </a:r>
+          </a:p>
+        </p:txBody>
+      </p:sp>
+      <p:sp>
+        <p:nvSpPr>
+          <p:cNvPr id="3" name="コンテンツ プレースホルダー 2">
+            <a:extLst>
+              <a:ext uri="{FF2B5EF4-FFF2-40B4-BE49-F238E27FC236}">
+                <a16:creationId xmlns:a16="http://schemas.microsoft.com/office/drawing/2014/main" id="{B65B5EFB-27E8-7C48-B344-8691626E7FC9}"/>
+              </a:ext>
+            </a:extLst>
+          </p:cNvPr>
+          <p:cNvSpPr>
+            <a:spLocks noGrp="1"/>
+          </p:cNvSpPr>
+          <p:nvPr>
+            <p:ph idx="1"/>
+          </p:nvPr>
+        </p:nvSpPr>
+        <p:spPr/>
+        <p:txBody>
+          <a:bodyPr/>
+          <a:lstStyle/>
+          <a:p>
+            <a:r>
+              <a:rPr kumimoji="1" lang="ja-JP" altLang="en-US" dirty="0"/>
+              <a:t>研究テーマについて</a:t>
+            </a:r>
+            <a:endParaRPr kumimoji="1" lang="en-US" altLang="ja-JP" dirty="0"/>
+          </a:p>
+          <a:p>
+            <a:r>
+              <a:rPr lang="ja-JP" altLang="en-US" dirty="0"/>
+              <a:t>これまで取り組んだこと</a:t>
+            </a:r>
+            <a:endParaRPr lang="en-US" altLang="ja-JP" dirty="0"/>
+          </a:p>
+          <a:p>
+            <a:pPr lvl="1"/>
+            <a:r>
+              <a:rPr lang="en-US" altLang="ja-JP" dirty="0"/>
+              <a:t>LOS</a:t>
+            </a:r>
+            <a:r>
+              <a:rPr lang="ja-JP" altLang="en-US" dirty="0"/>
+              <a:t>に基づくリーダ・フォロワ制御の解析</a:t>
+            </a:r>
+            <a:endParaRPr lang="en-US" altLang="ja-JP" dirty="0"/>
+          </a:p>
+          <a:p>
+            <a:pPr lvl="1"/>
+            <a:r>
+              <a:rPr lang="en-US" altLang="ja-JP" dirty="0"/>
+              <a:t>LOS</a:t>
+            </a:r>
+            <a:r>
+              <a:rPr lang="ja-JP" altLang="en-US" dirty="0"/>
+              <a:t>に基づくリーダ・フォロワ制御の追試</a:t>
+            </a:r>
+            <a:endParaRPr lang="en-US" altLang="ja-JP" dirty="0"/>
+          </a:p>
+          <a:p>
+            <a:pPr lvl="1"/>
+            <a:r>
+              <a:rPr lang="en-US" altLang="ja-JP" dirty="0"/>
+              <a:t>Python</a:t>
+            </a:r>
+            <a:r>
+              <a:rPr lang="ja-JP" altLang="en-US" dirty="0"/>
+              <a:t>仮想環境の技術調査</a:t>
+            </a:r>
+            <a:endParaRPr lang="en-US" altLang="ja-JP" dirty="0"/>
+          </a:p>
+          <a:p>
+            <a:pPr lvl="1"/>
+            <a:r>
+              <a:rPr lang="en-US" altLang="ja-JP" dirty="0"/>
+              <a:t>Python +</a:t>
+            </a:r>
+            <a:r>
+              <a:rPr lang="en-US" altLang="ja-JP" dirty="0" err="1"/>
+              <a:t>CoppeliaSim</a:t>
+            </a:r>
+            <a:r>
+              <a:rPr lang="ja-JP" altLang="en-US" dirty="0"/>
+              <a:t>の技術調査</a:t>
+            </a:r>
+            <a:endParaRPr lang="en-US" altLang="ja-JP" dirty="0"/>
+          </a:p>
+          <a:p>
+            <a:r>
+              <a:rPr kumimoji="1" lang="ja-JP" altLang="en-US" dirty="0"/>
+              <a:t>課題</a:t>
+            </a:r>
+            <a:endParaRPr kumimoji="1" lang="en-US" altLang="ja-JP" dirty="0"/>
+          </a:p>
+          <a:p>
+            <a:r>
+              <a:rPr lang="ja-JP" altLang="en-US" dirty="0"/>
+              <a:t>今後の方針</a:t>
+            </a:r>
+            <a:endParaRPr kumimoji="1" lang="ja-JP" altLang="en-US" dirty="0"/>
+          </a:p>
+        </p:txBody>
+      </p:sp>
+      <p:sp>
+        <p:nvSpPr>
+          <p:cNvPr id="4" name="スライド番号プレースホルダー 3">
+            <a:extLst>
+              <a:ext uri="{FF2B5EF4-FFF2-40B4-BE49-F238E27FC236}">
+                <a16:creationId xmlns:a16="http://schemas.microsoft.com/office/drawing/2014/main" id="{FC33E576-600A-683F-DC96-8544A310B7BF}"/>
+              </a:ext>
+            </a:extLst>
+          </p:cNvPr>
+          <p:cNvSpPr>
+            <a:spLocks noGrp="1"/>
+          </p:cNvSpPr>
+          <p:nvPr>
+            <p:ph type="sldNum" sz="quarter" idx="12"/>
+          </p:nvPr>
+        </p:nvSpPr>
+        <p:spPr/>
+        <p:txBody>
+          <a:bodyPr/>
+          <a:lstStyle/>
+          <a:p>
+            <a:fld id="{55407BB7-92F5-4977-AA44-396FA1CF315E}" type="slidenum">
+              <a:rPr kumimoji="1" lang="ja-JP" altLang="en-US" smtClean="0"/>
+              <a:pPr/>
+              <a:t>25</a:t>
+            </a:fld>
+            <a:endParaRPr kumimoji="1" lang="ja-JP" altLang="en-US" dirty="0"/>
+          </a:p>
+        </p:txBody>
+      </p:sp>
+    </p:spTree>
+    <p:extLst>
+      <p:ext uri="{BB962C8B-B14F-4D97-AF65-F5344CB8AC3E}">
+        <p14:creationId xmlns:p14="http://schemas.microsoft.com/office/powerpoint/2010/main" val="4182858109"/>
+      </p:ext>
+    </p:extLst>
+  </p:cSld>
+  <p:clrMapOvr>
+    <a:masterClrMapping/>
+  </p:clrMapOvr>
+</p:sld>
+</file>
+
+<file path=ppt/slides/slide27.xml><?xml version="1.0" encoding="utf-8"?>
+<p:sld xmlns:a="http://schemas.openxmlformats.org/drawingml/2006/main" xmlns:r="http://schemas.openxmlformats.org/officeDocument/2006/relationships" xmlns:p="http://schemas.openxmlformats.org/presentationml/2006/main">
+  <p:cSld>
+    <p:spTree>
+      <p:nvGrpSpPr>
+        <p:cNvPr id="1" name=""/>
+        <p:cNvGrpSpPr/>
+        <p:nvPr/>
+      </p:nvGrpSpPr>
+      <p:grpSpPr>
+        <a:xfrm>
+          <a:off x="0" y="0"/>
+          <a:ext cx="0" cy="0"/>
+          <a:chOff x="0" y="0"/>
+          <a:chExt cx="0" cy="0"/>
+        </a:xfrm>
+      </p:grpSpPr>
+      <p:sp>
+        <p:nvSpPr>
+          <p:cNvPr id="2" name="タイトル 1">
+            <a:extLst>
+              <a:ext uri="{FF2B5EF4-FFF2-40B4-BE49-F238E27FC236}">
                 <a16:creationId xmlns:a16="http://schemas.microsoft.com/office/drawing/2014/main" id="{1F87813F-E456-B829-4307-FA5358BD8D93}"/>
               </a:ext>
             </a:extLst>
@@ -11276,7 +11537,7 @@
             <a:fld id="{55407BB7-92F5-4977-AA44-396FA1CF315E}" type="slidenum">
               <a:rPr kumimoji="1" lang="ja-JP" altLang="en-US" smtClean="0"/>
               <a:pPr/>
-              <a:t>25</a:t>
+              <a:t>26</a:t>
             </a:fld>
             <a:endParaRPr kumimoji="1" lang="ja-JP" altLang="en-US" dirty="0"/>
           </a:p>

--- a/森本皓斗.pptx
+++ b/森本皓斗.pptx
@@ -8950,7 +8950,10 @@
           <a:bodyPr/>
           <a:lstStyle/>
           <a:p>
-            <a:endParaRPr kumimoji="1" lang="ja-JP" altLang="en-US"/>
+            <a:r>
+              <a:rPr kumimoji="1" lang="ja-JP" altLang="en-US" dirty="0"/>
+              <a:t>仮想環境の構築方法</a:t>
+            </a:r>
           </a:p>
         </p:txBody>
       </p:sp>

--- a/森本皓斗.pptx
+++ b/森本皓斗.pptx
@@ -729,6 +729,101 @@
 </file>
 
 <file path=ppt/slideLayouts/slideLayout10.xml><?xml version="1.0" encoding="utf-8"?>
+<p:sldLayout xmlns:a="http://schemas.openxmlformats.org/drawingml/2006/main" xmlns:r="http://schemas.openxmlformats.org/officeDocument/2006/relationships" xmlns:p="http://schemas.openxmlformats.org/presentationml/2006/main" type="blank" preserve="1">
+  <p:cSld name="白紙">
+    <p:spTree>
+      <p:nvGrpSpPr>
+        <p:cNvPr id="1" name=""/>
+        <p:cNvGrpSpPr/>
+        <p:nvPr/>
+      </p:nvGrpSpPr>
+      <p:grpSpPr>
+        <a:xfrm>
+          <a:off x="0" y="0"/>
+          <a:ext cx="0" cy="0"/>
+          <a:chOff x="0" y="0"/>
+          <a:chExt cx="0" cy="0"/>
+        </a:xfrm>
+      </p:grpSpPr>
+      <p:sp>
+        <p:nvSpPr>
+          <p:cNvPr id="2" name="Date Placeholder 1"/>
+          <p:cNvSpPr>
+            <a:spLocks noGrp="1"/>
+          </p:cNvSpPr>
+          <p:nvPr>
+            <p:ph type="dt" sz="half" idx="10"/>
+          </p:nvPr>
+        </p:nvSpPr>
+        <p:spPr/>
+        <p:txBody>
+          <a:bodyPr/>
+          <a:lstStyle/>
+          <a:p>
+            <a:fld id="{AED794AB-D91E-402F-B407-587A4C29DC8B}" type="datetimeFigureOut">
+              <a:rPr kumimoji="1" lang="ja-JP" altLang="en-US" smtClean="0"/>
+              <a:t>2025/6/18</a:t>
+            </a:fld>
+            <a:endParaRPr kumimoji="1" lang="ja-JP" altLang="en-US"/>
+          </a:p>
+        </p:txBody>
+      </p:sp>
+      <p:sp>
+        <p:nvSpPr>
+          <p:cNvPr id="3" name="Footer Placeholder 2"/>
+          <p:cNvSpPr>
+            <a:spLocks noGrp="1"/>
+          </p:cNvSpPr>
+          <p:nvPr>
+            <p:ph type="ftr" sz="quarter" idx="11"/>
+          </p:nvPr>
+        </p:nvSpPr>
+        <p:spPr/>
+        <p:txBody>
+          <a:bodyPr/>
+          <a:lstStyle/>
+          <a:p>
+            <a:endParaRPr kumimoji="1" lang="ja-JP" altLang="en-US"/>
+          </a:p>
+        </p:txBody>
+      </p:sp>
+      <p:sp>
+        <p:nvSpPr>
+          <p:cNvPr id="4" name="Slide Number Placeholder 3"/>
+          <p:cNvSpPr>
+            <a:spLocks noGrp="1"/>
+          </p:cNvSpPr>
+          <p:nvPr>
+            <p:ph type="sldNum" sz="quarter" idx="12"/>
+          </p:nvPr>
+        </p:nvSpPr>
+        <p:spPr/>
+        <p:txBody>
+          <a:bodyPr/>
+          <a:lstStyle/>
+          <a:p>
+            <a:fld id="{55407BB7-92F5-4977-AA44-396FA1CF315E}" type="slidenum">
+              <a:rPr kumimoji="1" lang="ja-JP" altLang="en-US" smtClean="0"/>
+              <a:t>‹#›</a:t>
+            </a:fld>
+            <a:endParaRPr kumimoji="1" lang="ja-JP" altLang="en-US"/>
+          </a:p>
+        </p:txBody>
+      </p:sp>
+    </p:spTree>
+    <p:extLst>
+      <p:ext uri="{BB962C8B-B14F-4D97-AF65-F5344CB8AC3E}">
+        <p14:creationId xmlns:p14="http://schemas.microsoft.com/office/powerpoint/2010/main" val="3259224397"/>
+      </p:ext>
+    </p:extLst>
+  </p:cSld>
+  <p:clrMapOvr>
+    <a:masterClrMapping/>
+  </p:clrMapOvr>
+</p:sldLayout>
+</file>
+
+<file path=ppt/slideLayouts/slideLayout11.xml><?xml version="1.0" encoding="utf-8"?>
 <p:sldLayout xmlns:a="http://schemas.openxmlformats.org/drawingml/2006/main" xmlns:r="http://schemas.openxmlformats.org/officeDocument/2006/relationships" xmlns:p="http://schemas.openxmlformats.org/presentationml/2006/main" type="objTx" preserve="1">
   <p:cSld name="タイトル付きのコンテンツ">
     <p:spTree>
@@ -1037,7 +1132,7 @@
 </p:sldLayout>
 </file>
 
-<file path=ppt/slideLayouts/slideLayout11.xml><?xml version="1.0" encoding="utf-8"?>
+<file path=ppt/slideLayouts/slideLayout12.xml><?xml version="1.0" encoding="utf-8"?>
 <p:sldLayout xmlns:a="http://schemas.openxmlformats.org/drawingml/2006/main" xmlns:r="http://schemas.openxmlformats.org/officeDocument/2006/relationships" xmlns:p="http://schemas.openxmlformats.org/presentationml/2006/main" type="picTx" preserve="1">
   <p:cSld name="タイトル付きの図">
     <p:spTree>
@@ -1294,7 +1389,7 @@
 </p:sldLayout>
 </file>
 
-<file path=ppt/slideLayouts/slideLayout12.xml><?xml version="1.0" encoding="utf-8"?>
+<file path=ppt/slideLayouts/slideLayout13.xml><?xml version="1.0" encoding="utf-8"?>
 <p:sldLayout xmlns:a="http://schemas.openxmlformats.org/drawingml/2006/main" xmlns:r="http://schemas.openxmlformats.org/officeDocument/2006/relationships" xmlns:p="http://schemas.openxmlformats.org/presentationml/2006/main" type="vertTx" preserve="1">
   <p:cSld name="タイトルと縦書きテキスト">
     <p:spTree>
@@ -1496,7 +1591,7 @@
 </p:sldLayout>
 </file>
 
-<file path=ppt/slideLayouts/slideLayout13.xml><?xml version="1.0" encoding="utf-8"?>
+<file path=ppt/slideLayouts/slideLayout14.xml><?xml version="1.0" encoding="utf-8"?>
 <p:sldLayout xmlns:a="http://schemas.openxmlformats.org/drawingml/2006/main" xmlns:r="http://schemas.openxmlformats.org/officeDocument/2006/relationships" xmlns:p="http://schemas.openxmlformats.org/presentationml/2006/main" type="vertTitleAndTx" preserve="1">
   <p:cSld name="縦書きタイトルと&#10;縦書きテキスト">
     <p:spTree>
@@ -3748,6 +3843,121 @@
 </file>
 
 <file path=ppt/slideLayouts/slideLayout8.xml><?xml version="1.0" encoding="utf-8"?>
+<p:sldLayout xmlns:a="http://schemas.openxmlformats.org/drawingml/2006/main" xmlns:r="http://schemas.openxmlformats.org/officeDocument/2006/relationships" xmlns:p="http://schemas.openxmlformats.org/presentationml/2006/main" preserve="1" userDrawn="1">
+  <p:cSld name="1_ユーザー設定レイアウト">
+    <p:spTree>
+      <p:nvGrpSpPr>
+        <p:cNvPr id="1" name=""/>
+        <p:cNvGrpSpPr/>
+        <p:nvPr/>
+      </p:nvGrpSpPr>
+      <p:grpSpPr>
+        <a:xfrm>
+          <a:off x="0" y="0"/>
+          <a:ext cx="0" cy="0"/>
+          <a:chOff x="0" y="0"/>
+          <a:chExt cx="0" cy="0"/>
+        </a:xfrm>
+      </p:grpSpPr>
+      <p:sp>
+        <p:nvSpPr>
+          <p:cNvPr id="7" name="四角形: 角を丸くする 6">
+            <a:extLst>
+              <a:ext uri="{FF2B5EF4-FFF2-40B4-BE49-F238E27FC236}">
+                <a16:creationId xmlns:a16="http://schemas.microsoft.com/office/drawing/2014/main" id="{3D85D274-A87C-68D2-79C5-E1A43092F900}"/>
+              </a:ext>
+            </a:extLst>
+          </p:cNvPr>
+          <p:cNvSpPr/>
+          <p:nvPr userDrawn="1"/>
+        </p:nvSpPr>
+        <p:spPr>
+          <a:xfrm>
+            <a:off x="333756" y="1033272"/>
+            <a:ext cx="8476488" cy="4791456"/>
+          </a:xfrm>
+          <a:prstGeom prst="roundRect">
+            <a:avLst/>
+          </a:prstGeom>
+          <a:solidFill>
+            <a:schemeClr val="accent6"/>
+          </a:solidFill>
+          <a:ln>
+            <a:noFill/>
+          </a:ln>
+        </p:spPr>
+        <p:style>
+          <a:lnRef idx="2">
+            <a:schemeClr val="accent1">
+              <a:shade val="15000"/>
+            </a:schemeClr>
+          </a:lnRef>
+          <a:fillRef idx="1">
+            <a:schemeClr val="accent1"/>
+          </a:fillRef>
+          <a:effectRef idx="0">
+            <a:schemeClr val="accent1"/>
+          </a:effectRef>
+          <a:fontRef idx="minor">
+            <a:schemeClr val="lt1"/>
+          </a:fontRef>
+        </p:style>
+        <p:txBody>
+          <a:bodyPr rtlCol="0" anchor="ctr"/>
+          <a:lstStyle/>
+          <a:p>
+            <a:pPr algn="ctr"/>
+            <a:endParaRPr kumimoji="1" lang="ja-JP" altLang="en-US"/>
+          </a:p>
+        </p:txBody>
+      </p:sp>
+      <p:sp>
+        <p:nvSpPr>
+          <p:cNvPr id="2" name="タイトル 1">
+            <a:extLst>
+              <a:ext uri="{FF2B5EF4-FFF2-40B4-BE49-F238E27FC236}">
+                <a16:creationId xmlns:a16="http://schemas.microsoft.com/office/drawing/2014/main" id="{EB66D844-1E26-3809-131E-E482782D1688}"/>
+              </a:ext>
+            </a:extLst>
+          </p:cNvPr>
+          <p:cNvSpPr>
+            <a:spLocks noGrp="1"/>
+          </p:cNvSpPr>
+          <p:nvPr>
+            <p:ph type="title"/>
+          </p:nvPr>
+        </p:nvSpPr>
+        <p:spPr>
+          <a:xfrm>
+            <a:off x="628650" y="2766218"/>
+            <a:ext cx="7886700" cy="1325563"/>
+          </a:xfrm>
+        </p:spPr>
+        <p:txBody>
+          <a:bodyPr/>
+          <a:lstStyle/>
+          <a:p>
+            <a:r>
+              <a:rPr kumimoji="1" lang="ja-JP" altLang="en-US" dirty="0"/>
+              <a:t>マスター タイトルの書式設定</a:t>
+            </a:r>
+          </a:p>
+        </p:txBody>
+      </p:sp>
+    </p:spTree>
+    <p:extLst>
+      <p:ext uri="{BB962C8B-B14F-4D97-AF65-F5344CB8AC3E}">
+        <p14:creationId xmlns:p14="http://schemas.microsoft.com/office/powerpoint/2010/main" val="2688355144"/>
+      </p:ext>
+    </p:extLst>
+  </p:cSld>
+  <p:clrMapOvr>
+    <a:masterClrMapping/>
+  </p:clrMapOvr>
+</p:sldLayout>
+</file>
+
+<file path=ppt/slideLayouts/slideLayout9.xml><?xml version="1.0" encoding="utf-8"?>
 <p:sldLayout xmlns:a="http://schemas.openxmlformats.org/drawingml/2006/main" xmlns:r="http://schemas.openxmlformats.org/officeDocument/2006/relationships" xmlns:p="http://schemas.openxmlformats.org/presentationml/2006/main" type="titleOnly" preserve="1">
   <p:cSld name="タイトルのみ">
     <p:spTree>
@@ -3856,101 +4066,6 @@
     <p:extLst>
       <p:ext uri="{BB962C8B-B14F-4D97-AF65-F5344CB8AC3E}">
         <p14:creationId xmlns:p14="http://schemas.microsoft.com/office/powerpoint/2010/main" val="512662601"/>
-      </p:ext>
-    </p:extLst>
-  </p:cSld>
-  <p:clrMapOvr>
-    <a:masterClrMapping/>
-  </p:clrMapOvr>
-</p:sldLayout>
-</file>
-
-<file path=ppt/slideLayouts/slideLayout9.xml><?xml version="1.0" encoding="utf-8"?>
-<p:sldLayout xmlns:a="http://schemas.openxmlformats.org/drawingml/2006/main" xmlns:r="http://schemas.openxmlformats.org/officeDocument/2006/relationships" xmlns:p="http://schemas.openxmlformats.org/presentationml/2006/main" type="blank" preserve="1">
-  <p:cSld name="白紙">
-    <p:spTree>
-      <p:nvGrpSpPr>
-        <p:cNvPr id="1" name=""/>
-        <p:cNvGrpSpPr/>
-        <p:nvPr/>
-      </p:nvGrpSpPr>
-      <p:grpSpPr>
-        <a:xfrm>
-          <a:off x="0" y="0"/>
-          <a:ext cx="0" cy="0"/>
-          <a:chOff x="0" y="0"/>
-          <a:chExt cx="0" cy="0"/>
-        </a:xfrm>
-      </p:grpSpPr>
-      <p:sp>
-        <p:nvSpPr>
-          <p:cNvPr id="2" name="Date Placeholder 1"/>
-          <p:cNvSpPr>
-            <a:spLocks noGrp="1"/>
-          </p:cNvSpPr>
-          <p:nvPr>
-            <p:ph type="dt" sz="half" idx="10"/>
-          </p:nvPr>
-        </p:nvSpPr>
-        <p:spPr/>
-        <p:txBody>
-          <a:bodyPr/>
-          <a:lstStyle/>
-          <a:p>
-            <a:fld id="{AED794AB-D91E-402F-B407-587A4C29DC8B}" type="datetimeFigureOut">
-              <a:rPr kumimoji="1" lang="ja-JP" altLang="en-US" smtClean="0"/>
-              <a:t>2025/6/18</a:t>
-            </a:fld>
-            <a:endParaRPr kumimoji="1" lang="ja-JP" altLang="en-US"/>
-          </a:p>
-        </p:txBody>
-      </p:sp>
-      <p:sp>
-        <p:nvSpPr>
-          <p:cNvPr id="3" name="Footer Placeholder 2"/>
-          <p:cNvSpPr>
-            <a:spLocks noGrp="1"/>
-          </p:cNvSpPr>
-          <p:nvPr>
-            <p:ph type="ftr" sz="quarter" idx="11"/>
-          </p:nvPr>
-        </p:nvSpPr>
-        <p:spPr/>
-        <p:txBody>
-          <a:bodyPr/>
-          <a:lstStyle/>
-          <a:p>
-            <a:endParaRPr kumimoji="1" lang="ja-JP" altLang="en-US"/>
-          </a:p>
-        </p:txBody>
-      </p:sp>
-      <p:sp>
-        <p:nvSpPr>
-          <p:cNvPr id="4" name="Slide Number Placeholder 3"/>
-          <p:cNvSpPr>
-            <a:spLocks noGrp="1"/>
-          </p:cNvSpPr>
-          <p:nvPr>
-            <p:ph type="sldNum" sz="quarter" idx="12"/>
-          </p:nvPr>
-        </p:nvSpPr>
-        <p:spPr/>
-        <p:txBody>
-          <a:bodyPr/>
-          <a:lstStyle/>
-          <a:p>
-            <a:fld id="{55407BB7-92F5-4977-AA44-396FA1CF315E}" type="slidenum">
-              <a:rPr kumimoji="1" lang="ja-JP" altLang="en-US" smtClean="0"/>
-              <a:t>‹#›</a:t>
-            </a:fld>
-            <a:endParaRPr kumimoji="1" lang="ja-JP" altLang="en-US"/>
-          </a:p>
-        </p:txBody>
-      </p:sp>
-    </p:spTree>
-    <p:extLst>
-      <p:ext uri="{BB962C8B-B14F-4D97-AF65-F5344CB8AC3E}">
-        <p14:creationId xmlns:p14="http://schemas.microsoft.com/office/powerpoint/2010/main" val="3259224397"/>
       </p:ext>
     </p:extLst>
   </p:cSld>
@@ -4244,12 +4359,13 @@
     <p:sldLayoutId id="2147483663" r:id="rId5"/>
     <p:sldLayoutId id="2147483664" r:id="rId6"/>
     <p:sldLayoutId id="2147483665" r:id="rId7"/>
-    <p:sldLayoutId id="2147483666" r:id="rId8"/>
-    <p:sldLayoutId id="2147483667" r:id="rId9"/>
-    <p:sldLayoutId id="2147483668" r:id="rId10"/>
-    <p:sldLayoutId id="2147483669" r:id="rId11"/>
-    <p:sldLayoutId id="2147483670" r:id="rId12"/>
-    <p:sldLayoutId id="2147483671" r:id="rId13"/>
+    <p:sldLayoutId id="2147483674" r:id="rId8"/>
+    <p:sldLayoutId id="2147483666" r:id="rId9"/>
+    <p:sldLayoutId id="2147483667" r:id="rId10"/>
+    <p:sldLayoutId id="2147483668" r:id="rId11"/>
+    <p:sldLayoutId id="2147483669" r:id="rId12"/>
+    <p:sldLayoutId id="2147483670" r:id="rId13"/>
+    <p:sldLayoutId id="2147483671" r:id="rId14"/>
   </p:sldLayoutIdLst>
   <p:txStyles>
     <p:titleStyle>
@@ -8978,7 +9094,48 @@
           <a:bodyPr/>
           <a:lstStyle/>
           <a:p>
-            <a:endParaRPr kumimoji="1" lang="ja-JP" altLang="en-US"/>
+            <a:r>
+              <a:rPr kumimoji="1" lang="en-US" altLang="ja-JP" dirty="0"/>
+              <a:t>Python</a:t>
+            </a:r>
+            <a:r>
+              <a:rPr kumimoji="1" lang="ja-JP" altLang="en-US" dirty="0"/>
+              <a:t>仮想環境構築の代表的なツールとして，ここでは</a:t>
+            </a:r>
+            <a:br>
+              <a:rPr kumimoji="1" lang="en-US" altLang="ja-JP" dirty="0"/>
+            </a:br>
+            <a:r>
+              <a:rPr kumimoji="1" lang="en-US" altLang="ja-JP" dirty="0" err="1"/>
+              <a:t>venv</a:t>
+            </a:r>
+            <a:r>
+              <a:rPr kumimoji="1" lang="ja-JP" altLang="en-US" dirty="0"/>
+              <a:t>と</a:t>
+            </a:r>
+            <a:r>
+              <a:rPr kumimoji="1" lang="en-US" altLang="ja-JP" dirty="0"/>
+              <a:t>Anaconda(</a:t>
+            </a:r>
+            <a:r>
+              <a:rPr kumimoji="1" lang="en-US" altLang="ja-JP" dirty="0" err="1"/>
+              <a:t>conda</a:t>
+            </a:r>
+            <a:r>
+              <a:rPr kumimoji="1" lang="en-US" altLang="ja-JP" dirty="0"/>
+              <a:t>)</a:t>
+            </a:r>
+            <a:r>
+              <a:rPr kumimoji="1" lang="ja-JP" altLang="en-US" dirty="0"/>
+              <a:t>を挙げる</a:t>
+            </a:r>
+            <a:endParaRPr kumimoji="1" lang="en-US" altLang="ja-JP" dirty="0"/>
+          </a:p>
+          <a:p>
+            <a:endParaRPr lang="en-US" altLang="ja-JP"/>
+          </a:p>
+          <a:p>
+            <a:endParaRPr kumimoji="1" lang="ja-JP" altLang="en-US" dirty="0"/>
           </a:p>
         </p:txBody>
       </p:sp>

--- a/森本皓斗.pptx
+++ b/森本皓斗.pptx
@@ -9132,7 +9132,7 @@
             <a:endParaRPr kumimoji="1" lang="en-US" altLang="ja-JP" dirty="0"/>
           </a:p>
           <a:p>
-            <a:endParaRPr lang="en-US" altLang="ja-JP"/>
+            <a:endParaRPr lang="en-US" altLang="ja-JP" dirty="0"/>
           </a:p>
           <a:p>
             <a:endParaRPr kumimoji="1" lang="ja-JP" altLang="en-US" dirty="0"/>

--- a/森本皓斗.pptx
+++ b/森本皓斗.pptx
@@ -4699,19 +4699,45 @@
             <p:ph type="ctrTitle"/>
           </p:nvPr>
         </p:nvSpPr>
-        <p:spPr/>
-        <p:txBody>
-          <a:bodyPr/>
-          <a:lstStyle/>
-          <a:p>
-            <a:r>
-              <a:rPr kumimoji="1" lang="en-US" altLang="ja-JP" dirty="0"/>
-              <a:t>6</a:t>
-            </a:r>
-            <a:r>
-              <a:rPr kumimoji="1" lang="ja-JP" altLang="en-US" dirty="0"/>
-              <a:t>月研究室内発表</a:t>
-            </a:r>
+        <p:spPr>
+          <a:xfrm>
+            <a:off x="435263" y="553051"/>
+            <a:ext cx="8273473" cy="2387600"/>
+          </a:xfrm>
+        </p:spPr>
+        <p:txBody>
+          <a:bodyPr>
+            <a:normAutofit fontScale="90000"/>
+          </a:bodyPr>
+          <a:lstStyle/>
+          <a:p>
+            <a:r>
+              <a:rPr lang="ja-JP" altLang="en-US" sz="4400" dirty="0"/>
+              <a:t>非</a:t>
+            </a:r>
+            <a:r>
+              <a:rPr lang="en-US" altLang="ja-JP" sz="4400" dirty="0"/>
+              <a:t>GNSS</a:t>
+            </a:r>
+            <a:r>
+              <a:rPr lang="ja-JP" altLang="en-US" sz="4400" dirty="0"/>
+              <a:t>環境での</a:t>
+            </a:r>
+            <a:br>
+              <a:rPr lang="en-US" altLang="ja-JP" sz="4400" dirty="0"/>
+            </a:br>
+            <a:r>
+              <a:rPr lang="ja-JP" altLang="en-US" sz="4400" dirty="0"/>
+              <a:t>フォーメーション制御に関する研究</a:t>
+            </a:r>
+            <a:br>
+              <a:rPr lang="en-US" altLang="ja-JP" sz="4400" dirty="0"/>
+            </a:br>
+            <a:r>
+              <a:rPr lang="ja-JP" altLang="en-US" sz="4400" dirty="0"/>
+              <a:t>実現へ向けた調査と今後の方針</a:t>
+            </a:r>
+            <a:endParaRPr kumimoji="1" lang="ja-JP" altLang="en-US" sz="4400" dirty="0"/>
           </a:p>
         </p:txBody>
       </p:sp>

--- a/森本皓斗.pptx
+++ b/森本皓斗.pptx
@@ -9161,6 +9161,31 @@
             <a:endParaRPr lang="en-US" altLang="ja-JP" dirty="0"/>
           </a:p>
           <a:p>
+            <a:r>
+              <a:rPr kumimoji="1" lang="en-US" altLang="ja-JP" dirty="0" err="1"/>
+              <a:t>venv</a:t>
+            </a:r>
+            <a:r>
+              <a:rPr kumimoji="1" lang="en-US" altLang="ja-JP" dirty="0"/>
+              <a:t>; python</a:t>
+            </a:r>
+            <a:r>
+              <a:rPr kumimoji="1" lang="ja-JP" altLang="en-US" dirty="0"/>
+              <a:t>標準のミニマルなアプローチ</a:t>
+            </a:r>
+            <a:endParaRPr kumimoji="1" lang="en-US" altLang="ja-JP" dirty="0"/>
+          </a:p>
+          <a:p>
+            <a:endParaRPr lang="en-US" altLang="ja-JP" dirty="0"/>
+          </a:p>
+          <a:p>
+            <a:endParaRPr kumimoji="1" lang="en-US" altLang="ja-JP" dirty="0"/>
+          </a:p>
+          <a:p>
+            <a:r>
+              <a:rPr kumimoji="1" lang="en-US" altLang="ja-JP" dirty="0"/>
+              <a:t>Anaconda; </a:t>
+            </a:r>
             <a:endParaRPr kumimoji="1" lang="ja-JP" altLang="en-US" dirty="0"/>
           </a:p>
         </p:txBody>

--- a/森本皓斗.pptx
+++ b/森本皓斗.pptx
@@ -9176,9 +9176,48 @@
             <a:endParaRPr kumimoji="1" lang="en-US" altLang="ja-JP" dirty="0"/>
           </a:p>
           <a:p>
+            <a:pPr lvl="1"/>
+            <a:r>
+              <a:rPr lang="ja-JP" altLang="en-US" dirty="0"/>
+              <a:t>依存関係をプロジェクトごとに閉じて管理</a:t>
+            </a:r>
             <a:endParaRPr lang="en-US" altLang="ja-JP" dirty="0"/>
           </a:p>
           <a:p>
+            <a:pPr lvl="1"/>
+            <a:r>
+              <a:rPr lang="ja-JP" altLang="en-US" dirty="0"/>
+              <a:t>公式パッケージインストーラ</a:t>
+            </a:r>
+            <a:r>
+              <a:rPr lang="en-US" altLang="ja-JP" dirty="0"/>
+              <a:t>pip</a:t>
+            </a:r>
+            <a:r>
+              <a:rPr lang="ja-JP" altLang="en-US" dirty="0"/>
+              <a:t>とパッケージリポジトリ</a:t>
+            </a:r>
+            <a:r>
+              <a:rPr lang="en-US" altLang="ja-JP" dirty="0" err="1"/>
+              <a:t>PyPI</a:t>
+            </a:r>
+            <a:r>
+              <a:rPr lang="ja-JP" altLang="en-US" dirty="0"/>
+              <a:t>を</a:t>
+            </a:r>
+            <a:br>
+              <a:rPr lang="en-US" altLang="ja-JP" dirty="0"/>
+            </a:br>
+            <a:r>
+              <a:rPr lang="ja-JP" altLang="en-US" dirty="0"/>
+              <a:t>そのまま利用し，膨大なライブラリを利用可能</a:t>
+            </a:r>
+            <a:endParaRPr lang="en-US" altLang="ja-JP" dirty="0"/>
+          </a:p>
+          <a:p>
+            <a:pPr marL="0" indent="0">
+              <a:buNone/>
+            </a:pPr>
             <a:endParaRPr kumimoji="1" lang="en-US" altLang="ja-JP" dirty="0"/>
           </a:p>
           <a:p>
@@ -9186,6 +9225,14 @@
               <a:rPr kumimoji="1" lang="en-US" altLang="ja-JP" dirty="0"/>
               <a:t>Anaconda; </a:t>
             </a:r>
+            <a:r>
+              <a:rPr kumimoji="1" lang="ja-JP" altLang="en-US" dirty="0"/>
+              <a:t>データサイエンスの為の統合プラットフォーム</a:t>
+            </a:r>
+            <a:endParaRPr kumimoji="1" lang="en-US" altLang="ja-JP" dirty="0"/>
+          </a:p>
+          <a:p>
+            <a:pPr lvl="1"/>
             <a:endParaRPr kumimoji="1" lang="ja-JP" altLang="en-US" dirty="0"/>
           </a:p>
         </p:txBody>

--- a/森本皓斗.pptx
+++ b/森本皓斗.pptx
@@ -9230,6 +9230,56 @@
               <a:t>データサイエンスの為の統合プラットフォーム</a:t>
             </a:r>
             <a:endParaRPr kumimoji="1" lang="en-US" altLang="ja-JP" dirty="0"/>
+          </a:p>
+          <a:p>
+            <a:pPr lvl="1"/>
+            <a:r>
+              <a:rPr kumimoji="1" lang="en-US" altLang="ja-JP" dirty="0" err="1"/>
+              <a:t>Conda</a:t>
+            </a:r>
+            <a:r>
+              <a:rPr kumimoji="1" lang="ja-JP" altLang="en-US" dirty="0"/>
+              <a:t>パッケージはプリコンパイルされたバイナリとして提供．</a:t>
+            </a:r>
+            <a:br>
+              <a:rPr kumimoji="1" lang="en-US" altLang="ja-JP" dirty="0"/>
+            </a:br>
+            <a:r>
+              <a:rPr lang="ja-JP" altLang="en-US" dirty="0"/>
+              <a:t>インストールにコンパイラ不要</a:t>
+            </a:r>
+            <a:endParaRPr lang="en-US" altLang="ja-JP" dirty="0"/>
+          </a:p>
+          <a:p>
+            <a:pPr lvl="1"/>
+            <a:r>
+              <a:rPr kumimoji="1" lang="en-US" altLang="ja-JP" dirty="0"/>
+              <a:t>Python</a:t>
+            </a:r>
+            <a:r>
+              <a:rPr kumimoji="1" lang="ja-JP" altLang="en-US" dirty="0"/>
+              <a:t>だけでなく，それが依存する</a:t>
+            </a:r>
+            <a:r>
+              <a:rPr kumimoji="1" lang="en-US" altLang="ja-JP" dirty="0"/>
+              <a:t>C/C++/R</a:t>
+            </a:r>
+            <a:r>
+              <a:rPr kumimoji="1" lang="ja-JP" altLang="en-US" dirty="0"/>
+              <a:t>といった非</a:t>
+            </a:r>
+            <a:r>
+              <a:rPr kumimoji="1" lang="en-US" altLang="ja-JP" dirty="0"/>
+              <a:t>Python</a:t>
+            </a:r>
+            <a:br>
+              <a:rPr kumimoji="1" lang="en-US" altLang="ja-JP" dirty="0"/>
+            </a:br>
+            <a:r>
+              <a:rPr kumimoji="1" lang="ja-JP" altLang="en-US"/>
+              <a:t>パッケージも一括管理可能</a:t>
+            </a:r>
+            <a:endParaRPr kumimoji="1" lang="en-US" altLang="ja-JP"/>
           </a:p>
           <a:p>
             <a:pPr lvl="1"/>

--- a/森本皓斗.pptx
+++ b/森本皓斗.pptx
@@ -9276,10 +9276,10 @@
               <a:rPr kumimoji="1" lang="en-US" altLang="ja-JP" dirty="0"/>
             </a:br>
             <a:r>
-              <a:rPr kumimoji="1" lang="ja-JP" altLang="en-US"/>
+              <a:rPr kumimoji="1" lang="ja-JP" altLang="en-US" dirty="0"/>
               <a:t>パッケージも一括管理可能</a:t>
             </a:r>
-            <a:endParaRPr kumimoji="1" lang="en-US" altLang="ja-JP"/>
+            <a:endParaRPr kumimoji="1" lang="en-US" altLang="ja-JP" dirty="0"/>
           </a:p>
           <a:p>
             <a:pPr lvl="1"/>
@@ -11817,7 +11817,62 @@
           <a:bodyPr/>
           <a:lstStyle/>
           <a:p>
-            <a:endParaRPr kumimoji="1" lang="ja-JP" altLang="en-US"/>
+            <a:r>
+              <a:rPr lang="ja-JP" altLang="en-US" dirty="0"/>
+              <a:t>開発用</a:t>
+            </a:r>
+            <a:r>
+              <a:rPr lang="en-US" altLang="ja-JP" dirty="0"/>
+              <a:t>Linux PC</a:t>
+            </a:r>
+            <a:r>
+              <a:rPr lang="ja-JP" altLang="en-US" dirty="0"/>
+              <a:t>が届き次第，</a:t>
+            </a:r>
+            <a:r>
+              <a:rPr lang="en-US" altLang="ja-JP" dirty="0" err="1"/>
+              <a:t>IssacSim</a:t>
+            </a:r>
+            <a:r>
+              <a:rPr lang="ja-JP" altLang="en-US" dirty="0"/>
+              <a:t>へ移行．学習コスト</a:t>
+            </a:r>
+            <a:br>
+              <a:rPr lang="en-US" altLang="ja-JP" dirty="0"/>
+            </a:br>
+            <a:r>
+              <a:rPr lang="ja-JP" altLang="en-US" dirty="0"/>
+              <a:t>を鑑み，秋学期開始までにチュートリアル完了を目標と</a:t>
+            </a:r>
+            <a:br>
+              <a:rPr lang="en-US" altLang="ja-JP" dirty="0"/>
+            </a:br>
+            <a:r>
+              <a:rPr lang="ja-JP" altLang="en-US" dirty="0"/>
+              <a:t>する</a:t>
+            </a:r>
+            <a:endParaRPr lang="en-US" altLang="ja-JP" dirty="0"/>
+          </a:p>
+          <a:p>
+            <a:endParaRPr kumimoji="1" lang="en-US" altLang="ja-JP" dirty="0"/>
+          </a:p>
+          <a:p>
+            <a:r>
+              <a:rPr kumimoji="1" lang="ja-JP" altLang="en-US" dirty="0"/>
+              <a:t>非</a:t>
+            </a:r>
+            <a:r>
+              <a:rPr kumimoji="1" lang="en-US" altLang="ja-JP" dirty="0"/>
+              <a:t>GNSS</a:t>
+            </a:r>
+            <a:r>
+              <a:rPr kumimoji="1" lang="ja-JP" altLang="en-US" dirty="0"/>
+              <a:t>環境に対応可能な別手法への移管．現況の候補は</a:t>
+            </a:r>
+            <a:br>
+              <a:rPr kumimoji="1" lang="en-US" altLang="ja-JP" dirty="0"/>
+            </a:br>
+            <a:endParaRPr kumimoji="1" lang="ja-JP" altLang="en-US" dirty="0"/>
           </a:p>
         </p:txBody>
       </p:sp>

--- a/森本皓斗.pptx
+++ b/森本皓斗.pptx
@@ -7828,12 +7828,53 @@
             <p:ph idx="1"/>
           </p:nvPr>
         </p:nvSpPr>
-        <p:spPr/>
+        <p:spPr>
+          <a:xfrm>
+            <a:off x="258159" y="1475909"/>
+            <a:ext cx="8625709" cy="5207604"/>
+          </a:xfrm>
+        </p:spPr>
         <p:txBody>
           <a:bodyPr/>
           <a:lstStyle/>
           <a:p>
-            <a:endParaRPr kumimoji="1" lang="ja-JP" altLang="en-US"/>
+            <a:r>
+              <a:rPr kumimoji="1" lang="ja-JP" altLang="en-US" dirty="0"/>
+              <a:t>フォロワの制御入力式</a:t>
+            </a:r>
+            <a:r>
+              <a:rPr kumimoji="1" lang="en-US" altLang="ja-JP" dirty="0"/>
+              <a:t>:</a:t>
+            </a:r>
+          </a:p>
+          <a:p>
+            <a:endParaRPr lang="en-US" altLang="ja-JP" dirty="0"/>
+          </a:p>
+          <a:p>
+            <a:endParaRPr kumimoji="1" lang="en-US" altLang="ja-JP" dirty="0"/>
+          </a:p>
+          <a:p>
+            <a:r>
+              <a:rPr kumimoji="1" lang="en-US" altLang="ja-JP" dirty="0"/>
+              <a:t> </a:t>
+            </a:r>
+            <a:r>
+              <a:rPr kumimoji="1" lang="ja-JP" altLang="en-US" dirty="0"/>
+              <a:t>向きに関する式</a:t>
+            </a:r>
+            <a:endParaRPr kumimoji="1" lang="en-US" altLang="ja-JP" dirty="0"/>
+          </a:p>
+          <a:p>
+            <a:endParaRPr lang="en-US" altLang="ja-JP" dirty="0"/>
+          </a:p>
+          <a:p>
+            <a:endParaRPr kumimoji="1" lang="en-US" altLang="ja-JP" dirty="0"/>
+          </a:p>
+          <a:p>
+            <a:r>
+              <a:rPr kumimoji="1" lang="ja-JP" altLang="en-US" dirty="0"/>
+              <a:t>速さに関する式</a:t>
+            </a:r>
           </a:p>
         </p:txBody>
       </p:sp>
@@ -7867,6 +7908,698 @@
           </a:p>
         </p:txBody>
       </p:sp>
+      <p:pic>
+        <p:nvPicPr>
+          <p:cNvPr id="8" name="グラフィックス 7">
+            <a:extLst>
+              <a:ext uri="{FF2B5EF4-FFF2-40B4-BE49-F238E27FC236}">
+                <a16:creationId xmlns:a16="http://schemas.microsoft.com/office/drawing/2014/main" id="{E5CEDCC6-99D4-00EB-D829-4F8F4371D0B0}"/>
+              </a:ext>
+            </a:extLst>
+          </p:cNvPr>
+          <p:cNvPicPr>
+            <a:picLocks noChangeAspect="1"/>
+          </p:cNvPicPr>
+          <p:nvPr/>
+        </p:nvPicPr>
+        <p:blipFill>
+          <a:blip r:embed="rId2">
+            <a:extLst>
+              <a:ext uri="{96DAC541-7B7A-43D3-8B79-37D633B846F1}">
+                <asvg:svgBlip xmlns:asvg="http://schemas.microsoft.com/office/drawing/2016/SVG/main" r:embed="rId3"/>
+              </a:ext>
+            </a:extLst>
+          </a:blip>
+          <a:stretch>
+            <a:fillRect/>
+          </a:stretch>
+        </p:blipFill>
+        <p:spPr>
+          <a:xfrm>
+            <a:off x="3891642" y="1475909"/>
+            <a:ext cx="2312965" cy="341688"/>
+          </a:xfrm>
+          <a:prstGeom prst="rect">
+            <a:avLst/>
+          </a:prstGeom>
+        </p:spPr>
+      </p:pic>
+      <p:sp>
+        <p:nvSpPr>
+          <p:cNvPr id="9" name="吹き出し: 角を丸めた四角形 8">
+            <a:extLst>
+              <a:ext uri="{FF2B5EF4-FFF2-40B4-BE49-F238E27FC236}">
+                <a16:creationId xmlns:a16="http://schemas.microsoft.com/office/drawing/2014/main" id="{EE31A758-3D8E-160E-0C15-5F7B62F29F1C}"/>
+              </a:ext>
+            </a:extLst>
+          </p:cNvPr>
+          <p:cNvSpPr/>
+          <p:nvPr/>
+        </p:nvSpPr>
+        <p:spPr>
+          <a:xfrm>
+            <a:off x="5832724" y="2096959"/>
+            <a:ext cx="743766" cy="500824"/>
+          </a:xfrm>
+          <a:prstGeom prst="wedgeRoundRectCallout">
+            <a:avLst>
+              <a:gd name="adj1" fmla="val -20108"/>
+              <a:gd name="adj2" fmla="val -73032"/>
+              <a:gd name="adj3" fmla="val 16667"/>
+            </a:avLst>
+          </a:prstGeom>
+          <a:noFill/>
+          <a:ln w="38100" cap="flat" cmpd="sng" algn="ctr">
+            <a:solidFill>
+              <a:schemeClr val="accent4"/>
+            </a:solidFill>
+            <a:prstDash val="solid"/>
+            <a:round/>
+            <a:headEnd type="none" w="med" len="med"/>
+            <a:tailEnd type="none" w="med" len="med"/>
+          </a:ln>
+        </p:spPr>
+        <p:style>
+          <a:lnRef idx="0">
+            <a:scrgbClr r="0" g="0" b="0"/>
+          </a:lnRef>
+          <a:fillRef idx="0">
+            <a:scrgbClr r="0" g="0" b="0"/>
+          </a:fillRef>
+          <a:effectRef idx="0">
+            <a:scrgbClr r="0" g="0" b="0"/>
+          </a:effectRef>
+          <a:fontRef idx="minor">
+            <a:schemeClr val="accent4"/>
+          </a:fontRef>
+        </p:style>
+        <p:txBody>
+          <a:bodyPr rtlCol="0" anchor="ctr"/>
+          <a:lstStyle/>
+          <a:p>
+            <a:pPr algn="ctr"/>
+            <a:r>
+              <a:rPr kumimoji="1" lang="ja-JP" altLang="en-US" dirty="0"/>
+              <a:t>向き</a:t>
+            </a:r>
+          </a:p>
+        </p:txBody>
+      </p:sp>
+      <p:sp>
+        <p:nvSpPr>
+          <p:cNvPr id="10" name="吹き出し: 角を丸めた四角形 9">
+            <a:extLst>
+              <a:ext uri="{FF2B5EF4-FFF2-40B4-BE49-F238E27FC236}">
+                <a16:creationId xmlns:a16="http://schemas.microsoft.com/office/drawing/2014/main" id="{152073FC-6B8A-4B28-4ACC-35587EC7943E}"/>
+              </a:ext>
+            </a:extLst>
+          </p:cNvPr>
+          <p:cNvSpPr/>
+          <p:nvPr/>
+        </p:nvSpPr>
+        <p:spPr>
+          <a:xfrm>
+            <a:off x="4768343" y="2096959"/>
+            <a:ext cx="743766" cy="500824"/>
+          </a:xfrm>
+          <a:prstGeom prst="wedgeRoundRectCallout">
+            <a:avLst>
+              <a:gd name="adj1" fmla="val 22753"/>
+              <a:gd name="adj2" fmla="val -73032"/>
+              <a:gd name="adj3" fmla="val 16667"/>
+            </a:avLst>
+          </a:prstGeom>
+          <a:noFill/>
+          <a:ln w="38100" cap="flat" cmpd="sng" algn="ctr">
+            <a:solidFill>
+              <a:srgbClr val="92D050"/>
+            </a:solidFill>
+            <a:prstDash val="solid"/>
+            <a:round/>
+            <a:headEnd type="none" w="med" len="med"/>
+            <a:tailEnd type="none" w="med" len="med"/>
+          </a:ln>
+        </p:spPr>
+        <p:style>
+          <a:lnRef idx="0">
+            <a:scrgbClr r="0" g="0" b="0"/>
+          </a:lnRef>
+          <a:fillRef idx="0">
+            <a:scrgbClr r="0" g="0" b="0"/>
+          </a:fillRef>
+          <a:effectRef idx="0">
+            <a:scrgbClr r="0" g="0" b="0"/>
+          </a:effectRef>
+          <a:fontRef idx="minor">
+            <a:schemeClr val="accent4"/>
+          </a:fontRef>
+        </p:style>
+        <p:txBody>
+          <a:bodyPr rtlCol="0" anchor="ctr"/>
+          <a:lstStyle/>
+          <a:p>
+            <a:pPr algn="ctr"/>
+            <a:r>
+              <a:rPr kumimoji="1" lang="ja-JP" altLang="en-US" dirty="0">
+                <a:solidFill>
+                  <a:srgbClr val="92D050"/>
+                </a:solidFill>
+              </a:rPr>
+              <a:t>速さ</a:t>
+            </a:r>
+            <a:endParaRPr kumimoji="1" lang="en-US" altLang="ja-JP" dirty="0">
+              <a:solidFill>
+                <a:srgbClr val="92D050"/>
+              </a:solidFill>
+            </a:endParaRPr>
+          </a:p>
+        </p:txBody>
+      </p:sp>
+      <p:sp>
+        <p:nvSpPr>
+          <p:cNvPr id="11" name="四角形: 角を丸くする 10">
+            <a:extLst>
+              <a:ext uri="{FF2B5EF4-FFF2-40B4-BE49-F238E27FC236}">
+                <a16:creationId xmlns:a16="http://schemas.microsoft.com/office/drawing/2014/main" id="{CFDDAA89-DAD8-F19F-42E7-42C5B618494E}"/>
+              </a:ext>
+            </a:extLst>
+          </p:cNvPr>
+          <p:cNvSpPr/>
+          <p:nvPr/>
+        </p:nvSpPr>
+        <p:spPr>
+          <a:xfrm>
+            <a:off x="5535386" y="1411622"/>
+            <a:ext cx="669221" cy="470261"/>
+          </a:xfrm>
+          <a:prstGeom prst="roundRect">
+            <a:avLst/>
+          </a:prstGeom>
+          <a:noFill/>
+          <a:ln w="38100" cap="flat" cmpd="sng" algn="ctr">
+            <a:solidFill>
+              <a:schemeClr val="accent4"/>
+            </a:solidFill>
+            <a:prstDash val="solid"/>
+            <a:round/>
+            <a:headEnd type="none" w="med" len="med"/>
+            <a:tailEnd type="none" w="med" len="med"/>
+          </a:ln>
+        </p:spPr>
+        <p:style>
+          <a:lnRef idx="0">
+            <a:scrgbClr r="0" g="0" b="0"/>
+          </a:lnRef>
+          <a:fillRef idx="0">
+            <a:scrgbClr r="0" g="0" b="0"/>
+          </a:fillRef>
+          <a:effectRef idx="0">
+            <a:scrgbClr r="0" g="0" b="0"/>
+          </a:effectRef>
+          <a:fontRef idx="minor">
+            <a:schemeClr val="accent4"/>
+          </a:fontRef>
+        </p:style>
+        <p:txBody>
+          <a:bodyPr rtlCol="0" anchor="ctr"/>
+          <a:lstStyle/>
+          <a:p>
+            <a:pPr algn="ctr"/>
+            <a:endParaRPr kumimoji="1" lang="ja-JP" altLang="en-US"/>
+          </a:p>
+        </p:txBody>
+      </p:sp>
+      <p:sp>
+        <p:nvSpPr>
+          <p:cNvPr id="12" name="四角形: 角を丸くする 11">
+            <a:extLst>
+              <a:ext uri="{FF2B5EF4-FFF2-40B4-BE49-F238E27FC236}">
+                <a16:creationId xmlns:a16="http://schemas.microsoft.com/office/drawing/2014/main" id="{941E9F17-5EEA-2FDE-86B0-5D64EBC57F4B}"/>
+              </a:ext>
+            </a:extLst>
+          </p:cNvPr>
+          <p:cNvSpPr/>
+          <p:nvPr/>
+        </p:nvSpPr>
+        <p:spPr>
+          <a:xfrm>
+            <a:off x="4943883" y="1411622"/>
+            <a:ext cx="591503" cy="470261"/>
+          </a:xfrm>
+          <a:prstGeom prst="roundRect">
+            <a:avLst/>
+          </a:prstGeom>
+          <a:noFill/>
+          <a:ln w="38100" cap="flat" cmpd="sng" algn="ctr">
+            <a:solidFill>
+              <a:srgbClr val="92D050"/>
+            </a:solidFill>
+            <a:prstDash val="solid"/>
+            <a:round/>
+            <a:headEnd type="none" w="med" len="med"/>
+            <a:tailEnd type="none" w="med" len="med"/>
+          </a:ln>
+        </p:spPr>
+        <p:style>
+          <a:lnRef idx="0">
+            <a:scrgbClr r="0" g="0" b="0"/>
+          </a:lnRef>
+          <a:fillRef idx="0">
+            <a:scrgbClr r="0" g="0" b="0"/>
+          </a:fillRef>
+          <a:effectRef idx="0">
+            <a:scrgbClr r="0" g="0" b="0"/>
+          </a:effectRef>
+          <a:fontRef idx="minor">
+            <a:schemeClr val="accent4"/>
+          </a:fontRef>
+        </p:style>
+        <p:txBody>
+          <a:bodyPr rtlCol="0" anchor="ctr"/>
+          <a:lstStyle/>
+          <a:p>
+            <a:pPr algn="ctr"/>
+            <a:endParaRPr kumimoji="1" lang="ja-JP" altLang="en-US"/>
+          </a:p>
+        </p:txBody>
+      </p:sp>
+      <p:pic>
+        <p:nvPicPr>
+          <p:cNvPr id="14" name="グラフィックス 13">
+            <a:extLst>
+              <a:ext uri="{FF2B5EF4-FFF2-40B4-BE49-F238E27FC236}">
+                <a16:creationId xmlns:a16="http://schemas.microsoft.com/office/drawing/2014/main" id="{7E7A62EA-C34D-BE78-73C8-754A22CB1FA4}"/>
+              </a:ext>
+            </a:extLst>
+          </p:cNvPr>
+          <p:cNvPicPr>
+            <a:picLocks noChangeAspect="1"/>
+          </p:cNvPicPr>
+          <p:nvPr/>
+        </p:nvPicPr>
+        <p:blipFill>
+          <a:blip r:embed="rId4">
+            <a:extLst>
+              <a:ext uri="{96DAC541-7B7A-43D3-8B79-37D633B846F1}">
+                <asvg:svgBlip xmlns:asvg="http://schemas.microsoft.com/office/drawing/2016/SVG/main" r:embed="rId5"/>
+              </a:ext>
+            </a:extLst>
+          </a:blip>
+          <a:stretch>
+            <a:fillRect/>
+          </a:stretch>
+        </p:blipFill>
+        <p:spPr>
+          <a:xfrm>
+            <a:off x="1188636" y="3361851"/>
+            <a:ext cx="1748412" cy="405429"/>
+          </a:xfrm>
+          <a:prstGeom prst="rect">
+            <a:avLst/>
+          </a:prstGeom>
+        </p:spPr>
+      </p:pic>
+      <p:pic>
+        <p:nvPicPr>
+          <p:cNvPr id="18" name="グラフィックス 17">
+            <a:extLst>
+              <a:ext uri="{FF2B5EF4-FFF2-40B4-BE49-F238E27FC236}">
+                <a16:creationId xmlns:a16="http://schemas.microsoft.com/office/drawing/2014/main" id="{448043C4-971E-6A2E-DAB4-A26BAB7FE32E}"/>
+              </a:ext>
+            </a:extLst>
+          </p:cNvPr>
+          <p:cNvPicPr>
+            <a:picLocks noChangeAspect="1"/>
+          </p:cNvPicPr>
+          <p:nvPr/>
+        </p:nvPicPr>
+        <p:blipFill>
+          <a:blip r:embed="rId6">
+            <a:extLst>
+              <a:ext uri="{96DAC541-7B7A-43D3-8B79-37D633B846F1}">
+                <asvg:svgBlip xmlns:asvg="http://schemas.microsoft.com/office/drawing/2016/SVG/main" r:embed="rId7"/>
+              </a:ext>
+            </a:extLst>
+          </a:blip>
+          <a:stretch>
+            <a:fillRect/>
+          </a:stretch>
+        </p:blipFill>
+        <p:spPr>
+          <a:xfrm>
+            <a:off x="3262164" y="3392673"/>
+            <a:ext cx="3717254" cy="374607"/>
+          </a:xfrm>
+          <a:prstGeom prst="rect">
+            <a:avLst/>
+          </a:prstGeom>
+        </p:spPr>
+      </p:pic>
+      <p:pic>
+        <p:nvPicPr>
+          <p:cNvPr id="20" name="グラフィックス 19">
+            <a:extLst>
+              <a:ext uri="{FF2B5EF4-FFF2-40B4-BE49-F238E27FC236}">
+                <a16:creationId xmlns:a16="http://schemas.microsoft.com/office/drawing/2014/main" id="{AD9C2CB9-DA2D-8AF1-AF6B-B6429AD71159}"/>
+              </a:ext>
+            </a:extLst>
+          </p:cNvPr>
+          <p:cNvPicPr>
+            <a:picLocks noChangeAspect="1"/>
+          </p:cNvPicPr>
+          <p:nvPr/>
+        </p:nvPicPr>
+        <p:blipFill>
+          <a:blip r:embed="rId8">
+            <a:extLst>
+              <a:ext uri="{96DAC541-7B7A-43D3-8B79-37D633B846F1}">
+                <asvg:svgBlip xmlns:asvg="http://schemas.microsoft.com/office/drawing/2016/SVG/main" r:embed="rId9"/>
+              </a:ext>
+            </a:extLst>
+          </a:blip>
+          <a:stretch>
+            <a:fillRect/>
+          </a:stretch>
+        </p:blipFill>
+        <p:spPr>
+          <a:xfrm>
+            <a:off x="7339814" y="1963501"/>
+            <a:ext cx="3608372" cy="767739"/>
+          </a:xfrm>
+          <a:prstGeom prst="rect">
+            <a:avLst/>
+          </a:prstGeom>
+        </p:spPr>
+      </p:pic>
+      <p:pic>
+        <p:nvPicPr>
+          <p:cNvPr id="22" name="グラフィックス 21">
+            <a:extLst>
+              <a:ext uri="{FF2B5EF4-FFF2-40B4-BE49-F238E27FC236}">
+                <a16:creationId xmlns:a16="http://schemas.microsoft.com/office/drawing/2014/main" id="{7180C074-82AE-5246-911D-F3F0B3A22E29}"/>
+              </a:ext>
+            </a:extLst>
+          </p:cNvPr>
+          <p:cNvPicPr>
+            <a:picLocks noChangeAspect="1"/>
+          </p:cNvPicPr>
+          <p:nvPr/>
+        </p:nvPicPr>
+        <p:blipFill>
+          <a:blip r:embed="rId10">
+            <a:extLst>
+              <a:ext uri="{96DAC541-7B7A-43D3-8B79-37D633B846F1}">
+                <asvg:svgBlip xmlns:asvg="http://schemas.microsoft.com/office/drawing/2016/SVG/main" r:embed="rId11"/>
+              </a:ext>
+            </a:extLst>
+          </a:blip>
+          <a:stretch>
+            <a:fillRect/>
+          </a:stretch>
+        </p:blipFill>
+        <p:spPr>
+          <a:xfrm>
+            <a:off x="1188636" y="4739584"/>
+            <a:ext cx="5901985" cy="767738"/>
+          </a:xfrm>
+          <a:prstGeom prst="rect">
+            <a:avLst/>
+          </a:prstGeom>
+        </p:spPr>
+      </p:pic>
+      <p:sp>
+        <p:nvSpPr>
+          <p:cNvPr id="23" name="テキスト ボックス 22">
+            <a:extLst>
+              <a:ext uri="{FF2B5EF4-FFF2-40B4-BE49-F238E27FC236}">
+                <a16:creationId xmlns:a16="http://schemas.microsoft.com/office/drawing/2014/main" id="{CB2D1F52-6750-D4A8-9BC8-43EB6DEE3C38}"/>
+              </a:ext>
+            </a:extLst>
+          </p:cNvPr>
+          <p:cNvSpPr txBox="1"/>
+          <p:nvPr/>
+        </p:nvSpPr>
+        <p:spPr>
+          <a:xfrm>
+            <a:off x="2898853" y="3465124"/>
+            <a:ext cx="363311" cy="369332"/>
+          </a:xfrm>
+          <a:prstGeom prst="rect">
+            <a:avLst/>
+          </a:prstGeom>
+          <a:noFill/>
+        </p:spPr>
+        <p:txBody>
+          <a:bodyPr wrap="square" rtlCol="0">
+            <a:spAutoFit/>
+          </a:bodyPr>
+          <a:lstStyle/>
+          <a:p>
+            <a:r>
+              <a:rPr kumimoji="1" lang="en-US" altLang="ja-JP" dirty="0"/>
+              <a:t>,</a:t>
+            </a:r>
+            <a:endParaRPr kumimoji="1" lang="ja-JP" altLang="en-US" dirty="0"/>
+          </a:p>
+        </p:txBody>
+      </p:sp>
+      <p:sp>
+        <p:nvSpPr>
+          <p:cNvPr id="24" name="四角形: 角を丸くする 23">
+            <a:extLst>
+              <a:ext uri="{FF2B5EF4-FFF2-40B4-BE49-F238E27FC236}">
+                <a16:creationId xmlns:a16="http://schemas.microsoft.com/office/drawing/2014/main" id="{9CBE91D6-1E75-E483-9B6A-8988B137E960}"/>
+              </a:ext>
+            </a:extLst>
+          </p:cNvPr>
+          <p:cNvSpPr/>
+          <p:nvPr/>
+        </p:nvSpPr>
+        <p:spPr>
+          <a:xfrm>
+            <a:off x="849632" y="3218833"/>
+            <a:ext cx="6383923" cy="717066"/>
+          </a:xfrm>
+          <a:prstGeom prst="roundRect">
+            <a:avLst/>
+          </a:prstGeom>
+          <a:noFill/>
+          <a:ln w="38100" cap="flat" cmpd="sng" algn="ctr">
+            <a:solidFill>
+              <a:schemeClr val="accent4"/>
+            </a:solidFill>
+            <a:prstDash val="solid"/>
+            <a:round/>
+            <a:headEnd type="none" w="med" len="med"/>
+            <a:tailEnd type="none" w="med" len="med"/>
+          </a:ln>
+        </p:spPr>
+        <p:style>
+          <a:lnRef idx="0">
+            <a:scrgbClr r="0" g="0" b="0"/>
+          </a:lnRef>
+          <a:fillRef idx="0">
+            <a:scrgbClr r="0" g="0" b="0"/>
+          </a:fillRef>
+          <a:effectRef idx="0">
+            <a:scrgbClr r="0" g="0" b="0"/>
+          </a:effectRef>
+          <a:fontRef idx="minor">
+            <a:schemeClr val="accent4"/>
+          </a:fontRef>
+        </p:style>
+        <p:txBody>
+          <a:bodyPr rtlCol="0" anchor="ctr"/>
+          <a:lstStyle/>
+          <a:p>
+            <a:pPr algn="ctr"/>
+            <a:endParaRPr kumimoji="1" lang="ja-JP" altLang="en-US"/>
+          </a:p>
+        </p:txBody>
+      </p:sp>
+      <p:sp>
+        <p:nvSpPr>
+          <p:cNvPr id="25" name="四角形: 角を丸くする 24">
+            <a:extLst>
+              <a:ext uri="{FF2B5EF4-FFF2-40B4-BE49-F238E27FC236}">
+                <a16:creationId xmlns:a16="http://schemas.microsoft.com/office/drawing/2014/main" id="{5668050F-9B26-AB23-137A-4531ECF5C8A6}"/>
+              </a:ext>
+            </a:extLst>
+          </p:cNvPr>
+          <p:cNvSpPr/>
+          <p:nvPr/>
+        </p:nvSpPr>
+        <p:spPr>
+          <a:xfrm>
+            <a:off x="849631" y="4592639"/>
+            <a:ext cx="6383923" cy="1024389"/>
+          </a:xfrm>
+          <a:prstGeom prst="roundRect">
+            <a:avLst/>
+          </a:prstGeom>
+          <a:noFill/>
+          <a:ln w="38100" cap="flat" cmpd="sng" algn="ctr">
+            <a:solidFill>
+              <a:schemeClr val="accent6"/>
+            </a:solidFill>
+            <a:prstDash val="solid"/>
+            <a:round/>
+            <a:headEnd type="none" w="med" len="med"/>
+            <a:tailEnd type="none" w="med" len="med"/>
+          </a:ln>
+        </p:spPr>
+        <p:style>
+          <a:lnRef idx="0">
+            <a:scrgbClr r="0" g="0" b="0"/>
+          </a:lnRef>
+          <a:fillRef idx="0">
+            <a:scrgbClr r="0" g="0" b="0"/>
+          </a:fillRef>
+          <a:effectRef idx="0">
+            <a:scrgbClr r="0" g="0" b="0"/>
+          </a:effectRef>
+          <a:fontRef idx="minor">
+            <a:schemeClr val="accent4"/>
+          </a:fontRef>
+        </p:style>
+        <p:txBody>
+          <a:bodyPr rtlCol="0" anchor="ctr"/>
+          <a:lstStyle/>
+          <a:p>
+            <a:pPr algn="ctr"/>
+            <a:endParaRPr kumimoji="1" lang="ja-JP" altLang="en-US"/>
+          </a:p>
+        </p:txBody>
+      </p:sp>
+    </p:spTree>
+    <p:extLst>
+      <p:ext uri="{BB962C8B-B14F-4D97-AF65-F5344CB8AC3E}">
+        <p14:creationId xmlns:p14="http://schemas.microsoft.com/office/powerpoint/2010/main" val="524518224"/>
+      </p:ext>
+    </p:extLst>
+  </p:cSld>
+  <p:clrMapOvr>
+    <a:masterClrMapping/>
+  </p:clrMapOvr>
+</p:sld>
+</file>
+
+<file path=ppt/slides/slide15.xml><?xml version="1.0" encoding="utf-8"?>
+<p:sld xmlns:a="http://schemas.openxmlformats.org/drawingml/2006/main" xmlns:r="http://schemas.openxmlformats.org/officeDocument/2006/relationships" xmlns:p="http://schemas.openxmlformats.org/presentationml/2006/main">
+  <p:cSld>
+    <p:spTree>
+      <p:nvGrpSpPr>
+        <p:cNvPr id="1" name=""/>
+        <p:cNvGrpSpPr/>
+        <p:nvPr/>
+      </p:nvGrpSpPr>
+      <p:grpSpPr>
+        <a:xfrm>
+          <a:off x="0" y="0"/>
+          <a:ext cx="0" cy="0"/>
+          <a:chOff x="0" y="0"/>
+          <a:chExt cx="0" cy="0"/>
+        </a:xfrm>
+      </p:grpSpPr>
+      <p:sp>
+        <p:nvSpPr>
+          <p:cNvPr id="2" name="タイトル 1">
+            <a:extLst>
+              <a:ext uri="{FF2B5EF4-FFF2-40B4-BE49-F238E27FC236}">
+                <a16:creationId xmlns:a16="http://schemas.microsoft.com/office/drawing/2014/main" id="{1AEF5D16-5FCC-B2A4-F67B-510A3A1BBCE9}"/>
+              </a:ext>
+            </a:extLst>
+          </p:cNvPr>
+          <p:cNvSpPr>
+            <a:spLocks noGrp="1"/>
+          </p:cNvSpPr>
+          <p:nvPr>
+            <p:ph type="title"/>
+          </p:nvPr>
+        </p:nvSpPr>
+        <p:spPr/>
+        <p:txBody>
+          <a:bodyPr/>
+          <a:lstStyle/>
+          <a:p>
+            <a:r>
+              <a:rPr kumimoji="1" lang="ja-JP" altLang="en-US" dirty="0"/>
+              <a:t>制御入力の方向</a:t>
+            </a:r>
+          </a:p>
+        </p:txBody>
+      </p:sp>
+      <p:sp>
+        <p:nvSpPr>
+          <p:cNvPr id="3" name="コンテンツ プレースホルダー 2">
+            <a:extLst>
+              <a:ext uri="{FF2B5EF4-FFF2-40B4-BE49-F238E27FC236}">
+                <a16:creationId xmlns:a16="http://schemas.microsoft.com/office/drawing/2014/main" id="{54854C22-392E-2B26-714C-9F55D2C0D94F}"/>
+              </a:ext>
+            </a:extLst>
+          </p:cNvPr>
+          <p:cNvSpPr>
+            <a:spLocks noGrp="1"/>
+          </p:cNvSpPr>
+          <p:nvPr>
+            <p:ph idx="1"/>
+          </p:nvPr>
+        </p:nvSpPr>
+        <p:spPr/>
+        <p:txBody>
+          <a:bodyPr/>
+          <a:lstStyle/>
+          <a:p>
+            <a:r>
+              <a:rPr lang="ja-JP" altLang="en-US" dirty="0"/>
+              <a:t>制御入力の方向を表す単位ベクトル</a:t>
+            </a:r>
+            <a:endParaRPr lang="en-US" altLang="ja-JP" dirty="0"/>
+          </a:p>
+          <a:p>
+            <a:endParaRPr kumimoji="1" lang="en-US" altLang="ja-JP" dirty="0"/>
+          </a:p>
+          <a:p>
+            <a:endParaRPr lang="en-US" altLang="ja-JP" dirty="0"/>
+          </a:p>
+          <a:p>
+            <a:r>
+              <a:rPr kumimoji="1" lang="ja-JP" altLang="en-US" dirty="0"/>
+              <a:t>目標点から経路に沿って進んだ位置ベクトル</a:t>
+            </a:r>
+          </a:p>
+        </p:txBody>
+      </p:sp>
+      <p:sp>
+        <p:nvSpPr>
+          <p:cNvPr id="4" name="スライド番号プレースホルダー 3">
+            <a:extLst>
+              <a:ext uri="{FF2B5EF4-FFF2-40B4-BE49-F238E27FC236}">
+                <a16:creationId xmlns:a16="http://schemas.microsoft.com/office/drawing/2014/main" id="{0CA60427-E916-EDE6-D32A-7C344F27AEE6}"/>
+              </a:ext>
+            </a:extLst>
+          </p:cNvPr>
+          <p:cNvSpPr>
+            <a:spLocks noGrp="1"/>
+          </p:cNvSpPr>
+          <p:nvPr>
+            <p:ph type="sldNum" sz="quarter" idx="12"/>
+          </p:nvPr>
+        </p:nvSpPr>
+        <p:spPr/>
+        <p:txBody>
+          <a:bodyPr/>
+          <a:lstStyle/>
+          <a:p>
+            <a:fld id="{55407BB7-92F5-4977-AA44-396FA1CF315E}" type="slidenum">
+              <a:rPr kumimoji="1" lang="ja-JP" altLang="en-US" smtClean="0"/>
+              <a:pPr/>
+              <a:t>14</a:t>
+            </a:fld>
+            <a:endParaRPr kumimoji="1" lang="ja-JP" altLang="en-US" dirty="0"/>
+          </a:p>
+        </p:txBody>
+      </p:sp>
       <p:sp>
         <p:nvSpPr>
           <p:cNvPr id="5" name="テキスト プレースホルダー 4">
@@ -7894,17 +8627,350 @@
                   <a:schemeClr val="accent4"/>
                 </a:solidFill>
               </a:rPr>
-              <a:t>フォロワの目的速度を制御入力とする</a:t>
-            </a:r>
-          </a:p>
-        </p:txBody>
-      </p:sp>
-      <p:sp>
-        <p:nvSpPr>
-          <p:cNvPr id="6" name="四角形: 角を丸くする 5">
+              <a:t>追従のためのベクトル量を決める</a:t>
+            </a:r>
+          </a:p>
+        </p:txBody>
+      </p:sp>
+      <p:pic>
+        <p:nvPicPr>
+          <p:cNvPr id="6" name="グラフィックス 5">
             <a:extLst>
               <a:ext uri="{FF2B5EF4-FFF2-40B4-BE49-F238E27FC236}">
-                <a16:creationId xmlns:a16="http://schemas.microsoft.com/office/drawing/2014/main" id="{E116717A-FEC0-16F1-25D5-DADB4977B5D8}"/>
+                <a16:creationId xmlns:a16="http://schemas.microsoft.com/office/drawing/2014/main" id="{48173449-AF84-0E5D-7F45-DBBC8EE5D725}"/>
+              </a:ext>
+            </a:extLst>
+          </p:cNvPr>
+          <p:cNvPicPr>
+            <a:picLocks noChangeAspect="1"/>
+          </p:cNvPicPr>
+          <p:nvPr/>
+        </p:nvPicPr>
+        <p:blipFill>
+          <a:blip r:embed="rId2">
+            <a:extLst>
+              <a:ext uri="{96DAC541-7B7A-43D3-8B79-37D633B846F1}">
+                <asvg:svgBlip xmlns:asvg="http://schemas.microsoft.com/office/drawing/2016/SVG/main" r:embed="rId3"/>
+              </a:ext>
+            </a:extLst>
+          </a:blip>
+          <a:stretch>
+            <a:fillRect/>
+          </a:stretch>
+        </p:blipFill>
+        <p:spPr>
+          <a:xfrm>
+            <a:off x="1058008" y="2009807"/>
+            <a:ext cx="1748412" cy="405429"/>
+          </a:xfrm>
+          <a:prstGeom prst="rect">
+            <a:avLst/>
+          </a:prstGeom>
+        </p:spPr>
+      </p:pic>
+      <p:pic>
+        <p:nvPicPr>
+          <p:cNvPr id="7" name="グラフィックス 6">
+            <a:extLst>
+              <a:ext uri="{FF2B5EF4-FFF2-40B4-BE49-F238E27FC236}">
+                <a16:creationId xmlns:a16="http://schemas.microsoft.com/office/drawing/2014/main" id="{AB2B20D7-D638-77FE-8671-29620046BE60}"/>
+              </a:ext>
+            </a:extLst>
+          </p:cNvPr>
+          <p:cNvPicPr>
+            <a:picLocks noChangeAspect="1"/>
+          </p:cNvPicPr>
+          <p:nvPr/>
+        </p:nvPicPr>
+        <p:blipFill>
+          <a:blip r:embed="rId4">
+            <a:extLst>
+              <a:ext uri="{96DAC541-7B7A-43D3-8B79-37D633B846F1}">
+                <asvg:svgBlip xmlns:asvg="http://schemas.microsoft.com/office/drawing/2016/SVG/main" r:embed="rId5"/>
+              </a:ext>
+            </a:extLst>
+          </a:blip>
+          <a:stretch>
+            <a:fillRect/>
+          </a:stretch>
+        </p:blipFill>
+        <p:spPr>
+          <a:xfrm>
+            <a:off x="1058008" y="3512660"/>
+            <a:ext cx="3717254" cy="374607"/>
+          </a:xfrm>
+          <a:prstGeom prst="rect">
+            <a:avLst/>
+          </a:prstGeom>
+        </p:spPr>
+      </p:pic>
+      <p:sp>
+        <p:nvSpPr>
+          <p:cNvPr id="8" name="四角形: 角を丸くする 7">
+            <a:extLst>
+              <a:ext uri="{FF2B5EF4-FFF2-40B4-BE49-F238E27FC236}">
+                <a16:creationId xmlns:a16="http://schemas.microsoft.com/office/drawing/2014/main" id="{8152E329-3580-D37C-346E-BF3CDFC98F9A}"/>
+              </a:ext>
+            </a:extLst>
+          </p:cNvPr>
+          <p:cNvSpPr/>
+          <p:nvPr/>
+        </p:nvSpPr>
+        <p:spPr>
+          <a:xfrm>
+            <a:off x="2201682" y="3464831"/>
+            <a:ext cx="672147" cy="470261"/>
+          </a:xfrm>
+          <a:prstGeom prst="roundRect">
+            <a:avLst/>
+          </a:prstGeom>
+          <a:noFill/>
+          <a:ln w="38100" cap="flat" cmpd="sng" algn="ctr">
+            <a:solidFill>
+              <a:srgbClr val="92D050"/>
+            </a:solidFill>
+            <a:prstDash val="solid"/>
+            <a:round/>
+            <a:headEnd type="none" w="med" len="med"/>
+            <a:tailEnd type="none" w="med" len="med"/>
+          </a:ln>
+        </p:spPr>
+        <p:style>
+          <a:lnRef idx="0">
+            <a:scrgbClr r="0" g="0" b="0"/>
+          </a:lnRef>
+          <a:fillRef idx="0">
+            <a:scrgbClr r="0" g="0" b="0"/>
+          </a:fillRef>
+          <a:effectRef idx="0">
+            <a:scrgbClr r="0" g="0" b="0"/>
+          </a:effectRef>
+          <a:fontRef idx="minor">
+            <a:schemeClr val="accent4"/>
+          </a:fontRef>
+        </p:style>
+        <p:txBody>
+          <a:bodyPr rtlCol="0" anchor="ctr"/>
+          <a:lstStyle/>
+          <a:p>
+            <a:pPr algn="ctr"/>
+            <a:endParaRPr kumimoji="1" lang="ja-JP" altLang="en-US"/>
+          </a:p>
+        </p:txBody>
+      </p:sp>
+      <p:sp>
+        <p:nvSpPr>
+          <p:cNvPr id="9" name="四角形: 角を丸くする 8">
+            <a:extLst>
+              <a:ext uri="{FF2B5EF4-FFF2-40B4-BE49-F238E27FC236}">
+                <a16:creationId xmlns:a16="http://schemas.microsoft.com/office/drawing/2014/main" id="{8034C8C7-EB4F-1B7A-F11A-59FF03633DAF}"/>
+              </a:ext>
+            </a:extLst>
+          </p:cNvPr>
+          <p:cNvSpPr/>
+          <p:nvPr/>
+        </p:nvSpPr>
+        <p:spPr>
+          <a:xfrm>
+            <a:off x="3935550" y="3464832"/>
+            <a:ext cx="790726" cy="470261"/>
+          </a:xfrm>
+          <a:prstGeom prst="roundRect">
+            <a:avLst/>
+          </a:prstGeom>
+          <a:noFill/>
+          <a:ln w="38100" cap="flat" cmpd="sng" algn="ctr">
+            <a:solidFill>
+              <a:schemeClr val="accent4"/>
+            </a:solidFill>
+            <a:prstDash val="solid"/>
+            <a:round/>
+            <a:headEnd type="none" w="med" len="med"/>
+            <a:tailEnd type="none" w="med" len="med"/>
+          </a:ln>
+        </p:spPr>
+        <p:style>
+          <a:lnRef idx="0">
+            <a:scrgbClr r="0" g="0" b="0"/>
+          </a:lnRef>
+          <a:fillRef idx="0">
+            <a:scrgbClr r="0" g="0" b="0"/>
+          </a:fillRef>
+          <a:effectRef idx="0">
+            <a:scrgbClr r="0" g="0" b="0"/>
+          </a:effectRef>
+          <a:fontRef idx="minor">
+            <a:schemeClr val="accent4"/>
+          </a:fontRef>
+        </p:style>
+        <p:txBody>
+          <a:bodyPr rtlCol="0" anchor="ctr"/>
+          <a:lstStyle/>
+          <a:p>
+            <a:pPr algn="ctr"/>
+            <a:endParaRPr kumimoji="1" lang="ja-JP" altLang="en-US"/>
+          </a:p>
+        </p:txBody>
+      </p:sp>
+      <p:sp>
+        <p:nvSpPr>
+          <p:cNvPr id="10" name="吹き出し: 角を丸めた四角形 9">
+            <a:extLst>
+              <a:ext uri="{FF2B5EF4-FFF2-40B4-BE49-F238E27FC236}">
+                <a16:creationId xmlns:a16="http://schemas.microsoft.com/office/drawing/2014/main" id="{63AF0582-AE53-EA54-BF27-F1D2539FD4E1}"/>
+              </a:ext>
+            </a:extLst>
+          </p:cNvPr>
+          <p:cNvSpPr/>
+          <p:nvPr/>
+        </p:nvSpPr>
+        <p:spPr>
+          <a:xfrm>
+            <a:off x="1058008" y="4265633"/>
+            <a:ext cx="2483142" cy="766883"/>
+          </a:xfrm>
+          <a:prstGeom prst="wedgeRoundRectCallout">
+            <a:avLst>
+              <a:gd name="adj1" fmla="val 7888"/>
+              <a:gd name="adj2" fmla="val -73032"/>
+              <a:gd name="adj3" fmla="val 16667"/>
+            </a:avLst>
+          </a:prstGeom>
+          <a:noFill/>
+          <a:ln w="38100" cap="flat" cmpd="sng" algn="ctr">
+            <a:solidFill>
+              <a:srgbClr val="92D050"/>
+            </a:solidFill>
+            <a:prstDash val="solid"/>
+            <a:round/>
+            <a:headEnd type="none" w="med" len="med"/>
+            <a:tailEnd type="none" w="med" len="med"/>
+          </a:ln>
+        </p:spPr>
+        <p:style>
+          <a:lnRef idx="0">
+            <a:scrgbClr r="0" g="0" b="0"/>
+          </a:lnRef>
+          <a:fillRef idx="0">
+            <a:scrgbClr r="0" g="0" b="0"/>
+          </a:fillRef>
+          <a:effectRef idx="0">
+            <a:scrgbClr r="0" g="0" b="0"/>
+          </a:effectRef>
+          <a:fontRef idx="minor">
+            <a:schemeClr val="accent4"/>
+          </a:fontRef>
+        </p:style>
+        <p:txBody>
+          <a:bodyPr rtlCol="0" anchor="ctr"/>
+          <a:lstStyle/>
+          <a:p>
+            <a:pPr algn="ctr"/>
+            <a:r>
+              <a:rPr kumimoji="1" lang="ja-JP" altLang="en-US" dirty="0">
+                <a:solidFill>
+                  <a:srgbClr val="92D050"/>
+                </a:solidFill>
+              </a:rPr>
+              <a:t>追従目標点へ</a:t>
+            </a:r>
+            <a:br>
+              <a:rPr kumimoji="1" lang="en-US" altLang="ja-JP" dirty="0">
+                <a:solidFill>
+                  <a:srgbClr val="92D050"/>
+                </a:solidFill>
+              </a:rPr>
+            </a:br>
+            <a:r>
+              <a:rPr kumimoji="1" lang="ja-JP" altLang="en-US" dirty="0">
+                <a:solidFill>
+                  <a:srgbClr val="92D050"/>
+                </a:solidFill>
+              </a:rPr>
+              <a:t>向かおうとする量</a:t>
+            </a:r>
+            <a:endParaRPr kumimoji="1" lang="en-US" altLang="ja-JP" dirty="0">
+              <a:solidFill>
+                <a:srgbClr val="92D050"/>
+              </a:solidFill>
+            </a:endParaRPr>
+          </a:p>
+        </p:txBody>
+      </p:sp>
+      <p:sp>
+        <p:nvSpPr>
+          <p:cNvPr id="11" name="吹き出し: 角を丸めた四角形 10">
+            <a:extLst>
+              <a:ext uri="{FF2B5EF4-FFF2-40B4-BE49-F238E27FC236}">
+                <a16:creationId xmlns:a16="http://schemas.microsoft.com/office/drawing/2014/main" id="{437F72BF-22C7-F715-E9E3-9F9956E7C940}"/>
+              </a:ext>
+            </a:extLst>
+          </p:cNvPr>
+          <p:cNvSpPr/>
+          <p:nvPr/>
+        </p:nvSpPr>
+        <p:spPr>
+          <a:xfrm>
+            <a:off x="3935550" y="4265633"/>
+            <a:ext cx="2483141" cy="766883"/>
+          </a:xfrm>
+          <a:prstGeom prst="wedgeRoundRectCallout">
+            <a:avLst>
+              <a:gd name="adj1" fmla="val -37338"/>
+              <a:gd name="adj2" fmla="val -73032"/>
+              <a:gd name="adj3" fmla="val 16667"/>
+            </a:avLst>
+          </a:prstGeom>
+          <a:noFill/>
+          <a:ln w="38100" cap="flat" cmpd="sng" algn="ctr">
+            <a:solidFill>
+              <a:schemeClr val="accent4"/>
+            </a:solidFill>
+            <a:prstDash val="solid"/>
+            <a:round/>
+            <a:headEnd type="none" w="med" len="med"/>
+            <a:tailEnd type="none" w="med" len="med"/>
+          </a:ln>
+        </p:spPr>
+        <p:style>
+          <a:lnRef idx="0">
+            <a:scrgbClr r="0" g="0" b="0"/>
+          </a:lnRef>
+          <a:fillRef idx="0">
+            <a:scrgbClr r="0" g="0" b="0"/>
+          </a:fillRef>
+          <a:effectRef idx="0">
+            <a:scrgbClr r="0" g="0" b="0"/>
+          </a:effectRef>
+          <a:fontRef idx="minor">
+            <a:schemeClr val="accent4"/>
+          </a:fontRef>
+        </p:style>
+        <p:txBody>
+          <a:bodyPr rtlCol="0" anchor="ctr"/>
+          <a:lstStyle/>
+          <a:p>
+            <a:pPr algn="ctr"/>
+            <a:r>
+              <a:rPr kumimoji="1" lang="ja-JP" altLang="en-US" dirty="0"/>
+              <a:t>リーダーに</a:t>
+            </a:r>
+            <a:br>
+              <a:rPr kumimoji="1" lang="en-US" altLang="ja-JP" dirty="0"/>
+            </a:br>
+            <a:r>
+              <a:rPr kumimoji="1" lang="ja-JP" altLang="en-US" dirty="0"/>
+              <a:t>追い付こうとする量</a:t>
+            </a:r>
+          </a:p>
+        </p:txBody>
+      </p:sp>
+      <p:sp>
+        <p:nvSpPr>
+          <p:cNvPr id="12" name="四角形: 角を丸くする 11">
+            <a:extLst>
+              <a:ext uri="{FF2B5EF4-FFF2-40B4-BE49-F238E27FC236}">
+                <a16:creationId xmlns:a16="http://schemas.microsoft.com/office/drawing/2014/main" id="{30FB362F-1F58-56C2-57DE-9C2DB9E77C75}"/>
               </a:ext>
             </a:extLst>
           </p:cNvPr>
@@ -7949,144 +9015,6 @@
           <a:lstStyle/>
           <a:p>
             <a:pPr algn="ctr"/>
-            <a:endParaRPr kumimoji="1" lang="ja-JP" altLang="en-US"/>
-          </a:p>
-        </p:txBody>
-      </p:sp>
-    </p:spTree>
-    <p:extLst>
-      <p:ext uri="{BB962C8B-B14F-4D97-AF65-F5344CB8AC3E}">
-        <p14:creationId xmlns:p14="http://schemas.microsoft.com/office/powerpoint/2010/main" val="524518224"/>
-      </p:ext>
-    </p:extLst>
-  </p:cSld>
-  <p:clrMapOvr>
-    <a:masterClrMapping/>
-  </p:clrMapOvr>
-</p:sld>
-</file>
-
-<file path=ppt/slides/slide15.xml><?xml version="1.0" encoding="utf-8"?>
-<p:sld xmlns:a="http://schemas.openxmlformats.org/drawingml/2006/main" xmlns:r="http://schemas.openxmlformats.org/officeDocument/2006/relationships" xmlns:p="http://schemas.openxmlformats.org/presentationml/2006/main">
-  <p:cSld>
-    <p:spTree>
-      <p:nvGrpSpPr>
-        <p:cNvPr id="1" name=""/>
-        <p:cNvGrpSpPr/>
-        <p:nvPr/>
-      </p:nvGrpSpPr>
-      <p:grpSpPr>
-        <a:xfrm>
-          <a:off x="0" y="0"/>
-          <a:ext cx="0" cy="0"/>
-          <a:chOff x="0" y="0"/>
-          <a:chExt cx="0" cy="0"/>
-        </a:xfrm>
-      </p:grpSpPr>
-      <p:sp>
-        <p:nvSpPr>
-          <p:cNvPr id="2" name="タイトル 1">
-            <a:extLst>
-              <a:ext uri="{FF2B5EF4-FFF2-40B4-BE49-F238E27FC236}">
-                <a16:creationId xmlns:a16="http://schemas.microsoft.com/office/drawing/2014/main" id="{1AEF5D16-5FCC-B2A4-F67B-510A3A1BBCE9}"/>
-              </a:ext>
-            </a:extLst>
-          </p:cNvPr>
-          <p:cNvSpPr>
-            <a:spLocks noGrp="1"/>
-          </p:cNvSpPr>
-          <p:nvPr>
-            <p:ph type="title"/>
-          </p:nvPr>
-        </p:nvSpPr>
-        <p:spPr/>
-        <p:txBody>
-          <a:bodyPr/>
-          <a:lstStyle/>
-          <a:p>
-            <a:r>
-              <a:rPr kumimoji="1" lang="ja-JP" altLang="en-US" dirty="0"/>
-              <a:t>制御入力の方向</a:t>
-            </a:r>
-          </a:p>
-        </p:txBody>
-      </p:sp>
-      <p:sp>
-        <p:nvSpPr>
-          <p:cNvPr id="3" name="コンテンツ プレースホルダー 2">
-            <a:extLst>
-              <a:ext uri="{FF2B5EF4-FFF2-40B4-BE49-F238E27FC236}">
-                <a16:creationId xmlns:a16="http://schemas.microsoft.com/office/drawing/2014/main" id="{54854C22-392E-2B26-714C-9F55D2C0D94F}"/>
-              </a:ext>
-            </a:extLst>
-          </p:cNvPr>
-          <p:cNvSpPr>
-            <a:spLocks noGrp="1"/>
-          </p:cNvSpPr>
-          <p:nvPr>
-            <p:ph idx="1"/>
-          </p:nvPr>
-        </p:nvSpPr>
-        <p:spPr/>
-        <p:txBody>
-          <a:bodyPr/>
-          <a:lstStyle/>
-          <a:p>
-            <a:endParaRPr kumimoji="1" lang="ja-JP" altLang="en-US"/>
-          </a:p>
-        </p:txBody>
-      </p:sp>
-      <p:sp>
-        <p:nvSpPr>
-          <p:cNvPr id="4" name="スライド番号プレースホルダー 3">
-            <a:extLst>
-              <a:ext uri="{FF2B5EF4-FFF2-40B4-BE49-F238E27FC236}">
-                <a16:creationId xmlns:a16="http://schemas.microsoft.com/office/drawing/2014/main" id="{0CA60427-E916-EDE6-D32A-7C344F27AEE6}"/>
-              </a:ext>
-            </a:extLst>
-          </p:cNvPr>
-          <p:cNvSpPr>
-            <a:spLocks noGrp="1"/>
-          </p:cNvSpPr>
-          <p:nvPr>
-            <p:ph type="sldNum" sz="quarter" idx="12"/>
-          </p:nvPr>
-        </p:nvSpPr>
-        <p:spPr/>
-        <p:txBody>
-          <a:bodyPr/>
-          <a:lstStyle/>
-          <a:p>
-            <a:fld id="{55407BB7-92F5-4977-AA44-396FA1CF315E}" type="slidenum">
-              <a:rPr kumimoji="1" lang="ja-JP" altLang="en-US" smtClean="0"/>
-              <a:pPr/>
-              <a:t>14</a:t>
-            </a:fld>
-            <a:endParaRPr kumimoji="1" lang="ja-JP" altLang="en-US" dirty="0"/>
-          </a:p>
-        </p:txBody>
-      </p:sp>
-      <p:sp>
-        <p:nvSpPr>
-          <p:cNvPr id="5" name="テキスト プレースホルダー 4">
-            <a:extLst>
-              <a:ext uri="{FF2B5EF4-FFF2-40B4-BE49-F238E27FC236}">
-                <a16:creationId xmlns:a16="http://schemas.microsoft.com/office/drawing/2014/main" id="{AD375B24-F18B-DD73-CB77-0A05C59A634D}"/>
-              </a:ext>
-            </a:extLst>
-          </p:cNvPr>
-          <p:cNvSpPr>
-            <a:spLocks noGrp="1"/>
-          </p:cNvSpPr>
-          <p:nvPr>
-            <p:ph type="body" sz="quarter" idx="13"/>
-          </p:nvPr>
-        </p:nvSpPr>
-        <p:spPr/>
-        <p:txBody>
-          <a:bodyPr/>
-          <a:lstStyle/>
-          <a:p>
             <a:endParaRPr kumimoji="1" lang="ja-JP" altLang="en-US"/>
           </a:p>
         </p:txBody>

--- a/森本皓斗.pptx
+++ b/森本皓斗.pptx
@@ -5,7 +5,7 @@
     <p:sldMasterId id="2147483660" r:id="rId1"/>
   </p:sldMasterIdLst>
   <p:notesMasterIdLst>
-    <p:notesMasterId r:id="rId29"/>
+    <p:notesMasterId r:id="rId28"/>
   </p:notesMasterIdLst>
   <p:sldIdLst>
     <p:sldId id="256" r:id="rId2"/>
@@ -23,18 +23,17 @@
     <p:sldId id="272" r:id="rId14"/>
     <p:sldId id="273" r:id="rId15"/>
     <p:sldId id="274" r:id="rId16"/>
-    <p:sldId id="282" r:id="rId17"/>
+    <p:sldId id="284" r:id="rId17"/>
     <p:sldId id="283" r:id="rId18"/>
-    <p:sldId id="284" r:id="rId19"/>
-    <p:sldId id="285" r:id="rId20"/>
-    <p:sldId id="286" r:id="rId21"/>
-    <p:sldId id="275" r:id="rId22"/>
-    <p:sldId id="279" r:id="rId23"/>
-    <p:sldId id="276" r:id="rId24"/>
-    <p:sldId id="278" r:id="rId25"/>
-    <p:sldId id="277" r:id="rId26"/>
-    <p:sldId id="280" r:id="rId27"/>
-    <p:sldId id="281" r:id="rId28"/>
+    <p:sldId id="285" r:id="rId19"/>
+    <p:sldId id="286" r:id="rId20"/>
+    <p:sldId id="275" r:id="rId21"/>
+    <p:sldId id="279" r:id="rId22"/>
+    <p:sldId id="276" r:id="rId23"/>
+    <p:sldId id="278" r:id="rId24"/>
+    <p:sldId id="277" r:id="rId25"/>
+    <p:sldId id="280" r:id="rId26"/>
+    <p:sldId id="281" r:id="rId27"/>
   </p:sldIdLst>
   <p:sldSz cx="9144000" cy="6858000" type="screen4x3"/>
   <p:notesSz cx="6858000" cy="9144000"/>
@@ -2870,6 +2869,453 @@
 </file>
 
 <file path=ppt/slideLayouts/slideLayout5.xml><?xml version="1.0" encoding="utf-8"?>
+<p:sldLayout xmlns:a="http://schemas.openxmlformats.org/drawingml/2006/main" xmlns:r="http://schemas.openxmlformats.org/officeDocument/2006/relationships" xmlns:p="http://schemas.openxmlformats.org/presentationml/2006/main" preserve="1" userDrawn="1">
+  <p:cSld name="2 つのコンテンツ">
+    <p:spTree>
+      <p:nvGrpSpPr>
+        <p:cNvPr id="1" name=""/>
+        <p:cNvGrpSpPr/>
+        <p:nvPr/>
+      </p:nvGrpSpPr>
+      <p:grpSpPr>
+        <a:xfrm>
+          <a:off x="0" y="0"/>
+          <a:ext cx="0" cy="0"/>
+          <a:chOff x="0" y="0"/>
+          <a:chExt cx="0" cy="0"/>
+        </a:xfrm>
+      </p:grpSpPr>
+      <p:sp>
+        <p:nvSpPr>
+          <p:cNvPr id="8" name="楕円 7">
+            <a:extLst>
+              <a:ext uri="{FF2B5EF4-FFF2-40B4-BE49-F238E27FC236}">
+                <a16:creationId xmlns:a16="http://schemas.microsoft.com/office/drawing/2014/main" id="{88155AE5-5C4C-6C2B-2052-CBC59C679B74}"/>
+              </a:ext>
+            </a:extLst>
+          </p:cNvPr>
+          <p:cNvSpPr/>
+          <p:nvPr userDrawn="1"/>
+        </p:nvSpPr>
+        <p:spPr>
+          <a:xfrm>
+            <a:off x="8144860" y="150401"/>
+            <a:ext cx="914400" cy="914400"/>
+          </a:xfrm>
+          <a:prstGeom prst="ellipse">
+            <a:avLst/>
+          </a:prstGeom>
+          <a:solidFill>
+            <a:schemeClr val="accent6"/>
+          </a:solidFill>
+          <a:ln>
+            <a:noFill/>
+          </a:ln>
+        </p:spPr>
+        <p:style>
+          <a:lnRef idx="2">
+            <a:schemeClr val="accent1">
+              <a:shade val="15000"/>
+            </a:schemeClr>
+          </a:lnRef>
+          <a:fillRef idx="1">
+            <a:schemeClr val="accent1"/>
+          </a:fillRef>
+          <a:effectRef idx="0">
+            <a:schemeClr val="accent1"/>
+          </a:effectRef>
+          <a:fontRef idx="minor">
+            <a:schemeClr val="lt1"/>
+          </a:fontRef>
+        </p:style>
+        <p:txBody>
+          <a:bodyPr rtlCol="0" anchor="ctr"/>
+          <a:lstStyle/>
+          <a:p>
+            <a:pPr algn="ctr"/>
+            <a:endParaRPr kumimoji="1" lang="ja-JP" altLang="en-US"/>
+          </a:p>
+        </p:txBody>
+      </p:sp>
+      <p:sp>
+        <p:nvSpPr>
+          <p:cNvPr id="3" name="Content Placeholder 2"/>
+          <p:cNvSpPr>
+            <a:spLocks noGrp="1"/>
+          </p:cNvSpPr>
+          <p:nvPr>
+            <p:ph sz="half" idx="1"/>
+          </p:nvPr>
+        </p:nvSpPr>
+        <p:spPr>
+          <a:xfrm>
+            <a:off x="628650" y="1418809"/>
+            <a:ext cx="3886200" cy="5264704"/>
+          </a:xfrm>
+        </p:spPr>
+        <p:txBody>
+          <a:bodyPr/>
+          <a:lstStyle>
+            <a:lvl1pPr marL="228600" indent="-228600">
+              <a:buFont typeface="Wingdings" panose="05000000000000000000" pitchFamily="2" charset="2"/>
+              <a:buChar char="p"/>
+              <a:defRPr sz="2400"/>
+            </a:lvl1pPr>
+            <a:lvl2pPr marL="685800" indent="-228600">
+              <a:buFont typeface="Wingdings" panose="05000000000000000000" pitchFamily="2" charset="2"/>
+              <a:buChar char="p"/>
+              <a:defRPr sz="2000"/>
+            </a:lvl2pPr>
+            <a:lvl3pPr marL="1143000" indent="-228600">
+              <a:buFont typeface="Wingdings" panose="05000000000000000000" pitchFamily="2" charset="2"/>
+              <a:buChar char="p"/>
+              <a:defRPr sz="1800"/>
+            </a:lvl3pPr>
+            <a:lvl4pPr marL="1600200" indent="-228600">
+              <a:buFont typeface="Wingdings" panose="05000000000000000000" pitchFamily="2" charset="2"/>
+              <a:buChar char="p"/>
+              <a:defRPr sz="1600"/>
+            </a:lvl4pPr>
+            <a:lvl5pPr marL="2057400" indent="-228600">
+              <a:buFont typeface="Wingdings" panose="05000000000000000000" pitchFamily="2" charset="2"/>
+              <a:buChar char="p"/>
+              <a:defRPr sz="1600"/>
+            </a:lvl5pPr>
+          </a:lstStyle>
+          <a:p>
+            <a:pPr lvl="0"/>
+            <a:r>
+              <a:rPr lang="ja-JP" altLang="en-US" dirty="0"/>
+              <a:t>マスター テキストの書式設定</a:t>
+            </a:r>
+          </a:p>
+          <a:p>
+            <a:pPr lvl="1"/>
+            <a:r>
+              <a:rPr lang="ja-JP" altLang="en-US" dirty="0"/>
+              <a:t>第 </a:t>
+            </a:r>
+            <a:r>
+              <a:rPr lang="en-US" altLang="ja-JP" dirty="0"/>
+              <a:t>2 </a:t>
+            </a:r>
+            <a:r>
+              <a:rPr lang="ja-JP" altLang="en-US" dirty="0"/>
+              <a:t>レベル</a:t>
+            </a:r>
+          </a:p>
+          <a:p>
+            <a:pPr lvl="2"/>
+            <a:r>
+              <a:rPr lang="ja-JP" altLang="en-US" dirty="0"/>
+              <a:t>第 </a:t>
+            </a:r>
+            <a:r>
+              <a:rPr lang="en-US" altLang="ja-JP" dirty="0"/>
+              <a:t>3 </a:t>
+            </a:r>
+            <a:r>
+              <a:rPr lang="ja-JP" altLang="en-US" dirty="0"/>
+              <a:t>レベル</a:t>
+            </a:r>
+          </a:p>
+          <a:p>
+            <a:pPr lvl="3"/>
+            <a:r>
+              <a:rPr lang="ja-JP" altLang="en-US" dirty="0"/>
+              <a:t>第 </a:t>
+            </a:r>
+            <a:r>
+              <a:rPr lang="en-US" altLang="ja-JP" dirty="0"/>
+              <a:t>4 </a:t>
+            </a:r>
+            <a:r>
+              <a:rPr lang="ja-JP" altLang="en-US" dirty="0"/>
+              <a:t>レベル</a:t>
+            </a:r>
+          </a:p>
+          <a:p>
+            <a:pPr lvl="4"/>
+            <a:r>
+              <a:rPr lang="ja-JP" altLang="en-US" dirty="0"/>
+              <a:t>第 </a:t>
+            </a:r>
+            <a:r>
+              <a:rPr lang="en-US" altLang="ja-JP" dirty="0"/>
+              <a:t>5 </a:t>
+            </a:r>
+            <a:r>
+              <a:rPr lang="ja-JP" altLang="en-US" dirty="0"/>
+              <a:t>レベル</a:t>
+            </a:r>
+            <a:endParaRPr lang="en-US" dirty="0"/>
+          </a:p>
+        </p:txBody>
+      </p:sp>
+      <p:sp>
+        <p:nvSpPr>
+          <p:cNvPr id="4" name="Content Placeholder 3"/>
+          <p:cNvSpPr>
+            <a:spLocks noGrp="1"/>
+          </p:cNvSpPr>
+          <p:nvPr>
+            <p:ph sz="half" idx="2"/>
+          </p:nvPr>
+        </p:nvSpPr>
+        <p:spPr>
+          <a:xfrm>
+            <a:off x="4629150" y="1418809"/>
+            <a:ext cx="3886200" cy="5264704"/>
+          </a:xfrm>
+        </p:spPr>
+        <p:txBody>
+          <a:bodyPr/>
+          <a:lstStyle>
+            <a:lvl1pPr marL="228600" indent="-228600">
+              <a:buFont typeface="Wingdings" panose="05000000000000000000" pitchFamily="2" charset="2"/>
+              <a:buChar char="p"/>
+              <a:defRPr sz="2400"/>
+            </a:lvl1pPr>
+            <a:lvl2pPr marL="685800" indent="-228600">
+              <a:buFont typeface="Wingdings" panose="05000000000000000000" pitchFamily="2" charset="2"/>
+              <a:buChar char="p"/>
+              <a:defRPr sz="2000"/>
+            </a:lvl2pPr>
+            <a:lvl3pPr marL="1143000" indent="-228600">
+              <a:buFont typeface="Wingdings" panose="05000000000000000000" pitchFamily="2" charset="2"/>
+              <a:buChar char="p"/>
+              <a:defRPr sz="1800"/>
+            </a:lvl3pPr>
+            <a:lvl4pPr marL="1600200" indent="-228600">
+              <a:buFont typeface="Wingdings" panose="05000000000000000000" pitchFamily="2" charset="2"/>
+              <a:buChar char="p"/>
+              <a:defRPr sz="1600"/>
+            </a:lvl4pPr>
+            <a:lvl5pPr marL="2057400" indent="-228600">
+              <a:buFont typeface="Wingdings" panose="05000000000000000000" pitchFamily="2" charset="2"/>
+              <a:buChar char="p"/>
+              <a:defRPr sz="1600"/>
+            </a:lvl5pPr>
+          </a:lstStyle>
+          <a:p>
+            <a:pPr lvl="0"/>
+            <a:r>
+              <a:rPr lang="ja-JP" altLang="en-US" dirty="0"/>
+              <a:t>マスター テキストの書式設定</a:t>
+            </a:r>
+          </a:p>
+          <a:p>
+            <a:pPr lvl="1"/>
+            <a:r>
+              <a:rPr lang="ja-JP" altLang="en-US" dirty="0"/>
+              <a:t>第 </a:t>
+            </a:r>
+            <a:r>
+              <a:rPr lang="en-US" altLang="ja-JP" dirty="0"/>
+              <a:t>2 </a:t>
+            </a:r>
+            <a:r>
+              <a:rPr lang="ja-JP" altLang="en-US" dirty="0"/>
+              <a:t>レベル</a:t>
+            </a:r>
+          </a:p>
+          <a:p>
+            <a:pPr lvl="2"/>
+            <a:r>
+              <a:rPr lang="ja-JP" altLang="en-US" dirty="0"/>
+              <a:t>第 </a:t>
+            </a:r>
+            <a:r>
+              <a:rPr lang="en-US" altLang="ja-JP" dirty="0"/>
+              <a:t>3 </a:t>
+            </a:r>
+            <a:r>
+              <a:rPr lang="ja-JP" altLang="en-US" dirty="0"/>
+              <a:t>レベル</a:t>
+            </a:r>
+          </a:p>
+          <a:p>
+            <a:pPr lvl="3"/>
+            <a:r>
+              <a:rPr lang="ja-JP" altLang="en-US" dirty="0"/>
+              <a:t>第 </a:t>
+            </a:r>
+            <a:r>
+              <a:rPr lang="en-US" altLang="ja-JP" dirty="0"/>
+              <a:t>4 </a:t>
+            </a:r>
+            <a:r>
+              <a:rPr lang="ja-JP" altLang="en-US" dirty="0"/>
+              <a:t>レベル</a:t>
+            </a:r>
+          </a:p>
+          <a:p>
+            <a:pPr lvl="4"/>
+            <a:r>
+              <a:rPr lang="ja-JP" altLang="en-US" dirty="0"/>
+              <a:t>第 </a:t>
+            </a:r>
+            <a:r>
+              <a:rPr lang="en-US" altLang="ja-JP" dirty="0"/>
+              <a:t>5 </a:t>
+            </a:r>
+            <a:r>
+              <a:rPr lang="ja-JP" altLang="en-US" dirty="0"/>
+              <a:t>レベル</a:t>
+            </a:r>
+            <a:endParaRPr lang="en-US" dirty="0"/>
+          </a:p>
+        </p:txBody>
+      </p:sp>
+      <p:sp>
+        <p:nvSpPr>
+          <p:cNvPr id="9" name="Title 1">
+            <a:extLst>
+              <a:ext uri="{FF2B5EF4-FFF2-40B4-BE49-F238E27FC236}">
+                <a16:creationId xmlns:a16="http://schemas.microsoft.com/office/drawing/2014/main" id="{1BA86F5D-87DF-CE49-554B-5DBD1E8743C1}"/>
+              </a:ext>
+            </a:extLst>
+          </p:cNvPr>
+          <p:cNvSpPr>
+            <a:spLocks noGrp="1"/>
+          </p:cNvSpPr>
+          <p:nvPr>
+            <p:ph type="title"/>
+          </p:nvPr>
+        </p:nvSpPr>
+        <p:spPr>
+          <a:xfrm>
+            <a:off x="258160" y="174487"/>
+            <a:ext cx="7886700" cy="890314"/>
+          </a:xfrm>
+        </p:spPr>
+        <p:txBody>
+          <a:bodyPr>
+            <a:normAutofit/>
+          </a:bodyPr>
+          <a:lstStyle>
+            <a:lvl1pPr>
+              <a:defRPr sz="4000" b="1" i="0"/>
+            </a:lvl1pPr>
+          </a:lstStyle>
+          <a:p>
+            <a:r>
+              <a:rPr lang="ja-JP" altLang="en-US" dirty="0"/>
+              <a:t>マスター タイトルの書式設定</a:t>
+            </a:r>
+            <a:endParaRPr lang="en-US" dirty="0"/>
+          </a:p>
+        </p:txBody>
+      </p:sp>
+      <p:sp>
+        <p:nvSpPr>
+          <p:cNvPr id="11" name="正方形/長方形 10">
+            <a:extLst>
+              <a:ext uri="{FF2B5EF4-FFF2-40B4-BE49-F238E27FC236}">
+                <a16:creationId xmlns:a16="http://schemas.microsoft.com/office/drawing/2014/main" id="{73B09189-5843-0C59-2E1C-45143BAB3574}"/>
+              </a:ext>
+            </a:extLst>
+          </p:cNvPr>
+          <p:cNvSpPr/>
+          <p:nvPr userDrawn="1"/>
+        </p:nvSpPr>
+        <p:spPr>
+          <a:xfrm flipV="1">
+            <a:off x="0" y="1209028"/>
+            <a:ext cx="9144000" cy="65554"/>
+          </a:xfrm>
+          <a:prstGeom prst="rect">
+            <a:avLst/>
+          </a:prstGeom>
+          <a:solidFill>
+            <a:schemeClr val="accent6"/>
+          </a:solidFill>
+          <a:ln>
+            <a:noFill/>
+          </a:ln>
+        </p:spPr>
+        <p:style>
+          <a:lnRef idx="2">
+            <a:schemeClr val="accent1">
+              <a:shade val="15000"/>
+            </a:schemeClr>
+          </a:lnRef>
+          <a:fillRef idx="1">
+            <a:schemeClr val="accent1"/>
+          </a:fillRef>
+          <a:effectRef idx="0">
+            <a:schemeClr val="accent1"/>
+          </a:effectRef>
+          <a:fontRef idx="minor">
+            <a:schemeClr val="lt1"/>
+          </a:fontRef>
+        </p:style>
+        <p:txBody>
+          <a:bodyPr rtlCol="0" anchor="ctr"/>
+          <a:lstStyle/>
+          <a:p>
+            <a:pPr algn="ctr"/>
+            <a:endParaRPr kumimoji="1" lang="ja-JP" altLang="en-US"/>
+          </a:p>
+        </p:txBody>
+      </p:sp>
+      <p:sp>
+        <p:nvSpPr>
+          <p:cNvPr id="10" name="Slide Number Placeholder 5">
+            <a:extLst>
+              <a:ext uri="{FF2B5EF4-FFF2-40B4-BE49-F238E27FC236}">
+                <a16:creationId xmlns:a16="http://schemas.microsoft.com/office/drawing/2014/main" id="{6E1553C5-A178-928B-9744-EB5BCC434265}"/>
+              </a:ext>
+            </a:extLst>
+          </p:cNvPr>
+          <p:cNvSpPr>
+            <a:spLocks noGrp="1"/>
+          </p:cNvSpPr>
+          <p:nvPr>
+            <p:ph type="sldNum" sz="quarter" idx="12"/>
+          </p:nvPr>
+        </p:nvSpPr>
+        <p:spPr>
+          <a:xfrm>
+            <a:off x="8316310" y="437081"/>
+            <a:ext cx="567558" cy="365125"/>
+          </a:xfrm>
+        </p:spPr>
+        <p:txBody>
+          <a:bodyPr/>
+          <a:lstStyle>
+            <a:lvl1pPr algn="ctr">
+              <a:defRPr sz="2400" b="1">
+                <a:solidFill>
+                  <a:schemeClr val="tx1"/>
+                </a:solidFill>
+              </a:defRPr>
+            </a:lvl1pPr>
+          </a:lstStyle>
+          <a:p>
+            <a:fld id="{55407BB7-92F5-4977-AA44-396FA1CF315E}" type="slidenum">
+              <a:rPr kumimoji="1" lang="ja-JP" altLang="en-US" smtClean="0"/>
+              <a:pPr/>
+              <a:t>‹#›</a:t>
+            </a:fld>
+            <a:endParaRPr kumimoji="1" lang="ja-JP" altLang="en-US" dirty="0"/>
+          </a:p>
+        </p:txBody>
+      </p:sp>
+    </p:spTree>
+    <p:extLst>
+      <p:ext uri="{BB962C8B-B14F-4D97-AF65-F5344CB8AC3E}">
+        <p14:creationId xmlns:p14="http://schemas.microsoft.com/office/powerpoint/2010/main" val="3125801372"/>
+      </p:ext>
+    </p:extLst>
+  </p:cSld>
+  <p:clrMapOvr>
+    <a:masterClrMapping/>
+  </p:clrMapOvr>
+</p:sldLayout>
+</file>
+
+<file path=ppt/slideLayouts/slideLayout6.xml><?xml version="1.0" encoding="utf-8"?>
 <p:sldLayout xmlns:a="http://schemas.openxmlformats.org/drawingml/2006/main" xmlns:r="http://schemas.openxmlformats.org/officeDocument/2006/relationships" xmlns:p="http://schemas.openxmlformats.org/presentationml/2006/main" type="secHead" preserve="1">
   <p:cSld name="セクション見出し">
     <p:spTree>
@@ -3115,302 +3561,6 @@
 </p:sldLayout>
 </file>
 
-<file path=ppt/slideLayouts/slideLayout6.xml><?xml version="1.0" encoding="utf-8"?>
-<p:sldLayout xmlns:a="http://schemas.openxmlformats.org/drawingml/2006/main" xmlns:r="http://schemas.openxmlformats.org/officeDocument/2006/relationships" xmlns:p="http://schemas.openxmlformats.org/presentationml/2006/main" type="twoObj" preserve="1">
-  <p:cSld name="2 つのコンテンツ">
-    <p:spTree>
-      <p:nvGrpSpPr>
-        <p:cNvPr id="1" name=""/>
-        <p:cNvGrpSpPr/>
-        <p:nvPr/>
-      </p:nvGrpSpPr>
-      <p:grpSpPr>
-        <a:xfrm>
-          <a:off x="0" y="0"/>
-          <a:ext cx="0" cy="0"/>
-          <a:chOff x="0" y="0"/>
-          <a:chExt cx="0" cy="0"/>
-        </a:xfrm>
-      </p:grpSpPr>
-      <p:sp>
-        <p:nvSpPr>
-          <p:cNvPr id="2" name="Title 1"/>
-          <p:cNvSpPr>
-            <a:spLocks noGrp="1"/>
-          </p:cNvSpPr>
-          <p:nvPr>
-            <p:ph type="title"/>
-          </p:nvPr>
-        </p:nvSpPr>
-        <p:spPr/>
-        <p:txBody>
-          <a:bodyPr/>
-          <a:lstStyle/>
-          <a:p>
-            <a:r>
-              <a:rPr lang="ja-JP" altLang="en-US"/>
-              <a:t>マスター タイトルの書式設定</a:t>
-            </a:r>
-            <a:endParaRPr lang="en-US" dirty="0"/>
-          </a:p>
-        </p:txBody>
-      </p:sp>
-      <p:sp>
-        <p:nvSpPr>
-          <p:cNvPr id="3" name="Content Placeholder 2"/>
-          <p:cNvSpPr>
-            <a:spLocks noGrp="1"/>
-          </p:cNvSpPr>
-          <p:nvPr>
-            <p:ph sz="half" idx="1"/>
-          </p:nvPr>
-        </p:nvSpPr>
-        <p:spPr>
-          <a:xfrm>
-            <a:off x="628650" y="1825625"/>
-            <a:ext cx="3886200" cy="4351338"/>
-          </a:xfrm>
-        </p:spPr>
-        <p:txBody>
-          <a:bodyPr/>
-          <a:lstStyle/>
-          <a:p>
-            <a:pPr lvl="0"/>
-            <a:r>
-              <a:rPr lang="ja-JP" altLang="en-US"/>
-              <a:t>マスター テキストの書式設定</a:t>
-            </a:r>
-          </a:p>
-          <a:p>
-            <a:pPr lvl="1"/>
-            <a:r>
-              <a:rPr lang="ja-JP" altLang="en-US"/>
-              <a:t>第 </a:t>
-            </a:r>
-            <a:r>
-              <a:rPr lang="en-US" altLang="ja-JP"/>
-              <a:t>2 </a:t>
-            </a:r>
-            <a:r>
-              <a:rPr lang="ja-JP" altLang="en-US"/>
-              <a:t>レベル</a:t>
-            </a:r>
-          </a:p>
-          <a:p>
-            <a:pPr lvl="2"/>
-            <a:r>
-              <a:rPr lang="ja-JP" altLang="en-US"/>
-              <a:t>第 </a:t>
-            </a:r>
-            <a:r>
-              <a:rPr lang="en-US" altLang="ja-JP"/>
-              <a:t>3 </a:t>
-            </a:r>
-            <a:r>
-              <a:rPr lang="ja-JP" altLang="en-US"/>
-              <a:t>レベル</a:t>
-            </a:r>
-          </a:p>
-          <a:p>
-            <a:pPr lvl="3"/>
-            <a:r>
-              <a:rPr lang="ja-JP" altLang="en-US"/>
-              <a:t>第 </a:t>
-            </a:r>
-            <a:r>
-              <a:rPr lang="en-US" altLang="ja-JP"/>
-              <a:t>4 </a:t>
-            </a:r>
-            <a:r>
-              <a:rPr lang="ja-JP" altLang="en-US"/>
-              <a:t>レベル</a:t>
-            </a:r>
-          </a:p>
-          <a:p>
-            <a:pPr lvl="4"/>
-            <a:r>
-              <a:rPr lang="ja-JP" altLang="en-US"/>
-              <a:t>第 </a:t>
-            </a:r>
-            <a:r>
-              <a:rPr lang="en-US" altLang="ja-JP"/>
-              <a:t>5 </a:t>
-            </a:r>
-            <a:r>
-              <a:rPr lang="ja-JP" altLang="en-US"/>
-              <a:t>レベル</a:t>
-            </a:r>
-            <a:endParaRPr lang="en-US" dirty="0"/>
-          </a:p>
-        </p:txBody>
-      </p:sp>
-      <p:sp>
-        <p:nvSpPr>
-          <p:cNvPr id="4" name="Content Placeholder 3"/>
-          <p:cNvSpPr>
-            <a:spLocks noGrp="1"/>
-          </p:cNvSpPr>
-          <p:nvPr>
-            <p:ph sz="half" idx="2"/>
-          </p:nvPr>
-        </p:nvSpPr>
-        <p:spPr>
-          <a:xfrm>
-            <a:off x="4629150" y="1825625"/>
-            <a:ext cx="3886200" cy="4351338"/>
-          </a:xfrm>
-        </p:spPr>
-        <p:txBody>
-          <a:bodyPr/>
-          <a:lstStyle/>
-          <a:p>
-            <a:pPr lvl="0"/>
-            <a:r>
-              <a:rPr lang="ja-JP" altLang="en-US"/>
-              <a:t>マスター テキストの書式設定</a:t>
-            </a:r>
-          </a:p>
-          <a:p>
-            <a:pPr lvl="1"/>
-            <a:r>
-              <a:rPr lang="ja-JP" altLang="en-US"/>
-              <a:t>第 </a:t>
-            </a:r>
-            <a:r>
-              <a:rPr lang="en-US" altLang="ja-JP"/>
-              <a:t>2 </a:t>
-            </a:r>
-            <a:r>
-              <a:rPr lang="ja-JP" altLang="en-US"/>
-              <a:t>レベル</a:t>
-            </a:r>
-          </a:p>
-          <a:p>
-            <a:pPr lvl="2"/>
-            <a:r>
-              <a:rPr lang="ja-JP" altLang="en-US"/>
-              <a:t>第 </a:t>
-            </a:r>
-            <a:r>
-              <a:rPr lang="en-US" altLang="ja-JP"/>
-              <a:t>3 </a:t>
-            </a:r>
-            <a:r>
-              <a:rPr lang="ja-JP" altLang="en-US"/>
-              <a:t>レベル</a:t>
-            </a:r>
-          </a:p>
-          <a:p>
-            <a:pPr lvl="3"/>
-            <a:r>
-              <a:rPr lang="ja-JP" altLang="en-US"/>
-              <a:t>第 </a:t>
-            </a:r>
-            <a:r>
-              <a:rPr lang="en-US" altLang="ja-JP"/>
-              <a:t>4 </a:t>
-            </a:r>
-            <a:r>
-              <a:rPr lang="ja-JP" altLang="en-US"/>
-              <a:t>レベル</a:t>
-            </a:r>
-          </a:p>
-          <a:p>
-            <a:pPr lvl="4"/>
-            <a:r>
-              <a:rPr lang="ja-JP" altLang="en-US"/>
-              <a:t>第 </a:t>
-            </a:r>
-            <a:r>
-              <a:rPr lang="en-US" altLang="ja-JP"/>
-              <a:t>5 </a:t>
-            </a:r>
-            <a:r>
-              <a:rPr lang="ja-JP" altLang="en-US"/>
-              <a:t>レベル</a:t>
-            </a:r>
-            <a:endParaRPr lang="en-US" dirty="0"/>
-          </a:p>
-        </p:txBody>
-      </p:sp>
-      <p:sp>
-        <p:nvSpPr>
-          <p:cNvPr id="5" name="Date Placeholder 4"/>
-          <p:cNvSpPr>
-            <a:spLocks noGrp="1"/>
-          </p:cNvSpPr>
-          <p:nvPr>
-            <p:ph type="dt" sz="half" idx="10"/>
-          </p:nvPr>
-        </p:nvSpPr>
-        <p:spPr/>
-        <p:txBody>
-          <a:bodyPr/>
-          <a:lstStyle/>
-          <a:p>
-            <a:fld id="{AED794AB-D91E-402F-B407-587A4C29DC8B}" type="datetimeFigureOut">
-              <a:rPr kumimoji="1" lang="ja-JP" altLang="en-US" smtClean="0"/>
-              <a:t>2025/6/18</a:t>
-            </a:fld>
-            <a:endParaRPr kumimoji="1" lang="ja-JP" altLang="en-US"/>
-          </a:p>
-        </p:txBody>
-      </p:sp>
-      <p:sp>
-        <p:nvSpPr>
-          <p:cNvPr id="6" name="Footer Placeholder 5"/>
-          <p:cNvSpPr>
-            <a:spLocks noGrp="1"/>
-          </p:cNvSpPr>
-          <p:nvPr>
-            <p:ph type="ftr" sz="quarter" idx="11"/>
-          </p:nvPr>
-        </p:nvSpPr>
-        <p:spPr/>
-        <p:txBody>
-          <a:bodyPr/>
-          <a:lstStyle/>
-          <a:p>
-            <a:endParaRPr kumimoji="1" lang="ja-JP" altLang="en-US"/>
-          </a:p>
-        </p:txBody>
-      </p:sp>
-      <p:sp>
-        <p:nvSpPr>
-          <p:cNvPr id="7" name="Slide Number Placeholder 6"/>
-          <p:cNvSpPr>
-            <a:spLocks noGrp="1"/>
-          </p:cNvSpPr>
-          <p:nvPr>
-            <p:ph type="sldNum" sz="quarter" idx="12"/>
-          </p:nvPr>
-        </p:nvSpPr>
-        <p:spPr/>
-        <p:txBody>
-          <a:bodyPr/>
-          <a:lstStyle/>
-          <a:p>
-            <a:fld id="{55407BB7-92F5-4977-AA44-396FA1CF315E}" type="slidenum">
-              <a:rPr kumimoji="1" lang="ja-JP" altLang="en-US" smtClean="0"/>
-              <a:t>‹#›</a:t>
-            </a:fld>
-            <a:endParaRPr kumimoji="1" lang="ja-JP" altLang="en-US"/>
-          </a:p>
-        </p:txBody>
-      </p:sp>
-    </p:spTree>
-    <p:extLst>
-      <p:ext uri="{BB962C8B-B14F-4D97-AF65-F5344CB8AC3E}">
-        <p14:creationId xmlns:p14="http://schemas.microsoft.com/office/powerpoint/2010/main" val="3125801372"/>
-      </p:ext>
-    </p:extLst>
-  </p:cSld>
-  <p:clrMapOvr>
-    <a:masterClrMapping/>
-  </p:clrMapOvr>
-</p:sldLayout>
-</file>
-
 <file path=ppt/slideLayouts/slideLayout7.xml><?xml version="1.0" encoding="utf-8"?>
 <p:sldLayout xmlns:a="http://schemas.openxmlformats.org/drawingml/2006/main" xmlns:r="http://schemas.openxmlformats.org/officeDocument/2006/relationships" xmlns:p="http://schemas.openxmlformats.org/presentationml/2006/main" type="twoTxTwoObj" preserve="1">
   <p:cSld name="比較">
@@ -4356,8 +4506,8 @@
     <p:sldLayoutId id="2147483662" r:id="rId2"/>
     <p:sldLayoutId id="2147483672" r:id="rId3"/>
     <p:sldLayoutId id="2147483673" r:id="rId4"/>
-    <p:sldLayoutId id="2147483663" r:id="rId5"/>
-    <p:sldLayoutId id="2147483664" r:id="rId6"/>
+    <p:sldLayoutId id="2147483664" r:id="rId5"/>
+    <p:sldLayoutId id="2147483663" r:id="rId6"/>
     <p:sldLayoutId id="2147483665" r:id="rId7"/>
     <p:sldLayoutId id="2147483674" r:id="rId8"/>
     <p:sldLayoutId id="2147483666" r:id="rId9"/>
@@ -8257,10 +8407,10 @@
       </p:pic>
       <p:pic>
         <p:nvPicPr>
-          <p:cNvPr id="20" name="グラフィックス 19">
+          <p:cNvPr id="22" name="グラフィックス 21">
             <a:extLst>
               <a:ext uri="{FF2B5EF4-FFF2-40B4-BE49-F238E27FC236}">
-                <a16:creationId xmlns:a16="http://schemas.microsoft.com/office/drawing/2014/main" id="{AD9C2CB9-DA2D-8AF1-AF6B-B6429AD71159}"/>
+                <a16:creationId xmlns:a16="http://schemas.microsoft.com/office/drawing/2014/main" id="{7180C074-82AE-5246-911D-F3F0B3A22E29}"/>
               </a:ext>
             </a:extLst>
           </p:cNvPr>
@@ -8274,42 +8424,6 @@
             <a:extLst>
               <a:ext uri="{96DAC541-7B7A-43D3-8B79-37D633B846F1}">
                 <asvg:svgBlip xmlns:asvg="http://schemas.microsoft.com/office/drawing/2016/SVG/main" r:embed="rId9"/>
-              </a:ext>
-            </a:extLst>
-          </a:blip>
-          <a:stretch>
-            <a:fillRect/>
-          </a:stretch>
-        </p:blipFill>
-        <p:spPr>
-          <a:xfrm>
-            <a:off x="7339814" y="1963501"/>
-            <a:ext cx="3608372" cy="767739"/>
-          </a:xfrm>
-          <a:prstGeom prst="rect">
-            <a:avLst/>
-          </a:prstGeom>
-        </p:spPr>
-      </p:pic>
-      <p:pic>
-        <p:nvPicPr>
-          <p:cNvPr id="22" name="グラフィックス 21">
-            <a:extLst>
-              <a:ext uri="{FF2B5EF4-FFF2-40B4-BE49-F238E27FC236}">
-                <a16:creationId xmlns:a16="http://schemas.microsoft.com/office/drawing/2014/main" id="{7180C074-82AE-5246-911D-F3F0B3A22E29}"/>
-              </a:ext>
-            </a:extLst>
-          </p:cNvPr>
-          <p:cNvPicPr>
-            <a:picLocks noChangeAspect="1"/>
-          </p:cNvPicPr>
-          <p:nvPr/>
-        </p:nvPicPr>
-        <p:blipFill>
-          <a:blip r:embed="rId10">
-            <a:extLst>
-              <a:ext uri="{96DAC541-7B7A-43D3-8B79-37D633B846F1}">
-                <asvg:svgBlip xmlns:asvg="http://schemas.microsoft.com/office/drawing/2016/SVG/main" r:embed="rId11"/>
               </a:ext>
             </a:extLst>
           </a:blip>
@@ -9049,8 +9163,8 @@
           <a:chExt cx="0" cy="0"/>
         </a:xfrm>
       </p:grpSpPr>
-      <mc:AlternateContent xmlns:mc="http://schemas.openxmlformats.org/markup-compatibility/2006" xmlns:a14="http://schemas.microsoft.com/office/drawing/2010/main">
-        <mc:Choice Requires="a14">
+      <mc:AlternateContent xmlns:mc="http://schemas.openxmlformats.org/markup-compatibility/2006">
+        <mc:Choice xmlns:a14="http://schemas.microsoft.com/office/drawing/2010/main" Requires="a14">
           <p:sp>
             <p:nvSpPr>
               <p:cNvPr id="2" name="タイトル 1">
@@ -9112,7 +9226,7 @@
             </p:txBody>
           </p:sp>
         </mc:Choice>
-        <mc:Fallback xmlns="">
+        <mc:Fallback>
           <p:sp>
             <p:nvSpPr>
               <p:cNvPr id="2" name="タイトル 1">
@@ -9154,31 +9268,6 @@
       </mc:AlternateContent>
       <p:sp>
         <p:nvSpPr>
-          <p:cNvPr id="3" name="コンテンツ プレースホルダー 2">
-            <a:extLst>
-              <a:ext uri="{FF2B5EF4-FFF2-40B4-BE49-F238E27FC236}">
-                <a16:creationId xmlns:a16="http://schemas.microsoft.com/office/drawing/2014/main" id="{54854C22-392E-2B26-714C-9F55D2C0D94F}"/>
-              </a:ext>
-            </a:extLst>
-          </p:cNvPr>
-          <p:cNvSpPr>
-            <a:spLocks noGrp="1"/>
-          </p:cNvSpPr>
-          <p:nvPr>
-            <p:ph idx="1"/>
-          </p:nvPr>
-        </p:nvSpPr>
-        <p:spPr/>
-        <p:txBody>
-          <a:bodyPr/>
-          <a:lstStyle/>
-          <a:p>
-            <a:endParaRPr kumimoji="1" lang="ja-JP" altLang="en-US"/>
-          </a:p>
-        </p:txBody>
-      </p:sp>
-      <p:sp>
-        <p:nvSpPr>
           <p:cNvPr id="4" name="スライド番号プレースホルダー 3">
             <a:extLst>
               <a:ext uri="{FF2B5EF4-FFF2-40B4-BE49-F238E27FC236}">
@@ -9228,485 +9317,789 @@
           <a:bodyPr/>
           <a:lstStyle/>
           <a:p>
-            <a:endParaRPr kumimoji="1" lang="ja-JP" altLang="en-US"/>
-          </a:p>
-        </p:txBody>
-      </p:sp>
-    </p:spTree>
-    <p:extLst>
-      <p:ext uri="{BB962C8B-B14F-4D97-AF65-F5344CB8AC3E}">
-        <p14:creationId xmlns:p14="http://schemas.microsoft.com/office/powerpoint/2010/main" val="917437523"/>
-      </p:ext>
-    </p:extLst>
-  </p:cSld>
-  <p:clrMapOvr>
-    <a:masterClrMapping/>
-  </p:clrMapOvr>
-</p:sld>
-</file>
-
-<file path=ppt/slides/slide17.xml><?xml version="1.0" encoding="utf-8"?>
-<p:sld xmlns:a="http://schemas.openxmlformats.org/drawingml/2006/main" xmlns:r="http://schemas.openxmlformats.org/officeDocument/2006/relationships" xmlns:p="http://schemas.openxmlformats.org/presentationml/2006/main">
-  <p:cSld>
-    <p:spTree>
-      <p:nvGrpSpPr>
-        <p:cNvPr id="1" name=""/>
-        <p:cNvGrpSpPr/>
-        <p:nvPr/>
-      </p:nvGrpSpPr>
-      <p:grpSpPr>
-        <a:xfrm>
-          <a:off x="0" y="0"/>
-          <a:ext cx="0" cy="0"/>
-          <a:chOff x="0" y="0"/>
-          <a:chExt cx="0" cy="0"/>
-        </a:xfrm>
-      </p:grpSpPr>
-      <p:sp>
-        <p:nvSpPr>
-          <p:cNvPr id="2" name="タイトル 1">
-            <a:extLst>
-              <a:ext uri="{FF2B5EF4-FFF2-40B4-BE49-F238E27FC236}">
-                <a16:creationId xmlns:a16="http://schemas.microsoft.com/office/drawing/2014/main" id="{1AEF5D16-5FCC-B2A4-F67B-510A3A1BBCE9}"/>
-              </a:ext>
-            </a:extLst>
-          </p:cNvPr>
-          <p:cNvSpPr>
-            <a:spLocks noGrp="1"/>
-          </p:cNvSpPr>
-          <p:nvPr>
-            <p:ph type="title"/>
-          </p:nvPr>
-        </p:nvSpPr>
-        <p:spPr/>
-        <p:txBody>
-          <a:bodyPr>
-            <a:normAutofit/>
-          </a:bodyPr>
-          <a:lstStyle/>
-          <a:p>
-            <a:r>
-              <a:rPr kumimoji="1" lang="ja-JP" altLang="en-US" dirty="0"/>
-              <a:t>制御入力の大きさ</a:t>
-            </a:r>
-          </a:p>
-        </p:txBody>
-      </p:sp>
-      <p:sp>
-        <p:nvSpPr>
-          <p:cNvPr id="3" name="コンテンツ プレースホルダー 2">
-            <a:extLst>
-              <a:ext uri="{FF2B5EF4-FFF2-40B4-BE49-F238E27FC236}">
-                <a16:creationId xmlns:a16="http://schemas.microsoft.com/office/drawing/2014/main" id="{54854C22-392E-2B26-714C-9F55D2C0D94F}"/>
-              </a:ext>
-            </a:extLst>
-          </p:cNvPr>
-          <p:cNvSpPr>
-            <a:spLocks noGrp="1"/>
-          </p:cNvSpPr>
-          <p:nvPr>
-            <p:ph idx="1"/>
-          </p:nvPr>
-        </p:nvSpPr>
-        <p:spPr/>
-        <p:txBody>
-          <a:bodyPr/>
-          <a:lstStyle/>
-          <a:p>
-            <a:endParaRPr kumimoji="1" lang="ja-JP" altLang="en-US"/>
-          </a:p>
-        </p:txBody>
-      </p:sp>
-      <p:sp>
-        <p:nvSpPr>
-          <p:cNvPr id="4" name="スライド番号プレースホルダー 3">
-            <a:extLst>
-              <a:ext uri="{FF2B5EF4-FFF2-40B4-BE49-F238E27FC236}">
-                <a16:creationId xmlns:a16="http://schemas.microsoft.com/office/drawing/2014/main" id="{0CA60427-E916-EDE6-D32A-7C344F27AEE6}"/>
-              </a:ext>
-            </a:extLst>
-          </p:cNvPr>
-          <p:cNvSpPr>
-            <a:spLocks noGrp="1"/>
-          </p:cNvSpPr>
-          <p:nvPr>
-            <p:ph type="sldNum" sz="quarter" idx="12"/>
-          </p:nvPr>
-        </p:nvSpPr>
-        <p:spPr/>
-        <p:txBody>
-          <a:bodyPr/>
-          <a:lstStyle/>
-          <a:p>
-            <a:fld id="{55407BB7-92F5-4977-AA44-396FA1CF315E}" type="slidenum">
-              <a:rPr kumimoji="1" lang="ja-JP" altLang="en-US" smtClean="0"/>
-              <a:pPr/>
-              <a:t>16</a:t>
-            </a:fld>
-            <a:endParaRPr kumimoji="1" lang="ja-JP" altLang="en-US" dirty="0"/>
-          </a:p>
-        </p:txBody>
-      </p:sp>
-      <p:sp>
-        <p:nvSpPr>
-          <p:cNvPr id="5" name="テキスト プレースホルダー 4">
-            <a:extLst>
-              <a:ext uri="{FF2B5EF4-FFF2-40B4-BE49-F238E27FC236}">
-                <a16:creationId xmlns:a16="http://schemas.microsoft.com/office/drawing/2014/main" id="{AD375B24-F18B-DD73-CB77-0A05C59A634D}"/>
-              </a:ext>
-            </a:extLst>
-          </p:cNvPr>
-          <p:cNvSpPr>
-            <a:spLocks noGrp="1"/>
-          </p:cNvSpPr>
-          <p:nvPr>
-            <p:ph type="body" sz="quarter" idx="13"/>
-          </p:nvPr>
-        </p:nvSpPr>
-        <p:spPr/>
-        <p:txBody>
-          <a:bodyPr/>
-          <a:lstStyle/>
-          <a:p>
-            <a:endParaRPr kumimoji="1" lang="ja-JP" altLang="en-US"/>
-          </a:p>
-        </p:txBody>
-      </p:sp>
-    </p:spTree>
-    <p:extLst>
-      <p:ext uri="{BB962C8B-B14F-4D97-AF65-F5344CB8AC3E}">
-        <p14:creationId xmlns:p14="http://schemas.microsoft.com/office/powerpoint/2010/main" val="2328756029"/>
-      </p:ext>
-    </p:extLst>
-  </p:cSld>
-  <p:clrMapOvr>
-    <a:masterClrMapping/>
-  </p:clrMapOvr>
-</p:sld>
-</file>
-
-<file path=ppt/slides/slide18.xml><?xml version="1.0" encoding="utf-8"?>
-<p:sld xmlns:a="http://schemas.openxmlformats.org/drawingml/2006/main" xmlns:r="http://schemas.openxmlformats.org/officeDocument/2006/relationships" xmlns:p="http://schemas.openxmlformats.org/presentationml/2006/main">
-  <p:cSld>
-    <p:spTree>
-      <p:nvGrpSpPr>
-        <p:cNvPr id="1" name=""/>
-        <p:cNvGrpSpPr/>
-        <p:nvPr/>
-      </p:nvGrpSpPr>
-      <p:grpSpPr>
-        <a:xfrm>
-          <a:off x="0" y="0"/>
-          <a:ext cx="0" cy="0"/>
-          <a:chOff x="0" y="0"/>
-          <a:chExt cx="0" cy="0"/>
-        </a:xfrm>
-      </p:grpSpPr>
-      <p:sp>
-        <p:nvSpPr>
-          <p:cNvPr id="2" name="タイトル 1">
-            <a:extLst>
-              <a:ext uri="{FF2B5EF4-FFF2-40B4-BE49-F238E27FC236}">
-                <a16:creationId xmlns:a16="http://schemas.microsoft.com/office/drawing/2014/main" id="{1AEF5D16-5FCC-B2A4-F67B-510A3A1BBCE9}"/>
-              </a:ext>
-            </a:extLst>
-          </p:cNvPr>
-          <p:cNvSpPr>
-            <a:spLocks noGrp="1"/>
-          </p:cNvSpPr>
-          <p:nvPr>
-            <p:ph type="title"/>
-          </p:nvPr>
-        </p:nvSpPr>
-        <p:spPr/>
-        <p:txBody>
-          <a:bodyPr/>
-          <a:lstStyle/>
-          <a:p>
-            <a:endParaRPr kumimoji="1" lang="ja-JP" altLang="en-US"/>
-          </a:p>
-        </p:txBody>
-      </p:sp>
-      <p:sp>
-        <p:nvSpPr>
-          <p:cNvPr id="3" name="コンテンツ プレースホルダー 2">
-            <a:extLst>
-              <a:ext uri="{FF2B5EF4-FFF2-40B4-BE49-F238E27FC236}">
-                <a16:creationId xmlns:a16="http://schemas.microsoft.com/office/drawing/2014/main" id="{54854C22-392E-2B26-714C-9F55D2C0D94F}"/>
-              </a:ext>
-            </a:extLst>
-          </p:cNvPr>
-          <p:cNvSpPr>
-            <a:spLocks noGrp="1"/>
-          </p:cNvSpPr>
-          <p:nvPr>
-            <p:ph idx="1"/>
-          </p:nvPr>
-        </p:nvSpPr>
-        <p:spPr/>
-        <p:txBody>
-          <a:bodyPr/>
-          <a:lstStyle/>
-          <a:p>
-            <a:endParaRPr kumimoji="1" lang="ja-JP" altLang="en-US"/>
-          </a:p>
-        </p:txBody>
-      </p:sp>
-      <p:sp>
-        <p:nvSpPr>
-          <p:cNvPr id="4" name="スライド番号プレースホルダー 3">
-            <a:extLst>
-              <a:ext uri="{FF2B5EF4-FFF2-40B4-BE49-F238E27FC236}">
-                <a16:creationId xmlns:a16="http://schemas.microsoft.com/office/drawing/2014/main" id="{0CA60427-E916-EDE6-D32A-7C344F27AEE6}"/>
-              </a:ext>
-            </a:extLst>
-          </p:cNvPr>
-          <p:cNvSpPr>
-            <a:spLocks noGrp="1"/>
-          </p:cNvSpPr>
-          <p:nvPr>
-            <p:ph type="sldNum" sz="quarter" idx="12"/>
-          </p:nvPr>
-        </p:nvSpPr>
-        <p:spPr/>
-        <p:txBody>
-          <a:bodyPr/>
-          <a:lstStyle/>
-          <a:p>
-            <a:fld id="{55407BB7-92F5-4977-AA44-396FA1CF315E}" type="slidenum">
-              <a:rPr kumimoji="1" lang="ja-JP" altLang="en-US" smtClean="0"/>
-              <a:pPr/>
-              <a:t>17</a:t>
-            </a:fld>
-            <a:endParaRPr kumimoji="1" lang="ja-JP" altLang="en-US" dirty="0"/>
-          </a:p>
-        </p:txBody>
-      </p:sp>
-      <p:sp>
-        <p:nvSpPr>
-          <p:cNvPr id="5" name="テキスト プレースホルダー 4">
-            <a:extLst>
-              <a:ext uri="{FF2B5EF4-FFF2-40B4-BE49-F238E27FC236}">
-                <a16:creationId xmlns:a16="http://schemas.microsoft.com/office/drawing/2014/main" id="{AD375B24-F18B-DD73-CB77-0A05C59A634D}"/>
-              </a:ext>
-            </a:extLst>
-          </p:cNvPr>
-          <p:cNvSpPr>
-            <a:spLocks noGrp="1"/>
-          </p:cNvSpPr>
-          <p:nvPr>
-            <p:ph type="body" sz="quarter" idx="13"/>
-          </p:nvPr>
-        </p:nvSpPr>
-        <p:spPr/>
-        <p:txBody>
-          <a:bodyPr/>
-          <a:lstStyle/>
-          <a:p>
-            <a:endParaRPr kumimoji="1" lang="ja-JP" altLang="en-US"/>
-          </a:p>
-        </p:txBody>
-      </p:sp>
-    </p:spTree>
-    <p:extLst>
-      <p:ext uri="{BB962C8B-B14F-4D97-AF65-F5344CB8AC3E}">
-        <p14:creationId xmlns:p14="http://schemas.microsoft.com/office/powerpoint/2010/main" val="3804025044"/>
-      </p:ext>
-    </p:extLst>
-  </p:cSld>
-  <p:clrMapOvr>
-    <a:masterClrMapping/>
-  </p:clrMapOvr>
-</p:sld>
-</file>
-
-<file path=ppt/slides/slide19.xml><?xml version="1.0" encoding="utf-8"?>
-<p:sld xmlns:a="http://schemas.openxmlformats.org/drawingml/2006/main" xmlns:r="http://schemas.openxmlformats.org/officeDocument/2006/relationships" xmlns:p="http://schemas.openxmlformats.org/presentationml/2006/main">
-  <p:cSld>
-    <p:spTree>
-      <p:nvGrpSpPr>
-        <p:cNvPr id="1" name=""/>
-        <p:cNvGrpSpPr/>
-        <p:nvPr/>
-      </p:nvGrpSpPr>
-      <p:grpSpPr>
-        <a:xfrm>
-          <a:off x="0" y="0"/>
-          <a:ext cx="0" cy="0"/>
-          <a:chOff x="0" y="0"/>
-          <a:chExt cx="0" cy="0"/>
-        </a:xfrm>
-      </p:grpSpPr>
-      <p:sp>
-        <p:nvSpPr>
-          <p:cNvPr id="2" name="タイトル 1">
-            <a:extLst>
-              <a:ext uri="{FF2B5EF4-FFF2-40B4-BE49-F238E27FC236}">
-                <a16:creationId xmlns:a16="http://schemas.microsoft.com/office/drawing/2014/main" id="{1AEF5D16-5FCC-B2A4-F67B-510A3A1BBCE9}"/>
-              </a:ext>
-            </a:extLst>
-          </p:cNvPr>
-          <p:cNvSpPr>
-            <a:spLocks noGrp="1"/>
-          </p:cNvSpPr>
-          <p:nvPr>
-            <p:ph type="title"/>
-          </p:nvPr>
-        </p:nvSpPr>
-        <p:spPr/>
-        <p:txBody>
-          <a:bodyPr/>
-          <a:lstStyle/>
-          <a:p>
-            <a:r>
-              <a:rPr kumimoji="1" lang="en-US" altLang="ja-JP" dirty="0"/>
-              <a:t>Python</a:t>
-            </a:r>
-            <a:r>
-              <a:rPr kumimoji="1" lang="ja-JP" altLang="en-US" dirty="0"/>
-              <a:t>仮想環境について</a:t>
-            </a:r>
-          </a:p>
-        </p:txBody>
-      </p:sp>
-      <p:sp>
-        <p:nvSpPr>
-          <p:cNvPr id="3" name="コンテンツ プレースホルダー 2">
-            <a:extLst>
-              <a:ext uri="{FF2B5EF4-FFF2-40B4-BE49-F238E27FC236}">
-                <a16:creationId xmlns:a16="http://schemas.microsoft.com/office/drawing/2014/main" id="{54854C22-392E-2B26-714C-9F55D2C0D94F}"/>
-              </a:ext>
-            </a:extLst>
-          </p:cNvPr>
-          <p:cNvSpPr>
-            <a:spLocks noGrp="1"/>
-          </p:cNvSpPr>
-          <p:nvPr>
-            <p:ph idx="1"/>
-          </p:nvPr>
-        </p:nvSpPr>
-        <p:spPr/>
-        <p:txBody>
-          <a:bodyPr/>
-          <a:lstStyle/>
-          <a:p>
-            <a:r>
-              <a:rPr kumimoji="1" lang="ja-JP" altLang="en-US" dirty="0"/>
-              <a:t>仮想環境とは，物理的な一台のマシン内に，論理的に独立した複数の</a:t>
-            </a:r>
-            <a:r>
-              <a:rPr kumimoji="1" lang="en-US" altLang="ja-JP" dirty="0"/>
-              <a:t>Python</a:t>
-            </a:r>
-            <a:r>
-              <a:rPr kumimoji="1" lang="ja-JP" altLang="en-US" dirty="0"/>
-              <a:t>実行環境を構築する技術</a:t>
-            </a:r>
-            <a:endParaRPr kumimoji="1" lang="en-US" altLang="ja-JP" dirty="0"/>
-          </a:p>
-          <a:p>
-            <a:endParaRPr lang="en-US" altLang="ja-JP" dirty="0"/>
-          </a:p>
-          <a:p>
-            <a:r>
-              <a:rPr kumimoji="1" lang="ja-JP" altLang="en-US" dirty="0"/>
-              <a:t>依存関係の分離と競合回避，開発環境の再現性と移植性の向上，システム環境の保全とクリーンな開発体制の確立等，その恩恵はさまざま</a:t>
-            </a:r>
-            <a:endParaRPr kumimoji="1" lang="en-US" altLang="ja-JP" dirty="0"/>
-          </a:p>
-          <a:p>
-            <a:endParaRPr lang="en-US" altLang="ja-JP" dirty="0"/>
-          </a:p>
-          <a:p>
-            <a:r>
-              <a:rPr kumimoji="1" lang="ja-JP" altLang="en-US" dirty="0"/>
-              <a:t>リソースの消費増加，プロジェクト管理の煩雑さなどの</a:t>
-            </a:r>
-            <a:br>
-              <a:rPr kumimoji="1" lang="en-US" altLang="ja-JP" dirty="0"/>
-            </a:br>
-            <a:r>
-              <a:rPr kumimoji="1" lang="ja-JP" altLang="en-US" dirty="0"/>
-              <a:t>デメリットもあるが，その恩恵と比較すると制御可能な</a:t>
-            </a:r>
-            <a:br>
-              <a:rPr kumimoji="1" lang="en-US" altLang="ja-JP" dirty="0"/>
-            </a:br>
-            <a:r>
-              <a:rPr kumimoji="1" lang="ja-JP" altLang="en-US" dirty="0"/>
-              <a:t>課題といえる</a:t>
-            </a:r>
-          </a:p>
-        </p:txBody>
-      </p:sp>
-      <p:sp>
-        <p:nvSpPr>
-          <p:cNvPr id="4" name="スライド番号プレースホルダー 3">
-            <a:extLst>
-              <a:ext uri="{FF2B5EF4-FFF2-40B4-BE49-F238E27FC236}">
-                <a16:creationId xmlns:a16="http://schemas.microsoft.com/office/drawing/2014/main" id="{0CA60427-E916-EDE6-D32A-7C344F27AEE6}"/>
-              </a:ext>
-            </a:extLst>
-          </p:cNvPr>
-          <p:cNvSpPr>
-            <a:spLocks noGrp="1"/>
-          </p:cNvSpPr>
-          <p:nvPr>
-            <p:ph type="sldNum" sz="quarter" idx="12"/>
-          </p:nvPr>
-        </p:nvSpPr>
-        <p:spPr/>
-        <p:txBody>
-          <a:bodyPr/>
-          <a:lstStyle/>
-          <a:p>
-            <a:fld id="{55407BB7-92F5-4977-AA44-396FA1CF315E}" type="slidenum">
-              <a:rPr kumimoji="1" lang="ja-JP" altLang="en-US" smtClean="0"/>
-              <a:pPr/>
-              <a:t>18</a:t>
-            </a:fld>
-            <a:endParaRPr kumimoji="1" lang="ja-JP" altLang="en-US" dirty="0"/>
-          </a:p>
-        </p:txBody>
-      </p:sp>
-      <p:sp>
-        <p:nvSpPr>
-          <p:cNvPr id="5" name="テキスト プレースホルダー 4">
-            <a:extLst>
-              <a:ext uri="{FF2B5EF4-FFF2-40B4-BE49-F238E27FC236}">
-                <a16:creationId xmlns:a16="http://schemas.microsoft.com/office/drawing/2014/main" id="{AD375B24-F18B-DD73-CB77-0A05C59A634D}"/>
-              </a:ext>
-            </a:extLst>
-          </p:cNvPr>
-          <p:cNvSpPr>
-            <a:spLocks noGrp="1"/>
-          </p:cNvSpPr>
-          <p:nvPr>
-            <p:ph type="body" sz="quarter" idx="13"/>
-          </p:nvPr>
-        </p:nvSpPr>
-        <p:spPr/>
-        <p:txBody>
-          <a:bodyPr/>
-          <a:lstStyle/>
-          <a:p>
             <a:r>
               <a:rPr kumimoji="1" lang="ja-JP" altLang="en-US" b="1" dirty="0">
                 <a:solidFill>
                   <a:schemeClr val="accent4"/>
                 </a:solidFill>
               </a:rPr>
-              <a:t>仮想環境の利用はロバストな開発に必須</a:t>
-            </a:r>
-          </a:p>
-        </p:txBody>
-      </p:sp>
-      <p:sp>
-        <p:nvSpPr>
-          <p:cNvPr id="6" name="四角形: 角を丸くする 5">
+              <a:t>追従誤差によってベクトルを調整</a:t>
+            </a:r>
+          </a:p>
+        </p:txBody>
+      </p:sp>
+      <mc:AlternateContent xmlns:mc="http://schemas.openxmlformats.org/markup-compatibility/2006">
+        <mc:Choice xmlns:a14="http://schemas.microsoft.com/office/drawing/2010/main" Requires="a14">
+          <p:sp>
+            <p:nvSpPr>
+              <p:cNvPr id="6" name="コンテンツ プレースホルダー 1">
+                <a:extLst>
+                  <a:ext uri="{FF2B5EF4-FFF2-40B4-BE49-F238E27FC236}">
+                    <a16:creationId xmlns:a16="http://schemas.microsoft.com/office/drawing/2014/main" id="{18DEF495-070E-C8FB-A465-D30512E5AE9B}"/>
+                  </a:ext>
+                </a:extLst>
+              </p:cNvPr>
+              <p:cNvSpPr>
+                <a:spLocks noGrp="1"/>
+              </p:cNvSpPr>
+              <p:nvPr>
+                <p:ph sz="half" idx="1"/>
+              </p:nvPr>
+            </p:nvSpPr>
+            <p:spPr>
+              <a:xfrm>
+                <a:off x="628650" y="2539722"/>
+                <a:ext cx="3886200" cy="2869127"/>
+              </a:xfrm>
+            </p:spPr>
+            <p:txBody>
+              <a:bodyPr/>
+              <a:lstStyle/>
+              <a:p>
+                <a14:m>
+                  <m:oMath xmlns:m="http://schemas.openxmlformats.org/officeDocument/2006/math">
+                    <m:r>
+                      <a:rPr lang="en-US" altLang="ja-JP" b="0" i="1" u="sng" smtClean="0">
+                        <a:latin typeface="Cambria Math" panose="02040503050406030204" pitchFamily="18" charset="0"/>
+                      </a:rPr>
+                      <m:t>𝑙</m:t>
+                    </m:r>
+                    <m:d>
+                      <m:dPr>
+                        <m:ctrlPr>
+                          <a:rPr lang="en-US" altLang="ja-JP" b="0" i="1" u="sng" smtClean="0">
+                            <a:latin typeface="Cambria Math" panose="02040503050406030204" pitchFamily="18" charset="0"/>
+                          </a:rPr>
+                        </m:ctrlPr>
+                      </m:dPr>
+                      <m:e>
+                        <m:r>
+                          <a:rPr lang="en-US" altLang="ja-JP" b="0" i="1" u="sng" smtClean="0">
+                            <a:latin typeface="Cambria Math" panose="02040503050406030204" pitchFamily="18" charset="0"/>
+                          </a:rPr>
+                          <m:t>𝑡</m:t>
+                        </m:r>
+                      </m:e>
+                    </m:d>
+                    <m:r>
+                      <a:rPr lang="en-US" altLang="ja-JP" b="0" i="1" u="sng" smtClean="0">
+                        <a:latin typeface="Cambria Math" panose="02040503050406030204" pitchFamily="18" charset="0"/>
+                      </a:rPr>
+                      <m:t>≫1</m:t>
+                    </m:r>
+                    <m:r>
+                      <a:rPr lang="ja-JP" altLang="en-US" i="1" u="sng">
+                        <a:latin typeface="Cambria Math" panose="02040503050406030204" pitchFamily="18" charset="0"/>
+                      </a:rPr>
+                      <m:t>の</m:t>
+                    </m:r>
+                  </m:oMath>
+                </a14:m>
+                <a:r>
+                  <a:rPr lang="ja-JP" altLang="en-US" u="sng" dirty="0"/>
+                  <a:t>とき</a:t>
+                </a:r>
+                <a:br>
+                  <a:rPr lang="en-US" altLang="ja-JP" dirty="0"/>
+                </a:br>
+                <a14:m>
+                  <m:oMath xmlns:m="http://schemas.openxmlformats.org/officeDocument/2006/math">
+                    <m:sSub>
+                      <m:sSubPr>
+                        <m:ctrlPr>
+                          <a:rPr lang="en-US" altLang="ja-JP" sz="2400" i="1" smtClean="0">
+                            <a:latin typeface="Cambria Math" panose="02040503050406030204" pitchFamily="18" charset="0"/>
+                          </a:rPr>
+                        </m:ctrlPr>
+                      </m:sSubPr>
+                      <m:e>
+                        <m:r>
+                          <a:rPr lang="en-US" altLang="ja-JP" sz="2400" b="0" i="1" smtClean="0">
+                            <a:latin typeface="Cambria Math" panose="02040503050406030204" pitchFamily="18" charset="0"/>
+                          </a:rPr>
+                          <m:t>𝑘</m:t>
+                        </m:r>
+                      </m:e>
+                      <m:sub>
+                        <m:r>
+                          <a:rPr lang="en-US" altLang="ja-JP" sz="2400" b="0" i="1" smtClean="0">
+                            <a:latin typeface="Cambria Math" panose="02040503050406030204" pitchFamily="18" charset="0"/>
+                          </a:rPr>
+                          <m:t>𝑙</m:t>
+                        </m:r>
+                      </m:sub>
+                    </m:sSub>
+                    <m:r>
+                      <a:rPr lang="en-US" altLang="ja-JP" sz="2400" i="1" smtClean="0">
+                        <a:latin typeface="Cambria Math" panose="02040503050406030204" pitchFamily="18" charset="0"/>
+                        <a:ea typeface="Cambria Math" panose="02040503050406030204" pitchFamily="18" charset="0"/>
+                      </a:rPr>
+                      <m:t>≅</m:t>
+                    </m:r>
+                    <m:r>
+                      <a:rPr lang="en-US" altLang="ja-JP" sz="2400" b="0" i="1" smtClean="0">
+                        <a:latin typeface="Cambria Math" panose="02040503050406030204" pitchFamily="18" charset="0"/>
+                        <a:ea typeface="Cambria Math" panose="02040503050406030204" pitchFamily="18" charset="0"/>
+                      </a:rPr>
+                      <m:t>0</m:t>
+                    </m:r>
+                  </m:oMath>
+                </a14:m>
+                <a:r>
+                  <a:rPr lang="ja-JP" altLang="en-US" sz="2400" dirty="0"/>
+                  <a:t>より</a:t>
+                </a:r>
+                <a14:m>
+                  <m:oMath xmlns:m="http://schemas.openxmlformats.org/officeDocument/2006/math">
+                    <m:sSub>
+                      <m:sSubPr>
+                        <m:ctrlPr>
+                          <a:rPr lang="en-US" altLang="ja-JP" sz="2400" i="1" dirty="0" smtClean="0">
+                            <a:latin typeface="Cambria Math" panose="02040503050406030204" pitchFamily="18" charset="0"/>
+                          </a:rPr>
+                        </m:ctrlPr>
+                      </m:sSubPr>
+                      <m:e>
+                        <m:r>
+                          <a:rPr lang="en-US" altLang="ja-JP" sz="2400" b="0" i="1" dirty="0" smtClean="0">
+                            <a:latin typeface="Cambria Math" panose="02040503050406030204" pitchFamily="18" charset="0"/>
+                          </a:rPr>
+                          <m:t>𝑘</m:t>
+                        </m:r>
+                      </m:e>
+                      <m:sub>
+                        <m:r>
+                          <a:rPr lang="en-US" altLang="ja-JP" sz="2400" b="0" i="1" dirty="0" smtClean="0">
+                            <a:latin typeface="Cambria Math" panose="02040503050406030204" pitchFamily="18" charset="0"/>
+                          </a:rPr>
+                          <m:t>0</m:t>
+                        </m:r>
+                      </m:sub>
+                    </m:sSub>
+                  </m:oMath>
+                </a14:m>
+                <a:r>
+                  <a:rPr lang="ja-JP" altLang="en-US" sz="2400" dirty="0"/>
+                  <a:t>の量如何で</a:t>
+                </a:r>
+                <a14:m>
+                  <m:oMath xmlns:m="http://schemas.openxmlformats.org/officeDocument/2006/math">
+                    <m:r>
+                      <a:rPr lang="en-US" altLang="ja-JP" sz="2400" b="0" i="1" smtClean="0">
+                        <a:latin typeface="Cambria Math" panose="02040503050406030204" pitchFamily="18" charset="0"/>
+                      </a:rPr>
+                      <m:t>𝑙</m:t>
+                    </m:r>
+                    <m:r>
+                      <a:rPr lang="en-US" altLang="ja-JP" sz="2400" b="0" i="1" smtClean="0">
+                        <a:latin typeface="Cambria Math" panose="02040503050406030204" pitchFamily="18" charset="0"/>
+                      </a:rPr>
+                      <m:t>(</m:t>
+                    </m:r>
+                    <m:r>
+                      <a:rPr lang="en-US" altLang="ja-JP" sz="2400" b="0" i="1" smtClean="0">
+                        <a:latin typeface="Cambria Math" panose="02040503050406030204" pitchFamily="18" charset="0"/>
+                      </a:rPr>
+                      <m:t>𝑡</m:t>
+                    </m:r>
+                    <m:r>
+                      <a:rPr lang="en-US" altLang="ja-JP" sz="2400" b="0" i="1" smtClean="0">
+                        <a:latin typeface="Cambria Math" panose="02040503050406030204" pitchFamily="18" charset="0"/>
+                      </a:rPr>
+                      <m:t>)</m:t>
+                    </m:r>
+                  </m:oMath>
+                </a14:m>
+                <a:r>
+                  <a:rPr lang="ja-JP" altLang="en-US" sz="2400" dirty="0"/>
+                  <a:t>のベクトル量が優勢</a:t>
+                </a:r>
+                <a:br>
+                  <a:rPr lang="en-US" altLang="ja-JP" sz="2400" dirty="0"/>
+                </a:br>
+                <a:br>
+                  <a:rPr lang="en-US" altLang="ja-JP" sz="2400" dirty="0"/>
+                </a:br>
+                <a:br>
+                  <a:rPr lang="en-US" altLang="ja-JP" sz="2400" dirty="0"/>
+                </a:br>
+                <a:br>
+                  <a:rPr lang="en-US" altLang="ja-JP" sz="2400" dirty="0"/>
+                </a:br>
+                <a:r>
+                  <a:rPr lang="ja-JP" altLang="en-US" sz="2400" dirty="0"/>
+                  <a:t>追従目標点への到達を</a:t>
+                </a:r>
+                <a:br>
+                  <a:rPr lang="en-US" altLang="ja-JP" sz="2400" dirty="0"/>
+                </a:br>
+                <a:r>
+                  <a:rPr lang="ja-JP" altLang="en-US" sz="2400" dirty="0"/>
+                  <a:t>優先</a:t>
+                </a:r>
+              </a:p>
+              <a:p>
+                <a:endParaRPr kumimoji="1" lang="ja-JP" altLang="en-US" dirty="0"/>
+              </a:p>
+            </p:txBody>
+          </p:sp>
+        </mc:Choice>
+        <mc:Fallback>
+          <p:sp>
+            <p:nvSpPr>
+              <p:cNvPr id="6" name="コンテンツ プレースホルダー 1">
+                <a:extLst>
+                  <a:ext uri="{FF2B5EF4-FFF2-40B4-BE49-F238E27FC236}">
+                    <a16:creationId xmlns:a16="http://schemas.microsoft.com/office/drawing/2014/main" id="{18DEF495-070E-C8FB-A465-D30512E5AE9B}"/>
+                  </a:ext>
+                </a:extLst>
+              </p:cNvPr>
+              <p:cNvSpPr>
+                <a:spLocks noGrp="1" noRot="1" noChangeAspect="1" noMove="1" noResize="1" noEditPoints="1" noAdjustHandles="1" noChangeArrowheads="1" noChangeShapeType="1" noTextEdit="1"/>
+              </p:cNvSpPr>
+              <p:nvPr>
+                <p:ph sz="half" idx="1"/>
+              </p:nvPr>
+            </p:nvSpPr>
+            <p:spPr>
+              <a:xfrm>
+                <a:off x="628650" y="2539722"/>
+                <a:ext cx="3886200" cy="2869127"/>
+              </a:xfrm>
+              <a:blipFill>
+                <a:blip r:embed="rId3"/>
+                <a:stretch>
+                  <a:fillRect l="-2038" t="-2766" b="-213"/>
+                </a:stretch>
+              </a:blipFill>
+            </p:spPr>
+            <p:txBody>
+              <a:bodyPr/>
+              <a:lstStyle/>
+              <a:p>
+                <a:r>
+                  <a:rPr lang="ja-JP" altLang="en-US">
+                    <a:noFill/>
+                  </a:rPr>
+                  <a:t> </a:t>
+                </a:r>
+              </a:p>
+            </p:txBody>
+          </p:sp>
+        </mc:Fallback>
+      </mc:AlternateContent>
+      <mc:AlternateContent xmlns:mc="http://schemas.openxmlformats.org/markup-compatibility/2006">
+        <mc:Choice xmlns:a14="http://schemas.microsoft.com/office/drawing/2010/main" Requires="a14">
+          <p:sp>
+            <p:nvSpPr>
+              <p:cNvPr id="7" name="コンテンツ プレースホルダー 2">
+                <a:extLst>
+                  <a:ext uri="{FF2B5EF4-FFF2-40B4-BE49-F238E27FC236}">
+                    <a16:creationId xmlns:a16="http://schemas.microsoft.com/office/drawing/2014/main" id="{0BA86F4E-C1E1-5B30-EE94-C92BF24BB3E0}"/>
+                  </a:ext>
+                </a:extLst>
+              </p:cNvPr>
+              <p:cNvSpPr txBox="1">
+                <a:spLocks/>
+              </p:cNvSpPr>
+              <p:nvPr/>
+            </p:nvSpPr>
+            <p:spPr>
+              <a:xfrm>
+                <a:off x="4629150" y="2539722"/>
+                <a:ext cx="3886200" cy="2869127"/>
+              </a:xfrm>
+              <a:prstGeom prst="rect">
+                <a:avLst/>
+              </a:prstGeom>
+            </p:spPr>
+            <p:txBody>
+              <a:bodyPr/>
+              <a:lstStyle>
+                <a:lvl1pPr marL="228600" indent="-228600" algn="l" defTabSz="914400" rtl="0" eaLnBrk="1" latinLnBrk="0" hangingPunct="1">
+                  <a:lnSpc>
+                    <a:spcPct val="90000"/>
+                  </a:lnSpc>
+                  <a:spcBef>
+                    <a:spcPts val="1000"/>
+                  </a:spcBef>
+                  <a:buFont typeface="Arial" panose="020B0604020202020204" pitchFamily="34" charset="0"/>
+                  <a:buChar char="•"/>
+                  <a:defRPr kumimoji="1" sz="2800" kern="1200">
+                    <a:solidFill>
+                      <a:schemeClr val="tx1"/>
+                    </a:solidFill>
+                    <a:latin typeface="+mn-lt"/>
+                    <a:ea typeface="+mn-ea"/>
+                    <a:cs typeface="+mn-cs"/>
+                  </a:defRPr>
+                </a:lvl1pPr>
+                <a:lvl2pPr marL="685800" indent="-228600" algn="l" defTabSz="914400" rtl="0" eaLnBrk="1" latinLnBrk="0" hangingPunct="1">
+                  <a:lnSpc>
+                    <a:spcPct val="90000"/>
+                  </a:lnSpc>
+                  <a:spcBef>
+                    <a:spcPts val="500"/>
+                  </a:spcBef>
+                  <a:buFont typeface="Arial" panose="020B0604020202020204" pitchFamily="34" charset="0"/>
+                  <a:buChar char="•"/>
+                  <a:defRPr kumimoji="1" sz="2400" kern="1200">
+                    <a:solidFill>
+                      <a:schemeClr val="tx1"/>
+                    </a:solidFill>
+                    <a:latin typeface="+mn-lt"/>
+                    <a:ea typeface="+mn-ea"/>
+                    <a:cs typeface="+mn-cs"/>
+                  </a:defRPr>
+                </a:lvl2pPr>
+                <a:lvl3pPr marL="1143000" indent="-228600" algn="l" defTabSz="914400" rtl="0" eaLnBrk="1" latinLnBrk="0" hangingPunct="1">
+                  <a:lnSpc>
+                    <a:spcPct val="90000"/>
+                  </a:lnSpc>
+                  <a:spcBef>
+                    <a:spcPts val="500"/>
+                  </a:spcBef>
+                  <a:buFont typeface="Arial" panose="020B0604020202020204" pitchFamily="34" charset="0"/>
+                  <a:buChar char="•"/>
+                  <a:defRPr kumimoji="1" sz="2000" kern="1200">
+                    <a:solidFill>
+                      <a:schemeClr val="tx1"/>
+                    </a:solidFill>
+                    <a:latin typeface="+mn-lt"/>
+                    <a:ea typeface="+mn-ea"/>
+                    <a:cs typeface="+mn-cs"/>
+                  </a:defRPr>
+                </a:lvl3pPr>
+                <a:lvl4pPr marL="1600200" indent="-228600" algn="l" defTabSz="914400" rtl="0" eaLnBrk="1" latinLnBrk="0" hangingPunct="1">
+                  <a:lnSpc>
+                    <a:spcPct val="90000"/>
+                  </a:lnSpc>
+                  <a:spcBef>
+                    <a:spcPts val="500"/>
+                  </a:spcBef>
+                  <a:buFont typeface="Arial" panose="020B0604020202020204" pitchFamily="34" charset="0"/>
+                  <a:buChar char="•"/>
+                  <a:defRPr kumimoji="1" sz="1800" kern="1200">
+                    <a:solidFill>
+                      <a:schemeClr val="tx1"/>
+                    </a:solidFill>
+                    <a:latin typeface="+mn-lt"/>
+                    <a:ea typeface="+mn-ea"/>
+                    <a:cs typeface="+mn-cs"/>
+                  </a:defRPr>
+                </a:lvl4pPr>
+                <a:lvl5pPr marL="2057400" indent="-228600" algn="l" defTabSz="914400" rtl="0" eaLnBrk="1" latinLnBrk="0" hangingPunct="1">
+                  <a:lnSpc>
+                    <a:spcPct val="90000"/>
+                  </a:lnSpc>
+                  <a:spcBef>
+                    <a:spcPts val="500"/>
+                  </a:spcBef>
+                  <a:buFont typeface="Arial" panose="020B0604020202020204" pitchFamily="34" charset="0"/>
+                  <a:buChar char="•"/>
+                  <a:defRPr kumimoji="1" sz="1800" kern="1200">
+                    <a:solidFill>
+                      <a:schemeClr val="tx1"/>
+                    </a:solidFill>
+                    <a:latin typeface="+mn-lt"/>
+                    <a:ea typeface="+mn-ea"/>
+                    <a:cs typeface="+mn-cs"/>
+                  </a:defRPr>
+                </a:lvl5pPr>
+                <a:lvl6pPr marL="2514600" indent="-228600" algn="l" defTabSz="914400" rtl="0" eaLnBrk="1" latinLnBrk="0" hangingPunct="1">
+                  <a:lnSpc>
+                    <a:spcPct val="90000"/>
+                  </a:lnSpc>
+                  <a:spcBef>
+                    <a:spcPts val="500"/>
+                  </a:spcBef>
+                  <a:buFont typeface="Arial" panose="020B0604020202020204" pitchFamily="34" charset="0"/>
+                  <a:buChar char="•"/>
+                  <a:defRPr kumimoji="1" sz="1800" kern="1200">
+                    <a:solidFill>
+                      <a:schemeClr val="tx1"/>
+                    </a:solidFill>
+                    <a:latin typeface="+mn-lt"/>
+                    <a:ea typeface="+mn-ea"/>
+                    <a:cs typeface="+mn-cs"/>
+                  </a:defRPr>
+                </a:lvl6pPr>
+                <a:lvl7pPr marL="2971800" indent="-228600" algn="l" defTabSz="914400" rtl="0" eaLnBrk="1" latinLnBrk="0" hangingPunct="1">
+                  <a:lnSpc>
+                    <a:spcPct val="90000"/>
+                  </a:lnSpc>
+                  <a:spcBef>
+                    <a:spcPts val="500"/>
+                  </a:spcBef>
+                  <a:buFont typeface="Arial" panose="020B0604020202020204" pitchFamily="34" charset="0"/>
+                  <a:buChar char="•"/>
+                  <a:defRPr kumimoji="1" sz="1800" kern="1200">
+                    <a:solidFill>
+                      <a:schemeClr val="tx1"/>
+                    </a:solidFill>
+                    <a:latin typeface="+mn-lt"/>
+                    <a:ea typeface="+mn-ea"/>
+                    <a:cs typeface="+mn-cs"/>
+                  </a:defRPr>
+                </a:lvl7pPr>
+                <a:lvl8pPr marL="3429000" indent="-228600" algn="l" defTabSz="914400" rtl="0" eaLnBrk="1" latinLnBrk="0" hangingPunct="1">
+                  <a:lnSpc>
+                    <a:spcPct val="90000"/>
+                  </a:lnSpc>
+                  <a:spcBef>
+                    <a:spcPts val="500"/>
+                  </a:spcBef>
+                  <a:buFont typeface="Arial" panose="020B0604020202020204" pitchFamily="34" charset="0"/>
+                  <a:buChar char="•"/>
+                  <a:defRPr kumimoji="1" sz="1800" kern="1200">
+                    <a:solidFill>
+                      <a:schemeClr val="tx1"/>
+                    </a:solidFill>
+                    <a:latin typeface="+mn-lt"/>
+                    <a:ea typeface="+mn-ea"/>
+                    <a:cs typeface="+mn-cs"/>
+                  </a:defRPr>
+                </a:lvl8pPr>
+                <a:lvl9pPr marL="3886200" indent="-228600" algn="l" defTabSz="914400" rtl="0" eaLnBrk="1" latinLnBrk="0" hangingPunct="1">
+                  <a:lnSpc>
+                    <a:spcPct val="90000"/>
+                  </a:lnSpc>
+                  <a:spcBef>
+                    <a:spcPts val="500"/>
+                  </a:spcBef>
+                  <a:buFont typeface="Arial" panose="020B0604020202020204" pitchFamily="34" charset="0"/>
+                  <a:buChar char="•"/>
+                  <a:defRPr kumimoji="1" sz="1800" kern="1200">
+                    <a:solidFill>
+                      <a:schemeClr val="tx1"/>
+                    </a:solidFill>
+                    <a:latin typeface="+mn-lt"/>
+                    <a:ea typeface="+mn-ea"/>
+                    <a:cs typeface="+mn-cs"/>
+                  </a:defRPr>
+                </a:lvl9pPr>
+              </a:lstStyle>
+              <a:p>
+                <a14:m>
+                  <m:oMath xmlns:m="http://schemas.openxmlformats.org/officeDocument/2006/math">
+                    <m:r>
+                      <a:rPr lang="en-US" altLang="ja-JP" sz="2400" i="1" u="sng" smtClean="0">
+                        <a:latin typeface="Cambria Math" panose="02040503050406030204" pitchFamily="18" charset="0"/>
+                      </a:rPr>
+                      <m:t>𝑙</m:t>
+                    </m:r>
+                    <m:d>
+                      <m:dPr>
+                        <m:ctrlPr>
+                          <a:rPr lang="en-US" altLang="ja-JP" sz="2400" i="1" u="sng" smtClean="0">
+                            <a:latin typeface="Cambria Math" panose="02040503050406030204" pitchFamily="18" charset="0"/>
+                          </a:rPr>
+                        </m:ctrlPr>
+                      </m:dPr>
+                      <m:e>
+                        <m:r>
+                          <a:rPr lang="en-US" altLang="ja-JP" sz="2400" i="1" u="sng" smtClean="0">
+                            <a:latin typeface="Cambria Math" panose="02040503050406030204" pitchFamily="18" charset="0"/>
+                          </a:rPr>
+                          <m:t>𝑡</m:t>
+                        </m:r>
+                      </m:e>
+                    </m:d>
+                    <m:r>
+                      <a:rPr lang="en-US" altLang="ja-JP" sz="2400" i="1" u="sng" smtClean="0">
+                        <a:latin typeface="Cambria Math" panose="02040503050406030204" pitchFamily="18" charset="0"/>
+                      </a:rPr>
+                      <m:t>≪1</m:t>
+                    </m:r>
+                    <m:r>
+                      <a:rPr lang="ja-JP" altLang="en-US" sz="2400" i="1" u="sng">
+                        <a:latin typeface="Cambria Math" panose="02040503050406030204" pitchFamily="18" charset="0"/>
+                      </a:rPr>
+                      <m:t>の</m:t>
+                    </m:r>
+                  </m:oMath>
+                </a14:m>
+                <a:r>
+                  <a:rPr lang="ja-JP" altLang="en-US" sz="2400" u="sng" dirty="0"/>
+                  <a:t>とき</a:t>
+                </a:r>
+                <a:br>
+                  <a:rPr lang="en-US" altLang="ja-JP" dirty="0"/>
+                </a:br>
+                <a14:m>
+                  <m:oMath xmlns:m="http://schemas.openxmlformats.org/officeDocument/2006/math">
+                    <m:r>
+                      <m:rPr>
+                        <m:sty m:val="p"/>
+                      </m:rPr>
+                      <a:rPr lang="en-US" altLang="ja-JP" sz="2400" smtClean="0">
+                        <a:latin typeface="Cambria Math" panose="02040503050406030204" pitchFamily="18" charset="0"/>
+                        <a:ea typeface="Cambria Math" panose="02040503050406030204" pitchFamily="18" charset="0"/>
+                      </a:rPr>
+                      <m:t>h</m:t>
+                    </m:r>
+                    <m:d>
+                      <m:dPr>
+                        <m:ctrlPr>
+                          <a:rPr lang="en-US" altLang="ja-JP" sz="2400" i="1" smtClean="0">
+                            <a:latin typeface="Cambria Math" panose="02040503050406030204" pitchFamily="18" charset="0"/>
+                            <a:ea typeface="Cambria Math" panose="02040503050406030204" pitchFamily="18" charset="0"/>
+                          </a:rPr>
+                        </m:ctrlPr>
+                      </m:dPr>
+                      <m:e>
+                        <m:r>
+                          <m:rPr>
+                            <m:sty m:val="p"/>
+                          </m:rPr>
+                          <a:rPr lang="en-US" altLang="ja-JP" sz="2400" smtClean="0">
+                            <a:latin typeface="Cambria Math" panose="02040503050406030204" pitchFamily="18" charset="0"/>
+                            <a:ea typeface="Cambria Math" panose="02040503050406030204" pitchFamily="18" charset="0"/>
+                          </a:rPr>
+                          <m:t>t</m:t>
+                        </m:r>
+                      </m:e>
+                    </m:d>
+                    <m:r>
+                      <a:rPr lang="en-US" altLang="ja-JP" sz="2400" i="1">
+                        <a:latin typeface="Cambria Math" panose="02040503050406030204" pitchFamily="18" charset="0"/>
+                        <a:ea typeface="Cambria Math" panose="02040503050406030204" pitchFamily="18" charset="0"/>
+                      </a:rPr>
+                      <m:t>≅</m:t>
+                    </m:r>
+                    <m:sSub>
+                      <m:sSubPr>
+                        <m:ctrlPr>
+                          <a:rPr lang="en-US" altLang="ja-JP" sz="2400" i="1" smtClean="0">
+                            <a:latin typeface="Cambria Math" panose="02040503050406030204" pitchFamily="18" charset="0"/>
+                            <a:ea typeface="Cambria Math" panose="02040503050406030204" pitchFamily="18" charset="0"/>
+                          </a:rPr>
+                        </m:ctrlPr>
+                      </m:sSubPr>
+                      <m:e>
+                        <m:r>
+                          <a:rPr lang="en-US" altLang="ja-JP" sz="2400" i="1" smtClean="0">
+                            <a:latin typeface="Cambria Math" panose="02040503050406030204" pitchFamily="18" charset="0"/>
+                            <a:ea typeface="Cambria Math" panose="02040503050406030204" pitchFamily="18" charset="0"/>
+                          </a:rPr>
+                          <m:t>𝑘</m:t>
+                        </m:r>
+                      </m:e>
+                      <m:sub>
+                        <m:r>
+                          <a:rPr lang="en-US" altLang="ja-JP" sz="2400" i="1" smtClean="0">
+                            <a:latin typeface="Cambria Math" panose="02040503050406030204" pitchFamily="18" charset="0"/>
+                            <a:ea typeface="Cambria Math" panose="02040503050406030204" pitchFamily="18" charset="0"/>
+                          </a:rPr>
+                          <m:t>0</m:t>
+                        </m:r>
+                      </m:sub>
+                    </m:sSub>
+                    <m:r>
+                      <a:rPr lang="en-US" altLang="ja-JP" sz="2400" i="1" smtClean="0">
+                        <a:latin typeface="Cambria Math" panose="02040503050406030204" pitchFamily="18" charset="0"/>
+                        <a:ea typeface="Cambria Math" panose="02040503050406030204" pitchFamily="18" charset="0"/>
+                      </a:rPr>
+                      <m:t>+</m:t>
+                    </m:r>
+                    <m:sSub>
+                      <m:sSubPr>
+                        <m:ctrlPr>
+                          <a:rPr lang="en-US" altLang="ja-JP" sz="2400" i="1" smtClean="0">
+                            <a:latin typeface="Cambria Math" panose="02040503050406030204" pitchFamily="18" charset="0"/>
+                            <a:ea typeface="Cambria Math" panose="02040503050406030204" pitchFamily="18" charset="0"/>
+                          </a:rPr>
+                        </m:ctrlPr>
+                      </m:sSubPr>
+                      <m:e>
+                        <m:r>
+                          <a:rPr lang="en-US" altLang="ja-JP" sz="2400" i="1" smtClean="0">
+                            <a:latin typeface="Cambria Math" panose="02040503050406030204" pitchFamily="18" charset="0"/>
+                            <a:ea typeface="Cambria Math" panose="02040503050406030204" pitchFamily="18" charset="0"/>
+                          </a:rPr>
+                          <m:t>𝑘</m:t>
+                        </m:r>
+                      </m:e>
+                      <m:sub>
+                        <m:r>
+                          <a:rPr lang="en-US" altLang="ja-JP" sz="2400" i="1" smtClean="0">
+                            <a:latin typeface="Cambria Math" panose="02040503050406030204" pitchFamily="18" charset="0"/>
+                            <a:ea typeface="Cambria Math" panose="02040503050406030204" pitchFamily="18" charset="0"/>
+                          </a:rPr>
+                          <m:t>𝑙</m:t>
+                        </m:r>
+                      </m:sub>
+                    </m:sSub>
+                  </m:oMath>
+                </a14:m>
+                <a:r>
+                  <a:rPr lang="ja-JP" altLang="en-US" sz="2400" dirty="0"/>
+                  <a:t>となり，</a:t>
+                </a:r>
+                <a:br>
+                  <a:rPr lang="en-US" altLang="ja-JP" sz="2400" dirty="0"/>
+                </a:br>
+                <a14:m>
+                  <m:oMath xmlns:m="http://schemas.openxmlformats.org/officeDocument/2006/math">
+                    <m:r>
+                      <a:rPr lang="en-US" altLang="ja-JP" sz="2400" i="1">
+                        <a:latin typeface="Cambria Math" panose="02040503050406030204" pitchFamily="18" charset="0"/>
+                      </a:rPr>
+                      <m:t>𝑙</m:t>
+                    </m:r>
+                    <m:r>
+                      <a:rPr lang="en-US" altLang="ja-JP" sz="2400" i="1">
+                        <a:latin typeface="Cambria Math" panose="02040503050406030204" pitchFamily="18" charset="0"/>
+                      </a:rPr>
+                      <m:t>(</m:t>
+                    </m:r>
+                    <m:r>
+                      <a:rPr lang="en-US" altLang="ja-JP" sz="2400" i="1">
+                        <a:latin typeface="Cambria Math" panose="02040503050406030204" pitchFamily="18" charset="0"/>
+                      </a:rPr>
+                      <m:t>𝑡</m:t>
+                    </m:r>
+                    <m:r>
+                      <a:rPr lang="en-US" altLang="ja-JP" sz="2400" i="1">
+                        <a:latin typeface="Cambria Math" panose="02040503050406030204" pitchFamily="18" charset="0"/>
+                      </a:rPr>
+                      <m:t>)≅0</m:t>
+                    </m:r>
+                  </m:oMath>
+                </a14:m>
+                <a:r>
+                  <a:rPr lang="ja-JP" altLang="en-US" sz="2400" dirty="0"/>
+                  <a:t>を鑑みると</a:t>
+                </a:r>
+                <a:br>
+                  <a:rPr lang="en-US" altLang="ja-JP" sz="2400" dirty="0"/>
+                </a:br>
+                <a:r>
+                  <a:rPr lang="ja-JP" altLang="en-US" sz="2400" dirty="0"/>
+                  <a:t>リーダーの進行方向の</a:t>
+                </a:r>
+                <a:br>
+                  <a:rPr lang="en-US" altLang="ja-JP" sz="2400" dirty="0"/>
+                </a:br>
+                <a:r>
+                  <a:rPr lang="ja-JP" altLang="en-US" sz="2400" dirty="0"/>
+                  <a:t>ベクトル量が優勢</a:t>
+                </a:r>
+                <a:br>
+                  <a:rPr lang="en-US" altLang="ja-JP" sz="2400" dirty="0"/>
+                </a:br>
+                <a:br>
+                  <a:rPr lang="en-US" altLang="ja-JP" sz="2400" dirty="0"/>
+                </a:br>
+                <a:r>
+                  <a:rPr lang="ja-JP" altLang="en-US" sz="2400" dirty="0"/>
+                  <a:t>リーダーと同様に進む</a:t>
+                </a:r>
+                <a:br>
+                  <a:rPr lang="en-US" altLang="ja-JP" sz="2400" dirty="0"/>
+                </a:br>
+                <a:r>
+                  <a:rPr lang="ja-JP" altLang="en-US" sz="2400" dirty="0"/>
+                  <a:t>ことを優先</a:t>
+                </a:r>
+              </a:p>
+              <a:p>
+                <a:pPr marL="0" indent="0">
+                  <a:buFont typeface="Arial" panose="020B0604020202020204" pitchFamily="34" charset="0"/>
+                  <a:buNone/>
+                </a:pPr>
+                <a:endParaRPr lang="ja-JP" altLang="en-US" dirty="0"/>
+              </a:p>
+            </p:txBody>
+          </p:sp>
+        </mc:Choice>
+        <mc:Fallback>
+          <p:sp>
+            <p:nvSpPr>
+              <p:cNvPr id="7" name="コンテンツ プレースホルダー 2">
+                <a:extLst>
+                  <a:ext uri="{FF2B5EF4-FFF2-40B4-BE49-F238E27FC236}">
+                    <a16:creationId xmlns:a16="http://schemas.microsoft.com/office/drawing/2014/main" id="{0BA86F4E-C1E1-5B30-EE94-C92BF24BB3E0}"/>
+                  </a:ext>
+                </a:extLst>
+              </p:cNvPr>
+              <p:cNvSpPr txBox="1">
+                <a:spLocks noRot="1" noChangeAspect="1" noMove="1" noResize="1" noEditPoints="1" noAdjustHandles="1" noChangeArrowheads="1" noChangeShapeType="1" noTextEdit="1"/>
+              </p:cNvSpPr>
+              <p:nvPr/>
+            </p:nvSpPr>
+            <p:spPr>
+              <a:xfrm>
+                <a:off x="4629150" y="2539722"/>
+                <a:ext cx="3886200" cy="2869127"/>
+              </a:xfrm>
+              <a:prstGeom prst="rect">
+                <a:avLst/>
+              </a:prstGeom>
+              <a:blipFill>
+                <a:blip r:embed="rId4"/>
+                <a:stretch>
+                  <a:fillRect l="-2038" t="-2766" b="-213"/>
+                </a:stretch>
+              </a:blipFill>
+            </p:spPr>
+            <p:txBody>
+              <a:bodyPr/>
+              <a:lstStyle/>
+              <a:p>
+                <a:r>
+                  <a:rPr lang="ja-JP" altLang="en-US">
+                    <a:noFill/>
+                  </a:rPr>
+                  <a:t> </a:t>
+                </a:r>
+              </a:p>
+            </p:txBody>
+          </p:sp>
+        </mc:Fallback>
+      </mc:AlternateContent>
+      <p:pic>
+        <p:nvPicPr>
+          <p:cNvPr id="8" name="グラフィックス 7">
             <a:extLst>
               <a:ext uri="{FF2B5EF4-FFF2-40B4-BE49-F238E27FC236}">
-                <a16:creationId xmlns:a16="http://schemas.microsoft.com/office/drawing/2014/main" id="{9ABA2AAE-9C55-7564-C8CA-AEC9DAD2E8C8}"/>
+                <a16:creationId xmlns:a16="http://schemas.microsoft.com/office/drawing/2014/main" id="{FC311D34-B474-1018-4655-639C3D985BFD}"/>
+              </a:ext>
+            </a:extLst>
+          </p:cNvPr>
+          <p:cNvPicPr>
+            <a:picLocks noChangeAspect="1"/>
+          </p:cNvPicPr>
+          <p:nvPr/>
+        </p:nvPicPr>
+        <p:blipFill>
+          <a:blip r:embed="rId5">
+            <a:extLst>
+              <a:ext uri="{96DAC541-7B7A-43D3-8B79-37D633B846F1}">
+                <asvg:svgBlip xmlns:asvg="http://schemas.microsoft.com/office/drawing/2016/SVG/main" r:embed="rId6"/>
+              </a:ext>
+            </a:extLst>
+          </a:blip>
+          <a:stretch>
+            <a:fillRect/>
+          </a:stretch>
+        </p:blipFill>
+        <p:spPr>
+          <a:xfrm>
+            <a:off x="628650" y="1449151"/>
+            <a:ext cx="3702956" cy="787863"/>
+          </a:xfrm>
+          <a:prstGeom prst="rect">
+            <a:avLst/>
+          </a:prstGeom>
+        </p:spPr>
+      </p:pic>
+      <p:sp>
+        <p:nvSpPr>
+          <p:cNvPr id="9" name="四角形: 角を丸くする 8">
+            <a:extLst>
+              <a:ext uri="{FF2B5EF4-FFF2-40B4-BE49-F238E27FC236}">
+                <a16:creationId xmlns:a16="http://schemas.microsoft.com/office/drawing/2014/main" id="{5BBF974B-6771-8225-8023-762A2C74074A}"/>
               </a:ext>
             </a:extLst>
           </p:cNvPr>
@@ -9755,10 +10148,127 @@
           </a:p>
         </p:txBody>
       </p:sp>
+      <mc:AlternateContent xmlns:mc="http://schemas.openxmlformats.org/markup-compatibility/2006">
+        <mc:Choice xmlns:a14="http://schemas.microsoft.com/office/drawing/2010/main" Requires="a14">
+          <p:sp>
+            <p:nvSpPr>
+              <p:cNvPr id="10" name="テキスト ボックス 9">
+                <a:extLst>
+                  <a:ext uri="{FF2B5EF4-FFF2-40B4-BE49-F238E27FC236}">
+                    <a16:creationId xmlns:a16="http://schemas.microsoft.com/office/drawing/2014/main" id="{BEA0B5CB-8CE3-6E86-3336-FAF0184743A4}"/>
+                  </a:ext>
+                </a:extLst>
+              </p:cNvPr>
+              <p:cNvSpPr txBox="1"/>
+              <p:nvPr/>
+            </p:nvSpPr>
+            <p:spPr>
+              <a:xfrm>
+                <a:off x="4812396" y="1702853"/>
+                <a:ext cx="3996287" cy="400110"/>
+              </a:xfrm>
+              <a:prstGeom prst="rect">
+                <a:avLst/>
+              </a:prstGeom>
+              <a:noFill/>
+            </p:spPr>
+            <p:txBody>
+              <a:bodyPr wrap="none" rtlCol="0">
+                <a:spAutoFit/>
+              </a:bodyPr>
+              <a:lstStyle/>
+              <a:p>
+                <a14:m>
+                  <m:oMath xmlns:m="http://schemas.openxmlformats.org/officeDocument/2006/math">
+                    <m:r>
+                      <a:rPr kumimoji="1" lang="en-US" altLang="ja-JP" sz="2000" b="0" i="1" smtClean="0">
+                        <a:latin typeface="Cambria Math" panose="02040503050406030204" pitchFamily="18" charset="0"/>
+                      </a:rPr>
+                      <m:t>𝑙</m:t>
+                    </m:r>
+                    <m:d>
+                      <m:dPr>
+                        <m:ctrlPr>
+                          <a:rPr kumimoji="1" lang="en-US" altLang="ja-JP" sz="2000" b="0" i="1" smtClean="0">
+                            <a:latin typeface="Cambria Math" panose="02040503050406030204" pitchFamily="18" charset="0"/>
+                          </a:rPr>
+                        </m:ctrlPr>
+                      </m:dPr>
+                      <m:e>
+                        <m:r>
+                          <a:rPr kumimoji="1" lang="en-US" altLang="ja-JP" sz="2000" b="0" i="1" smtClean="0">
+                            <a:latin typeface="Cambria Math" panose="02040503050406030204" pitchFamily="18" charset="0"/>
+                          </a:rPr>
+                          <m:t>𝑡</m:t>
+                        </m:r>
+                      </m:e>
+                    </m:d>
+                    <m:r>
+                      <a:rPr kumimoji="1" lang="en-US" altLang="ja-JP" sz="2000" b="0" i="1" smtClean="0">
+                        <a:latin typeface="Cambria Math" panose="02040503050406030204" pitchFamily="18" charset="0"/>
+                      </a:rPr>
+                      <m:t>;</m:t>
+                    </m:r>
+                  </m:oMath>
+                </a14:m>
+                <a:r>
+                  <a:rPr kumimoji="1" lang="ja-JP" altLang="en-US" sz="2000" dirty="0"/>
+                  <a:t>追従誤差ベクトルととらえる</a:t>
+                </a:r>
+                <a:endParaRPr kumimoji="1" lang="en-US" altLang="ja-JP" sz="2000" dirty="0"/>
+              </a:p>
+            </p:txBody>
+          </p:sp>
+        </mc:Choice>
+        <mc:Fallback>
+          <p:sp>
+            <p:nvSpPr>
+              <p:cNvPr id="10" name="テキスト ボックス 9">
+                <a:extLst>
+                  <a:ext uri="{FF2B5EF4-FFF2-40B4-BE49-F238E27FC236}">
+                    <a16:creationId xmlns:a16="http://schemas.microsoft.com/office/drawing/2014/main" id="{BEA0B5CB-8CE3-6E86-3336-FAF0184743A4}"/>
+                  </a:ext>
+                </a:extLst>
+              </p:cNvPr>
+              <p:cNvSpPr txBox="1">
+                <a:spLocks noRot="1" noChangeAspect="1" noMove="1" noResize="1" noEditPoints="1" noAdjustHandles="1" noChangeArrowheads="1" noChangeShapeType="1" noTextEdit="1"/>
+              </p:cNvSpPr>
+              <p:nvPr/>
+            </p:nvSpPr>
+            <p:spPr>
+              <a:xfrm>
+                <a:off x="4812396" y="1702853"/>
+                <a:ext cx="3996287" cy="400110"/>
+              </a:xfrm>
+              <a:prstGeom prst="rect">
+                <a:avLst/>
+              </a:prstGeom>
+              <a:blipFill>
+                <a:blip r:embed="rId7"/>
+                <a:stretch>
+                  <a:fillRect t="-7576" r="-1220" b="-25758"/>
+                </a:stretch>
+              </a:blipFill>
+            </p:spPr>
+            <p:txBody>
+              <a:bodyPr/>
+              <a:lstStyle/>
+              <a:p>
+                <a:r>
+                  <a:rPr lang="ja-JP" altLang="en-US">
+                    <a:noFill/>
+                  </a:rPr>
+                  <a:t> </a:t>
+                </a:r>
+              </a:p>
+            </p:txBody>
+          </p:sp>
+        </mc:Fallback>
+      </mc:AlternateContent>
     </p:spTree>
     <p:extLst>
       <p:ext uri="{BB962C8B-B14F-4D97-AF65-F5344CB8AC3E}">
-        <p14:creationId xmlns:p14="http://schemas.microsoft.com/office/powerpoint/2010/main" val="2458599099"/>
+        <p14:creationId xmlns:p14="http://schemas.microsoft.com/office/powerpoint/2010/main" val="3804025044"/>
       </p:ext>
     </p:extLst>
   </p:cSld>
@@ -9768,7 +10278,7 @@
 </p:sld>
 </file>
 
-<file path=ppt/slides/slide2.xml><?xml version="1.0" encoding="utf-8"?>
+<file path=ppt/slides/slide17.xml><?xml version="1.0" encoding="utf-8"?>
 <p:sld xmlns:a="http://schemas.openxmlformats.org/drawingml/2006/main" xmlns:r="http://schemas.openxmlformats.org/officeDocument/2006/relationships" xmlns:p="http://schemas.openxmlformats.org/presentationml/2006/main">
   <p:cSld>
     <p:spTree>
@@ -9790,7 +10300,7 @@
           <p:cNvPr id="2" name="タイトル 1">
             <a:extLst>
               <a:ext uri="{FF2B5EF4-FFF2-40B4-BE49-F238E27FC236}">
-                <a16:creationId xmlns:a16="http://schemas.microsoft.com/office/drawing/2014/main" id="{DCE94847-9F9B-6193-17BC-2F7AE31F8E37}"/>
+                <a16:creationId xmlns:a16="http://schemas.microsoft.com/office/drawing/2014/main" id="{1AEF5D16-5FCC-B2A4-F67B-510A3A1BBCE9}"/>
               </a:ext>
             </a:extLst>
           </p:cNvPr>
@@ -9803,14 +10313,15 @@
         </p:nvSpPr>
         <p:spPr/>
         <p:txBody>
-          <a:bodyPr/>
+          <a:bodyPr>
+            <a:normAutofit/>
+          </a:bodyPr>
           <a:lstStyle/>
           <a:p>
             <a:r>
-              <a:rPr lang="ja-JP" altLang="en-US" dirty="0"/>
-              <a:t>これまでの進捗概要</a:t>
-            </a:r>
-            <a:endParaRPr kumimoji="1" lang="ja-JP" altLang="en-US" dirty="0"/>
+              <a:rPr kumimoji="1" lang="ja-JP" altLang="en-US" dirty="0"/>
+              <a:t>制御入力の大きさ</a:t>
+            </a:r>
           </a:p>
         </p:txBody>
       </p:sp>
@@ -9819,7 +10330,7 @@
           <p:cNvPr id="3" name="コンテンツ プレースホルダー 2">
             <a:extLst>
               <a:ext uri="{FF2B5EF4-FFF2-40B4-BE49-F238E27FC236}">
-                <a16:creationId xmlns:a16="http://schemas.microsoft.com/office/drawing/2014/main" id="{9E1A1E01-A3A5-94AB-8DFE-9E5367FE5E69}"/>
+                <a16:creationId xmlns:a16="http://schemas.microsoft.com/office/drawing/2014/main" id="{54854C22-392E-2B26-714C-9F55D2C0D94F}"/>
               </a:ext>
             </a:extLst>
           </p:cNvPr>
@@ -9832,110 +10343,10 @@
         </p:nvSpPr>
         <p:spPr/>
         <p:txBody>
-          <a:bodyPr>
-            <a:normAutofit/>
-          </a:bodyPr>
+          <a:bodyPr/>
           <a:lstStyle/>
           <a:p>
-            <a:pPr marL="0" indent="0">
-              <a:lnSpc>
-                <a:spcPct val="150000"/>
-              </a:lnSpc>
-              <a:buNone/>
-            </a:pPr>
-            <a:r>
-              <a:rPr kumimoji="1" lang="ja-JP" altLang="en-US" sz="2400" dirty="0"/>
-              <a:t>「</a:t>
-            </a:r>
-            <a:r>
-              <a:rPr kumimoji="1" lang="ja-JP" altLang="en-US" sz="2400" dirty="0">
-                <a:solidFill>
-                  <a:srgbClr val="00B0F0"/>
-                </a:solidFill>
-              </a:rPr>
-              <a:t>非</a:t>
-            </a:r>
-            <a:r>
-              <a:rPr kumimoji="1" lang="en-US" altLang="ja-JP" sz="2400" dirty="0">
-                <a:solidFill>
-                  <a:srgbClr val="00B0F0"/>
-                </a:solidFill>
-              </a:rPr>
-              <a:t>GNSS</a:t>
-            </a:r>
-            <a:r>
-              <a:rPr kumimoji="1" lang="ja-JP" altLang="en-US" sz="2400" dirty="0">
-                <a:solidFill>
-                  <a:srgbClr val="00B0F0"/>
-                </a:solidFill>
-              </a:rPr>
-              <a:t>環境でのフォーメーション制御</a:t>
-            </a:r>
-            <a:r>
-              <a:rPr kumimoji="1" lang="ja-JP" altLang="en-US" sz="2400" dirty="0"/>
-              <a:t>」の研究テーマを実現するため，フォーメーション制御の導入として卒論の</a:t>
-            </a:r>
-            <a:br>
-              <a:rPr kumimoji="1" lang="en-US" altLang="ja-JP" sz="2400" dirty="0"/>
-            </a:br>
-            <a:r>
-              <a:rPr kumimoji="1" lang="ja-JP" altLang="en-US" sz="2400" dirty="0"/>
-              <a:t>「</a:t>
-            </a:r>
-            <a:r>
-              <a:rPr kumimoji="1" lang="en-US" altLang="ja-JP" sz="2400" dirty="0"/>
-              <a:t>LOS</a:t>
-            </a:r>
-            <a:r>
-              <a:rPr kumimoji="1" lang="ja-JP" altLang="en-US" sz="2400" dirty="0"/>
-              <a:t>誘導に基づくリーダ・フォロワ制御」の追試を行い</a:t>
-            </a:r>
-            <a:br>
-              <a:rPr kumimoji="1" lang="en-US" altLang="ja-JP" sz="2400" dirty="0"/>
-            </a:br>
-            <a:r>
-              <a:rPr kumimoji="1" lang="ja-JP" altLang="en-US" sz="2400" dirty="0"/>
-              <a:t>理解を深めた．また，実装においては</a:t>
-            </a:r>
-            <a:r>
-              <a:rPr kumimoji="1" lang="en-US" altLang="ja-JP" sz="2400" dirty="0">
-                <a:solidFill>
-                  <a:srgbClr val="00B0F0"/>
-                </a:solidFill>
-              </a:rPr>
-              <a:t>Python</a:t>
-            </a:r>
-            <a:r>
-              <a:rPr kumimoji="1" lang="ja-JP" altLang="en-US" sz="2400" dirty="0"/>
-              <a:t>を使用するため，</a:t>
-            </a:r>
-            <a:br>
-              <a:rPr kumimoji="1" lang="en-US" altLang="ja-JP" sz="2400" dirty="0"/>
-            </a:br>
-            <a:r>
-              <a:rPr kumimoji="1" lang="ja-JP" altLang="en-US" sz="2400" dirty="0"/>
-              <a:t>開発環境の導入に関する技術調査を行った．以上の取り組みを通して，本研究テーマには卒論の内容そのものを扱うことは技術的に厳しいことが判明した．今後は，別の文献を参考に</a:t>
-            </a:r>
-            <a:r>
-              <a:rPr kumimoji="1" lang="en-US" altLang="ja-JP" sz="2400" dirty="0" err="1">
-                <a:solidFill>
-                  <a:srgbClr val="00B0F0"/>
-                </a:solidFill>
-              </a:rPr>
-              <a:t>IssacSim</a:t>
-            </a:r>
-            <a:r>
-              <a:rPr kumimoji="1" lang="ja-JP" altLang="en-US" sz="2400" dirty="0">
-                <a:solidFill>
-                  <a:srgbClr val="00B0F0"/>
-                </a:solidFill>
-              </a:rPr>
-              <a:t>上でシミュレータ環境を実現</a:t>
-            </a:r>
-            <a:r>
-              <a:rPr kumimoji="1" lang="ja-JP" altLang="en-US" sz="2400" dirty="0"/>
-              <a:t>することを試みる．</a:t>
-            </a:r>
+            <a:endParaRPr kumimoji="1" lang="ja-JP" altLang="en-US"/>
           </a:p>
         </p:txBody>
       </p:sp>
@@ -9944,7 +10355,7 @@
           <p:cNvPr id="4" name="スライド番号プレースホルダー 3">
             <a:extLst>
               <a:ext uri="{FF2B5EF4-FFF2-40B4-BE49-F238E27FC236}">
-                <a16:creationId xmlns:a16="http://schemas.microsoft.com/office/drawing/2014/main" id="{277B23C4-05B3-54A3-480E-1C5B9643FEA6}"/>
+                <a16:creationId xmlns:a16="http://schemas.microsoft.com/office/drawing/2014/main" id="{0CA60427-E916-EDE6-D32A-7C344F27AEE6}"/>
               </a:ext>
             </a:extLst>
           </p:cNvPr>
@@ -9963,16 +10374,41 @@
             <a:fld id="{55407BB7-92F5-4977-AA44-396FA1CF315E}" type="slidenum">
               <a:rPr kumimoji="1" lang="ja-JP" altLang="en-US" smtClean="0"/>
               <a:pPr/>
-              <a:t>1</a:t>
+              <a:t>16</a:t>
             </a:fld>
             <a:endParaRPr kumimoji="1" lang="ja-JP" altLang="en-US" dirty="0"/>
+          </a:p>
+        </p:txBody>
+      </p:sp>
+      <p:sp>
+        <p:nvSpPr>
+          <p:cNvPr id="5" name="テキスト プレースホルダー 4">
+            <a:extLst>
+              <a:ext uri="{FF2B5EF4-FFF2-40B4-BE49-F238E27FC236}">
+                <a16:creationId xmlns:a16="http://schemas.microsoft.com/office/drawing/2014/main" id="{AD375B24-F18B-DD73-CB77-0A05C59A634D}"/>
+              </a:ext>
+            </a:extLst>
+          </p:cNvPr>
+          <p:cNvSpPr>
+            <a:spLocks noGrp="1"/>
+          </p:cNvSpPr>
+          <p:nvPr>
+            <p:ph type="body" sz="quarter" idx="13"/>
+          </p:nvPr>
+        </p:nvSpPr>
+        <p:spPr/>
+        <p:txBody>
+          <a:bodyPr/>
+          <a:lstStyle/>
+          <a:p>
+            <a:endParaRPr kumimoji="1" lang="ja-JP" altLang="en-US"/>
           </a:p>
         </p:txBody>
       </p:sp>
     </p:spTree>
     <p:extLst>
       <p:ext uri="{BB962C8B-B14F-4D97-AF65-F5344CB8AC3E}">
-        <p14:creationId xmlns:p14="http://schemas.microsoft.com/office/powerpoint/2010/main" val="3483990292"/>
+        <p14:creationId xmlns:p14="http://schemas.microsoft.com/office/powerpoint/2010/main" val="2328756029"/>
       </p:ext>
     </p:extLst>
   </p:cSld>
@@ -9982,7 +10418,7 @@
 </p:sld>
 </file>
 
-<file path=ppt/slides/slide20.xml><?xml version="1.0" encoding="utf-8"?>
+<file path=ppt/slides/slide18.xml><?xml version="1.0" encoding="utf-8"?>
 <p:sld xmlns:a="http://schemas.openxmlformats.org/drawingml/2006/main" xmlns:r="http://schemas.openxmlformats.org/officeDocument/2006/relationships" xmlns:p="http://schemas.openxmlformats.org/presentationml/2006/main">
   <p:cSld>
     <p:spTree>
@@ -10004,282 +10440,6 @@
           <p:cNvPr id="2" name="タイトル 1">
             <a:extLst>
               <a:ext uri="{FF2B5EF4-FFF2-40B4-BE49-F238E27FC236}">
-                <a16:creationId xmlns:a16="http://schemas.microsoft.com/office/drawing/2014/main" id="{E2DA6473-9F82-DA29-50C4-B0E11F4248B0}"/>
-              </a:ext>
-            </a:extLst>
-          </p:cNvPr>
-          <p:cNvSpPr>
-            <a:spLocks noGrp="1"/>
-          </p:cNvSpPr>
-          <p:nvPr>
-            <p:ph type="title"/>
-          </p:nvPr>
-        </p:nvSpPr>
-        <p:spPr/>
-        <p:txBody>
-          <a:bodyPr/>
-          <a:lstStyle/>
-          <a:p>
-            <a:r>
-              <a:rPr kumimoji="1" lang="ja-JP" altLang="en-US" dirty="0"/>
-              <a:t>仮想環境の構築方法</a:t>
-            </a:r>
-          </a:p>
-        </p:txBody>
-      </p:sp>
-      <p:sp>
-        <p:nvSpPr>
-          <p:cNvPr id="3" name="コンテンツ プレースホルダー 2">
-            <a:extLst>
-              <a:ext uri="{FF2B5EF4-FFF2-40B4-BE49-F238E27FC236}">
-                <a16:creationId xmlns:a16="http://schemas.microsoft.com/office/drawing/2014/main" id="{ACE9F7D2-2B96-B439-7DFD-169D1961D200}"/>
-              </a:ext>
-            </a:extLst>
-          </p:cNvPr>
-          <p:cNvSpPr>
-            <a:spLocks noGrp="1"/>
-          </p:cNvSpPr>
-          <p:nvPr>
-            <p:ph idx="1"/>
-          </p:nvPr>
-        </p:nvSpPr>
-        <p:spPr/>
-        <p:txBody>
-          <a:bodyPr/>
-          <a:lstStyle/>
-          <a:p>
-            <a:r>
-              <a:rPr kumimoji="1" lang="en-US" altLang="ja-JP" dirty="0"/>
-              <a:t>Python</a:t>
-            </a:r>
-            <a:r>
-              <a:rPr kumimoji="1" lang="ja-JP" altLang="en-US" dirty="0"/>
-              <a:t>仮想環境構築の代表的なツールとして，ここでは</a:t>
-            </a:r>
-            <a:br>
-              <a:rPr kumimoji="1" lang="en-US" altLang="ja-JP" dirty="0"/>
-            </a:br>
-            <a:r>
-              <a:rPr kumimoji="1" lang="en-US" altLang="ja-JP" dirty="0" err="1"/>
-              <a:t>venv</a:t>
-            </a:r>
-            <a:r>
-              <a:rPr kumimoji="1" lang="ja-JP" altLang="en-US" dirty="0"/>
-              <a:t>と</a:t>
-            </a:r>
-            <a:r>
-              <a:rPr kumimoji="1" lang="en-US" altLang="ja-JP" dirty="0"/>
-              <a:t>Anaconda(</a:t>
-            </a:r>
-            <a:r>
-              <a:rPr kumimoji="1" lang="en-US" altLang="ja-JP" dirty="0" err="1"/>
-              <a:t>conda</a:t>
-            </a:r>
-            <a:r>
-              <a:rPr kumimoji="1" lang="en-US" altLang="ja-JP" dirty="0"/>
-              <a:t>)</a:t>
-            </a:r>
-            <a:r>
-              <a:rPr kumimoji="1" lang="ja-JP" altLang="en-US" dirty="0"/>
-              <a:t>を挙げる</a:t>
-            </a:r>
-            <a:endParaRPr kumimoji="1" lang="en-US" altLang="ja-JP" dirty="0"/>
-          </a:p>
-          <a:p>
-            <a:endParaRPr lang="en-US" altLang="ja-JP" dirty="0"/>
-          </a:p>
-          <a:p>
-            <a:r>
-              <a:rPr kumimoji="1" lang="en-US" altLang="ja-JP" dirty="0" err="1"/>
-              <a:t>venv</a:t>
-            </a:r>
-            <a:r>
-              <a:rPr kumimoji="1" lang="en-US" altLang="ja-JP" dirty="0"/>
-              <a:t>; python</a:t>
-            </a:r>
-            <a:r>
-              <a:rPr kumimoji="1" lang="ja-JP" altLang="en-US" dirty="0"/>
-              <a:t>標準のミニマルなアプローチ</a:t>
-            </a:r>
-            <a:endParaRPr kumimoji="1" lang="en-US" altLang="ja-JP" dirty="0"/>
-          </a:p>
-          <a:p>
-            <a:pPr lvl="1"/>
-            <a:r>
-              <a:rPr lang="ja-JP" altLang="en-US" dirty="0"/>
-              <a:t>依存関係をプロジェクトごとに閉じて管理</a:t>
-            </a:r>
-            <a:endParaRPr lang="en-US" altLang="ja-JP" dirty="0"/>
-          </a:p>
-          <a:p>
-            <a:pPr lvl="1"/>
-            <a:r>
-              <a:rPr lang="ja-JP" altLang="en-US" dirty="0"/>
-              <a:t>公式パッケージインストーラ</a:t>
-            </a:r>
-            <a:r>
-              <a:rPr lang="en-US" altLang="ja-JP" dirty="0"/>
-              <a:t>pip</a:t>
-            </a:r>
-            <a:r>
-              <a:rPr lang="ja-JP" altLang="en-US" dirty="0"/>
-              <a:t>とパッケージリポジトリ</a:t>
-            </a:r>
-            <a:r>
-              <a:rPr lang="en-US" altLang="ja-JP" dirty="0" err="1"/>
-              <a:t>PyPI</a:t>
-            </a:r>
-            <a:r>
-              <a:rPr lang="ja-JP" altLang="en-US" dirty="0"/>
-              <a:t>を</a:t>
-            </a:r>
-            <a:br>
-              <a:rPr lang="en-US" altLang="ja-JP" dirty="0"/>
-            </a:br>
-            <a:r>
-              <a:rPr lang="ja-JP" altLang="en-US" dirty="0"/>
-              <a:t>そのまま利用し，膨大なライブラリを利用可能</a:t>
-            </a:r>
-            <a:endParaRPr lang="en-US" altLang="ja-JP" dirty="0"/>
-          </a:p>
-          <a:p>
-            <a:pPr marL="0" indent="0">
-              <a:buNone/>
-            </a:pPr>
-            <a:endParaRPr kumimoji="1" lang="en-US" altLang="ja-JP" dirty="0"/>
-          </a:p>
-          <a:p>
-            <a:r>
-              <a:rPr kumimoji="1" lang="en-US" altLang="ja-JP" dirty="0"/>
-              <a:t>Anaconda; </a:t>
-            </a:r>
-            <a:r>
-              <a:rPr kumimoji="1" lang="ja-JP" altLang="en-US" dirty="0"/>
-              <a:t>データサイエンスの為の統合プラットフォーム</a:t>
-            </a:r>
-            <a:endParaRPr kumimoji="1" lang="en-US" altLang="ja-JP" dirty="0"/>
-          </a:p>
-          <a:p>
-            <a:pPr lvl="1"/>
-            <a:r>
-              <a:rPr kumimoji="1" lang="en-US" altLang="ja-JP" dirty="0" err="1"/>
-              <a:t>Conda</a:t>
-            </a:r>
-            <a:r>
-              <a:rPr kumimoji="1" lang="ja-JP" altLang="en-US" dirty="0"/>
-              <a:t>パッケージはプリコンパイルされたバイナリとして提供．</a:t>
-            </a:r>
-            <a:br>
-              <a:rPr kumimoji="1" lang="en-US" altLang="ja-JP" dirty="0"/>
-            </a:br>
-            <a:r>
-              <a:rPr lang="ja-JP" altLang="en-US" dirty="0"/>
-              <a:t>インストールにコンパイラ不要</a:t>
-            </a:r>
-            <a:endParaRPr lang="en-US" altLang="ja-JP" dirty="0"/>
-          </a:p>
-          <a:p>
-            <a:pPr lvl="1"/>
-            <a:r>
-              <a:rPr kumimoji="1" lang="en-US" altLang="ja-JP" dirty="0"/>
-              <a:t>Python</a:t>
-            </a:r>
-            <a:r>
-              <a:rPr kumimoji="1" lang="ja-JP" altLang="en-US" dirty="0"/>
-              <a:t>だけでなく，それが依存する</a:t>
-            </a:r>
-            <a:r>
-              <a:rPr kumimoji="1" lang="en-US" altLang="ja-JP" dirty="0"/>
-              <a:t>C/C++/R</a:t>
-            </a:r>
-            <a:r>
-              <a:rPr kumimoji="1" lang="ja-JP" altLang="en-US" dirty="0"/>
-              <a:t>といった非</a:t>
-            </a:r>
-            <a:r>
-              <a:rPr kumimoji="1" lang="en-US" altLang="ja-JP" dirty="0"/>
-              <a:t>Python</a:t>
-            </a:r>
-            <a:br>
-              <a:rPr kumimoji="1" lang="en-US" altLang="ja-JP" dirty="0"/>
-            </a:br>
-            <a:r>
-              <a:rPr kumimoji="1" lang="ja-JP" altLang="en-US" dirty="0"/>
-              <a:t>パッケージも一括管理可能</a:t>
-            </a:r>
-            <a:endParaRPr kumimoji="1" lang="en-US" altLang="ja-JP" dirty="0"/>
-          </a:p>
-          <a:p>
-            <a:pPr lvl="1"/>
-            <a:endParaRPr kumimoji="1" lang="ja-JP" altLang="en-US" dirty="0"/>
-          </a:p>
-        </p:txBody>
-      </p:sp>
-      <p:sp>
-        <p:nvSpPr>
-          <p:cNvPr id="4" name="スライド番号プレースホルダー 3">
-            <a:extLst>
-              <a:ext uri="{FF2B5EF4-FFF2-40B4-BE49-F238E27FC236}">
-                <a16:creationId xmlns:a16="http://schemas.microsoft.com/office/drawing/2014/main" id="{DEE6F268-5747-AE30-C1F7-6A21137A850A}"/>
-              </a:ext>
-            </a:extLst>
-          </p:cNvPr>
-          <p:cNvSpPr>
-            <a:spLocks noGrp="1"/>
-          </p:cNvSpPr>
-          <p:nvPr>
-            <p:ph type="sldNum" sz="quarter" idx="12"/>
-          </p:nvPr>
-        </p:nvSpPr>
-        <p:spPr/>
-        <p:txBody>
-          <a:bodyPr/>
-          <a:lstStyle/>
-          <a:p>
-            <a:fld id="{55407BB7-92F5-4977-AA44-396FA1CF315E}" type="slidenum">
-              <a:rPr kumimoji="1" lang="ja-JP" altLang="en-US" smtClean="0"/>
-              <a:pPr/>
-              <a:t>19</a:t>
-            </a:fld>
-            <a:endParaRPr kumimoji="1" lang="ja-JP" altLang="en-US" dirty="0"/>
-          </a:p>
-        </p:txBody>
-      </p:sp>
-    </p:spTree>
-    <p:extLst>
-      <p:ext uri="{BB962C8B-B14F-4D97-AF65-F5344CB8AC3E}">
-        <p14:creationId xmlns:p14="http://schemas.microsoft.com/office/powerpoint/2010/main" val="470476878"/>
-      </p:ext>
-    </p:extLst>
-  </p:cSld>
-  <p:clrMapOvr>
-    <a:masterClrMapping/>
-  </p:clrMapOvr>
-</p:sld>
-</file>
-
-<file path=ppt/slides/slide21.xml><?xml version="1.0" encoding="utf-8"?>
-<p:sld xmlns:a="http://schemas.openxmlformats.org/drawingml/2006/main" xmlns:r="http://schemas.openxmlformats.org/officeDocument/2006/relationships" xmlns:p="http://schemas.openxmlformats.org/presentationml/2006/main">
-  <p:cSld>
-    <p:spTree>
-      <p:nvGrpSpPr>
-        <p:cNvPr id="1" name=""/>
-        <p:cNvGrpSpPr/>
-        <p:nvPr/>
-      </p:nvGrpSpPr>
-      <p:grpSpPr>
-        <a:xfrm>
-          <a:off x="0" y="0"/>
-          <a:ext cx="0" cy="0"/>
-          <a:chOff x="0" y="0"/>
-          <a:chExt cx="0" cy="0"/>
-        </a:xfrm>
-      </p:grpSpPr>
-      <p:sp>
-        <p:nvSpPr>
-          <p:cNvPr id="2" name="タイトル 1">
-            <a:extLst>
-              <a:ext uri="{FF2B5EF4-FFF2-40B4-BE49-F238E27FC236}">
                 <a16:creationId xmlns:a16="http://schemas.microsoft.com/office/drawing/2014/main" id="{1AEF5D16-5FCC-B2A4-F67B-510A3A1BBCE9}"/>
               </a:ext>
             </a:extLst>
@@ -10298,11 +10458,11 @@
           <a:p>
             <a:r>
               <a:rPr kumimoji="1" lang="en-US" altLang="ja-JP" dirty="0"/>
-              <a:t>Python API</a:t>
+              <a:t>Python</a:t>
             </a:r>
             <a:r>
               <a:rPr kumimoji="1" lang="ja-JP" altLang="en-US" dirty="0"/>
-              <a:t>の選定</a:t>
+              <a:t>仮想環境について</a:t>
             </a:r>
           </a:p>
         </p:txBody>
@@ -10329,115 +10489,51 @@
           <a:lstStyle/>
           <a:p>
             <a:r>
-              <a:rPr lang="ja-JP" altLang="en-US" dirty="0"/>
-              <a:t>シミュレータと外部スクリプトを連携させるには</a:t>
-            </a:r>
-            <a:r>
-              <a:rPr lang="en-US" altLang="ja-JP" dirty="0"/>
-              <a:t>API</a:t>
-            </a:r>
-            <a:r>
-              <a:rPr lang="ja-JP" altLang="en-US" dirty="0"/>
-              <a:t>を</a:t>
+              <a:rPr kumimoji="1" lang="ja-JP" altLang="en-US" dirty="0"/>
+              <a:t>仮想環境とは，物理的な一台のマシン内に，論理的に独立した複数の</a:t>
+            </a:r>
+            <a:r>
+              <a:rPr kumimoji="1" lang="en-US" altLang="ja-JP" dirty="0"/>
+              <a:t>Python</a:t>
+            </a:r>
+            <a:r>
+              <a:rPr kumimoji="1" lang="ja-JP" altLang="en-US" dirty="0"/>
+              <a:t>実行環境を構築する技術</a:t>
+            </a:r>
+            <a:endParaRPr kumimoji="1" lang="en-US" altLang="ja-JP" dirty="0"/>
+          </a:p>
+          <a:p>
+            <a:endParaRPr lang="en-US" altLang="ja-JP" dirty="0"/>
+          </a:p>
+          <a:p>
+            <a:r>
+              <a:rPr kumimoji="1" lang="ja-JP" altLang="en-US" dirty="0"/>
+              <a:t>依存関係の分離と競合回避，開発環境の再現性と移植性の向上，システム環境の保全とクリーンな開発体制の確立等，その恩恵はさまざま</a:t>
+            </a:r>
+            <a:endParaRPr kumimoji="1" lang="en-US" altLang="ja-JP" dirty="0"/>
+          </a:p>
+          <a:p>
+            <a:endParaRPr lang="en-US" altLang="ja-JP" dirty="0"/>
+          </a:p>
+          <a:p>
+            <a:r>
+              <a:rPr kumimoji="1" lang="ja-JP" altLang="en-US" dirty="0"/>
+              <a:t>リソースの消費増加，プロジェクト管理の煩雑さなどの</a:t>
             </a:r>
             <a:br>
-              <a:rPr lang="en-US" altLang="ja-JP" dirty="0"/>
+              <a:rPr kumimoji="1" lang="en-US" altLang="ja-JP" dirty="0"/>
             </a:br>
             <a:r>
-              <a:rPr lang="ja-JP" altLang="en-US" dirty="0"/>
-              <a:t>用いる必要がある</a:t>
-            </a:r>
-            <a:endParaRPr lang="en-US" altLang="ja-JP" dirty="0"/>
-          </a:p>
-          <a:p>
-            <a:endParaRPr kumimoji="1" lang="en-US" altLang="ja-JP" dirty="0"/>
-          </a:p>
-          <a:p>
-            <a:r>
-              <a:rPr kumimoji="1" lang="en-US" altLang="ja-JP" dirty="0" err="1"/>
-              <a:t>CoppeliaSim</a:t>
-            </a:r>
-            <a:r>
-              <a:rPr lang="ja-JP" altLang="en-US" dirty="0"/>
-              <a:t>は主に</a:t>
-            </a:r>
-            <a:r>
-              <a:rPr lang="en-US" altLang="ja-JP" dirty="0"/>
-              <a:t>2</a:t>
-            </a:r>
-            <a:r>
-              <a:rPr lang="ja-JP" altLang="en-US" dirty="0"/>
-              <a:t>つの</a:t>
-            </a:r>
-            <a:r>
-              <a:rPr lang="en-US" altLang="ja-JP" dirty="0"/>
-              <a:t>Remote API</a:t>
-            </a:r>
-            <a:r>
-              <a:rPr lang="ja-JP" altLang="en-US" dirty="0"/>
-              <a:t>を提供</a:t>
-            </a:r>
-            <a:endParaRPr lang="en-US" altLang="ja-JP" dirty="0"/>
-          </a:p>
-          <a:p>
-            <a:pPr lvl="1"/>
-            <a:r>
+              <a:rPr kumimoji="1" lang="ja-JP" altLang="en-US" dirty="0"/>
+              <a:t>デメリットもあるが，その恩恵と比較すると制御可能な</a:t>
+            </a:r>
+            <a:br>
               <a:rPr kumimoji="1" lang="en-US" altLang="ja-JP" dirty="0"/>
-              <a:t>Zero MQ Remote API</a:t>
-            </a:r>
-          </a:p>
-          <a:p>
-            <a:pPr lvl="1"/>
-            <a:r>
-              <a:rPr lang="en-US" altLang="ja-JP" dirty="0"/>
-              <a:t>Legacy</a:t>
-            </a:r>
-            <a:r>
-              <a:rPr lang="ja-JP" altLang="en-US" dirty="0"/>
-              <a:t> </a:t>
-            </a:r>
-            <a:r>
-              <a:rPr lang="en-US" altLang="ja-JP" dirty="0"/>
-              <a:t>Remote API</a:t>
-            </a:r>
-            <a:endParaRPr kumimoji="1" lang="ja-JP" altLang="en-US" dirty="0"/>
-          </a:p>
-          <a:p>
-            <a:pPr marL="0" indent="0">
-              <a:buNone/>
-            </a:pPr>
-            <a:endParaRPr lang="en-US" altLang="ja-JP" dirty="0"/>
-          </a:p>
-          <a:p>
-            <a:r>
-              <a:rPr kumimoji="1" lang="en-US" altLang="ja-JP" dirty="0" err="1"/>
-              <a:t>CoppeliaSim</a:t>
-            </a:r>
-            <a:r>
-              <a:rPr kumimoji="1" lang="en-US" altLang="ja-JP" dirty="0"/>
-              <a:t> V4.4</a:t>
-            </a:r>
+            </a:br>
             <a:r>
               <a:rPr kumimoji="1" lang="ja-JP" altLang="en-US" dirty="0"/>
-              <a:t>から</a:t>
-            </a:r>
-            <a:r>
-              <a:rPr lang="en-US" altLang="ja-JP" dirty="0"/>
-              <a:t>Legacy</a:t>
-            </a:r>
-            <a:r>
-              <a:rPr lang="ja-JP" altLang="en-US" dirty="0"/>
-              <a:t> </a:t>
-            </a:r>
-            <a:r>
-              <a:rPr lang="en-US" altLang="ja-JP" dirty="0"/>
-              <a:t>Remote API</a:t>
-            </a:r>
-            <a:r>
-              <a:rPr lang="ja-JP" altLang="en-US" dirty="0"/>
-              <a:t>は非推奨に</a:t>
-            </a:r>
-            <a:endParaRPr lang="en-US" altLang="ja-JP" dirty="0"/>
+              <a:t>課題といえる</a:t>
+            </a:r>
           </a:p>
         </p:txBody>
       </p:sp>
@@ -10465,7 +10561,7 @@
             <a:fld id="{55407BB7-92F5-4977-AA44-396FA1CF315E}" type="slidenum">
               <a:rPr kumimoji="1" lang="ja-JP" altLang="en-US" smtClean="0"/>
               <a:pPr/>
-              <a:t>20</a:t>
+              <a:t>17</a:t>
             </a:fld>
             <a:endParaRPr kumimoji="1" lang="ja-JP" altLang="en-US" dirty="0"/>
           </a:p>
@@ -10493,28 +10589,12 @@
           <a:lstStyle/>
           <a:p>
             <a:r>
-              <a:rPr kumimoji="1" lang="ja-JP" altLang="en-US" sz="2800" dirty="0">
+              <a:rPr kumimoji="1" lang="ja-JP" altLang="en-US" b="1" dirty="0">
                 <a:solidFill>
                   <a:schemeClr val="accent4"/>
                 </a:solidFill>
               </a:rPr>
-              <a:t>高度な機能を提供する</a:t>
-            </a:r>
-            <a:r>
-              <a:rPr kumimoji="1" lang="en-US" altLang="ja-JP" sz="2800" dirty="0">
-                <a:solidFill>
-                  <a:schemeClr val="accent4"/>
-                </a:solidFill>
-              </a:rPr>
-              <a:t>Zero MQ Remote API</a:t>
-            </a:r>
-            <a:r>
-              <a:rPr kumimoji="1" lang="ja-JP" altLang="en-US" sz="2800" dirty="0">
-                <a:solidFill>
-                  <a:schemeClr val="accent4"/>
-                </a:solidFill>
-              </a:rPr>
-              <a:t>が推奨</a:t>
+              <a:t>仮想環境の利用はロバストな開発に必須</a:t>
             </a:r>
           </a:p>
         </p:txBody>
@@ -10524,7 +10604,7 @@
           <p:cNvPr id="6" name="四角形: 角を丸くする 5">
             <a:extLst>
               <a:ext uri="{FF2B5EF4-FFF2-40B4-BE49-F238E27FC236}">
-                <a16:creationId xmlns:a16="http://schemas.microsoft.com/office/drawing/2014/main" id="{ACC4D57E-5152-A73A-CF61-3742D99EF21F}"/>
+                <a16:creationId xmlns:a16="http://schemas.microsoft.com/office/drawing/2014/main" id="{9ABA2AAE-9C55-7564-C8CA-AEC9DAD2E8C8}"/>
               </a:ext>
             </a:extLst>
           </p:cNvPr>
@@ -10576,7 +10656,1081 @@
     </p:spTree>
     <p:extLst>
       <p:ext uri="{BB962C8B-B14F-4D97-AF65-F5344CB8AC3E}">
+        <p14:creationId xmlns:p14="http://schemas.microsoft.com/office/powerpoint/2010/main" val="2458599099"/>
+      </p:ext>
+    </p:extLst>
+  </p:cSld>
+  <p:clrMapOvr>
+    <a:masterClrMapping/>
+  </p:clrMapOvr>
+</p:sld>
+</file>
+
+<file path=ppt/slides/slide19.xml><?xml version="1.0" encoding="utf-8"?>
+<p:sld xmlns:a="http://schemas.openxmlformats.org/drawingml/2006/main" xmlns:r="http://schemas.openxmlformats.org/officeDocument/2006/relationships" xmlns:p="http://schemas.openxmlformats.org/presentationml/2006/main">
+  <p:cSld>
+    <p:spTree>
+      <p:nvGrpSpPr>
+        <p:cNvPr id="1" name=""/>
+        <p:cNvGrpSpPr/>
+        <p:nvPr/>
+      </p:nvGrpSpPr>
+      <p:grpSpPr>
+        <a:xfrm>
+          <a:off x="0" y="0"/>
+          <a:ext cx="0" cy="0"/>
+          <a:chOff x="0" y="0"/>
+          <a:chExt cx="0" cy="0"/>
+        </a:xfrm>
+      </p:grpSpPr>
+      <p:sp>
+        <p:nvSpPr>
+          <p:cNvPr id="2" name="タイトル 1">
+            <a:extLst>
+              <a:ext uri="{FF2B5EF4-FFF2-40B4-BE49-F238E27FC236}">
+                <a16:creationId xmlns:a16="http://schemas.microsoft.com/office/drawing/2014/main" id="{E2DA6473-9F82-DA29-50C4-B0E11F4248B0}"/>
+              </a:ext>
+            </a:extLst>
+          </p:cNvPr>
+          <p:cNvSpPr>
+            <a:spLocks noGrp="1"/>
+          </p:cNvSpPr>
+          <p:nvPr>
+            <p:ph type="title"/>
+          </p:nvPr>
+        </p:nvSpPr>
+        <p:spPr/>
+        <p:txBody>
+          <a:bodyPr/>
+          <a:lstStyle/>
+          <a:p>
+            <a:r>
+              <a:rPr kumimoji="1" lang="ja-JP" altLang="en-US" dirty="0"/>
+              <a:t>仮想環境の構築方法</a:t>
+            </a:r>
+          </a:p>
+        </p:txBody>
+      </p:sp>
+      <p:sp>
+        <p:nvSpPr>
+          <p:cNvPr id="3" name="コンテンツ プレースホルダー 2">
+            <a:extLst>
+              <a:ext uri="{FF2B5EF4-FFF2-40B4-BE49-F238E27FC236}">
+                <a16:creationId xmlns:a16="http://schemas.microsoft.com/office/drawing/2014/main" id="{ACE9F7D2-2B96-B439-7DFD-169D1961D200}"/>
+              </a:ext>
+            </a:extLst>
+          </p:cNvPr>
+          <p:cNvSpPr>
+            <a:spLocks noGrp="1"/>
+          </p:cNvSpPr>
+          <p:nvPr>
+            <p:ph idx="1"/>
+          </p:nvPr>
+        </p:nvSpPr>
+        <p:spPr/>
+        <p:txBody>
+          <a:bodyPr/>
+          <a:lstStyle/>
+          <a:p>
+            <a:r>
+              <a:rPr kumimoji="1" lang="en-US" altLang="ja-JP" dirty="0"/>
+              <a:t>Python</a:t>
+            </a:r>
+            <a:r>
+              <a:rPr kumimoji="1" lang="ja-JP" altLang="en-US" dirty="0"/>
+              <a:t>仮想環境構築の代表的なツールとして，ここでは</a:t>
+            </a:r>
+            <a:br>
+              <a:rPr kumimoji="1" lang="en-US" altLang="ja-JP" dirty="0"/>
+            </a:br>
+            <a:r>
+              <a:rPr kumimoji="1" lang="en-US" altLang="ja-JP" dirty="0" err="1"/>
+              <a:t>venv</a:t>
+            </a:r>
+            <a:r>
+              <a:rPr kumimoji="1" lang="ja-JP" altLang="en-US" dirty="0"/>
+              <a:t>と</a:t>
+            </a:r>
+            <a:r>
+              <a:rPr kumimoji="1" lang="en-US" altLang="ja-JP" dirty="0"/>
+              <a:t>Anaconda(</a:t>
+            </a:r>
+            <a:r>
+              <a:rPr kumimoji="1" lang="en-US" altLang="ja-JP" dirty="0" err="1"/>
+              <a:t>conda</a:t>
+            </a:r>
+            <a:r>
+              <a:rPr kumimoji="1" lang="en-US" altLang="ja-JP" dirty="0"/>
+              <a:t>)</a:t>
+            </a:r>
+            <a:r>
+              <a:rPr kumimoji="1" lang="ja-JP" altLang="en-US" dirty="0"/>
+              <a:t>を挙げる</a:t>
+            </a:r>
+            <a:endParaRPr kumimoji="1" lang="en-US" altLang="ja-JP" dirty="0"/>
+          </a:p>
+          <a:p>
+            <a:endParaRPr lang="en-US" altLang="ja-JP" dirty="0"/>
+          </a:p>
+          <a:p>
+            <a:r>
+              <a:rPr kumimoji="1" lang="en-US" altLang="ja-JP" dirty="0" err="1"/>
+              <a:t>venv</a:t>
+            </a:r>
+            <a:r>
+              <a:rPr kumimoji="1" lang="en-US" altLang="ja-JP" dirty="0"/>
+              <a:t>; python</a:t>
+            </a:r>
+            <a:r>
+              <a:rPr kumimoji="1" lang="ja-JP" altLang="en-US" dirty="0"/>
+              <a:t>標準のミニマルなアプローチ</a:t>
+            </a:r>
+            <a:endParaRPr kumimoji="1" lang="en-US" altLang="ja-JP" dirty="0"/>
+          </a:p>
+          <a:p>
+            <a:pPr lvl="1"/>
+            <a:r>
+              <a:rPr lang="ja-JP" altLang="en-US" dirty="0"/>
+              <a:t>依存関係をプロジェクトごとに閉じて管理</a:t>
+            </a:r>
+            <a:endParaRPr lang="en-US" altLang="ja-JP" dirty="0"/>
+          </a:p>
+          <a:p>
+            <a:pPr lvl="1"/>
+            <a:r>
+              <a:rPr lang="ja-JP" altLang="en-US" dirty="0"/>
+              <a:t>公式パッケージインストーラ</a:t>
+            </a:r>
+            <a:r>
+              <a:rPr lang="en-US" altLang="ja-JP" dirty="0"/>
+              <a:t>pip</a:t>
+            </a:r>
+            <a:r>
+              <a:rPr lang="ja-JP" altLang="en-US" dirty="0"/>
+              <a:t>とパッケージリポジトリ</a:t>
+            </a:r>
+            <a:r>
+              <a:rPr lang="en-US" altLang="ja-JP" dirty="0" err="1"/>
+              <a:t>PyPI</a:t>
+            </a:r>
+            <a:r>
+              <a:rPr lang="ja-JP" altLang="en-US" dirty="0"/>
+              <a:t>を</a:t>
+            </a:r>
+            <a:br>
+              <a:rPr lang="en-US" altLang="ja-JP" dirty="0"/>
+            </a:br>
+            <a:r>
+              <a:rPr lang="ja-JP" altLang="en-US" dirty="0"/>
+              <a:t>そのまま利用し，膨大なライブラリを利用可能</a:t>
+            </a:r>
+            <a:endParaRPr lang="en-US" altLang="ja-JP" dirty="0"/>
+          </a:p>
+          <a:p>
+            <a:pPr marL="0" indent="0">
+              <a:buNone/>
+            </a:pPr>
+            <a:endParaRPr kumimoji="1" lang="en-US" altLang="ja-JP" dirty="0"/>
+          </a:p>
+          <a:p>
+            <a:r>
+              <a:rPr kumimoji="1" lang="en-US" altLang="ja-JP" dirty="0"/>
+              <a:t>Anaconda; </a:t>
+            </a:r>
+            <a:r>
+              <a:rPr kumimoji="1" lang="ja-JP" altLang="en-US" dirty="0"/>
+              <a:t>データサイエンスの為の統合プラットフォーム</a:t>
+            </a:r>
+            <a:endParaRPr kumimoji="1" lang="en-US" altLang="ja-JP" dirty="0"/>
+          </a:p>
+          <a:p>
+            <a:pPr lvl="1"/>
+            <a:r>
+              <a:rPr kumimoji="1" lang="en-US" altLang="ja-JP" dirty="0" err="1"/>
+              <a:t>Conda</a:t>
+            </a:r>
+            <a:r>
+              <a:rPr kumimoji="1" lang="ja-JP" altLang="en-US" dirty="0"/>
+              <a:t>パッケージはプリコンパイルされたバイナリとして提供．</a:t>
+            </a:r>
+            <a:br>
+              <a:rPr kumimoji="1" lang="en-US" altLang="ja-JP" dirty="0"/>
+            </a:br>
+            <a:r>
+              <a:rPr lang="ja-JP" altLang="en-US" dirty="0"/>
+              <a:t>インストールにコンパイラ不要</a:t>
+            </a:r>
+            <a:endParaRPr lang="en-US" altLang="ja-JP" dirty="0"/>
+          </a:p>
+          <a:p>
+            <a:pPr lvl="1"/>
+            <a:r>
+              <a:rPr kumimoji="1" lang="en-US" altLang="ja-JP" dirty="0"/>
+              <a:t>Python</a:t>
+            </a:r>
+            <a:r>
+              <a:rPr kumimoji="1" lang="ja-JP" altLang="en-US" dirty="0"/>
+              <a:t>だけでなく，それが依存する</a:t>
+            </a:r>
+            <a:r>
+              <a:rPr kumimoji="1" lang="en-US" altLang="ja-JP" dirty="0"/>
+              <a:t>C/C++/R</a:t>
+            </a:r>
+            <a:r>
+              <a:rPr kumimoji="1" lang="ja-JP" altLang="en-US" dirty="0"/>
+              <a:t>といった非</a:t>
+            </a:r>
+            <a:r>
+              <a:rPr kumimoji="1" lang="en-US" altLang="ja-JP" dirty="0"/>
+              <a:t>Python</a:t>
+            </a:r>
+            <a:br>
+              <a:rPr kumimoji="1" lang="en-US" altLang="ja-JP" dirty="0"/>
+            </a:br>
+            <a:r>
+              <a:rPr kumimoji="1" lang="ja-JP" altLang="en-US" dirty="0"/>
+              <a:t>パッケージも一括管理可能</a:t>
+            </a:r>
+            <a:endParaRPr kumimoji="1" lang="en-US" altLang="ja-JP" dirty="0"/>
+          </a:p>
+          <a:p>
+            <a:pPr lvl="1"/>
+            <a:endParaRPr kumimoji="1" lang="ja-JP" altLang="en-US" dirty="0"/>
+          </a:p>
+        </p:txBody>
+      </p:sp>
+      <p:sp>
+        <p:nvSpPr>
+          <p:cNvPr id="4" name="スライド番号プレースホルダー 3">
+            <a:extLst>
+              <a:ext uri="{FF2B5EF4-FFF2-40B4-BE49-F238E27FC236}">
+                <a16:creationId xmlns:a16="http://schemas.microsoft.com/office/drawing/2014/main" id="{DEE6F268-5747-AE30-C1F7-6A21137A850A}"/>
+              </a:ext>
+            </a:extLst>
+          </p:cNvPr>
+          <p:cNvSpPr>
+            <a:spLocks noGrp="1"/>
+          </p:cNvSpPr>
+          <p:nvPr>
+            <p:ph type="sldNum" sz="quarter" idx="12"/>
+          </p:nvPr>
+        </p:nvSpPr>
+        <p:spPr/>
+        <p:txBody>
+          <a:bodyPr/>
+          <a:lstStyle/>
+          <a:p>
+            <a:fld id="{55407BB7-92F5-4977-AA44-396FA1CF315E}" type="slidenum">
+              <a:rPr kumimoji="1" lang="ja-JP" altLang="en-US" smtClean="0"/>
+              <a:pPr/>
+              <a:t>18</a:t>
+            </a:fld>
+            <a:endParaRPr kumimoji="1" lang="ja-JP" altLang="en-US" dirty="0"/>
+          </a:p>
+        </p:txBody>
+      </p:sp>
+    </p:spTree>
+    <p:extLst>
+      <p:ext uri="{BB962C8B-B14F-4D97-AF65-F5344CB8AC3E}">
+        <p14:creationId xmlns:p14="http://schemas.microsoft.com/office/powerpoint/2010/main" val="470476878"/>
+      </p:ext>
+    </p:extLst>
+  </p:cSld>
+  <p:clrMapOvr>
+    <a:masterClrMapping/>
+  </p:clrMapOvr>
+</p:sld>
+</file>
+
+<file path=ppt/slides/slide2.xml><?xml version="1.0" encoding="utf-8"?>
+<p:sld xmlns:a="http://schemas.openxmlformats.org/drawingml/2006/main" xmlns:r="http://schemas.openxmlformats.org/officeDocument/2006/relationships" xmlns:p="http://schemas.openxmlformats.org/presentationml/2006/main">
+  <p:cSld>
+    <p:spTree>
+      <p:nvGrpSpPr>
+        <p:cNvPr id="1" name=""/>
+        <p:cNvGrpSpPr/>
+        <p:nvPr/>
+      </p:nvGrpSpPr>
+      <p:grpSpPr>
+        <a:xfrm>
+          <a:off x="0" y="0"/>
+          <a:ext cx="0" cy="0"/>
+          <a:chOff x="0" y="0"/>
+          <a:chExt cx="0" cy="0"/>
+        </a:xfrm>
+      </p:grpSpPr>
+      <p:sp>
+        <p:nvSpPr>
+          <p:cNvPr id="2" name="タイトル 1">
+            <a:extLst>
+              <a:ext uri="{FF2B5EF4-FFF2-40B4-BE49-F238E27FC236}">
+                <a16:creationId xmlns:a16="http://schemas.microsoft.com/office/drawing/2014/main" id="{DCE94847-9F9B-6193-17BC-2F7AE31F8E37}"/>
+              </a:ext>
+            </a:extLst>
+          </p:cNvPr>
+          <p:cNvSpPr>
+            <a:spLocks noGrp="1"/>
+          </p:cNvSpPr>
+          <p:nvPr>
+            <p:ph type="title"/>
+          </p:nvPr>
+        </p:nvSpPr>
+        <p:spPr/>
+        <p:txBody>
+          <a:bodyPr/>
+          <a:lstStyle/>
+          <a:p>
+            <a:r>
+              <a:rPr lang="ja-JP" altLang="en-US" dirty="0"/>
+              <a:t>これまでの進捗概要</a:t>
+            </a:r>
+            <a:endParaRPr kumimoji="1" lang="ja-JP" altLang="en-US" dirty="0"/>
+          </a:p>
+        </p:txBody>
+      </p:sp>
+      <p:sp>
+        <p:nvSpPr>
+          <p:cNvPr id="3" name="コンテンツ プレースホルダー 2">
+            <a:extLst>
+              <a:ext uri="{FF2B5EF4-FFF2-40B4-BE49-F238E27FC236}">
+                <a16:creationId xmlns:a16="http://schemas.microsoft.com/office/drawing/2014/main" id="{9E1A1E01-A3A5-94AB-8DFE-9E5367FE5E69}"/>
+              </a:ext>
+            </a:extLst>
+          </p:cNvPr>
+          <p:cNvSpPr>
+            <a:spLocks noGrp="1"/>
+          </p:cNvSpPr>
+          <p:nvPr>
+            <p:ph idx="1"/>
+          </p:nvPr>
+        </p:nvSpPr>
+        <p:spPr/>
+        <p:txBody>
+          <a:bodyPr>
+            <a:normAutofit/>
+          </a:bodyPr>
+          <a:lstStyle/>
+          <a:p>
+            <a:pPr marL="0" indent="0">
+              <a:lnSpc>
+                <a:spcPct val="150000"/>
+              </a:lnSpc>
+              <a:buNone/>
+            </a:pPr>
+            <a:r>
+              <a:rPr kumimoji="1" lang="ja-JP" altLang="en-US" sz="2400" dirty="0"/>
+              <a:t>「</a:t>
+            </a:r>
+            <a:r>
+              <a:rPr kumimoji="1" lang="ja-JP" altLang="en-US" sz="2400" dirty="0">
+                <a:solidFill>
+                  <a:srgbClr val="00B0F0"/>
+                </a:solidFill>
+              </a:rPr>
+              <a:t>非</a:t>
+            </a:r>
+            <a:r>
+              <a:rPr kumimoji="1" lang="en-US" altLang="ja-JP" sz="2400" dirty="0">
+                <a:solidFill>
+                  <a:srgbClr val="00B0F0"/>
+                </a:solidFill>
+              </a:rPr>
+              <a:t>GNSS</a:t>
+            </a:r>
+            <a:r>
+              <a:rPr kumimoji="1" lang="ja-JP" altLang="en-US" sz="2400" dirty="0">
+                <a:solidFill>
+                  <a:srgbClr val="00B0F0"/>
+                </a:solidFill>
+              </a:rPr>
+              <a:t>環境でのフォーメーション制御</a:t>
+            </a:r>
+            <a:r>
+              <a:rPr kumimoji="1" lang="ja-JP" altLang="en-US" sz="2400" dirty="0"/>
+              <a:t>」の研究テーマを実現するため，フォーメーション制御の導入として卒論の</a:t>
+            </a:r>
+            <a:br>
+              <a:rPr kumimoji="1" lang="en-US" altLang="ja-JP" sz="2400" dirty="0"/>
+            </a:br>
+            <a:r>
+              <a:rPr kumimoji="1" lang="ja-JP" altLang="en-US" sz="2400" dirty="0"/>
+              <a:t>「</a:t>
+            </a:r>
+            <a:r>
+              <a:rPr kumimoji="1" lang="en-US" altLang="ja-JP" sz="2400" dirty="0"/>
+              <a:t>LOS</a:t>
+            </a:r>
+            <a:r>
+              <a:rPr kumimoji="1" lang="ja-JP" altLang="en-US" sz="2400" dirty="0"/>
+              <a:t>誘導に基づくリーダ・フォロワ制御」の追試を行い</a:t>
+            </a:r>
+            <a:br>
+              <a:rPr kumimoji="1" lang="en-US" altLang="ja-JP" sz="2400" dirty="0"/>
+            </a:br>
+            <a:r>
+              <a:rPr kumimoji="1" lang="ja-JP" altLang="en-US" sz="2400" dirty="0"/>
+              <a:t>理解を深めた．また，実装においては</a:t>
+            </a:r>
+            <a:r>
+              <a:rPr kumimoji="1" lang="en-US" altLang="ja-JP" sz="2400" dirty="0">
+                <a:solidFill>
+                  <a:srgbClr val="00B0F0"/>
+                </a:solidFill>
+              </a:rPr>
+              <a:t>Python</a:t>
+            </a:r>
+            <a:r>
+              <a:rPr kumimoji="1" lang="ja-JP" altLang="en-US" sz="2400" dirty="0"/>
+              <a:t>を使用するため，</a:t>
+            </a:r>
+            <a:br>
+              <a:rPr kumimoji="1" lang="en-US" altLang="ja-JP" sz="2400" dirty="0"/>
+            </a:br>
+            <a:r>
+              <a:rPr kumimoji="1" lang="ja-JP" altLang="en-US" sz="2400" dirty="0"/>
+              <a:t>開発環境の導入に関する技術調査を行った．以上の取り組みを通して，本研究テーマには卒論の内容そのものを扱うことは技術的に厳しいことが判明した．今後は，別の文献を参考に</a:t>
+            </a:r>
+            <a:r>
+              <a:rPr kumimoji="1" lang="en-US" altLang="ja-JP" sz="2400" dirty="0" err="1">
+                <a:solidFill>
+                  <a:srgbClr val="00B0F0"/>
+                </a:solidFill>
+              </a:rPr>
+              <a:t>IssacSim</a:t>
+            </a:r>
+            <a:r>
+              <a:rPr kumimoji="1" lang="ja-JP" altLang="en-US" sz="2400" dirty="0">
+                <a:solidFill>
+                  <a:srgbClr val="00B0F0"/>
+                </a:solidFill>
+              </a:rPr>
+              <a:t>上でシミュレータ環境を実現</a:t>
+            </a:r>
+            <a:r>
+              <a:rPr kumimoji="1" lang="ja-JP" altLang="en-US" sz="2400" dirty="0"/>
+              <a:t>することを試みる．</a:t>
+            </a:r>
+          </a:p>
+        </p:txBody>
+      </p:sp>
+      <p:sp>
+        <p:nvSpPr>
+          <p:cNvPr id="4" name="スライド番号プレースホルダー 3">
+            <a:extLst>
+              <a:ext uri="{FF2B5EF4-FFF2-40B4-BE49-F238E27FC236}">
+                <a16:creationId xmlns:a16="http://schemas.microsoft.com/office/drawing/2014/main" id="{277B23C4-05B3-54A3-480E-1C5B9643FEA6}"/>
+              </a:ext>
+            </a:extLst>
+          </p:cNvPr>
+          <p:cNvSpPr>
+            <a:spLocks noGrp="1"/>
+          </p:cNvSpPr>
+          <p:nvPr>
+            <p:ph type="sldNum" sz="quarter" idx="12"/>
+          </p:nvPr>
+        </p:nvSpPr>
+        <p:spPr/>
+        <p:txBody>
+          <a:bodyPr/>
+          <a:lstStyle/>
+          <a:p>
+            <a:fld id="{55407BB7-92F5-4977-AA44-396FA1CF315E}" type="slidenum">
+              <a:rPr kumimoji="1" lang="ja-JP" altLang="en-US" smtClean="0"/>
+              <a:pPr/>
+              <a:t>1</a:t>
+            </a:fld>
+            <a:endParaRPr kumimoji="1" lang="ja-JP" altLang="en-US" dirty="0"/>
+          </a:p>
+        </p:txBody>
+      </p:sp>
+    </p:spTree>
+    <p:extLst>
+      <p:ext uri="{BB962C8B-B14F-4D97-AF65-F5344CB8AC3E}">
+        <p14:creationId xmlns:p14="http://schemas.microsoft.com/office/powerpoint/2010/main" val="3483990292"/>
+      </p:ext>
+    </p:extLst>
+  </p:cSld>
+  <p:clrMapOvr>
+    <a:masterClrMapping/>
+  </p:clrMapOvr>
+</p:sld>
+</file>
+
+<file path=ppt/slides/slide20.xml><?xml version="1.0" encoding="utf-8"?>
+<p:sld xmlns:a="http://schemas.openxmlformats.org/drawingml/2006/main" xmlns:r="http://schemas.openxmlformats.org/officeDocument/2006/relationships" xmlns:p="http://schemas.openxmlformats.org/presentationml/2006/main">
+  <p:cSld>
+    <p:spTree>
+      <p:nvGrpSpPr>
+        <p:cNvPr id="1" name=""/>
+        <p:cNvGrpSpPr/>
+        <p:nvPr/>
+      </p:nvGrpSpPr>
+      <p:grpSpPr>
+        <a:xfrm>
+          <a:off x="0" y="0"/>
+          <a:ext cx="0" cy="0"/>
+          <a:chOff x="0" y="0"/>
+          <a:chExt cx="0" cy="0"/>
+        </a:xfrm>
+      </p:grpSpPr>
+      <p:sp>
+        <p:nvSpPr>
+          <p:cNvPr id="2" name="タイトル 1">
+            <a:extLst>
+              <a:ext uri="{FF2B5EF4-FFF2-40B4-BE49-F238E27FC236}">
+                <a16:creationId xmlns:a16="http://schemas.microsoft.com/office/drawing/2014/main" id="{1AEF5D16-5FCC-B2A4-F67B-510A3A1BBCE9}"/>
+              </a:ext>
+            </a:extLst>
+          </p:cNvPr>
+          <p:cNvSpPr>
+            <a:spLocks noGrp="1"/>
+          </p:cNvSpPr>
+          <p:nvPr>
+            <p:ph type="title"/>
+          </p:nvPr>
+        </p:nvSpPr>
+        <p:spPr/>
+        <p:txBody>
+          <a:bodyPr/>
+          <a:lstStyle/>
+          <a:p>
+            <a:r>
+              <a:rPr kumimoji="1" lang="en-US" altLang="ja-JP" dirty="0"/>
+              <a:t>Python API</a:t>
+            </a:r>
+            <a:r>
+              <a:rPr kumimoji="1" lang="ja-JP" altLang="en-US" dirty="0"/>
+              <a:t>の選定</a:t>
+            </a:r>
+          </a:p>
+        </p:txBody>
+      </p:sp>
+      <p:sp>
+        <p:nvSpPr>
+          <p:cNvPr id="3" name="コンテンツ プレースホルダー 2">
+            <a:extLst>
+              <a:ext uri="{FF2B5EF4-FFF2-40B4-BE49-F238E27FC236}">
+                <a16:creationId xmlns:a16="http://schemas.microsoft.com/office/drawing/2014/main" id="{54854C22-392E-2B26-714C-9F55D2C0D94F}"/>
+              </a:ext>
+            </a:extLst>
+          </p:cNvPr>
+          <p:cNvSpPr>
+            <a:spLocks noGrp="1"/>
+          </p:cNvSpPr>
+          <p:nvPr>
+            <p:ph idx="1"/>
+          </p:nvPr>
+        </p:nvSpPr>
+        <p:spPr/>
+        <p:txBody>
+          <a:bodyPr/>
+          <a:lstStyle/>
+          <a:p>
+            <a:r>
+              <a:rPr lang="ja-JP" altLang="en-US" dirty="0"/>
+              <a:t>シミュレータと外部スクリプトを連携させるには</a:t>
+            </a:r>
+            <a:r>
+              <a:rPr lang="en-US" altLang="ja-JP" dirty="0"/>
+              <a:t>API</a:t>
+            </a:r>
+            <a:r>
+              <a:rPr lang="ja-JP" altLang="en-US" dirty="0"/>
+              <a:t>を</a:t>
+            </a:r>
+            <a:br>
+              <a:rPr lang="en-US" altLang="ja-JP" dirty="0"/>
+            </a:br>
+            <a:r>
+              <a:rPr lang="ja-JP" altLang="en-US" dirty="0"/>
+              <a:t>用いる必要がある</a:t>
+            </a:r>
+            <a:endParaRPr lang="en-US" altLang="ja-JP" dirty="0"/>
+          </a:p>
+          <a:p>
+            <a:endParaRPr kumimoji="1" lang="en-US" altLang="ja-JP" dirty="0"/>
+          </a:p>
+          <a:p>
+            <a:r>
+              <a:rPr kumimoji="1" lang="en-US" altLang="ja-JP" dirty="0" err="1"/>
+              <a:t>CoppeliaSim</a:t>
+            </a:r>
+            <a:r>
+              <a:rPr lang="ja-JP" altLang="en-US" dirty="0"/>
+              <a:t>は主に</a:t>
+            </a:r>
+            <a:r>
+              <a:rPr lang="en-US" altLang="ja-JP" dirty="0"/>
+              <a:t>2</a:t>
+            </a:r>
+            <a:r>
+              <a:rPr lang="ja-JP" altLang="en-US" dirty="0"/>
+              <a:t>つの</a:t>
+            </a:r>
+            <a:r>
+              <a:rPr lang="en-US" altLang="ja-JP" dirty="0"/>
+              <a:t>Remote API</a:t>
+            </a:r>
+            <a:r>
+              <a:rPr lang="ja-JP" altLang="en-US" dirty="0"/>
+              <a:t>を提供</a:t>
+            </a:r>
+            <a:endParaRPr lang="en-US" altLang="ja-JP" dirty="0"/>
+          </a:p>
+          <a:p>
+            <a:pPr lvl="1"/>
+            <a:r>
+              <a:rPr kumimoji="1" lang="en-US" altLang="ja-JP" dirty="0"/>
+              <a:t>Zero MQ Remote API</a:t>
+            </a:r>
+          </a:p>
+          <a:p>
+            <a:pPr lvl="1"/>
+            <a:r>
+              <a:rPr lang="en-US" altLang="ja-JP" dirty="0"/>
+              <a:t>Legacy</a:t>
+            </a:r>
+            <a:r>
+              <a:rPr lang="ja-JP" altLang="en-US" dirty="0"/>
+              <a:t> </a:t>
+            </a:r>
+            <a:r>
+              <a:rPr lang="en-US" altLang="ja-JP" dirty="0"/>
+              <a:t>Remote API</a:t>
+            </a:r>
+            <a:endParaRPr kumimoji="1" lang="ja-JP" altLang="en-US" dirty="0"/>
+          </a:p>
+          <a:p>
+            <a:pPr marL="0" indent="0">
+              <a:buNone/>
+            </a:pPr>
+            <a:endParaRPr lang="en-US" altLang="ja-JP" dirty="0"/>
+          </a:p>
+          <a:p>
+            <a:r>
+              <a:rPr kumimoji="1" lang="en-US" altLang="ja-JP" dirty="0" err="1"/>
+              <a:t>CoppeliaSim</a:t>
+            </a:r>
+            <a:r>
+              <a:rPr kumimoji="1" lang="en-US" altLang="ja-JP" dirty="0"/>
+              <a:t> V4.4</a:t>
+            </a:r>
+            <a:r>
+              <a:rPr kumimoji="1" lang="ja-JP" altLang="en-US" dirty="0"/>
+              <a:t>から</a:t>
+            </a:r>
+            <a:r>
+              <a:rPr lang="en-US" altLang="ja-JP" dirty="0"/>
+              <a:t>Legacy</a:t>
+            </a:r>
+            <a:r>
+              <a:rPr lang="ja-JP" altLang="en-US" dirty="0"/>
+              <a:t> </a:t>
+            </a:r>
+            <a:r>
+              <a:rPr lang="en-US" altLang="ja-JP" dirty="0"/>
+              <a:t>Remote API</a:t>
+            </a:r>
+            <a:r>
+              <a:rPr lang="ja-JP" altLang="en-US" dirty="0"/>
+              <a:t>は非推奨に</a:t>
+            </a:r>
+            <a:endParaRPr lang="en-US" altLang="ja-JP" dirty="0"/>
+          </a:p>
+        </p:txBody>
+      </p:sp>
+      <p:sp>
+        <p:nvSpPr>
+          <p:cNvPr id="4" name="スライド番号プレースホルダー 3">
+            <a:extLst>
+              <a:ext uri="{FF2B5EF4-FFF2-40B4-BE49-F238E27FC236}">
+                <a16:creationId xmlns:a16="http://schemas.microsoft.com/office/drawing/2014/main" id="{0CA60427-E916-EDE6-D32A-7C344F27AEE6}"/>
+              </a:ext>
+            </a:extLst>
+          </p:cNvPr>
+          <p:cNvSpPr>
+            <a:spLocks noGrp="1"/>
+          </p:cNvSpPr>
+          <p:nvPr>
+            <p:ph type="sldNum" sz="quarter" idx="12"/>
+          </p:nvPr>
+        </p:nvSpPr>
+        <p:spPr/>
+        <p:txBody>
+          <a:bodyPr/>
+          <a:lstStyle/>
+          <a:p>
+            <a:fld id="{55407BB7-92F5-4977-AA44-396FA1CF315E}" type="slidenum">
+              <a:rPr kumimoji="1" lang="ja-JP" altLang="en-US" smtClean="0"/>
+              <a:pPr/>
+              <a:t>19</a:t>
+            </a:fld>
+            <a:endParaRPr kumimoji="1" lang="ja-JP" altLang="en-US" dirty="0"/>
+          </a:p>
+        </p:txBody>
+      </p:sp>
+      <p:sp>
+        <p:nvSpPr>
+          <p:cNvPr id="5" name="テキスト プレースホルダー 4">
+            <a:extLst>
+              <a:ext uri="{FF2B5EF4-FFF2-40B4-BE49-F238E27FC236}">
+                <a16:creationId xmlns:a16="http://schemas.microsoft.com/office/drawing/2014/main" id="{AD375B24-F18B-DD73-CB77-0A05C59A634D}"/>
+              </a:ext>
+            </a:extLst>
+          </p:cNvPr>
+          <p:cNvSpPr>
+            <a:spLocks noGrp="1"/>
+          </p:cNvSpPr>
+          <p:nvPr>
+            <p:ph type="body" sz="quarter" idx="13"/>
+          </p:nvPr>
+        </p:nvSpPr>
+        <p:spPr/>
+        <p:txBody>
+          <a:bodyPr/>
+          <a:lstStyle/>
+          <a:p>
+            <a:r>
+              <a:rPr kumimoji="1" lang="ja-JP" altLang="en-US" sz="2800" dirty="0">
+                <a:solidFill>
+                  <a:schemeClr val="accent4"/>
+                </a:solidFill>
+              </a:rPr>
+              <a:t>高度な機能を提供する</a:t>
+            </a:r>
+            <a:r>
+              <a:rPr kumimoji="1" lang="en-US" altLang="ja-JP" sz="2800" dirty="0">
+                <a:solidFill>
+                  <a:schemeClr val="accent4"/>
+                </a:solidFill>
+              </a:rPr>
+              <a:t>Zero MQ Remote API</a:t>
+            </a:r>
+            <a:r>
+              <a:rPr kumimoji="1" lang="ja-JP" altLang="en-US" sz="2800" dirty="0">
+                <a:solidFill>
+                  <a:schemeClr val="accent4"/>
+                </a:solidFill>
+              </a:rPr>
+              <a:t>が推奨</a:t>
+            </a:r>
+          </a:p>
+        </p:txBody>
+      </p:sp>
+      <p:sp>
+        <p:nvSpPr>
+          <p:cNvPr id="6" name="四角形: 角を丸くする 5">
+            <a:extLst>
+              <a:ext uri="{FF2B5EF4-FFF2-40B4-BE49-F238E27FC236}">
+                <a16:creationId xmlns:a16="http://schemas.microsoft.com/office/drawing/2014/main" id="{ACC4D57E-5152-A73A-CF61-3742D99EF21F}"/>
+              </a:ext>
+            </a:extLst>
+          </p:cNvPr>
+          <p:cNvSpPr/>
+          <p:nvPr/>
+        </p:nvSpPr>
+        <p:spPr>
+          <a:xfrm>
+            <a:off x="258158" y="5769113"/>
+            <a:ext cx="8625708" cy="914400"/>
+          </a:xfrm>
+          <a:prstGeom prst="roundRect">
+            <a:avLst/>
+          </a:prstGeom>
+          <a:noFill/>
+          <a:ln w="38100" cap="flat" cmpd="sng" algn="ctr">
+            <a:solidFill>
+              <a:schemeClr val="accent4"/>
+            </a:solidFill>
+            <a:prstDash val="solid"/>
+            <a:round/>
+            <a:headEnd type="none" w="med" len="med"/>
+            <a:tailEnd type="none" w="med" len="med"/>
+          </a:ln>
+        </p:spPr>
+        <p:style>
+          <a:lnRef idx="0">
+            <a:scrgbClr r="0" g="0" b="0"/>
+          </a:lnRef>
+          <a:fillRef idx="0">
+            <a:scrgbClr r="0" g="0" b="0"/>
+          </a:fillRef>
+          <a:effectRef idx="0">
+            <a:scrgbClr r="0" g="0" b="0"/>
+          </a:effectRef>
+          <a:fontRef idx="minor">
+            <a:schemeClr val="accent4"/>
+          </a:fontRef>
+        </p:style>
+        <p:txBody>
+          <a:bodyPr rtlCol="0" anchor="ctr"/>
+          <a:lstStyle/>
+          <a:p>
+            <a:pPr algn="ctr"/>
+            <a:endParaRPr kumimoji="1" lang="ja-JP" altLang="en-US"/>
+          </a:p>
+        </p:txBody>
+      </p:sp>
+    </p:spTree>
+    <p:extLst>
+      <p:ext uri="{BB962C8B-B14F-4D97-AF65-F5344CB8AC3E}">
         <p14:creationId xmlns:p14="http://schemas.microsoft.com/office/powerpoint/2010/main" val="1640759026"/>
+      </p:ext>
+    </p:extLst>
+  </p:cSld>
+  <p:clrMapOvr>
+    <a:masterClrMapping/>
+  </p:clrMapOvr>
+</p:sld>
+</file>
+
+<file path=ppt/slides/slide21.xml><?xml version="1.0" encoding="utf-8"?>
+<p:sld xmlns:a="http://schemas.openxmlformats.org/drawingml/2006/main" xmlns:r="http://schemas.openxmlformats.org/officeDocument/2006/relationships" xmlns:p="http://schemas.openxmlformats.org/presentationml/2006/main">
+  <p:cSld>
+    <p:spTree>
+      <p:nvGrpSpPr>
+        <p:cNvPr id="1" name=""/>
+        <p:cNvGrpSpPr/>
+        <p:nvPr/>
+      </p:nvGrpSpPr>
+      <p:grpSpPr>
+        <a:xfrm>
+          <a:off x="0" y="0"/>
+          <a:ext cx="0" cy="0"/>
+          <a:chOff x="0" y="0"/>
+          <a:chExt cx="0" cy="0"/>
+        </a:xfrm>
+      </p:grpSpPr>
+      <p:sp>
+        <p:nvSpPr>
+          <p:cNvPr id="2" name="タイトル 1">
+            <a:extLst>
+              <a:ext uri="{FF2B5EF4-FFF2-40B4-BE49-F238E27FC236}">
+                <a16:creationId xmlns:a16="http://schemas.microsoft.com/office/drawing/2014/main" id="{01230179-F4FA-42FD-C4E4-69CB15C65693}"/>
+              </a:ext>
+            </a:extLst>
+          </p:cNvPr>
+          <p:cNvSpPr>
+            <a:spLocks noGrp="1"/>
+          </p:cNvSpPr>
+          <p:nvPr>
+            <p:ph type="title"/>
+          </p:nvPr>
+        </p:nvSpPr>
+        <p:spPr/>
+        <p:txBody>
+          <a:bodyPr/>
+          <a:lstStyle/>
+          <a:p>
+            <a:r>
+              <a:rPr kumimoji="1" lang="en-US" altLang="ja-JP" dirty="0"/>
+              <a:t>Zero MQ Remote API</a:t>
+            </a:r>
+            <a:endParaRPr kumimoji="1" lang="ja-JP" altLang="en-US" dirty="0"/>
+          </a:p>
+        </p:txBody>
+      </p:sp>
+      <p:sp>
+        <p:nvSpPr>
+          <p:cNvPr id="3" name="コンテンツ プレースホルダー 2">
+            <a:extLst>
+              <a:ext uri="{FF2B5EF4-FFF2-40B4-BE49-F238E27FC236}">
+                <a16:creationId xmlns:a16="http://schemas.microsoft.com/office/drawing/2014/main" id="{C6D2B696-D788-A1C3-3787-BA77FCA2D9F6}"/>
+              </a:ext>
+            </a:extLst>
+          </p:cNvPr>
+          <p:cNvSpPr>
+            <a:spLocks noGrp="1"/>
+          </p:cNvSpPr>
+          <p:nvPr>
+            <p:ph idx="1"/>
+          </p:nvPr>
+        </p:nvSpPr>
+        <p:spPr/>
+        <p:txBody>
+          <a:bodyPr/>
+          <a:lstStyle/>
+          <a:p>
+            <a:r>
+              <a:rPr lang="ja-JP" altLang="en-US" b="1" dirty="0"/>
+              <a:t>非同期通信</a:t>
+            </a:r>
+            <a:r>
+              <a:rPr lang="en-US" altLang="ja-JP" dirty="0"/>
+              <a:t>: </a:t>
+            </a:r>
+          </a:p>
+          <a:p>
+            <a:pPr lvl="1"/>
+            <a:r>
+              <a:rPr lang="ja-JP" altLang="en-US" dirty="0"/>
+              <a:t>クライアント（</a:t>
+            </a:r>
+            <a:r>
+              <a:rPr lang="en-US" altLang="ja-JP" dirty="0"/>
+              <a:t>Python</a:t>
+            </a:r>
+            <a:r>
+              <a:rPr lang="ja-JP" altLang="en-US" dirty="0"/>
+              <a:t>）とサーバー（</a:t>
+            </a:r>
+            <a:r>
+              <a:rPr lang="en-US" altLang="ja-JP" dirty="0" err="1"/>
+              <a:t>CoppeliaSim</a:t>
+            </a:r>
+            <a:r>
+              <a:rPr lang="ja-JP" altLang="en-US" dirty="0"/>
+              <a:t>）は必ずしも</a:t>
+            </a:r>
+            <a:br>
+              <a:rPr lang="en-US" altLang="ja-JP" dirty="0"/>
+            </a:br>
+            <a:r>
+              <a:rPr lang="ja-JP" altLang="en-US" dirty="0"/>
+              <a:t>互いの処理を待つ必要なく通信可能</a:t>
+            </a:r>
+            <a:endParaRPr lang="en-US" altLang="ja-JP" dirty="0"/>
+          </a:p>
+          <a:p>
+            <a:r>
+              <a:rPr lang="ja-JP" altLang="en-US" b="1" dirty="0"/>
+              <a:t>ステップ実行モード（同期モード）</a:t>
+            </a:r>
+            <a:r>
+              <a:rPr lang="en-US" altLang="ja-JP" dirty="0"/>
+              <a:t>: </a:t>
+            </a:r>
+          </a:p>
+          <a:p>
+            <a:pPr lvl="1"/>
+            <a:r>
+              <a:rPr lang="en-US" altLang="ja-JP" dirty="0"/>
+              <a:t>Python</a:t>
+            </a:r>
+            <a:r>
+              <a:rPr lang="ja-JP" altLang="en-US" dirty="0"/>
+              <a:t>スクリプトと</a:t>
+            </a:r>
+            <a:r>
+              <a:rPr lang="en-US" altLang="ja-JP" dirty="0" err="1"/>
+              <a:t>CoppeliaSim</a:t>
+            </a:r>
+            <a:r>
+              <a:rPr lang="ja-JP" altLang="en-US" dirty="0"/>
+              <a:t>のシミュレーションステップを</a:t>
+            </a:r>
+            <a:br>
+              <a:rPr lang="en-US" altLang="ja-JP" dirty="0"/>
+            </a:br>
+            <a:r>
+              <a:rPr lang="ja-JP" altLang="en-US" dirty="0"/>
+              <a:t>厳密に同期させ、制御ループの各段階でシミュレーションの状態を正確に把握・操作可能</a:t>
+            </a:r>
+            <a:endParaRPr lang="en-US" altLang="ja-JP" dirty="0"/>
+          </a:p>
+          <a:p>
+            <a:r>
+              <a:rPr lang="ja-JP" altLang="en-US" b="1" dirty="0"/>
+              <a:t>シミュレータ自体のリモート制御</a:t>
+            </a:r>
+            <a:r>
+              <a:rPr lang="en-US" altLang="ja-JP" dirty="0"/>
+              <a:t>: </a:t>
+            </a:r>
+          </a:p>
+          <a:p>
+            <a:pPr lvl="1"/>
+            <a:r>
+              <a:rPr lang="ja-JP" altLang="en-US" dirty="0"/>
+              <a:t>シーンファイルのロード、シミュレーションの開始・一時停止・</a:t>
+            </a:r>
+            <a:br>
+              <a:rPr lang="en-US" altLang="ja-JP" dirty="0"/>
+            </a:br>
+            <a:r>
+              <a:rPr lang="ja-JP" altLang="en-US" dirty="0"/>
+              <a:t>停止といった、シミュレータ全体の操作も</a:t>
+            </a:r>
+            <a:r>
+              <a:rPr lang="en-US" altLang="ja-JP" dirty="0"/>
+              <a:t>Python</a:t>
+            </a:r>
+            <a:r>
+              <a:rPr lang="ja-JP" altLang="en-US" dirty="0"/>
+              <a:t>から行える</a:t>
+            </a:r>
+            <a:endParaRPr kumimoji="1" lang="en-US" altLang="ja-JP" dirty="0"/>
+          </a:p>
+          <a:p>
+            <a:r>
+              <a:rPr lang="ja-JP" altLang="en-US" b="1" dirty="0"/>
+              <a:t>コミュニティとサポート</a:t>
+            </a:r>
+            <a:r>
+              <a:rPr lang="en-US" altLang="ja-JP" b="1" dirty="0"/>
+              <a:t>:</a:t>
+            </a:r>
+          </a:p>
+          <a:p>
+            <a:pPr lvl="1"/>
+            <a:r>
+              <a:rPr lang="en-US" altLang="ja-JP" dirty="0" err="1"/>
+              <a:t>CoppeliaSim</a:t>
+            </a:r>
+            <a:r>
+              <a:rPr lang="ja-JP" altLang="en-US" dirty="0"/>
+              <a:t>の開発元は、</a:t>
+            </a:r>
+            <a:r>
+              <a:rPr lang="en-US" altLang="ja-JP" dirty="0" err="1"/>
+              <a:t>ZeroMQ</a:t>
+            </a:r>
+            <a:r>
+              <a:rPr lang="en-US" altLang="ja-JP" dirty="0"/>
+              <a:t> Remote API</a:t>
+            </a:r>
+            <a:r>
+              <a:rPr lang="ja-JP" altLang="en-US" dirty="0"/>
+              <a:t>を積極的に推奨し、そのためのドキュメントやサンプルコードを充実させている．</a:t>
+            </a:r>
+            <a:endParaRPr kumimoji="1" lang="ja-JP" altLang="en-US" dirty="0"/>
+          </a:p>
+        </p:txBody>
+      </p:sp>
+      <p:sp>
+        <p:nvSpPr>
+          <p:cNvPr id="4" name="スライド番号プレースホルダー 3">
+            <a:extLst>
+              <a:ext uri="{FF2B5EF4-FFF2-40B4-BE49-F238E27FC236}">
+                <a16:creationId xmlns:a16="http://schemas.microsoft.com/office/drawing/2014/main" id="{C1C58ACC-587A-DA47-5030-C84B21929019}"/>
+              </a:ext>
+            </a:extLst>
+          </p:cNvPr>
+          <p:cNvSpPr>
+            <a:spLocks noGrp="1"/>
+          </p:cNvSpPr>
+          <p:nvPr>
+            <p:ph type="sldNum" sz="quarter" idx="12"/>
+          </p:nvPr>
+        </p:nvSpPr>
+        <p:spPr/>
+        <p:txBody>
+          <a:bodyPr/>
+          <a:lstStyle/>
+          <a:p>
+            <a:fld id="{55407BB7-92F5-4977-AA44-396FA1CF315E}" type="slidenum">
+              <a:rPr kumimoji="1" lang="ja-JP" altLang="en-US" smtClean="0"/>
+              <a:pPr/>
+              <a:t>20</a:t>
+            </a:fld>
+            <a:endParaRPr kumimoji="1" lang="ja-JP" altLang="en-US" dirty="0"/>
+          </a:p>
+        </p:txBody>
+      </p:sp>
+    </p:spTree>
+    <p:extLst>
+      <p:ext uri="{BB962C8B-B14F-4D97-AF65-F5344CB8AC3E}">
+        <p14:creationId xmlns:p14="http://schemas.microsoft.com/office/powerpoint/2010/main" val="1970911080"/>
       </p:ext>
     </p:extLst>
   </p:cSld>
@@ -10608,262 +11762,6 @@
           <p:cNvPr id="2" name="タイトル 1">
             <a:extLst>
               <a:ext uri="{FF2B5EF4-FFF2-40B4-BE49-F238E27FC236}">
-                <a16:creationId xmlns:a16="http://schemas.microsoft.com/office/drawing/2014/main" id="{01230179-F4FA-42FD-C4E4-69CB15C65693}"/>
-              </a:ext>
-            </a:extLst>
-          </p:cNvPr>
-          <p:cNvSpPr>
-            <a:spLocks noGrp="1"/>
-          </p:cNvSpPr>
-          <p:nvPr>
-            <p:ph type="title"/>
-          </p:nvPr>
-        </p:nvSpPr>
-        <p:spPr/>
-        <p:txBody>
-          <a:bodyPr/>
-          <a:lstStyle/>
-          <a:p>
-            <a:r>
-              <a:rPr kumimoji="1" lang="en-US" altLang="ja-JP" dirty="0"/>
-              <a:t>Zero MQ Remote API</a:t>
-            </a:r>
-            <a:endParaRPr kumimoji="1" lang="ja-JP" altLang="en-US" dirty="0"/>
-          </a:p>
-        </p:txBody>
-      </p:sp>
-      <p:sp>
-        <p:nvSpPr>
-          <p:cNvPr id="3" name="コンテンツ プレースホルダー 2">
-            <a:extLst>
-              <a:ext uri="{FF2B5EF4-FFF2-40B4-BE49-F238E27FC236}">
-                <a16:creationId xmlns:a16="http://schemas.microsoft.com/office/drawing/2014/main" id="{C6D2B696-D788-A1C3-3787-BA77FCA2D9F6}"/>
-              </a:ext>
-            </a:extLst>
-          </p:cNvPr>
-          <p:cNvSpPr>
-            <a:spLocks noGrp="1"/>
-          </p:cNvSpPr>
-          <p:nvPr>
-            <p:ph idx="1"/>
-          </p:nvPr>
-        </p:nvSpPr>
-        <p:spPr/>
-        <p:txBody>
-          <a:bodyPr/>
-          <a:lstStyle/>
-          <a:p>
-            <a:r>
-              <a:rPr lang="ja-JP" altLang="en-US" b="1" dirty="0"/>
-              <a:t>非同期通信</a:t>
-            </a:r>
-            <a:r>
-              <a:rPr lang="en-US" altLang="ja-JP" dirty="0"/>
-              <a:t>: </a:t>
-            </a:r>
-          </a:p>
-          <a:p>
-            <a:pPr lvl="1"/>
-            <a:r>
-              <a:rPr lang="ja-JP" altLang="en-US" dirty="0"/>
-              <a:t>クライアント（</a:t>
-            </a:r>
-            <a:r>
-              <a:rPr lang="en-US" altLang="ja-JP" dirty="0"/>
-              <a:t>Python</a:t>
-            </a:r>
-            <a:r>
-              <a:rPr lang="ja-JP" altLang="en-US" dirty="0"/>
-              <a:t>）とサーバー（</a:t>
-            </a:r>
-            <a:r>
-              <a:rPr lang="en-US" altLang="ja-JP" dirty="0" err="1"/>
-              <a:t>CoppeliaSim</a:t>
-            </a:r>
-            <a:r>
-              <a:rPr lang="ja-JP" altLang="en-US" dirty="0"/>
-              <a:t>）は必ずしも</a:t>
-            </a:r>
-            <a:br>
-              <a:rPr lang="en-US" altLang="ja-JP" dirty="0"/>
-            </a:br>
-            <a:r>
-              <a:rPr lang="ja-JP" altLang="en-US" dirty="0"/>
-              <a:t>互いの処理を待つ必要なく通信可能</a:t>
-            </a:r>
-            <a:endParaRPr lang="en-US" altLang="ja-JP" dirty="0"/>
-          </a:p>
-          <a:p>
-            <a:r>
-              <a:rPr lang="ja-JP" altLang="en-US" b="1" dirty="0"/>
-              <a:t>ステップ実行モード（同期モード）</a:t>
-            </a:r>
-            <a:r>
-              <a:rPr lang="en-US" altLang="ja-JP" dirty="0"/>
-              <a:t>: </a:t>
-            </a:r>
-          </a:p>
-          <a:p>
-            <a:pPr lvl="1"/>
-            <a:r>
-              <a:rPr lang="en-US" altLang="ja-JP" dirty="0"/>
-              <a:t>Python</a:t>
-            </a:r>
-            <a:r>
-              <a:rPr lang="ja-JP" altLang="en-US" dirty="0"/>
-              <a:t>スクリプトと</a:t>
-            </a:r>
-            <a:r>
-              <a:rPr lang="en-US" altLang="ja-JP" dirty="0" err="1"/>
-              <a:t>CoppeliaSim</a:t>
-            </a:r>
-            <a:r>
-              <a:rPr lang="ja-JP" altLang="en-US" dirty="0"/>
-              <a:t>のシミュレーションステップを</a:t>
-            </a:r>
-            <a:br>
-              <a:rPr lang="en-US" altLang="ja-JP" dirty="0"/>
-            </a:br>
-            <a:r>
-              <a:rPr lang="ja-JP" altLang="en-US" dirty="0"/>
-              <a:t>厳密に同期させ、制御ループの各段階でシミュレーションの状態を正確に把握・操作可能</a:t>
-            </a:r>
-            <a:endParaRPr lang="en-US" altLang="ja-JP" dirty="0"/>
-          </a:p>
-          <a:p>
-            <a:r>
-              <a:rPr lang="ja-JP" altLang="en-US" b="1" dirty="0"/>
-              <a:t>シミュレータ自体のリモート制御</a:t>
-            </a:r>
-            <a:r>
-              <a:rPr lang="en-US" altLang="ja-JP" dirty="0"/>
-              <a:t>: </a:t>
-            </a:r>
-          </a:p>
-          <a:p>
-            <a:pPr lvl="1"/>
-            <a:r>
-              <a:rPr lang="ja-JP" altLang="en-US" dirty="0"/>
-              <a:t>シーンファイルのロード、シミュレーションの開始・一時停止・</a:t>
-            </a:r>
-            <a:br>
-              <a:rPr lang="en-US" altLang="ja-JP" dirty="0"/>
-            </a:br>
-            <a:r>
-              <a:rPr lang="ja-JP" altLang="en-US" dirty="0"/>
-              <a:t>停止といった、シミュレータ全体の操作も</a:t>
-            </a:r>
-            <a:r>
-              <a:rPr lang="en-US" altLang="ja-JP" dirty="0"/>
-              <a:t>Python</a:t>
-            </a:r>
-            <a:r>
-              <a:rPr lang="ja-JP" altLang="en-US" dirty="0"/>
-              <a:t>から行える</a:t>
-            </a:r>
-            <a:endParaRPr kumimoji="1" lang="en-US" altLang="ja-JP" dirty="0"/>
-          </a:p>
-          <a:p>
-            <a:r>
-              <a:rPr lang="ja-JP" altLang="en-US" b="1" dirty="0"/>
-              <a:t>コミュニティとサポート</a:t>
-            </a:r>
-            <a:r>
-              <a:rPr lang="en-US" altLang="ja-JP" b="1" dirty="0"/>
-              <a:t>:</a:t>
-            </a:r>
-          </a:p>
-          <a:p>
-            <a:pPr lvl="1"/>
-            <a:r>
-              <a:rPr lang="en-US" altLang="ja-JP" dirty="0" err="1"/>
-              <a:t>CoppeliaSim</a:t>
-            </a:r>
-            <a:r>
-              <a:rPr lang="ja-JP" altLang="en-US" dirty="0"/>
-              <a:t>の開発元は、</a:t>
-            </a:r>
-            <a:r>
-              <a:rPr lang="en-US" altLang="ja-JP" dirty="0" err="1"/>
-              <a:t>ZeroMQ</a:t>
-            </a:r>
-            <a:r>
-              <a:rPr lang="en-US" altLang="ja-JP" dirty="0"/>
-              <a:t> Remote API</a:t>
-            </a:r>
-            <a:r>
-              <a:rPr lang="ja-JP" altLang="en-US" dirty="0"/>
-              <a:t>を積極的に推奨し、そのためのドキュメントやサンプルコードを充実させている．</a:t>
-            </a:r>
-            <a:endParaRPr kumimoji="1" lang="ja-JP" altLang="en-US" dirty="0"/>
-          </a:p>
-        </p:txBody>
-      </p:sp>
-      <p:sp>
-        <p:nvSpPr>
-          <p:cNvPr id="4" name="スライド番号プレースホルダー 3">
-            <a:extLst>
-              <a:ext uri="{FF2B5EF4-FFF2-40B4-BE49-F238E27FC236}">
-                <a16:creationId xmlns:a16="http://schemas.microsoft.com/office/drawing/2014/main" id="{C1C58ACC-587A-DA47-5030-C84B21929019}"/>
-              </a:ext>
-            </a:extLst>
-          </p:cNvPr>
-          <p:cNvSpPr>
-            <a:spLocks noGrp="1"/>
-          </p:cNvSpPr>
-          <p:nvPr>
-            <p:ph type="sldNum" sz="quarter" idx="12"/>
-          </p:nvPr>
-        </p:nvSpPr>
-        <p:spPr/>
-        <p:txBody>
-          <a:bodyPr/>
-          <a:lstStyle/>
-          <a:p>
-            <a:fld id="{55407BB7-92F5-4977-AA44-396FA1CF315E}" type="slidenum">
-              <a:rPr kumimoji="1" lang="ja-JP" altLang="en-US" smtClean="0"/>
-              <a:pPr/>
-              <a:t>21</a:t>
-            </a:fld>
-            <a:endParaRPr kumimoji="1" lang="ja-JP" altLang="en-US" dirty="0"/>
-          </a:p>
-        </p:txBody>
-      </p:sp>
-    </p:spTree>
-    <p:extLst>
-      <p:ext uri="{BB962C8B-B14F-4D97-AF65-F5344CB8AC3E}">
-        <p14:creationId xmlns:p14="http://schemas.microsoft.com/office/powerpoint/2010/main" val="1970911080"/>
-      </p:ext>
-    </p:extLst>
-  </p:cSld>
-  <p:clrMapOvr>
-    <a:masterClrMapping/>
-  </p:clrMapOvr>
-</p:sld>
-</file>
-
-<file path=ppt/slides/slide23.xml><?xml version="1.0" encoding="utf-8"?>
-<p:sld xmlns:a="http://schemas.openxmlformats.org/drawingml/2006/main" xmlns:r="http://schemas.openxmlformats.org/officeDocument/2006/relationships" xmlns:p="http://schemas.openxmlformats.org/presentationml/2006/main">
-  <p:cSld>
-    <p:spTree>
-      <p:nvGrpSpPr>
-        <p:cNvPr id="1" name=""/>
-        <p:cNvGrpSpPr/>
-        <p:nvPr/>
-      </p:nvGrpSpPr>
-      <p:grpSpPr>
-        <a:xfrm>
-          <a:off x="0" y="0"/>
-          <a:ext cx="0" cy="0"/>
-          <a:chOff x="0" y="0"/>
-          <a:chExt cx="0" cy="0"/>
-        </a:xfrm>
-      </p:grpSpPr>
-      <p:sp>
-        <p:nvSpPr>
-          <p:cNvPr id="2" name="タイトル 1">
-            <a:extLst>
-              <a:ext uri="{FF2B5EF4-FFF2-40B4-BE49-F238E27FC236}">
                 <a16:creationId xmlns:a16="http://schemas.microsoft.com/office/drawing/2014/main" id="{1AEF5D16-5FCC-B2A4-F67B-510A3A1BBCE9}"/>
               </a:ext>
             </a:extLst>
@@ -10948,7 +11846,7 @@
                   <a:spcPts val="600"/>
                 </a:spcAft>
               </a:pPr>
-              <a:t>22</a:t>
+              <a:t>21</a:t>
             </a:fld>
             <a:endParaRPr kumimoji="1" lang="ja-JP" altLang="en-US" sz="1900"/>
           </a:p>
@@ -10970,7 +11868,7 @@
             <p:ph idx="1"/>
             <p:extLst>
               <p:ext uri="{D42A27DB-BD31-4B8C-83A1-F6EECF244321}">
-                <p14:modId xmlns:p14="http://schemas.microsoft.com/office/powerpoint/2010/main" val="3426745333"/>
+                <p14:modId xmlns:p14="http://schemas.microsoft.com/office/powerpoint/2010/main" val="2706078526"/>
               </p:ext>
             </p:extLst>
           </p:nvPr>
@@ -11026,12 +11924,12 @@
                         </a:spcAft>
                       </a:pPr>
                       <a:r>
-                        <a:rPr lang="ja-JP" sz="1300">
+                        <a:rPr lang="ja-JP" sz="1400">
                           <a:effectLst/>
                         </a:rPr>
                         <a:t>特徴</a:t>
                       </a:r>
-                      <a:endParaRPr lang="ja-JP" sz="1600">
+                      <a:endParaRPr lang="ja-JP" sz="1400">
                         <a:effectLst/>
                         <a:latin typeface="Arial" panose="020B0604020202020204" pitchFamily="34" charset="0"/>
                         <a:ea typeface="ＭＳ 明朝" panose="02020609040205080304" pitchFamily="17" charset="-128"/>
@@ -11057,12 +11955,12 @@
                         </a:spcAft>
                       </a:pPr>
                       <a:r>
-                        <a:rPr lang="en-US" sz="1300">
+                        <a:rPr lang="en-US" sz="1400">
                           <a:effectLst/>
                         </a:rPr>
                         <a:t>ZeroMQ Remote API</a:t>
                       </a:r>
-                      <a:endParaRPr lang="ja-JP" sz="1600">
+                      <a:endParaRPr lang="ja-JP" sz="1400">
                         <a:effectLst/>
                         <a:latin typeface="Arial" panose="020B0604020202020204" pitchFamily="34" charset="0"/>
                         <a:ea typeface="ＭＳ 明朝" panose="02020609040205080304" pitchFamily="17" charset="-128"/>
@@ -11088,18 +11986,18 @@
                         </a:spcAft>
                       </a:pPr>
                       <a:r>
-                        <a:rPr lang="ja-JP" sz="1300">
+                        <a:rPr lang="ja-JP" sz="1400">
                           <a:effectLst/>
                         </a:rPr>
                         <a:t>レガシー</a:t>
                       </a:r>
                       <a:r>
-                        <a:rPr lang="en-US" sz="1300">
+                        <a:rPr lang="en-US" sz="1400">
                           <a:effectLst/>
                         </a:rPr>
                         <a:t> Remote API</a:t>
                       </a:r>
-                      <a:endParaRPr lang="ja-JP" sz="1600">
+                      <a:endParaRPr lang="ja-JP" sz="1400">
                         <a:effectLst/>
                         <a:latin typeface="Arial" panose="020B0604020202020204" pitchFamily="34" charset="0"/>
                         <a:ea typeface="ＭＳ 明朝" panose="02020609040205080304" pitchFamily="17" charset="-128"/>
@@ -11132,23 +12030,23 @@
                         </a:spcAft>
                       </a:pPr>
                       <a:r>
-                        <a:rPr lang="ja-JP" sz="1300" dirty="0">
+                        <a:rPr lang="ja-JP" sz="1400" dirty="0">
                           <a:effectLst/>
                         </a:rPr>
                         <a:t>推奨</a:t>
                       </a:r>
                       <a:br>
-                        <a:rPr lang="en-US" altLang="ja-JP" sz="1300" dirty="0">
+                        <a:rPr lang="en-US" altLang="ja-JP" sz="1400" dirty="0">
                           <a:effectLst/>
                         </a:rPr>
                       </a:br>
                       <a:r>
-                        <a:rPr lang="ja-JP" sz="1300" dirty="0">
+                        <a:rPr lang="ja-JP" sz="1400" dirty="0">
                           <a:effectLst/>
                         </a:rPr>
                         <a:t>ステータス</a:t>
                       </a:r>
-                      <a:endParaRPr lang="ja-JP" sz="1600" dirty="0">
+                      <a:endParaRPr lang="ja-JP" sz="1400" dirty="0">
                         <a:effectLst/>
                         <a:latin typeface="Arial" panose="020B0604020202020204" pitchFamily="34" charset="0"/>
                         <a:ea typeface="ＭＳ 明朝" panose="02020609040205080304" pitchFamily="17" charset="-128"/>
@@ -11174,30 +12072,42 @@
                         </a:spcAft>
                       </a:pPr>
                       <a:r>
-                        <a:rPr lang="ja-JP" sz="1300">
+                        <a:rPr lang="ja-JP" sz="1400" dirty="0">
                           <a:effectLst/>
                         </a:rPr>
                         <a:t>推奨</a:t>
                       </a:r>
                       <a:r>
-                        <a:rPr lang="en-US" sz="1300">
+                        <a:rPr lang="en-US" sz="1400" dirty="0">
                           <a:effectLst/>
                         </a:rPr>
-                        <a:t> (CoppeliaSim V4.4</a:t>
+                        <a:t> (</a:t>
                       </a:r>
                       <a:r>
-                        <a:rPr lang="ja-JP" sz="1300">
+                        <a:rPr lang="en-US" sz="1400" dirty="0" err="1">
+                          <a:effectLst/>
+                        </a:rPr>
+                        <a:t>CoppeliaSim</a:t>
+                      </a:r>
+                      <a:r>
+                        <a:rPr lang="en-US" sz="1400" dirty="0">
+                          <a:effectLst/>
+                        </a:rPr>
+                        <a:t> V4.4</a:t>
+                      </a:r>
+                      <a:r>
+                        <a:rPr lang="ja-JP" sz="1400" dirty="0">
                           <a:effectLst/>
                         </a:rPr>
                         <a:t>以降</a:t>
                       </a:r>
                       <a:r>
-                        <a:rPr lang="en-US" sz="1300">
+                        <a:rPr lang="en-US" sz="1400" dirty="0">
                           <a:effectLst/>
                         </a:rPr>
                         <a:t>) </a:t>
                       </a:r>
-                      <a:endParaRPr lang="ja-JP" sz="1600">
+                      <a:endParaRPr lang="ja-JP" sz="1400" dirty="0">
                         <a:effectLst/>
                         <a:latin typeface="Arial" panose="020B0604020202020204" pitchFamily="34" charset="0"/>
                         <a:ea typeface="ＭＳ 明朝" panose="02020609040205080304" pitchFamily="17" charset="-128"/>
@@ -11223,30 +12133,30 @@
                         </a:spcAft>
                       </a:pPr>
                       <a:r>
-                        <a:rPr lang="ja-JP" sz="1300">
+                        <a:rPr lang="ja-JP" sz="1400">
                           <a:effectLst/>
                         </a:rPr>
                         <a:t>非推奨</a:t>
                       </a:r>
                       <a:r>
-                        <a:rPr lang="en-US" sz="1300">
+                        <a:rPr lang="en-US" sz="1400">
                           <a:effectLst/>
                         </a:rPr>
                         <a:t> (CoppeliaSim V4.4</a:t>
                       </a:r>
                       <a:r>
-                        <a:rPr lang="ja-JP" sz="1300">
+                        <a:rPr lang="ja-JP" sz="1400">
                           <a:effectLst/>
                         </a:rPr>
                         <a:t>以降</a:t>
                       </a:r>
                       <a:r>
-                        <a:rPr lang="en-US" sz="1300">
+                        <a:rPr lang="en-US" sz="1400">
                           <a:effectLst/>
                         </a:rPr>
                         <a:t>) </a:t>
                       </a:r>
-                      <a:endParaRPr lang="ja-JP" sz="1600">
+                      <a:endParaRPr lang="ja-JP" sz="1400">
                         <a:effectLst/>
                         <a:latin typeface="Arial" panose="020B0604020202020204" pitchFamily="34" charset="0"/>
                         <a:ea typeface="ＭＳ 明朝" panose="02020609040205080304" pitchFamily="17" charset="-128"/>
@@ -11279,12 +12189,12 @@
                         </a:spcAft>
                       </a:pPr>
                       <a:r>
-                        <a:rPr lang="ja-JP" sz="1300">
+                        <a:rPr lang="ja-JP" sz="1400">
                           <a:effectLst/>
                         </a:rPr>
                         <a:t>主な利点</a:t>
                       </a:r>
-                      <a:endParaRPr lang="ja-JP" sz="1600">
+                      <a:endParaRPr lang="ja-JP" sz="1400">
                         <a:effectLst/>
                         <a:latin typeface="Arial" panose="020B0604020202020204" pitchFamily="34" charset="0"/>
                         <a:ea typeface="ＭＳ 明朝" panose="02020609040205080304" pitchFamily="17" charset="-128"/>
@@ -11310,77 +12220,77 @@
                         </a:spcAft>
                       </a:pPr>
                       <a:r>
-                        <a:rPr lang="ja-JP" sz="1300" dirty="0">
+                        <a:rPr lang="ja-JP" sz="1400" dirty="0">
                           <a:effectLst/>
                         </a:rPr>
                         <a:t>高機能、</a:t>
                       </a:r>
                       <a:r>
-                        <a:rPr lang="en-US" sz="1300" dirty="0" err="1">
+                        <a:rPr lang="en-US" sz="1400" dirty="0" err="1">
                           <a:effectLst/>
                         </a:rPr>
                         <a:t>CoppeliaSim</a:t>
                       </a:r>
                       <a:r>
-                        <a:rPr lang="ja-JP" sz="1300" dirty="0">
+                        <a:rPr lang="ja-JP" sz="1400" dirty="0">
                           <a:effectLst/>
                         </a:rPr>
                         <a:t>の全</a:t>
                       </a:r>
                       <a:r>
-                        <a:rPr lang="en-US" sz="1300" dirty="0">
+                        <a:rPr lang="en-US" sz="1400" dirty="0">
                           <a:effectLst/>
                         </a:rPr>
                         <a:t>API</a:t>
                       </a:r>
                       <a:r>
-                        <a:rPr lang="ja-JP" sz="1300" dirty="0">
+                        <a:rPr lang="ja-JP" sz="1400" dirty="0">
                           <a:effectLst/>
                         </a:rPr>
                         <a:t>関数に</a:t>
                       </a:r>
                       <a:br>
-                        <a:rPr lang="en-US" altLang="ja-JP" sz="1300" dirty="0">
+                        <a:rPr lang="en-US" altLang="ja-JP" sz="1400" dirty="0">
                           <a:effectLst/>
                         </a:rPr>
                       </a:br>
                       <a:r>
-                        <a:rPr lang="ja-JP" sz="1300" dirty="0">
+                        <a:rPr lang="ja-JP" sz="1400" dirty="0">
                           <a:effectLst/>
                         </a:rPr>
                         <a:t>アクセス可能</a:t>
                       </a:r>
                       <a:r>
-                        <a:rPr lang="ja-JP" altLang="en-US" sz="1300" dirty="0">
+                        <a:rPr lang="ja-JP" altLang="en-US" sz="1400" dirty="0">
                           <a:effectLst/>
                         </a:rPr>
                         <a:t>，</a:t>
                       </a:r>
                       <a:r>
-                        <a:rPr lang="ja-JP" sz="1300" dirty="0">
+                        <a:rPr lang="ja-JP" sz="1400" dirty="0">
                           <a:effectLst/>
                         </a:rPr>
                         <a:t>モダンな通信基盤</a:t>
                       </a:r>
                       <a:r>
-                        <a:rPr lang="ja-JP" altLang="en-US" sz="1300" dirty="0">
+                        <a:rPr lang="ja-JP" altLang="en-US" sz="1400" dirty="0">
                           <a:effectLst/>
                         </a:rPr>
                         <a:t>，</a:t>
                       </a:r>
                       <a:r>
-                        <a:rPr lang="en-US" sz="1300" dirty="0">
+                        <a:rPr lang="en-US" sz="1400" dirty="0">
                           <a:effectLst/>
                         </a:rPr>
                         <a:t>Python</a:t>
                       </a:r>
                       <a:r>
-                        <a:rPr lang="ja-JP" sz="1300" dirty="0">
+                        <a:rPr lang="ja-JP" sz="1400" dirty="0">
                           <a:effectLst/>
                         </a:rPr>
                         <a:t>パッケージ管理が容易</a:t>
                       </a:r>
-                      <a:endParaRPr lang="ja-JP" sz="1600" dirty="0">
+                      <a:endParaRPr lang="ja-JP" sz="1400" dirty="0">
                         <a:effectLst/>
                         <a:latin typeface="Arial" panose="020B0604020202020204" pitchFamily="34" charset="0"/>
                         <a:ea typeface="ＭＳ 明朝" panose="02020609040205080304" pitchFamily="17" charset="-128"/>
@@ -11406,24 +12316,24 @@
                         </a:spcAft>
                       </a:pPr>
                       <a:r>
-                        <a:rPr lang="ja-JP" sz="1300" dirty="0">
+                        <a:rPr lang="ja-JP" sz="1400" dirty="0">
                           <a:effectLst/>
                         </a:rPr>
                         <a:t>比較的シンプルな関数セット</a:t>
                       </a:r>
                       <a:r>
-                        <a:rPr lang="ja-JP" altLang="en-US" sz="1300" dirty="0">
+                        <a:rPr lang="ja-JP" altLang="en-US" sz="1400" dirty="0">
                           <a:effectLst/>
                         </a:rPr>
                         <a:t>，</a:t>
                       </a:r>
                       <a:r>
-                        <a:rPr lang="ja-JP" sz="1300" dirty="0">
+                        <a:rPr lang="ja-JP" sz="1400" dirty="0">
                           <a:effectLst/>
                         </a:rPr>
                         <a:t>旧バージョンとの互換性</a:t>
                       </a:r>
-                      <a:endParaRPr lang="ja-JP" sz="1600" dirty="0">
+                      <a:endParaRPr lang="ja-JP" sz="1400" dirty="0">
                         <a:effectLst/>
                         <a:latin typeface="Arial" panose="020B0604020202020204" pitchFamily="34" charset="0"/>
                         <a:ea typeface="ＭＳ 明朝" panose="02020609040205080304" pitchFamily="17" charset="-128"/>
@@ -11456,12 +12366,12 @@
                         </a:spcAft>
                       </a:pPr>
                       <a:r>
-                        <a:rPr lang="ja-JP" sz="1300">
+                        <a:rPr lang="ja-JP" sz="1400">
                           <a:effectLst/>
                         </a:rPr>
                         <a:t>主な欠点</a:t>
                       </a:r>
-                      <a:endParaRPr lang="ja-JP" sz="1600">
+                      <a:endParaRPr lang="ja-JP" sz="1400">
                         <a:effectLst/>
                         <a:latin typeface="Arial" panose="020B0604020202020204" pitchFamily="34" charset="0"/>
                         <a:ea typeface="ＭＳ 明朝" panose="02020609040205080304" pitchFamily="17" charset="-128"/>
@@ -11487,36 +12397,36 @@
                         </a:spcAft>
                       </a:pPr>
                       <a:r>
-                        <a:rPr lang="ja-JP" sz="1300" dirty="0">
+                        <a:rPr lang="ja-JP" sz="1400" dirty="0">
                           <a:effectLst/>
                         </a:rPr>
                         <a:t>レガシー</a:t>
                       </a:r>
                       <a:r>
-                        <a:rPr lang="en-US" sz="1300" dirty="0">
+                        <a:rPr lang="en-US" sz="1400" dirty="0">
                           <a:effectLst/>
                         </a:rPr>
                         <a:t>API</a:t>
                       </a:r>
                       <a:r>
-                        <a:rPr lang="ja-JP" sz="1300" dirty="0">
+                        <a:rPr lang="ja-JP" sz="1400" dirty="0">
                           <a:effectLst/>
                         </a:rPr>
                         <a:t>に慣れている場合</a:t>
                       </a:r>
                       <a:r>
-                        <a:rPr lang="ja-JP" altLang="en-US" sz="1300" dirty="0">
+                        <a:rPr lang="ja-JP" altLang="en-US" sz="1400" dirty="0">
                           <a:effectLst/>
                         </a:rPr>
                         <a:t>，</a:t>
                       </a:r>
                       <a:r>
-                        <a:rPr lang="ja-JP" sz="1300" dirty="0">
+                        <a:rPr lang="ja-JP" sz="1400" dirty="0">
                           <a:effectLst/>
                         </a:rPr>
                         <a:t>学習コストが若干発生する可能性</a:t>
                       </a:r>
-                      <a:endParaRPr lang="ja-JP" sz="1600" dirty="0">
+                      <a:endParaRPr lang="ja-JP" sz="1400" dirty="0">
                         <a:effectLst/>
                         <a:latin typeface="Arial" panose="020B0604020202020204" pitchFamily="34" charset="0"/>
                         <a:ea typeface="ＭＳ 明朝" panose="02020609040205080304" pitchFamily="17" charset="-128"/>
@@ -11542,29 +12452,29 @@
                         </a:spcAft>
                       </a:pPr>
                       <a:r>
-                        <a:rPr lang="ja-JP" sz="1300" dirty="0">
+                        <a:rPr lang="ja-JP" sz="1400" dirty="0">
                           <a:effectLst/>
                         </a:rPr>
                         <a:t>機能が限定的、ファイルの手動配置が必要</a:t>
                       </a:r>
                       <a:r>
-                        <a:rPr lang="ja-JP" altLang="en-US" sz="1300" dirty="0">
+                        <a:rPr lang="ja-JP" altLang="en-US" sz="1400" dirty="0">
                           <a:effectLst/>
                         </a:rPr>
                         <a:t>，</a:t>
                       </a:r>
                       <a:br>
-                        <a:rPr lang="en-US" altLang="ja-JP" sz="1300" dirty="0">
+                        <a:rPr lang="en-US" altLang="ja-JP" sz="1400" dirty="0">
                           <a:effectLst/>
                         </a:rPr>
                       </a:br>
                       <a:r>
-                        <a:rPr lang="ja-JP" sz="1300" dirty="0">
+                        <a:rPr lang="ja-JP" sz="1400" dirty="0">
                           <a:effectLst/>
                         </a:rPr>
                         <a:t>将来的なサポートの懸念</a:t>
                       </a:r>
-                      <a:endParaRPr lang="ja-JP" sz="1600" dirty="0">
+                      <a:endParaRPr lang="ja-JP" sz="1400" dirty="0">
                         <a:effectLst/>
                         <a:latin typeface="Arial" panose="020B0604020202020204" pitchFamily="34" charset="0"/>
                         <a:ea typeface="ＭＳ 明朝" panose="02020609040205080304" pitchFamily="17" charset="-128"/>
@@ -11597,12 +12507,12 @@
                         </a:spcAft>
                       </a:pPr>
                       <a:r>
-                        <a:rPr lang="ja-JP" sz="1300">
+                        <a:rPr lang="ja-JP" sz="1400">
                           <a:effectLst/>
                         </a:rPr>
                         <a:t>対応関数範囲</a:t>
                       </a:r>
-                      <a:endParaRPr lang="ja-JP" sz="1600">
+                      <a:endParaRPr lang="ja-JP" sz="1400">
                         <a:effectLst/>
                         <a:latin typeface="Arial" panose="020B0604020202020204" pitchFamily="34" charset="0"/>
                         <a:ea typeface="ＭＳ 明朝" panose="02020609040205080304" pitchFamily="17" charset="-128"/>
@@ -11628,72 +12538,72 @@
                         </a:spcAft>
                       </a:pPr>
                       <a:r>
-                        <a:rPr lang="en-US" sz="1300" dirty="0">
+                        <a:rPr lang="en-US" sz="1400" dirty="0">
                           <a:effectLst/>
                         </a:rPr>
                         <a:t>sim.*</a:t>
                       </a:r>
                       <a:r>
-                        <a:rPr lang="ja-JP" sz="1300" dirty="0">
+                        <a:rPr lang="ja-JP" sz="1400" dirty="0">
                           <a:effectLst/>
                         </a:rPr>
                         <a:t>関数</a:t>
                       </a:r>
                       <a:r>
-                        <a:rPr lang="ja-JP" altLang="en-US" sz="1300" dirty="0">
+                        <a:rPr lang="ja-JP" altLang="en-US" sz="1400" dirty="0">
                           <a:effectLst/>
                         </a:rPr>
                         <a:t>，</a:t>
                       </a:r>
                       <a:r>
-                        <a:rPr lang="ja-JP" sz="1300" dirty="0">
+                        <a:rPr lang="ja-JP" sz="1400" dirty="0">
                           <a:effectLst/>
                         </a:rPr>
                         <a:t>プラグイン関数</a:t>
                       </a:r>
                       <a:r>
-                        <a:rPr lang="en-US" sz="1300" dirty="0">
+                        <a:rPr lang="en-US" sz="1400" dirty="0">
                           <a:effectLst/>
                         </a:rPr>
                         <a:t> (</a:t>
                       </a:r>
                       <a:r>
-                        <a:rPr lang="en-US" sz="1300" dirty="0" err="1">
+                        <a:rPr lang="en-US" sz="1400" dirty="0" err="1">
                           <a:effectLst/>
                         </a:rPr>
                         <a:t>simOMPL</a:t>
                       </a:r>
                       <a:r>
-                        <a:rPr lang="en-US" sz="1300" dirty="0">
+                        <a:rPr lang="en-US" sz="1400" dirty="0">
                           <a:effectLst/>
                         </a:rPr>
                         <a:t>.*, simIK.*</a:t>
                       </a:r>
                       <a:r>
-                        <a:rPr lang="ja-JP" sz="1300" dirty="0">
+                        <a:rPr lang="ja-JP" sz="1400" dirty="0">
                           <a:effectLst/>
                         </a:rPr>
                         <a:t>等</a:t>
                       </a:r>
                       <a:r>
-                        <a:rPr lang="en-US" sz="1300" dirty="0">
+                        <a:rPr lang="en-US" sz="1400" dirty="0">
                           <a:effectLst/>
                         </a:rPr>
                         <a:t>) </a:t>
                       </a:r>
                       <a:r>
-                        <a:rPr lang="ja-JP" sz="1300" dirty="0">
+                        <a:rPr lang="ja-JP" sz="1400" dirty="0">
                           <a:effectLst/>
                         </a:rPr>
                         <a:t>を含む全</a:t>
                       </a:r>
                       <a:r>
-                        <a:rPr lang="en-US" sz="1300" dirty="0">
+                        <a:rPr lang="en-US" sz="1400" dirty="0">
                           <a:effectLst/>
                         </a:rPr>
                         <a:t>API </a:t>
                       </a:r>
-                      <a:endParaRPr lang="ja-JP" sz="1600" dirty="0">
+                      <a:endParaRPr lang="ja-JP" sz="1400" dirty="0">
                         <a:effectLst/>
                         <a:latin typeface="Arial" panose="020B0604020202020204" pitchFamily="34" charset="0"/>
                         <a:ea typeface="ＭＳ 明朝" panose="02020609040205080304" pitchFamily="17" charset="-128"/>
@@ -11719,36 +12629,36 @@
                         </a:spcAft>
                       </a:pPr>
                       <a:r>
-                        <a:rPr lang="ja-JP" sz="1300">
+                        <a:rPr lang="ja-JP" sz="1400">
                           <a:effectLst/>
                         </a:rPr>
                         <a:t>約</a:t>
                       </a:r>
                       <a:r>
-                        <a:rPr lang="en-US" sz="1300">
+                        <a:rPr lang="en-US" sz="1400">
                           <a:effectLst/>
                         </a:rPr>
                         <a:t>100</a:t>
                       </a:r>
                       <a:r>
-                        <a:rPr lang="ja-JP" sz="1300">
+                        <a:rPr lang="ja-JP" sz="1400">
                           <a:effectLst/>
                         </a:rPr>
                         <a:t>の特定関数</a:t>
                       </a:r>
                       <a:r>
-                        <a:rPr lang="en-US" sz="1300">
+                        <a:rPr lang="en-US" sz="1400">
                           <a:effectLst/>
                         </a:rPr>
                         <a:t> (simx*) </a:t>
                       </a:r>
                       <a:r>
-                        <a:rPr lang="ja-JP" sz="1300">
+                        <a:rPr lang="ja-JP" sz="1400">
                           <a:effectLst/>
                         </a:rPr>
                         <a:t>と汎用関数</a:t>
                       </a:r>
-                      <a:endParaRPr lang="ja-JP" sz="1600">
+                      <a:endParaRPr lang="ja-JP" sz="1400">
                         <a:effectLst/>
                         <a:latin typeface="Arial" panose="020B0604020202020204" pitchFamily="34" charset="0"/>
                         <a:ea typeface="ＭＳ 明朝" panose="02020609040205080304" pitchFamily="17" charset="-128"/>
@@ -11781,12 +12691,12 @@
                         </a:spcAft>
                       </a:pPr>
                       <a:r>
-                        <a:rPr lang="ja-JP" sz="1300">
+                        <a:rPr lang="ja-JP" sz="1400">
                           <a:effectLst/>
                         </a:rPr>
                         <a:t>セットアップ</a:t>
                       </a:r>
-                      <a:endParaRPr lang="ja-JP" sz="1600">
+                      <a:endParaRPr lang="ja-JP" sz="1400">
                         <a:effectLst/>
                         <a:latin typeface="Arial" panose="020B0604020202020204" pitchFamily="34" charset="0"/>
                         <a:ea typeface="ＭＳ 明朝" panose="02020609040205080304" pitchFamily="17" charset="-128"/>
@@ -11812,41 +12722,41 @@
                         </a:spcAft>
                       </a:pPr>
                       <a:r>
-                        <a:rPr lang="en-US" sz="1300">
+                        <a:rPr lang="en-US" sz="1400">
                           <a:effectLst/>
                         </a:rPr>
                         <a:t>Python</a:t>
                       </a:r>
                       <a:r>
-                        <a:rPr lang="ja-JP" sz="1300">
+                        <a:rPr lang="ja-JP" sz="1400">
                           <a:effectLst/>
                         </a:rPr>
                         <a:t>パッケージマネージャ</a:t>
                       </a:r>
                       <a:r>
-                        <a:rPr lang="en-US" sz="1300">
+                        <a:rPr lang="en-US" sz="1400">
                           <a:effectLst/>
                         </a:rPr>
                         <a:t> (pip) </a:t>
                       </a:r>
                       <a:r>
-                        <a:rPr lang="ja-JP" sz="1300">
+                        <a:rPr lang="ja-JP" sz="1400">
                           <a:effectLst/>
                         </a:rPr>
                         <a:t>で容易に</a:t>
                       </a:r>
                       <a:br>
-                        <a:rPr lang="en-US" altLang="ja-JP" sz="1300">
+                        <a:rPr lang="en-US" altLang="ja-JP" sz="1400">
                           <a:effectLst/>
                         </a:rPr>
                       </a:br>
                       <a:r>
-                        <a:rPr lang="ja-JP" sz="1300">
+                        <a:rPr lang="ja-JP" sz="1400">
                           <a:effectLst/>
                         </a:rPr>
                         <a:t>インストール可能 </a:t>
                       </a:r>
-                      <a:endParaRPr lang="ja-JP" sz="1600">
+                      <a:endParaRPr lang="ja-JP" sz="1400">
                         <a:effectLst/>
                         <a:latin typeface="Arial" panose="020B0604020202020204" pitchFamily="34" charset="0"/>
                         <a:ea typeface="ＭＳ 明朝" panose="02020609040205080304" pitchFamily="17" charset="-128"/>
@@ -11872,18 +12782,18 @@
                         </a:spcAft>
                       </a:pPr>
                       <a:r>
-                        <a:rPr lang="en-US" sz="1300">
+                        <a:rPr lang="en-US" sz="1400">
                           <a:effectLst/>
                         </a:rPr>
                         <a:t>Python</a:t>
                       </a:r>
                       <a:r>
-                        <a:rPr lang="ja-JP" sz="1300">
+                        <a:rPr lang="ja-JP" sz="1400">
                           <a:effectLst/>
                         </a:rPr>
                         <a:t>ファイルと共有ライブラリの手動コピーが必要 </a:t>
                       </a:r>
-                      <a:endParaRPr lang="ja-JP" sz="1600">
+                      <a:endParaRPr lang="ja-JP" sz="1400">
                         <a:effectLst/>
                         <a:latin typeface="Arial" panose="020B0604020202020204" pitchFamily="34" charset="0"/>
                         <a:ea typeface="ＭＳ 明朝" panose="02020609040205080304" pitchFamily="17" charset="-128"/>
@@ -11916,12 +12826,12 @@
                         </a:spcAft>
                       </a:pPr>
                       <a:r>
-                        <a:rPr lang="ja-JP" sz="1300">
+                        <a:rPr lang="ja-JP" sz="1400">
                           <a:effectLst/>
                         </a:rPr>
                         <a:t>通信方式</a:t>
                       </a:r>
-                      <a:endParaRPr lang="ja-JP" sz="1600">
+                      <a:endParaRPr lang="ja-JP" sz="1400">
                         <a:effectLst/>
                         <a:latin typeface="Arial" panose="020B0604020202020204" pitchFamily="34" charset="0"/>
                         <a:ea typeface="ＭＳ 明朝" panose="02020609040205080304" pitchFamily="17" charset="-128"/>
@@ -11947,12 +12857,12 @@
                         </a:spcAft>
                       </a:pPr>
                       <a:r>
-                        <a:rPr lang="en-US" sz="1300">
+                        <a:rPr lang="en-US" sz="1400">
                           <a:effectLst/>
                         </a:rPr>
                         <a:t>ZeroMQ (TCP/IP)</a:t>
                       </a:r>
-                      <a:endParaRPr lang="ja-JP" sz="1600">
+                      <a:endParaRPr lang="ja-JP" sz="1400">
                         <a:effectLst/>
                         <a:latin typeface="Arial" panose="020B0604020202020204" pitchFamily="34" charset="0"/>
                         <a:ea typeface="ＭＳ 明朝" panose="02020609040205080304" pitchFamily="17" charset="-128"/>
@@ -11978,24 +12888,24 @@
                         </a:spcAft>
                       </a:pPr>
                       <a:r>
-                        <a:rPr lang="ja-JP" sz="1300" dirty="0">
+                        <a:rPr lang="ja-JP" sz="1400" dirty="0">
                           <a:effectLst/>
                         </a:rPr>
                         <a:t>ソケット通信</a:t>
                       </a:r>
                       <a:r>
-                        <a:rPr lang="en-US" sz="1300" dirty="0">
+                        <a:rPr lang="en-US" sz="1400" dirty="0">
                           <a:effectLst/>
                         </a:rPr>
                         <a:t> (TCP/IP) </a:t>
                       </a:r>
                       <a:r>
-                        <a:rPr lang="ja-JP" sz="1300" dirty="0">
+                        <a:rPr lang="ja-JP" sz="1400" dirty="0">
                           <a:effectLst/>
                         </a:rPr>
                         <a:t>または共有メモリ</a:t>
                       </a:r>
-                      <a:endParaRPr lang="ja-JP" sz="1600" dirty="0">
+                      <a:endParaRPr lang="ja-JP" sz="1400" dirty="0">
                         <a:effectLst/>
                         <a:latin typeface="Arial" panose="020B0604020202020204" pitchFamily="34" charset="0"/>
                         <a:ea typeface="ＭＳ 明朝" panose="02020609040205080304" pitchFamily="17" charset="-128"/>
@@ -12027,6 +12937,196 @@
 </p:sld>
 </file>
 
+<file path=ppt/slides/slide23.xml><?xml version="1.0" encoding="utf-8"?>
+<p:sld xmlns:a="http://schemas.openxmlformats.org/drawingml/2006/main" xmlns:r="http://schemas.openxmlformats.org/officeDocument/2006/relationships" xmlns:p="http://schemas.openxmlformats.org/presentationml/2006/main">
+  <p:cSld>
+    <p:spTree>
+      <p:nvGrpSpPr>
+        <p:cNvPr id="1" name=""/>
+        <p:cNvGrpSpPr/>
+        <p:nvPr/>
+      </p:nvGrpSpPr>
+      <p:grpSpPr>
+        <a:xfrm>
+          <a:off x="0" y="0"/>
+          <a:ext cx="0" cy="0"/>
+          <a:chOff x="0" y="0"/>
+          <a:chExt cx="0" cy="0"/>
+        </a:xfrm>
+      </p:grpSpPr>
+      <p:sp>
+        <p:nvSpPr>
+          <p:cNvPr id="2" name="タイトル 1">
+            <a:extLst>
+              <a:ext uri="{FF2B5EF4-FFF2-40B4-BE49-F238E27FC236}">
+                <a16:creationId xmlns:a16="http://schemas.microsoft.com/office/drawing/2014/main" id="{2050BE79-B88F-FF8B-6BA5-D26B97DBDD5A}"/>
+              </a:ext>
+            </a:extLst>
+          </p:cNvPr>
+          <p:cNvSpPr>
+            <a:spLocks noGrp="1"/>
+          </p:cNvSpPr>
+          <p:nvPr>
+            <p:ph type="title"/>
+          </p:nvPr>
+        </p:nvSpPr>
+        <p:spPr/>
+        <p:txBody>
+          <a:bodyPr/>
+          <a:lstStyle/>
+          <a:p>
+            <a:r>
+              <a:rPr kumimoji="1" lang="ja-JP" altLang="en-US" dirty="0"/>
+              <a:t>目次</a:t>
+            </a:r>
+          </a:p>
+        </p:txBody>
+      </p:sp>
+      <p:sp>
+        <p:nvSpPr>
+          <p:cNvPr id="3" name="コンテンツ プレースホルダー 2">
+            <a:extLst>
+              <a:ext uri="{FF2B5EF4-FFF2-40B4-BE49-F238E27FC236}">
+                <a16:creationId xmlns:a16="http://schemas.microsoft.com/office/drawing/2014/main" id="{B65B5EFB-27E8-7C48-B344-8691626E7FC9}"/>
+              </a:ext>
+            </a:extLst>
+          </p:cNvPr>
+          <p:cNvSpPr>
+            <a:spLocks noGrp="1"/>
+          </p:cNvSpPr>
+          <p:nvPr>
+            <p:ph idx="1"/>
+          </p:nvPr>
+        </p:nvSpPr>
+        <p:spPr/>
+        <p:txBody>
+          <a:bodyPr/>
+          <a:lstStyle/>
+          <a:p>
+            <a:r>
+              <a:rPr kumimoji="1" lang="ja-JP" altLang="en-US" dirty="0"/>
+              <a:t>研究テーマについて</a:t>
+            </a:r>
+            <a:endParaRPr kumimoji="1" lang="en-US" altLang="ja-JP" dirty="0"/>
+          </a:p>
+          <a:p>
+            <a:r>
+              <a:rPr lang="ja-JP" altLang="en-US" dirty="0"/>
+              <a:t>これまで取り組んだこと</a:t>
+            </a:r>
+            <a:endParaRPr lang="en-US" altLang="ja-JP" dirty="0"/>
+          </a:p>
+          <a:p>
+            <a:pPr lvl="1"/>
+            <a:r>
+              <a:rPr lang="en-US" altLang="ja-JP" dirty="0"/>
+              <a:t>LOS</a:t>
+            </a:r>
+            <a:r>
+              <a:rPr lang="ja-JP" altLang="en-US" dirty="0"/>
+              <a:t>に基づくリーダ・フォロワ制御の解析</a:t>
+            </a:r>
+            <a:endParaRPr lang="en-US" altLang="ja-JP" dirty="0"/>
+          </a:p>
+          <a:p>
+            <a:pPr lvl="1"/>
+            <a:r>
+              <a:rPr lang="en-US" altLang="ja-JP" dirty="0"/>
+              <a:t>LOS</a:t>
+            </a:r>
+            <a:r>
+              <a:rPr lang="ja-JP" altLang="en-US" dirty="0"/>
+              <a:t>に基づくリーダ・フォロワ制御の追試</a:t>
+            </a:r>
+            <a:endParaRPr lang="en-US" altLang="ja-JP" dirty="0"/>
+          </a:p>
+          <a:p>
+            <a:pPr lvl="1"/>
+            <a:r>
+              <a:rPr lang="en-US" altLang="ja-JP" dirty="0"/>
+              <a:t>Python</a:t>
+            </a:r>
+            <a:r>
+              <a:rPr lang="ja-JP" altLang="en-US" dirty="0"/>
+              <a:t>仮想環境の技術調査</a:t>
+            </a:r>
+            <a:endParaRPr lang="en-US" altLang="ja-JP" dirty="0"/>
+          </a:p>
+          <a:p>
+            <a:pPr lvl="1"/>
+            <a:r>
+              <a:rPr lang="en-US" altLang="ja-JP" dirty="0"/>
+              <a:t>Python +</a:t>
+            </a:r>
+            <a:r>
+              <a:rPr lang="en-US" altLang="ja-JP" dirty="0" err="1"/>
+              <a:t>CoppeliaSim</a:t>
+            </a:r>
+            <a:r>
+              <a:rPr lang="ja-JP" altLang="en-US" dirty="0"/>
+              <a:t>の技術調査</a:t>
+            </a:r>
+            <a:endParaRPr lang="en-US" altLang="ja-JP" dirty="0"/>
+          </a:p>
+          <a:p>
+            <a:r>
+              <a:rPr kumimoji="1" lang="ja-JP" altLang="en-US" dirty="0"/>
+              <a:t>課題</a:t>
+            </a:r>
+            <a:endParaRPr kumimoji="1" lang="en-US" altLang="ja-JP" dirty="0"/>
+          </a:p>
+          <a:p>
+            <a:r>
+              <a:rPr lang="ja-JP" altLang="en-US" dirty="0"/>
+              <a:t>今後の方針</a:t>
+            </a:r>
+            <a:endParaRPr kumimoji="1" lang="ja-JP" altLang="en-US" dirty="0"/>
+          </a:p>
+        </p:txBody>
+      </p:sp>
+      <p:sp>
+        <p:nvSpPr>
+          <p:cNvPr id="4" name="スライド番号プレースホルダー 3">
+            <a:extLst>
+              <a:ext uri="{FF2B5EF4-FFF2-40B4-BE49-F238E27FC236}">
+                <a16:creationId xmlns:a16="http://schemas.microsoft.com/office/drawing/2014/main" id="{FC33E576-600A-683F-DC96-8544A310B7BF}"/>
+              </a:ext>
+            </a:extLst>
+          </p:cNvPr>
+          <p:cNvSpPr>
+            <a:spLocks noGrp="1"/>
+          </p:cNvSpPr>
+          <p:nvPr>
+            <p:ph type="sldNum" sz="quarter" idx="12"/>
+          </p:nvPr>
+        </p:nvSpPr>
+        <p:spPr/>
+        <p:txBody>
+          <a:bodyPr/>
+          <a:lstStyle/>
+          <a:p>
+            <a:fld id="{55407BB7-92F5-4977-AA44-396FA1CF315E}" type="slidenum">
+              <a:rPr kumimoji="1" lang="ja-JP" altLang="en-US" smtClean="0"/>
+              <a:pPr/>
+              <a:t>22</a:t>
+            </a:fld>
+            <a:endParaRPr kumimoji="1" lang="ja-JP" altLang="en-US" dirty="0"/>
+          </a:p>
+        </p:txBody>
+      </p:sp>
+    </p:spTree>
+    <p:extLst>
+      <p:ext uri="{BB962C8B-B14F-4D97-AF65-F5344CB8AC3E}">
+        <p14:creationId xmlns:p14="http://schemas.microsoft.com/office/powerpoint/2010/main" val="2399987983"/>
+      </p:ext>
+    </p:extLst>
+  </p:cSld>
+  <p:clrMapOvr>
+    <a:masterClrMapping/>
+  </p:clrMapOvr>
+</p:sld>
+</file>
+
 <file path=ppt/slides/slide24.xml><?xml version="1.0" encoding="utf-8"?>
 <p:sld xmlns:a="http://schemas.openxmlformats.org/drawingml/2006/main" xmlns:r="http://schemas.openxmlformats.org/officeDocument/2006/relationships" xmlns:p="http://schemas.openxmlformats.org/presentationml/2006/main">
   <p:cSld>
@@ -12049,196 +13149,6 @@
           <p:cNvPr id="2" name="タイトル 1">
             <a:extLst>
               <a:ext uri="{FF2B5EF4-FFF2-40B4-BE49-F238E27FC236}">
-                <a16:creationId xmlns:a16="http://schemas.microsoft.com/office/drawing/2014/main" id="{2050BE79-B88F-FF8B-6BA5-D26B97DBDD5A}"/>
-              </a:ext>
-            </a:extLst>
-          </p:cNvPr>
-          <p:cNvSpPr>
-            <a:spLocks noGrp="1"/>
-          </p:cNvSpPr>
-          <p:nvPr>
-            <p:ph type="title"/>
-          </p:nvPr>
-        </p:nvSpPr>
-        <p:spPr/>
-        <p:txBody>
-          <a:bodyPr/>
-          <a:lstStyle/>
-          <a:p>
-            <a:r>
-              <a:rPr kumimoji="1" lang="ja-JP" altLang="en-US" dirty="0"/>
-              <a:t>目次</a:t>
-            </a:r>
-          </a:p>
-        </p:txBody>
-      </p:sp>
-      <p:sp>
-        <p:nvSpPr>
-          <p:cNvPr id="3" name="コンテンツ プレースホルダー 2">
-            <a:extLst>
-              <a:ext uri="{FF2B5EF4-FFF2-40B4-BE49-F238E27FC236}">
-                <a16:creationId xmlns:a16="http://schemas.microsoft.com/office/drawing/2014/main" id="{B65B5EFB-27E8-7C48-B344-8691626E7FC9}"/>
-              </a:ext>
-            </a:extLst>
-          </p:cNvPr>
-          <p:cNvSpPr>
-            <a:spLocks noGrp="1"/>
-          </p:cNvSpPr>
-          <p:nvPr>
-            <p:ph idx="1"/>
-          </p:nvPr>
-        </p:nvSpPr>
-        <p:spPr/>
-        <p:txBody>
-          <a:bodyPr/>
-          <a:lstStyle/>
-          <a:p>
-            <a:r>
-              <a:rPr kumimoji="1" lang="ja-JP" altLang="en-US" dirty="0"/>
-              <a:t>研究テーマについて</a:t>
-            </a:r>
-            <a:endParaRPr kumimoji="1" lang="en-US" altLang="ja-JP" dirty="0"/>
-          </a:p>
-          <a:p>
-            <a:r>
-              <a:rPr lang="ja-JP" altLang="en-US" dirty="0"/>
-              <a:t>これまで取り組んだこと</a:t>
-            </a:r>
-            <a:endParaRPr lang="en-US" altLang="ja-JP" dirty="0"/>
-          </a:p>
-          <a:p>
-            <a:pPr lvl="1"/>
-            <a:r>
-              <a:rPr lang="en-US" altLang="ja-JP" dirty="0"/>
-              <a:t>LOS</a:t>
-            </a:r>
-            <a:r>
-              <a:rPr lang="ja-JP" altLang="en-US" dirty="0"/>
-              <a:t>に基づくリーダ・フォロワ制御の解析</a:t>
-            </a:r>
-            <a:endParaRPr lang="en-US" altLang="ja-JP" dirty="0"/>
-          </a:p>
-          <a:p>
-            <a:pPr lvl="1"/>
-            <a:r>
-              <a:rPr lang="en-US" altLang="ja-JP" dirty="0"/>
-              <a:t>LOS</a:t>
-            </a:r>
-            <a:r>
-              <a:rPr lang="ja-JP" altLang="en-US" dirty="0"/>
-              <a:t>に基づくリーダ・フォロワ制御の追試</a:t>
-            </a:r>
-            <a:endParaRPr lang="en-US" altLang="ja-JP" dirty="0"/>
-          </a:p>
-          <a:p>
-            <a:pPr lvl="1"/>
-            <a:r>
-              <a:rPr lang="en-US" altLang="ja-JP" dirty="0"/>
-              <a:t>Python</a:t>
-            </a:r>
-            <a:r>
-              <a:rPr lang="ja-JP" altLang="en-US" dirty="0"/>
-              <a:t>仮想環境の技術調査</a:t>
-            </a:r>
-            <a:endParaRPr lang="en-US" altLang="ja-JP" dirty="0"/>
-          </a:p>
-          <a:p>
-            <a:pPr lvl="1"/>
-            <a:r>
-              <a:rPr lang="en-US" altLang="ja-JP" dirty="0"/>
-              <a:t>Python +</a:t>
-            </a:r>
-            <a:r>
-              <a:rPr lang="en-US" altLang="ja-JP" dirty="0" err="1"/>
-              <a:t>CoppeliaSim</a:t>
-            </a:r>
-            <a:r>
-              <a:rPr lang="ja-JP" altLang="en-US" dirty="0"/>
-              <a:t>の技術調査</a:t>
-            </a:r>
-            <a:endParaRPr lang="en-US" altLang="ja-JP" dirty="0"/>
-          </a:p>
-          <a:p>
-            <a:r>
-              <a:rPr kumimoji="1" lang="ja-JP" altLang="en-US" dirty="0"/>
-              <a:t>課題</a:t>
-            </a:r>
-            <a:endParaRPr kumimoji="1" lang="en-US" altLang="ja-JP" dirty="0"/>
-          </a:p>
-          <a:p>
-            <a:r>
-              <a:rPr lang="ja-JP" altLang="en-US" dirty="0"/>
-              <a:t>今後の方針</a:t>
-            </a:r>
-            <a:endParaRPr kumimoji="1" lang="ja-JP" altLang="en-US" dirty="0"/>
-          </a:p>
-        </p:txBody>
-      </p:sp>
-      <p:sp>
-        <p:nvSpPr>
-          <p:cNvPr id="4" name="スライド番号プレースホルダー 3">
-            <a:extLst>
-              <a:ext uri="{FF2B5EF4-FFF2-40B4-BE49-F238E27FC236}">
-                <a16:creationId xmlns:a16="http://schemas.microsoft.com/office/drawing/2014/main" id="{FC33E576-600A-683F-DC96-8544A310B7BF}"/>
-              </a:ext>
-            </a:extLst>
-          </p:cNvPr>
-          <p:cNvSpPr>
-            <a:spLocks noGrp="1"/>
-          </p:cNvSpPr>
-          <p:nvPr>
-            <p:ph type="sldNum" sz="quarter" idx="12"/>
-          </p:nvPr>
-        </p:nvSpPr>
-        <p:spPr/>
-        <p:txBody>
-          <a:bodyPr/>
-          <a:lstStyle/>
-          <a:p>
-            <a:fld id="{55407BB7-92F5-4977-AA44-396FA1CF315E}" type="slidenum">
-              <a:rPr kumimoji="1" lang="ja-JP" altLang="en-US" smtClean="0"/>
-              <a:pPr/>
-              <a:t>23</a:t>
-            </a:fld>
-            <a:endParaRPr kumimoji="1" lang="ja-JP" altLang="en-US" dirty="0"/>
-          </a:p>
-        </p:txBody>
-      </p:sp>
-    </p:spTree>
-    <p:extLst>
-      <p:ext uri="{BB962C8B-B14F-4D97-AF65-F5344CB8AC3E}">
-        <p14:creationId xmlns:p14="http://schemas.microsoft.com/office/powerpoint/2010/main" val="2399987983"/>
-      </p:ext>
-    </p:extLst>
-  </p:cSld>
-  <p:clrMapOvr>
-    <a:masterClrMapping/>
-  </p:clrMapOvr>
-</p:sld>
-</file>
-
-<file path=ppt/slides/slide25.xml><?xml version="1.0" encoding="utf-8"?>
-<p:sld xmlns:a="http://schemas.openxmlformats.org/drawingml/2006/main" xmlns:r="http://schemas.openxmlformats.org/officeDocument/2006/relationships" xmlns:p="http://schemas.openxmlformats.org/presentationml/2006/main">
-  <p:cSld>
-    <p:spTree>
-      <p:nvGrpSpPr>
-        <p:cNvPr id="1" name=""/>
-        <p:cNvGrpSpPr/>
-        <p:nvPr/>
-      </p:nvGrpSpPr>
-      <p:grpSpPr>
-        <a:xfrm>
-          <a:off x="0" y="0"/>
-          <a:ext cx="0" cy="0"/>
-          <a:chOff x="0" y="0"/>
-          <a:chExt cx="0" cy="0"/>
-        </a:xfrm>
-      </p:grpSpPr>
-      <p:sp>
-        <p:nvSpPr>
-          <p:cNvPr id="2" name="タイトル 1">
-            <a:extLst>
-              <a:ext uri="{FF2B5EF4-FFF2-40B4-BE49-F238E27FC236}">
                 <a16:creationId xmlns:a16="http://schemas.microsoft.com/office/drawing/2014/main" id="{1AEF5D16-5FCC-B2A4-F67B-510A3A1BBCE9}"/>
               </a:ext>
             </a:extLst>
@@ -12384,7 +13294,7 @@
             <a:fld id="{55407BB7-92F5-4977-AA44-396FA1CF315E}" type="slidenum">
               <a:rPr kumimoji="1" lang="ja-JP" altLang="en-US" smtClean="0"/>
               <a:pPr/>
-              <a:t>24</a:t>
+              <a:t>23</a:t>
             </a:fld>
             <a:endParaRPr kumimoji="1" lang="ja-JP" altLang="en-US" dirty="0"/>
           </a:p>
@@ -12489,6 +13399,196 @@
 </p:sld>
 </file>
 
+<file path=ppt/slides/slide25.xml><?xml version="1.0" encoding="utf-8"?>
+<p:sld xmlns:a="http://schemas.openxmlformats.org/drawingml/2006/main" xmlns:r="http://schemas.openxmlformats.org/officeDocument/2006/relationships" xmlns:p="http://schemas.openxmlformats.org/presentationml/2006/main">
+  <p:cSld>
+    <p:spTree>
+      <p:nvGrpSpPr>
+        <p:cNvPr id="1" name=""/>
+        <p:cNvGrpSpPr/>
+        <p:nvPr/>
+      </p:nvGrpSpPr>
+      <p:grpSpPr>
+        <a:xfrm>
+          <a:off x="0" y="0"/>
+          <a:ext cx="0" cy="0"/>
+          <a:chOff x="0" y="0"/>
+          <a:chExt cx="0" cy="0"/>
+        </a:xfrm>
+      </p:grpSpPr>
+      <p:sp>
+        <p:nvSpPr>
+          <p:cNvPr id="2" name="タイトル 1">
+            <a:extLst>
+              <a:ext uri="{FF2B5EF4-FFF2-40B4-BE49-F238E27FC236}">
+                <a16:creationId xmlns:a16="http://schemas.microsoft.com/office/drawing/2014/main" id="{2050BE79-B88F-FF8B-6BA5-D26B97DBDD5A}"/>
+              </a:ext>
+            </a:extLst>
+          </p:cNvPr>
+          <p:cNvSpPr>
+            <a:spLocks noGrp="1"/>
+          </p:cNvSpPr>
+          <p:nvPr>
+            <p:ph type="title"/>
+          </p:nvPr>
+        </p:nvSpPr>
+        <p:spPr/>
+        <p:txBody>
+          <a:bodyPr/>
+          <a:lstStyle/>
+          <a:p>
+            <a:r>
+              <a:rPr kumimoji="1" lang="ja-JP" altLang="en-US" dirty="0"/>
+              <a:t>目次</a:t>
+            </a:r>
+          </a:p>
+        </p:txBody>
+      </p:sp>
+      <p:sp>
+        <p:nvSpPr>
+          <p:cNvPr id="3" name="コンテンツ プレースホルダー 2">
+            <a:extLst>
+              <a:ext uri="{FF2B5EF4-FFF2-40B4-BE49-F238E27FC236}">
+                <a16:creationId xmlns:a16="http://schemas.microsoft.com/office/drawing/2014/main" id="{B65B5EFB-27E8-7C48-B344-8691626E7FC9}"/>
+              </a:ext>
+            </a:extLst>
+          </p:cNvPr>
+          <p:cNvSpPr>
+            <a:spLocks noGrp="1"/>
+          </p:cNvSpPr>
+          <p:nvPr>
+            <p:ph idx="1"/>
+          </p:nvPr>
+        </p:nvSpPr>
+        <p:spPr/>
+        <p:txBody>
+          <a:bodyPr/>
+          <a:lstStyle/>
+          <a:p>
+            <a:r>
+              <a:rPr kumimoji="1" lang="ja-JP" altLang="en-US" dirty="0"/>
+              <a:t>研究テーマについて</a:t>
+            </a:r>
+            <a:endParaRPr kumimoji="1" lang="en-US" altLang="ja-JP" dirty="0"/>
+          </a:p>
+          <a:p>
+            <a:r>
+              <a:rPr lang="ja-JP" altLang="en-US" dirty="0"/>
+              <a:t>これまで取り組んだこと</a:t>
+            </a:r>
+            <a:endParaRPr lang="en-US" altLang="ja-JP" dirty="0"/>
+          </a:p>
+          <a:p>
+            <a:pPr lvl="1"/>
+            <a:r>
+              <a:rPr lang="en-US" altLang="ja-JP" dirty="0"/>
+              <a:t>LOS</a:t>
+            </a:r>
+            <a:r>
+              <a:rPr lang="ja-JP" altLang="en-US" dirty="0"/>
+              <a:t>に基づくリーダ・フォロワ制御の解析</a:t>
+            </a:r>
+            <a:endParaRPr lang="en-US" altLang="ja-JP" dirty="0"/>
+          </a:p>
+          <a:p>
+            <a:pPr lvl="1"/>
+            <a:r>
+              <a:rPr lang="en-US" altLang="ja-JP" dirty="0"/>
+              <a:t>LOS</a:t>
+            </a:r>
+            <a:r>
+              <a:rPr lang="ja-JP" altLang="en-US" dirty="0"/>
+              <a:t>に基づくリーダ・フォロワ制御の追試</a:t>
+            </a:r>
+            <a:endParaRPr lang="en-US" altLang="ja-JP" dirty="0"/>
+          </a:p>
+          <a:p>
+            <a:pPr lvl="1"/>
+            <a:r>
+              <a:rPr lang="en-US" altLang="ja-JP" dirty="0"/>
+              <a:t>Python</a:t>
+            </a:r>
+            <a:r>
+              <a:rPr lang="ja-JP" altLang="en-US" dirty="0"/>
+              <a:t>仮想環境の技術調査</a:t>
+            </a:r>
+            <a:endParaRPr lang="en-US" altLang="ja-JP" dirty="0"/>
+          </a:p>
+          <a:p>
+            <a:pPr lvl="1"/>
+            <a:r>
+              <a:rPr lang="en-US" altLang="ja-JP" dirty="0"/>
+              <a:t>Python +</a:t>
+            </a:r>
+            <a:r>
+              <a:rPr lang="en-US" altLang="ja-JP" dirty="0" err="1"/>
+              <a:t>CoppeliaSim</a:t>
+            </a:r>
+            <a:r>
+              <a:rPr lang="ja-JP" altLang="en-US" dirty="0"/>
+              <a:t>の技術調査</a:t>
+            </a:r>
+            <a:endParaRPr lang="en-US" altLang="ja-JP" dirty="0"/>
+          </a:p>
+          <a:p>
+            <a:r>
+              <a:rPr kumimoji="1" lang="ja-JP" altLang="en-US" dirty="0"/>
+              <a:t>課題</a:t>
+            </a:r>
+            <a:endParaRPr kumimoji="1" lang="en-US" altLang="ja-JP" dirty="0"/>
+          </a:p>
+          <a:p>
+            <a:r>
+              <a:rPr lang="ja-JP" altLang="en-US" dirty="0"/>
+              <a:t>今後の方針</a:t>
+            </a:r>
+            <a:endParaRPr kumimoji="1" lang="ja-JP" altLang="en-US" dirty="0"/>
+          </a:p>
+        </p:txBody>
+      </p:sp>
+      <p:sp>
+        <p:nvSpPr>
+          <p:cNvPr id="4" name="スライド番号プレースホルダー 3">
+            <a:extLst>
+              <a:ext uri="{FF2B5EF4-FFF2-40B4-BE49-F238E27FC236}">
+                <a16:creationId xmlns:a16="http://schemas.microsoft.com/office/drawing/2014/main" id="{FC33E576-600A-683F-DC96-8544A310B7BF}"/>
+              </a:ext>
+            </a:extLst>
+          </p:cNvPr>
+          <p:cNvSpPr>
+            <a:spLocks noGrp="1"/>
+          </p:cNvSpPr>
+          <p:nvPr>
+            <p:ph type="sldNum" sz="quarter" idx="12"/>
+          </p:nvPr>
+        </p:nvSpPr>
+        <p:spPr/>
+        <p:txBody>
+          <a:bodyPr/>
+          <a:lstStyle/>
+          <a:p>
+            <a:fld id="{55407BB7-92F5-4977-AA44-396FA1CF315E}" type="slidenum">
+              <a:rPr kumimoji="1" lang="ja-JP" altLang="en-US" smtClean="0"/>
+              <a:pPr/>
+              <a:t>24</a:t>
+            </a:fld>
+            <a:endParaRPr kumimoji="1" lang="ja-JP" altLang="en-US" dirty="0"/>
+          </a:p>
+        </p:txBody>
+      </p:sp>
+    </p:spTree>
+    <p:extLst>
+      <p:ext uri="{BB962C8B-B14F-4D97-AF65-F5344CB8AC3E}">
+        <p14:creationId xmlns:p14="http://schemas.microsoft.com/office/powerpoint/2010/main" val="4182858109"/>
+      </p:ext>
+    </p:extLst>
+  </p:cSld>
+  <p:clrMapOvr>
+    <a:masterClrMapping/>
+  </p:clrMapOvr>
+</p:sld>
+</file>
+
 <file path=ppt/slides/slide26.xml><?xml version="1.0" encoding="utf-8"?>
 <p:sld xmlns:a="http://schemas.openxmlformats.org/drawingml/2006/main" xmlns:r="http://schemas.openxmlformats.org/officeDocument/2006/relationships" xmlns:p="http://schemas.openxmlformats.org/presentationml/2006/main">
   <p:cSld>
@@ -12511,196 +13611,6 @@
           <p:cNvPr id="2" name="タイトル 1">
             <a:extLst>
               <a:ext uri="{FF2B5EF4-FFF2-40B4-BE49-F238E27FC236}">
-                <a16:creationId xmlns:a16="http://schemas.microsoft.com/office/drawing/2014/main" id="{2050BE79-B88F-FF8B-6BA5-D26B97DBDD5A}"/>
-              </a:ext>
-            </a:extLst>
-          </p:cNvPr>
-          <p:cNvSpPr>
-            <a:spLocks noGrp="1"/>
-          </p:cNvSpPr>
-          <p:nvPr>
-            <p:ph type="title"/>
-          </p:nvPr>
-        </p:nvSpPr>
-        <p:spPr/>
-        <p:txBody>
-          <a:bodyPr/>
-          <a:lstStyle/>
-          <a:p>
-            <a:r>
-              <a:rPr kumimoji="1" lang="ja-JP" altLang="en-US" dirty="0"/>
-              <a:t>目次</a:t>
-            </a:r>
-          </a:p>
-        </p:txBody>
-      </p:sp>
-      <p:sp>
-        <p:nvSpPr>
-          <p:cNvPr id="3" name="コンテンツ プレースホルダー 2">
-            <a:extLst>
-              <a:ext uri="{FF2B5EF4-FFF2-40B4-BE49-F238E27FC236}">
-                <a16:creationId xmlns:a16="http://schemas.microsoft.com/office/drawing/2014/main" id="{B65B5EFB-27E8-7C48-B344-8691626E7FC9}"/>
-              </a:ext>
-            </a:extLst>
-          </p:cNvPr>
-          <p:cNvSpPr>
-            <a:spLocks noGrp="1"/>
-          </p:cNvSpPr>
-          <p:nvPr>
-            <p:ph idx="1"/>
-          </p:nvPr>
-        </p:nvSpPr>
-        <p:spPr/>
-        <p:txBody>
-          <a:bodyPr/>
-          <a:lstStyle/>
-          <a:p>
-            <a:r>
-              <a:rPr kumimoji="1" lang="ja-JP" altLang="en-US" dirty="0"/>
-              <a:t>研究テーマについて</a:t>
-            </a:r>
-            <a:endParaRPr kumimoji="1" lang="en-US" altLang="ja-JP" dirty="0"/>
-          </a:p>
-          <a:p>
-            <a:r>
-              <a:rPr lang="ja-JP" altLang="en-US" dirty="0"/>
-              <a:t>これまで取り組んだこと</a:t>
-            </a:r>
-            <a:endParaRPr lang="en-US" altLang="ja-JP" dirty="0"/>
-          </a:p>
-          <a:p>
-            <a:pPr lvl="1"/>
-            <a:r>
-              <a:rPr lang="en-US" altLang="ja-JP" dirty="0"/>
-              <a:t>LOS</a:t>
-            </a:r>
-            <a:r>
-              <a:rPr lang="ja-JP" altLang="en-US" dirty="0"/>
-              <a:t>に基づくリーダ・フォロワ制御の解析</a:t>
-            </a:r>
-            <a:endParaRPr lang="en-US" altLang="ja-JP" dirty="0"/>
-          </a:p>
-          <a:p>
-            <a:pPr lvl="1"/>
-            <a:r>
-              <a:rPr lang="en-US" altLang="ja-JP" dirty="0"/>
-              <a:t>LOS</a:t>
-            </a:r>
-            <a:r>
-              <a:rPr lang="ja-JP" altLang="en-US" dirty="0"/>
-              <a:t>に基づくリーダ・フォロワ制御の追試</a:t>
-            </a:r>
-            <a:endParaRPr lang="en-US" altLang="ja-JP" dirty="0"/>
-          </a:p>
-          <a:p>
-            <a:pPr lvl="1"/>
-            <a:r>
-              <a:rPr lang="en-US" altLang="ja-JP" dirty="0"/>
-              <a:t>Python</a:t>
-            </a:r>
-            <a:r>
-              <a:rPr lang="ja-JP" altLang="en-US" dirty="0"/>
-              <a:t>仮想環境の技術調査</a:t>
-            </a:r>
-            <a:endParaRPr lang="en-US" altLang="ja-JP" dirty="0"/>
-          </a:p>
-          <a:p>
-            <a:pPr lvl="1"/>
-            <a:r>
-              <a:rPr lang="en-US" altLang="ja-JP" dirty="0"/>
-              <a:t>Python +</a:t>
-            </a:r>
-            <a:r>
-              <a:rPr lang="en-US" altLang="ja-JP" dirty="0" err="1"/>
-              <a:t>CoppeliaSim</a:t>
-            </a:r>
-            <a:r>
-              <a:rPr lang="ja-JP" altLang="en-US" dirty="0"/>
-              <a:t>の技術調査</a:t>
-            </a:r>
-            <a:endParaRPr lang="en-US" altLang="ja-JP" dirty="0"/>
-          </a:p>
-          <a:p>
-            <a:r>
-              <a:rPr kumimoji="1" lang="ja-JP" altLang="en-US" dirty="0"/>
-              <a:t>課題</a:t>
-            </a:r>
-            <a:endParaRPr kumimoji="1" lang="en-US" altLang="ja-JP" dirty="0"/>
-          </a:p>
-          <a:p>
-            <a:r>
-              <a:rPr lang="ja-JP" altLang="en-US" dirty="0"/>
-              <a:t>今後の方針</a:t>
-            </a:r>
-            <a:endParaRPr kumimoji="1" lang="ja-JP" altLang="en-US" dirty="0"/>
-          </a:p>
-        </p:txBody>
-      </p:sp>
-      <p:sp>
-        <p:nvSpPr>
-          <p:cNvPr id="4" name="スライド番号プレースホルダー 3">
-            <a:extLst>
-              <a:ext uri="{FF2B5EF4-FFF2-40B4-BE49-F238E27FC236}">
-                <a16:creationId xmlns:a16="http://schemas.microsoft.com/office/drawing/2014/main" id="{FC33E576-600A-683F-DC96-8544A310B7BF}"/>
-              </a:ext>
-            </a:extLst>
-          </p:cNvPr>
-          <p:cNvSpPr>
-            <a:spLocks noGrp="1"/>
-          </p:cNvSpPr>
-          <p:nvPr>
-            <p:ph type="sldNum" sz="quarter" idx="12"/>
-          </p:nvPr>
-        </p:nvSpPr>
-        <p:spPr/>
-        <p:txBody>
-          <a:bodyPr/>
-          <a:lstStyle/>
-          <a:p>
-            <a:fld id="{55407BB7-92F5-4977-AA44-396FA1CF315E}" type="slidenum">
-              <a:rPr kumimoji="1" lang="ja-JP" altLang="en-US" smtClean="0"/>
-              <a:pPr/>
-              <a:t>25</a:t>
-            </a:fld>
-            <a:endParaRPr kumimoji="1" lang="ja-JP" altLang="en-US" dirty="0"/>
-          </a:p>
-        </p:txBody>
-      </p:sp>
-    </p:spTree>
-    <p:extLst>
-      <p:ext uri="{BB962C8B-B14F-4D97-AF65-F5344CB8AC3E}">
-        <p14:creationId xmlns:p14="http://schemas.microsoft.com/office/powerpoint/2010/main" val="4182858109"/>
-      </p:ext>
-    </p:extLst>
-  </p:cSld>
-  <p:clrMapOvr>
-    <a:masterClrMapping/>
-  </p:clrMapOvr>
-</p:sld>
-</file>
-
-<file path=ppt/slides/slide27.xml><?xml version="1.0" encoding="utf-8"?>
-<p:sld xmlns:a="http://schemas.openxmlformats.org/drawingml/2006/main" xmlns:r="http://schemas.openxmlformats.org/officeDocument/2006/relationships" xmlns:p="http://schemas.openxmlformats.org/presentationml/2006/main">
-  <p:cSld>
-    <p:spTree>
-      <p:nvGrpSpPr>
-        <p:cNvPr id="1" name=""/>
-        <p:cNvGrpSpPr/>
-        <p:nvPr/>
-      </p:nvGrpSpPr>
-      <p:grpSpPr>
-        <a:xfrm>
-          <a:off x="0" y="0"/>
-          <a:ext cx="0" cy="0"/>
-          <a:chOff x="0" y="0"/>
-          <a:chExt cx="0" cy="0"/>
-        </a:xfrm>
-      </p:grpSpPr>
-      <p:sp>
-        <p:nvSpPr>
-          <p:cNvPr id="2" name="タイトル 1">
-            <a:extLst>
-              <a:ext uri="{FF2B5EF4-FFF2-40B4-BE49-F238E27FC236}">
                 <a16:creationId xmlns:a16="http://schemas.microsoft.com/office/drawing/2014/main" id="{1F87813F-E456-B829-4307-FA5358BD8D93}"/>
               </a:ext>
             </a:extLst>
@@ -12828,7 +13738,7 @@
             <a:fld id="{55407BB7-92F5-4977-AA44-396FA1CF315E}" type="slidenum">
               <a:rPr kumimoji="1" lang="ja-JP" altLang="en-US" smtClean="0"/>
               <a:pPr/>
-              <a:t>26</a:t>
+              <a:t>25</a:t>
             </a:fld>
             <a:endParaRPr kumimoji="1" lang="ja-JP" altLang="en-US" dirty="0"/>
           </a:p>
